--- a/encoder_decoder.pptx
+++ b/encoder_decoder.pptx
@@ -10,7 +10,9 @@
     <p:sldId id="257" r:id="rId4"/>
     <p:sldId id="258" r:id="rId5"/>
     <p:sldId id="259" r:id="rId6"/>
-    <p:sldId id="260" r:id="rId7"/>
+    <p:sldId id="262" r:id="rId7"/>
+    <p:sldId id="263" r:id="rId8"/>
+    <p:sldId id="260" r:id="rId9"/>
   </p:sldIdLst>
   <p:sldSz cx="12192000" cy="6858000"/>
   <p:notesSz cx="6858000" cy="9144000"/>
@@ -109,6 +111,11 @@
       </a:defRPr>
     </a:lvl9pPr>
   </p:defaultTextStyle>
+  <p:extLst>
+    <p:ext uri="{EFAFB233-063F-42B5-8137-9DF3F51BA10A}">
+      <p15:sldGuideLst xmlns:p15="http://schemas.microsoft.com/office/powerpoint/2012/main"/>
+    </p:ext>
+  </p:extLst>
 </p:presentation>
 </file>
 
@@ -243,7 +250,7 @@
           <a:p>
             <a:fld id="{EA5C707D-EE12-44EE-970A-C277B1E8CD9B}" type="datetimeFigureOut">
               <a:rPr lang="en-US" smtClean="0"/>
-              <a:t>4/8/2020</a:t>
+              <a:t>4/11/2020</a:t>
             </a:fld>
             <a:endParaRPr lang="en-US"/>
           </a:p>
@@ -413,7 +420,7 @@
           <a:p>
             <a:fld id="{EA5C707D-EE12-44EE-970A-C277B1E8CD9B}" type="datetimeFigureOut">
               <a:rPr lang="en-US" smtClean="0"/>
-              <a:t>4/8/2020</a:t>
+              <a:t>4/11/2020</a:t>
             </a:fld>
             <a:endParaRPr lang="en-US"/>
           </a:p>
@@ -593,7 +600,7 @@
           <a:p>
             <a:fld id="{EA5C707D-EE12-44EE-970A-C277B1E8CD9B}" type="datetimeFigureOut">
               <a:rPr lang="en-US" smtClean="0"/>
-              <a:t>4/8/2020</a:t>
+              <a:t>4/11/2020</a:t>
             </a:fld>
             <a:endParaRPr lang="en-US"/>
           </a:p>
@@ -763,7 +770,7 @@
           <a:p>
             <a:fld id="{EA5C707D-EE12-44EE-970A-C277B1E8CD9B}" type="datetimeFigureOut">
               <a:rPr lang="en-US" smtClean="0"/>
-              <a:t>4/8/2020</a:t>
+              <a:t>4/11/2020</a:t>
             </a:fld>
             <a:endParaRPr lang="en-US"/>
           </a:p>
@@ -1009,7 +1016,7 @@
           <a:p>
             <a:fld id="{EA5C707D-EE12-44EE-970A-C277B1E8CD9B}" type="datetimeFigureOut">
               <a:rPr lang="en-US" smtClean="0"/>
-              <a:t>4/8/2020</a:t>
+              <a:t>4/11/2020</a:t>
             </a:fld>
             <a:endParaRPr lang="en-US"/>
           </a:p>
@@ -1241,7 +1248,7 @@
           <a:p>
             <a:fld id="{EA5C707D-EE12-44EE-970A-C277B1E8CD9B}" type="datetimeFigureOut">
               <a:rPr lang="en-US" smtClean="0"/>
-              <a:t>4/8/2020</a:t>
+              <a:t>4/11/2020</a:t>
             </a:fld>
             <a:endParaRPr lang="en-US"/>
           </a:p>
@@ -1608,7 +1615,7 @@
           <a:p>
             <a:fld id="{EA5C707D-EE12-44EE-970A-C277B1E8CD9B}" type="datetimeFigureOut">
               <a:rPr lang="en-US" smtClean="0"/>
-              <a:t>4/8/2020</a:t>
+              <a:t>4/11/2020</a:t>
             </a:fld>
             <a:endParaRPr lang="en-US"/>
           </a:p>
@@ -1726,7 +1733,7 @@
           <a:p>
             <a:fld id="{EA5C707D-EE12-44EE-970A-C277B1E8CD9B}" type="datetimeFigureOut">
               <a:rPr lang="en-US" smtClean="0"/>
-              <a:t>4/8/2020</a:t>
+              <a:t>4/11/2020</a:t>
             </a:fld>
             <a:endParaRPr lang="en-US"/>
           </a:p>
@@ -1821,7 +1828,7 @@
           <a:p>
             <a:fld id="{EA5C707D-EE12-44EE-970A-C277B1E8CD9B}" type="datetimeFigureOut">
               <a:rPr lang="en-US" smtClean="0"/>
-              <a:t>4/8/2020</a:t>
+              <a:t>4/11/2020</a:t>
             </a:fld>
             <a:endParaRPr lang="en-US"/>
           </a:p>
@@ -2098,7 +2105,7 @@
           <a:p>
             <a:fld id="{EA5C707D-EE12-44EE-970A-C277B1E8CD9B}" type="datetimeFigureOut">
               <a:rPr lang="en-US" smtClean="0"/>
-              <a:t>4/8/2020</a:t>
+              <a:t>4/11/2020</a:t>
             </a:fld>
             <a:endParaRPr lang="en-US"/>
           </a:p>
@@ -2351,7 +2358,7 @@
           <a:p>
             <a:fld id="{EA5C707D-EE12-44EE-970A-C277B1E8CD9B}" type="datetimeFigureOut">
               <a:rPr lang="en-US" smtClean="0"/>
-              <a:t>4/8/2020</a:t>
+              <a:t>4/11/2020</a:t>
             </a:fld>
             <a:endParaRPr lang="en-US"/>
           </a:p>
@@ -2564,7 +2571,7 @@
           <a:p>
             <a:fld id="{EA5C707D-EE12-44EE-970A-C277B1E8CD9B}" type="datetimeFigureOut">
               <a:rPr lang="en-US" smtClean="0"/>
-              <a:t>4/8/2020</a:t>
+              <a:t>4/11/2020</a:t>
             </a:fld>
             <a:endParaRPr lang="en-US"/>
           </a:p>
@@ -3219,13 +3226,19 @@
               <a:rPr lang="en-US" sz="3600" dirty="0" smtClean="0">
                 <a:latin typeface="Calibri Light (Headings)"/>
               </a:rPr>
-              <a:t>1.1</a:t>
+              <a:t>1.1a</a:t>
             </a:r>
             <a:r>
               <a:rPr lang="vi-VN" sz="3600" dirty="0" smtClean="0">
                 <a:latin typeface="Calibri Light (Headings)"/>
               </a:rPr>
-              <a:t> Recurrent Neural Network (RNN)</a:t>
+              <a:t> </a:t>
+            </a:r>
+            <a:r>
+              <a:rPr lang="vi-VN" sz="3600" dirty="0" smtClean="0">
+                <a:latin typeface="Calibri Light (Headings)"/>
+              </a:rPr>
+              <a:t>Recurrent Neural Network (RNN)</a:t>
             </a:r>
             <a:br>
               <a:rPr lang="vi-VN" sz="3600" dirty="0" smtClean="0">
@@ -5029,13 +5042,13 @@
               <a:rPr lang="vi-VN" sz="3600" dirty="0" smtClean="0">
                 <a:latin typeface="Calibri Light (Headings)"/>
               </a:rPr>
-              <a:t>1.2</a:t>
+              <a:t>1.</a:t>
             </a:r>
             <a:r>
               <a:rPr lang="en-US" sz="3600" dirty="0" smtClean="0">
                 <a:latin typeface="Calibri Light (Headings)"/>
               </a:rPr>
-              <a:t> </a:t>
+              <a:t>1b </a:t>
             </a:r>
             <a:r>
               <a:rPr lang="vi-VN" sz="3600" dirty="0" smtClean="0">
@@ -5073,8 +5086,8 @@
           </a:prstGeom>
         </p:spPr>
       </p:pic>
-      <mc:AlternateContent xmlns:mc="http://schemas.openxmlformats.org/markup-compatibility/2006">
-        <mc:Choice xmlns:a14="http://schemas.microsoft.com/office/drawing/2010/main" Requires="a14">
+      <mc:AlternateContent xmlns:mc="http://schemas.openxmlformats.org/markup-compatibility/2006" xmlns:a14="http://schemas.microsoft.com/office/drawing/2010/main">
+        <mc:Choice Requires="a14">
           <p:sp>
             <p:nvSpPr>
               <p:cNvPr id="13" name="Rectangle 12"/>
@@ -5096,6 +5109,7 @@
               </a:bodyPr>
               <a:lstStyle/>
               <a:p>
+                <a:pPr/>
                 <a14:m>
                   <m:oMathPara xmlns:m="http://schemas.openxmlformats.org/officeDocument/2006/math">
                     <m:oMathParaPr>
@@ -5105,7 +5119,7 @@
                       <m:sSub>
                         <m:sSubPr>
                           <m:ctrlPr>
-                            <a:rPr lang="en-US" smtClean="0">
+                            <a:rPr lang="en-US" i="1" smtClean="0">
                               <a:latin typeface="Cambria Math" panose="02040503050406030204" pitchFamily="18" charset="0"/>
                             </a:rPr>
                           </m:ctrlPr>
@@ -5286,7 +5300,7 @@
             </p:txBody>
           </p:sp>
         </mc:Choice>
-        <mc:Fallback>
+        <mc:Fallback xmlns="">
           <p:sp>
             <p:nvSpPr>
               <p:cNvPr id="13" name="Rectangle 12"/>
@@ -5325,8 +5339,8 @@
           </p:sp>
         </mc:Fallback>
       </mc:AlternateContent>
-      <mc:AlternateContent xmlns:mc="http://schemas.openxmlformats.org/markup-compatibility/2006">
-        <mc:Choice xmlns:a14="http://schemas.microsoft.com/office/drawing/2010/main" Requires="a14">
+      <mc:AlternateContent xmlns:mc="http://schemas.openxmlformats.org/markup-compatibility/2006" xmlns:a14="http://schemas.microsoft.com/office/drawing/2010/main">
+        <mc:Choice Requires="a14">
           <p:sp>
             <p:nvSpPr>
               <p:cNvPr id="18" name="Rectangle 17"/>
@@ -5348,6 +5362,7 @@
               </a:bodyPr>
               <a:lstStyle/>
               <a:p>
+                <a:pPr/>
                 <a14:m>
                   <m:oMathPara xmlns:m="http://schemas.openxmlformats.org/officeDocument/2006/math">
                     <m:oMathParaPr>
@@ -5357,7 +5372,7 @@
                       <m:sSub>
                         <m:sSubPr>
                           <m:ctrlPr>
-                            <a:rPr lang="en-US" smtClean="0">
+                            <a:rPr lang="en-US" i="1" smtClean="0">
                               <a:latin typeface="Cambria Math" panose="02040503050406030204" pitchFamily="18" charset="0"/>
                             </a:rPr>
                           </m:ctrlPr>
@@ -5538,7 +5553,7 @@
             </p:txBody>
           </p:sp>
         </mc:Choice>
-        <mc:Fallback>
+        <mc:Fallback xmlns="">
           <p:sp>
             <p:nvSpPr>
               <p:cNvPr id="18" name="Rectangle 17"/>
@@ -5577,8 +5592,8 @@
           </p:sp>
         </mc:Fallback>
       </mc:AlternateContent>
-      <mc:AlternateContent xmlns:mc="http://schemas.openxmlformats.org/markup-compatibility/2006">
-        <mc:Choice xmlns:a14="http://schemas.microsoft.com/office/drawing/2010/main" Requires="a14">
+      <mc:AlternateContent xmlns:mc="http://schemas.openxmlformats.org/markup-compatibility/2006" xmlns:a14="http://schemas.microsoft.com/office/drawing/2010/main">
+        <mc:Choice Requires="a14">
           <p:sp>
             <p:nvSpPr>
               <p:cNvPr id="20" name="Rectangle 19"/>
@@ -5600,6 +5615,7 @@
               </a:bodyPr>
               <a:lstStyle/>
               <a:p>
+                <a:pPr/>
                 <a14:m>
                   <m:oMathPara xmlns:m="http://schemas.openxmlformats.org/officeDocument/2006/math">
                     <m:oMathParaPr>
@@ -5609,7 +5625,7 @@
                       <m:sSubSup>
                         <m:sSubSupPr>
                           <m:ctrlPr>
-                            <a:rPr lang="en-US" smtClean="0">
+                            <a:rPr lang="en-US" i="1" smtClean="0">
                               <a:latin typeface="Cambria Math" panose="02040503050406030204" pitchFamily="18" charset="0"/>
                             </a:rPr>
                           </m:ctrlPr>
@@ -5800,7 +5816,7 @@
             </p:txBody>
           </p:sp>
         </mc:Choice>
-        <mc:Fallback>
+        <mc:Fallback xmlns="">
           <p:sp>
             <p:nvSpPr>
               <p:cNvPr id="20" name="Rectangle 19"/>
@@ -5839,8 +5855,8 @@
           </p:sp>
         </mc:Fallback>
       </mc:AlternateContent>
-      <mc:AlternateContent xmlns:mc="http://schemas.openxmlformats.org/markup-compatibility/2006">
-        <mc:Choice xmlns:a14="http://schemas.microsoft.com/office/drawing/2010/main" Requires="a14">
+      <mc:AlternateContent xmlns:mc="http://schemas.openxmlformats.org/markup-compatibility/2006" xmlns:a14="http://schemas.microsoft.com/office/drawing/2010/main">
+        <mc:Choice Requires="a14">
           <p:sp>
             <p:nvSpPr>
               <p:cNvPr id="23" name="Rectangle 22"/>
@@ -5862,6 +5878,7 @@
               </a:bodyPr>
               <a:lstStyle/>
               <a:p>
+                <a:pPr/>
                 <a14:m>
                   <m:oMathPara xmlns:m="http://schemas.openxmlformats.org/officeDocument/2006/math">
                     <m:oMathParaPr>
@@ -5871,7 +5888,7 @@
                       <m:sSub>
                         <m:sSubPr>
                           <m:ctrlPr>
-                            <a:rPr lang="en-US" smtClean="0">
+                            <a:rPr lang="en-US" i="1" smtClean="0">
                               <a:latin typeface="Cambria Math" panose="02040503050406030204" pitchFamily="18" charset="0"/>
                             </a:rPr>
                           </m:ctrlPr>
@@ -6076,7 +6093,7 @@
             </p:txBody>
           </p:sp>
         </mc:Choice>
-        <mc:Fallback>
+        <mc:Fallback xmlns="">
           <p:sp>
             <p:nvSpPr>
               <p:cNvPr id="23" name="Rectangle 22"/>
@@ -6169,86 +6186,265 @@
           </a:xfrm>
         </p:spPr>
         <p:txBody>
-          <a:bodyPr/>
+          <a:bodyPr>
+            <a:normAutofit/>
+          </a:bodyPr>
           <a:lstStyle/>
           <a:p>
             <a:r>
-              <a:rPr lang="vi-VN" dirty="0" smtClean="0"/>
-              <a:t>1.3 Convolutional Neural Network (CNN)</a:t>
+              <a:rPr lang="vi-VN" sz="3600" dirty="0" smtClean="0">
+                <a:latin typeface="Times New Roman (Headings)"/>
+              </a:rPr>
+              <a:t>1.</a:t>
+            </a:r>
+            <a:r>
+              <a:rPr lang="en-US" sz="3600" dirty="0" smtClean="0">
+                <a:latin typeface="Times New Roman (Headings)"/>
+              </a:rPr>
+              <a:t>2a</a:t>
+            </a:r>
+            <a:r>
+              <a:rPr lang="vi-VN" sz="3600" dirty="0" smtClean="0">
+                <a:latin typeface="Times New Roman (Headings)"/>
+              </a:rPr>
+              <a:t> </a:t>
+            </a:r>
+            <a:r>
+              <a:rPr lang="vi-VN" sz="3600" dirty="0" smtClean="0">
+                <a:latin typeface="Times New Roman (Headings)"/>
+              </a:rPr>
+              <a:t>Convolutional Neural Network (CNN)</a:t>
             </a:r>
             <a:br>
-              <a:rPr lang="vi-VN" dirty="0" smtClean="0"/>
+              <a:rPr lang="vi-VN" sz="3600" dirty="0" smtClean="0">
+                <a:latin typeface="Times New Roman (Headings)"/>
+              </a:rPr>
             </a:br>
             <a:r>
-              <a:rPr lang="vi-VN" dirty="0" smtClean="0"/>
-              <a:t>Encoder-Decoder Architecture </a:t>
+              <a:rPr lang="vi-VN" sz="3600" dirty="0" smtClean="0">
+                <a:latin typeface="Times New Roman (Headings)"/>
+              </a:rPr>
+              <a:t>Encoder-</a:t>
             </a:r>
-            <a:endParaRPr lang="en-US" dirty="0"/>
+            <a:r>
+              <a:rPr lang="en-US" sz="3600" dirty="0" smtClean="0">
+                <a:latin typeface="Times New Roman (Headings)"/>
+              </a:rPr>
+              <a:t> RNN </a:t>
+            </a:r>
+            <a:r>
+              <a:rPr lang="vi-VN" sz="3600" dirty="0" smtClean="0">
+                <a:latin typeface="Times New Roman (Headings)"/>
+              </a:rPr>
+              <a:t>Decoder </a:t>
+            </a:r>
+            <a:r>
+              <a:rPr lang="vi-VN" sz="3600" dirty="0" smtClean="0">
+                <a:latin typeface="Times New Roman (Headings)"/>
+              </a:rPr>
+              <a:t>Architecture </a:t>
+            </a:r>
+            <a:endParaRPr lang="en-US" sz="3600" dirty="0">
+              <a:latin typeface="Times New Roman (Headings)"/>
+            </a:endParaRPr>
           </a:p>
         </p:txBody>
       </p:sp>
       <p:grpSp>
         <p:nvGrpSpPr>
-          <p:cNvPr id="24" name="Group 23"/>
+          <p:cNvPr id="12" name="Group 11"/>
           <p:cNvGrpSpPr/>
           <p:nvPr/>
         </p:nvGrpSpPr>
         <p:grpSpPr>
           <a:xfrm>
-            <a:off x="1254183" y="1424681"/>
-            <a:ext cx="9334500" cy="5305945"/>
-            <a:chOff x="1254183" y="1424681"/>
-            <a:chExt cx="9334500" cy="5305945"/>
+            <a:off x="3563364" y="1424681"/>
+            <a:ext cx="4716138" cy="5244238"/>
+            <a:chOff x="3563364" y="1424681"/>
+            <a:chExt cx="4716138" cy="5244238"/>
           </a:xfrm>
         </p:grpSpPr>
         <p:grpSp>
           <p:nvGrpSpPr>
-            <p:cNvPr id="16" name="Group 15"/>
+            <p:cNvPr id="11" name="Group 10"/>
             <p:cNvGrpSpPr/>
             <p:nvPr/>
           </p:nvGrpSpPr>
           <p:grpSpPr>
             <a:xfrm>
-              <a:off x="1254183" y="1424681"/>
-              <a:ext cx="9334500" cy="5305945"/>
-              <a:chOff x="1254183" y="1424681"/>
-              <a:chExt cx="9334500" cy="5305945"/>
+              <a:off x="3563364" y="1424681"/>
+              <a:ext cx="4716138" cy="5244238"/>
+              <a:chOff x="3849072" y="1343853"/>
+              <a:chExt cx="4716138" cy="5244238"/>
             </a:xfrm>
           </p:grpSpPr>
-          <p:pic>
-            <p:nvPicPr>
-              <p:cNvPr id="13" name="Picture 12"/>
-              <p:cNvPicPr>
-                <a:picLocks noChangeAspect="1"/>
-              </p:cNvPicPr>
+          <p:grpSp>
+            <p:nvGrpSpPr>
+              <p:cNvPr id="9" name="Group 8"/>
+              <p:cNvGrpSpPr/>
               <p:nvPr/>
-            </p:nvPicPr>
-            <p:blipFill>
-              <a:blip r:embed="rId2"/>
-              <a:stretch>
-                <a:fillRect/>
-              </a:stretch>
-            </p:blipFill>
-            <p:spPr>
+            </p:nvGrpSpPr>
+            <p:grpSpPr>
               <a:xfrm>
-                <a:off x="1254183" y="1424681"/>
-                <a:ext cx="9334500" cy="5048250"/>
+                <a:off x="3849072" y="1945562"/>
+                <a:ext cx="4716138" cy="4642529"/>
+                <a:chOff x="3849072" y="1945562"/>
+                <a:chExt cx="4716138" cy="4642529"/>
               </a:xfrm>
-              <a:prstGeom prst="rect">
-                <a:avLst/>
-              </a:prstGeom>
-            </p:spPr>
-          </p:pic>
+            </p:grpSpPr>
+            <p:grpSp>
+              <p:nvGrpSpPr>
+                <p:cNvPr id="7" name="Group 6"/>
+                <p:cNvGrpSpPr/>
+                <p:nvPr/>
+              </p:nvGrpSpPr>
+              <p:grpSpPr>
+                <a:xfrm>
+                  <a:off x="4222686" y="1945562"/>
+                  <a:ext cx="4342524" cy="4642529"/>
+                  <a:chOff x="4222686" y="1945562"/>
+                  <a:chExt cx="4342524" cy="4642529"/>
+                </a:xfrm>
+              </p:grpSpPr>
+              <p:pic>
+                <p:nvPicPr>
+                  <p:cNvPr id="3" name="Picture 2"/>
+                  <p:cNvPicPr>
+                    <a:picLocks noChangeAspect="1"/>
+                  </p:cNvPicPr>
+                  <p:nvPr/>
+                </p:nvPicPr>
+                <p:blipFill>
+                  <a:blip r:embed="rId2"/>
+                  <a:stretch>
+                    <a:fillRect/>
+                  </a:stretch>
+                </p:blipFill>
+                <p:spPr>
+                  <a:xfrm>
+                    <a:off x="4222686" y="3999968"/>
+                    <a:ext cx="3773650" cy="2588123"/>
+                  </a:xfrm>
+                  <a:prstGeom prst="rect">
+                    <a:avLst/>
+                  </a:prstGeom>
+                </p:spPr>
+              </p:pic>
+              <p:pic>
+                <p:nvPicPr>
+                  <p:cNvPr id="4" name="Picture 3"/>
+                  <p:cNvPicPr>
+                    <a:picLocks noChangeAspect="1"/>
+                  </p:cNvPicPr>
+                  <p:nvPr/>
+                </p:nvPicPr>
+                <p:blipFill>
+                  <a:blip r:embed="rId3"/>
+                  <a:stretch>
+                    <a:fillRect/>
+                  </a:stretch>
+                </p:blipFill>
+                <p:spPr>
+                  <a:xfrm>
+                    <a:off x="5698185" y="1945562"/>
+                    <a:ext cx="2867025" cy="1533525"/>
+                  </a:xfrm>
+                  <a:prstGeom prst="rect">
+                    <a:avLst/>
+                  </a:prstGeom>
+                </p:spPr>
+              </p:pic>
+              <p:cxnSp>
+                <p:nvCxnSpPr>
+                  <p:cNvPr id="6" name="Straight Arrow Connector 5"/>
+                  <p:cNvCxnSpPr>
+                    <a:stCxn id="3" idx="0"/>
+                  </p:cNvCxnSpPr>
+                  <p:nvPr/>
+                </p:nvCxnSpPr>
+                <p:spPr>
+                  <a:xfrm flipV="1">
+                    <a:off x="6109511" y="3368351"/>
+                    <a:ext cx="0" cy="631617"/>
+                  </a:xfrm>
+                  <a:prstGeom prst="straightConnector1">
+                    <a:avLst/>
+                  </a:prstGeom>
+                  <a:ln>
+                    <a:tailEnd type="triangle"/>
+                  </a:ln>
+                </p:spPr>
+                <p:style>
+                  <a:lnRef idx="1">
+                    <a:schemeClr val="dk1"/>
+                  </a:lnRef>
+                  <a:fillRef idx="0">
+                    <a:schemeClr val="dk1"/>
+                  </a:fillRef>
+                  <a:effectRef idx="0">
+                    <a:schemeClr val="dk1"/>
+                  </a:effectRef>
+                  <a:fontRef idx="minor">
+                    <a:schemeClr val="tx1"/>
+                  </a:fontRef>
+                </p:style>
+              </p:cxnSp>
+            </p:grpSp>
+            <p:sp>
+              <p:nvSpPr>
+                <p:cNvPr id="8" name="Rectangle 7"/>
+                <p:cNvSpPr/>
+                <p:nvPr/>
+              </p:nvSpPr>
+              <p:spPr>
+                <a:xfrm>
+                  <a:off x="3849072" y="3999968"/>
+                  <a:ext cx="335902" cy="2512799"/>
+                </a:xfrm>
+                <a:prstGeom prst="rect">
+                  <a:avLst/>
+                </a:prstGeom>
+              </p:spPr>
+              <p:style>
+                <a:lnRef idx="2">
+                  <a:schemeClr val="accent1">
+                    <a:shade val="50000"/>
+                  </a:schemeClr>
+                </a:lnRef>
+                <a:fillRef idx="1">
+                  <a:schemeClr val="accent1"/>
+                </a:fillRef>
+                <a:effectRef idx="0">
+                  <a:schemeClr val="accent1"/>
+                </a:effectRef>
+                <a:fontRef idx="minor">
+                  <a:schemeClr val="lt1"/>
+                </a:fontRef>
+              </p:style>
+              <p:txBody>
+                <a:bodyPr rtlCol="0" anchor="ctr"/>
+                <a:lstStyle/>
+                <a:p>
+                  <a:pPr algn="ctr"/>
+                  <a:r>
+                    <a:rPr lang="en-US" dirty="0" smtClean="0"/>
+                    <a:t>Encoder</a:t>
+                  </a:r>
+                  <a:endParaRPr lang="en-US" dirty="0"/>
+                </a:p>
+              </p:txBody>
+            </p:sp>
+          </p:grpSp>
           <p:sp>
             <p:nvSpPr>
-              <p:cNvPr id="14" name="Rectangle 13"/>
+              <p:cNvPr id="25" name="Rectangle 24"/>
               <p:cNvSpPr/>
               <p:nvPr/>
             </p:nvSpPr>
             <p:spPr>
               <a:xfrm>
-                <a:off x="1554480" y="6472931"/>
-                <a:ext cx="4713317" cy="257695"/>
+                <a:off x="3849072" y="1343853"/>
+                <a:ext cx="335902" cy="2512799"/>
               </a:xfrm>
               <a:prstGeom prst="rect">
                 <a:avLst/>
@@ -6276,51 +6472,7 @@
               <a:p>
                 <a:pPr algn="ctr"/>
                 <a:r>
-                  <a:rPr lang="vi-VN" dirty="0" smtClean="0"/>
-                  <a:t>Encoder</a:t>
-                </a:r>
-                <a:endParaRPr lang="en-US" dirty="0"/>
-              </a:p>
-            </p:txBody>
-          </p:sp>
-          <p:sp>
-            <p:nvSpPr>
-              <p:cNvPr id="15" name="Rectangle 14"/>
-              <p:cNvSpPr/>
-              <p:nvPr/>
-            </p:nvSpPr>
-            <p:spPr>
-              <a:xfrm>
-                <a:off x="6864754" y="6472931"/>
-                <a:ext cx="3126971" cy="257695"/>
-              </a:xfrm>
-              <a:prstGeom prst="rect">
-                <a:avLst/>
-              </a:prstGeom>
-            </p:spPr>
-            <p:style>
-              <a:lnRef idx="2">
-                <a:schemeClr val="accent1">
-                  <a:shade val="50000"/>
-                </a:schemeClr>
-              </a:lnRef>
-              <a:fillRef idx="1">
-                <a:schemeClr val="accent1"/>
-              </a:fillRef>
-              <a:effectRef idx="0">
-                <a:schemeClr val="accent1"/>
-              </a:effectRef>
-              <a:fontRef idx="minor">
-                <a:schemeClr val="lt1"/>
-              </a:fontRef>
-            </p:style>
-            <p:txBody>
-              <a:bodyPr rtlCol="0" anchor="ctr"/>
-              <a:lstStyle/>
-              <a:p>
-                <a:pPr algn="ctr"/>
-                <a:r>
-                  <a:rPr lang="vi-VN" dirty="0" smtClean="0"/>
+                  <a:rPr lang="en-US" dirty="0" smtClean="0"/>
                   <a:t>Decoder</a:t>
                 </a:r>
                 <a:endParaRPr lang="en-US" dirty="0"/>
@@ -6328,370 +6480,420 @@
             </p:txBody>
           </p:sp>
         </p:grpSp>
-        <p:sp>
-          <p:nvSpPr>
-            <p:cNvPr id="17" name="Rectangle 16"/>
-            <p:cNvSpPr/>
-            <p:nvPr/>
-          </p:nvSpPr>
-          <p:spPr>
-            <a:xfrm>
-              <a:off x="9660104" y="4407083"/>
-              <a:ext cx="414921" cy="48539"/>
-            </a:xfrm>
-            <a:prstGeom prst="rect">
-              <a:avLst/>
-            </a:prstGeom>
-            <a:solidFill>
-              <a:schemeClr val="bg1"/>
-            </a:solidFill>
-            <a:ln>
-              <a:noFill/>
-            </a:ln>
-          </p:spPr>
-          <p:style>
-            <a:lnRef idx="2">
-              <a:schemeClr val="accent1">
-                <a:shade val="50000"/>
-              </a:schemeClr>
-            </a:lnRef>
-            <a:fillRef idx="1">
-              <a:schemeClr val="accent1"/>
-            </a:fillRef>
-            <a:effectRef idx="0">
-              <a:schemeClr val="accent1"/>
-            </a:effectRef>
-            <a:fontRef idx="minor">
-              <a:schemeClr val="lt1"/>
-            </a:fontRef>
-          </p:style>
-          <p:txBody>
-            <a:bodyPr rtlCol="0" anchor="ctr"/>
-            <a:lstStyle/>
-            <a:p>
-              <a:pPr algn="ctr"/>
-              <a:r>
-                <a:rPr lang="vi-VN" sz="800" dirty="0" smtClean="0">
-                  <a:solidFill>
-                    <a:schemeClr val="tx1"/>
-                  </a:solidFill>
-                </a:rPr>
-                <a:t>Tôi</a:t>
-              </a:r>
-              <a:endParaRPr lang="en-US" sz="800" dirty="0">
+        <mc:AlternateContent xmlns:mc="http://schemas.openxmlformats.org/markup-compatibility/2006">
+          <mc:Choice xmlns:a14="http://schemas.microsoft.com/office/drawing/2010/main" Requires="a14">
+            <p:sp>
+              <p:nvSpPr>
+                <p:cNvPr id="26" name="Rectangle 25"/>
+                <p:cNvSpPr/>
+                <p:nvPr/>
+              </p:nvSpPr>
+              <p:spPr>
+                <a:xfrm>
+                  <a:off x="5584235" y="2017059"/>
+                  <a:ext cx="421177" cy="224444"/>
+                </a:xfrm>
+                <a:prstGeom prst="rect">
+                  <a:avLst/>
+                </a:prstGeom>
                 <a:solidFill>
-                  <a:schemeClr val="tx1"/>
+                  <a:schemeClr val="bg1"/>
                 </a:solidFill>
-              </a:endParaRPr>
-            </a:p>
-          </p:txBody>
-        </p:sp>
-        <p:sp>
-          <p:nvSpPr>
-            <p:cNvPr id="19" name="Rectangle 18"/>
-            <p:cNvSpPr/>
-            <p:nvPr/>
-          </p:nvSpPr>
-          <p:spPr>
-            <a:xfrm>
-              <a:off x="9709447" y="4543574"/>
-              <a:ext cx="414921" cy="48539"/>
-            </a:xfrm>
-            <a:prstGeom prst="rect">
-              <a:avLst/>
-            </a:prstGeom>
-            <a:solidFill>
-              <a:schemeClr val="bg1"/>
-            </a:solidFill>
-            <a:ln>
-              <a:noFill/>
-            </a:ln>
-          </p:spPr>
-          <p:style>
-            <a:lnRef idx="2">
-              <a:schemeClr val="accent1">
-                <a:shade val="50000"/>
-              </a:schemeClr>
-            </a:lnRef>
-            <a:fillRef idx="1">
-              <a:schemeClr val="accent1"/>
-            </a:fillRef>
-            <a:effectRef idx="0">
-              <a:schemeClr val="accent1"/>
-            </a:effectRef>
-            <a:fontRef idx="minor">
-              <a:schemeClr val="lt1"/>
-            </a:fontRef>
-          </p:style>
-          <p:txBody>
-            <a:bodyPr rtlCol="0" anchor="ctr"/>
-            <a:lstStyle/>
-            <a:p>
-              <a:pPr algn="ctr"/>
-              <a:r>
-                <a:rPr lang="vi-VN" sz="800" dirty="0" smtClean="0">
-                  <a:solidFill>
-                    <a:schemeClr val="tx1"/>
-                  </a:solidFill>
-                </a:rPr>
-                <a:t>thích</a:t>
-              </a:r>
-              <a:endParaRPr lang="en-US" sz="800" dirty="0">
+                <a:ln>
+                  <a:noFill/>
+                </a:ln>
+              </p:spPr>
+              <p:style>
+                <a:lnRef idx="2">
+                  <a:schemeClr val="accent1">
+                    <a:shade val="50000"/>
+                  </a:schemeClr>
+                </a:lnRef>
+                <a:fillRef idx="1">
+                  <a:schemeClr val="accent1"/>
+                </a:fillRef>
+                <a:effectRef idx="0">
+                  <a:schemeClr val="accent1"/>
+                </a:effectRef>
+                <a:fontRef idx="minor">
+                  <a:schemeClr val="lt1"/>
+                </a:fontRef>
+              </p:style>
+              <p:txBody>
+                <a:bodyPr rtlCol="0" anchor="ctr"/>
+                <a:lstStyle/>
+                <a:p>
+                  <a:pPr algn="ctr"/>
+                  <a14:m>
+                    <m:oMathPara xmlns:m="http://schemas.openxmlformats.org/officeDocument/2006/math">
+                      <m:oMathParaPr>
+                        <m:jc m:val="centerGroup"/>
+                      </m:oMathParaPr>
+                      <m:oMath xmlns:m="http://schemas.openxmlformats.org/officeDocument/2006/math">
+                        <m:sSub>
+                          <m:sSubPr>
+                            <m:ctrlPr>
+                              <a:rPr lang="en-US" sz="1050" i="1" dirty="0" smtClean="0">
+                                <a:solidFill>
+                                  <a:schemeClr val="tx1"/>
+                                </a:solidFill>
+                                <a:latin typeface="Cambria Math" panose="02040503050406030204" pitchFamily="18" charset="0"/>
+                              </a:rPr>
+                            </m:ctrlPr>
+                          </m:sSubPr>
+                          <m:e>
+                            <m:r>
+                              <a:rPr lang="en-US" sz="1050" b="0" i="1" dirty="0" smtClean="0">
+                                <a:solidFill>
+                                  <a:schemeClr val="tx1"/>
+                                </a:solidFill>
+                                <a:latin typeface="Cambria Math" panose="02040503050406030204" pitchFamily="18" charset="0"/>
+                              </a:rPr>
+                              <m:t>𝑦</m:t>
+                            </m:r>
+                          </m:e>
+                          <m:sub>
+                            <m:r>
+                              <a:rPr lang="en-US" sz="1050" b="0" i="1" dirty="0" smtClean="0">
+                                <a:solidFill>
+                                  <a:schemeClr val="tx1"/>
+                                </a:solidFill>
+                                <a:latin typeface="Cambria Math" panose="02040503050406030204" pitchFamily="18" charset="0"/>
+                              </a:rPr>
+                              <m:t>1</m:t>
+                            </m:r>
+                          </m:sub>
+                        </m:sSub>
+                      </m:oMath>
+                    </m:oMathPara>
+                  </a14:m>
+                  <a:endParaRPr lang="en-US" sz="1050" dirty="0">
+                    <a:solidFill>
+                      <a:schemeClr val="tx1"/>
+                    </a:solidFill>
+                  </a:endParaRPr>
+                </a:p>
+              </p:txBody>
+            </p:sp>
+          </mc:Choice>
+          <mc:Fallback>
+            <p:sp>
+              <p:nvSpPr>
+                <p:cNvPr id="26" name="Rectangle 25"/>
+                <p:cNvSpPr>
+                  <a:spLocks noRot="1" noChangeAspect="1" noMove="1" noResize="1" noEditPoints="1" noAdjustHandles="1" noChangeArrowheads="1" noChangeShapeType="1" noTextEdit="1"/>
+                </p:cNvSpPr>
+                <p:nvPr/>
+              </p:nvSpPr>
+              <p:spPr>
+                <a:xfrm>
+                  <a:off x="5584235" y="2017059"/>
+                  <a:ext cx="421177" cy="224444"/>
+                </a:xfrm>
+                <a:prstGeom prst="rect">
+                  <a:avLst/>
+                </a:prstGeom>
+                <a:blipFill>
+                  <a:blip r:embed="rId4"/>
+                  <a:stretch>
+                    <a:fillRect b="-5405"/>
+                  </a:stretch>
+                </a:blipFill>
+                <a:ln>
+                  <a:noFill/>
+                </a:ln>
+              </p:spPr>
+              <p:txBody>
+                <a:bodyPr/>
+                <a:lstStyle/>
+                <a:p>
+                  <a:r>
+                    <a:rPr lang="en-US">
+                      <a:noFill/>
+                    </a:rPr>
+                    <a:t> </a:t>
+                  </a:r>
+                </a:p>
+              </p:txBody>
+            </p:sp>
+          </mc:Fallback>
+        </mc:AlternateContent>
+        <mc:AlternateContent xmlns:mc="http://schemas.openxmlformats.org/markup-compatibility/2006">
+          <mc:Choice xmlns:a14="http://schemas.microsoft.com/office/drawing/2010/main" Requires="a14">
+            <p:sp>
+              <p:nvSpPr>
+                <p:cNvPr id="27" name="Rectangle 26"/>
+                <p:cNvSpPr/>
+                <p:nvPr/>
+              </p:nvSpPr>
+              <p:spPr>
+                <a:xfrm>
+                  <a:off x="6305803" y="2017059"/>
+                  <a:ext cx="421177" cy="224444"/>
+                </a:xfrm>
+                <a:prstGeom prst="rect">
+                  <a:avLst/>
+                </a:prstGeom>
                 <a:solidFill>
-                  <a:schemeClr val="tx1"/>
+                  <a:schemeClr val="bg1"/>
                 </a:solidFill>
-              </a:endParaRPr>
-            </a:p>
-          </p:txBody>
-        </p:sp>
-        <p:sp>
-          <p:nvSpPr>
-            <p:cNvPr id="20" name="Rectangle 19"/>
-            <p:cNvSpPr/>
-            <p:nvPr/>
-          </p:nvSpPr>
-          <p:spPr>
-            <a:xfrm>
-              <a:off x="9709447" y="4673091"/>
-              <a:ext cx="414921" cy="48539"/>
-            </a:xfrm>
-            <a:prstGeom prst="rect">
-              <a:avLst/>
-            </a:prstGeom>
-            <a:solidFill>
-              <a:schemeClr val="bg1"/>
-            </a:solidFill>
-            <a:ln>
-              <a:noFill/>
-            </a:ln>
-          </p:spPr>
-          <p:style>
-            <a:lnRef idx="2">
-              <a:schemeClr val="accent1">
-                <a:shade val="50000"/>
-              </a:schemeClr>
-            </a:lnRef>
-            <a:fillRef idx="1">
-              <a:schemeClr val="accent1"/>
-            </a:fillRef>
-            <a:effectRef idx="0">
-              <a:schemeClr val="accent1"/>
-            </a:effectRef>
-            <a:fontRef idx="minor">
-              <a:schemeClr val="lt1"/>
-            </a:fontRef>
-          </p:style>
-          <p:txBody>
-            <a:bodyPr rtlCol="0" anchor="ctr"/>
-            <a:lstStyle/>
-            <a:p>
-              <a:pPr algn="ctr"/>
-              <a:r>
-                <a:rPr lang="vi-VN" sz="800" dirty="0" smtClean="0">
-                  <a:solidFill>
-                    <a:schemeClr val="tx1"/>
-                  </a:solidFill>
-                </a:rPr>
-                <a:t>phim</a:t>
-              </a:r>
-              <a:endParaRPr lang="en-US" sz="800" dirty="0">
+                <a:ln>
+                  <a:noFill/>
+                </a:ln>
+              </p:spPr>
+              <p:style>
+                <a:lnRef idx="2">
+                  <a:schemeClr val="accent1">
+                    <a:shade val="50000"/>
+                  </a:schemeClr>
+                </a:lnRef>
+                <a:fillRef idx="1">
+                  <a:schemeClr val="accent1"/>
+                </a:fillRef>
+                <a:effectRef idx="0">
+                  <a:schemeClr val="accent1"/>
+                </a:effectRef>
+                <a:fontRef idx="minor">
+                  <a:schemeClr val="lt1"/>
+                </a:fontRef>
+              </p:style>
+              <p:txBody>
+                <a:bodyPr rtlCol="0" anchor="ctr"/>
+                <a:lstStyle/>
+                <a:p>
+                  <a:pPr algn="ctr"/>
+                  <a14:m>
+                    <m:oMathPara xmlns:m="http://schemas.openxmlformats.org/officeDocument/2006/math">
+                      <m:oMathParaPr>
+                        <m:jc m:val="centerGroup"/>
+                      </m:oMathParaPr>
+                      <m:oMath xmlns:m="http://schemas.openxmlformats.org/officeDocument/2006/math">
+                        <m:sSub>
+                          <m:sSubPr>
+                            <m:ctrlPr>
+                              <a:rPr lang="en-US" sz="1050" i="1" dirty="0" smtClean="0">
+                                <a:solidFill>
+                                  <a:schemeClr val="tx1"/>
+                                </a:solidFill>
+                                <a:latin typeface="Cambria Math" panose="02040503050406030204" pitchFamily="18" charset="0"/>
+                              </a:rPr>
+                            </m:ctrlPr>
+                          </m:sSubPr>
+                          <m:e>
+                            <m:r>
+                              <a:rPr lang="en-US" sz="1050" b="0" i="1" dirty="0" smtClean="0">
+                                <a:solidFill>
+                                  <a:schemeClr val="tx1"/>
+                                </a:solidFill>
+                                <a:latin typeface="Cambria Math" panose="02040503050406030204" pitchFamily="18" charset="0"/>
+                              </a:rPr>
+                              <m:t>𝑦</m:t>
+                            </m:r>
+                          </m:e>
+                          <m:sub>
+                            <m:r>
+                              <a:rPr lang="en-US" sz="1050" b="0" i="1" dirty="0" smtClean="0">
+                                <a:solidFill>
+                                  <a:schemeClr val="tx1"/>
+                                </a:solidFill>
+                                <a:latin typeface="Cambria Math" panose="02040503050406030204" pitchFamily="18" charset="0"/>
+                              </a:rPr>
+                              <m:t>2</m:t>
+                            </m:r>
+                          </m:sub>
+                        </m:sSub>
+                      </m:oMath>
+                    </m:oMathPara>
+                  </a14:m>
+                  <a:endParaRPr lang="en-US" sz="1050" dirty="0">
+                    <a:solidFill>
+                      <a:schemeClr val="tx1"/>
+                    </a:solidFill>
+                  </a:endParaRPr>
+                </a:p>
+              </p:txBody>
+            </p:sp>
+          </mc:Choice>
+          <mc:Fallback>
+            <p:sp>
+              <p:nvSpPr>
+                <p:cNvPr id="27" name="Rectangle 26"/>
+                <p:cNvSpPr>
+                  <a:spLocks noRot="1" noChangeAspect="1" noMove="1" noResize="1" noEditPoints="1" noAdjustHandles="1" noChangeArrowheads="1" noChangeShapeType="1" noTextEdit="1"/>
+                </p:cNvSpPr>
+                <p:nvPr/>
+              </p:nvSpPr>
+              <p:spPr>
+                <a:xfrm>
+                  <a:off x="6305803" y="2017059"/>
+                  <a:ext cx="421177" cy="224444"/>
+                </a:xfrm>
+                <a:prstGeom prst="rect">
+                  <a:avLst/>
+                </a:prstGeom>
+                <a:blipFill>
+                  <a:blip r:embed="rId5"/>
+                  <a:stretch>
+                    <a:fillRect b="-5405"/>
+                  </a:stretch>
+                </a:blipFill>
+                <a:ln>
+                  <a:noFill/>
+                </a:ln>
+              </p:spPr>
+              <p:txBody>
+                <a:bodyPr/>
+                <a:lstStyle/>
+                <a:p>
+                  <a:r>
+                    <a:rPr lang="en-US">
+                      <a:noFill/>
+                    </a:rPr>
+                    <a:t> </a:t>
+                  </a:r>
+                </a:p>
+              </p:txBody>
+            </p:sp>
+          </mc:Fallback>
+        </mc:AlternateContent>
+        <mc:AlternateContent xmlns:mc="http://schemas.openxmlformats.org/markup-compatibility/2006">
+          <mc:Choice xmlns:a14="http://schemas.microsoft.com/office/drawing/2010/main" Requires="a14">
+            <p:sp>
+              <p:nvSpPr>
+                <p:cNvPr id="28" name="Rectangle 27"/>
+                <p:cNvSpPr/>
+                <p:nvPr/>
+              </p:nvSpPr>
+              <p:spPr>
+                <a:xfrm>
+                  <a:off x="7027371" y="2017059"/>
+                  <a:ext cx="421177" cy="224444"/>
+                </a:xfrm>
+                <a:prstGeom prst="rect">
+                  <a:avLst/>
+                </a:prstGeom>
                 <a:solidFill>
-                  <a:schemeClr val="tx1"/>
+                  <a:schemeClr val="bg1"/>
                 </a:solidFill>
-              </a:endParaRPr>
-            </a:p>
-          </p:txBody>
-        </p:sp>
-        <p:sp>
-          <p:nvSpPr>
-            <p:cNvPr id="21" name="Rectangle 20"/>
-            <p:cNvSpPr/>
-            <p:nvPr/>
-          </p:nvSpPr>
-          <p:spPr>
-            <a:xfrm>
-              <a:off x="9676730" y="4817895"/>
-              <a:ext cx="414921" cy="48539"/>
-            </a:xfrm>
-            <a:prstGeom prst="rect">
-              <a:avLst/>
-            </a:prstGeom>
-            <a:solidFill>
-              <a:schemeClr val="bg1"/>
-            </a:solidFill>
-            <a:ln>
-              <a:noFill/>
-            </a:ln>
-          </p:spPr>
-          <p:style>
-            <a:lnRef idx="2">
-              <a:schemeClr val="accent1">
-                <a:shade val="50000"/>
-              </a:schemeClr>
-            </a:lnRef>
-            <a:fillRef idx="1">
-              <a:schemeClr val="accent1"/>
-            </a:fillRef>
-            <a:effectRef idx="0">
-              <a:schemeClr val="accent1"/>
-            </a:effectRef>
-            <a:fontRef idx="minor">
-              <a:schemeClr val="lt1"/>
-            </a:fontRef>
-          </p:style>
-          <p:txBody>
-            <a:bodyPr rtlCol="0" anchor="ctr"/>
-            <a:lstStyle/>
-            <a:p>
-              <a:pPr algn="ctr"/>
-              <a:r>
-                <a:rPr lang="vi-VN" sz="800" dirty="0" smtClean="0">
-                  <a:solidFill>
-                    <a:schemeClr val="tx1"/>
-                  </a:solidFill>
-                </a:rPr>
-                <a:t>này</a:t>
-              </a:r>
-              <a:endParaRPr lang="en-US" sz="800" dirty="0">
-                <a:solidFill>
-                  <a:schemeClr val="tx1"/>
-                </a:solidFill>
-              </a:endParaRPr>
-            </a:p>
-          </p:txBody>
-        </p:sp>
-        <p:sp>
-          <p:nvSpPr>
-            <p:cNvPr id="22" name="Rectangle 21"/>
-            <p:cNvSpPr/>
-            <p:nvPr/>
-          </p:nvSpPr>
-          <p:spPr>
-            <a:xfrm>
-              <a:off x="9659330" y="4962699"/>
-              <a:ext cx="414921" cy="48539"/>
-            </a:xfrm>
-            <a:prstGeom prst="rect">
-              <a:avLst/>
-            </a:prstGeom>
-            <a:solidFill>
-              <a:schemeClr val="bg1"/>
-            </a:solidFill>
-            <a:ln>
-              <a:noFill/>
-            </a:ln>
-          </p:spPr>
-          <p:style>
-            <a:lnRef idx="2">
-              <a:schemeClr val="accent1">
-                <a:shade val="50000"/>
-              </a:schemeClr>
-            </a:lnRef>
-            <a:fillRef idx="1">
-              <a:schemeClr val="accent1"/>
-            </a:fillRef>
-            <a:effectRef idx="0">
-              <a:schemeClr val="accent1"/>
-            </a:effectRef>
-            <a:fontRef idx="minor">
-              <a:schemeClr val="lt1"/>
-            </a:fontRef>
-          </p:style>
-          <p:txBody>
-            <a:bodyPr rtlCol="0" anchor="ctr"/>
-            <a:lstStyle/>
-            <a:p>
-              <a:pPr algn="ctr"/>
-              <a:r>
-                <a:rPr lang="vi-VN" sz="800" dirty="0">
-                  <a:solidFill>
-                    <a:schemeClr val="tx1"/>
-                  </a:solidFill>
-                </a:rPr>
-                <a:t>r</a:t>
-              </a:r>
-              <a:r>
-                <a:rPr lang="vi-VN" sz="800" dirty="0" smtClean="0">
-                  <a:solidFill>
-                    <a:schemeClr val="tx1"/>
-                  </a:solidFill>
-                </a:rPr>
-                <a:t>ất</a:t>
-              </a:r>
-              <a:endParaRPr lang="en-US" sz="800" dirty="0">
-                <a:solidFill>
-                  <a:schemeClr val="tx1"/>
-                </a:solidFill>
-              </a:endParaRPr>
-            </a:p>
-          </p:txBody>
-        </p:sp>
-        <p:sp>
-          <p:nvSpPr>
-            <p:cNvPr id="23" name="Rectangle 22"/>
-            <p:cNvSpPr/>
-            <p:nvPr/>
-          </p:nvSpPr>
-          <p:spPr>
-            <a:xfrm>
-              <a:off x="9659330" y="5082564"/>
-              <a:ext cx="532074" cy="121204"/>
-            </a:xfrm>
-            <a:prstGeom prst="rect">
-              <a:avLst/>
-            </a:prstGeom>
-            <a:solidFill>
-              <a:schemeClr val="bg1"/>
-            </a:solidFill>
-            <a:ln>
-              <a:noFill/>
-            </a:ln>
-          </p:spPr>
-          <p:style>
-            <a:lnRef idx="2">
-              <a:schemeClr val="accent1">
-                <a:shade val="50000"/>
-              </a:schemeClr>
-            </a:lnRef>
-            <a:fillRef idx="1">
-              <a:schemeClr val="accent1"/>
-            </a:fillRef>
-            <a:effectRef idx="0">
-              <a:schemeClr val="accent1"/>
-            </a:effectRef>
-            <a:fontRef idx="minor">
-              <a:schemeClr val="lt1"/>
-            </a:fontRef>
-          </p:style>
-          <p:txBody>
-            <a:bodyPr rtlCol="0" anchor="ctr"/>
-            <a:lstStyle/>
-            <a:p>
-              <a:pPr algn="ctr"/>
-              <a:r>
-                <a:rPr lang="vi-VN" sz="800" dirty="0">
-                  <a:solidFill>
-                    <a:schemeClr val="tx1"/>
-                  </a:solidFill>
-                </a:rPr>
-                <a:t>n</a:t>
-              </a:r>
-              <a:r>
-                <a:rPr lang="vi-VN" sz="800" dirty="0" smtClean="0">
-                  <a:solidFill>
-                    <a:schemeClr val="tx1"/>
-                  </a:solidFill>
-                </a:rPr>
-                <a:t>hiều</a:t>
-              </a:r>
-              <a:endParaRPr lang="en-US" sz="800" dirty="0">
-                <a:solidFill>
-                  <a:schemeClr val="tx1"/>
-                </a:solidFill>
-              </a:endParaRPr>
-            </a:p>
-          </p:txBody>
-        </p:sp>
+                <a:ln>
+                  <a:noFill/>
+                </a:ln>
+              </p:spPr>
+              <p:style>
+                <a:lnRef idx="2">
+                  <a:schemeClr val="accent1">
+                    <a:shade val="50000"/>
+                  </a:schemeClr>
+                </a:lnRef>
+                <a:fillRef idx="1">
+                  <a:schemeClr val="accent1"/>
+                </a:fillRef>
+                <a:effectRef idx="0">
+                  <a:schemeClr val="accent1"/>
+                </a:effectRef>
+                <a:fontRef idx="minor">
+                  <a:schemeClr val="lt1"/>
+                </a:fontRef>
+              </p:style>
+              <p:txBody>
+                <a:bodyPr rtlCol="0" anchor="ctr"/>
+                <a:lstStyle/>
+                <a:p>
+                  <a:pPr algn="ctr"/>
+                  <a14:m>
+                    <m:oMathPara xmlns:m="http://schemas.openxmlformats.org/officeDocument/2006/math">
+                      <m:oMathParaPr>
+                        <m:jc m:val="centerGroup"/>
+                      </m:oMathParaPr>
+                      <m:oMath xmlns:m="http://schemas.openxmlformats.org/officeDocument/2006/math">
+                        <m:sSub>
+                          <m:sSubPr>
+                            <m:ctrlPr>
+                              <a:rPr lang="en-US" sz="1050" i="1" dirty="0" smtClean="0">
+                                <a:solidFill>
+                                  <a:schemeClr val="tx1"/>
+                                </a:solidFill>
+                                <a:latin typeface="Cambria Math" panose="02040503050406030204" pitchFamily="18" charset="0"/>
+                              </a:rPr>
+                            </m:ctrlPr>
+                          </m:sSubPr>
+                          <m:e>
+                            <m:r>
+                              <a:rPr lang="en-US" sz="1050" b="0" i="1" dirty="0" smtClean="0">
+                                <a:solidFill>
+                                  <a:schemeClr val="tx1"/>
+                                </a:solidFill>
+                                <a:latin typeface="Cambria Math" panose="02040503050406030204" pitchFamily="18" charset="0"/>
+                              </a:rPr>
+                              <m:t>𝑦</m:t>
+                            </m:r>
+                          </m:e>
+                          <m:sub>
+                            <m:r>
+                              <a:rPr lang="en-US" sz="1050" b="0" i="1" dirty="0" smtClean="0">
+                                <a:solidFill>
+                                  <a:schemeClr val="tx1"/>
+                                </a:solidFill>
+                                <a:latin typeface="Cambria Math" panose="02040503050406030204" pitchFamily="18" charset="0"/>
+                              </a:rPr>
+                              <m:t>3</m:t>
+                            </m:r>
+                          </m:sub>
+                        </m:sSub>
+                      </m:oMath>
+                    </m:oMathPara>
+                  </a14:m>
+                  <a:endParaRPr lang="en-US" sz="1050" dirty="0">
+                    <a:solidFill>
+                      <a:schemeClr val="tx1"/>
+                    </a:solidFill>
+                  </a:endParaRPr>
+                </a:p>
+              </p:txBody>
+            </p:sp>
+          </mc:Choice>
+          <mc:Fallback>
+            <p:sp>
+              <p:nvSpPr>
+                <p:cNvPr id="28" name="Rectangle 27"/>
+                <p:cNvSpPr>
+                  <a:spLocks noRot="1" noChangeAspect="1" noMove="1" noResize="1" noEditPoints="1" noAdjustHandles="1" noChangeArrowheads="1" noChangeShapeType="1" noTextEdit="1"/>
+                </p:cNvSpPr>
+                <p:nvPr/>
+              </p:nvSpPr>
+              <p:spPr>
+                <a:xfrm>
+                  <a:off x="7027371" y="2017059"/>
+                  <a:ext cx="421177" cy="224444"/>
+                </a:xfrm>
+                <a:prstGeom prst="rect">
+                  <a:avLst/>
+                </a:prstGeom>
+                <a:blipFill>
+                  <a:blip r:embed="rId6"/>
+                  <a:stretch>
+                    <a:fillRect b="-5405"/>
+                  </a:stretch>
+                </a:blipFill>
+                <a:ln>
+                  <a:noFill/>
+                </a:ln>
+              </p:spPr>
+              <p:txBody>
+                <a:bodyPr/>
+                <a:lstStyle/>
+                <a:p>
+                  <a:r>
+                    <a:rPr lang="en-US">
+                      <a:noFill/>
+                    </a:rPr>
+                    <a:t> </a:t>
+                  </a:r>
+                </a:p>
+              </p:txBody>
+            </p:sp>
+          </mc:Fallback>
+        </mc:AlternateContent>
       </p:grpSp>
     </p:spTree>
     <p:extLst>
@@ -6707,6 +6909,2515 @@
 </file>
 
 <file path=ppt/slides/slide6.xml><?xml version="1.0" encoding="utf-8"?>
+<p:sld xmlns:a="http://schemas.openxmlformats.org/drawingml/2006/main" xmlns:r="http://schemas.openxmlformats.org/officeDocument/2006/relationships" xmlns:p="http://schemas.openxmlformats.org/presentationml/2006/main">
+  <p:cSld>
+    <p:spTree>
+      <p:nvGrpSpPr>
+        <p:cNvPr id="1" name=""/>
+        <p:cNvGrpSpPr/>
+        <p:nvPr/>
+      </p:nvGrpSpPr>
+      <p:grpSpPr>
+        <a:xfrm>
+          <a:off x="0" y="0"/>
+          <a:ext cx="0" cy="0"/>
+          <a:chOff x="0" y="0"/>
+          <a:chExt cx="0" cy="0"/>
+        </a:xfrm>
+      </p:grpSpPr>
+      <p:sp>
+        <p:nvSpPr>
+          <p:cNvPr id="2" name="Title 1"/>
+          <p:cNvSpPr>
+            <a:spLocks noGrp="1"/>
+          </p:cNvSpPr>
+          <p:nvPr>
+            <p:ph type="title"/>
+          </p:nvPr>
+        </p:nvSpPr>
+        <p:spPr>
+          <a:xfrm>
+            <a:off x="663633" y="99118"/>
+            <a:ext cx="10515600" cy="1325563"/>
+          </a:xfrm>
+        </p:spPr>
+        <p:txBody>
+          <a:bodyPr>
+            <a:noAutofit/>
+          </a:bodyPr>
+          <a:lstStyle/>
+          <a:p>
+            <a:r>
+              <a:rPr lang="en-US" sz="3600" dirty="0" smtClean="0">
+                <a:latin typeface="Times New Roman (Headings)"/>
+              </a:rPr>
+              <a:t>1.2b Gated Recursive Convolutional Neural Network</a:t>
+            </a:r>
+            <a:endParaRPr lang="en-US" sz="3600" dirty="0"/>
+          </a:p>
+        </p:txBody>
+      </p:sp>
+      <p:pic>
+        <p:nvPicPr>
+          <p:cNvPr id="15" name="Picture 14"/>
+          <p:cNvPicPr>
+            <a:picLocks noChangeAspect="1"/>
+          </p:cNvPicPr>
+          <p:nvPr/>
+        </p:nvPicPr>
+        <p:blipFill>
+          <a:blip r:embed="rId2"/>
+          <a:stretch>
+            <a:fillRect/>
+          </a:stretch>
+        </p:blipFill>
+        <p:spPr>
+          <a:xfrm>
+            <a:off x="1745994" y="2362793"/>
+            <a:ext cx="3773650" cy="2588123"/>
+          </a:xfrm>
+          <a:prstGeom prst="rect">
+            <a:avLst/>
+          </a:prstGeom>
+        </p:spPr>
+      </p:pic>
+      <p:grpSp>
+        <p:nvGrpSpPr>
+          <p:cNvPr id="10" name="Group 9"/>
+          <p:cNvGrpSpPr/>
+          <p:nvPr/>
+        </p:nvGrpSpPr>
+        <p:grpSpPr>
+          <a:xfrm>
+            <a:off x="6024658" y="934894"/>
+            <a:ext cx="4649561" cy="5443922"/>
+            <a:chOff x="6080642" y="850918"/>
+            <a:chExt cx="4649561" cy="5443922"/>
+          </a:xfrm>
+        </p:grpSpPr>
+        <p:pic>
+          <p:nvPicPr>
+            <p:cNvPr id="5" name="Picture 4"/>
+            <p:cNvPicPr>
+              <a:picLocks noChangeAspect="1"/>
+            </p:cNvPicPr>
+            <p:nvPr/>
+          </p:nvPicPr>
+          <p:blipFill>
+            <a:blip r:embed="rId3"/>
+            <a:stretch>
+              <a:fillRect/>
+            </a:stretch>
+          </p:blipFill>
+          <p:spPr>
+            <a:xfrm>
+              <a:off x="6080642" y="850918"/>
+              <a:ext cx="4649561" cy="5443922"/>
+            </a:xfrm>
+            <a:prstGeom prst="rect">
+              <a:avLst/>
+            </a:prstGeom>
+          </p:spPr>
+        </p:pic>
+        <mc:AlternateContent xmlns:mc="http://schemas.openxmlformats.org/markup-compatibility/2006">
+          <mc:Choice xmlns:a14="http://schemas.microsoft.com/office/drawing/2010/main" Requires="a14">
+            <p:sp>
+              <p:nvSpPr>
+                <p:cNvPr id="17" name="Rectangle 16"/>
+                <p:cNvSpPr/>
+                <p:nvPr/>
+              </p:nvSpPr>
+              <p:spPr>
+                <a:xfrm>
+                  <a:off x="8269478" y="1156996"/>
+                  <a:ext cx="379996" cy="195896"/>
+                </a:xfrm>
+                <a:prstGeom prst="rect">
+                  <a:avLst/>
+                </a:prstGeom>
+                <a:solidFill>
+                  <a:schemeClr val="bg1"/>
+                </a:solidFill>
+                <a:ln>
+                  <a:noFill/>
+                </a:ln>
+              </p:spPr>
+              <p:style>
+                <a:lnRef idx="2">
+                  <a:schemeClr val="accent1">
+                    <a:shade val="50000"/>
+                  </a:schemeClr>
+                </a:lnRef>
+                <a:fillRef idx="1">
+                  <a:schemeClr val="accent1"/>
+                </a:fillRef>
+                <a:effectRef idx="0">
+                  <a:schemeClr val="accent1"/>
+                </a:effectRef>
+                <a:fontRef idx="minor">
+                  <a:schemeClr val="lt1"/>
+                </a:fontRef>
+              </p:style>
+              <p:txBody>
+                <a:bodyPr rtlCol="0" anchor="ctr"/>
+                <a:lstStyle/>
+                <a:p>
+                  <a:pPr algn="ctr"/>
+                  <a14:m>
+                    <m:oMathPara xmlns:m="http://schemas.openxmlformats.org/officeDocument/2006/math">
+                      <m:oMathParaPr>
+                        <m:jc m:val="centerGroup"/>
+                      </m:oMathParaPr>
+                      <m:oMath xmlns:m="http://schemas.openxmlformats.org/officeDocument/2006/math">
+                        <m:sSub>
+                          <m:sSubPr>
+                            <m:ctrlPr>
+                              <a:rPr lang="en-US" sz="1600" i="1" dirty="0" smtClean="0">
+                                <a:solidFill>
+                                  <a:schemeClr val="tx1"/>
+                                </a:solidFill>
+                                <a:latin typeface="Cambria Math" panose="02040503050406030204" pitchFamily="18" charset="0"/>
+                              </a:rPr>
+                            </m:ctrlPr>
+                          </m:sSubPr>
+                          <m:e>
+                            <m:r>
+                              <a:rPr lang="en-US" sz="1600" b="0" i="1" dirty="0" smtClean="0">
+                                <a:solidFill>
+                                  <a:schemeClr val="tx1"/>
+                                </a:solidFill>
+                                <a:latin typeface="Cambria Math" panose="02040503050406030204" pitchFamily="18" charset="0"/>
+                              </a:rPr>
+                              <m:t>h</m:t>
+                            </m:r>
+                          </m:e>
+                          <m:sub>
+                            <m:r>
+                              <a:rPr lang="en-US" sz="1600" b="0" i="1" dirty="0" smtClean="0">
+                                <a:solidFill>
+                                  <a:schemeClr val="tx1"/>
+                                </a:solidFill>
+                                <a:latin typeface="Cambria Math" panose="02040503050406030204" pitchFamily="18" charset="0"/>
+                              </a:rPr>
+                              <m:t>𝑡</m:t>
+                            </m:r>
+                            <m:r>
+                              <a:rPr lang="en-US" sz="1600" b="0" i="1" dirty="0" smtClean="0">
+                                <a:solidFill>
+                                  <a:schemeClr val="tx1"/>
+                                </a:solidFill>
+                                <a:latin typeface="Cambria Math" panose="02040503050406030204" pitchFamily="18" charset="0"/>
+                              </a:rPr>
+                              <m:t>,</m:t>
+                            </m:r>
+                            <m:r>
+                              <a:rPr lang="en-US" sz="1600" b="0" i="1" dirty="0" smtClean="0">
+                                <a:solidFill>
+                                  <a:schemeClr val="tx1"/>
+                                </a:solidFill>
+                                <a:latin typeface="Cambria Math" panose="02040503050406030204" pitchFamily="18" charset="0"/>
+                              </a:rPr>
+                              <m:t>𝑗</m:t>
+                            </m:r>
+                          </m:sub>
+                        </m:sSub>
+                      </m:oMath>
+                    </m:oMathPara>
+                  </a14:m>
+                  <a:endParaRPr lang="en-US" sz="1600" dirty="0">
+                    <a:solidFill>
+                      <a:schemeClr val="tx1"/>
+                    </a:solidFill>
+                  </a:endParaRPr>
+                </a:p>
+              </p:txBody>
+            </p:sp>
+          </mc:Choice>
+          <mc:Fallback>
+            <p:sp>
+              <p:nvSpPr>
+                <p:cNvPr id="17" name="Rectangle 16"/>
+                <p:cNvSpPr>
+                  <a:spLocks noRot="1" noChangeAspect="1" noMove="1" noResize="1" noEditPoints="1" noAdjustHandles="1" noChangeArrowheads="1" noChangeShapeType="1" noTextEdit="1"/>
+                </p:cNvSpPr>
+                <p:nvPr/>
+              </p:nvSpPr>
+              <p:spPr>
+                <a:xfrm>
+                  <a:off x="8269478" y="1156996"/>
+                  <a:ext cx="379996" cy="195896"/>
+                </a:xfrm>
+                <a:prstGeom prst="rect">
+                  <a:avLst/>
+                </a:prstGeom>
+                <a:blipFill>
+                  <a:blip r:embed="rId4"/>
+                  <a:stretch>
+                    <a:fillRect l="-12698" t="-9375" b="-56250"/>
+                  </a:stretch>
+                </a:blipFill>
+                <a:ln>
+                  <a:noFill/>
+                </a:ln>
+              </p:spPr>
+              <p:txBody>
+                <a:bodyPr/>
+                <a:lstStyle/>
+                <a:p>
+                  <a:r>
+                    <a:rPr lang="en-US">
+                      <a:noFill/>
+                    </a:rPr>
+                    <a:t> </a:t>
+                  </a:r>
+                </a:p>
+              </p:txBody>
+            </p:sp>
+          </mc:Fallback>
+        </mc:AlternateContent>
+        <mc:AlternateContent xmlns:mc="http://schemas.openxmlformats.org/markup-compatibility/2006">
+          <mc:Choice xmlns:a14="http://schemas.microsoft.com/office/drawing/2010/main" Requires="a14">
+            <p:sp>
+              <p:nvSpPr>
+                <p:cNvPr id="18" name="Rectangle 17"/>
+                <p:cNvSpPr/>
+                <p:nvPr/>
+              </p:nvSpPr>
+              <p:spPr>
+                <a:xfrm>
+                  <a:off x="6770361" y="5732107"/>
+                  <a:ext cx="379996" cy="195896"/>
+                </a:xfrm>
+                <a:prstGeom prst="rect">
+                  <a:avLst/>
+                </a:prstGeom>
+                <a:solidFill>
+                  <a:schemeClr val="bg1"/>
+                </a:solidFill>
+                <a:ln>
+                  <a:noFill/>
+                </a:ln>
+              </p:spPr>
+              <p:style>
+                <a:lnRef idx="2">
+                  <a:schemeClr val="accent1">
+                    <a:shade val="50000"/>
+                  </a:schemeClr>
+                </a:lnRef>
+                <a:fillRef idx="1">
+                  <a:schemeClr val="accent1"/>
+                </a:fillRef>
+                <a:effectRef idx="0">
+                  <a:schemeClr val="accent1"/>
+                </a:effectRef>
+                <a:fontRef idx="minor">
+                  <a:schemeClr val="lt1"/>
+                </a:fontRef>
+              </p:style>
+              <p:txBody>
+                <a:bodyPr rtlCol="0" anchor="ctr"/>
+                <a:lstStyle/>
+                <a:p>
+                  <a:pPr algn="ctr"/>
+                  <a14:m>
+                    <m:oMathPara xmlns:m="http://schemas.openxmlformats.org/officeDocument/2006/math">
+                      <m:oMathParaPr>
+                        <m:jc m:val="centerGroup"/>
+                      </m:oMathParaPr>
+                      <m:oMath xmlns:m="http://schemas.openxmlformats.org/officeDocument/2006/math">
+                        <m:sSubSup>
+                          <m:sSubSupPr>
+                            <m:ctrlPr>
+                              <a:rPr lang="en-US" sz="1600" i="1" dirty="0" smtClean="0">
+                                <a:solidFill>
+                                  <a:schemeClr val="tx1"/>
+                                </a:solidFill>
+                                <a:latin typeface="Cambria Math" panose="02040503050406030204" pitchFamily="18" charset="0"/>
+                              </a:rPr>
+                            </m:ctrlPr>
+                          </m:sSubSupPr>
+                          <m:e>
+                            <m:r>
+                              <a:rPr lang="en-US" sz="1600" b="0" i="1" dirty="0" smtClean="0">
+                                <a:solidFill>
+                                  <a:schemeClr val="tx1"/>
+                                </a:solidFill>
+                                <a:latin typeface="Cambria Math" panose="02040503050406030204" pitchFamily="18" charset="0"/>
+                              </a:rPr>
+                              <m:t>h</m:t>
+                            </m:r>
+                          </m:e>
+                          <m:sub>
+                            <m:r>
+                              <a:rPr lang="en-US" sz="1600" b="0" i="1" dirty="0" smtClean="0">
+                                <a:solidFill>
+                                  <a:schemeClr val="tx1"/>
+                                </a:solidFill>
+                                <a:latin typeface="Cambria Math" panose="02040503050406030204" pitchFamily="18" charset="0"/>
+                              </a:rPr>
+                              <m:t>𝑗</m:t>
+                            </m:r>
+                            <m:r>
+                              <a:rPr lang="en-US" sz="1600" b="0" i="1" dirty="0" smtClean="0">
+                                <a:solidFill>
+                                  <a:schemeClr val="tx1"/>
+                                </a:solidFill>
+                                <a:latin typeface="Cambria Math" panose="02040503050406030204" pitchFamily="18" charset="0"/>
+                              </a:rPr>
+                              <m:t>−1</m:t>
+                            </m:r>
+                          </m:sub>
+                          <m:sup>
+                            <m:r>
+                              <a:rPr lang="en-US" sz="1600" b="0" i="1" dirty="0" smtClean="0">
+                                <a:solidFill>
+                                  <a:schemeClr val="tx1"/>
+                                </a:solidFill>
+                                <a:latin typeface="Cambria Math" panose="02040503050406030204" pitchFamily="18" charset="0"/>
+                              </a:rPr>
+                              <m:t>𝑡</m:t>
+                            </m:r>
+                            <m:r>
+                              <a:rPr lang="en-US" sz="1600" b="0" i="1" dirty="0" smtClean="0">
+                                <a:solidFill>
+                                  <a:schemeClr val="tx1"/>
+                                </a:solidFill>
+                                <a:latin typeface="Cambria Math" panose="02040503050406030204" pitchFamily="18" charset="0"/>
+                              </a:rPr>
+                              <m:t>−1</m:t>
+                            </m:r>
+                          </m:sup>
+                        </m:sSubSup>
+                      </m:oMath>
+                    </m:oMathPara>
+                  </a14:m>
+                  <a:endParaRPr lang="en-US" sz="1600" dirty="0">
+                    <a:solidFill>
+                      <a:schemeClr val="tx1"/>
+                    </a:solidFill>
+                  </a:endParaRPr>
+                </a:p>
+              </p:txBody>
+            </p:sp>
+          </mc:Choice>
+          <mc:Fallback>
+            <p:sp>
+              <p:nvSpPr>
+                <p:cNvPr id="18" name="Rectangle 17"/>
+                <p:cNvSpPr>
+                  <a:spLocks noRot="1" noChangeAspect="1" noMove="1" noResize="1" noEditPoints="1" noAdjustHandles="1" noChangeArrowheads="1" noChangeShapeType="1" noTextEdit="1"/>
+                </p:cNvSpPr>
+                <p:nvPr/>
+              </p:nvSpPr>
+              <p:spPr>
+                <a:xfrm>
+                  <a:off x="6770361" y="5732107"/>
+                  <a:ext cx="379996" cy="195896"/>
+                </a:xfrm>
+                <a:prstGeom prst="rect">
+                  <a:avLst/>
+                </a:prstGeom>
+                <a:blipFill>
+                  <a:blip r:embed="rId5"/>
+                  <a:stretch>
+                    <a:fillRect l="-25397" t="-18750" r="-4762" b="-62500"/>
+                  </a:stretch>
+                </a:blipFill>
+                <a:ln>
+                  <a:noFill/>
+                </a:ln>
+              </p:spPr>
+              <p:txBody>
+                <a:bodyPr/>
+                <a:lstStyle/>
+                <a:p>
+                  <a:r>
+                    <a:rPr lang="en-US">
+                      <a:noFill/>
+                    </a:rPr>
+                    <a:t> </a:t>
+                  </a:r>
+                </a:p>
+              </p:txBody>
+            </p:sp>
+          </mc:Fallback>
+        </mc:AlternateContent>
+        <mc:AlternateContent xmlns:mc="http://schemas.openxmlformats.org/markup-compatibility/2006">
+          <mc:Choice xmlns:a14="http://schemas.microsoft.com/office/drawing/2010/main" Requires="a14">
+            <p:sp>
+              <p:nvSpPr>
+                <p:cNvPr id="19" name="Rectangle 18"/>
+                <p:cNvSpPr/>
+                <p:nvPr/>
+              </p:nvSpPr>
+              <p:spPr>
+                <a:xfrm>
+                  <a:off x="9777928" y="5732107"/>
+                  <a:ext cx="379996" cy="195896"/>
+                </a:xfrm>
+                <a:prstGeom prst="rect">
+                  <a:avLst/>
+                </a:prstGeom>
+                <a:solidFill>
+                  <a:schemeClr val="bg1"/>
+                </a:solidFill>
+                <a:ln>
+                  <a:noFill/>
+                </a:ln>
+              </p:spPr>
+              <p:style>
+                <a:lnRef idx="2">
+                  <a:schemeClr val="accent1">
+                    <a:shade val="50000"/>
+                  </a:schemeClr>
+                </a:lnRef>
+                <a:fillRef idx="1">
+                  <a:schemeClr val="accent1"/>
+                </a:fillRef>
+                <a:effectRef idx="0">
+                  <a:schemeClr val="accent1"/>
+                </a:effectRef>
+                <a:fontRef idx="minor">
+                  <a:schemeClr val="lt1"/>
+                </a:fontRef>
+              </p:style>
+              <p:txBody>
+                <a:bodyPr rtlCol="0" anchor="ctr"/>
+                <a:lstStyle/>
+                <a:p>
+                  <a:pPr algn="ctr"/>
+                  <a14:m>
+                    <m:oMathPara xmlns:m="http://schemas.openxmlformats.org/officeDocument/2006/math">
+                      <m:oMathParaPr>
+                        <m:jc m:val="centerGroup"/>
+                      </m:oMathParaPr>
+                      <m:oMath xmlns:m="http://schemas.openxmlformats.org/officeDocument/2006/math">
+                        <m:sSubSup>
+                          <m:sSubSupPr>
+                            <m:ctrlPr>
+                              <a:rPr lang="en-US" sz="1600" i="1" dirty="0" smtClean="0">
+                                <a:solidFill>
+                                  <a:schemeClr val="tx1"/>
+                                </a:solidFill>
+                                <a:latin typeface="Cambria Math" panose="02040503050406030204" pitchFamily="18" charset="0"/>
+                              </a:rPr>
+                            </m:ctrlPr>
+                          </m:sSubSupPr>
+                          <m:e>
+                            <m:r>
+                              <a:rPr lang="en-US" sz="1600" b="0" i="1" dirty="0" smtClean="0">
+                                <a:solidFill>
+                                  <a:schemeClr val="tx1"/>
+                                </a:solidFill>
+                                <a:latin typeface="Cambria Math" panose="02040503050406030204" pitchFamily="18" charset="0"/>
+                              </a:rPr>
+                              <m:t>h</m:t>
+                            </m:r>
+                          </m:e>
+                          <m:sub>
+                            <m:r>
+                              <a:rPr lang="en-US" sz="1600" b="0" i="1" dirty="0" smtClean="0">
+                                <a:solidFill>
+                                  <a:schemeClr val="tx1"/>
+                                </a:solidFill>
+                                <a:latin typeface="Cambria Math" panose="02040503050406030204" pitchFamily="18" charset="0"/>
+                              </a:rPr>
+                              <m:t>𝑗</m:t>
+                            </m:r>
+                            <m:r>
+                              <a:rPr lang="en-US" sz="1600" b="0" i="1" dirty="0" smtClean="0">
+                                <a:solidFill>
+                                  <a:schemeClr val="tx1"/>
+                                </a:solidFill>
+                                <a:latin typeface="Cambria Math" panose="02040503050406030204" pitchFamily="18" charset="0"/>
+                              </a:rPr>
+                              <m:t>−1</m:t>
+                            </m:r>
+                          </m:sub>
+                          <m:sup>
+                            <m:r>
+                              <a:rPr lang="en-US" sz="1600" b="0" i="1" dirty="0" smtClean="0">
+                                <a:solidFill>
+                                  <a:schemeClr val="tx1"/>
+                                </a:solidFill>
+                                <a:latin typeface="Cambria Math" panose="02040503050406030204" pitchFamily="18" charset="0"/>
+                              </a:rPr>
+                              <m:t>𝑡</m:t>
+                            </m:r>
+                            <m:r>
+                              <a:rPr lang="en-US" sz="1600" b="0" i="1" dirty="0" smtClean="0">
+                                <a:solidFill>
+                                  <a:schemeClr val="tx1"/>
+                                </a:solidFill>
+                                <a:latin typeface="Cambria Math" panose="02040503050406030204" pitchFamily="18" charset="0"/>
+                              </a:rPr>
+                              <m:t>−1</m:t>
+                            </m:r>
+                          </m:sup>
+                        </m:sSubSup>
+                      </m:oMath>
+                    </m:oMathPara>
+                  </a14:m>
+                  <a:endParaRPr lang="en-US" sz="1600" dirty="0">
+                    <a:solidFill>
+                      <a:schemeClr val="tx1"/>
+                    </a:solidFill>
+                  </a:endParaRPr>
+                </a:p>
+              </p:txBody>
+            </p:sp>
+          </mc:Choice>
+          <mc:Fallback>
+            <p:sp>
+              <p:nvSpPr>
+                <p:cNvPr id="19" name="Rectangle 18"/>
+                <p:cNvSpPr>
+                  <a:spLocks noRot="1" noChangeAspect="1" noMove="1" noResize="1" noEditPoints="1" noAdjustHandles="1" noChangeArrowheads="1" noChangeShapeType="1" noTextEdit="1"/>
+                </p:cNvSpPr>
+                <p:nvPr/>
+              </p:nvSpPr>
+              <p:spPr>
+                <a:xfrm>
+                  <a:off x="9777928" y="5732107"/>
+                  <a:ext cx="379996" cy="195896"/>
+                </a:xfrm>
+                <a:prstGeom prst="rect">
+                  <a:avLst/>
+                </a:prstGeom>
+                <a:blipFill>
+                  <a:blip r:embed="rId6"/>
+                  <a:stretch>
+                    <a:fillRect l="-27419" t="-18750" r="-4839" b="-62500"/>
+                  </a:stretch>
+                </a:blipFill>
+                <a:ln>
+                  <a:noFill/>
+                </a:ln>
+              </p:spPr>
+              <p:txBody>
+                <a:bodyPr/>
+                <a:lstStyle/>
+                <a:p>
+                  <a:r>
+                    <a:rPr lang="en-US">
+                      <a:noFill/>
+                    </a:rPr>
+                    <a:t> </a:t>
+                  </a:r>
+                </a:p>
+              </p:txBody>
+            </p:sp>
+          </mc:Fallback>
+        </mc:AlternateContent>
+      </p:grpSp>
+    </p:spTree>
+    <p:extLst>
+      <p:ext uri="{BB962C8B-B14F-4D97-AF65-F5344CB8AC3E}">
+        <p14:creationId xmlns:p14="http://schemas.microsoft.com/office/powerpoint/2010/main" val="1817368114"/>
+      </p:ext>
+    </p:extLst>
+  </p:cSld>
+  <p:clrMapOvr>
+    <a:masterClrMapping/>
+  </p:clrMapOvr>
+</p:sld>
+</file>
+
+<file path=ppt/slides/slide7.xml><?xml version="1.0" encoding="utf-8"?>
+<p:sld xmlns:a="http://schemas.openxmlformats.org/drawingml/2006/main" xmlns:r="http://schemas.openxmlformats.org/officeDocument/2006/relationships" xmlns:p="http://schemas.openxmlformats.org/presentationml/2006/main">
+  <p:cSld>
+    <p:spTree>
+      <p:nvGrpSpPr>
+        <p:cNvPr id="1" name=""/>
+        <p:cNvGrpSpPr/>
+        <p:nvPr/>
+      </p:nvGrpSpPr>
+      <p:grpSpPr>
+        <a:xfrm>
+          <a:off x="0" y="0"/>
+          <a:ext cx="0" cy="0"/>
+          <a:chOff x="0" y="0"/>
+          <a:chExt cx="0" cy="0"/>
+        </a:xfrm>
+      </p:grpSpPr>
+      <p:sp>
+        <p:nvSpPr>
+          <p:cNvPr id="2" name="Title 1"/>
+          <p:cNvSpPr>
+            <a:spLocks noGrp="1"/>
+          </p:cNvSpPr>
+          <p:nvPr>
+            <p:ph type="title"/>
+          </p:nvPr>
+        </p:nvSpPr>
+        <p:spPr>
+          <a:xfrm>
+            <a:off x="663633" y="99118"/>
+            <a:ext cx="10515600" cy="1325563"/>
+          </a:xfrm>
+        </p:spPr>
+        <p:txBody>
+          <a:bodyPr>
+            <a:noAutofit/>
+          </a:bodyPr>
+          <a:lstStyle/>
+          <a:p>
+            <a:r>
+              <a:rPr lang="en-US" sz="3600" dirty="0" smtClean="0">
+                <a:latin typeface="Times New Roman (Headings)"/>
+              </a:rPr>
+              <a:t>1.2b Gated Recursive Convolutional Neural Network</a:t>
+            </a:r>
+            <a:endParaRPr lang="en-US" sz="3600" dirty="0"/>
+          </a:p>
+        </p:txBody>
+      </p:sp>
+      <p:grpSp>
+        <p:nvGrpSpPr>
+          <p:cNvPr id="10" name="Group 9"/>
+          <p:cNvGrpSpPr/>
+          <p:nvPr/>
+        </p:nvGrpSpPr>
+        <p:grpSpPr>
+          <a:xfrm>
+            <a:off x="6024658" y="934894"/>
+            <a:ext cx="4649561" cy="5443922"/>
+            <a:chOff x="6080642" y="850918"/>
+            <a:chExt cx="4649561" cy="5443922"/>
+          </a:xfrm>
+        </p:grpSpPr>
+        <p:pic>
+          <p:nvPicPr>
+            <p:cNvPr id="5" name="Picture 4"/>
+            <p:cNvPicPr>
+              <a:picLocks noChangeAspect="1"/>
+            </p:cNvPicPr>
+            <p:nvPr/>
+          </p:nvPicPr>
+          <p:blipFill>
+            <a:blip r:embed="rId2"/>
+            <a:stretch>
+              <a:fillRect/>
+            </a:stretch>
+          </p:blipFill>
+          <p:spPr>
+            <a:xfrm>
+              <a:off x="6080642" y="850918"/>
+              <a:ext cx="4649561" cy="5443922"/>
+            </a:xfrm>
+            <a:prstGeom prst="rect">
+              <a:avLst/>
+            </a:prstGeom>
+          </p:spPr>
+        </p:pic>
+        <mc:AlternateContent xmlns:mc="http://schemas.openxmlformats.org/markup-compatibility/2006">
+          <mc:Choice xmlns:a14="http://schemas.microsoft.com/office/drawing/2010/main" Requires="a14">
+            <p:sp>
+              <p:nvSpPr>
+                <p:cNvPr id="17" name="Rectangle 16"/>
+                <p:cNvSpPr/>
+                <p:nvPr/>
+              </p:nvSpPr>
+              <p:spPr>
+                <a:xfrm>
+                  <a:off x="8269478" y="1156996"/>
+                  <a:ext cx="379996" cy="195896"/>
+                </a:xfrm>
+                <a:prstGeom prst="rect">
+                  <a:avLst/>
+                </a:prstGeom>
+                <a:solidFill>
+                  <a:schemeClr val="bg1"/>
+                </a:solidFill>
+                <a:ln>
+                  <a:noFill/>
+                </a:ln>
+              </p:spPr>
+              <p:style>
+                <a:lnRef idx="2">
+                  <a:schemeClr val="accent1">
+                    <a:shade val="50000"/>
+                  </a:schemeClr>
+                </a:lnRef>
+                <a:fillRef idx="1">
+                  <a:schemeClr val="accent1"/>
+                </a:fillRef>
+                <a:effectRef idx="0">
+                  <a:schemeClr val="accent1"/>
+                </a:effectRef>
+                <a:fontRef idx="minor">
+                  <a:schemeClr val="lt1"/>
+                </a:fontRef>
+              </p:style>
+              <p:txBody>
+                <a:bodyPr rtlCol="0" anchor="ctr"/>
+                <a:lstStyle/>
+                <a:p>
+                  <a:pPr algn="ctr"/>
+                  <a14:m>
+                    <m:oMathPara xmlns:m="http://schemas.openxmlformats.org/officeDocument/2006/math">
+                      <m:oMathParaPr>
+                        <m:jc m:val="centerGroup"/>
+                      </m:oMathParaPr>
+                      <m:oMath xmlns:m="http://schemas.openxmlformats.org/officeDocument/2006/math">
+                        <m:sSub>
+                          <m:sSubPr>
+                            <m:ctrlPr>
+                              <a:rPr lang="en-US" sz="1600" i="1" dirty="0" smtClean="0">
+                                <a:solidFill>
+                                  <a:schemeClr val="tx1"/>
+                                </a:solidFill>
+                                <a:latin typeface="Cambria Math" panose="02040503050406030204" pitchFamily="18" charset="0"/>
+                              </a:rPr>
+                            </m:ctrlPr>
+                          </m:sSubPr>
+                          <m:e>
+                            <m:r>
+                              <a:rPr lang="en-US" sz="1600" b="0" i="1" dirty="0" smtClean="0">
+                                <a:solidFill>
+                                  <a:schemeClr val="tx1"/>
+                                </a:solidFill>
+                                <a:latin typeface="Cambria Math" panose="02040503050406030204" pitchFamily="18" charset="0"/>
+                              </a:rPr>
+                              <m:t>h</m:t>
+                            </m:r>
+                          </m:e>
+                          <m:sub>
+                            <m:r>
+                              <a:rPr lang="en-US" sz="1600" b="0" i="1" dirty="0" smtClean="0">
+                                <a:solidFill>
+                                  <a:schemeClr val="tx1"/>
+                                </a:solidFill>
+                                <a:latin typeface="Cambria Math" panose="02040503050406030204" pitchFamily="18" charset="0"/>
+                              </a:rPr>
+                              <m:t>𝑡</m:t>
+                            </m:r>
+                            <m:r>
+                              <a:rPr lang="en-US" sz="1600" b="0" i="1" dirty="0" smtClean="0">
+                                <a:solidFill>
+                                  <a:schemeClr val="tx1"/>
+                                </a:solidFill>
+                                <a:latin typeface="Cambria Math" panose="02040503050406030204" pitchFamily="18" charset="0"/>
+                              </a:rPr>
+                              <m:t>,</m:t>
+                            </m:r>
+                            <m:r>
+                              <a:rPr lang="en-US" sz="1600" b="0" i="1" dirty="0" smtClean="0">
+                                <a:solidFill>
+                                  <a:schemeClr val="tx1"/>
+                                </a:solidFill>
+                                <a:latin typeface="Cambria Math" panose="02040503050406030204" pitchFamily="18" charset="0"/>
+                              </a:rPr>
+                              <m:t>𝑗</m:t>
+                            </m:r>
+                          </m:sub>
+                        </m:sSub>
+                      </m:oMath>
+                    </m:oMathPara>
+                  </a14:m>
+                  <a:endParaRPr lang="en-US" sz="1600" dirty="0">
+                    <a:solidFill>
+                      <a:schemeClr val="tx1"/>
+                    </a:solidFill>
+                  </a:endParaRPr>
+                </a:p>
+              </p:txBody>
+            </p:sp>
+          </mc:Choice>
+          <mc:Fallback>
+            <p:sp>
+              <p:nvSpPr>
+                <p:cNvPr id="17" name="Rectangle 16"/>
+                <p:cNvSpPr>
+                  <a:spLocks noRot="1" noChangeAspect="1" noMove="1" noResize="1" noEditPoints="1" noAdjustHandles="1" noChangeArrowheads="1" noChangeShapeType="1" noTextEdit="1"/>
+                </p:cNvSpPr>
+                <p:nvPr/>
+              </p:nvSpPr>
+              <p:spPr>
+                <a:xfrm>
+                  <a:off x="8269478" y="1156996"/>
+                  <a:ext cx="379996" cy="195896"/>
+                </a:xfrm>
+                <a:prstGeom prst="rect">
+                  <a:avLst/>
+                </a:prstGeom>
+                <a:blipFill>
+                  <a:blip r:embed="rId3"/>
+                  <a:stretch>
+                    <a:fillRect l="-12698" t="-9375" b="-56250"/>
+                  </a:stretch>
+                </a:blipFill>
+                <a:ln>
+                  <a:noFill/>
+                </a:ln>
+              </p:spPr>
+              <p:txBody>
+                <a:bodyPr/>
+                <a:lstStyle/>
+                <a:p>
+                  <a:r>
+                    <a:rPr lang="en-US">
+                      <a:noFill/>
+                    </a:rPr>
+                    <a:t> </a:t>
+                  </a:r>
+                </a:p>
+              </p:txBody>
+            </p:sp>
+          </mc:Fallback>
+        </mc:AlternateContent>
+        <mc:AlternateContent xmlns:mc="http://schemas.openxmlformats.org/markup-compatibility/2006">
+          <mc:Choice xmlns:a14="http://schemas.microsoft.com/office/drawing/2010/main" Requires="a14">
+            <p:sp>
+              <p:nvSpPr>
+                <p:cNvPr id="18" name="Rectangle 17"/>
+                <p:cNvSpPr/>
+                <p:nvPr/>
+              </p:nvSpPr>
+              <p:spPr>
+                <a:xfrm>
+                  <a:off x="6770361" y="5732107"/>
+                  <a:ext cx="379996" cy="195896"/>
+                </a:xfrm>
+                <a:prstGeom prst="rect">
+                  <a:avLst/>
+                </a:prstGeom>
+                <a:solidFill>
+                  <a:schemeClr val="bg1"/>
+                </a:solidFill>
+                <a:ln>
+                  <a:noFill/>
+                </a:ln>
+              </p:spPr>
+              <p:style>
+                <a:lnRef idx="2">
+                  <a:schemeClr val="accent1">
+                    <a:shade val="50000"/>
+                  </a:schemeClr>
+                </a:lnRef>
+                <a:fillRef idx="1">
+                  <a:schemeClr val="accent1"/>
+                </a:fillRef>
+                <a:effectRef idx="0">
+                  <a:schemeClr val="accent1"/>
+                </a:effectRef>
+                <a:fontRef idx="minor">
+                  <a:schemeClr val="lt1"/>
+                </a:fontRef>
+              </p:style>
+              <p:txBody>
+                <a:bodyPr rtlCol="0" anchor="ctr"/>
+                <a:lstStyle/>
+                <a:p>
+                  <a:pPr algn="ctr"/>
+                  <a14:m>
+                    <m:oMathPara xmlns:m="http://schemas.openxmlformats.org/officeDocument/2006/math">
+                      <m:oMathParaPr>
+                        <m:jc m:val="centerGroup"/>
+                      </m:oMathParaPr>
+                      <m:oMath xmlns:m="http://schemas.openxmlformats.org/officeDocument/2006/math">
+                        <m:sSubSup>
+                          <m:sSubSupPr>
+                            <m:ctrlPr>
+                              <a:rPr lang="en-US" sz="1600" i="1" dirty="0" smtClean="0">
+                                <a:solidFill>
+                                  <a:schemeClr val="tx1"/>
+                                </a:solidFill>
+                                <a:latin typeface="Cambria Math" panose="02040503050406030204" pitchFamily="18" charset="0"/>
+                              </a:rPr>
+                            </m:ctrlPr>
+                          </m:sSubSupPr>
+                          <m:e>
+                            <m:r>
+                              <a:rPr lang="en-US" sz="1600" b="0" i="1" dirty="0" smtClean="0">
+                                <a:solidFill>
+                                  <a:schemeClr val="tx1"/>
+                                </a:solidFill>
+                                <a:latin typeface="Cambria Math" panose="02040503050406030204" pitchFamily="18" charset="0"/>
+                              </a:rPr>
+                              <m:t>h</m:t>
+                            </m:r>
+                          </m:e>
+                          <m:sub>
+                            <m:r>
+                              <a:rPr lang="en-US" sz="1600" b="0" i="1" dirty="0" smtClean="0">
+                                <a:solidFill>
+                                  <a:schemeClr val="tx1"/>
+                                </a:solidFill>
+                                <a:latin typeface="Cambria Math" panose="02040503050406030204" pitchFamily="18" charset="0"/>
+                              </a:rPr>
+                              <m:t>𝑗</m:t>
+                            </m:r>
+                            <m:r>
+                              <a:rPr lang="en-US" sz="1600" b="0" i="1" dirty="0" smtClean="0">
+                                <a:solidFill>
+                                  <a:schemeClr val="tx1"/>
+                                </a:solidFill>
+                                <a:latin typeface="Cambria Math" panose="02040503050406030204" pitchFamily="18" charset="0"/>
+                              </a:rPr>
+                              <m:t>−1</m:t>
+                            </m:r>
+                          </m:sub>
+                          <m:sup>
+                            <m:r>
+                              <a:rPr lang="en-US" sz="1600" b="0" i="1" dirty="0" smtClean="0">
+                                <a:solidFill>
+                                  <a:schemeClr val="tx1"/>
+                                </a:solidFill>
+                                <a:latin typeface="Cambria Math" panose="02040503050406030204" pitchFamily="18" charset="0"/>
+                              </a:rPr>
+                              <m:t>𝑡</m:t>
+                            </m:r>
+                            <m:r>
+                              <a:rPr lang="en-US" sz="1600" b="0" i="1" dirty="0" smtClean="0">
+                                <a:solidFill>
+                                  <a:schemeClr val="tx1"/>
+                                </a:solidFill>
+                                <a:latin typeface="Cambria Math" panose="02040503050406030204" pitchFamily="18" charset="0"/>
+                              </a:rPr>
+                              <m:t>−1</m:t>
+                            </m:r>
+                          </m:sup>
+                        </m:sSubSup>
+                      </m:oMath>
+                    </m:oMathPara>
+                  </a14:m>
+                  <a:endParaRPr lang="en-US" sz="1600" dirty="0">
+                    <a:solidFill>
+                      <a:schemeClr val="tx1"/>
+                    </a:solidFill>
+                  </a:endParaRPr>
+                </a:p>
+              </p:txBody>
+            </p:sp>
+          </mc:Choice>
+          <mc:Fallback>
+            <p:sp>
+              <p:nvSpPr>
+                <p:cNvPr id="18" name="Rectangle 17"/>
+                <p:cNvSpPr>
+                  <a:spLocks noRot="1" noChangeAspect="1" noMove="1" noResize="1" noEditPoints="1" noAdjustHandles="1" noChangeArrowheads="1" noChangeShapeType="1" noTextEdit="1"/>
+                </p:cNvSpPr>
+                <p:nvPr/>
+              </p:nvSpPr>
+              <p:spPr>
+                <a:xfrm>
+                  <a:off x="6770361" y="5732107"/>
+                  <a:ext cx="379996" cy="195896"/>
+                </a:xfrm>
+                <a:prstGeom prst="rect">
+                  <a:avLst/>
+                </a:prstGeom>
+                <a:blipFill>
+                  <a:blip r:embed="rId4"/>
+                  <a:stretch>
+                    <a:fillRect l="-25397" t="-18750" r="-4762" b="-62500"/>
+                  </a:stretch>
+                </a:blipFill>
+                <a:ln>
+                  <a:noFill/>
+                </a:ln>
+              </p:spPr>
+              <p:txBody>
+                <a:bodyPr/>
+                <a:lstStyle/>
+                <a:p>
+                  <a:r>
+                    <a:rPr lang="en-US">
+                      <a:noFill/>
+                    </a:rPr>
+                    <a:t> </a:t>
+                  </a:r>
+                </a:p>
+              </p:txBody>
+            </p:sp>
+          </mc:Fallback>
+        </mc:AlternateContent>
+        <mc:AlternateContent xmlns:mc="http://schemas.openxmlformats.org/markup-compatibility/2006">
+          <mc:Choice xmlns:a14="http://schemas.microsoft.com/office/drawing/2010/main" Requires="a14">
+            <p:sp>
+              <p:nvSpPr>
+                <p:cNvPr id="19" name="Rectangle 18"/>
+                <p:cNvSpPr/>
+                <p:nvPr/>
+              </p:nvSpPr>
+              <p:spPr>
+                <a:xfrm>
+                  <a:off x="9777928" y="5732107"/>
+                  <a:ext cx="379996" cy="195896"/>
+                </a:xfrm>
+                <a:prstGeom prst="rect">
+                  <a:avLst/>
+                </a:prstGeom>
+                <a:solidFill>
+                  <a:schemeClr val="bg1"/>
+                </a:solidFill>
+                <a:ln>
+                  <a:noFill/>
+                </a:ln>
+              </p:spPr>
+              <p:style>
+                <a:lnRef idx="2">
+                  <a:schemeClr val="accent1">
+                    <a:shade val="50000"/>
+                  </a:schemeClr>
+                </a:lnRef>
+                <a:fillRef idx="1">
+                  <a:schemeClr val="accent1"/>
+                </a:fillRef>
+                <a:effectRef idx="0">
+                  <a:schemeClr val="accent1"/>
+                </a:effectRef>
+                <a:fontRef idx="minor">
+                  <a:schemeClr val="lt1"/>
+                </a:fontRef>
+              </p:style>
+              <p:txBody>
+                <a:bodyPr rtlCol="0" anchor="ctr"/>
+                <a:lstStyle/>
+                <a:p>
+                  <a:pPr algn="ctr"/>
+                  <a14:m>
+                    <m:oMathPara xmlns:m="http://schemas.openxmlformats.org/officeDocument/2006/math">
+                      <m:oMathParaPr>
+                        <m:jc m:val="centerGroup"/>
+                      </m:oMathParaPr>
+                      <m:oMath xmlns:m="http://schemas.openxmlformats.org/officeDocument/2006/math">
+                        <m:sSubSup>
+                          <m:sSubSupPr>
+                            <m:ctrlPr>
+                              <a:rPr lang="en-US" sz="1600" i="1" dirty="0" smtClean="0">
+                                <a:solidFill>
+                                  <a:schemeClr val="tx1"/>
+                                </a:solidFill>
+                                <a:latin typeface="Cambria Math" panose="02040503050406030204" pitchFamily="18" charset="0"/>
+                              </a:rPr>
+                            </m:ctrlPr>
+                          </m:sSubSupPr>
+                          <m:e>
+                            <m:r>
+                              <a:rPr lang="en-US" sz="1600" b="0" i="1" dirty="0" smtClean="0">
+                                <a:solidFill>
+                                  <a:schemeClr val="tx1"/>
+                                </a:solidFill>
+                                <a:latin typeface="Cambria Math" panose="02040503050406030204" pitchFamily="18" charset="0"/>
+                              </a:rPr>
+                              <m:t>h</m:t>
+                            </m:r>
+                          </m:e>
+                          <m:sub>
+                            <m:r>
+                              <a:rPr lang="en-US" sz="1600" b="0" i="1" dirty="0" smtClean="0">
+                                <a:solidFill>
+                                  <a:schemeClr val="tx1"/>
+                                </a:solidFill>
+                                <a:latin typeface="Cambria Math" panose="02040503050406030204" pitchFamily="18" charset="0"/>
+                              </a:rPr>
+                              <m:t>𝑗</m:t>
+                            </m:r>
+                          </m:sub>
+                          <m:sup>
+                            <m:r>
+                              <a:rPr lang="en-US" sz="1600" b="0" i="1" dirty="0" smtClean="0">
+                                <a:solidFill>
+                                  <a:schemeClr val="tx1"/>
+                                </a:solidFill>
+                                <a:latin typeface="Cambria Math" panose="02040503050406030204" pitchFamily="18" charset="0"/>
+                              </a:rPr>
+                              <m:t>𝑡</m:t>
+                            </m:r>
+                            <m:r>
+                              <a:rPr lang="en-US" sz="1600" b="0" i="1" dirty="0" smtClean="0">
+                                <a:solidFill>
+                                  <a:schemeClr val="tx1"/>
+                                </a:solidFill>
+                                <a:latin typeface="Cambria Math" panose="02040503050406030204" pitchFamily="18" charset="0"/>
+                              </a:rPr>
+                              <m:t>−1</m:t>
+                            </m:r>
+                          </m:sup>
+                        </m:sSubSup>
+                      </m:oMath>
+                    </m:oMathPara>
+                  </a14:m>
+                  <a:endParaRPr lang="en-US" sz="1600" dirty="0">
+                    <a:solidFill>
+                      <a:schemeClr val="tx1"/>
+                    </a:solidFill>
+                  </a:endParaRPr>
+                </a:p>
+              </p:txBody>
+            </p:sp>
+          </mc:Choice>
+          <mc:Fallback>
+            <p:sp>
+              <p:nvSpPr>
+                <p:cNvPr id="19" name="Rectangle 18"/>
+                <p:cNvSpPr>
+                  <a:spLocks noRot="1" noChangeAspect="1" noMove="1" noResize="1" noEditPoints="1" noAdjustHandles="1" noChangeArrowheads="1" noChangeShapeType="1" noTextEdit="1"/>
+                </p:cNvSpPr>
+                <p:nvPr/>
+              </p:nvSpPr>
+              <p:spPr>
+                <a:xfrm>
+                  <a:off x="9777928" y="5732107"/>
+                  <a:ext cx="379996" cy="195896"/>
+                </a:xfrm>
+                <a:prstGeom prst="rect">
+                  <a:avLst/>
+                </a:prstGeom>
+                <a:blipFill>
+                  <a:blip r:embed="rId5"/>
+                  <a:stretch>
+                    <a:fillRect l="-27419" t="-18750" r="-4839" b="-62500"/>
+                  </a:stretch>
+                </a:blipFill>
+                <a:ln>
+                  <a:noFill/>
+                </a:ln>
+              </p:spPr>
+              <p:txBody>
+                <a:bodyPr/>
+                <a:lstStyle/>
+                <a:p>
+                  <a:r>
+                    <a:rPr lang="en-US">
+                      <a:noFill/>
+                    </a:rPr>
+                    <a:t> </a:t>
+                  </a:r>
+                </a:p>
+              </p:txBody>
+            </p:sp>
+          </mc:Fallback>
+        </mc:AlternateContent>
+      </p:grpSp>
+      <mc:AlternateContent xmlns:mc="http://schemas.openxmlformats.org/markup-compatibility/2006">
+        <mc:Choice xmlns:a14="http://schemas.microsoft.com/office/drawing/2010/main" Requires="a14">
+          <p:sp>
+            <p:nvSpPr>
+              <p:cNvPr id="13" name="Rectangle 12"/>
+              <p:cNvSpPr/>
+              <p:nvPr/>
+            </p:nvSpPr>
+            <p:spPr>
+              <a:xfrm>
+                <a:off x="663633" y="1557788"/>
+                <a:ext cx="3359317" cy="411395"/>
+              </a:xfrm>
+              <a:prstGeom prst="rect">
+                <a:avLst/>
+              </a:prstGeom>
+            </p:spPr>
+            <p:txBody>
+              <a:bodyPr wrap="none">
+                <a:spAutoFit/>
+              </a:bodyPr>
+              <a:lstStyle/>
+              <a:p>
+                <a14:m>
+                  <m:oMathPara xmlns:m="http://schemas.openxmlformats.org/officeDocument/2006/math">
+                    <m:oMathParaPr>
+                      <m:jc m:val="centerGroup"/>
+                    </m:oMathParaPr>
+                    <m:oMath xmlns:m="http://schemas.openxmlformats.org/officeDocument/2006/math">
+                      <m:sSub>
+                        <m:sSubPr>
+                          <m:ctrlPr>
+                            <a:rPr lang="en-US">
+                              <a:latin typeface="Cambria Math" panose="02040503050406030204" pitchFamily="18" charset="0"/>
+                            </a:rPr>
+                          </m:ctrlPr>
+                        </m:sSubPr>
+                        <m:e>
+                          <m:acc>
+                            <m:accPr>
+                              <m:chr m:val="̃"/>
+                              <m:ctrlPr>
+                                <a:rPr lang="en-US">
+                                  <a:latin typeface="Cambria Math" panose="02040503050406030204" pitchFamily="18" charset="0"/>
+                                </a:rPr>
+                              </m:ctrlPr>
+                            </m:accPr>
+                            <m:e>
+                              <m:r>
+                                <a:rPr lang="en-US" i="1">
+                                  <a:latin typeface="Cambria Math" panose="02040503050406030204" pitchFamily="18" charset="0"/>
+                                </a:rPr>
+                                <m:t>h</m:t>
+                              </m:r>
+                            </m:e>
+                          </m:acc>
+                        </m:e>
+                        <m:sub>
+                          <m:r>
+                            <a:rPr lang="en-US" i="1">
+                              <a:latin typeface="Cambria Math" panose="02040503050406030204" pitchFamily="18" charset="0"/>
+                            </a:rPr>
+                            <m:t>𝑡</m:t>
+                          </m:r>
+                          <m:r>
+                            <a:rPr lang="en-US" i="0">
+                              <a:latin typeface="Cambria Math" panose="02040503050406030204" pitchFamily="18" charset="0"/>
+                            </a:rPr>
+                            <m:t>,</m:t>
+                          </m:r>
+                          <m:r>
+                            <a:rPr lang="en-US" i="1">
+                              <a:latin typeface="Cambria Math" panose="02040503050406030204" pitchFamily="18" charset="0"/>
+                            </a:rPr>
+                            <m:t>𝑗</m:t>
+                          </m:r>
+                        </m:sub>
+                      </m:sSub>
+                      <m:r>
+                        <a:rPr lang="en-US" i="0">
+                          <a:latin typeface="Cambria Math" panose="02040503050406030204" pitchFamily="18" charset="0"/>
+                        </a:rPr>
+                        <m:t>=</m:t>
+                      </m:r>
+                      <m:r>
+                        <a:rPr lang="en-US" i="1">
+                          <a:latin typeface="Cambria Math" panose="02040503050406030204" pitchFamily="18" charset="0"/>
+                        </a:rPr>
+                        <m:t>𝑓</m:t>
+                      </m:r>
+                      <m:d>
+                        <m:dPr>
+                          <m:ctrlPr>
+                            <a:rPr lang="en-US" i="1">
+                              <a:latin typeface="Cambria Math" panose="02040503050406030204" pitchFamily="18" charset="0"/>
+                            </a:rPr>
+                          </m:ctrlPr>
+                        </m:dPr>
+                        <m:e>
+                          <m:sSub>
+                            <m:sSubPr>
+                              <m:ctrlPr>
+                                <a:rPr lang="en-US" i="1">
+                                  <a:latin typeface="Cambria Math" panose="02040503050406030204" pitchFamily="18" charset="0"/>
+                                </a:rPr>
+                              </m:ctrlPr>
+                            </m:sSubPr>
+                            <m:e>
+                              <m:sSub>
+                                <m:sSubPr>
+                                  <m:ctrlPr>
+                                    <a:rPr lang="en-US" i="1">
+                                      <a:latin typeface="Cambria Math" panose="02040503050406030204" pitchFamily="18" charset="0"/>
+                                    </a:rPr>
+                                  </m:ctrlPr>
+                                </m:sSubPr>
+                                <m:e>
+                                  <m:r>
+                                    <a:rPr lang="en-US" i="1">
+                                      <a:latin typeface="Cambria Math" panose="02040503050406030204" pitchFamily="18" charset="0"/>
+                                    </a:rPr>
+                                    <m:t>𝑊</m:t>
+                                  </m:r>
+                                </m:e>
+                                <m:sub>
+                                  <m:r>
+                                    <a:rPr lang="en-US" i="1">
+                                      <a:latin typeface="Cambria Math" panose="02040503050406030204" pitchFamily="18" charset="0"/>
+                                    </a:rPr>
+                                    <m:t>𝑙</m:t>
+                                  </m:r>
+                                </m:sub>
+                              </m:sSub>
+                              <m:r>
+                                <a:rPr lang="en-US" i="1">
+                                  <a:latin typeface="Cambria Math" panose="02040503050406030204" pitchFamily="18" charset="0"/>
+                                </a:rPr>
+                                <m:t>h</m:t>
+                              </m:r>
+                            </m:e>
+                            <m:sub>
+                              <m:r>
+                                <a:rPr lang="en-US" i="1">
+                                  <a:latin typeface="Cambria Math" panose="02040503050406030204" pitchFamily="18" charset="0"/>
+                                </a:rPr>
+                                <m:t>𝑡</m:t>
+                              </m:r>
+                              <m:r>
+                                <a:rPr lang="en-US" i="0">
+                                  <a:latin typeface="Cambria Math" panose="02040503050406030204" pitchFamily="18" charset="0"/>
+                                </a:rPr>
+                                <m:t>−1,</m:t>
+                              </m:r>
+                              <m:r>
+                                <a:rPr lang="en-US" i="1">
+                                  <a:latin typeface="Cambria Math" panose="02040503050406030204" pitchFamily="18" charset="0"/>
+                                </a:rPr>
+                                <m:t>𝑗</m:t>
+                              </m:r>
+                              <m:r>
+                                <a:rPr lang="en-US" i="0">
+                                  <a:latin typeface="Cambria Math" panose="02040503050406030204" pitchFamily="18" charset="0"/>
+                                </a:rPr>
+                                <m:t>−1</m:t>
+                              </m:r>
+                            </m:sub>
+                          </m:sSub>
+                          <m:r>
+                            <a:rPr lang="en-US" i="0">
+                              <a:latin typeface="Cambria Math" panose="02040503050406030204" pitchFamily="18" charset="0"/>
+                            </a:rPr>
+                            <m:t>+</m:t>
+                          </m:r>
+                          <m:sSub>
+                            <m:sSubPr>
+                              <m:ctrlPr>
+                                <a:rPr lang="en-US" i="1">
+                                  <a:latin typeface="Cambria Math" panose="02040503050406030204" pitchFamily="18" charset="0"/>
+                                </a:rPr>
+                              </m:ctrlPr>
+                            </m:sSubPr>
+                            <m:e>
+                              <m:r>
+                                <a:rPr lang="en-US" i="1">
+                                  <a:latin typeface="Cambria Math" panose="02040503050406030204" pitchFamily="18" charset="0"/>
+                                </a:rPr>
+                                <m:t>𝑊</m:t>
+                              </m:r>
+                            </m:e>
+                            <m:sub>
+                              <m:r>
+                                <a:rPr lang="en-US" i="1">
+                                  <a:latin typeface="Cambria Math" panose="02040503050406030204" pitchFamily="18" charset="0"/>
+                                </a:rPr>
+                                <m:t>𝑟</m:t>
+                              </m:r>
+                            </m:sub>
+                          </m:sSub>
+                          <m:sSub>
+                            <m:sSubPr>
+                              <m:ctrlPr>
+                                <a:rPr lang="en-US" i="1">
+                                  <a:latin typeface="Cambria Math" panose="02040503050406030204" pitchFamily="18" charset="0"/>
+                                </a:rPr>
+                              </m:ctrlPr>
+                            </m:sSubPr>
+                            <m:e>
+                              <m:r>
+                                <a:rPr lang="en-US" i="1">
+                                  <a:latin typeface="Cambria Math" panose="02040503050406030204" pitchFamily="18" charset="0"/>
+                                </a:rPr>
+                                <m:t>h</m:t>
+                              </m:r>
+                            </m:e>
+                            <m:sub>
+                              <m:r>
+                                <a:rPr lang="en-US" i="1">
+                                  <a:latin typeface="Cambria Math" panose="02040503050406030204" pitchFamily="18" charset="0"/>
+                                </a:rPr>
+                                <m:t>𝑡</m:t>
+                              </m:r>
+                              <m:r>
+                                <a:rPr lang="en-US" i="0">
+                                  <a:latin typeface="Cambria Math" panose="02040503050406030204" pitchFamily="18" charset="0"/>
+                                </a:rPr>
+                                <m:t>−1,</m:t>
+                              </m:r>
+                              <m:r>
+                                <a:rPr lang="en-US" i="1">
+                                  <a:latin typeface="Cambria Math" panose="02040503050406030204" pitchFamily="18" charset="0"/>
+                                </a:rPr>
+                                <m:t>𝑗</m:t>
+                              </m:r>
+                            </m:sub>
+                          </m:sSub>
+                        </m:e>
+                      </m:d>
+                    </m:oMath>
+                  </m:oMathPara>
+                </a14:m>
+                <a:endParaRPr lang="en-US" dirty="0"/>
+              </a:p>
+            </p:txBody>
+          </p:sp>
+        </mc:Choice>
+        <mc:Fallback>
+          <p:sp>
+            <p:nvSpPr>
+              <p:cNvPr id="13" name="Rectangle 12"/>
+              <p:cNvSpPr>
+                <a:spLocks noRot="1" noChangeAspect="1" noMove="1" noResize="1" noEditPoints="1" noAdjustHandles="1" noChangeArrowheads="1" noChangeShapeType="1" noTextEdit="1"/>
+              </p:cNvSpPr>
+              <p:nvPr/>
+            </p:nvSpPr>
+            <p:spPr>
+              <a:xfrm>
+                <a:off x="663633" y="1557788"/>
+                <a:ext cx="3359317" cy="411395"/>
+              </a:xfrm>
+              <a:prstGeom prst="rect">
+                <a:avLst/>
+              </a:prstGeom>
+              <a:blipFill>
+                <a:blip r:embed="rId6"/>
+                <a:stretch>
+                  <a:fillRect t="-1493" b="-7463"/>
+                </a:stretch>
+              </a:blipFill>
+            </p:spPr>
+            <p:txBody>
+              <a:bodyPr/>
+              <a:lstStyle/>
+              <a:p>
+                <a:r>
+                  <a:rPr lang="en-US">
+                    <a:noFill/>
+                  </a:rPr>
+                  <a:t> </a:t>
+                </a:r>
+              </a:p>
+            </p:txBody>
+          </p:sp>
+        </mc:Fallback>
+      </mc:AlternateContent>
+      <mc:AlternateContent xmlns:mc="http://schemas.openxmlformats.org/markup-compatibility/2006">
+        <mc:Choice xmlns:a14="http://schemas.microsoft.com/office/drawing/2010/main" Requires="a14">
+          <p:sp>
+            <p:nvSpPr>
+              <p:cNvPr id="3" name="Rectangle 2"/>
+              <p:cNvSpPr/>
+              <p:nvPr/>
+            </p:nvSpPr>
+            <p:spPr>
+              <a:xfrm>
+                <a:off x="663633" y="2102290"/>
+                <a:ext cx="3852785" cy="410305"/>
+              </a:xfrm>
+              <a:prstGeom prst="rect">
+                <a:avLst/>
+              </a:prstGeom>
+            </p:spPr>
+            <p:txBody>
+              <a:bodyPr wrap="none">
+                <a:spAutoFit/>
+              </a:bodyPr>
+              <a:lstStyle/>
+              <a:p>
+                <a14:m>
+                  <m:oMathPara xmlns:m="http://schemas.openxmlformats.org/officeDocument/2006/math">
+                    <m:oMathParaPr>
+                      <m:jc m:val="centerGroup"/>
+                    </m:oMathParaPr>
+                    <m:oMath xmlns:m="http://schemas.openxmlformats.org/officeDocument/2006/math">
+                      <m:sSub>
+                        <m:sSubPr>
+                          <m:ctrlPr>
+                            <a:rPr lang="en-US">
+                              <a:latin typeface="Cambria Math" panose="02040503050406030204" pitchFamily="18" charset="0"/>
+                            </a:rPr>
+                          </m:ctrlPr>
+                        </m:sSubPr>
+                        <m:e>
+                          <m:r>
+                            <a:rPr lang="en-US" i="1">
+                              <a:latin typeface="Cambria Math" panose="02040503050406030204" pitchFamily="18" charset="0"/>
+                            </a:rPr>
+                            <m:t>h</m:t>
+                          </m:r>
+                        </m:e>
+                        <m:sub>
+                          <m:r>
+                            <a:rPr lang="en-US" i="1">
+                              <a:latin typeface="Cambria Math" panose="02040503050406030204" pitchFamily="18" charset="0"/>
+                            </a:rPr>
+                            <m:t>𝑡</m:t>
+                          </m:r>
+                          <m:r>
+                            <a:rPr lang="en-US" i="0">
+                              <a:latin typeface="Cambria Math" panose="02040503050406030204" pitchFamily="18" charset="0"/>
+                            </a:rPr>
+                            <m:t>,</m:t>
+                          </m:r>
+                          <m:r>
+                            <a:rPr lang="en-US" i="1">
+                              <a:latin typeface="Cambria Math" panose="02040503050406030204" pitchFamily="18" charset="0"/>
+                            </a:rPr>
+                            <m:t>𝑗</m:t>
+                          </m:r>
+                        </m:sub>
+                      </m:sSub>
+                      <m:r>
+                        <a:rPr lang="en-US" i="0">
+                          <a:latin typeface="Cambria Math" panose="02040503050406030204" pitchFamily="18" charset="0"/>
+                        </a:rPr>
+                        <m:t>=</m:t>
+                      </m:r>
+                      <m:sSub>
+                        <m:sSubPr>
+                          <m:ctrlPr>
+                            <a:rPr lang="en-US" i="1">
+                              <a:latin typeface="Cambria Math" panose="02040503050406030204" pitchFamily="18" charset="0"/>
+                            </a:rPr>
+                          </m:ctrlPr>
+                        </m:sSubPr>
+                        <m:e>
+                          <m:r>
+                            <a:rPr lang="en-US" i="1">
+                              <a:latin typeface="Cambria Math" panose="02040503050406030204" pitchFamily="18" charset="0"/>
+                            </a:rPr>
+                            <m:t>𝜔</m:t>
+                          </m:r>
+                        </m:e>
+                        <m:sub>
+                          <m:r>
+                            <a:rPr lang="en-US" i="1">
+                              <a:latin typeface="Cambria Math" panose="02040503050406030204" pitchFamily="18" charset="0"/>
+                            </a:rPr>
+                            <m:t>𝑐</m:t>
+                          </m:r>
+                        </m:sub>
+                      </m:sSub>
+                      <m:sSub>
+                        <m:sSubPr>
+                          <m:ctrlPr>
+                            <a:rPr lang="en-US" i="1">
+                              <a:latin typeface="Cambria Math" panose="02040503050406030204" pitchFamily="18" charset="0"/>
+                            </a:rPr>
+                          </m:ctrlPr>
+                        </m:sSubPr>
+                        <m:e>
+                          <m:acc>
+                            <m:accPr>
+                              <m:chr m:val="̃"/>
+                              <m:ctrlPr>
+                                <a:rPr lang="en-US" i="1">
+                                  <a:latin typeface="Cambria Math" panose="02040503050406030204" pitchFamily="18" charset="0"/>
+                                </a:rPr>
+                              </m:ctrlPr>
+                            </m:accPr>
+                            <m:e>
+                              <m:r>
+                                <a:rPr lang="en-US" i="1">
+                                  <a:latin typeface="Cambria Math" panose="02040503050406030204" pitchFamily="18" charset="0"/>
+                                </a:rPr>
+                                <m:t>h</m:t>
+                              </m:r>
+                            </m:e>
+                          </m:acc>
+                        </m:e>
+                        <m:sub>
+                          <m:r>
+                            <a:rPr lang="en-US" i="1">
+                              <a:latin typeface="Cambria Math" panose="02040503050406030204" pitchFamily="18" charset="0"/>
+                            </a:rPr>
+                            <m:t>𝑡</m:t>
+                          </m:r>
+                          <m:r>
+                            <a:rPr lang="en-US" i="0">
+                              <a:latin typeface="Cambria Math" panose="02040503050406030204" pitchFamily="18" charset="0"/>
+                            </a:rPr>
+                            <m:t>,</m:t>
+                          </m:r>
+                          <m:r>
+                            <a:rPr lang="en-US" i="1">
+                              <a:latin typeface="Cambria Math" panose="02040503050406030204" pitchFamily="18" charset="0"/>
+                            </a:rPr>
+                            <m:t>𝑗</m:t>
+                          </m:r>
+                        </m:sub>
+                      </m:sSub>
+                      <m:r>
+                        <a:rPr lang="en-US" i="0">
+                          <a:latin typeface="Cambria Math" panose="02040503050406030204" pitchFamily="18" charset="0"/>
+                        </a:rPr>
+                        <m:t>+</m:t>
+                      </m:r>
+                      <m:sSub>
+                        <m:sSubPr>
+                          <m:ctrlPr>
+                            <a:rPr lang="en-US" i="1">
+                              <a:latin typeface="Cambria Math" panose="02040503050406030204" pitchFamily="18" charset="0"/>
+                            </a:rPr>
+                          </m:ctrlPr>
+                        </m:sSubPr>
+                        <m:e>
+                          <m:r>
+                            <a:rPr lang="en-US" i="1">
+                              <a:latin typeface="Cambria Math" panose="02040503050406030204" pitchFamily="18" charset="0"/>
+                            </a:rPr>
+                            <m:t>𝜔</m:t>
+                          </m:r>
+                        </m:e>
+                        <m:sub>
+                          <m:r>
+                            <a:rPr lang="en-US" i="1">
+                              <a:latin typeface="Cambria Math" panose="02040503050406030204" pitchFamily="18" charset="0"/>
+                            </a:rPr>
+                            <m:t>𝑙</m:t>
+                          </m:r>
+                        </m:sub>
+                      </m:sSub>
+                      <m:sSub>
+                        <m:sSubPr>
+                          <m:ctrlPr>
+                            <a:rPr lang="en-US" i="1">
+                              <a:latin typeface="Cambria Math" panose="02040503050406030204" pitchFamily="18" charset="0"/>
+                            </a:rPr>
+                          </m:ctrlPr>
+                        </m:sSubPr>
+                        <m:e>
+                          <m:r>
+                            <a:rPr lang="en-US" i="1">
+                              <a:latin typeface="Cambria Math" panose="02040503050406030204" pitchFamily="18" charset="0"/>
+                            </a:rPr>
+                            <m:t>h</m:t>
+                          </m:r>
+                        </m:e>
+                        <m:sub>
+                          <m:r>
+                            <a:rPr lang="en-US" i="1">
+                              <a:latin typeface="Cambria Math" panose="02040503050406030204" pitchFamily="18" charset="0"/>
+                            </a:rPr>
+                            <m:t>𝑡</m:t>
+                          </m:r>
+                          <m:r>
+                            <a:rPr lang="en-US" i="0">
+                              <a:latin typeface="Cambria Math" panose="02040503050406030204" pitchFamily="18" charset="0"/>
+                            </a:rPr>
+                            <m:t>−1,</m:t>
+                          </m:r>
+                          <m:r>
+                            <a:rPr lang="en-US" i="1">
+                              <a:latin typeface="Cambria Math" panose="02040503050406030204" pitchFamily="18" charset="0"/>
+                            </a:rPr>
+                            <m:t>𝑗</m:t>
+                          </m:r>
+                          <m:r>
+                            <a:rPr lang="en-US" i="0">
+                              <a:latin typeface="Cambria Math" panose="02040503050406030204" pitchFamily="18" charset="0"/>
+                            </a:rPr>
+                            <m:t>−1</m:t>
+                          </m:r>
+                        </m:sub>
+                      </m:sSub>
+                      <m:r>
+                        <a:rPr lang="en-US" i="0">
+                          <a:latin typeface="Cambria Math" panose="02040503050406030204" pitchFamily="18" charset="0"/>
+                        </a:rPr>
+                        <m:t>+</m:t>
+                      </m:r>
+                      <m:sSub>
+                        <m:sSubPr>
+                          <m:ctrlPr>
+                            <a:rPr lang="en-US" i="1">
+                              <a:latin typeface="Cambria Math" panose="02040503050406030204" pitchFamily="18" charset="0"/>
+                            </a:rPr>
+                          </m:ctrlPr>
+                        </m:sSubPr>
+                        <m:e>
+                          <m:r>
+                            <a:rPr lang="en-US" i="1">
+                              <a:latin typeface="Cambria Math" panose="02040503050406030204" pitchFamily="18" charset="0"/>
+                            </a:rPr>
+                            <m:t>𝜔</m:t>
+                          </m:r>
+                        </m:e>
+                        <m:sub>
+                          <m:r>
+                            <a:rPr lang="en-US" i="1">
+                              <a:latin typeface="Cambria Math" panose="02040503050406030204" pitchFamily="18" charset="0"/>
+                            </a:rPr>
+                            <m:t>𝑟</m:t>
+                          </m:r>
+                        </m:sub>
+                      </m:sSub>
+                      <m:sSub>
+                        <m:sSubPr>
+                          <m:ctrlPr>
+                            <a:rPr lang="en-US" i="1">
+                              <a:latin typeface="Cambria Math" panose="02040503050406030204" pitchFamily="18" charset="0"/>
+                            </a:rPr>
+                          </m:ctrlPr>
+                        </m:sSubPr>
+                        <m:e>
+                          <m:r>
+                            <a:rPr lang="en-US" i="1">
+                              <a:latin typeface="Cambria Math" panose="02040503050406030204" pitchFamily="18" charset="0"/>
+                            </a:rPr>
+                            <m:t>h</m:t>
+                          </m:r>
+                        </m:e>
+                        <m:sub>
+                          <m:r>
+                            <a:rPr lang="en-US" i="1">
+                              <a:latin typeface="Cambria Math" panose="02040503050406030204" pitchFamily="18" charset="0"/>
+                            </a:rPr>
+                            <m:t>𝑡</m:t>
+                          </m:r>
+                          <m:r>
+                            <a:rPr lang="en-US" i="0">
+                              <a:latin typeface="Cambria Math" panose="02040503050406030204" pitchFamily="18" charset="0"/>
+                            </a:rPr>
+                            <m:t>−1,</m:t>
+                          </m:r>
+                          <m:r>
+                            <a:rPr lang="en-US" i="1">
+                              <a:latin typeface="Cambria Math" panose="02040503050406030204" pitchFamily="18" charset="0"/>
+                            </a:rPr>
+                            <m:t>𝑗</m:t>
+                          </m:r>
+                        </m:sub>
+                      </m:sSub>
+                    </m:oMath>
+                  </m:oMathPara>
+                </a14:m>
+                <a:endParaRPr lang="en-US" dirty="0"/>
+              </a:p>
+            </p:txBody>
+          </p:sp>
+        </mc:Choice>
+        <mc:Fallback>
+          <p:sp>
+            <p:nvSpPr>
+              <p:cNvPr id="3" name="Rectangle 2"/>
+              <p:cNvSpPr>
+                <a:spLocks noRot="1" noChangeAspect="1" noMove="1" noResize="1" noEditPoints="1" noAdjustHandles="1" noChangeArrowheads="1" noChangeShapeType="1" noTextEdit="1"/>
+              </p:cNvSpPr>
+              <p:nvPr/>
+            </p:nvSpPr>
+            <p:spPr>
+              <a:xfrm>
+                <a:off x="663633" y="2102290"/>
+                <a:ext cx="3852785" cy="410305"/>
+              </a:xfrm>
+              <a:prstGeom prst="rect">
+                <a:avLst/>
+              </a:prstGeom>
+              <a:blipFill>
+                <a:blip r:embed="rId7"/>
+                <a:stretch>
+                  <a:fillRect t="-1493" b="-7463"/>
+                </a:stretch>
+              </a:blipFill>
+            </p:spPr>
+            <p:txBody>
+              <a:bodyPr/>
+              <a:lstStyle/>
+              <a:p>
+                <a:r>
+                  <a:rPr lang="en-US">
+                    <a:noFill/>
+                  </a:rPr>
+                  <a:t> </a:t>
+                </a:r>
+              </a:p>
+            </p:txBody>
+          </p:sp>
+        </mc:Fallback>
+      </mc:AlternateContent>
+      <mc:AlternateContent xmlns:mc="http://schemas.openxmlformats.org/markup-compatibility/2006">
+        <mc:Choice xmlns:a14="http://schemas.microsoft.com/office/drawing/2010/main" Requires="a14">
+          <p:sp>
+            <p:nvSpPr>
+              <p:cNvPr id="4" name="Rectangle 3"/>
+              <p:cNvSpPr/>
+              <p:nvPr/>
+            </p:nvSpPr>
+            <p:spPr>
+              <a:xfrm>
+                <a:off x="663633" y="2645702"/>
+                <a:ext cx="3820790" cy="824200"/>
+              </a:xfrm>
+              <a:prstGeom prst="rect">
+                <a:avLst/>
+              </a:prstGeom>
+            </p:spPr>
+            <p:txBody>
+              <a:bodyPr wrap="none">
+                <a:spAutoFit/>
+              </a:bodyPr>
+              <a:lstStyle/>
+              <a:p>
+                <a14:m>
+                  <m:oMathPara xmlns:m="http://schemas.openxmlformats.org/officeDocument/2006/math">
+                    <m:oMathParaPr>
+                      <m:jc m:val="centerGroup"/>
+                    </m:oMathParaPr>
+                    <m:oMath xmlns:m="http://schemas.openxmlformats.org/officeDocument/2006/math">
+                      <m:d>
+                        <m:dPr>
+                          <m:begChr m:val="["/>
+                          <m:endChr m:val="]"/>
+                          <m:ctrlPr>
+                            <a:rPr lang="en-US">
+                              <a:latin typeface="Cambria Math" panose="02040503050406030204" pitchFamily="18" charset="0"/>
+                            </a:rPr>
+                          </m:ctrlPr>
+                        </m:dPr>
+                        <m:e>
+                          <m:m>
+                            <m:mPr>
+                              <m:mcs>
+                                <m:mc>
+                                  <m:mcPr>
+                                    <m:count m:val="1"/>
+                                    <m:mcJc m:val="center"/>
+                                  </m:mcPr>
+                                </m:mc>
+                              </m:mcs>
+                              <m:ctrlPr>
+                                <a:rPr lang="en-US">
+                                  <a:latin typeface="Cambria Math" panose="02040503050406030204" pitchFamily="18" charset="0"/>
+                                </a:rPr>
+                              </m:ctrlPr>
+                            </m:mPr>
+                            <m:mr>
+                              <m:e>
+                                <m:sSub>
+                                  <m:sSubPr>
+                                    <m:ctrlPr>
+                                      <a:rPr lang="en-US">
+                                        <a:latin typeface="Cambria Math" panose="02040503050406030204" pitchFamily="18" charset="0"/>
+                                      </a:rPr>
+                                    </m:ctrlPr>
+                                  </m:sSubPr>
+                                  <m:e>
+                                    <m:r>
+                                      <a:rPr lang="en-US" i="1">
+                                        <a:latin typeface="Cambria Math" panose="02040503050406030204" pitchFamily="18" charset="0"/>
+                                      </a:rPr>
+                                      <m:t>𝜔</m:t>
+                                    </m:r>
+                                  </m:e>
+                                  <m:sub>
+                                    <m:r>
+                                      <a:rPr lang="en-US" i="1">
+                                        <a:latin typeface="Cambria Math" panose="02040503050406030204" pitchFamily="18" charset="0"/>
+                                      </a:rPr>
+                                      <m:t>𝑐</m:t>
+                                    </m:r>
+                                  </m:sub>
+                                </m:sSub>
+                              </m:e>
+                            </m:mr>
+                            <m:mr>
+                              <m:e>
+                                <m:sSub>
+                                  <m:sSubPr>
+                                    <m:ctrlPr>
+                                      <a:rPr lang="en-US" i="1">
+                                        <a:latin typeface="Cambria Math" panose="02040503050406030204" pitchFamily="18" charset="0"/>
+                                      </a:rPr>
+                                    </m:ctrlPr>
+                                  </m:sSubPr>
+                                  <m:e>
+                                    <m:r>
+                                      <a:rPr lang="en-US" i="1">
+                                        <a:latin typeface="Cambria Math" panose="02040503050406030204" pitchFamily="18" charset="0"/>
+                                      </a:rPr>
+                                      <m:t>𝜔</m:t>
+                                    </m:r>
+                                  </m:e>
+                                  <m:sub>
+                                    <m:r>
+                                      <a:rPr lang="en-US" i="1">
+                                        <a:latin typeface="Cambria Math" panose="02040503050406030204" pitchFamily="18" charset="0"/>
+                                      </a:rPr>
+                                      <m:t>𝑙</m:t>
+                                    </m:r>
+                                  </m:sub>
+                                </m:sSub>
+                              </m:e>
+                            </m:mr>
+                            <m:mr>
+                              <m:e>
+                                <m:sSub>
+                                  <m:sSubPr>
+                                    <m:ctrlPr>
+                                      <a:rPr lang="en-US" i="1">
+                                        <a:latin typeface="Cambria Math" panose="02040503050406030204" pitchFamily="18" charset="0"/>
+                                      </a:rPr>
+                                    </m:ctrlPr>
+                                  </m:sSubPr>
+                                  <m:e>
+                                    <m:r>
+                                      <a:rPr lang="en-US" i="1">
+                                        <a:latin typeface="Cambria Math" panose="02040503050406030204" pitchFamily="18" charset="0"/>
+                                      </a:rPr>
+                                      <m:t>𝜔</m:t>
+                                    </m:r>
+                                  </m:e>
+                                  <m:sub>
+                                    <m:r>
+                                      <a:rPr lang="en-US" i="1">
+                                        <a:latin typeface="Cambria Math" panose="02040503050406030204" pitchFamily="18" charset="0"/>
+                                      </a:rPr>
+                                      <m:t>𝑟</m:t>
+                                    </m:r>
+                                  </m:sub>
+                                </m:sSub>
+                              </m:e>
+                            </m:mr>
+                          </m:m>
+                        </m:e>
+                      </m:d>
+                      <m:r>
+                        <a:rPr lang="en-US" i="0">
+                          <a:latin typeface="Cambria Math" panose="02040503050406030204" pitchFamily="18" charset="0"/>
+                        </a:rPr>
+                        <m:t>=</m:t>
+                      </m:r>
+                      <m:f>
+                        <m:fPr>
+                          <m:ctrlPr>
+                            <a:rPr lang="en-US" i="1">
+                              <a:latin typeface="Cambria Math" panose="02040503050406030204" pitchFamily="18" charset="0"/>
+                            </a:rPr>
+                          </m:ctrlPr>
+                        </m:fPr>
+                        <m:num>
+                          <m:r>
+                            <a:rPr lang="en-US" i="0">
+                              <a:latin typeface="Cambria Math" panose="02040503050406030204" pitchFamily="18" charset="0"/>
+                            </a:rPr>
+                            <m:t>1</m:t>
+                          </m:r>
+                        </m:num>
+                        <m:den>
+                          <m:r>
+                            <a:rPr lang="en-US" i="1">
+                              <a:latin typeface="Cambria Math" panose="02040503050406030204" pitchFamily="18" charset="0"/>
+                            </a:rPr>
+                            <m:t>𝑍</m:t>
+                          </m:r>
+                        </m:den>
+                      </m:f>
+                      <m:r>
+                        <m:rPr>
+                          <m:sty m:val="p"/>
+                        </m:rPr>
+                        <a:rPr lang="en-US" i="0">
+                          <a:latin typeface="Cambria Math" panose="02040503050406030204" pitchFamily="18" charset="0"/>
+                        </a:rPr>
+                        <m:t>ex</m:t>
+                      </m:r>
+                      <m:func>
+                        <m:funcPr>
+                          <m:ctrlPr>
+                            <a:rPr lang="en-US" i="1">
+                              <a:latin typeface="Cambria Math" panose="02040503050406030204" pitchFamily="18" charset="0"/>
+                            </a:rPr>
+                          </m:ctrlPr>
+                        </m:funcPr>
+                        <m:fName>
+                          <m:r>
+                            <m:rPr>
+                              <m:sty m:val="p"/>
+                            </m:rPr>
+                            <a:rPr lang="en-US" i="0">
+                              <a:latin typeface="Cambria Math" panose="02040503050406030204" pitchFamily="18" charset="0"/>
+                            </a:rPr>
+                            <m:t>p</m:t>
+                          </m:r>
+                        </m:fName>
+                        <m:e>
+                          <m:d>
+                            <m:dPr>
+                              <m:ctrlPr>
+                                <a:rPr lang="en-US" i="1">
+                                  <a:latin typeface="Cambria Math" panose="02040503050406030204" pitchFamily="18" charset="0"/>
+                                </a:rPr>
+                              </m:ctrlPr>
+                            </m:dPr>
+                            <m:e>
+                              <m:sSub>
+                                <m:sSubPr>
+                                  <m:ctrlPr>
+                                    <a:rPr lang="en-US" i="1">
+                                      <a:latin typeface="Cambria Math" panose="02040503050406030204" pitchFamily="18" charset="0"/>
+                                    </a:rPr>
+                                  </m:ctrlPr>
+                                </m:sSubPr>
+                                <m:e>
+                                  <m:r>
+                                    <a:rPr lang="en-US" i="1">
+                                      <a:latin typeface="Cambria Math" panose="02040503050406030204" pitchFamily="18" charset="0"/>
+                                    </a:rPr>
+                                    <m:t>𝐺</m:t>
+                                  </m:r>
+                                </m:e>
+                                <m:sub>
+                                  <m:r>
+                                    <a:rPr lang="en-US" i="1">
+                                      <a:latin typeface="Cambria Math" panose="02040503050406030204" pitchFamily="18" charset="0"/>
+                                    </a:rPr>
+                                    <m:t>𝑙</m:t>
+                                  </m:r>
+                                </m:sub>
+                              </m:sSub>
+                              <m:sSub>
+                                <m:sSubPr>
+                                  <m:ctrlPr>
+                                    <a:rPr lang="en-US" i="1">
+                                      <a:latin typeface="Cambria Math" panose="02040503050406030204" pitchFamily="18" charset="0"/>
+                                    </a:rPr>
+                                  </m:ctrlPr>
+                                </m:sSubPr>
+                                <m:e>
+                                  <m:r>
+                                    <a:rPr lang="en-US" i="1">
+                                      <a:latin typeface="Cambria Math" panose="02040503050406030204" pitchFamily="18" charset="0"/>
+                                    </a:rPr>
+                                    <m:t>h</m:t>
+                                  </m:r>
+                                </m:e>
+                                <m:sub>
+                                  <m:r>
+                                    <a:rPr lang="en-US" i="1">
+                                      <a:latin typeface="Cambria Math" panose="02040503050406030204" pitchFamily="18" charset="0"/>
+                                    </a:rPr>
+                                    <m:t>𝑡</m:t>
+                                  </m:r>
+                                  <m:r>
+                                    <a:rPr lang="en-US" i="0">
+                                      <a:latin typeface="Cambria Math" panose="02040503050406030204" pitchFamily="18" charset="0"/>
+                                    </a:rPr>
+                                    <m:t>−1,</m:t>
+                                  </m:r>
+                                  <m:r>
+                                    <a:rPr lang="en-US" i="1">
+                                      <a:latin typeface="Cambria Math" panose="02040503050406030204" pitchFamily="18" charset="0"/>
+                                    </a:rPr>
+                                    <m:t>𝑗</m:t>
+                                  </m:r>
+                                  <m:r>
+                                    <a:rPr lang="en-US" i="0">
+                                      <a:latin typeface="Cambria Math" panose="02040503050406030204" pitchFamily="18" charset="0"/>
+                                    </a:rPr>
+                                    <m:t>−1</m:t>
+                                  </m:r>
+                                </m:sub>
+                              </m:sSub>
+                              <m:r>
+                                <a:rPr lang="en-US" i="0">
+                                  <a:latin typeface="Cambria Math" panose="02040503050406030204" pitchFamily="18" charset="0"/>
+                                </a:rPr>
+                                <m:t>+</m:t>
+                              </m:r>
+                              <m:sSub>
+                                <m:sSubPr>
+                                  <m:ctrlPr>
+                                    <a:rPr lang="en-US" i="1">
+                                      <a:latin typeface="Cambria Math" panose="02040503050406030204" pitchFamily="18" charset="0"/>
+                                    </a:rPr>
+                                  </m:ctrlPr>
+                                </m:sSubPr>
+                                <m:e>
+                                  <m:r>
+                                    <a:rPr lang="en-US" i="1">
+                                      <a:latin typeface="Cambria Math" panose="02040503050406030204" pitchFamily="18" charset="0"/>
+                                    </a:rPr>
+                                    <m:t>𝐺</m:t>
+                                  </m:r>
+                                </m:e>
+                                <m:sub>
+                                  <m:r>
+                                    <a:rPr lang="en-US" i="1">
+                                      <a:latin typeface="Cambria Math" panose="02040503050406030204" pitchFamily="18" charset="0"/>
+                                    </a:rPr>
+                                    <m:t>𝑟</m:t>
+                                  </m:r>
+                                </m:sub>
+                              </m:sSub>
+                              <m:sSub>
+                                <m:sSubPr>
+                                  <m:ctrlPr>
+                                    <a:rPr lang="en-US" i="1">
+                                      <a:latin typeface="Cambria Math" panose="02040503050406030204" pitchFamily="18" charset="0"/>
+                                    </a:rPr>
+                                  </m:ctrlPr>
+                                </m:sSubPr>
+                                <m:e>
+                                  <m:r>
+                                    <a:rPr lang="en-US" i="1">
+                                      <a:latin typeface="Cambria Math" panose="02040503050406030204" pitchFamily="18" charset="0"/>
+                                    </a:rPr>
+                                    <m:t>h</m:t>
+                                  </m:r>
+                                </m:e>
+                                <m:sub>
+                                  <m:r>
+                                    <a:rPr lang="en-US" i="1">
+                                      <a:latin typeface="Cambria Math" panose="02040503050406030204" pitchFamily="18" charset="0"/>
+                                    </a:rPr>
+                                    <m:t>𝑡</m:t>
+                                  </m:r>
+                                  <m:r>
+                                    <a:rPr lang="en-US" i="0">
+                                      <a:latin typeface="Cambria Math" panose="02040503050406030204" pitchFamily="18" charset="0"/>
+                                    </a:rPr>
+                                    <m:t>−1,</m:t>
+                                  </m:r>
+                                  <m:r>
+                                    <a:rPr lang="en-US" i="1">
+                                      <a:latin typeface="Cambria Math" panose="02040503050406030204" pitchFamily="18" charset="0"/>
+                                    </a:rPr>
+                                    <m:t>𝑗</m:t>
+                                  </m:r>
+                                </m:sub>
+                              </m:sSub>
+                            </m:e>
+                          </m:d>
+                        </m:e>
+                      </m:func>
+                    </m:oMath>
+                  </m:oMathPara>
+                </a14:m>
+                <a:endParaRPr lang="en-US" dirty="0"/>
+              </a:p>
+            </p:txBody>
+          </p:sp>
+        </mc:Choice>
+        <mc:Fallback>
+          <p:sp>
+            <p:nvSpPr>
+              <p:cNvPr id="4" name="Rectangle 3"/>
+              <p:cNvSpPr>
+                <a:spLocks noRot="1" noChangeAspect="1" noMove="1" noResize="1" noEditPoints="1" noAdjustHandles="1" noChangeArrowheads="1" noChangeShapeType="1" noTextEdit="1"/>
+              </p:cNvSpPr>
+              <p:nvPr/>
+            </p:nvSpPr>
+            <p:spPr>
+              <a:xfrm>
+                <a:off x="663633" y="2645702"/>
+                <a:ext cx="3820790" cy="824200"/>
+              </a:xfrm>
+              <a:prstGeom prst="rect">
+                <a:avLst/>
+              </a:prstGeom>
+              <a:blipFill>
+                <a:blip r:embed="rId8"/>
+                <a:stretch>
+                  <a:fillRect/>
+                </a:stretch>
+              </a:blipFill>
+            </p:spPr>
+            <p:txBody>
+              <a:bodyPr/>
+              <a:lstStyle/>
+              <a:p>
+                <a:r>
+                  <a:rPr lang="en-US">
+                    <a:noFill/>
+                  </a:rPr>
+                  <a:t> </a:t>
+                </a:r>
+              </a:p>
+            </p:txBody>
+          </p:sp>
+        </mc:Fallback>
+      </mc:AlternateContent>
+      <mc:AlternateContent xmlns:mc="http://schemas.openxmlformats.org/markup-compatibility/2006">
+        <mc:Choice xmlns:a14="http://schemas.microsoft.com/office/drawing/2010/main" Requires="a14">
+          <p:sp>
+            <p:nvSpPr>
+              <p:cNvPr id="6" name="Rectangle 5"/>
+              <p:cNvSpPr/>
+              <p:nvPr/>
+            </p:nvSpPr>
+            <p:spPr>
+              <a:xfrm>
+                <a:off x="663633" y="3603009"/>
+                <a:ext cx="3345852" cy="871072"/>
+              </a:xfrm>
+              <a:prstGeom prst="rect">
+                <a:avLst/>
+              </a:prstGeom>
+            </p:spPr>
+            <p:txBody>
+              <a:bodyPr wrap="none">
+                <a:spAutoFit/>
+              </a:bodyPr>
+              <a:lstStyle/>
+              <a:p>
+                <a14:m>
+                  <m:oMathPara xmlns:m="http://schemas.openxmlformats.org/officeDocument/2006/math">
+                    <m:oMathParaPr>
+                      <m:jc m:val="centerGroup"/>
+                    </m:oMathParaPr>
+                    <m:oMath xmlns:m="http://schemas.openxmlformats.org/officeDocument/2006/math">
+                      <m:r>
+                        <a:rPr lang="en-US" i="1">
+                          <a:latin typeface="Cambria Math" panose="02040503050406030204" pitchFamily="18" charset="0"/>
+                        </a:rPr>
+                        <m:t>𝑍</m:t>
+                      </m:r>
+                      <m:r>
+                        <a:rPr lang="en-US" i="0">
+                          <a:latin typeface="Cambria Math" panose="02040503050406030204" pitchFamily="18" charset="0"/>
+                        </a:rPr>
+                        <m:t>=</m:t>
+                      </m:r>
+                      <m:nary>
+                        <m:naryPr>
+                          <m:chr m:val="∑"/>
+                          <m:limLoc m:val="undOvr"/>
+                          <m:ctrlPr>
+                            <a:rPr lang="en-US" i="1">
+                              <a:latin typeface="Cambria Math" panose="02040503050406030204" pitchFamily="18" charset="0"/>
+                            </a:rPr>
+                          </m:ctrlPr>
+                        </m:naryPr>
+                        <m:sub>
+                          <m:r>
+                            <a:rPr lang="en-US" i="1">
+                              <a:latin typeface="Cambria Math" panose="02040503050406030204" pitchFamily="18" charset="0"/>
+                            </a:rPr>
+                            <m:t>𝑘</m:t>
+                          </m:r>
+                          <m:r>
+                            <a:rPr lang="en-US" i="0">
+                              <a:latin typeface="Cambria Math" panose="02040503050406030204" pitchFamily="18" charset="0"/>
+                            </a:rPr>
+                            <m:t>=1</m:t>
+                          </m:r>
+                        </m:sub>
+                        <m:sup>
+                          <m:r>
+                            <a:rPr lang="en-US" i="0">
+                              <a:latin typeface="Cambria Math" panose="02040503050406030204" pitchFamily="18" charset="0"/>
+                            </a:rPr>
+                            <m:t>3</m:t>
+                          </m:r>
+                        </m:sup>
+                        <m:e>
+                          <m:sSub>
+                            <m:sSubPr>
+                              <m:ctrlPr>
+                                <a:rPr lang="en-US" i="1">
+                                  <a:latin typeface="Cambria Math" panose="02040503050406030204" pitchFamily="18" charset="0"/>
+                                </a:rPr>
+                              </m:ctrlPr>
+                            </m:sSubPr>
+                            <m:e>
+                              <m:d>
+                                <m:dPr>
+                                  <m:begChr m:val="["/>
+                                  <m:endChr m:val="]"/>
+                                  <m:ctrlPr>
+                                    <a:rPr lang="en-US" i="1">
+                                      <a:latin typeface="Cambria Math" panose="02040503050406030204" pitchFamily="18" charset="0"/>
+                                    </a:rPr>
+                                  </m:ctrlPr>
+                                </m:dPr>
+                                <m:e>
+                                  <m:sSub>
+                                    <m:sSubPr>
+                                      <m:ctrlPr>
+                                        <a:rPr lang="en-US" i="1">
+                                          <a:latin typeface="Cambria Math" panose="02040503050406030204" pitchFamily="18" charset="0"/>
+                                        </a:rPr>
+                                      </m:ctrlPr>
+                                    </m:sSubPr>
+                                    <m:e>
+                                      <m:r>
+                                        <a:rPr lang="en-US" i="1">
+                                          <a:latin typeface="Cambria Math" panose="02040503050406030204" pitchFamily="18" charset="0"/>
+                                        </a:rPr>
+                                        <m:t>𝐺</m:t>
+                                      </m:r>
+                                    </m:e>
+                                    <m:sub>
+                                      <m:r>
+                                        <a:rPr lang="en-US" i="1">
+                                          <a:latin typeface="Cambria Math" panose="02040503050406030204" pitchFamily="18" charset="0"/>
+                                        </a:rPr>
+                                        <m:t>𝑙</m:t>
+                                      </m:r>
+                                    </m:sub>
+                                  </m:sSub>
+                                  <m:sSub>
+                                    <m:sSubPr>
+                                      <m:ctrlPr>
+                                        <a:rPr lang="en-US" i="1">
+                                          <a:latin typeface="Cambria Math" panose="02040503050406030204" pitchFamily="18" charset="0"/>
+                                        </a:rPr>
+                                      </m:ctrlPr>
+                                    </m:sSubPr>
+                                    <m:e>
+                                      <m:r>
+                                        <a:rPr lang="en-US" i="1">
+                                          <a:latin typeface="Cambria Math" panose="02040503050406030204" pitchFamily="18" charset="0"/>
+                                        </a:rPr>
+                                        <m:t>h</m:t>
+                                      </m:r>
+                                    </m:e>
+                                    <m:sub>
+                                      <m:r>
+                                        <a:rPr lang="en-US" i="1">
+                                          <a:latin typeface="Cambria Math" panose="02040503050406030204" pitchFamily="18" charset="0"/>
+                                        </a:rPr>
+                                        <m:t>𝑡</m:t>
+                                      </m:r>
+                                      <m:r>
+                                        <a:rPr lang="en-US" i="0">
+                                          <a:latin typeface="Cambria Math" panose="02040503050406030204" pitchFamily="18" charset="0"/>
+                                        </a:rPr>
+                                        <m:t>−1,</m:t>
+                                      </m:r>
+                                      <m:r>
+                                        <a:rPr lang="en-US" i="1">
+                                          <a:latin typeface="Cambria Math" panose="02040503050406030204" pitchFamily="18" charset="0"/>
+                                        </a:rPr>
+                                        <m:t>𝑗</m:t>
+                                      </m:r>
+                                      <m:r>
+                                        <a:rPr lang="en-US" i="0">
+                                          <a:latin typeface="Cambria Math" panose="02040503050406030204" pitchFamily="18" charset="0"/>
+                                        </a:rPr>
+                                        <m:t>−1</m:t>
+                                      </m:r>
+                                    </m:sub>
+                                  </m:sSub>
+                                  <m:r>
+                                    <a:rPr lang="en-US" i="0">
+                                      <a:latin typeface="Cambria Math" panose="02040503050406030204" pitchFamily="18" charset="0"/>
+                                    </a:rPr>
+                                    <m:t>+</m:t>
+                                  </m:r>
+                                  <m:sSub>
+                                    <m:sSubPr>
+                                      <m:ctrlPr>
+                                        <a:rPr lang="en-US" i="1">
+                                          <a:latin typeface="Cambria Math" panose="02040503050406030204" pitchFamily="18" charset="0"/>
+                                        </a:rPr>
+                                      </m:ctrlPr>
+                                    </m:sSubPr>
+                                    <m:e>
+                                      <m:r>
+                                        <a:rPr lang="en-US" i="1">
+                                          <a:latin typeface="Cambria Math" panose="02040503050406030204" pitchFamily="18" charset="0"/>
+                                        </a:rPr>
+                                        <m:t>𝐺</m:t>
+                                      </m:r>
+                                    </m:e>
+                                    <m:sub>
+                                      <m:r>
+                                        <a:rPr lang="en-US" i="1">
+                                          <a:latin typeface="Cambria Math" panose="02040503050406030204" pitchFamily="18" charset="0"/>
+                                        </a:rPr>
+                                        <m:t>𝑟</m:t>
+                                      </m:r>
+                                    </m:sub>
+                                  </m:sSub>
+                                  <m:sSub>
+                                    <m:sSubPr>
+                                      <m:ctrlPr>
+                                        <a:rPr lang="en-US" i="1">
+                                          <a:latin typeface="Cambria Math" panose="02040503050406030204" pitchFamily="18" charset="0"/>
+                                        </a:rPr>
+                                      </m:ctrlPr>
+                                    </m:sSubPr>
+                                    <m:e>
+                                      <m:r>
+                                        <a:rPr lang="en-US" i="1">
+                                          <a:latin typeface="Cambria Math" panose="02040503050406030204" pitchFamily="18" charset="0"/>
+                                        </a:rPr>
+                                        <m:t>h</m:t>
+                                      </m:r>
+                                    </m:e>
+                                    <m:sub>
+                                      <m:r>
+                                        <a:rPr lang="en-US" i="1">
+                                          <a:latin typeface="Cambria Math" panose="02040503050406030204" pitchFamily="18" charset="0"/>
+                                        </a:rPr>
+                                        <m:t>𝑡</m:t>
+                                      </m:r>
+                                      <m:r>
+                                        <a:rPr lang="en-US" i="0">
+                                          <a:latin typeface="Cambria Math" panose="02040503050406030204" pitchFamily="18" charset="0"/>
+                                        </a:rPr>
+                                        <m:t>−1,</m:t>
+                                      </m:r>
+                                      <m:r>
+                                        <a:rPr lang="en-US" i="1">
+                                          <a:latin typeface="Cambria Math" panose="02040503050406030204" pitchFamily="18" charset="0"/>
+                                        </a:rPr>
+                                        <m:t>𝑗</m:t>
+                                      </m:r>
+                                    </m:sub>
+                                  </m:sSub>
+                                </m:e>
+                              </m:d>
+                            </m:e>
+                            <m:sub>
+                              <m:r>
+                                <a:rPr lang="en-US" i="1">
+                                  <a:latin typeface="Cambria Math" panose="02040503050406030204" pitchFamily="18" charset="0"/>
+                                </a:rPr>
+                                <m:t>𝑘</m:t>
+                              </m:r>
+                            </m:sub>
+                          </m:sSub>
+                        </m:e>
+                      </m:nary>
+                    </m:oMath>
+                  </m:oMathPara>
+                </a14:m>
+                <a:endParaRPr lang="en-US" dirty="0"/>
+              </a:p>
+            </p:txBody>
+          </p:sp>
+        </mc:Choice>
+        <mc:Fallback>
+          <p:sp>
+            <p:nvSpPr>
+              <p:cNvPr id="6" name="Rectangle 5"/>
+              <p:cNvSpPr>
+                <a:spLocks noRot="1" noChangeAspect="1" noMove="1" noResize="1" noEditPoints="1" noAdjustHandles="1" noChangeArrowheads="1" noChangeShapeType="1" noTextEdit="1"/>
+              </p:cNvSpPr>
+              <p:nvPr/>
+            </p:nvSpPr>
+            <p:spPr>
+              <a:xfrm>
+                <a:off x="663633" y="3603009"/>
+                <a:ext cx="3345852" cy="871072"/>
+              </a:xfrm>
+              <a:prstGeom prst="rect">
+                <a:avLst/>
+              </a:prstGeom>
+              <a:blipFill>
+                <a:blip r:embed="rId9"/>
+                <a:stretch>
+                  <a:fillRect/>
+                </a:stretch>
+              </a:blipFill>
+            </p:spPr>
+            <p:txBody>
+              <a:bodyPr/>
+              <a:lstStyle/>
+              <a:p>
+                <a:r>
+                  <a:rPr lang="en-US">
+                    <a:noFill/>
+                  </a:rPr>
+                  <a:t> </a:t>
+                </a:r>
+              </a:p>
+            </p:txBody>
+          </p:sp>
+        </mc:Fallback>
+      </mc:AlternateContent>
+    </p:spTree>
+    <p:extLst>
+      <p:ext uri="{BB962C8B-B14F-4D97-AF65-F5344CB8AC3E}">
+        <p14:creationId xmlns:p14="http://schemas.microsoft.com/office/powerpoint/2010/main" val="3774649875"/>
+      </p:ext>
+    </p:extLst>
+  </p:cSld>
+  <p:clrMapOvr>
+    <a:masterClrMapping/>
+  </p:clrMapOvr>
+</p:sld>
+</file>
+
+<file path=ppt/slides/slide8.xml><?xml version="1.0" encoding="utf-8"?>
 <p:sld xmlns:a="http://schemas.openxmlformats.org/drawingml/2006/main" xmlns:r="http://schemas.openxmlformats.org/officeDocument/2006/relationships" xmlns:p="http://schemas.openxmlformats.org/presentationml/2006/main">
   <p:cSld>
     <p:spTree>

--- a/encoder_decoder.pptx
+++ b/encoder_decoder.pptx
@@ -250,7 +250,7 @@
           <a:p>
             <a:fld id="{EA5C707D-EE12-44EE-970A-C277B1E8CD9B}" type="datetimeFigureOut">
               <a:rPr lang="en-US" smtClean="0"/>
-              <a:t>4/11/2020</a:t>
+              <a:t>4/14/2020</a:t>
             </a:fld>
             <a:endParaRPr lang="en-US"/>
           </a:p>
@@ -420,7 +420,7 @@
           <a:p>
             <a:fld id="{EA5C707D-EE12-44EE-970A-C277B1E8CD9B}" type="datetimeFigureOut">
               <a:rPr lang="en-US" smtClean="0"/>
-              <a:t>4/11/2020</a:t>
+              <a:t>4/14/2020</a:t>
             </a:fld>
             <a:endParaRPr lang="en-US"/>
           </a:p>
@@ -600,7 +600,7 @@
           <a:p>
             <a:fld id="{EA5C707D-EE12-44EE-970A-C277B1E8CD9B}" type="datetimeFigureOut">
               <a:rPr lang="en-US" smtClean="0"/>
-              <a:t>4/11/2020</a:t>
+              <a:t>4/14/2020</a:t>
             </a:fld>
             <a:endParaRPr lang="en-US"/>
           </a:p>
@@ -770,7 +770,7 @@
           <a:p>
             <a:fld id="{EA5C707D-EE12-44EE-970A-C277B1E8CD9B}" type="datetimeFigureOut">
               <a:rPr lang="en-US" smtClean="0"/>
-              <a:t>4/11/2020</a:t>
+              <a:t>4/14/2020</a:t>
             </a:fld>
             <a:endParaRPr lang="en-US"/>
           </a:p>
@@ -1016,7 +1016,7 @@
           <a:p>
             <a:fld id="{EA5C707D-EE12-44EE-970A-C277B1E8CD9B}" type="datetimeFigureOut">
               <a:rPr lang="en-US" smtClean="0"/>
-              <a:t>4/11/2020</a:t>
+              <a:t>4/14/2020</a:t>
             </a:fld>
             <a:endParaRPr lang="en-US"/>
           </a:p>
@@ -1248,7 +1248,7 @@
           <a:p>
             <a:fld id="{EA5C707D-EE12-44EE-970A-C277B1E8CD9B}" type="datetimeFigureOut">
               <a:rPr lang="en-US" smtClean="0"/>
-              <a:t>4/11/2020</a:t>
+              <a:t>4/14/2020</a:t>
             </a:fld>
             <a:endParaRPr lang="en-US"/>
           </a:p>
@@ -1615,7 +1615,7 @@
           <a:p>
             <a:fld id="{EA5C707D-EE12-44EE-970A-C277B1E8CD9B}" type="datetimeFigureOut">
               <a:rPr lang="en-US" smtClean="0"/>
-              <a:t>4/11/2020</a:t>
+              <a:t>4/14/2020</a:t>
             </a:fld>
             <a:endParaRPr lang="en-US"/>
           </a:p>
@@ -1733,7 +1733,7 @@
           <a:p>
             <a:fld id="{EA5C707D-EE12-44EE-970A-C277B1E8CD9B}" type="datetimeFigureOut">
               <a:rPr lang="en-US" smtClean="0"/>
-              <a:t>4/11/2020</a:t>
+              <a:t>4/14/2020</a:t>
             </a:fld>
             <a:endParaRPr lang="en-US"/>
           </a:p>
@@ -1828,7 +1828,7 @@
           <a:p>
             <a:fld id="{EA5C707D-EE12-44EE-970A-C277B1E8CD9B}" type="datetimeFigureOut">
               <a:rPr lang="en-US" smtClean="0"/>
-              <a:t>4/11/2020</a:t>
+              <a:t>4/14/2020</a:t>
             </a:fld>
             <a:endParaRPr lang="en-US"/>
           </a:p>
@@ -2105,7 +2105,7 @@
           <a:p>
             <a:fld id="{EA5C707D-EE12-44EE-970A-C277B1E8CD9B}" type="datetimeFigureOut">
               <a:rPr lang="en-US" smtClean="0"/>
-              <a:t>4/11/2020</a:t>
+              <a:t>4/14/2020</a:t>
             </a:fld>
             <a:endParaRPr lang="en-US"/>
           </a:p>
@@ -2358,7 +2358,7 @@
           <a:p>
             <a:fld id="{EA5C707D-EE12-44EE-970A-C277B1E8CD9B}" type="datetimeFigureOut">
               <a:rPr lang="en-US" smtClean="0"/>
-              <a:t>4/11/2020</a:t>
+              <a:t>4/14/2020</a:t>
             </a:fld>
             <a:endParaRPr lang="en-US"/>
           </a:p>
@@ -2571,7 +2571,7 @@
           <a:p>
             <a:fld id="{EA5C707D-EE12-44EE-970A-C277B1E8CD9B}" type="datetimeFigureOut">
               <a:rPr lang="en-US" smtClean="0"/>
-              <a:t>4/11/2020</a:t>
+              <a:t>4/14/2020</a:t>
             </a:fld>
             <a:endParaRPr lang="en-US"/>
           </a:p>
@@ -3232,13 +3232,7 @@
               <a:rPr lang="vi-VN" sz="3600" dirty="0" smtClean="0">
                 <a:latin typeface="Calibri Light (Headings)"/>
               </a:rPr>
-              <a:t> </a:t>
-            </a:r>
-            <a:r>
-              <a:rPr lang="vi-VN" sz="3600" dirty="0" smtClean="0">
-                <a:latin typeface="Calibri Light (Headings)"/>
-              </a:rPr>
-              <a:t>Recurrent Neural Network (RNN)</a:t>
+              <a:t> Recurrent Neural Network (RNN)</a:t>
             </a:r>
             <a:br>
               <a:rPr lang="vi-VN" sz="3600" dirty="0" smtClean="0">
@@ -6207,13 +6201,7 @@
               <a:rPr lang="vi-VN" sz="3600" dirty="0" smtClean="0">
                 <a:latin typeface="Times New Roman (Headings)"/>
               </a:rPr>
-              <a:t> </a:t>
-            </a:r>
-            <a:r>
-              <a:rPr lang="vi-VN" sz="3600" dirty="0" smtClean="0">
-                <a:latin typeface="Times New Roman (Headings)"/>
-              </a:rPr>
-              <a:t>Convolutional Neural Network (CNN)</a:t>
+              <a:t> Convolutional Neural Network (CNN)</a:t>
             </a:r>
             <a:br>
               <a:rPr lang="vi-VN" sz="3600" dirty="0" smtClean="0">
@@ -6236,13 +6224,7 @@
               <a:rPr lang="vi-VN" sz="3600" dirty="0" smtClean="0">
                 <a:latin typeface="Times New Roman (Headings)"/>
               </a:rPr>
-              <a:t>Decoder </a:t>
-            </a:r>
-            <a:r>
-              <a:rPr lang="vi-VN" sz="3600" dirty="0" smtClean="0">
-                <a:latin typeface="Times New Roman (Headings)"/>
-              </a:rPr>
-              <a:t>Architecture </a:t>
+              <a:t>Decoder Architecture </a:t>
             </a:r>
             <a:endParaRPr lang="en-US" sz="3600" dirty="0">
               <a:latin typeface="Times New Roman (Headings)"/>
@@ -6480,8 +6462,8 @@
             </p:txBody>
           </p:sp>
         </p:grpSp>
-        <mc:AlternateContent xmlns:mc="http://schemas.openxmlformats.org/markup-compatibility/2006">
-          <mc:Choice xmlns:a14="http://schemas.microsoft.com/office/drawing/2010/main" Requires="a14">
+        <mc:AlternateContent xmlns:mc="http://schemas.openxmlformats.org/markup-compatibility/2006" xmlns:a14="http://schemas.microsoft.com/office/drawing/2010/main">
+          <mc:Choice Requires="a14">
             <p:sp>
               <p:nvSpPr>
                 <p:cNvPr id="26" name="Rectangle 25"/>
@@ -6576,7 +6558,7 @@
               </p:txBody>
             </p:sp>
           </mc:Choice>
-          <mc:Fallback>
+          <mc:Fallback xmlns="">
             <p:sp>
               <p:nvSpPr>
                 <p:cNvPr id="26" name="Rectangle 25"/>
@@ -6618,8 +6600,8 @@
             </p:sp>
           </mc:Fallback>
         </mc:AlternateContent>
-        <mc:AlternateContent xmlns:mc="http://schemas.openxmlformats.org/markup-compatibility/2006">
-          <mc:Choice xmlns:a14="http://schemas.microsoft.com/office/drawing/2010/main" Requires="a14">
+        <mc:AlternateContent xmlns:mc="http://schemas.openxmlformats.org/markup-compatibility/2006" xmlns:a14="http://schemas.microsoft.com/office/drawing/2010/main">
+          <mc:Choice Requires="a14">
             <p:sp>
               <p:nvSpPr>
                 <p:cNvPr id="27" name="Rectangle 26"/>
@@ -6714,7 +6696,7 @@
               </p:txBody>
             </p:sp>
           </mc:Choice>
-          <mc:Fallback>
+          <mc:Fallback xmlns="">
             <p:sp>
               <p:nvSpPr>
                 <p:cNvPr id="27" name="Rectangle 26"/>
@@ -6756,8 +6738,8 @@
             </p:sp>
           </mc:Fallback>
         </mc:AlternateContent>
-        <mc:AlternateContent xmlns:mc="http://schemas.openxmlformats.org/markup-compatibility/2006">
-          <mc:Choice xmlns:a14="http://schemas.microsoft.com/office/drawing/2010/main" Requires="a14">
+        <mc:AlternateContent xmlns:mc="http://schemas.openxmlformats.org/markup-compatibility/2006" xmlns:a14="http://schemas.microsoft.com/office/drawing/2010/main">
+          <mc:Choice Requires="a14">
             <p:sp>
               <p:nvSpPr>
                 <p:cNvPr id="28" name="Rectangle 27"/>
@@ -6852,7 +6834,7 @@
               </p:txBody>
             </p:sp>
           </mc:Choice>
-          <mc:Fallback>
+          <mc:Fallback xmlns="">
             <p:sp>
               <p:nvSpPr>
                 <p:cNvPr id="28" name="Rectangle 27"/>
@@ -7019,8 +7001,8 @@
             </a:prstGeom>
           </p:spPr>
         </p:pic>
-        <mc:AlternateContent xmlns:mc="http://schemas.openxmlformats.org/markup-compatibility/2006">
-          <mc:Choice xmlns:a14="http://schemas.microsoft.com/office/drawing/2010/main" Requires="a14">
+        <mc:AlternateContent xmlns:mc="http://schemas.openxmlformats.org/markup-compatibility/2006" xmlns:a14="http://schemas.microsoft.com/office/drawing/2010/main">
+          <mc:Choice Requires="a14">
             <p:sp>
               <p:nvSpPr>
                 <p:cNvPr id="17" name="Rectangle 16"/>
@@ -7133,7 +7115,7 @@
               </p:txBody>
             </p:sp>
           </mc:Choice>
-          <mc:Fallback>
+          <mc:Fallback xmlns="">
             <p:sp>
               <p:nvSpPr>
                 <p:cNvPr id="17" name="Rectangle 16"/>
@@ -7175,8 +7157,8 @@
             </p:sp>
           </mc:Fallback>
         </mc:AlternateContent>
-        <mc:AlternateContent xmlns:mc="http://schemas.openxmlformats.org/markup-compatibility/2006">
-          <mc:Choice xmlns:a14="http://schemas.microsoft.com/office/drawing/2010/main" Requires="a14">
+        <mc:AlternateContent xmlns:mc="http://schemas.openxmlformats.org/markup-compatibility/2006" xmlns:a14="http://schemas.microsoft.com/office/drawing/2010/main">
+          <mc:Choice Requires="a14">
             <p:sp>
               <p:nvSpPr>
                 <p:cNvPr id="18" name="Rectangle 17"/>
@@ -7300,7 +7282,7 @@
               </p:txBody>
             </p:sp>
           </mc:Choice>
-          <mc:Fallback>
+          <mc:Fallback xmlns="">
             <p:sp>
               <p:nvSpPr>
                 <p:cNvPr id="18" name="Rectangle 17"/>
@@ -7342,8 +7324,8 @@
             </p:sp>
           </mc:Fallback>
         </mc:AlternateContent>
-        <mc:AlternateContent xmlns:mc="http://schemas.openxmlformats.org/markup-compatibility/2006">
-          <mc:Choice xmlns:a14="http://schemas.microsoft.com/office/drawing/2010/main" Requires="a14">
+        <mc:AlternateContent xmlns:mc="http://schemas.openxmlformats.org/markup-compatibility/2006" xmlns:a14="http://schemas.microsoft.com/office/drawing/2010/main">
+          <mc:Choice Requires="a14">
             <p:sp>
               <p:nvSpPr>
                 <p:cNvPr id="19" name="Rectangle 18"/>
@@ -7467,7 +7449,7 @@
               </p:txBody>
             </p:sp>
           </mc:Choice>
-          <mc:Fallback>
+          <mc:Fallback xmlns="">
             <p:sp>
               <p:nvSpPr>
                 <p:cNvPr id="19" name="Rectangle 18"/>
@@ -7610,8 +7592,8 @@
             </a:prstGeom>
           </p:spPr>
         </p:pic>
-        <mc:AlternateContent xmlns:mc="http://schemas.openxmlformats.org/markup-compatibility/2006">
-          <mc:Choice xmlns:a14="http://schemas.microsoft.com/office/drawing/2010/main" Requires="a14">
+        <mc:AlternateContent xmlns:mc="http://schemas.openxmlformats.org/markup-compatibility/2006" xmlns:a14="http://schemas.microsoft.com/office/drawing/2010/main">
+          <mc:Choice Requires="a14">
             <p:sp>
               <p:nvSpPr>
                 <p:cNvPr id="17" name="Rectangle 16"/>
@@ -7724,7 +7706,7 @@
               </p:txBody>
             </p:sp>
           </mc:Choice>
-          <mc:Fallback>
+          <mc:Fallback xmlns="">
             <p:sp>
               <p:nvSpPr>
                 <p:cNvPr id="17" name="Rectangle 16"/>
@@ -7766,8 +7748,8 @@
             </p:sp>
           </mc:Fallback>
         </mc:AlternateContent>
-        <mc:AlternateContent xmlns:mc="http://schemas.openxmlformats.org/markup-compatibility/2006">
-          <mc:Choice xmlns:a14="http://schemas.microsoft.com/office/drawing/2010/main" Requires="a14">
+        <mc:AlternateContent xmlns:mc="http://schemas.openxmlformats.org/markup-compatibility/2006" xmlns:a14="http://schemas.microsoft.com/office/drawing/2010/main">
+          <mc:Choice Requires="a14">
             <p:sp>
               <p:nvSpPr>
                 <p:cNvPr id="18" name="Rectangle 17"/>
@@ -7891,7 +7873,7 @@
               </p:txBody>
             </p:sp>
           </mc:Choice>
-          <mc:Fallback>
+          <mc:Fallback xmlns="">
             <p:sp>
               <p:nvSpPr>
                 <p:cNvPr id="18" name="Rectangle 17"/>
@@ -7933,8 +7915,8 @@
             </p:sp>
           </mc:Fallback>
         </mc:AlternateContent>
-        <mc:AlternateContent xmlns:mc="http://schemas.openxmlformats.org/markup-compatibility/2006">
-          <mc:Choice xmlns:a14="http://schemas.microsoft.com/office/drawing/2010/main" Requires="a14">
+        <mc:AlternateContent xmlns:mc="http://schemas.openxmlformats.org/markup-compatibility/2006" xmlns:a14="http://schemas.microsoft.com/office/drawing/2010/main">
+          <mc:Choice Requires="a14">
             <p:sp>
               <p:nvSpPr>
                 <p:cNvPr id="19" name="Rectangle 18"/>
@@ -8049,7 +8031,7 @@
               </p:txBody>
             </p:sp>
           </mc:Choice>
-          <mc:Fallback>
+          <mc:Fallback xmlns="">
             <p:sp>
               <p:nvSpPr>
                 <p:cNvPr id="19" name="Rectangle 18"/>
@@ -8092,8 +8074,8 @@
           </mc:Fallback>
         </mc:AlternateContent>
       </p:grpSp>
-      <mc:AlternateContent xmlns:mc="http://schemas.openxmlformats.org/markup-compatibility/2006">
-        <mc:Choice xmlns:a14="http://schemas.microsoft.com/office/drawing/2010/main" Requires="a14">
+      <mc:AlternateContent xmlns:mc="http://schemas.openxmlformats.org/markup-compatibility/2006" xmlns:a14="http://schemas.microsoft.com/office/drawing/2010/main">
+        <mc:Choice Requires="a14">
           <p:sp>
             <p:nvSpPr>
               <p:cNvPr id="13" name="Rectangle 12"/>
@@ -8115,6 +8097,7 @@
               </a:bodyPr>
               <a:lstStyle/>
               <a:p>
+                <a:pPr/>
                 <a14:m>
                   <m:oMathPara xmlns:m="http://schemas.openxmlformats.org/officeDocument/2006/math">
                     <m:oMathParaPr>
@@ -8124,7 +8107,7 @@
                       <m:sSub>
                         <m:sSubPr>
                           <m:ctrlPr>
-                            <a:rPr lang="en-US">
+                            <a:rPr lang="en-US" i="1">
                               <a:latin typeface="Cambria Math" panose="02040503050406030204" pitchFamily="18" charset="0"/>
                             </a:rPr>
                           </m:ctrlPr>
@@ -8134,7 +8117,7 @@
                             <m:accPr>
                               <m:chr m:val="̃"/>
                               <m:ctrlPr>
-                                <a:rPr lang="en-US">
+                                <a:rPr lang="en-US" i="1">
                                   <a:latin typeface="Cambria Math" panose="02040503050406030204" pitchFamily="18" charset="0"/>
                                 </a:rPr>
                               </m:ctrlPr>
@@ -8337,7 +8320,7 @@
             </p:txBody>
           </p:sp>
         </mc:Choice>
-        <mc:Fallback>
+        <mc:Fallback xmlns="">
           <p:sp>
             <p:nvSpPr>
               <p:cNvPr id="13" name="Rectangle 12"/>
@@ -8376,8 +8359,8 @@
           </p:sp>
         </mc:Fallback>
       </mc:AlternateContent>
-      <mc:AlternateContent xmlns:mc="http://schemas.openxmlformats.org/markup-compatibility/2006">
-        <mc:Choice xmlns:a14="http://schemas.microsoft.com/office/drawing/2010/main" Requires="a14">
+      <mc:AlternateContent xmlns:mc="http://schemas.openxmlformats.org/markup-compatibility/2006" xmlns:a14="http://schemas.microsoft.com/office/drawing/2010/main">
+        <mc:Choice Requires="a14">
           <p:sp>
             <p:nvSpPr>
               <p:cNvPr id="3" name="Rectangle 2"/>
@@ -8399,6 +8382,7 @@
               </a:bodyPr>
               <a:lstStyle/>
               <a:p>
+                <a:pPr/>
                 <a14:m>
                   <m:oMathPara xmlns:m="http://schemas.openxmlformats.org/officeDocument/2006/math">
                     <m:oMathParaPr>
@@ -8408,7 +8392,7 @@
                       <m:sSub>
                         <m:sSubPr>
                           <m:ctrlPr>
-                            <a:rPr lang="en-US">
+                            <a:rPr lang="en-US" i="1">
                               <a:latin typeface="Cambria Math" panose="02040503050406030204" pitchFamily="18" charset="0"/>
                             </a:rPr>
                           </m:ctrlPr>
@@ -8672,7 +8656,7 @@
             </p:txBody>
           </p:sp>
         </mc:Choice>
-        <mc:Fallback>
+        <mc:Fallback xmlns="">
           <p:sp>
             <p:nvSpPr>
               <p:cNvPr id="3" name="Rectangle 2"/>
@@ -8711,8 +8695,8 @@
           </p:sp>
         </mc:Fallback>
       </mc:AlternateContent>
-      <mc:AlternateContent xmlns:mc="http://schemas.openxmlformats.org/markup-compatibility/2006">
-        <mc:Choice xmlns:a14="http://schemas.microsoft.com/office/drawing/2010/main" Requires="a14">
+      <mc:AlternateContent xmlns:mc="http://schemas.openxmlformats.org/markup-compatibility/2006" xmlns:a14="http://schemas.microsoft.com/office/drawing/2010/main">
+        <mc:Choice Requires="a14">
           <p:sp>
             <p:nvSpPr>
               <p:cNvPr id="4" name="Rectangle 3"/>
@@ -8734,6 +8718,7 @@
               </a:bodyPr>
               <a:lstStyle/>
               <a:p>
+                <a:pPr/>
                 <a14:m>
                   <m:oMathPara xmlns:m="http://schemas.openxmlformats.org/officeDocument/2006/math">
                     <m:oMathParaPr>
@@ -8745,7 +8730,7 @@
                           <m:begChr m:val="["/>
                           <m:endChr m:val="]"/>
                           <m:ctrlPr>
-                            <a:rPr lang="en-US">
+                            <a:rPr lang="en-US" i="1">
                               <a:latin typeface="Cambria Math" panose="02040503050406030204" pitchFamily="18" charset="0"/>
                             </a:rPr>
                           </m:ctrlPr>
@@ -8762,7 +8747,7 @@
                                 </m:mc>
                               </m:mcs>
                               <m:ctrlPr>
-                                <a:rPr lang="en-US">
+                                <a:rPr lang="en-US" i="1">
                                   <a:latin typeface="Cambria Math" panose="02040503050406030204" pitchFamily="18" charset="0"/>
                                 </a:rPr>
                               </m:ctrlPr>
@@ -8772,7 +8757,7 @@
                                 <m:sSub>
                                   <m:sSubPr>
                                     <m:ctrlPr>
-                                      <a:rPr lang="en-US">
+                                      <a:rPr lang="en-US" i="1">
                                         <a:latin typeface="Cambria Math" panose="02040503050406030204" pitchFamily="18" charset="0"/>
                                       </a:rPr>
                                     </m:ctrlPr>
@@ -9074,7 +9059,7 @@
             </p:txBody>
           </p:sp>
         </mc:Choice>
-        <mc:Fallback>
+        <mc:Fallback xmlns="">
           <p:sp>
             <p:nvSpPr>
               <p:cNvPr id="4" name="Rectangle 3"/>
@@ -9113,8 +9098,8 @@
           </p:sp>
         </mc:Fallback>
       </mc:AlternateContent>
-      <mc:AlternateContent xmlns:mc="http://schemas.openxmlformats.org/markup-compatibility/2006">
-        <mc:Choice xmlns:a14="http://schemas.microsoft.com/office/drawing/2010/main" Requires="a14">
+      <mc:AlternateContent xmlns:mc="http://schemas.openxmlformats.org/markup-compatibility/2006" xmlns:a14="http://schemas.microsoft.com/office/drawing/2010/main">
+        <mc:Choice Requires="a14">
           <p:sp>
             <p:nvSpPr>
               <p:cNvPr id="6" name="Rectangle 5"/>
@@ -9136,6 +9121,7 @@
               </a:bodyPr>
               <a:lstStyle/>
               <a:p>
+                <a:pPr/>
                 <a14:m>
                   <m:oMathPara xmlns:m="http://schemas.openxmlformats.org/officeDocument/2006/math">
                     <m:oMathParaPr>
@@ -9365,7 +9351,7 @@
             </p:txBody>
           </p:sp>
         </mc:Choice>
-        <mc:Fallback>
+        <mc:Fallback xmlns="">
           <p:sp>
             <p:nvSpPr>
               <p:cNvPr id="6" name="Rectangle 5"/>

--- a/encoder_decoder.pptx
+++ b/encoder_decoder.pptx
@@ -13,6 +13,11 @@
     <p:sldId id="262" r:id="rId7"/>
     <p:sldId id="263" r:id="rId8"/>
     <p:sldId id="260" r:id="rId9"/>
+    <p:sldId id="265" r:id="rId10"/>
+    <p:sldId id="271" r:id="rId11"/>
+    <p:sldId id="272" r:id="rId12"/>
+    <p:sldId id="264" r:id="rId13"/>
+    <p:sldId id="273" r:id="rId14"/>
   </p:sldIdLst>
   <p:sldSz cx="12192000" cy="6858000"/>
   <p:notesSz cx="6858000" cy="9144000"/>
@@ -250,7 +255,7 @@
           <a:p>
             <a:fld id="{EA5C707D-EE12-44EE-970A-C277B1E8CD9B}" type="datetimeFigureOut">
               <a:rPr lang="en-US" smtClean="0"/>
-              <a:t>4/14/2020</a:t>
+              <a:t>4/17/2020</a:t>
             </a:fld>
             <a:endParaRPr lang="en-US"/>
           </a:p>
@@ -420,7 +425,7 @@
           <a:p>
             <a:fld id="{EA5C707D-EE12-44EE-970A-C277B1E8CD9B}" type="datetimeFigureOut">
               <a:rPr lang="en-US" smtClean="0"/>
-              <a:t>4/14/2020</a:t>
+              <a:t>4/17/2020</a:t>
             </a:fld>
             <a:endParaRPr lang="en-US"/>
           </a:p>
@@ -600,7 +605,7 @@
           <a:p>
             <a:fld id="{EA5C707D-EE12-44EE-970A-C277B1E8CD9B}" type="datetimeFigureOut">
               <a:rPr lang="en-US" smtClean="0"/>
-              <a:t>4/14/2020</a:t>
+              <a:t>4/17/2020</a:t>
             </a:fld>
             <a:endParaRPr lang="en-US"/>
           </a:p>
@@ -770,7 +775,7 @@
           <a:p>
             <a:fld id="{EA5C707D-EE12-44EE-970A-C277B1E8CD9B}" type="datetimeFigureOut">
               <a:rPr lang="en-US" smtClean="0"/>
-              <a:t>4/14/2020</a:t>
+              <a:t>4/17/2020</a:t>
             </a:fld>
             <a:endParaRPr lang="en-US"/>
           </a:p>
@@ -1016,7 +1021,7 @@
           <a:p>
             <a:fld id="{EA5C707D-EE12-44EE-970A-C277B1E8CD9B}" type="datetimeFigureOut">
               <a:rPr lang="en-US" smtClean="0"/>
-              <a:t>4/14/2020</a:t>
+              <a:t>4/17/2020</a:t>
             </a:fld>
             <a:endParaRPr lang="en-US"/>
           </a:p>
@@ -1248,7 +1253,7 @@
           <a:p>
             <a:fld id="{EA5C707D-EE12-44EE-970A-C277B1E8CD9B}" type="datetimeFigureOut">
               <a:rPr lang="en-US" smtClean="0"/>
-              <a:t>4/14/2020</a:t>
+              <a:t>4/17/2020</a:t>
             </a:fld>
             <a:endParaRPr lang="en-US"/>
           </a:p>
@@ -1615,7 +1620,7 @@
           <a:p>
             <a:fld id="{EA5C707D-EE12-44EE-970A-C277B1E8CD9B}" type="datetimeFigureOut">
               <a:rPr lang="en-US" smtClean="0"/>
-              <a:t>4/14/2020</a:t>
+              <a:t>4/17/2020</a:t>
             </a:fld>
             <a:endParaRPr lang="en-US"/>
           </a:p>
@@ -1733,7 +1738,7 @@
           <a:p>
             <a:fld id="{EA5C707D-EE12-44EE-970A-C277B1E8CD9B}" type="datetimeFigureOut">
               <a:rPr lang="en-US" smtClean="0"/>
-              <a:t>4/14/2020</a:t>
+              <a:t>4/17/2020</a:t>
             </a:fld>
             <a:endParaRPr lang="en-US"/>
           </a:p>
@@ -1828,7 +1833,7 @@
           <a:p>
             <a:fld id="{EA5C707D-EE12-44EE-970A-C277B1E8CD9B}" type="datetimeFigureOut">
               <a:rPr lang="en-US" smtClean="0"/>
-              <a:t>4/14/2020</a:t>
+              <a:t>4/17/2020</a:t>
             </a:fld>
             <a:endParaRPr lang="en-US"/>
           </a:p>
@@ -2105,7 +2110,7 @@
           <a:p>
             <a:fld id="{EA5C707D-EE12-44EE-970A-C277B1E8CD9B}" type="datetimeFigureOut">
               <a:rPr lang="en-US" smtClean="0"/>
-              <a:t>4/14/2020</a:t>
+              <a:t>4/17/2020</a:t>
             </a:fld>
             <a:endParaRPr lang="en-US"/>
           </a:p>
@@ -2358,7 +2363,7 @@
           <a:p>
             <a:fld id="{EA5C707D-EE12-44EE-970A-C277B1E8CD9B}" type="datetimeFigureOut">
               <a:rPr lang="en-US" smtClean="0"/>
-              <a:t>4/14/2020</a:t>
+              <a:t>4/17/2020</a:t>
             </a:fld>
             <a:endParaRPr lang="en-US"/>
           </a:p>
@@ -2571,7 +2576,7 @@
           <a:p>
             <a:fld id="{EA5C707D-EE12-44EE-970A-C277B1E8CD9B}" type="datetimeFigureOut">
               <a:rPr lang="en-US" smtClean="0"/>
-              <a:t>4/14/2020</a:t>
+              <a:t>4/17/2020</a:t>
             </a:fld>
             <a:endParaRPr lang="en-US"/>
           </a:p>
@@ -2999,7 +3004,15 @@
             </a:r>
             <a:r>
               <a:rPr lang="en-US" dirty="0"/>
-              <a:t>machine translation: Encoder-decoder approaches</a:t>
+              <a:t>machine </a:t>
+            </a:r>
+            <a:r>
+              <a:rPr lang="en-US" dirty="0" smtClean="0"/>
+              <a:t>translation </a:t>
+            </a:r>
+            <a:r>
+              <a:rPr lang="en-US" dirty="0"/>
+              <a:t>Encoder-decoder approaches</a:t>
             </a:r>
           </a:p>
         </p:txBody>
@@ -3076,6 +3089,2091 @@
     <p:extLst>
       <p:ext uri="{BB962C8B-B14F-4D97-AF65-F5344CB8AC3E}">
         <p14:creationId xmlns:p14="http://schemas.microsoft.com/office/powerpoint/2010/main" val="698869128"/>
+      </p:ext>
+    </p:extLst>
+  </p:cSld>
+  <p:clrMapOvr>
+    <a:masterClrMapping/>
+  </p:clrMapOvr>
+  <p:timing>
+    <p:tnLst>
+      <p:par>
+        <p:cTn id="1" dur="indefinite" restart="never" nodeType="tmRoot"/>
+      </p:par>
+    </p:tnLst>
+  </p:timing>
+</p:sld>
+</file>
+
+<file path=ppt/slides/slide10.xml><?xml version="1.0" encoding="utf-8"?>
+<p:sld xmlns:a="http://schemas.openxmlformats.org/drawingml/2006/main" xmlns:r="http://schemas.openxmlformats.org/officeDocument/2006/relationships" xmlns:p="http://schemas.openxmlformats.org/presentationml/2006/main">
+  <p:cSld>
+    <p:spTree>
+      <p:nvGrpSpPr>
+        <p:cNvPr id="1" name=""/>
+        <p:cNvGrpSpPr/>
+        <p:nvPr/>
+      </p:nvGrpSpPr>
+      <p:grpSpPr>
+        <a:xfrm>
+          <a:off x="0" y="0"/>
+          <a:ext cx="0" cy="0"/>
+          <a:chOff x="0" y="0"/>
+          <a:chExt cx="0" cy="0"/>
+        </a:xfrm>
+      </p:grpSpPr>
+      <p:sp>
+        <p:nvSpPr>
+          <p:cNvPr id="2" name="Title 1"/>
+          <p:cNvSpPr>
+            <a:spLocks noGrp="1"/>
+          </p:cNvSpPr>
+          <p:nvPr>
+            <p:ph type="title"/>
+          </p:nvPr>
+        </p:nvSpPr>
+        <p:spPr/>
+        <p:txBody>
+          <a:bodyPr/>
+          <a:lstStyle/>
+          <a:p>
+            <a:r>
+              <a:rPr lang="en-US" dirty="0" smtClean="0"/>
+              <a:t>1.4 Attention</a:t>
+            </a:r>
+            <a:endParaRPr lang="en-US" dirty="0"/>
+          </a:p>
+        </p:txBody>
+      </p:sp>
+      <p:pic>
+        <p:nvPicPr>
+          <p:cNvPr id="6146" name="Picture 2" descr="https://miro.medium.com/max/1317/1*wBHsGZ-BdmTKS7b-BtkqFQ.gif"/>
+          <p:cNvPicPr>
+            <a:picLocks noChangeAspect="1" noChangeArrowheads="1" noCrop="1"/>
+          </p:cNvPicPr>
+          <p:nvPr/>
+        </p:nvPicPr>
+        <p:blipFill>
+          <a:blip r:embed="rId2">
+            <a:extLst>
+              <a:ext uri="{28A0092B-C50C-407E-A947-70E740481C1C}">
+                <a14:useLocalDpi xmlns:a14="http://schemas.microsoft.com/office/drawing/2010/main" val="0"/>
+              </a:ext>
+            </a:extLst>
+          </a:blip>
+          <a:srcRect/>
+          <a:stretch>
+            <a:fillRect/>
+          </a:stretch>
+        </p:blipFill>
+        <p:spPr bwMode="auto">
+          <a:xfrm>
+            <a:off x="2730731" y="1419225"/>
+            <a:ext cx="6730537" cy="5105396"/>
+          </a:xfrm>
+          <a:prstGeom prst="rect">
+            <a:avLst/>
+          </a:prstGeom>
+          <a:noFill/>
+          <a:extLst>
+            <a:ext uri="{909E8E84-426E-40DD-AFC4-6F175D3DCCD1}">
+              <a14:hiddenFill xmlns:a14="http://schemas.microsoft.com/office/drawing/2010/main">
+                <a:solidFill>
+                  <a:srgbClr val="FFFFFF"/>
+                </a:solidFill>
+              </a14:hiddenFill>
+            </a:ext>
+          </a:extLst>
+        </p:spPr>
+      </p:pic>
+    </p:spTree>
+    <p:extLst>
+      <p:ext uri="{BB962C8B-B14F-4D97-AF65-F5344CB8AC3E}">
+        <p14:creationId xmlns:p14="http://schemas.microsoft.com/office/powerpoint/2010/main" val="3335161882"/>
+      </p:ext>
+    </p:extLst>
+  </p:cSld>
+  <p:clrMapOvr>
+    <a:masterClrMapping/>
+  </p:clrMapOvr>
+  <p:timing>
+    <p:tnLst>
+      <p:par>
+        <p:cTn id="1" dur="indefinite" restart="never" nodeType="tmRoot"/>
+      </p:par>
+    </p:tnLst>
+  </p:timing>
+</p:sld>
+</file>
+
+<file path=ppt/slides/slide11.xml><?xml version="1.0" encoding="utf-8"?>
+<p:sld xmlns:a="http://schemas.openxmlformats.org/drawingml/2006/main" xmlns:r="http://schemas.openxmlformats.org/officeDocument/2006/relationships" xmlns:p="http://schemas.openxmlformats.org/presentationml/2006/main">
+  <p:cSld>
+    <p:spTree>
+      <p:nvGrpSpPr>
+        <p:cNvPr id="1" name=""/>
+        <p:cNvGrpSpPr/>
+        <p:nvPr/>
+      </p:nvGrpSpPr>
+      <p:grpSpPr>
+        <a:xfrm>
+          <a:off x="0" y="0"/>
+          <a:ext cx="0" cy="0"/>
+          <a:chOff x="0" y="0"/>
+          <a:chExt cx="0" cy="0"/>
+        </a:xfrm>
+      </p:grpSpPr>
+      <p:sp>
+        <p:nvSpPr>
+          <p:cNvPr id="2" name="Title 1"/>
+          <p:cNvSpPr>
+            <a:spLocks noGrp="1"/>
+          </p:cNvSpPr>
+          <p:nvPr>
+            <p:ph type="title"/>
+          </p:nvPr>
+        </p:nvSpPr>
+        <p:spPr/>
+        <p:txBody>
+          <a:bodyPr/>
+          <a:lstStyle/>
+          <a:p>
+            <a:r>
+              <a:rPr lang="en-US" dirty="0" smtClean="0"/>
+              <a:t>1.5 Linguistic Input Features </a:t>
+            </a:r>
+            <a:endParaRPr lang="en-US" dirty="0"/>
+          </a:p>
+        </p:txBody>
+      </p:sp>
+      <p:sp>
+        <p:nvSpPr>
+          <p:cNvPr id="5" name="Content Placeholder 2"/>
+          <p:cNvSpPr>
+            <a:spLocks noGrp="1"/>
+          </p:cNvSpPr>
+          <p:nvPr>
+            <p:ph idx="1"/>
+          </p:nvPr>
+        </p:nvSpPr>
+        <p:spPr>
+          <a:xfrm>
+            <a:off x="1220585" y="3097471"/>
+            <a:ext cx="2129444" cy="493626"/>
+          </a:xfrm>
+        </p:spPr>
+        <p:txBody>
+          <a:bodyPr/>
+          <a:lstStyle/>
+          <a:p>
+            <a:pPr marL="0" indent="0">
+              <a:buNone/>
+            </a:pPr>
+            <a:r>
+              <a:rPr lang="en-US" dirty="0" smtClean="0"/>
+              <a:t>Car magazine</a:t>
+            </a:r>
+            <a:endParaRPr lang="en-US" dirty="0"/>
+          </a:p>
+        </p:txBody>
+      </p:sp>
+      <p:sp>
+        <p:nvSpPr>
+          <p:cNvPr id="7" name="Content Placeholder 2"/>
+          <p:cNvSpPr txBox="1">
+            <a:spLocks/>
+          </p:cNvSpPr>
+          <p:nvPr/>
+        </p:nvSpPr>
+        <p:spPr>
+          <a:xfrm>
+            <a:off x="3579322" y="3092814"/>
+            <a:ext cx="2758440" cy="493626"/>
+          </a:xfrm>
+          <a:prstGeom prst="rect">
+            <a:avLst/>
+          </a:prstGeom>
+        </p:spPr>
+        <p:txBody>
+          <a:bodyPr vert="horz" lIns="91440" tIns="45720" rIns="91440" bIns="45720" rtlCol="0">
+            <a:normAutofit/>
+          </a:bodyPr>
+          <a:lstStyle>
+            <a:lvl1pPr marL="228600" indent="-228600" algn="l" defTabSz="914400" rtl="0" eaLnBrk="1" latinLnBrk="0" hangingPunct="1">
+              <a:lnSpc>
+                <a:spcPct val="90000"/>
+              </a:lnSpc>
+              <a:spcBef>
+                <a:spcPts val="1000"/>
+              </a:spcBef>
+              <a:buFont typeface="Arial" panose="020B0604020202020204" pitchFamily="34" charset="0"/>
+              <a:buChar char="•"/>
+              <a:defRPr sz="2800" kern="1200">
+                <a:solidFill>
+                  <a:schemeClr val="tx1"/>
+                </a:solidFill>
+                <a:latin typeface="+mn-lt"/>
+                <a:ea typeface="+mn-ea"/>
+                <a:cs typeface="+mn-cs"/>
+              </a:defRPr>
+            </a:lvl1pPr>
+            <a:lvl2pPr marL="685800" indent="-228600" algn="l" defTabSz="914400" rtl="0" eaLnBrk="1" latinLnBrk="0" hangingPunct="1">
+              <a:lnSpc>
+                <a:spcPct val="90000"/>
+              </a:lnSpc>
+              <a:spcBef>
+                <a:spcPts val="500"/>
+              </a:spcBef>
+              <a:buFont typeface="Arial" panose="020B0604020202020204" pitchFamily="34" charset="0"/>
+              <a:buChar char="•"/>
+              <a:defRPr sz="2400" kern="1200">
+                <a:solidFill>
+                  <a:schemeClr val="tx1"/>
+                </a:solidFill>
+                <a:latin typeface="+mn-lt"/>
+                <a:ea typeface="+mn-ea"/>
+                <a:cs typeface="+mn-cs"/>
+              </a:defRPr>
+            </a:lvl2pPr>
+            <a:lvl3pPr marL="1143000" indent="-228600" algn="l" defTabSz="914400" rtl="0" eaLnBrk="1" latinLnBrk="0" hangingPunct="1">
+              <a:lnSpc>
+                <a:spcPct val="90000"/>
+              </a:lnSpc>
+              <a:spcBef>
+                <a:spcPts val="500"/>
+              </a:spcBef>
+              <a:buFont typeface="Arial" panose="020B0604020202020204" pitchFamily="34" charset="0"/>
+              <a:buChar char="•"/>
+              <a:defRPr sz="2000" kern="1200">
+                <a:solidFill>
+                  <a:schemeClr val="tx1"/>
+                </a:solidFill>
+                <a:latin typeface="+mn-lt"/>
+                <a:ea typeface="+mn-ea"/>
+                <a:cs typeface="+mn-cs"/>
+              </a:defRPr>
+            </a:lvl3pPr>
+            <a:lvl4pPr marL="1600200" indent="-228600" algn="l" defTabSz="914400" rtl="0" eaLnBrk="1" latinLnBrk="0" hangingPunct="1">
+              <a:lnSpc>
+                <a:spcPct val="90000"/>
+              </a:lnSpc>
+              <a:spcBef>
+                <a:spcPts val="500"/>
+              </a:spcBef>
+              <a:buFont typeface="Arial" panose="020B0604020202020204" pitchFamily="34" charset="0"/>
+              <a:buChar char="•"/>
+              <a:defRPr sz="1800" kern="1200">
+                <a:solidFill>
+                  <a:schemeClr val="tx1"/>
+                </a:solidFill>
+                <a:latin typeface="+mn-lt"/>
+                <a:ea typeface="+mn-ea"/>
+                <a:cs typeface="+mn-cs"/>
+              </a:defRPr>
+            </a:lvl4pPr>
+            <a:lvl5pPr marL="2057400" indent="-228600" algn="l" defTabSz="914400" rtl="0" eaLnBrk="1" latinLnBrk="0" hangingPunct="1">
+              <a:lnSpc>
+                <a:spcPct val="90000"/>
+              </a:lnSpc>
+              <a:spcBef>
+                <a:spcPts val="500"/>
+              </a:spcBef>
+              <a:buFont typeface="Arial" panose="020B0604020202020204" pitchFamily="34" charset="0"/>
+              <a:buChar char="•"/>
+              <a:defRPr sz="1800" kern="1200">
+                <a:solidFill>
+                  <a:schemeClr val="tx1"/>
+                </a:solidFill>
+                <a:latin typeface="+mn-lt"/>
+                <a:ea typeface="+mn-ea"/>
+                <a:cs typeface="+mn-cs"/>
+              </a:defRPr>
+            </a:lvl5pPr>
+            <a:lvl6pPr marL="2514600" indent="-228600" algn="l" defTabSz="914400" rtl="0" eaLnBrk="1" latinLnBrk="0" hangingPunct="1">
+              <a:lnSpc>
+                <a:spcPct val="90000"/>
+              </a:lnSpc>
+              <a:spcBef>
+                <a:spcPts val="500"/>
+              </a:spcBef>
+              <a:buFont typeface="Arial" panose="020B0604020202020204" pitchFamily="34" charset="0"/>
+              <a:buChar char="•"/>
+              <a:defRPr sz="1800" kern="1200">
+                <a:solidFill>
+                  <a:schemeClr val="tx1"/>
+                </a:solidFill>
+                <a:latin typeface="+mn-lt"/>
+                <a:ea typeface="+mn-ea"/>
+                <a:cs typeface="+mn-cs"/>
+              </a:defRPr>
+            </a:lvl6pPr>
+            <a:lvl7pPr marL="2971800" indent="-228600" algn="l" defTabSz="914400" rtl="0" eaLnBrk="1" latinLnBrk="0" hangingPunct="1">
+              <a:lnSpc>
+                <a:spcPct val="90000"/>
+              </a:lnSpc>
+              <a:spcBef>
+                <a:spcPts val="500"/>
+              </a:spcBef>
+              <a:buFont typeface="Arial" panose="020B0604020202020204" pitchFamily="34" charset="0"/>
+              <a:buChar char="•"/>
+              <a:defRPr sz="1800" kern="1200">
+                <a:solidFill>
+                  <a:schemeClr val="tx1"/>
+                </a:solidFill>
+                <a:latin typeface="+mn-lt"/>
+                <a:ea typeface="+mn-ea"/>
+                <a:cs typeface="+mn-cs"/>
+              </a:defRPr>
+            </a:lvl7pPr>
+            <a:lvl8pPr marL="3429000" indent="-228600" algn="l" defTabSz="914400" rtl="0" eaLnBrk="1" latinLnBrk="0" hangingPunct="1">
+              <a:lnSpc>
+                <a:spcPct val="90000"/>
+              </a:lnSpc>
+              <a:spcBef>
+                <a:spcPts val="500"/>
+              </a:spcBef>
+              <a:buFont typeface="Arial" panose="020B0604020202020204" pitchFamily="34" charset="0"/>
+              <a:buChar char="•"/>
+              <a:defRPr sz="1800" kern="1200">
+                <a:solidFill>
+                  <a:schemeClr val="tx1"/>
+                </a:solidFill>
+                <a:latin typeface="+mn-lt"/>
+                <a:ea typeface="+mn-ea"/>
+                <a:cs typeface="+mn-cs"/>
+              </a:defRPr>
+            </a:lvl8pPr>
+            <a:lvl9pPr marL="3886200" indent="-228600" algn="l" defTabSz="914400" rtl="0" eaLnBrk="1" latinLnBrk="0" hangingPunct="1">
+              <a:lnSpc>
+                <a:spcPct val="90000"/>
+              </a:lnSpc>
+              <a:spcBef>
+                <a:spcPts val="500"/>
+              </a:spcBef>
+              <a:buFont typeface="Arial" panose="020B0604020202020204" pitchFamily="34" charset="0"/>
+              <a:buChar char="•"/>
+              <a:defRPr sz="1800" kern="1200">
+                <a:solidFill>
+                  <a:schemeClr val="tx1"/>
+                </a:solidFill>
+                <a:latin typeface="+mn-lt"/>
+                <a:ea typeface="+mn-ea"/>
+                <a:cs typeface="+mn-cs"/>
+              </a:defRPr>
+            </a:lvl9pPr>
+          </a:lstStyle>
+          <a:p>
+            <a:pPr marL="0" indent="0">
+              <a:buFont typeface="Arial" panose="020B0604020202020204" pitchFamily="34" charset="0"/>
+              <a:buNone/>
+            </a:pPr>
+            <a:r>
+              <a:rPr lang="en-US" dirty="0" smtClean="0"/>
+              <a:t>Magazine </a:t>
+            </a:r>
+            <a:r>
+              <a:rPr lang="en-US" dirty="0" err="1" smtClean="0"/>
+              <a:t>voiture</a:t>
+            </a:r>
+            <a:endParaRPr lang="en-US" dirty="0"/>
+          </a:p>
+        </p:txBody>
+      </p:sp>
+      <p:sp>
+        <p:nvSpPr>
+          <p:cNvPr id="8" name="Rectangle 7"/>
+          <p:cNvSpPr/>
+          <p:nvPr/>
+        </p:nvSpPr>
+        <p:spPr>
+          <a:xfrm>
+            <a:off x="6567055" y="3063220"/>
+            <a:ext cx="2183476" cy="523220"/>
+          </a:xfrm>
+          <a:prstGeom prst="rect">
+            <a:avLst/>
+          </a:prstGeom>
+        </p:spPr>
+        <p:txBody>
+          <a:bodyPr wrap="square">
+            <a:spAutoFit/>
+          </a:bodyPr>
+          <a:lstStyle/>
+          <a:p>
+            <a:r>
+              <a:rPr lang="en-US" sz="2800" dirty="0" err="1" smtClean="0"/>
+              <a:t>Tạp</a:t>
+            </a:r>
+            <a:r>
+              <a:rPr lang="en-US" sz="2800" dirty="0" smtClean="0"/>
+              <a:t> </a:t>
+            </a:r>
+            <a:r>
+              <a:rPr lang="en-US" sz="2800" dirty="0" err="1" smtClean="0"/>
+              <a:t>chí</a:t>
+            </a:r>
+            <a:r>
+              <a:rPr lang="en-US" sz="2800" dirty="0" smtClean="0"/>
+              <a:t> </a:t>
+            </a:r>
+            <a:r>
+              <a:rPr lang="en-US" sz="2800" dirty="0" err="1" smtClean="0"/>
+              <a:t>xe</a:t>
+            </a:r>
+            <a:r>
+              <a:rPr lang="en-US" sz="2800" dirty="0" smtClean="0"/>
+              <a:t> </a:t>
+            </a:r>
+            <a:r>
+              <a:rPr lang="en-US" sz="2800" dirty="0" err="1" smtClean="0"/>
+              <a:t>hơi</a:t>
+            </a:r>
+            <a:endParaRPr lang="en-US" sz="2800" dirty="0"/>
+          </a:p>
+        </p:txBody>
+      </p:sp>
+      <p:sp>
+        <p:nvSpPr>
+          <p:cNvPr id="9" name="Rectangle 8"/>
+          <p:cNvSpPr/>
+          <p:nvPr/>
+        </p:nvSpPr>
+        <p:spPr>
+          <a:xfrm>
+            <a:off x="8979824" y="3063220"/>
+            <a:ext cx="1620957" cy="523220"/>
+          </a:xfrm>
+          <a:prstGeom prst="rect">
+            <a:avLst/>
+          </a:prstGeom>
+        </p:spPr>
+        <p:txBody>
+          <a:bodyPr wrap="none">
+            <a:spAutoFit/>
+          </a:bodyPr>
+          <a:lstStyle/>
+          <a:p>
+            <a:r>
+              <a:rPr lang="en-US" sz="2800" dirty="0" err="1"/>
+              <a:t>車の雑誌</a:t>
+            </a:r>
+            <a:endParaRPr lang="en-US" sz="2800" dirty="0"/>
+          </a:p>
+        </p:txBody>
+      </p:sp>
+    </p:spTree>
+    <p:extLst>
+      <p:ext uri="{BB962C8B-B14F-4D97-AF65-F5344CB8AC3E}">
+        <p14:creationId xmlns:p14="http://schemas.microsoft.com/office/powerpoint/2010/main" val="1982929196"/>
+      </p:ext>
+    </p:extLst>
+  </p:cSld>
+  <p:clrMapOvr>
+    <a:masterClrMapping/>
+  </p:clrMapOvr>
+  <p:timing>
+    <p:tnLst>
+      <p:par>
+        <p:cTn id="1" dur="indefinite" restart="never" nodeType="tmRoot"/>
+      </p:par>
+    </p:tnLst>
+  </p:timing>
+</p:sld>
+</file>
+
+<file path=ppt/slides/slide12.xml><?xml version="1.0" encoding="utf-8"?>
+<p:sld xmlns:a="http://schemas.openxmlformats.org/drawingml/2006/main" xmlns:r="http://schemas.openxmlformats.org/officeDocument/2006/relationships" xmlns:p="http://schemas.openxmlformats.org/presentationml/2006/main">
+  <p:cSld>
+    <p:spTree>
+      <p:nvGrpSpPr>
+        <p:cNvPr id="1" name=""/>
+        <p:cNvGrpSpPr/>
+        <p:nvPr/>
+      </p:nvGrpSpPr>
+      <p:grpSpPr>
+        <a:xfrm>
+          <a:off x="0" y="0"/>
+          <a:ext cx="0" cy="0"/>
+          <a:chOff x="0" y="0"/>
+          <a:chExt cx="0" cy="0"/>
+        </a:xfrm>
+      </p:grpSpPr>
+      <p:sp>
+        <p:nvSpPr>
+          <p:cNvPr id="2" name="Title 1"/>
+          <p:cNvSpPr>
+            <a:spLocks noGrp="1"/>
+          </p:cNvSpPr>
+          <p:nvPr>
+            <p:ph type="title"/>
+          </p:nvPr>
+        </p:nvSpPr>
+        <p:spPr/>
+        <p:txBody>
+          <a:bodyPr/>
+          <a:lstStyle/>
+          <a:p>
+            <a:r>
+              <a:rPr lang="en-US" dirty="0" smtClean="0"/>
+              <a:t>1.5 Linguistic Input Features </a:t>
+            </a:r>
+            <a:endParaRPr lang="en-US" dirty="0"/>
+          </a:p>
+        </p:txBody>
+      </p:sp>
+      <p:sp>
+        <p:nvSpPr>
+          <p:cNvPr id="3" name="Content Placeholder 2"/>
+          <p:cNvSpPr>
+            <a:spLocks noGrp="1"/>
+          </p:cNvSpPr>
+          <p:nvPr>
+            <p:ph idx="1"/>
+          </p:nvPr>
+        </p:nvSpPr>
+        <p:spPr/>
+        <p:txBody>
+          <a:bodyPr/>
+          <a:lstStyle/>
+          <a:p>
+            <a:r>
+              <a:rPr lang="en-US" dirty="0" smtClean="0"/>
+              <a:t>Lemmas</a:t>
+            </a:r>
+          </a:p>
+          <a:p>
+            <a:r>
+              <a:rPr lang="en-US" dirty="0" err="1" smtClean="0"/>
+              <a:t>Subword</a:t>
+            </a:r>
+            <a:r>
+              <a:rPr lang="en-US" dirty="0" smtClean="0"/>
+              <a:t> tags</a:t>
+            </a:r>
+          </a:p>
+          <a:p>
+            <a:r>
+              <a:rPr lang="en-US" dirty="0" smtClean="0"/>
+              <a:t>Morphological features</a:t>
+            </a:r>
+          </a:p>
+          <a:p>
+            <a:r>
+              <a:rPr lang="en-US" dirty="0" smtClean="0"/>
+              <a:t>POS tags</a:t>
+            </a:r>
+          </a:p>
+          <a:p>
+            <a:r>
+              <a:rPr lang="en-US" dirty="0" smtClean="0"/>
+              <a:t>Dependency labels</a:t>
+            </a:r>
+            <a:endParaRPr lang="en-US" dirty="0"/>
+          </a:p>
+        </p:txBody>
+      </p:sp>
+    </p:spTree>
+    <p:extLst>
+      <p:ext uri="{BB962C8B-B14F-4D97-AF65-F5344CB8AC3E}">
+        <p14:creationId xmlns:p14="http://schemas.microsoft.com/office/powerpoint/2010/main" val="3310021880"/>
+      </p:ext>
+    </p:extLst>
+  </p:cSld>
+  <p:clrMapOvr>
+    <a:masterClrMapping/>
+  </p:clrMapOvr>
+  <p:timing>
+    <p:tnLst>
+      <p:par>
+        <p:cTn id="1" dur="indefinite" restart="never" nodeType="tmRoot"/>
+      </p:par>
+    </p:tnLst>
+  </p:timing>
+</p:sld>
+</file>
+
+<file path=ppt/slides/slide13.xml><?xml version="1.0" encoding="utf-8"?>
+<p:sld xmlns:a="http://schemas.openxmlformats.org/drawingml/2006/main" xmlns:r="http://schemas.openxmlformats.org/officeDocument/2006/relationships" xmlns:p="http://schemas.openxmlformats.org/presentationml/2006/main">
+  <p:cSld>
+    <p:spTree>
+      <p:nvGrpSpPr>
+        <p:cNvPr id="1" name=""/>
+        <p:cNvGrpSpPr/>
+        <p:nvPr/>
+      </p:nvGrpSpPr>
+      <p:grpSpPr>
+        <a:xfrm>
+          <a:off x="0" y="0"/>
+          <a:ext cx="0" cy="0"/>
+          <a:chOff x="0" y="0"/>
+          <a:chExt cx="0" cy="0"/>
+        </a:xfrm>
+      </p:grpSpPr>
+      <p:sp>
+        <p:nvSpPr>
+          <p:cNvPr id="2" name="Title 1"/>
+          <p:cNvSpPr>
+            <a:spLocks noGrp="1"/>
+          </p:cNvSpPr>
+          <p:nvPr>
+            <p:ph type="title"/>
+          </p:nvPr>
+        </p:nvSpPr>
+        <p:spPr/>
+        <p:txBody>
+          <a:bodyPr/>
+          <a:lstStyle/>
+          <a:p>
+            <a:r>
+              <a:rPr lang="en-US" dirty="0" smtClean="0"/>
+              <a:t>1.5 Linguistic Input Features </a:t>
+            </a:r>
+            <a:endParaRPr lang="en-US" dirty="0"/>
+          </a:p>
+        </p:txBody>
+      </p:sp>
+      <p:sp>
+        <p:nvSpPr>
+          <p:cNvPr id="3" name="Content Placeholder 2"/>
+          <p:cNvSpPr>
+            <a:spLocks noGrp="1"/>
+          </p:cNvSpPr>
+          <p:nvPr>
+            <p:ph idx="1"/>
+          </p:nvPr>
+        </p:nvSpPr>
+        <p:spPr>
+          <a:xfrm>
+            <a:off x="838200" y="1825625"/>
+            <a:ext cx="1747058" cy="560128"/>
+          </a:xfrm>
+        </p:spPr>
+        <p:txBody>
+          <a:bodyPr/>
+          <a:lstStyle/>
+          <a:p>
+            <a:r>
+              <a:rPr lang="en-US" dirty="0" smtClean="0"/>
+              <a:t>Lemmas</a:t>
+            </a:r>
+            <a:endParaRPr lang="en-US" dirty="0" smtClean="0"/>
+          </a:p>
+        </p:txBody>
+      </p:sp>
+      <p:sp>
+        <p:nvSpPr>
+          <p:cNvPr id="4" name="Content Placeholder 2"/>
+          <p:cNvSpPr txBox="1">
+            <a:spLocks/>
+          </p:cNvSpPr>
+          <p:nvPr/>
+        </p:nvSpPr>
+        <p:spPr>
+          <a:xfrm>
+            <a:off x="3193473" y="2609792"/>
+            <a:ext cx="1095894" cy="524106"/>
+          </a:xfrm>
+          <a:prstGeom prst="rect">
+            <a:avLst/>
+          </a:prstGeom>
+        </p:spPr>
+        <p:txBody>
+          <a:bodyPr vert="horz" lIns="91440" tIns="45720" rIns="91440" bIns="45720" rtlCol="0">
+            <a:normAutofit/>
+          </a:bodyPr>
+          <a:lstStyle>
+            <a:lvl1pPr marL="228600" indent="-228600" algn="l" defTabSz="914400" rtl="0" eaLnBrk="1" latinLnBrk="0" hangingPunct="1">
+              <a:lnSpc>
+                <a:spcPct val="90000"/>
+              </a:lnSpc>
+              <a:spcBef>
+                <a:spcPts val="1000"/>
+              </a:spcBef>
+              <a:buFont typeface="Arial" panose="020B0604020202020204" pitchFamily="34" charset="0"/>
+              <a:buChar char="•"/>
+              <a:defRPr sz="2800" kern="1200">
+                <a:solidFill>
+                  <a:schemeClr val="tx1"/>
+                </a:solidFill>
+                <a:latin typeface="+mn-lt"/>
+                <a:ea typeface="+mn-ea"/>
+                <a:cs typeface="+mn-cs"/>
+              </a:defRPr>
+            </a:lvl1pPr>
+            <a:lvl2pPr marL="685800" indent="-228600" algn="l" defTabSz="914400" rtl="0" eaLnBrk="1" latinLnBrk="0" hangingPunct="1">
+              <a:lnSpc>
+                <a:spcPct val="90000"/>
+              </a:lnSpc>
+              <a:spcBef>
+                <a:spcPts val="500"/>
+              </a:spcBef>
+              <a:buFont typeface="Arial" panose="020B0604020202020204" pitchFamily="34" charset="0"/>
+              <a:buChar char="•"/>
+              <a:defRPr sz="2400" kern="1200">
+                <a:solidFill>
+                  <a:schemeClr val="tx1"/>
+                </a:solidFill>
+                <a:latin typeface="+mn-lt"/>
+                <a:ea typeface="+mn-ea"/>
+                <a:cs typeface="+mn-cs"/>
+              </a:defRPr>
+            </a:lvl2pPr>
+            <a:lvl3pPr marL="1143000" indent="-228600" algn="l" defTabSz="914400" rtl="0" eaLnBrk="1" latinLnBrk="0" hangingPunct="1">
+              <a:lnSpc>
+                <a:spcPct val="90000"/>
+              </a:lnSpc>
+              <a:spcBef>
+                <a:spcPts val="500"/>
+              </a:spcBef>
+              <a:buFont typeface="Arial" panose="020B0604020202020204" pitchFamily="34" charset="0"/>
+              <a:buChar char="•"/>
+              <a:defRPr sz="2000" kern="1200">
+                <a:solidFill>
+                  <a:schemeClr val="tx1"/>
+                </a:solidFill>
+                <a:latin typeface="+mn-lt"/>
+                <a:ea typeface="+mn-ea"/>
+                <a:cs typeface="+mn-cs"/>
+              </a:defRPr>
+            </a:lvl3pPr>
+            <a:lvl4pPr marL="1600200" indent="-228600" algn="l" defTabSz="914400" rtl="0" eaLnBrk="1" latinLnBrk="0" hangingPunct="1">
+              <a:lnSpc>
+                <a:spcPct val="90000"/>
+              </a:lnSpc>
+              <a:spcBef>
+                <a:spcPts val="500"/>
+              </a:spcBef>
+              <a:buFont typeface="Arial" panose="020B0604020202020204" pitchFamily="34" charset="0"/>
+              <a:buChar char="•"/>
+              <a:defRPr sz="1800" kern="1200">
+                <a:solidFill>
+                  <a:schemeClr val="tx1"/>
+                </a:solidFill>
+                <a:latin typeface="+mn-lt"/>
+                <a:ea typeface="+mn-ea"/>
+                <a:cs typeface="+mn-cs"/>
+              </a:defRPr>
+            </a:lvl4pPr>
+            <a:lvl5pPr marL="2057400" indent="-228600" algn="l" defTabSz="914400" rtl="0" eaLnBrk="1" latinLnBrk="0" hangingPunct="1">
+              <a:lnSpc>
+                <a:spcPct val="90000"/>
+              </a:lnSpc>
+              <a:spcBef>
+                <a:spcPts val="500"/>
+              </a:spcBef>
+              <a:buFont typeface="Arial" panose="020B0604020202020204" pitchFamily="34" charset="0"/>
+              <a:buChar char="•"/>
+              <a:defRPr sz="1800" kern="1200">
+                <a:solidFill>
+                  <a:schemeClr val="tx1"/>
+                </a:solidFill>
+                <a:latin typeface="+mn-lt"/>
+                <a:ea typeface="+mn-ea"/>
+                <a:cs typeface="+mn-cs"/>
+              </a:defRPr>
+            </a:lvl5pPr>
+            <a:lvl6pPr marL="2514600" indent="-228600" algn="l" defTabSz="914400" rtl="0" eaLnBrk="1" latinLnBrk="0" hangingPunct="1">
+              <a:lnSpc>
+                <a:spcPct val="90000"/>
+              </a:lnSpc>
+              <a:spcBef>
+                <a:spcPts val="500"/>
+              </a:spcBef>
+              <a:buFont typeface="Arial" panose="020B0604020202020204" pitchFamily="34" charset="0"/>
+              <a:buChar char="•"/>
+              <a:defRPr sz="1800" kern="1200">
+                <a:solidFill>
+                  <a:schemeClr val="tx1"/>
+                </a:solidFill>
+                <a:latin typeface="+mn-lt"/>
+                <a:ea typeface="+mn-ea"/>
+                <a:cs typeface="+mn-cs"/>
+              </a:defRPr>
+            </a:lvl6pPr>
+            <a:lvl7pPr marL="2971800" indent="-228600" algn="l" defTabSz="914400" rtl="0" eaLnBrk="1" latinLnBrk="0" hangingPunct="1">
+              <a:lnSpc>
+                <a:spcPct val="90000"/>
+              </a:lnSpc>
+              <a:spcBef>
+                <a:spcPts val="500"/>
+              </a:spcBef>
+              <a:buFont typeface="Arial" panose="020B0604020202020204" pitchFamily="34" charset="0"/>
+              <a:buChar char="•"/>
+              <a:defRPr sz="1800" kern="1200">
+                <a:solidFill>
+                  <a:schemeClr val="tx1"/>
+                </a:solidFill>
+                <a:latin typeface="+mn-lt"/>
+                <a:ea typeface="+mn-ea"/>
+                <a:cs typeface="+mn-cs"/>
+              </a:defRPr>
+            </a:lvl7pPr>
+            <a:lvl8pPr marL="3429000" indent="-228600" algn="l" defTabSz="914400" rtl="0" eaLnBrk="1" latinLnBrk="0" hangingPunct="1">
+              <a:lnSpc>
+                <a:spcPct val="90000"/>
+              </a:lnSpc>
+              <a:spcBef>
+                <a:spcPts val="500"/>
+              </a:spcBef>
+              <a:buFont typeface="Arial" panose="020B0604020202020204" pitchFamily="34" charset="0"/>
+              <a:buChar char="•"/>
+              <a:defRPr sz="1800" kern="1200">
+                <a:solidFill>
+                  <a:schemeClr val="tx1"/>
+                </a:solidFill>
+                <a:latin typeface="+mn-lt"/>
+                <a:ea typeface="+mn-ea"/>
+                <a:cs typeface="+mn-cs"/>
+              </a:defRPr>
+            </a:lvl8pPr>
+            <a:lvl9pPr marL="3886200" indent="-228600" algn="l" defTabSz="914400" rtl="0" eaLnBrk="1" latinLnBrk="0" hangingPunct="1">
+              <a:lnSpc>
+                <a:spcPct val="90000"/>
+              </a:lnSpc>
+              <a:spcBef>
+                <a:spcPts val="500"/>
+              </a:spcBef>
+              <a:buFont typeface="Arial" panose="020B0604020202020204" pitchFamily="34" charset="0"/>
+              <a:buChar char="•"/>
+              <a:defRPr sz="1800" kern="1200">
+                <a:solidFill>
+                  <a:schemeClr val="tx1"/>
+                </a:solidFill>
+                <a:latin typeface="+mn-lt"/>
+                <a:ea typeface="+mn-ea"/>
+                <a:cs typeface="+mn-cs"/>
+              </a:defRPr>
+            </a:lvl9pPr>
+          </a:lstStyle>
+          <a:p>
+            <a:pPr marL="0" indent="0">
+              <a:buNone/>
+            </a:pPr>
+            <a:r>
+              <a:rPr lang="en-US" dirty="0" smtClean="0"/>
+              <a:t>Excite</a:t>
+            </a:r>
+            <a:endParaRPr lang="en-US" dirty="0" smtClean="0"/>
+          </a:p>
+        </p:txBody>
+      </p:sp>
+      <p:sp>
+        <p:nvSpPr>
+          <p:cNvPr id="5" name="Content Placeholder 2"/>
+          <p:cNvSpPr txBox="1">
+            <a:spLocks/>
+          </p:cNvSpPr>
+          <p:nvPr/>
+        </p:nvSpPr>
+        <p:spPr>
+          <a:xfrm>
+            <a:off x="3193472" y="3133898"/>
+            <a:ext cx="1312025" cy="524106"/>
+          </a:xfrm>
+          <a:prstGeom prst="rect">
+            <a:avLst/>
+          </a:prstGeom>
+        </p:spPr>
+        <p:txBody>
+          <a:bodyPr vert="horz" lIns="91440" tIns="45720" rIns="91440" bIns="45720" rtlCol="0">
+            <a:normAutofit/>
+          </a:bodyPr>
+          <a:lstStyle>
+            <a:lvl1pPr marL="228600" indent="-228600" algn="l" defTabSz="914400" rtl="0" eaLnBrk="1" latinLnBrk="0" hangingPunct="1">
+              <a:lnSpc>
+                <a:spcPct val="90000"/>
+              </a:lnSpc>
+              <a:spcBef>
+                <a:spcPts val="1000"/>
+              </a:spcBef>
+              <a:buFont typeface="Arial" panose="020B0604020202020204" pitchFamily="34" charset="0"/>
+              <a:buChar char="•"/>
+              <a:defRPr sz="2800" kern="1200">
+                <a:solidFill>
+                  <a:schemeClr val="tx1"/>
+                </a:solidFill>
+                <a:latin typeface="+mn-lt"/>
+                <a:ea typeface="+mn-ea"/>
+                <a:cs typeface="+mn-cs"/>
+              </a:defRPr>
+            </a:lvl1pPr>
+            <a:lvl2pPr marL="685800" indent="-228600" algn="l" defTabSz="914400" rtl="0" eaLnBrk="1" latinLnBrk="0" hangingPunct="1">
+              <a:lnSpc>
+                <a:spcPct val="90000"/>
+              </a:lnSpc>
+              <a:spcBef>
+                <a:spcPts val="500"/>
+              </a:spcBef>
+              <a:buFont typeface="Arial" panose="020B0604020202020204" pitchFamily="34" charset="0"/>
+              <a:buChar char="•"/>
+              <a:defRPr sz="2400" kern="1200">
+                <a:solidFill>
+                  <a:schemeClr val="tx1"/>
+                </a:solidFill>
+                <a:latin typeface="+mn-lt"/>
+                <a:ea typeface="+mn-ea"/>
+                <a:cs typeface="+mn-cs"/>
+              </a:defRPr>
+            </a:lvl2pPr>
+            <a:lvl3pPr marL="1143000" indent="-228600" algn="l" defTabSz="914400" rtl="0" eaLnBrk="1" latinLnBrk="0" hangingPunct="1">
+              <a:lnSpc>
+                <a:spcPct val="90000"/>
+              </a:lnSpc>
+              <a:spcBef>
+                <a:spcPts val="500"/>
+              </a:spcBef>
+              <a:buFont typeface="Arial" panose="020B0604020202020204" pitchFamily="34" charset="0"/>
+              <a:buChar char="•"/>
+              <a:defRPr sz="2000" kern="1200">
+                <a:solidFill>
+                  <a:schemeClr val="tx1"/>
+                </a:solidFill>
+                <a:latin typeface="+mn-lt"/>
+                <a:ea typeface="+mn-ea"/>
+                <a:cs typeface="+mn-cs"/>
+              </a:defRPr>
+            </a:lvl3pPr>
+            <a:lvl4pPr marL="1600200" indent="-228600" algn="l" defTabSz="914400" rtl="0" eaLnBrk="1" latinLnBrk="0" hangingPunct="1">
+              <a:lnSpc>
+                <a:spcPct val="90000"/>
+              </a:lnSpc>
+              <a:spcBef>
+                <a:spcPts val="500"/>
+              </a:spcBef>
+              <a:buFont typeface="Arial" panose="020B0604020202020204" pitchFamily="34" charset="0"/>
+              <a:buChar char="•"/>
+              <a:defRPr sz="1800" kern="1200">
+                <a:solidFill>
+                  <a:schemeClr val="tx1"/>
+                </a:solidFill>
+                <a:latin typeface="+mn-lt"/>
+                <a:ea typeface="+mn-ea"/>
+                <a:cs typeface="+mn-cs"/>
+              </a:defRPr>
+            </a:lvl4pPr>
+            <a:lvl5pPr marL="2057400" indent="-228600" algn="l" defTabSz="914400" rtl="0" eaLnBrk="1" latinLnBrk="0" hangingPunct="1">
+              <a:lnSpc>
+                <a:spcPct val="90000"/>
+              </a:lnSpc>
+              <a:spcBef>
+                <a:spcPts val="500"/>
+              </a:spcBef>
+              <a:buFont typeface="Arial" panose="020B0604020202020204" pitchFamily="34" charset="0"/>
+              <a:buChar char="•"/>
+              <a:defRPr sz="1800" kern="1200">
+                <a:solidFill>
+                  <a:schemeClr val="tx1"/>
+                </a:solidFill>
+                <a:latin typeface="+mn-lt"/>
+                <a:ea typeface="+mn-ea"/>
+                <a:cs typeface="+mn-cs"/>
+              </a:defRPr>
+            </a:lvl5pPr>
+            <a:lvl6pPr marL="2514600" indent="-228600" algn="l" defTabSz="914400" rtl="0" eaLnBrk="1" latinLnBrk="0" hangingPunct="1">
+              <a:lnSpc>
+                <a:spcPct val="90000"/>
+              </a:lnSpc>
+              <a:spcBef>
+                <a:spcPts val="500"/>
+              </a:spcBef>
+              <a:buFont typeface="Arial" panose="020B0604020202020204" pitchFamily="34" charset="0"/>
+              <a:buChar char="•"/>
+              <a:defRPr sz="1800" kern="1200">
+                <a:solidFill>
+                  <a:schemeClr val="tx1"/>
+                </a:solidFill>
+                <a:latin typeface="+mn-lt"/>
+                <a:ea typeface="+mn-ea"/>
+                <a:cs typeface="+mn-cs"/>
+              </a:defRPr>
+            </a:lvl6pPr>
+            <a:lvl7pPr marL="2971800" indent="-228600" algn="l" defTabSz="914400" rtl="0" eaLnBrk="1" latinLnBrk="0" hangingPunct="1">
+              <a:lnSpc>
+                <a:spcPct val="90000"/>
+              </a:lnSpc>
+              <a:spcBef>
+                <a:spcPts val="500"/>
+              </a:spcBef>
+              <a:buFont typeface="Arial" panose="020B0604020202020204" pitchFamily="34" charset="0"/>
+              <a:buChar char="•"/>
+              <a:defRPr sz="1800" kern="1200">
+                <a:solidFill>
+                  <a:schemeClr val="tx1"/>
+                </a:solidFill>
+                <a:latin typeface="+mn-lt"/>
+                <a:ea typeface="+mn-ea"/>
+                <a:cs typeface="+mn-cs"/>
+              </a:defRPr>
+            </a:lvl7pPr>
+            <a:lvl8pPr marL="3429000" indent="-228600" algn="l" defTabSz="914400" rtl="0" eaLnBrk="1" latinLnBrk="0" hangingPunct="1">
+              <a:lnSpc>
+                <a:spcPct val="90000"/>
+              </a:lnSpc>
+              <a:spcBef>
+                <a:spcPts val="500"/>
+              </a:spcBef>
+              <a:buFont typeface="Arial" panose="020B0604020202020204" pitchFamily="34" charset="0"/>
+              <a:buChar char="•"/>
+              <a:defRPr sz="1800" kern="1200">
+                <a:solidFill>
+                  <a:schemeClr val="tx1"/>
+                </a:solidFill>
+                <a:latin typeface="+mn-lt"/>
+                <a:ea typeface="+mn-ea"/>
+                <a:cs typeface="+mn-cs"/>
+              </a:defRPr>
+            </a:lvl8pPr>
+            <a:lvl9pPr marL="3886200" indent="-228600" algn="l" defTabSz="914400" rtl="0" eaLnBrk="1" latinLnBrk="0" hangingPunct="1">
+              <a:lnSpc>
+                <a:spcPct val="90000"/>
+              </a:lnSpc>
+              <a:spcBef>
+                <a:spcPts val="500"/>
+              </a:spcBef>
+              <a:buFont typeface="Arial" panose="020B0604020202020204" pitchFamily="34" charset="0"/>
+              <a:buChar char="•"/>
+              <a:defRPr sz="1800" kern="1200">
+                <a:solidFill>
+                  <a:schemeClr val="tx1"/>
+                </a:solidFill>
+                <a:latin typeface="+mn-lt"/>
+                <a:ea typeface="+mn-ea"/>
+                <a:cs typeface="+mn-cs"/>
+              </a:defRPr>
+            </a:lvl9pPr>
+          </a:lstStyle>
+          <a:p>
+            <a:pPr marL="0" indent="0">
+              <a:buNone/>
+            </a:pPr>
+            <a:r>
+              <a:rPr lang="en-US" dirty="0" smtClean="0"/>
+              <a:t>Excit</a:t>
+            </a:r>
+            <a:r>
+              <a:rPr lang="en-US" dirty="0" smtClean="0">
+                <a:solidFill>
+                  <a:srgbClr val="FF0000"/>
+                </a:solidFill>
+              </a:rPr>
+              <a:t>ed</a:t>
+            </a:r>
+            <a:endParaRPr lang="en-US" dirty="0" smtClean="0">
+              <a:solidFill>
+                <a:srgbClr val="FF0000"/>
+              </a:solidFill>
+            </a:endParaRPr>
+          </a:p>
+        </p:txBody>
+      </p:sp>
+      <p:sp>
+        <p:nvSpPr>
+          <p:cNvPr id="6" name="Content Placeholder 2"/>
+          <p:cNvSpPr txBox="1">
+            <a:spLocks/>
+          </p:cNvSpPr>
+          <p:nvPr/>
+        </p:nvSpPr>
+        <p:spPr>
+          <a:xfrm>
+            <a:off x="3193472" y="3658004"/>
+            <a:ext cx="1312025" cy="524106"/>
+          </a:xfrm>
+          <a:prstGeom prst="rect">
+            <a:avLst/>
+          </a:prstGeom>
+        </p:spPr>
+        <p:txBody>
+          <a:bodyPr vert="horz" lIns="91440" tIns="45720" rIns="91440" bIns="45720" rtlCol="0">
+            <a:normAutofit/>
+          </a:bodyPr>
+          <a:lstStyle>
+            <a:lvl1pPr marL="228600" indent="-228600" algn="l" defTabSz="914400" rtl="0" eaLnBrk="1" latinLnBrk="0" hangingPunct="1">
+              <a:lnSpc>
+                <a:spcPct val="90000"/>
+              </a:lnSpc>
+              <a:spcBef>
+                <a:spcPts val="1000"/>
+              </a:spcBef>
+              <a:buFont typeface="Arial" panose="020B0604020202020204" pitchFamily="34" charset="0"/>
+              <a:buChar char="•"/>
+              <a:defRPr sz="2800" kern="1200">
+                <a:solidFill>
+                  <a:schemeClr val="tx1"/>
+                </a:solidFill>
+                <a:latin typeface="+mn-lt"/>
+                <a:ea typeface="+mn-ea"/>
+                <a:cs typeface="+mn-cs"/>
+              </a:defRPr>
+            </a:lvl1pPr>
+            <a:lvl2pPr marL="685800" indent="-228600" algn="l" defTabSz="914400" rtl="0" eaLnBrk="1" latinLnBrk="0" hangingPunct="1">
+              <a:lnSpc>
+                <a:spcPct val="90000"/>
+              </a:lnSpc>
+              <a:spcBef>
+                <a:spcPts val="500"/>
+              </a:spcBef>
+              <a:buFont typeface="Arial" panose="020B0604020202020204" pitchFamily="34" charset="0"/>
+              <a:buChar char="•"/>
+              <a:defRPr sz="2400" kern="1200">
+                <a:solidFill>
+                  <a:schemeClr val="tx1"/>
+                </a:solidFill>
+                <a:latin typeface="+mn-lt"/>
+                <a:ea typeface="+mn-ea"/>
+                <a:cs typeface="+mn-cs"/>
+              </a:defRPr>
+            </a:lvl2pPr>
+            <a:lvl3pPr marL="1143000" indent="-228600" algn="l" defTabSz="914400" rtl="0" eaLnBrk="1" latinLnBrk="0" hangingPunct="1">
+              <a:lnSpc>
+                <a:spcPct val="90000"/>
+              </a:lnSpc>
+              <a:spcBef>
+                <a:spcPts val="500"/>
+              </a:spcBef>
+              <a:buFont typeface="Arial" panose="020B0604020202020204" pitchFamily="34" charset="0"/>
+              <a:buChar char="•"/>
+              <a:defRPr sz="2000" kern="1200">
+                <a:solidFill>
+                  <a:schemeClr val="tx1"/>
+                </a:solidFill>
+                <a:latin typeface="+mn-lt"/>
+                <a:ea typeface="+mn-ea"/>
+                <a:cs typeface="+mn-cs"/>
+              </a:defRPr>
+            </a:lvl3pPr>
+            <a:lvl4pPr marL="1600200" indent="-228600" algn="l" defTabSz="914400" rtl="0" eaLnBrk="1" latinLnBrk="0" hangingPunct="1">
+              <a:lnSpc>
+                <a:spcPct val="90000"/>
+              </a:lnSpc>
+              <a:spcBef>
+                <a:spcPts val="500"/>
+              </a:spcBef>
+              <a:buFont typeface="Arial" panose="020B0604020202020204" pitchFamily="34" charset="0"/>
+              <a:buChar char="•"/>
+              <a:defRPr sz="1800" kern="1200">
+                <a:solidFill>
+                  <a:schemeClr val="tx1"/>
+                </a:solidFill>
+                <a:latin typeface="+mn-lt"/>
+                <a:ea typeface="+mn-ea"/>
+                <a:cs typeface="+mn-cs"/>
+              </a:defRPr>
+            </a:lvl4pPr>
+            <a:lvl5pPr marL="2057400" indent="-228600" algn="l" defTabSz="914400" rtl="0" eaLnBrk="1" latinLnBrk="0" hangingPunct="1">
+              <a:lnSpc>
+                <a:spcPct val="90000"/>
+              </a:lnSpc>
+              <a:spcBef>
+                <a:spcPts val="500"/>
+              </a:spcBef>
+              <a:buFont typeface="Arial" panose="020B0604020202020204" pitchFamily="34" charset="0"/>
+              <a:buChar char="•"/>
+              <a:defRPr sz="1800" kern="1200">
+                <a:solidFill>
+                  <a:schemeClr val="tx1"/>
+                </a:solidFill>
+                <a:latin typeface="+mn-lt"/>
+                <a:ea typeface="+mn-ea"/>
+                <a:cs typeface="+mn-cs"/>
+              </a:defRPr>
+            </a:lvl5pPr>
+            <a:lvl6pPr marL="2514600" indent="-228600" algn="l" defTabSz="914400" rtl="0" eaLnBrk="1" latinLnBrk="0" hangingPunct="1">
+              <a:lnSpc>
+                <a:spcPct val="90000"/>
+              </a:lnSpc>
+              <a:spcBef>
+                <a:spcPts val="500"/>
+              </a:spcBef>
+              <a:buFont typeface="Arial" panose="020B0604020202020204" pitchFamily="34" charset="0"/>
+              <a:buChar char="•"/>
+              <a:defRPr sz="1800" kern="1200">
+                <a:solidFill>
+                  <a:schemeClr val="tx1"/>
+                </a:solidFill>
+                <a:latin typeface="+mn-lt"/>
+                <a:ea typeface="+mn-ea"/>
+                <a:cs typeface="+mn-cs"/>
+              </a:defRPr>
+            </a:lvl6pPr>
+            <a:lvl7pPr marL="2971800" indent="-228600" algn="l" defTabSz="914400" rtl="0" eaLnBrk="1" latinLnBrk="0" hangingPunct="1">
+              <a:lnSpc>
+                <a:spcPct val="90000"/>
+              </a:lnSpc>
+              <a:spcBef>
+                <a:spcPts val="500"/>
+              </a:spcBef>
+              <a:buFont typeface="Arial" panose="020B0604020202020204" pitchFamily="34" charset="0"/>
+              <a:buChar char="•"/>
+              <a:defRPr sz="1800" kern="1200">
+                <a:solidFill>
+                  <a:schemeClr val="tx1"/>
+                </a:solidFill>
+                <a:latin typeface="+mn-lt"/>
+                <a:ea typeface="+mn-ea"/>
+                <a:cs typeface="+mn-cs"/>
+              </a:defRPr>
+            </a:lvl7pPr>
+            <a:lvl8pPr marL="3429000" indent="-228600" algn="l" defTabSz="914400" rtl="0" eaLnBrk="1" latinLnBrk="0" hangingPunct="1">
+              <a:lnSpc>
+                <a:spcPct val="90000"/>
+              </a:lnSpc>
+              <a:spcBef>
+                <a:spcPts val="500"/>
+              </a:spcBef>
+              <a:buFont typeface="Arial" panose="020B0604020202020204" pitchFamily="34" charset="0"/>
+              <a:buChar char="•"/>
+              <a:defRPr sz="1800" kern="1200">
+                <a:solidFill>
+                  <a:schemeClr val="tx1"/>
+                </a:solidFill>
+                <a:latin typeface="+mn-lt"/>
+                <a:ea typeface="+mn-ea"/>
+                <a:cs typeface="+mn-cs"/>
+              </a:defRPr>
+            </a:lvl8pPr>
+            <a:lvl9pPr marL="3886200" indent="-228600" algn="l" defTabSz="914400" rtl="0" eaLnBrk="1" latinLnBrk="0" hangingPunct="1">
+              <a:lnSpc>
+                <a:spcPct val="90000"/>
+              </a:lnSpc>
+              <a:spcBef>
+                <a:spcPts val="500"/>
+              </a:spcBef>
+              <a:buFont typeface="Arial" panose="020B0604020202020204" pitchFamily="34" charset="0"/>
+              <a:buChar char="•"/>
+              <a:defRPr sz="1800" kern="1200">
+                <a:solidFill>
+                  <a:schemeClr val="tx1"/>
+                </a:solidFill>
+                <a:latin typeface="+mn-lt"/>
+                <a:ea typeface="+mn-ea"/>
+                <a:cs typeface="+mn-cs"/>
+              </a:defRPr>
+            </a:lvl9pPr>
+          </a:lstStyle>
+          <a:p>
+            <a:pPr marL="0" indent="0">
+              <a:buNone/>
+            </a:pPr>
+            <a:r>
+              <a:rPr lang="en-US" dirty="0" smtClean="0"/>
+              <a:t>Excit</a:t>
+            </a:r>
+            <a:r>
+              <a:rPr lang="en-US" dirty="0" smtClean="0">
+                <a:solidFill>
+                  <a:srgbClr val="FF0000"/>
+                </a:solidFill>
+              </a:rPr>
+              <a:t>ing</a:t>
+            </a:r>
+            <a:endParaRPr lang="en-US" dirty="0" smtClean="0">
+              <a:solidFill>
+                <a:srgbClr val="FF0000"/>
+              </a:solidFill>
+            </a:endParaRPr>
+          </a:p>
+        </p:txBody>
+      </p:sp>
+      <p:sp>
+        <p:nvSpPr>
+          <p:cNvPr id="7" name="Content Placeholder 2"/>
+          <p:cNvSpPr txBox="1">
+            <a:spLocks/>
+          </p:cNvSpPr>
+          <p:nvPr/>
+        </p:nvSpPr>
+        <p:spPr>
+          <a:xfrm>
+            <a:off x="3193472" y="4182110"/>
+            <a:ext cx="1711038" cy="524106"/>
+          </a:xfrm>
+          <a:prstGeom prst="rect">
+            <a:avLst/>
+          </a:prstGeom>
+        </p:spPr>
+        <p:txBody>
+          <a:bodyPr vert="horz" lIns="91440" tIns="45720" rIns="91440" bIns="45720" rtlCol="0">
+            <a:normAutofit fontScale="92500"/>
+          </a:bodyPr>
+          <a:lstStyle>
+            <a:lvl1pPr marL="228600" indent="-228600" algn="l" defTabSz="914400" rtl="0" eaLnBrk="1" latinLnBrk="0" hangingPunct="1">
+              <a:lnSpc>
+                <a:spcPct val="90000"/>
+              </a:lnSpc>
+              <a:spcBef>
+                <a:spcPts val="1000"/>
+              </a:spcBef>
+              <a:buFont typeface="Arial" panose="020B0604020202020204" pitchFamily="34" charset="0"/>
+              <a:buChar char="•"/>
+              <a:defRPr sz="2800" kern="1200">
+                <a:solidFill>
+                  <a:schemeClr val="tx1"/>
+                </a:solidFill>
+                <a:latin typeface="+mn-lt"/>
+                <a:ea typeface="+mn-ea"/>
+                <a:cs typeface="+mn-cs"/>
+              </a:defRPr>
+            </a:lvl1pPr>
+            <a:lvl2pPr marL="685800" indent="-228600" algn="l" defTabSz="914400" rtl="0" eaLnBrk="1" latinLnBrk="0" hangingPunct="1">
+              <a:lnSpc>
+                <a:spcPct val="90000"/>
+              </a:lnSpc>
+              <a:spcBef>
+                <a:spcPts val="500"/>
+              </a:spcBef>
+              <a:buFont typeface="Arial" panose="020B0604020202020204" pitchFamily="34" charset="0"/>
+              <a:buChar char="•"/>
+              <a:defRPr sz="2400" kern="1200">
+                <a:solidFill>
+                  <a:schemeClr val="tx1"/>
+                </a:solidFill>
+                <a:latin typeface="+mn-lt"/>
+                <a:ea typeface="+mn-ea"/>
+                <a:cs typeface="+mn-cs"/>
+              </a:defRPr>
+            </a:lvl2pPr>
+            <a:lvl3pPr marL="1143000" indent="-228600" algn="l" defTabSz="914400" rtl="0" eaLnBrk="1" latinLnBrk="0" hangingPunct="1">
+              <a:lnSpc>
+                <a:spcPct val="90000"/>
+              </a:lnSpc>
+              <a:spcBef>
+                <a:spcPts val="500"/>
+              </a:spcBef>
+              <a:buFont typeface="Arial" panose="020B0604020202020204" pitchFamily="34" charset="0"/>
+              <a:buChar char="•"/>
+              <a:defRPr sz="2000" kern="1200">
+                <a:solidFill>
+                  <a:schemeClr val="tx1"/>
+                </a:solidFill>
+                <a:latin typeface="+mn-lt"/>
+                <a:ea typeface="+mn-ea"/>
+                <a:cs typeface="+mn-cs"/>
+              </a:defRPr>
+            </a:lvl3pPr>
+            <a:lvl4pPr marL="1600200" indent="-228600" algn="l" defTabSz="914400" rtl="0" eaLnBrk="1" latinLnBrk="0" hangingPunct="1">
+              <a:lnSpc>
+                <a:spcPct val="90000"/>
+              </a:lnSpc>
+              <a:spcBef>
+                <a:spcPts val="500"/>
+              </a:spcBef>
+              <a:buFont typeface="Arial" panose="020B0604020202020204" pitchFamily="34" charset="0"/>
+              <a:buChar char="•"/>
+              <a:defRPr sz="1800" kern="1200">
+                <a:solidFill>
+                  <a:schemeClr val="tx1"/>
+                </a:solidFill>
+                <a:latin typeface="+mn-lt"/>
+                <a:ea typeface="+mn-ea"/>
+                <a:cs typeface="+mn-cs"/>
+              </a:defRPr>
+            </a:lvl4pPr>
+            <a:lvl5pPr marL="2057400" indent="-228600" algn="l" defTabSz="914400" rtl="0" eaLnBrk="1" latinLnBrk="0" hangingPunct="1">
+              <a:lnSpc>
+                <a:spcPct val="90000"/>
+              </a:lnSpc>
+              <a:spcBef>
+                <a:spcPts val="500"/>
+              </a:spcBef>
+              <a:buFont typeface="Arial" panose="020B0604020202020204" pitchFamily="34" charset="0"/>
+              <a:buChar char="•"/>
+              <a:defRPr sz="1800" kern="1200">
+                <a:solidFill>
+                  <a:schemeClr val="tx1"/>
+                </a:solidFill>
+                <a:latin typeface="+mn-lt"/>
+                <a:ea typeface="+mn-ea"/>
+                <a:cs typeface="+mn-cs"/>
+              </a:defRPr>
+            </a:lvl5pPr>
+            <a:lvl6pPr marL="2514600" indent="-228600" algn="l" defTabSz="914400" rtl="0" eaLnBrk="1" latinLnBrk="0" hangingPunct="1">
+              <a:lnSpc>
+                <a:spcPct val="90000"/>
+              </a:lnSpc>
+              <a:spcBef>
+                <a:spcPts val="500"/>
+              </a:spcBef>
+              <a:buFont typeface="Arial" panose="020B0604020202020204" pitchFamily="34" charset="0"/>
+              <a:buChar char="•"/>
+              <a:defRPr sz="1800" kern="1200">
+                <a:solidFill>
+                  <a:schemeClr val="tx1"/>
+                </a:solidFill>
+                <a:latin typeface="+mn-lt"/>
+                <a:ea typeface="+mn-ea"/>
+                <a:cs typeface="+mn-cs"/>
+              </a:defRPr>
+            </a:lvl6pPr>
+            <a:lvl7pPr marL="2971800" indent="-228600" algn="l" defTabSz="914400" rtl="0" eaLnBrk="1" latinLnBrk="0" hangingPunct="1">
+              <a:lnSpc>
+                <a:spcPct val="90000"/>
+              </a:lnSpc>
+              <a:spcBef>
+                <a:spcPts val="500"/>
+              </a:spcBef>
+              <a:buFont typeface="Arial" panose="020B0604020202020204" pitchFamily="34" charset="0"/>
+              <a:buChar char="•"/>
+              <a:defRPr sz="1800" kern="1200">
+                <a:solidFill>
+                  <a:schemeClr val="tx1"/>
+                </a:solidFill>
+                <a:latin typeface="+mn-lt"/>
+                <a:ea typeface="+mn-ea"/>
+                <a:cs typeface="+mn-cs"/>
+              </a:defRPr>
+            </a:lvl7pPr>
+            <a:lvl8pPr marL="3429000" indent="-228600" algn="l" defTabSz="914400" rtl="0" eaLnBrk="1" latinLnBrk="0" hangingPunct="1">
+              <a:lnSpc>
+                <a:spcPct val="90000"/>
+              </a:lnSpc>
+              <a:spcBef>
+                <a:spcPts val="500"/>
+              </a:spcBef>
+              <a:buFont typeface="Arial" panose="020B0604020202020204" pitchFamily="34" charset="0"/>
+              <a:buChar char="•"/>
+              <a:defRPr sz="1800" kern="1200">
+                <a:solidFill>
+                  <a:schemeClr val="tx1"/>
+                </a:solidFill>
+                <a:latin typeface="+mn-lt"/>
+                <a:ea typeface="+mn-ea"/>
+                <a:cs typeface="+mn-cs"/>
+              </a:defRPr>
+            </a:lvl8pPr>
+            <a:lvl9pPr marL="3886200" indent="-228600" algn="l" defTabSz="914400" rtl="0" eaLnBrk="1" latinLnBrk="0" hangingPunct="1">
+              <a:lnSpc>
+                <a:spcPct val="90000"/>
+              </a:lnSpc>
+              <a:spcBef>
+                <a:spcPts val="500"/>
+              </a:spcBef>
+              <a:buFont typeface="Arial" panose="020B0604020202020204" pitchFamily="34" charset="0"/>
+              <a:buChar char="•"/>
+              <a:defRPr sz="1800" kern="1200">
+                <a:solidFill>
+                  <a:schemeClr val="tx1"/>
+                </a:solidFill>
+                <a:latin typeface="+mn-lt"/>
+                <a:ea typeface="+mn-ea"/>
+                <a:cs typeface="+mn-cs"/>
+              </a:defRPr>
+            </a:lvl9pPr>
+          </a:lstStyle>
+          <a:p>
+            <a:pPr marL="0" indent="0">
+              <a:buNone/>
+            </a:pPr>
+            <a:r>
+              <a:rPr lang="en-US" dirty="0" smtClean="0"/>
+              <a:t>Excite</a:t>
+            </a:r>
+            <a:r>
+              <a:rPr lang="en-US" dirty="0" smtClean="0">
+                <a:solidFill>
+                  <a:srgbClr val="FF0000"/>
+                </a:solidFill>
+              </a:rPr>
+              <a:t>ment</a:t>
+            </a:r>
+            <a:endParaRPr lang="en-US" dirty="0" smtClean="0">
+              <a:solidFill>
+                <a:srgbClr val="FF0000"/>
+              </a:solidFill>
+            </a:endParaRPr>
+          </a:p>
+        </p:txBody>
+      </p:sp>
+      <p:sp>
+        <p:nvSpPr>
+          <p:cNvPr id="8" name="Content Placeholder 2"/>
+          <p:cNvSpPr txBox="1">
+            <a:spLocks/>
+          </p:cNvSpPr>
+          <p:nvPr/>
+        </p:nvSpPr>
+        <p:spPr>
+          <a:xfrm>
+            <a:off x="3193472" y="4706216"/>
+            <a:ext cx="1711038" cy="524106"/>
+          </a:xfrm>
+          <a:prstGeom prst="rect">
+            <a:avLst/>
+          </a:prstGeom>
+        </p:spPr>
+        <p:txBody>
+          <a:bodyPr vert="horz" lIns="91440" tIns="45720" rIns="91440" bIns="45720" rtlCol="0">
+            <a:normAutofit/>
+          </a:bodyPr>
+          <a:lstStyle>
+            <a:lvl1pPr marL="228600" indent="-228600" algn="l" defTabSz="914400" rtl="0" eaLnBrk="1" latinLnBrk="0" hangingPunct="1">
+              <a:lnSpc>
+                <a:spcPct val="90000"/>
+              </a:lnSpc>
+              <a:spcBef>
+                <a:spcPts val="1000"/>
+              </a:spcBef>
+              <a:buFont typeface="Arial" panose="020B0604020202020204" pitchFamily="34" charset="0"/>
+              <a:buChar char="•"/>
+              <a:defRPr sz="2800" kern="1200">
+                <a:solidFill>
+                  <a:schemeClr val="tx1"/>
+                </a:solidFill>
+                <a:latin typeface="+mn-lt"/>
+                <a:ea typeface="+mn-ea"/>
+                <a:cs typeface="+mn-cs"/>
+              </a:defRPr>
+            </a:lvl1pPr>
+            <a:lvl2pPr marL="685800" indent="-228600" algn="l" defTabSz="914400" rtl="0" eaLnBrk="1" latinLnBrk="0" hangingPunct="1">
+              <a:lnSpc>
+                <a:spcPct val="90000"/>
+              </a:lnSpc>
+              <a:spcBef>
+                <a:spcPts val="500"/>
+              </a:spcBef>
+              <a:buFont typeface="Arial" panose="020B0604020202020204" pitchFamily="34" charset="0"/>
+              <a:buChar char="•"/>
+              <a:defRPr sz="2400" kern="1200">
+                <a:solidFill>
+                  <a:schemeClr val="tx1"/>
+                </a:solidFill>
+                <a:latin typeface="+mn-lt"/>
+                <a:ea typeface="+mn-ea"/>
+                <a:cs typeface="+mn-cs"/>
+              </a:defRPr>
+            </a:lvl2pPr>
+            <a:lvl3pPr marL="1143000" indent="-228600" algn="l" defTabSz="914400" rtl="0" eaLnBrk="1" latinLnBrk="0" hangingPunct="1">
+              <a:lnSpc>
+                <a:spcPct val="90000"/>
+              </a:lnSpc>
+              <a:spcBef>
+                <a:spcPts val="500"/>
+              </a:spcBef>
+              <a:buFont typeface="Arial" panose="020B0604020202020204" pitchFamily="34" charset="0"/>
+              <a:buChar char="•"/>
+              <a:defRPr sz="2000" kern="1200">
+                <a:solidFill>
+                  <a:schemeClr val="tx1"/>
+                </a:solidFill>
+                <a:latin typeface="+mn-lt"/>
+                <a:ea typeface="+mn-ea"/>
+                <a:cs typeface="+mn-cs"/>
+              </a:defRPr>
+            </a:lvl3pPr>
+            <a:lvl4pPr marL="1600200" indent="-228600" algn="l" defTabSz="914400" rtl="0" eaLnBrk="1" latinLnBrk="0" hangingPunct="1">
+              <a:lnSpc>
+                <a:spcPct val="90000"/>
+              </a:lnSpc>
+              <a:spcBef>
+                <a:spcPts val="500"/>
+              </a:spcBef>
+              <a:buFont typeface="Arial" panose="020B0604020202020204" pitchFamily="34" charset="0"/>
+              <a:buChar char="•"/>
+              <a:defRPr sz="1800" kern="1200">
+                <a:solidFill>
+                  <a:schemeClr val="tx1"/>
+                </a:solidFill>
+                <a:latin typeface="+mn-lt"/>
+                <a:ea typeface="+mn-ea"/>
+                <a:cs typeface="+mn-cs"/>
+              </a:defRPr>
+            </a:lvl4pPr>
+            <a:lvl5pPr marL="2057400" indent="-228600" algn="l" defTabSz="914400" rtl="0" eaLnBrk="1" latinLnBrk="0" hangingPunct="1">
+              <a:lnSpc>
+                <a:spcPct val="90000"/>
+              </a:lnSpc>
+              <a:spcBef>
+                <a:spcPts val="500"/>
+              </a:spcBef>
+              <a:buFont typeface="Arial" panose="020B0604020202020204" pitchFamily="34" charset="0"/>
+              <a:buChar char="•"/>
+              <a:defRPr sz="1800" kern="1200">
+                <a:solidFill>
+                  <a:schemeClr val="tx1"/>
+                </a:solidFill>
+                <a:latin typeface="+mn-lt"/>
+                <a:ea typeface="+mn-ea"/>
+                <a:cs typeface="+mn-cs"/>
+              </a:defRPr>
+            </a:lvl5pPr>
+            <a:lvl6pPr marL="2514600" indent="-228600" algn="l" defTabSz="914400" rtl="0" eaLnBrk="1" latinLnBrk="0" hangingPunct="1">
+              <a:lnSpc>
+                <a:spcPct val="90000"/>
+              </a:lnSpc>
+              <a:spcBef>
+                <a:spcPts val="500"/>
+              </a:spcBef>
+              <a:buFont typeface="Arial" panose="020B0604020202020204" pitchFamily="34" charset="0"/>
+              <a:buChar char="•"/>
+              <a:defRPr sz="1800" kern="1200">
+                <a:solidFill>
+                  <a:schemeClr val="tx1"/>
+                </a:solidFill>
+                <a:latin typeface="+mn-lt"/>
+                <a:ea typeface="+mn-ea"/>
+                <a:cs typeface="+mn-cs"/>
+              </a:defRPr>
+            </a:lvl6pPr>
+            <a:lvl7pPr marL="2971800" indent="-228600" algn="l" defTabSz="914400" rtl="0" eaLnBrk="1" latinLnBrk="0" hangingPunct="1">
+              <a:lnSpc>
+                <a:spcPct val="90000"/>
+              </a:lnSpc>
+              <a:spcBef>
+                <a:spcPts val="500"/>
+              </a:spcBef>
+              <a:buFont typeface="Arial" panose="020B0604020202020204" pitchFamily="34" charset="0"/>
+              <a:buChar char="•"/>
+              <a:defRPr sz="1800" kern="1200">
+                <a:solidFill>
+                  <a:schemeClr val="tx1"/>
+                </a:solidFill>
+                <a:latin typeface="+mn-lt"/>
+                <a:ea typeface="+mn-ea"/>
+                <a:cs typeface="+mn-cs"/>
+              </a:defRPr>
+            </a:lvl7pPr>
+            <a:lvl8pPr marL="3429000" indent="-228600" algn="l" defTabSz="914400" rtl="0" eaLnBrk="1" latinLnBrk="0" hangingPunct="1">
+              <a:lnSpc>
+                <a:spcPct val="90000"/>
+              </a:lnSpc>
+              <a:spcBef>
+                <a:spcPts val="500"/>
+              </a:spcBef>
+              <a:buFont typeface="Arial" panose="020B0604020202020204" pitchFamily="34" charset="0"/>
+              <a:buChar char="•"/>
+              <a:defRPr sz="1800" kern="1200">
+                <a:solidFill>
+                  <a:schemeClr val="tx1"/>
+                </a:solidFill>
+                <a:latin typeface="+mn-lt"/>
+                <a:ea typeface="+mn-ea"/>
+                <a:cs typeface="+mn-cs"/>
+              </a:defRPr>
+            </a:lvl8pPr>
+            <a:lvl9pPr marL="3886200" indent="-228600" algn="l" defTabSz="914400" rtl="0" eaLnBrk="1" latinLnBrk="0" hangingPunct="1">
+              <a:lnSpc>
+                <a:spcPct val="90000"/>
+              </a:lnSpc>
+              <a:spcBef>
+                <a:spcPts val="500"/>
+              </a:spcBef>
+              <a:buFont typeface="Arial" panose="020B0604020202020204" pitchFamily="34" charset="0"/>
+              <a:buChar char="•"/>
+              <a:defRPr sz="1800" kern="1200">
+                <a:solidFill>
+                  <a:schemeClr val="tx1"/>
+                </a:solidFill>
+                <a:latin typeface="+mn-lt"/>
+                <a:ea typeface="+mn-ea"/>
+                <a:cs typeface="+mn-cs"/>
+              </a:defRPr>
+            </a:lvl9pPr>
+          </a:lstStyle>
+          <a:p>
+            <a:pPr marL="0" indent="0">
+              <a:buNone/>
+            </a:pPr>
+            <a:r>
+              <a:rPr lang="en-US" dirty="0" smtClean="0"/>
+              <a:t>Excit</a:t>
+            </a:r>
+            <a:r>
+              <a:rPr lang="en-US" dirty="0" smtClean="0">
+                <a:solidFill>
+                  <a:srgbClr val="FF0000"/>
+                </a:solidFill>
+              </a:rPr>
+              <a:t>ingly</a:t>
+            </a:r>
+            <a:endParaRPr lang="en-US" dirty="0" smtClean="0">
+              <a:solidFill>
+                <a:srgbClr val="FF0000"/>
+              </a:solidFill>
+            </a:endParaRPr>
+          </a:p>
+        </p:txBody>
+      </p:sp>
+      <p:sp>
+        <p:nvSpPr>
+          <p:cNvPr id="9" name="Content Placeholder 2"/>
+          <p:cNvSpPr txBox="1">
+            <a:spLocks/>
+          </p:cNvSpPr>
+          <p:nvPr/>
+        </p:nvSpPr>
+        <p:spPr>
+          <a:xfrm>
+            <a:off x="7402484" y="3658004"/>
+            <a:ext cx="1095894" cy="524106"/>
+          </a:xfrm>
+          <a:prstGeom prst="rect">
+            <a:avLst/>
+          </a:prstGeom>
+        </p:spPr>
+        <p:txBody>
+          <a:bodyPr vert="horz" lIns="91440" tIns="45720" rIns="91440" bIns="45720" rtlCol="0">
+            <a:normAutofit/>
+          </a:bodyPr>
+          <a:lstStyle>
+            <a:lvl1pPr marL="228600" indent="-228600" algn="l" defTabSz="914400" rtl="0" eaLnBrk="1" latinLnBrk="0" hangingPunct="1">
+              <a:lnSpc>
+                <a:spcPct val="90000"/>
+              </a:lnSpc>
+              <a:spcBef>
+                <a:spcPts val="1000"/>
+              </a:spcBef>
+              <a:buFont typeface="Arial" panose="020B0604020202020204" pitchFamily="34" charset="0"/>
+              <a:buChar char="•"/>
+              <a:defRPr sz="2800" kern="1200">
+                <a:solidFill>
+                  <a:schemeClr val="tx1"/>
+                </a:solidFill>
+                <a:latin typeface="+mn-lt"/>
+                <a:ea typeface="+mn-ea"/>
+                <a:cs typeface="+mn-cs"/>
+              </a:defRPr>
+            </a:lvl1pPr>
+            <a:lvl2pPr marL="685800" indent="-228600" algn="l" defTabSz="914400" rtl="0" eaLnBrk="1" latinLnBrk="0" hangingPunct="1">
+              <a:lnSpc>
+                <a:spcPct val="90000"/>
+              </a:lnSpc>
+              <a:spcBef>
+                <a:spcPts val="500"/>
+              </a:spcBef>
+              <a:buFont typeface="Arial" panose="020B0604020202020204" pitchFamily="34" charset="0"/>
+              <a:buChar char="•"/>
+              <a:defRPr sz="2400" kern="1200">
+                <a:solidFill>
+                  <a:schemeClr val="tx1"/>
+                </a:solidFill>
+                <a:latin typeface="+mn-lt"/>
+                <a:ea typeface="+mn-ea"/>
+                <a:cs typeface="+mn-cs"/>
+              </a:defRPr>
+            </a:lvl2pPr>
+            <a:lvl3pPr marL="1143000" indent="-228600" algn="l" defTabSz="914400" rtl="0" eaLnBrk="1" latinLnBrk="0" hangingPunct="1">
+              <a:lnSpc>
+                <a:spcPct val="90000"/>
+              </a:lnSpc>
+              <a:spcBef>
+                <a:spcPts val="500"/>
+              </a:spcBef>
+              <a:buFont typeface="Arial" panose="020B0604020202020204" pitchFamily="34" charset="0"/>
+              <a:buChar char="•"/>
+              <a:defRPr sz="2000" kern="1200">
+                <a:solidFill>
+                  <a:schemeClr val="tx1"/>
+                </a:solidFill>
+                <a:latin typeface="+mn-lt"/>
+                <a:ea typeface="+mn-ea"/>
+                <a:cs typeface="+mn-cs"/>
+              </a:defRPr>
+            </a:lvl3pPr>
+            <a:lvl4pPr marL="1600200" indent="-228600" algn="l" defTabSz="914400" rtl="0" eaLnBrk="1" latinLnBrk="0" hangingPunct="1">
+              <a:lnSpc>
+                <a:spcPct val="90000"/>
+              </a:lnSpc>
+              <a:spcBef>
+                <a:spcPts val="500"/>
+              </a:spcBef>
+              <a:buFont typeface="Arial" panose="020B0604020202020204" pitchFamily="34" charset="0"/>
+              <a:buChar char="•"/>
+              <a:defRPr sz="1800" kern="1200">
+                <a:solidFill>
+                  <a:schemeClr val="tx1"/>
+                </a:solidFill>
+                <a:latin typeface="+mn-lt"/>
+                <a:ea typeface="+mn-ea"/>
+                <a:cs typeface="+mn-cs"/>
+              </a:defRPr>
+            </a:lvl4pPr>
+            <a:lvl5pPr marL="2057400" indent="-228600" algn="l" defTabSz="914400" rtl="0" eaLnBrk="1" latinLnBrk="0" hangingPunct="1">
+              <a:lnSpc>
+                <a:spcPct val="90000"/>
+              </a:lnSpc>
+              <a:spcBef>
+                <a:spcPts val="500"/>
+              </a:spcBef>
+              <a:buFont typeface="Arial" panose="020B0604020202020204" pitchFamily="34" charset="0"/>
+              <a:buChar char="•"/>
+              <a:defRPr sz="1800" kern="1200">
+                <a:solidFill>
+                  <a:schemeClr val="tx1"/>
+                </a:solidFill>
+                <a:latin typeface="+mn-lt"/>
+                <a:ea typeface="+mn-ea"/>
+                <a:cs typeface="+mn-cs"/>
+              </a:defRPr>
+            </a:lvl5pPr>
+            <a:lvl6pPr marL="2514600" indent="-228600" algn="l" defTabSz="914400" rtl="0" eaLnBrk="1" latinLnBrk="0" hangingPunct="1">
+              <a:lnSpc>
+                <a:spcPct val="90000"/>
+              </a:lnSpc>
+              <a:spcBef>
+                <a:spcPts val="500"/>
+              </a:spcBef>
+              <a:buFont typeface="Arial" panose="020B0604020202020204" pitchFamily="34" charset="0"/>
+              <a:buChar char="•"/>
+              <a:defRPr sz="1800" kern="1200">
+                <a:solidFill>
+                  <a:schemeClr val="tx1"/>
+                </a:solidFill>
+                <a:latin typeface="+mn-lt"/>
+                <a:ea typeface="+mn-ea"/>
+                <a:cs typeface="+mn-cs"/>
+              </a:defRPr>
+            </a:lvl6pPr>
+            <a:lvl7pPr marL="2971800" indent="-228600" algn="l" defTabSz="914400" rtl="0" eaLnBrk="1" latinLnBrk="0" hangingPunct="1">
+              <a:lnSpc>
+                <a:spcPct val="90000"/>
+              </a:lnSpc>
+              <a:spcBef>
+                <a:spcPts val="500"/>
+              </a:spcBef>
+              <a:buFont typeface="Arial" panose="020B0604020202020204" pitchFamily="34" charset="0"/>
+              <a:buChar char="•"/>
+              <a:defRPr sz="1800" kern="1200">
+                <a:solidFill>
+                  <a:schemeClr val="tx1"/>
+                </a:solidFill>
+                <a:latin typeface="+mn-lt"/>
+                <a:ea typeface="+mn-ea"/>
+                <a:cs typeface="+mn-cs"/>
+              </a:defRPr>
+            </a:lvl7pPr>
+            <a:lvl8pPr marL="3429000" indent="-228600" algn="l" defTabSz="914400" rtl="0" eaLnBrk="1" latinLnBrk="0" hangingPunct="1">
+              <a:lnSpc>
+                <a:spcPct val="90000"/>
+              </a:lnSpc>
+              <a:spcBef>
+                <a:spcPts val="500"/>
+              </a:spcBef>
+              <a:buFont typeface="Arial" panose="020B0604020202020204" pitchFamily="34" charset="0"/>
+              <a:buChar char="•"/>
+              <a:defRPr sz="1800" kern="1200">
+                <a:solidFill>
+                  <a:schemeClr val="tx1"/>
+                </a:solidFill>
+                <a:latin typeface="+mn-lt"/>
+                <a:ea typeface="+mn-ea"/>
+                <a:cs typeface="+mn-cs"/>
+              </a:defRPr>
+            </a:lvl8pPr>
+            <a:lvl9pPr marL="3886200" indent="-228600" algn="l" defTabSz="914400" rtl="0" eaLnBrk="1" latinLnBrk="0" hangingPunct="1">
+              <a:lnSpc>
+                <a:spcPct val="90000"/>
+              </a:lnSpc>
+              <a:spcBef>
+                <a:spcPts val="500"/>
+              </a:spcBef>
+              <a:buFont typeface="Arial" panose="020B0604020202020204" pitchFamily="34" charset="0"/>
+              <a:buChar char="•"/>
+              <a:defRPr sz="1800" kern="1200">
+                <a:solidFill>
+                  <a:schemeClr val="tx1"/>
+                </a:solidFill>
+                <a:latin typeface="+mn-lt"/>
+                <a:ea typeface="+mn-ea"/>
+                <a:cs typeface="+mn-cs"/>
+              </a:defRPr>
+            </a:lvl9pPr>
+          </a:lstStyle>
+          <a:p>
+            <a:pPr marL="0" indent="0">
+              <a:buNone/>
+            </a:pPr>
+            <a:r>
+              <a:rPr lang="en-US" dirty="0" smtClean="0"/>
+              <a:t>Excite</a:t>
+            </a:r>
+            <a:endParaRPr lang="en-US" dirty="0" smtClean="0"/>
+          </a:p>
+        </p:txBody>
+      </p:sp>
+      <p:cxnSp>
+        <p:nvCxnSpPr>
+          <p:cNvPr id="11" name="Straight Arrow Connector 10"/>
+          <p:cNvCxnSpPr>
+            <a:stCxn id="4" idx="3"/>
+            <a:endCxn id="9" idx="1"/>
+          </p:cNvCxnSpPr>
+          <p:nvPr/>
+        </p:nvCxnSpPr>
+        <p:spPr>
+          <a:xfrm>
+            <a:off x="4289367" y="2871845"/>
+            <a:ext cx="3113117" cy="1048212"/>
+          </a:xfrm>
+          <a:prstGeom prst="straightConnector1">
+            <a:avLst/>
+          </a:prstGeom>
+          <a:ln>
+            <a:tailEnd type="triangle"/>
+          </a:ln>
+        </p:spPr>
+        <p:style>
+          <a:lnRef idx="1">
+            <a:schemeClr val="dk1"/>
+          </a:lnRef>
+          <a:fillRef idx="0">
+            <a:schemeClr val="dk1"/>
+          </a:fillRef>
+          <a:effectRef idx="0">
+            <a:schemeClr val="dk1"/>
+          </a:effectRef>
+          <a:fontRef idx="minor">
+            <a:schemeClr val="tx1"/>
+          </a:fontRef>
+        </p:style>
+      </p:cxnSp>
+      <p:cxnSp>
+        <p:nvCxnSpPr>
+          <p:cNvPr id="13" name="Straight Arrow Connector 12"/>
+          <p:cNvCxnSpPr>
+            <a:stCxn id="5" idx="3"/>
+            <a:endCxn id="9" idx="1"/>
+          </p:cNvCxnSpPr>
+          <p:nvPr/>
+        </p:nvCxnSpPr>
+        <p:spPr>
+          <a:xfrm>
+            <a:off x="4505497" y="3395951"/>
+            <a:ext cx="2896987" cy="524106"/>
+          </a:xfrm>
+          <a:prstGeom prst="straightConnector1">
+            <a:avLst/>
+          </a:prstGeom>
+          <a:ln>
+            <a:tailEnd type="triangle"/>
+          </a:ln>
+        </p:spPr>
+        <p:style>
+          <a:lnRef idx="1">
+            <a:schemeClr val="dk1"/>
+          </a:lnRef>
+          <a:fillRef idx="0">
+            <a:schemeClr val="dk1"/>
+          </a:fillRef>
+          <a:effectRef idx="0">
+            <a:schemeClr val="dk1"/>
+          </a:effectRef>
+          <a:fontRef idx="minor">
+            <a:schemeClr val="tx1"/>
+          </a:fontRef>
+        </p:style>
+      </p:cxnSp>
+      <p:cxnSp>
+        <p:nvCxnSpPr>
+          <p:cNvPr id="15" name="Straight Arrow Connector 14"/>
+          <p:cNvCxnSpPr>
+            <a:stCxn id="6" idx="3"/>
+            <a:endCxn id="9" idx="1"/>
+          </p:cNvCxnSpPr>
+          <p:nvPr/>
+        </p:nvCxnSpPr>
+        <p:spPr>
+          <a:xfrm>
+            <a:off x="4505497" y="3920057"/>
+            <a:ext cx="2896987" cy="0"/>
+          </a:xfrm>
+          <a:prstGeom prst="straightConnector1">
+            <a:avLst/>
+          </a:prstGeom>
+          <a:ln>
+            <a:tailEnd type="triangle"/>
+          </a:ln>
+        </p:spPr>
+        <p:style>
+          <a:lnRef idx="1">
+            <a:schemeClr val="dk1"/>
+          </a:lnRef>
+          <a:fillRef idx="0">
+            <a:schemeClr val="dk1"/>
+          </a:fillRef>
+          <a:effectRef idx="0">
+            <a:schemeClr val="dk1"/>
+          </a:effectRef>
+          <a:fontRef idx="minor">
+            <a:schemeClr val="tx1"/>
+          </a:fontRef>
+        </p:style>
+      </p:cxnSp>
+      <p:cxnSp>
+        <p:nvCxnSpPr>
+          <p:cNvPr id="17" name="Straight Arrow Connector 16"/>
+          <p:cNvCxnSpPr>
+            <a:stCxn id="7" idx="3"/>
+            <a:endCxn id="9" idx="1"/>
+          </p:cNvCxnSpPr>
+          <p:nvPr/>
+        </p:nvCxnSpPr>
+        <p:spPr>
+          <a:xfrm flipV="1">
+            <a:off x="4904510" y="3920057"/>
+            <a:ext cx="2497974" cy="524106"/>
+          </a:xfrm>
+          <a:prstGeom prst="straightConnector1">
+            <a:avLst/>
+          </a:prstGeom>
+          <a:ln>
+            <a:tailEnd type="triangle"/>
+          </a:ln>
+        </p:spPr>
+        <p:style>
+          <a:lnRef idx="1">
+            <a:schemeClr val="dk1"/>
+          </a:lnRef>
+          <a:fillRef idx="0">
+            <a:schemeClr val="dk1"/>
+          </a:fillRef>
+          <a:effectRef idx="0">
+            <a:schemeClr val="dk1"/>
+          </a:effectRef>
+          <a:fontRef idx="minor">
+            <a:schemeClr val="tx1"/>
+          </a:fontRef>
+        </p:style>
+      </p:cxnSp>
+      <p:cxnSp>
+        <p:nvCxnSpPr>
+          <p:cNvPr id="19" name="Straight Arrow Connector 18"/>
+          <p:cNvCxnSpPr>
+            <a:stCxn id="8" idx="3"/>
+            <a:endCxn id="9" idx="1"/>
+          </p:cNvCxnSpPr>
+          <p:nvPr/>
+        </p:nvCxnSpPr>
+        <p:spPr>
+          <a:xfrm flipV="1">
+            <a:off x="4904510" y="3920057"/>
+            <a:ext cx="2497974" cy="1048212"/>
+          </a:xfrm>
+          <a:prstGeom prst="straightConnector1">
+            <a:avLst/>
+          </a:prstGeom>
+          <a:ln>
+            <a:tailEnd type="triangle"/>
+          </a:ln>
+        </p:spPr>
+        <p:style>
+          <a:lnRef idx="1">
+            <a:schemeClr val="dk1"/>
+          </a:lnRef>
+          <a:fillRef idx="0">
+            <a:schemeClr val="dk1"/>
+          </a:fillRef>
+          <a:effectRef idx="0">
+            <a:schemeClr val="dk1"/>
+          </a:effectRef>
+          <a:fontRef idx="minor">
+            <a:schemeClr val="tx1"/>
+          </a:fontRef>
+        </p:style>
+      </p:cxnSp>
+    </p:spTree>
+    <p:extLst>
+      <p:ext uri="{BB962C8B-B14F-4D97-AF65-F5344CB8AC3E}">
+        <p14:creationId xmlns:p14="http://schemas.microsoft.com/office/powerpoint/2010/main" val="3284009998"/>
       </p:ext>
     </p:extLst>
   </p:cSld>
@@ -3185,6 +5283,13 @@
   <p:clrMapOvr>
     <a:masterClrMapping/>
   </p:clrMapOvr>
+  <p:timing>
+    <p:tnLst>
+      <p:par>
+        <p:cTn id="1" dur="indefinite" restart="never" nodeType="tmRoot"/>
+      </p:par>
+    </p:tnLst>
+  </p:timing>
 </p:sld>
 </file>
 
@@ -6887,6 +8992,13 @@
   <p:clrMapOvr>
     <a:masterClrMapping/>
   </p:clrMapOvr>
+  <p:timing>
+    <p:tnLst>
+      <p:par>
+        <p:cTn id="1" dur="indefinite" restart="never" nodeType="tmRoot"/>
+      </p:par>
+    </p:tnLst>
+  </p:timing>
 </p:sld>
 </file>
 
@@ -7502,6 +9614,13 @@
   <p:clrMapOvr>
     <a:masterClrMapping/>
   </p:clrMapOvr>
+  <p:timing>
+    <p:tnLst>
+      <p:par>
+        <p:cTn id="1" dur="indefinite" restart="never" nodeType="tmRoot"/>
+      </p:par>
+    </p:tnLst>
+  </p:timing>
 </p:sld>
 </file>
 
@@ -9400,6 +11519,13 @@
   <p:clrMapOvr>
     <a:masterClrMapping/>
   </p:clrMapOvr>
+  <p:timing>
+    <p:tnLst>
+      <p:par>
+        <p:cTn id="1" dur="indefinite" restart="never" nodeType="tmRoot"/>
+      </p:par>
+    </p:tnLst>
+  </p:timing>
 </p:sld>
 </file>
 
@@ -9435,25 +11561,98 @@
           <a:bodyPr/>
           <a:lstStyle/>
           <a:p>
-            <a:endParaRPr lang="en-US"/>
+            <a:r>
+              <a:rPr lang="en-US" dirty="0" smtClean="0"/>
+              <a:t>1.3 Word embedding</a:t>
+            </a:r>
+            <a:endParaRPr lang="en-US" dirty="0"/>
           </a:p>
         </p:txBody>
       </p:sp>
+      <p:pic>
+        <p:nvPicPr>
+          <p:cNvPr id="5" name="Picture 4"/>
+          <p:cNvPicPr>
+            <a:picLocks noChangeAspect="1"/>
+          </p:cNvPicPr>
+          <p:nvPr/>
+        </p:nvPicPr>
+        <p:blipFill>
+          <a:blip r:embed="rId2"/>
+          <a:stretch>
+            <a:fillRect/>
+          </a:stretch>
+        </p:blipFill>
+        <p:spPr>
+          <a:xfrm>
+            <a:off x="2220831" y="3091153"/>
+            <a:ext cx="2133600" cy="342900"/>
+          </a:xfrm>
+          <a:prstGeom prst="rect">
+            <a:avLst/>
+          </a:prstGeom>
+        </p:spPr>
+      </p:pic>
+      <p:pic>
+        <p:nvPicPr>
+          <p:cNvPr id="6" name="Picture 5"/>
+          <p:cNvPicPr>
+            <a:picLocks noChangeAspect="1"/>
+          </p:cNvPicPr>
+          <p:nvPr/>
+        </p:nvPicPr>
+        <p:blipFill>
+          <a:blip r:embed="rId3"/>
+          <a:stretch>
+            <a:fillRect/>
+          </a:stretch>
+        </p:blipFill>
+        <p:spPr>
+          <a:xfrm>
+            <a:off x="6593778" y="3129253"/>
+            <a:ext cx="1933575" cy="304800"/>
+          </a:xfrm>
+          <a:prstGeom prst="rect">
+            <a:avLst/>
+          </a:prstGeom>
+        </p:spPr>
+      </p:pic>
       <p:sp>
         <p:nvSpPr>
-          <p:cNvPr id="3" name="Content Placeholder 2"/>
-          <p:cNvSpPr>
-            <a:spLocks noGrp="1"/>
-          </p:cNvSpPr>
-          <p:nvPr>
-            <p:ph idx="1"/>
-          </p:nvPr>
+          <p:cNvPr id="7" name="Right Arrow 6"/>
+          <p:cNvSpPr/>
+          <p:nvPr/>
         </p:nvSpPr>
-        <p:spPr/>
+        <p:spPr>
+          <a:xfrm>
+            <a:off x="4611023" y="2993375"/>
+            <a:ext cx="1726163" cy="538455"/>
+          </a:xfrm>
+          <a:prstGeom prst="rightArrow">
+            <a:avLst/>
+          </a:prstGeom>
+        </p:spPr>
+        <p:style>
+          <a:lnRef idx="2">
+            <a:schemeClr val="accent1">
+              <a:shade val="50000"/>
+            </a:schemeClr>
+          </a:lnRef>
+          <a:fillRef idx="1">
+            <a:schemeClr val="accent1"/>
+          </a:fillRef>
+          <a:effectRef idx="0">
+            <a:schemeClr val="accent1"/>
+          </a:effectRef>
+          <a:fontRef idx="minor">
+            <a:schemeClr val="lt1"/>
+          </a:fontRef>
+        </p:style>
         <p:txBody>
-          <a:bodyPr/>
+          <a:bodyPr rtlCol="0" anchor="ctr"/>
           <a:lstStyle/>
           <a:p>
+            <a:pPr algn="ctr"/>
             <a:endParaRPr lang="en-US"/>
           </a:p>
         </p:txBody>
@@ -9468,6 +11667,95 @@
   <p:clrMapOvr>
     <a:masterClrMapping/>
   </p:clrMapOvr>
+  <p:timing>
+    <p:tnLst>
+      <p:par>
+        <p:cTn id="1" dur="indefinite" restart="never" nodeType="tmRoot"/>
+      </p:par>
+    </p:tnLst>
+  </p:timing>
+</p:sld>
+</file>
+
+<file path=ppt/slides/slide9.xml><?xml version="1.0" encoding="utf-8"?>
+<p:sld xmlns:a="http://schemas.openxmlformats.org/drawingml/2006/main" xmlns:r="http://schemas.openxmlformats.org/officeDocument/2006/relationships" xmlns:p="http://schemas.openxmlformats.org/presentationml/2006/main">
+  <p:cSld>
+    <p:spTree>
+      <p:nvGrpSpPr>
+        <p:cNvPr id="1" name=""/>
+        <p:cNvGrpSpPr/>
+        <p:nvPr/>
+      </p:nvGrpSpPr>
+      <p:grpSpPr>
+        <a:xfrm>
+          <a:off x="0" y="0"/>
+          <a:ext cx="0" cy="0"/>
+          <a:chOff x="0" y="0"/>
+          <a:chExt cx="0" cy="0"/>
+        </a:xfrm>
+      </p:grpSpPr>
+      <p:sp>
+        <p:nvSpPr>
+          <p:cNvPr id="2" name="Title 1"/>
+          <p:cNvSpPr>
+            <a:spLocks noGrp="1"/>
+          </p:cNvSpPr>
+          <p:nvPr>
+            <p:ph type="title"/>
+          </p:nvPr>
+        </p:nvSpPr>
+        <p:spPr/>
+        <p:txBody>
+          <a:bodyPr/>
+          <a:lstStyle/>
+          <a:p>
+            <a:r>
+              <a:rPr lang="en-US" dirty="0" smtClean="0"/>
+              <a:t>1.4 Attention</a:t>
+            </a:r>
+            <a:endParaRPr lang="en-US" dirty="0"/>
+          </a:p>
+        </p:txBody>
+      </p:sp>
+      <p:pic>
+        <p:nvPicPr>
+          <p:cNvPr id="4" name="Picture 3"/>
+          <p:cNvPicPr/>
+          <p:nvPr/>
+        </p:nvPicPr>
+        <p:blipFill>
+          <a:blip r:embed="rId2"/>
+          <a:stretch>
+            <a:fillRect/>
+          </a:stretch>
+        </p:blipFill>
+        <p:spPr>
+          <a:xfrm>
+            <a:off x="4376737" y="1870450"/>
+            <a:ext cx="3438525" cy="3133725"/>
+          </a:xfrm>
+          <a:prstGeom prst="rect">
+            <a:avLst/>
+          </a:prstGeom>
+        </p:spPr>
+      </p:pic>
+    </p:spTree>
+    <p:extLst>
+      <p:ext uri="{BB962C8B-B14F-4D97-AF65-F5344CB8AC3E}">
+        <p14:creationId xmlns:p14="http://schemas.microsoft.com/office/powerpoint/2010/main" val="3732974792"/>
+      </p:ext>
+    </p:extLst>
+  </p:cSld>
+  <p:clrMapOvr>
+    <a:masterClrMapping/>
+  </p:clrMapOvr>
+  <p:timing>
+    <p:tnLst>
+      <p:par>
+        <p:cTn id="1" dur="indefinite" restart="never" nodeType="tmRoot"/>
+      </p:par>
+    </p:tnLst>
+  </p:timing>
 </p:sld>
 </file>
 
@@ -9722,7 +12010,31 @@
       </a:bgFillStyleLst>
     </a:fmtScheme>
   </a:themeElements>
-  <a:objectDefaults/>
+  <a:objectDefaults>
+    <a:lnDef>
+      <a:spPr>
+        <a:ln>
+          <a:tailEnd type="triangle"/>
+        </a:ln>
+      </a:spPr>
+      <a:bodyPr/>
+      <a:lstStyle/>
+      <a:style>
+        <a:lnRef idx="1">
+          <a:schemeClr val="dk1"/>
+        </a:lnRef>
+        <a:fillRef idx="0">
+          <a:schemeClr val="dk1"/>
+        </a:fillRef>
+        <a:effectRef idx="0">
+          <a:schemeClr val="dk1"/>
+        </a:effectRef>
+        <a:fontRef idx="minor">
+          <a:schemeClr val="tx1"/>
+        </a:fontRef>
+      </a:style>
+    </a:lnDef>
+  </a:objectDefaults>
   <a:extraClrSchemeLst/>
   <a:extLst>
     <a:ext uri="{05A4C25C-085E-4340-85A3-A5531E510DB2}">

--- a/encoder_decoder.pptx
+++ b/encoder_decoder.pptx
@@ -255,7 +255,7 @@
           <a:p>
             <a:fld id="{EA5C707D-EE12-44EE-970A-C277B1E8CD9B}" type="datetimeFigureOut">
               <a:rPr lang="en-US" smtClean="0"/>
-              <a:t>4/17/2020</a:t>
+              <a:t>4/22/2020</a:t>
             </a:fld>
             <a:endParaRPr lang="en-US"/>
           </a:p>
@@ -425,7 +425,7 @@
           <a:p>
             <a:fld id="{EA5C707D-EE12-44EE-970A-C277B1E8CD9B}" type="datetimeFigureOut">
               <a:rPr lang="en-US" smtClean="0"/>
-              <a:t>4/17/2020</a:t>
+              <a:t>4/22/2020</a:t>
             </a:fld>
             <a:endParaRPr lang="en-US"/>
           </a:p>
@@ -605,7 +605,7 @@
           <a:p>
             <a:fld id="{EA5C707D-EE12-44EE-970A-C277B1E8CD9B}" type="datetimeFigureOut">
               <a:rPr lang="en-US" smtClean="0"/>
-              <a:t>4/17/2020</a:t>
+              <a:t>4/22/2020</a:t>
             </a:fld>
             <a:endParaRPr lang="en-US"/>
           </a:p>
@@ -775,7 +775,7 @@
           <a:p>
             <a:fld id="{EA5C707D-EE12-44EE-970A-C277B1E8CD9B}" type="datetimeFigureOut">
               <a:rPr lang="en-US" smtClean="0"/>
-              <a:t>4/17/2020</a:t>
+              <a:t>4/22/2020</a:t>
             </a:fld>
             <a:endParaRPr lang="en-US"/>
           </a:p>
@@ -1021,7 +1021,7 @@
           <a:p>
             <a:fld id="{EA5C707D-EE12-44EE-970A-C277B1E8CD9B}" type="datetimeFigureOut">
               <a:rPr lang="en-US" smtClean="0"/>
-              <a:t>4/17/2020</a:t>
+              <a:t>4/22/2020</a:t>
             </a:fld>
             <a:endParaRPr lang="en-US"/>
           </a:p>
@@ -1253,7 +1253,7 @@
           <a:p>
             <a:fld id="{EA5C707D-EE12-44EE-970A-C277B1E8CD9B}" type="datetimeFigureOut">
               <a:rPr lang="en-US" smtClean="0"/>
-              <a:t>4/17/2020</a:t>
+              <a:t>4/22/2020</a:t>
             </a:fld>
             <a:endParaRPr lang="en-US"/>
           </a:p>
@@ -1620,7 +1620,7 @@
           <a:p>
             <a:fld id="{EA5C707D-EE12-44EE-970A-C277B1E8CD9B}" type="datetimeFigureOut">
               <a:rPr lang="en-US" smtClean="0"/>
-              <a:t>4/17/2020</a:t>
+              <a:t>4/22/2020</a:t>
             </a:fld>
             <a:endParaRPr lang="en-US"/>
           </a:p>
@@ -1738,7 +1738,7 @@
           <a:p>
             <a:fld id="{EA5C707D-EE12-44EE-970A-C277B1E8CD9B}" type="datetimeFigureOut">
               <a:rPr lang="en-US" smtClean="0"/>
-              <a:t>4/17/2020</a:t>
+              <a:t>4/22/2020</a:t>
             </a:fld>
             <a:endParaRPr lang="en-US"/>
           </a:p>
@@ -1833,7 +1833,7 @@
           <a:p>
             <a:fld id="{EA5C707D-EE12-44EE-970A-C277B1E8CD9B}" type="datetimeFigureOut">
               <a:rPr lang="en-US" smtClean="0"/>
-              <a:t>4/17/2020</a:t>
+              <a:t>4/22/2020</a:t>
             </a:fld>
             <a:endParaRPr lang="en-US"/>
           </a:p>
@@ -2110,7 +2110,7 @@
           <a:p>
             <a:fld id="{EA5C707D-EE12-44EE-970A-C277B1E8CD9B}" type="datetimeFigureOut">
               <a:rPr lang="en-US" smtClean="0"/>
-              <a:t>4/17/2020</a:t>
+              <a:t>4/22/2020</a:t>
             </a:fld>
             <a:endParaRPr lang="en-US"/>
           </a:p>
@@ -2363,7 +2363,7 @@
           <a:p>
             <a:fld id="{EA5C707D-EE12-44EE-970A-C277B1E8CD9B}" type="datetimeFigureOut">
               <a:rPr lang="en-US" smtClean="0"/>
-              <a:t>4/17/2020</a:t>
+              <a:t>4/22/2020</a:t>
             </a:fld>
             <a:endParaRPr lang="en-US"/>
           </a:p>
@@ -2576,7 +2576,7 @@
           <a:p>
             <a:fld id="{EA5C707D-EE12-44EE-970A-C277B1E8CD9B}" type="datetimeFigureOut">
               <a:rPr lang="en-US" smtClean="0"/>
-              <a:t>4/17/2020</a:t>
+              <a:t>4/22/2020</a:t>
             </a:fld>
             <a:endParaRPr lang="en-US"/>
           </a:p>
@@ -3756,7 +3756,6 @@
               <a:rPr lang="en-US" dirty="0" smtClean="0"/>
               <a:t>Lemmas</a:t>
             </a:r>
-            <a:endParaRPr lang="en-US" dirty="0" smtClean="0"/>
           </a:p>
         </p:txBody>
       </p:sp>
@@ -3953,7 +3952,6 @@
               <a:rPr lang="en-US" dirty="0" smtClean="0"/>
               <a:t>Excite</a:t>
             </a:r>
-            <a:endParaRPr lang="en-US" dirty="0" smtClean="0"/>
           </a:p>
         </p:txBody>
       </p:sp>
@@ -4158,11 +4156,6 @@
               </a:rPr>
               <a:t>ed</a:t>
             </a:r>
-            <a:endParaRPr lang="en-US" dirty="0" smtClean="0">
-              <a:solidFill>
-                <a:srgbClr val="FF0000"/>
-              </a:solidFill>
-            </a:endParaRPr>
           </a:p>
         </p:txBody>
       </p:sp>
@@ -4367,11 +4360,6 @@
               </a:rPr>
               <a:t>ing</a:t>
             </a:r>
-            <a:endParaRPr lang="en-US" dirty="0" smtClean="0">
-              <a:solidFill>
-                <a:srgbClr val="FF0000"/>
-              </a:solidFill>
-            </a:endParaRPr>
           </a:p>
         </p:txBody>
       </p:sp>
@@ -4576,11 +4564,6 @@
               </a:rPr>
               <a:t>ment</a:t>
             </a:r>
-            <a:endParaRPr lang="en-US" dirty="0" smtClean="0">
-              <a:solidFill>
-                <a:srgbClr val="FF0000"/>
-              </a:solidFill>
-            </a:endParaRPr>
           </a:p>
         </p:txBody>
       </p:sp>
@@ -4785,11 +4768,6 @@
               </a:rPr>
               <a:t>ingly</a:t>
             </a:r>
-            <a:endParaRPr lang="en-US" dirty="0" smtClean="0">
-              <a:solidFill>
-                <a:srgbClr val="FF0000"/>
-              </a:solidFill>
-            </a:endParaRPr>
           </a:p>
         </p:txBody>
       </p:sp>
@@ -4986,7 +4964,6 @@
               <a:rPr lang="en-US" dirty="0" smtClean="0"/>
               <a:t>Excite</a:t>
             </a:r>
-            <a:endParaRPr lang="en-US" dirty="0" smtClean="0"/>
           </a:p>
         </p:txBody>
       </p:sp>
@@ -5170,6 +5147,403 @@
           </a:fontRef>
         </p:style>
       </p:cxnSp>
+      <p:sp>
+        <p:nvSpPr>
+          <p:cNvPr id="20" name="Content Placeholder 2"/>
+          <p:cNvSpPr txBox="1">
+            <a:spLocks/>
+          </p:cNvSpPr>
+          <p:nvPr/>
+        </p:nvSpPr>
+        <p:spPr>
+          <a:xfrm>
+            <a:off x="2179318" y="5754428"/>
+            <a:ext cx="3340332" cy="461530"/>
+          </a:xfrm>
+          <a:prstGeom prst="rect">
+            <a:avLst/>
+          </a:prstGeom>
+        </p:spPr>
+        <p:txBody>
+          <a:bodyPr vert="horz" lIns="91440" tIns="45720" rIns="91440" bIns="45720" rtlCol="0">
+            <a:noAutofit/>
+          </a:bodyPr>
+          <a:lstStyle>
+            <a:lvl1pPr marL="228600" indent="-228600" algn="l" defTabSz="914400" rtl="0" eaLnBrk="1" latinLnBrk="0" hangingPunct="1">
+              <a:lnSpc>
+                <a:spcPct val="90000"/>
+              </a:lnSpc>
+              <a:spcBef>
+                <a:spcPts val="1000"/>
+              </a:spcBef>
+              <a:buFont typeface="Arial" panose="020B0604020202020204" pitchFamily="34" charset="0"/>
+              <a:buChar char="•"/>
+              <a:defRPr sz="2800" kern="1200">
+                <a:solidFill>
+                  <a:schemeClr val="tx1"/>
+                </a:solidFill>
+                <a:latin typeface="+mn-lt"/>
+                <a:ea typeface="+mn-ea"/>
+                <a:cs typeface="+mn-cs"/>
+              </a:defRPr>
+            </a:lvl1pPr>
+            <a:lvl2pPr marL="685800" indent="-228600" algn="l" defTabSz="914400" rtl="0" eaLnBrk="1" latinLnBrk="0" hangingPunct="1">
+              <a:lnSpc>
+                <a:spcPct val="90000"/>
+              </a:lnSpc>
+              <a:spcBef>
+                <a:spcPts val="500"/>
+              </a:spcBef>
+              <a:buFont typeface="Arial" panose="020B0604020202020204" pitchFamily="34" charset="0"/>
+              <a:buChar char="•"/>
+              <a:defRPr sz="2400" kern="1200">
+                <a:solidFill>
+                  <a:schemeClr val="tx1"/>
+                </a:solidFill>
+                <a:latin typeface="+mn-lt"/>
+                <a:ea typeface="+mn-ea"/>
+                <a:cs typeface="+mn-cs"/>
+              </a:defRPr>
+            </a:lvl2pPr>
+            <a:lvl3pPr marL="1143000" indent="-228600" algn="l" defTabSz="914400" rtl="0" eaLnBrk="1" latinLnBrk="0" hangingPunct="1">
+              <a:lnSpc>
+                <a:spcPct val="90000"/>
+              </a:lnSpc>
+              <a:spcBef>
+                <a:spcPts val="500"/>
+              </a:spcBef>
+              <a:buFont typeface="Arial" panose="020B0604020202020204" pitchFamily="34" charset="0"/>
+              <a:buChar char="•"/>
+              <a:defRPr sz="2000" kern="1200">
+                <a:solidFill>
+                  <a:schemeClr val="tx1"/>
+                </a:solidFill>
+                <a:latin typeface="+mn-lt"/>
+                <a:ea typeface="+mn-ea"/>
+                <a:cs typeface="+mn-cs"/>
+              </a:defRPr>
+            </a:lvl3pPr>
+            <a:lvl4pPr marL="1600200" indent="-228600" algn="l" defTabSz="914400" rtl="0" eaLnBrk="1" latinLnBrk="0" hangingPunct="1">
+              <a:lnSpc>
+                <a:spcPct val="90000"/>
+              </a:lnSpc>
+              <a:spcBef>
+                <a:spcPts val="500"/>
+              </a:spcBef>
+              <a:buFont typeface="Arial" panose="020B0604020202020204" pitchFamily="34" charset="0"/>
+              <a:buChar char="•"/>
+              <a:defRPr sz="1800" kern="1200">
+                <a:solidFill>
+                  <a:schemeClr val="tx1"/>
+                </a:solidFill>
+                <a:latin typeface="+mn-lt"/>
+                <a:ea typeface="+mn-ea"/>
+                <a:cs typeface="+mn-cs"/>
+              </a:defRPr>
+            </a:lvl4pPr>
+            <a:lvl5pPr marL="2057400" indent="-228600" algn="l" defTabSz="914400" rtl="0" eaLnBrk="1" latinLnBrk="0" hangingPunct="1">
+              <a:lnSpc>
+                <a:spcPct val="90000"/>
+              </a:lnSpc>
+              <a:spcBef>
+                <a:spcPts val="500"/>
+              </a:spcBef>
+              <a:buFont typeface="Arial" panose="020B0604020202020204" pitchFamily="34" charset="0"/>
+              <a:buChar char="•"/>
+              <a:defRPr sz="1800" kern="1200">
+                <a:solidFill>
+                  <a:schemeClr val="tx1"/>
+                </a:solidFill>
+                <a:latin typeface="+mn-lt"/>
+                <a:ea typeface="+mn-ea"/>
+                <a:cs typeface="+mn-cs"/>
+              </a:defRPr>
+            </a:lvl5pPr>
+            <a:lvl6pPr marL="2514600" indent="-228600" algn="l" defTabSz="914400" rtl="0" eaLnBrk="1" latinLnBrk="0" hangingPunct="1">
+              <a:lnSpc>
+                <a:spcPct val="90000"/>
+              </a:lnSpc>
+              <a:spcBef>
+                <a:spcPts val="500"/>
+              </a:spcBef>
+              <a:buFont typeface="Arial" panose="020B0604020202020204" pitchFamily="34" charset="0"/>
+              <a:buChar char="•"/>
+              <a:defRPr sz="1800" kern="1200">
+                <a:solidFill>
+                  <a:schemeClr val="tx1"/>
+                </a:solidFill>
+                <a:latin typeface="+mn-lt"/>
+                <a:ea typeface="+mn-ea"/>
+                <a:cs typeface="+mn-cs"/>
+              </a:defRPr>
+            </a:lvl6pPr>
+            <a:lvl7pPr marL="2971800" indent="-228600" algn="l" defTabSz="914400" rtl="0" eaLnBrk="1" latinLnBrk="0" hangingPunct="1">
+              <a:lnSpc>
+                <a:spcPct val="90000"/>
+              </a:lnSpc>
+              <a:spcBef>
+                <a:spcPts val="500"/>
+              </a:spcBef>
+              <a:buFont typeface="Arial" panose="020B0604020202020204" pitchFamily="34" charset="0"/>
+              <a:buChar char="•"/>
+              <a:defRPr sz="1800" kern="1200">
+                <a:solidFill>
+                  <a:schemeClr val="tx1"/>
+                </a:solidFill>
+                <a:latin typeface="+mn-lt"/>
+                <a:ea typeface="+mn-ea"/>
+                <a:cs typeface="+mn-cs"/>
+              </a:defRPr>
+            </a:lvl7pPr>
+            <a:lvl8pPr marL="3429000" indent="-228600" algn="l" defTabSz="914400" rtl="0" eaLnBrk="1" latinLnBrk="0" hangingPunct="1">
+              <a:lnSpc>
+                <a:spcPct val="90000"/>
+              </a:lnSpc>
+              <a:spcBef>
+                <a:spcPts val="500"/>
+              </a:spcBef>
+              <a:buFont typeface="Arial" panose="020B0604020202020204" pitchFamily="34" charset="0"/>
+              <a:buChar char="•"/>
+              <a:defRPr sz="1800" kern="1200">
+                <a:solidFill>
+                  <a:schemeClr val="tx1"/>
+                </a:solidFill>
+                <a:latin typeface="+mn-lt"/>
+                <a:ea typeface="+mn-ea"/>
+                <a:cs typeface="+mn-cs"/>
+              </a:defRPr>
+            </a:lvl8pPr>
+            <a:lvl9pPr marL="3886200" indent="-228600" algn="l" defTabSz="914400" rtl="0" eaLnBrk="1" latinLnBrk="0" hangingPunct="1">
+              <a:lnSpc>
+                <a:spcPct val="90000"/>
+              </a:lnSpc>
+              <a:spcBef>
+                <a:spcPts val="500"/>
+              </a:spcBef>
+              <a:buFont typeface="Arial" panose="020B0604020202020204" pitchFamily="34" charset="0"/>
+              <a:buChar char="•"/>
+              <a:defRPr sz="1800" kern="1200">
+                <a:solidFill>
+                  <a:schemeClr val="tx1"/>
+                </a:solidFill>
+                <a:latin typeface="+mn-lt"/>
+                <a:ea typeface="+mn-ea"/>
+                <a:cs typeface="+mn-cs"/>
+              </a:defRPr>
+            </a:lvl9pPr>
+          </a:lstStyle>
+          <a:p>
+            <a:pPr marL="0" indent="0">
+              <a:buNone/>
+            </a:pPr>
+            <a:r>
+              <a:rPr lang="en-US" dirty="0" smtClean="0"/>
+              <a:t>Am/is/are/were/was</a:t>
+            </a:r>
+            <a:endParaRPr lang="en-US" dirty="0" smtClean="0">
+              <a:solidFill>
+                <a:srgbClr val="FF0000"/>
+              </a:solidFill>
+            </a:endParaRPr>
+          </a:p>
+        </p:txBody>
+      </p:sp>
+      <p:sp>
+        <p:nvSpPr>
+          <p:cNvPr id="21" name="Content Placeholder 2"/>
+          <p:cNvSpPr txBox="1">
+            <a:spLocks/>
+          </p:cNvSpPr>
+          <p:nvPr/>
+        </p:nvSpPr>
+        <p:spPr>
+          <a:xfrm>
+            <a:off x="7402484" y="5754428"/>
+            <a:ext cx="1095894" cy="524106"/>
+          </a:xfrm>
+          <a:prstGeom prst="rect">
+            <a:avLst/>
+          </a:prstGeom>
+        </p:spPr>
+        <p:txBody>
+          <a:bodyPr vert="horz" lIns="91440" tIns="45720" rIns="91440" bIns="45720" rtlCol="0">
+            <a:normAutofit/>
+          </a:bodyPr>
+          <a:lstStyle>
+            <a:lvl1pPr marL="228600" indent="-228600" algn="l" defTabSz="914400" rtl="0" eaLnBrk="1" latinLnBrk="0" hangingPunct="1">
+              <a:lnSpc>
+                <a:spcPct val="90000"/>
+              </a:lnSpc>
+              <a:spcBef>
+                <a:spcPts val="1000"/>
+              </a:spcBef>
+              <a:buFont typeface="Arial" panose="020B0604020202020204" pitchFamily="34" charset="0"/>
+              <a:buChar char="•"/>
+              <a:defRPr sz="2800" kern="1200">
+                <a:solidFill>
+                  <a:schemeClr val="tx1"/>
+                </a:solidFill>
+                <a:latin typeface="+mn-lt"/>
+                <a:ea typeface="+mn-ea"/>
+                <a:cs typeface="+mn-cs"/>
+              </a:defRPr>
+            </a:lvl1pPr>
+            <a:lvl2pPr marL="685800" indent="-228600" algn="l" defTabSz="914400" rtl="0" eaLnBrk="1" latinLnBrk="0" hangingPunct="1">
+              <a:lnSpc>
+                <a:spcPct val="90000"/>
+              </a:lnSpc>
+              <a:spcBef>
+                <a:spcPts val="500"/>
+              </a:spcBef>
+              <a:buFont typeface="Arial" panose="020B0604020202020204" pitchFamily="34" charset="0"/>
+              <a:buChar char="•"/>
+              <a:defRPr sz="2400" kern="1200">
+                <a:solidFill>
+                  <a:schemeClr val="tx1"/>
+                </a:solidFill>
+                <a:latin typeface="+mn-lt"/>
+                <a:ea typeface="+mn-ea"/>
+                <a:cs typeface="+mn-cs"/>
+              </a:defRPr>
+            </a:lvl2pPr>
+            <a:lvl3pPr marL="1143000" indent="-228600" algn="l" defTabSz="914400" rtl="0" eaLnBrk="1" latinLnBrk="0" hangingPunct="1">
+              <a:lnSpc>
+                <a:spcPct val="90000"/>
+              </a:lnSpc>
+              <a:spcBef>
+                <a:spcPts val="500"/>
+              </a:spcBef>
+              <a:buFont typeface="Arial" panose="020B0604020202020204" pitchFamily="34" charset="0"/>
+              <a:buChar char="•"/>
+              <a:defRPr sz="2000" kern="1200">
+                <a:solidFill>
+                  <a:schemeClr val="tx1"/>
+                </a:solidFill>
+                <a:latin typeface="+mn-lt"/>
+                <a:ea typeface="+mn-ea"/>
+                <a:cs typeface="+mn-cs"/>
+              </a:defRPr>
+            </a:lvl3pPr>
+            <a:lvl4pPr marL="1600200" indent="-228600" algn="l" defTabSz="914400" rtl="0" eaLnBrk="1" latinLnBrk="0" hangingPunct="1">
+              <a:lnSpc>
+                <a:spcPct val="90000"/>
+              </a:lnSpc>
+              <a:spcBef>
+                <a:spcPts val="500"/>
+              </a:spcBef>
+              <a:buFont typeface="Arial" panose="020B0604020202020204" pitchFamily="34" charset="0"/>
+              <a:buChar char="•"/>
+              <a:defRPr sz="1800" kern="1200">
+                <a:solidFill>
+                  <a:schemeClr val="tx1"/>
+                </a:solidFill>
+                <a:latin typeface="+mn-lt"/>
+                <a:ea typeface="+mn-ea"/>
+                <a:cs typeface="+mn-cs"/>
+              </a:defRPr>
+            </a:lvl4pPr>
+            <a:lvl5pPr marL="2057400" indent="-228600" algn="l" defTabSz="914400" rtl="0" eaLnBrk="1" latinLnBrk="0" hangingPunct="1">
+              <a:lnSpc>
+                <a:spcPct val="90000"/>
+              </a:lnSpc>
+              <a:spcBef>
+                <a:spcPts val="500"/>
+              </a:spcBef>
+              <a:buFont typeface="Arial" panose="020B0604020202020204" pitchFamily="34" charset="0"/>
+              <a:buChar char="•"/>
+              <a:defRPr sz="1800" kern="1200">
+                <a:solidFill>
+                  <a:schemeClr val="tx1"/>
+                </a:solidFill>
+                <a:latin typeface="+mn-lt"/>
+                <a:ea typeface="+mn-ea"/>
+                <a:cs typeface="+mn-cs"/>
+              </a:defRPr>
+            </a:lvl5pPr>
+            <a:lvl6pPr marL="2514600" indent="-228600" algn="l" defTabSz="914400" rtl="0" eaLnBrk="1" latinLnBrk="0" hangingPunct="1">
+              <a:lnSpc>
+                <a:spcPct val="90000"/>
+              </a:lnSpc>
+              <a:spcBef>
+                <a:spcPts val="500"/>
+              </a:spcBef>
+              <a:buFont typeface="Arial" panose="020B0604020202020204" pitchFamily="34" charset="0"/>
+              <a:buChar char="•"/>
+              <a:defRPr sz="1800" kern="1200">
+                <a:solidFill>
+                  <a:schemeClr val="tx1"/>
+                </a:solidFill>
+                <a:latin typeface="+mn-lt"/>
+                <a:ea typeface="+mn-ea"/>
+                <a:cs typeface="+mn-cs"/>
+              </a:defRPr>
+            </a:lvl6pPr>
+            <a:lvl7pPr marL="2971800" indent="-228600" algn="l" defTabSz="914400" rtl="0" eaLnBrk="1" latinLnBrk="0" hangingPunct="1">
+              <a:lnSpc>
+                <a:spcPct val="90000"/>
+              </a:lnSpc>
+              <a:spcBef>
+                <a:spcPts val="500"/>
+              </a:spcBef>
+              <a:buFont typeface="Arial" panose="020B0604020202020204" pitchFamily="34" charset="0"/>
+              <a:buChar char="•"/>
+              <a:defRPr sz="1800" kern="1200">
+                <a:solidFill>
+                  <a:schemeClr val="tx1"/>
+                </a:solidFill>
+                <a:latin typeface="+mn-lt"/>
+                <a:ea typeface="+mn-ea"/>
+                <a:cs typeface="+mn-cs"/>
+              </a:defRPr>
+            </a:lvl7pPr>
+            <a:lvl8pPr marL="3429000" indent="-228600" algn="l" defTabSz="914400" rtl="0" eaLnBrk="1" latinLnBrk="0" hangingPunct="1">
+              <a:lnSpc>
+                <a:spcPct val="90000"/>
+              </a:lnSpc>
+              <a:spcBef>
+                <a:spcPts val="500"/>
+              </a:spcBef>
+              <a:buFont typeface="Arial" panose="020B0604020202020204" pitchFamily="34" charset="0"/>
+              <a:buChar char="•"/>
+              <a:defRPr sz="1800" kern="1200">
+                <a:solidFill>
+                  <a:schemeClr val="tx1"/>
+                </a:solidFill>
+                <a:latin typeface="+mn-lt"/>
+                <a:ea typeface="+mn-ea"/>
+                <a:cs typeface="+mn-cs"/>
+              </a:defRPr>
+            </a:lvl8pPr>
+            <a:lvl9pPr marL="3886200" indent="-228600" algn="l" defTabSz="914400" rtl="0" eaLnBrk="1" latinLnBrk="0" hangingPunct="1">
+              <a:lnSpc>
+                <a:spcPct val="90000"/>
+              </a:lnSpc>
+              <a:spcBef>
+                <a:spcPts val="500"/>
+              </a:spcBef>
+              <a:buFont typeface="Arial" panose="020B0604020202020204" pitchFamily="34" charset="0"/>
+              <a:buChar char="•"/>
+              <a:defRPr sz="1800" kern="1200">
+                <a:solidFill>
+                  <a:schemeClr val="tx1"/>
+                </a:solidFill>
+                <a:latin typeface="+mn-lt"/>
+                <a:ea typeface="+mn-ea"/>
+                <a:cs typeface="+mn-cs"/>
+              </a:defRPr>
+            </a:lvl9pPr>
+          </a:lstStyle>
+          <a:p>
+            <a:pPr marL="0" indent="0">
+              <a:buNone/>
+            </a:pPr>
+            <a:r>
+              <a:rPr lang="en-US" dirty="0" smtClean="0"/>
+              <a:t>be</a:t>
+            </a:r>
+          </a:p>
+        </p:txBody>
+      </p:sp>
     </p:spTree>
     <p:extLst>
       <p:ext uri="{BB962C8B-B14F-4D97-AF65-F5344CB8AC3E}">

--- a/encoder_decoder.pptx
+++ b/encoder_decoder.pptx
@@ -18,6 +18,8 @@
     <p:sldId id="272" r:id="rId12"/>
     <p:sldId id="264" r:id="rId13"/>
     <p:sldId id="273" r:id="rId14"/>
+    <p:sldId id="274" r:id="rId15"/>
+    <p:sldId id="275" r:id="rId16"/>
   </p:sldIdLst>
   <p:sldSz cx="12192000" cy="6858000"/>
   <p:notesSz cx="6858000" cy="9144000"/>
@@ -5561,6 +5563,9373 @@
       </p:par>
     </p:tnLst>
   </p:timing>
+</p:sld>
+</file>
+
+<file path=ppt/slides/slide14.xml><?xml version="1.0" encoding="utf-8"?>
+<p:sld xmlns:a="http://schemas.openxmlformats.org/drawingml/2006/main" xmlns:r="http://schemas.openxmlformats.org/officeDocument/2006/relationships" xmlns:p="http://schemas.openxmlformats.org/presentationml/2006/main">
+  <p:cSld>
+    <p:spTree>
+      <p:nvGrpSpPr>
+        <p:cNvPr id="1" name=""/>
+        <p:cNvGrpSpPr/>
+        <p:nvPr/>
+      </p:nvGrpSpPr>
+      <p:grpSpPr>
+        <a:xfrm>
+          <a:off x="0" y="0"/>
+          <a:ext cx="0" cy="0"/>
+          <a:chOff x="0" y="0"/>
+          <a:chExt cx="0" cy="0"/>
+        </a:xfrm>
+      </p:grpSpPr>
+      <p:sp>
+        <p:nvSpPr>
+          <p:cNvPr id="2" name="Title 1"/>
+          <p:cNvSpPr>
+            <a:spLocks noGrp="1"/>
+          </p:cNvSpPr>
+          <p:nvPr>
+            <p:ph type="title"/>
+          </p:nvPr>
+        </p:nvSpPr>
+        <p:spPr/>
+        <p:txBody>
+          <a:bodyPr/>
+          <a:lstStyle/>
+          <a:p>
+            <a:r>
+              <a:rPr lang="en-US" dirty="0" smtClean="0"/>
+              <a:t>1.6 Greedy search</a:t>
+            </a:r>
+            <a:endParaRPr lang="en-US" dirty="0"/>
+          </a:p>
+        </p:txBody>
+      </p:sp>
+      <p:sp>
+        <p:nvSpPr>
+          <p:cNvPr id="4" name="Content Placeholder 2"/>
+          <p:cNvSpPr>
+            <a:spLocks noGrp="1"/>
+          </p:cNvSpPr>
+          <p:nvPr>
+            <p:ph idx="1"/>
+          </p:nvPr>
+        </p:nvSpPr>
+        <p:spPr>
+          <a:xfrm>
+            <a:off x="2159923" y="2075006"/>
+            <a:ext cx="1298172" cy="493626"/>
+          </a:xfrm>
+        </p:spPr>
+        <p:txBody>
+          <a:bodyPr/>
+          <a:lstStyle/>
+          <a:p>
+            <a:pPr marL="0" indent="0">
+              <a:buNone/>
+            </a:pPr>
+            <a:r>
+              <a:rPr lang="en-US" dirty="0" smtClean="0"/>
+              <a:t>I</a:t>
+            </a:r>
+            <a:endParaRPr lang="en-US" dirty="0"/>
+          </a:p>
+        </p:txBody>
+      </p:sp>
+      <p:sp>
+        <p:nvSpPr>
+          <p:cNvPr id="5" name="Content Placeholder 2"/>
+          <p:cNvSpPr txBox="1">
+            <a:spLocks/>
+          </p:cNvSpPr>
+          <p:nvPr/>
+        </p:nvSpPr>
+        <p:spPr>
+          <a:xfrm>
+            <a:off x="2159923" y="3326375"/>
+            <a:ext cx="1298172" cy="493626"/>
+          </a:xfrm>
+          <a:prstGeom prst="rect">
+            <a:avLst/>
+          </a:prstGeom>
+        </p:spPr>
+        <p:txBody>
+          <a:bodyPr vert="horz" lIns="91440" tIns="45720" rIns="91440" bIns="45720" rtlCol="0">
+            <a:normAutofit/>
+          </a:bodyPr>
+          <a:lstStyle>
+            <a:lvl1pPr marL="228600" indent="-228600" algn="l" defTabSz="914400" rtl="0" eaLnBrk="1" latinLnBrk="0" hangingPunct="1">
+              <a:lnSpc>
+                <a:spcPct val="90000"/>
+              </a:lnSpc>
+              <a:spcBef>
+                <a:spcPts val="1000"/>
+              </a:spcBef>
+              <a:buFont typeface="Arial" panose="020B0604020202020204" pitchFamily="34" charset="0"/>
+              <a:buChar char="•"/>
+              <a:defRPr sz="2800" kern="1200">
+                <a:solidFill>
+                  <a:schemeClr val="tx1"/>
+                </a:solidFill>
+                <a:latin typeface="+mn-lt"/>
+                <a:ea typeface="+mn-ea"/>
+                <a:cs typeface="+mn-cs"/>
+              </a:defRPr>
+            </a:lvl1pPr>
+            <a:lvl2pPr marL="685800" indent="-228600" algn="l" defTabSz="914400" rtl="0" eaLnBrk="1" latinLnBrk="0" hangingPunct="1">
+              <a:lnSpc>
+                <a:spcPct val="90000"/>
+              </a:lnSpc>
+              <a:spcBef>
+                <a:spcPts val="500"/>
+              </a:spcBef>
+              <a:buFont typeface="Arial" panose="020B0604020202020204" pitchFamily="34" charset="0"/>
+              <a:buChar char="•"/>
+              <a:defRPr sz="2400" kern="1200">
+                <a:solidFill>
+                  <a:schemeClr val="tx1"/>
+                </a:solidFill>
+                <a:latin typeface="+mn-lt"/>
+                <a:ea typeface="+mn-ea"/>
+                <a:cs typeface="+mn-cs"/>
+              </a:defRPr>
+            </a:lvl2pPr>
+            <a:lvl3pPr marL="1143000" indent="-228600" algn="l" defTabSz="914400" rtl="0" eaLnBrk="1" latinLnBrk="0" hangingPunct="1">
+              <a:lnSpc>
+                <a:spcPct val="90000"/>
+              </a:lnSpc>
+              <a:spcBef>
+                <a:spcPts val="500"/>
+              </a:spcBef>
+              <a:buFont typeface="Arial" panose="020B0604020202020204" pitchFamily="34" charset="0"/>
+              <a:buChar char="•"/>
+              <a:defRPr sz="2000" kern="1200">
+                <a:solidFill>
+                  <a:schemeClr val="tx1"/>
+                </a:solidFill>
+                <a:latin typeface="+mn-lt"/>
+                <a:ea typeface="+mn-ea"/>
+                <a:cs typeface="+mn-cs"/>
+              </a:defRPr>
+            </a:lvl3pPr>
+            <a:lvl4pPr marL="1600200" indent="-228600" algn="l" defTabSz="914400" rtl="0" eaLnBrk="1" latinLnBrk="0" hangingPunct="1">
+              <a:lnSpc>
+                <a:spcPct val="90000"/>
+              </a:lnSpc>
+              <a:spcBef>
+                <a:spcPts val="500"/>
+              </a:spcBef>
+              <a:buFont typeface="Arial" panose="020B0604020202020204" pitchFamily="34" charset="0"/>
+              <a:buChar char="•"/>
+              <a:defRPr sz="1800" kern="1200">
+                <a:solidFill>
+                  <a:schemeClr val="tx1"/>
+                </a:solidFill>
+                <a:latin typeface="+mn-lt"/>
+                <a:ea typeface="+mn-ea"/>
+                <a:cs typeface="+mn-cs"/>
+              </a:defRPr>
+            </a:lvl4pPr>
+            <a:lvl5pPr marL="2057400" indent="-228600" algn="l" defTabSz="914400" rtl="0" eaLnBrk="1" latinLnBrk="0" hangingPunct="1">
+              <a:lnSpc>
+                <a:spcPct val="90000"/>
+              </a:lnSpc>
+              <a:spcBef>
+                <a:spcPts val="500"/>
+              </a:spcBef>
+              <a:buFont typeface="Arial" panose="020B0604020202020204" pitchFamily="34" charset="0"/>
+              <a:buChar char="•"/>
+              <a:defRPr sz="1800" kern="1200">
+                <a:solidFill>
+                  <a:schemeClr val="tx1"/>
+                </a:solidFill>
+                <a:latin typeface="+mn-lt"/>
+                <a:ea typeface="+mn-ea"/>
+                <a:cs typeface="+mn-cs"/>
+              </a:defRPr>
+            </a:lvl5pPr>
+            <a:lvl6pPr marL="2514600" indent="-228600" algn="l" defTabSz="914400" rtl="0" eaLnBrk="1" latinLnBrk="0" hangingPunct="1">
+              <a:lnSpc>
+                <a:spcPct val="90000"/>
+              </a:lnSpc>
+              <a:spcBef>
+                <a:spcPts val="500"/>
+              </a:spcBef>
+              <a:buFont typeface="Arial" panose="020B0604020202020204" pitchFamily="34" charset="0"/>
+              <a:buChar char="•"/>
+              <a:defRPr sz="1800" kern="1200">
+                <a:solidFill>
+                  <a:schemeClr val="tx1"/>
+                </a:solidFill>
+                <a:latin typeface="+mn-lt"/>
+                <a:ea typeface="+mn-ea"/>
+                <a:cs typeface="+mn-cs"/>
+              </a:defRPr>
+            </a:lvl6pPr>
+            <a:lvl7pPr marL="2971800" indent="-228600" algn="l" defTabSz="914400" rtl="0" eaLnBrk="1" latinLnBrk="0" hangingPunct="1">
+              <a:lnSpc>
+                <a:spcPct val="90000"/>
+              </a:lnSpc>
+              <a:spcBef>
+                <a:spcPts val="500"/>
+              </a:spcBef>
+              <a:buFont typeface="Arial" panose="020B0604020202020204" pitchFamily="34" charset="0"/>
+              <a:buChar char="•"/>
+              <a:defRPr sz="1800" kern="1200">
+                <a:solidFill>
+                  <a:schemeClr val="tx1"/>
+                </a:solidFill>
+                <a:latin typeface="+mn-lt"/>
+                <a:ea typeface="+mn-ea"/>
+                <a:cs typeface="+mn-cs"/>
+              </a:defRPr>
+            </a:lvl7pPr>
+            <a:lvl8pPr marL="3429000" indent="-228600" algn="l" defTabSz="914400" rtl="0" eaLnBrk="1" latinLnBrk="0" hangingPunct="1">
+              <a:lnSpc>
+                <a:spcPct val="90000"/>
+              </a:lnSpc>
+              <a:spcBef>
+                <a:spcPts val="500"/>
+              </a:spcBef>
+              <a:buFont typeface="Arial" panose="020B0604020202020204" pitchFamily="34" charset="0"/>
+              <a:buChar char="•"/>
+              <a:defRPr sz="1800" kern="1200">
+                <a:solidFill>
+                  <a:schemeClr val="tx1"/>
+                </a:solidFill>
+                <a:latin typeface="+mn-lt"/>
+                <a:ea typeface="+mn-ea"/>
+                <a:cs typeface="+mn-cs"/>
+              </a:defRPr>
+            </a:lvl8pPr>
+            <a:lvl9pPr marL="3886200" indent="-228600" algn="l" defTabSz="914400" rtl="0" eaLnBrk="1" latinLnBrk="0" hangingPunct="1">
+              <a:lnSpc>
+                <a:spcPct val="90000"/>
+              </a:lnSpc>
+              <a:spcBef>
+                <a:spcPts val="500"/>
+              </a:spcBef>
+              <a:buFont typeface="Arial" panose="020B0604020202020204" pitchFamily="34" charset="0"/>
+              <a:buChar char="•"/>
+              <a:defRPr sz="1800" kern="1200">
+                <a:solidFill>
+                  <a:schemeClr val="tx1"/>
+                </a:solidFill>
+                <a:latin typeface="+mn-lt"/>
+                <a:ea typeface="+mn-ea"/>
+                <a:cs typeface="+mn-cs"/>
+              </a:defRPr>
+            </a:lvl9pPr>
+          </a:lstStyle>
+          <a:p>
+            <a:pPr marL="0" indent="0">
+              <a:buFont typeface="Arial" panose="020B0604020202020204" pitchFamily="34" charset="0"/>
+              <a:buNone/>
+            </a:pPr>
+            <a:r>
+              <a:rPr lang="en-US" dirty="0" smtClean="0"/>
+              <a:t>love</a:t>
+            </a:r>
+            <a:endParaRPr lang="en-US" dirty="0"/>
+          </a:p>
+        </p:txBody>
+      </p:sp>
+      <p:sp>
+        <p:nvSpPr>
+          <p:cNvPr id="6" name="Content Placeholder 2"/>
+          <p:cNvSpPr txBox="1">
+            <a:spLocks/>
+          </p:cNvSpPr>
+          <p:nvPr/>
+        </p:nvSpPr>
+        <p:spPr>
+          <a:xfrm>
+            <a:off x="2159923" y="4577744"/>
+            <a:ext cx="1298172" cy="493626"/>
+          </a:xfrm>
+          <a:prstGeom prst="rect">
+            <a:avLst/>
+          </a:prstGeom>
+        </p:spPr>
+        <p:txBody>
+          <a:bodyPr vert="horz" lIns="91440" tIns="45720" rIns="91440" bIns="45720" rtlCol="0">
+            <a:normAutofit/>
+          </a:bodyPr>
+          <a:lstStyle>
+            <a:lvl1pPr marL="228600" indent="-228600" algn="l" defTabSz="914400" rtl="0" eaLnBrk="1" latinLnBrk="0" hangingPunct="1">
+              <a:lnSpc>
+                <a:spcPct val="90000"/>
+              </a:lnSpc>
+              <a:spcBef>
+                <a:spcPts val="1000"/>
+              </a:spcBef>
+              <a:buFont typeface="Arial" panose="020B0604020202020204" pitchFamily="34" charset="0"/>
+              <a:buChar char="•"/>
+              <a:defRPr sz="2800" kern="1200">
+                <a:solidFill>
+                  <a:schemeClr val="tx1"/>
+                </a:solidFill>
+                <a:latin typeface="+mn-lt"/>
+                <a:ea typeface="+mn-ea"/>
+                <a:cs typeface="+mn-cs"/>
+              </a:defRPr>
+            </a:lvl1pPr>
+            <a:lvl2pPr marL="685800" indent="-228600" algn="l" defTabSz="914400" rtl="0" eaLnBrk="1" latinLnBrk="0" hangingPunct="1">
+              <a:lnSpc>
+                <a:spcPct val="90000"/>
+              </a:lnSpc>
+              <a:spcBef>
+                <a:spcPts val="500"/>
+              </a:spcBef>
+              <a:buFont typeface="Arial" panose="020B0604020202020204" pitchFamily="34" charset="0"/>
+              <a:buChar char="•"/>
+              <a:defRPr sz="2400" kern="1200">
+                <a:solidFill>
+                  <a:schemeClr val="tx1"/>
+                </a:solidFill>
+                <a:latin typeface="+mn-lt"/>
+                <a:ea typeface="+mn-ea"/>
+                <a:cs typeface="+mn-cs"/>
+              </a:defRPr>
+            </a:lvl2pPr>
+            <a:lvl3pPr marL="1143000" indent="-228600" algn="l" defTabSz="914400" rtl="0" eaLnBrk="1" latinLnBrk="0" hangingPunct="1">
+              <a:lnSpc>
+                <a:spcPct val="90000"/>
+              </a:lnSpc>
+              <a:spcBef>
+                <a:spcPts val="500"/>
+              </a:spcBef>
+              <a:buFont typeface="Arial" panose="020B0604020202020204" pitchFamily="34" charset="0"/>
+              <a:buChar char="•"/>
+              <a:defRPr sz="2000" kern="1200">
+                <a:solidFill>
+                  <a:schemeClr val="tx1"/>
+                </a:solidFill>
+                <a:latin typeface="+mn-lt"/>
+                <a:ea typeface="+mn-ea"/>
+                <a:cs typeface="+mn-cs"/>
+              </a:defRPr>
+            </a:lvl3pPr>
+            <a:lvl4pPr marL="1600200" indent="-228600" algn="l" defTabSz="914400" rtl="0" eaLnBrk="1" latinLnBrk="0" hangingPunct="1">
+              <a:lnSpc>
+                <a:spcPct val="90000"/>
+              </a:lnSpc>
+              <a:spcBef>
+                <a:spcPts val="500"/>
+              </a:spcBef>
+              <a:buFont typeface="Arial" panose="020B0604020202020204" pitchFamily="34" charset="0"/>
+              <a:buChar char="•"/>
+              <a:defRPr sz="1800" kern="1200">
+                <a:solidFill>
+                  <a:schemeClr val="tx1"/>
+                </a:solidFill>
+                <a:latin typeface="+mn-lt"/>
+                <a:ea typeface="+mn-ea"/>
+                <a:cs typeface="+mn-cs"/>
+              </a:defRPr>
+            </a:lvl4pPr>
+            <a:lvl5pPr marL="2057400" indent="-228600" algn="l" defTabSz="914400" rtl="0" eaLnBrk="1" latinLnBrk="0" hangingPunct="1">
+              <a:lnSpc>
+                <a:spcPct val="90000"/>
+              </a:lnSpc>
+              <a:spcBef>
+                <a:spcPts val="500"/>
+              </a:spcBef>
+              <a:buFont typeface="Arial" panose="020B0604020202020204" pitchFamily="34" charset="0"/>
+              <a:buChar char="•"/>
+              <a:defRPr sz="1800" kern="1200">
+                <a:solidFill>
+                  <a:schemeClr val="tx1"/>
+                </a:solidFill>
+                <a:latin typeface="+mn-lt"/>
+                <a:ea typeface="+mn-ea"/>
+                <a:cs typeface="+mn-cs"/>
+              </a:defRPr>
+            </a:lvl5pPr>
+            <a:lvl6pPr marL="2514600" indent="-228600" algn="l" defTabSz="914400" rtl="0" eaLnBrk="1" latinLnBrk="0" hangingPunct="1">
+              <a:lnSpc>
+                <a:spcPct val="90000"/>
+              </a:lnSpc>
+              <a:spcBef>
+                <a:spcPts val="500"/>
+              </a:spcBef>
+              <a:buFont typeface="Arial" panose="020B0604020202020204" pitchFamily="34" charset="0"/>
+              <a:buChar char="•"/>
+              <a:defRPr sz="1800" kern="1200">
+                <a:solidFill>
+                  <a:schemeClr val="tx1"/>
+                </a:solidFill>
+                <a:latin typeface="+mn-lt"/>
+                <a:ea typeface="+mn-ea"/>
+                <a:cs typeface="+mn-cs"/>
+              </a:defRPr>
+            </a:lvl6pPr>
+            <a:lvl7pPr marL="2971800" indent="-228600" algn="l" defTabSz="914400" rtl="0" eaLnBrk="1" latinLnBrk="0" hangingPunct="1">
+              <a:lnSpc>
+                <a:spcPct val="90000"/>
+              </a:lnSpc>
+              <a:spcBef>
+                <a:spcPts val="500"/>
+              </a:spcBef>
+              <a:buFont typeface="Arial" panose="020B0604020202020204" pitchFamily="34" charset="0"/>
+              <a:buChar char="•"/>
+              <a:defRPr sz="1800" kern="1200">
+                <a:solidFill>
+                  <a:schemeClr val="tx1"/>
+                </a:solidFill>
+                <a:latin typeface="+mn-lt"/>
+                <a:ea typeface="+mn-ea"/>
+                <a:cs typeface="+mn-cs"/>
+              </a:defRPr>
+            </a:lvl7pPr>
+            <a:lvl8pPr marL="3429000" indent="-228600" algn="l" defTabSz="914400" rtl="0" eaLnBrk="1" latinLnBrk="0" hangingPunct="1">
+              <a:lnSpc>
+                <a:spcPct val="90000"/>
+              </a:lnSpc>
+              <a:spcBef>
+                <a:spcPts val="500"/>
+              </a:spcBef>
+              <a:buFont typeface="Arial" panose="020B0604020202020204" pitchFamily="34" charset="0"/>
+              <a:buChar char="•"/>
+              <a:defRPr sz="1800" kern="1200">
+                <a:solidFill>
+                  <a:schemeClr val="tx1"/>
+                </a:solidFill>
+                <a:latin typeface="+mn-lt"/>
+                <a:ea typeface="+mn-ea"/>
+                <a:cs typeface="+mn-cs"/>
+              </a:defRPr>
+            </a:lvl8pPr>
+            <a:lvl9pPr marL="3886200" indent="-228600" algn="l" defTabSz="914400" rtl="0" eaLnBrk="1" latinLnBrk="0" hangingPunct="1">
+              <a:lnSpc>
+                <a:spcPct val="90000"/>
+              </a:lnSpc>
+              <a:spcBef>
+                <a:spcPts val="500"/>
+              </a:spcBef>
+              <a:buFont typeface="Arial" panose="020B0604020202020204" pitchFamily="34" charset="0"/>
+              <a:buChar char="•"/>
+              <a:defRPr sz="1800" kern="1200">
+                <a:solidFill>
+                  <a:schemeClr val="tx1"/>
+                </a:solidFill>
+                <a:latin typeface="+mn-lt"/>
+                <a:ea typeface="+mn-ea"/>
+                <a:cs typeface="+mn-cs"/>
+              </a:defRPr>
+            </a:lvl9pPr>
+          </a:lstStyle>
+          <a:p>
+            <a:pPr marL="0" indent="0">
+              <a:buFont typeface="Arial" panose="020B0604020202020204" pitchFamily="34" charset="0"/>
+              <a:buNone/>
+            </a:pPr>
+            <a:r>
+              <a:rPr lang="en-US" dirty="0" smtClean="0"/>
+              <a:t>eating</a:t>
+            </a:r>
+            <a:endParaRPr lang="en-US" dirty="0"/>
+          </a:p>
+        </p:txBody>
+      </p:sp>
+      <p:sp>
+        <p:nvSpPr>
+          <p:cNvPr id="7" name="Content Placeholder 2"/>
+          <p:cNvSpPr txBox="1">
+            <a:spLocks/>
+          </p:cNvSpPr>
+          <p:nvPr/>
+        </p:nvSpPr>
+        <p:spPr>
+          <a:xfrm>
+            <a:off x="2159923" y="5318183"/>
+            <a:ext cx="1298172" cy="493626"/>
+          </a:xfrm>
+          <a:prstGeom prst="rect">
+            <a:avLst/>
+          </a:prstGeom>
+        </p:spPr>
+        <p:txBody>
+          <a:bodyPr vert="horz" lIns="91440" tIns="45720" rIns="91440" bIns="45720" rtlCol="0">
+            <a:normAutofit/>
+          </a:bodyPr>
+          <a:lstStyle>
+            <a:lvl1pPr marL="228600" indent="-228600" algn="l" defTabSz="914400" rtl="0" eaLnBrk="1" latinLnBrk="0" hangingPunct="1">
+              <a:lnSpc>
+                <a:spcPct val="90000"/>
+              </a:lnSpc>
+              <a:spcBef>
+                <a:spcPts val="1000"/>
+              </a:spcBef>
+              <a:buFont typeface="Arial" panose="020B0604020202020204" pitchFamily="34" charset="0"/>
+              <a:buChar char="•"/>
+              <a:defRPr sz="2800" kern="1200">
+                <a:solidFill>
+                  <a:schemeClr val="tx1"/>
+                </a:solidFill>
+                <a:latin typeface="+mn-lt"/>
+                <a:ea typeface="+mn-ea"/>
+                <a:cs typeface="+mn-cs"/>
+              </a:defRPr>
+            </a:lvl1pPr>
+            <a:lvl2pPr marL="685800" indent="-228600" algn="l" defTabSz="914400" rtl="0" eaLnBrk="1" latinLnBrk="0" hangingPunct="1">
+              <a:lnSpc>
+                <a:spcPct val="90000"/>
+              </a:lnSpc>
+              <a:spcBef>
+                <a:spcPts val="500"/>
+              </a:spcBef>
+              <a:buFont typeface="Arial" panose="020B0604020202020204" pitchFamily="34" charset="0"/>
+              <a:buChar char="•"/>
+              <a:defRPr sz="2400" kern="1200">
+                <a:solidFill>
+                  <a:schemeClr val="tx1"/>
+                </a:solidFill>
+                <a:latin typeface="+mn-lt"/>
+                <a:ea typeface="+mn-ea"/>
+                <a:cs typeface="+mn-cs"/>
+              </a:defRPr>
+            </a:lvl2pPr>
+            <a:lvl3pPr marL="1143000" indent="-228600" algn="l" defTabSz="914400" rtl="0" eaLnBrk="1" latinLnBrk="0" hangingPunct="1">
+              <a:lnSpc>
+                <a:spcPct val="90000"/>
+              </a:lnSpc>
+              <a:spcBef>
+                <a:spcPts val="500"/>
+              </a:spcBef>
+              <a:buFont typeface="Arial" panose="020B0604020202020204" pitchFamily="34" charset="0"/>
+              <a:buChar char="•"/>
+              <a:defRPr sz="2000" kern="1200">
+                <a:solidFill>
+                  <a:schemeClr val="tx1"/>
+                </a:solidFill>
+                <a:latin typeface="+mn-lt"/>
+                <a:ea typeface="+mn-ea"/>
+                <a:cs typeface="+mn-cs"/>
+              </a:defRPr>
+            </a:lvl3pPr>
+            <a:lvl4pPr marL="1600200" indent="-228600" algn="l" defTabSz="914400" rtl="0" eaLnBrk="1" latinLnBrk="0" hangingPunct="1">
+              <a:lnSpc>
+                <a:spcPct val="90000"/>
+              </a:lnSpc>
+              <a:spcBef>
+                <a:spcPts val="500"/>
+              </a:spcBef>
+              <a:buFont typeface="Arial" panose="020B0604020202020204" pitchFamily="34" charset="0"/>
+              <a:buChar char="•"/>
+              <a:defRPr sz="1800" kern="1200">
+                <a:solidFill>
+                  <a:schemeClr val="tx1"/>
+                </a:solidFill>
+                <a:latin typeface="+mn-lt"/>
+                <a:ea typeface="+mn-ea"/>
+                <a:cs typeface="+mn-cs"/>
+              </a:defRPr>
+            </a:lvl4pPr>
+            <a:lvl5pPr marL="2057400" indent="-228600" algn="l" defTabSz="914400" rtl="0" eaLnBrk="1" latinLnBrk="0" hangingPunct="1">
+              <a:lnSpc>
+                <a:spcPct val="90000"/>
+              </a:lnSpc>
+              <a:spcBef>
+                <a:spcPts val="500"/>
+              </a:spcBef>
+              <a:buFont typeface="Arial" panose="020B0604020202020204" pitchFamily="34" charset="0"/>
+              <a:buChar char="•"/>
+              <a:defRPr sz="1800" kern="1200">
+                <a:solidFill>
+                  <a:schemeClr val="tx1"/>
+                </a:solidFill>
+                <a:latin typeface="+mn-lt"/>
+                <a:ea typeface="+mn-ea"/>
+                <a:cs typeface="+mn-cs"/>
+              </a:defRPr>
+            </a:lvl5pPr>
+            <a:lvl6pPr marL="2514600" indent="-228600" algn="l" defTabSz="914400" rtl="0" eaLnBrk="1" latinLnBrk="0" hangingPunct="1">
+              <a:lnSpc>
+                <a:spcPct val="90000"/>
+              </a:lnSpc>
+              <a:spcBef>
+                <a:spcPts val="500"/>
+              </a:spcBef>
+              <a:buFont typeface="Arial" panose="020B0604020202020204" pitchFamily="34" charset="0"/>
+              <a:buChar char="•"/>
+              <a:defRPr sz="1800" kern="1200">
+                <a:solidFill>
+                  <a:schemeClr val="tx1"/>
+                </a:solidFill>
+                <a:latin typeface="+mn-lt"/>
+                <a:ea typeface="+mn-ea"/>
+                <a:cs typeface="+mn-cs"/>
+              </a:defRPr>
+            </a:lvl6pPr>
+            <a:lvl7pPr marL="2971800" indent="-228600" algn="l" defTabSz="914400" rtl="0" eaLnBrk="1" latinLnBrk="0" hangingPunct="1">
+              <a:lnSpc>
+                <a:spcPct val="90000"/>
+              </a:lnSpc>
+              <a:spcBef>
+                <a:spcPts val="500"/>
+              </a:spcBef>
+              <a:buFont typeface="Arial" panose="020B0604020202020204" pitchFamily="34" charset="0"/>
+              <a:buChar char="•"/>
+              <a:defRPr sz="1800" kern="1200">
+                <a:solidFill>
+                  <a:schemeClr val="tx1"/>
+                </a:solidFill>
+                <a:latin typeface="+mn-lt"/>
+                <a:ea typeface="+mn-ea"/>
+                <a:cs typeface="+mn-cs"/>
+              </a:defRPr>
+            </a:lvl7pPr>
+            <a:lvl8pPr marL="3429000" indent="-228600" algn="l" defTabSz="914400" rtl="0" eaLnBrk="1" latinLnBrk="0" hangingPunct="1">
+              <a:lnSpc>
+                <a:spcPct val="90000"/>
+              </a:lnSpc>
+              <a:spcBef>
+                <a:spcPts val="500"/>
+              </a:spcBef>
+              <a:buFont typeface="Arial" panose="020B0604020202020204" pitchFamily="34" charset="0"/>
+              <a:buChar char="•"/>
+              <a:defRPr sz="1800" kern="1200">
+                <a:solidFill>
+                  <a:schemeClr val="tx1"/>
+                </a:solidFill>
+                <a:latin typeface="+mn-lt"/>
+                <a:ea typeface="+mn-ea"/>
+                <a:cs typeface="+mn-cs"/>
+              </a:defRPr>
+            </a:lvl8pPr>
+            <a:lvl9pPr marL="3886200" indent="-228600" algn="l" defTabSz="914400" rtl="0" eaLnBrk="1" latinLnBrk="0" hangingPunct="1">
+              <a:lnSpc>
+                <a:spcPct val="90000"/>
+              </a:lnSpc>
+              <a:spcBef>
+                <a:spcPts val="500"/>
+              </a:spcBef>
+              <a:buFont typeface="Arial" panose="020B0604020202020204" pitchFamily="34" charset="0"/>
+              <a:buChar char="•"/>
+              <a:defRPr sz="1800" kern="1200">
+                <a:solidFill>
+                  <a:schemeClr val="tx1"/>
+                </a:solidFill>
+                <a:latin typeface="+mn-lt"/>
+                <a:ea typeface="+mn-ea"/>
+                <a:cs typeface="+mn-cs"/>
+              </a:defRPr>
+            </a:lvl9pPr>
+          </a:lstStyle>
+          <a:p>
+            <a:pPr marL="0" indent="0">
+              <a:buFont typeface="Arial" panose="020B0604020202020204" pitchFamily="34" charset="0"/>
+              <a:buNone/>
+            </a:pPr>
+            <a:r>
+              <a:rPr lang="en-US" dirty="0" smtClean="0"/>
+              <a:t>apple</a:t>
+            </a:r>
+            <a:endParaRPr lang="en-US" dirty="0"/>
+          </a:p>
+        </p:txBody>
+      </p:sp>
+      <p:cxnSp>
+        <p:nvCxnSpPr>
+          <p:cNvPr id="17" name="Straight Arrow Connector 16"/>
+          <p:cNvCxnSpPr>
+            <a:stCxn id="5" idx="3"/>
+            <a:endCxn id="14" idx="1"/>
+          </p:cNvCxnSpPr>
+          <p:nvPr/>
+        </p:nvCxnSpPr>
+        <p:spPr>
+          <a:xfrm>
+            <a:off x="3458095" y="3573188"/>
+            <a:ext cx="1155469" cy="0"/>
+          </a:xfrm>
+          <a:prstGeom prst="straightConnector1">
+            <a:avLst/>
+          </a:prstGeom>
+          <a:ln>
+            <a:tailEnd type="triangle"/>
+          </a:ln>
+        </p:spPr>
+        <p:style>
+          <a:lnRef idx="1">
+            <a:schemeClr val="dk1"/>
+          </a:lnRef>
+          <a:fillRef idx="0">
+            <a:schemeClr val="dk1"/>
+          </a:fillRef>
+          <a:effectRef idx="0">
+            <a:schemeClr val="dk1"/>
+          </a:effectRef>
+          <a:fontRef idx="minor">
+            <a:schemeClr val="tx1"/>
+          </a:fontRef>
+        </p:style>
+      </p:cxnSp>
+      <p:cxnSp>
+        <p:nvCxnSpPr>
+          <p:cNvPr id="19" name="Straight Arrow Connector 18"/>
+          <p:cNvCxnSpPr>
+            <a:stCxn id="14" idx="3"/>
+          </p:cNvCxnSpPr>
+          <p:nvPr/>
+        </p:nvCxnSpPr>
+        <p:spPr>
+          <a:xfrm>
+            <a:off x="8354291" y="3573188"/>
+            <a:ext cx="914400" cy="0"/>
+          </a:xfrm>
+          <a:prstGeom prst="straightConnector1">
+            <a:avLst/>
+          </a:prstGeom>
+          <a:ln>
+            <a:tailEnd type="triangle"/>
+          </a:ln>
+        </p:spPr>
+        <p:style>
+          <a:lnRef idx="1">
+            <a:schemeClr val="dk1"/>
+          </a:lnRef>
+          <a:fillRef idx="0">
+            <a:schemeClr val="dk1"/>
+          </a:fillRef>
+          <a:effectRef idx="0">
+            <a:schemeClr val="dk1"/>
+          </a:effectRef>
+          <a:fontRef idx="minor">
+            <a:schemeClr val="tx1"/>
+          </a:fontRef>
+        </p:style>
+      </p:cxnSp>
+      <p:sp>
+        <p:nvSpPr>
+          <p:cNvPr id="20" name="Content Placeholder 2"/>
+          <p:cNvSpPr txBox="1">
+            <a:spLocks/>
+          </p:cNvSpPr>
+          <p:nvPr/>
+        </p:nvSpPr>
+        <p:spPr>
+          <a:xfrm>
+            <a:off x="9268691" y="3326375"/>
+            <a:ext cx="788324" cy="493626"/>
+          </a:xfrm>
+          <a:prstGeom prst="rect">
+            <a:avLst/>
+          </a:prstGeom>
+        </p:spPr>
+        <p:txBody>
+          <a:bodyPr vert="horz" lIns="91440" tIns="45720" rIns="91440" bIns="45720" rtlCol="0">
+            <a:normAutofit/>
+          </a:bodyPr>
+          <a:lstStyle>
+            <a:lvl1pPr marL="228600" indent="-228600" algn="l" defTabSz="914400" rtl="0" eaLnBrk="1" latinLnBrk="0" hangingPunct="1">
+              <a:lnSpc>
+                <a:spcPct val="90000"/>
+              </a:lnSpc>
+              <a:spcBef>
+                <a:spcPts val="1000"/>
+              </a:spcBef>
+              <a:buFont typeface="Arial" panose="020B0604020202020204" pitchFamily="34" charset="0"/>
+              <a:buChar char="•"/>
+              <a:defRPr sz="2800" kern="1200">
+                <a:solidFill>
+                  <a:schemeClr val="tx1"/>
+                </a:solidFill>
+                <a:latin typeface="+mn-lt"/>
+                <a:ea typeface="+mn-ea"/>
+                <a:cs typeface="+mn-cs"/>
+              </a:defRPr>
+            </a:lvl1pPr>
+            <a:lvl2pPr marL="685800" indent="-228600" algn="l" defTabSz="914400" rtl="0" eaLnBrk="1" latinLnBrk="0" hangingPunct="1">
+              <a:lnSpc>
+                <a:spcPct val="90000"/>
+              </a:lnSpc>
+              <a:spcBef>
+                <a:spcPts val="500"/>
+              </a:spcBef>
+              <a:buFont typeface="Arial" panose="020B0604020202020204" pitchFamily="34" charset="0"/>
+              <a:buChar char="•"/>
+              <a:defRPr sz="2400" kern="1200">
+                <a:solidFill>
+                  <a:schemeClr val="tx1"/>
+                </a:solidFill>
+                <a:latin typeface="+mn-lt"/>
+                <a:ea typeface="+mn-ea"/>
+                <a:cs typeface="+mn-cs"/>
+              </a:defRPr>
+            </a:lvl2pPr>
+            <a:lvl3pPr marL="1143000" indent="-228600" algn="l" defTabSz="914400" rtl="0" eaLnBrk="1" latinLnBrk="0" hangingPunct="1">
+              <a:lnSpc>
+                <a:spcPct val="90000"/>
+              </a:lnSpc>
+              <a:spcBef>
+                <a:spcPts val="500"/>
+              </a:spcBef>
+              <a:buFont typeface="Arial" panose="020B0604020202020204" pitchFamily="34" charset="0"/>
+              <a:buChar char="•"/>
+              <a:defRPr sz="2000" kern="1200">
+                <a:solidFill>
+                  <a:schemeClr val="tx1"/>
+                </a:solidFill>
+                <a:latin typeface="+mn-lt"/>
+                <a:ea typeface="+mn-ea"/>
+                <a:cs typeface="+mn-cs"/>
+              </a:defRPr>
+            </a:lvl3pPr>
+            <a:lvl4pPr marL="1600200" indent="-228600" algn="l" defTabSz="914400" rtl="0" eaLnBrk="1" latinLnBrk="0" hangingPunct="1">
+              <a:lnSpc>
+                <a:spcPct val="90000"/>
+              </a:lnSpc>
+              <a:spcBef>
+                <a:spcPts val="500"/>
+              </a:spcBef>
+              <a:buFont typeface="Arial" panose="020B0604020202020204" pitchFamily="34" charset="0"/>
+              <a:buChar char="•"/>
+              <a:defRPr sz="1800" kern="1200">
+                <a:solidFill>
+                  <a:schemeClr val="tx1"/>
+                </a:solidFill>
+                <a:latin typeface="+mn-lt"/>
+                <a:ea typeface="+mn-ea"/>
+                <a:cs typeface="+mn-cs"/>
+              </a:defRPr>
+            </a:lvl4pPr>
+            <a:lvl5pPr marL="2057400" indent="-228600" algn="l" defTabSz="914400" rtl="0" eaLnBrk="1" latinLnBrk="0" hangingPunct="1">
+              <a:lnSpc>
+                <a:spcPct val="90000"/>
+              </a:lnSpc>
+              <a:spcBef>
+                <a:spcPts val="500"/>
+              </a:spcBef>
+              <a:buFont typeface="Arial" panose="020B0604020202020204" pitchFamily="34" charset="0"/>
+              <a:buChar char="•"/>
+              <a:defRPr sz="1800" kern="1200">
+                <a:solidFill>
+                  <a:schemeClr val="tx1"/>
+                </a:solidFill>
+                <a:latin typeface="+mn-lt"/>
+                <a:ea typeface="+mn-ea"/>
+                <a:cs typeface="+mn-cs"/>
+              </a:defRPr>
+            </a:lvl5pPr>
+            <a:lvl6pPr marL="2514600" indent="-228600" algn="l" defTabSz="914400" rtl="0" eaLnBrk="1" latinLnBrk="0" hangingPunct="1">
+              <a:lnSpc>
+                <a:spcPct val="90000"/>
+              </a:lnSpc>
+              <a:spcBef>
+                <a:spcPts val="500"/>
+              </a:spcBef>
+              <a:buFont typeface="Arial" panose="020B0604020202020204" pitchFamily="34" charset="0"/>
+              <a:buChar char="•"/>
+              <a:defRPr sz="1800" kern="1200">
+                <a:solidFill>
+                  <a:schemeClr val="tx1"/>
+                </a:solidFill>
+                <a:latin typeface="+mn-lt"/>
+                <a:ea typeface="+mn-ea"/>
+                <a:cs typeface="+mn-cs"/>
+              </a:defRPr>
+            </a:lvl6pPr>
+            <a:lvl7pPr marL="2971800" indent="-228600" algn="l" defTabSz="914400" rtl="0" eaLnBrk="1" latinLnBrk="0" hangingPunct="1">
+              <a:lnSpc>
+                <a:spcPct val="90000"/>
+              </a:lnSpc>
+              <a:spcBef>
+                <a:spcPts val="500"/>
+              </a:spcBef>
+              <a:buFont typeface="Arial" panose="020B0604020202020204" pitchFamily="34" charset="0"/>
+              <a:buChar char="•"/>
+              <a:defRPr sz="1800" kern="1200">
+                <a:solidFill>
+                  <a:schemeClr val="tx1"/>
+                </a:solidFill>
+                <a:latin typeface="+mn-lt"/>
+                <a:ea typeface="+mn-ea"/>
+                <a:cs typeface="+mn-cs"/>
+              </a:defRPr>
+            </a:lvl7pPr>
+            <a:lvl8pPr marL="3429000" indent="-228600" algn="l" defTabSz="914400" rtl="0" eaLnBrk="1" latinLnBrk="0" hangingPunct="1">
+              <a:lnSpc>
+                <a:spcPct val="90000"/>
+              </a:lnSpc>
+              <a:spcBef>
+                <a:spcPts val="500"/>
+              </a:spcBef>
+              <a:buFont typeface="Arial" panose="020B0604020202020204" pitchFamily="34" charset="0"/>
+              <a:buChar char="•"/>
+              <a:defRPr sz="1800" kern="1200">
+                <a:solidFill>
+                  <a:schemeClr val="tx1"/>
+                </a:solidFill>
+                <a:latin typeface="+mn-lt"/>
+                <a:ea typeface="+mn-ea"/>
+                <a:cs typeface="+mn-cs"/>
+              </a:defRPr>
+            </a:lvl8pPr>
+            <a:lvl9pPr marL="3886200" indent="-228600" algn="l" defTabSz="914400" rtl="0" eaLnBrk="1" latinLnBrk="0" hangingPunct="1">
+              <a:lnSpc>
+                <a:spcPct val="90000"/>
+              </a:lnSpc>
+              <a:spcBef>
+                <a:spcPts val="500"/>
+              </a:spcBef>
+              <a:buFont typeface="Arial" panose="020B0604020202020204" pitchFamily="34" charset="0"/>
+              <a:buChar char="•"/>
+              <a:defRPr sz="1800" kern="1200">
+                <a:solidFill>
+                  <a:schemeClr val="tx1"/>
+                </a:solidFill>
+                <a:latin typeface="+mn-lt"/>
+                <a:ea typeface="+mn-ea"/>
+                <a:cs typeface="+mn-cs"/>
+              </a:defRPr>
+            </a:lvl9pPr>
+          </a:lstStyle>
+          <a:p>
+            <a:pPr marL="0" indent="0">
+              <a:buFont typeface="Arial" panose="020B0604020202020204" pitchFamily="34" charset="0"/>
+              <a:buNone/>
+            </a:pPr>
+            <a:r>
+              <a:rPr lang="en-US" dirty="0" err="1" smtClean="0"/>
+              <a:t>yêu</a:t>
+            </a:r>
+            <a:endParaRPr lang="en-US" dirty="0"/>
+          </a:p>
+        </p:txBody>
+      </p:sp>
+      <p:grpSp>
+        <p:nvGrpSpPr>
+          <p:cNvPr id="22" name="Group 21"/>
+          <p:cNvGrpSpPr/>
+          <p:nvPr/>
+        </p:nvGrpSpPr>
+        <p:grpSpPr>
+          <a:xfrm>
+            <a:off x="4613564" y="2841668"/>
+            <a:ext cx="3740727" cy="1463040"/>
+            <a:chOff x="4613564" y="2841668"/>
+            <a:chExt cx="3740727" cy="1463040"/>
+          </a:xfrm>
+        </p:grpSpPr>
+        <p:grpSp>
+          <p:nvGrpSpPr>
+            <p:cNvPr id="15" name="Group 14"/>
+            <p:cNvGrpSpPr/>
+            <p:nvPr/>
+          </p:nvGrpSpPr>
+          <p:grpSpPr>
+            <a:xfrm>
+              <a:off x="4613564" y="2841668"/>
+              <a:ext cx="3740727" cy="1463040"/>
+              <a:chOff x="4580313" y="2493818"/>
+              <a:chExt cx="3740727" cy="1463040"/>
+            </a:xfrm>
+          </p:grpSpPr>
+          <p:sp>
+            <p:nvSpPr>
+              <p:cNvPr id="8" name="Content Placeholder 2"/>
+              <p:cNvSpPr txBox="1">
+                <a:spLocks/>
+              </p:cNvSpPr>
+              <p:nvPr/>
+            </p:nvSpPr>
+            <p:spPr>
+              <a:xfrm>
+                <a:off x="5263341" y="2568632"/>
+                <a:ext cx="788324" cy="493626"/>
+              </a:xfrm>
+              <a:prstGeom prst="rect">
+                <a:avLst/>
+              </a:prstGeom>
+            </p:spPr>
+            <p:txBody>
+              <a:bodyPr vert="horz" lIns="91440" tIns="45720" rIns="91440" bIns="45720" rtlCol="0">
+                <a:normAutofit/>
+              </a:bodyPr>
+              <a:lstStyle>
+                <a:lvl1pPr marL="228600" indent="-228600" algn="l" defTabSz="914400" rtl="0" eaLnBrk="1" latinLnBrk="0" hangingPunct="1">
+                  <a:lnSpc>
+                    <a:spcPct val="90000"/>
+                  </a:lnSpc>
+                  <a:spcBef>
+                    <a:spcPts val="1000"/>
+                  </a:spcBef>
+                  <a:buFont typeface="Arial" panose="020B0604020202020204" pitchFamily="34" charset="0"/>
+                  <a:buChar char="•"/>
+                  <a:defRPr sz="2800" kern="1200">
+                    <a:solidFill>
+                      <a:schemeClr val="tx1"/>
+                    </a:solidFill>
+                    <a:latin typeface="+mn-lt"/>
+                    <a:ea typeface="+mn-ea"/>
+                    <a:cs typeface="+mn-cs"/>
+                  </a:defRPr>
+                </a:lvl1pPr>
+                <a:lvl2pPr marL="685800" indent="-228600" algn="l" defTabSz="914400" rtl="0" eaLnBrk="1" latinLnBrk="0" hangingPunct="1">
+                  <a:lnSpc>
+                    <a:spcPct val="90000"/>
+                  </a:lnSpc>
+                  <a:spcBef>
+                    <a:spcPts val="500"/>
+                  </a:spcBef>
+                  <a:buFont typeface="Arial" panose="020B0604020202020204" pitchFamily="34" charset="0"/>
+                  <a:buChar char="•"/>
+                  <a:defRPr sz="2400" kern="1200">
+                    <a:solidFill>
+                      <a:schemeClr val="tx1"/>
+                    </a:solidFill>
+                    <a:latin typeface="+mn-lt"/>
+                    <a:ea typeface="+mn-ea"/>
+                    <a:cs typeface="+mn-cs"/>
+                  </a:defRPr>
+                </a:lvl2pPr>
+                <a:lvl3pPr marL="1143000" indent="-228600" algn="l" defTabSz="914400" rtl="0" eaLnBrk="1" latinLnBrk="0" hangingPunct="1">
+                  <a:lnSpc>
+                    <a:spcPct val="90000"/>
+                  </a:lnSpc>
+                  <a:spcBef>
+                    <a:spcPts val="500"/>
+                  </a:spcBef>
+                  <a:buFont typeface="Arial" panose="020B0604020202020204" pitchFamily="34" charset="0"/>
+                  <a:buChar char="•"/>
+                  <a:defRPr sz="2000" kern="1200">
+                    <a:solidFill>
+                      <a:schemeClr val="tx1"/>
+                    </a:solidFill>
+                    <a:latin typeface="+mn-lt"/>
+                    <a:ea typeface="+mn-ea"/>
+                    <a:cs typeface="+mn-cs"/>
+                  </a:defRPr>
+                </a:lvl3pPr>
+                <a:lvl4pPr marL="1600200" indent="-228600" algn="l" defTabSz="914400" rtl="0" eaLnBrk="1" latinLnBrk="0" hangingPunct="1">
+                  <a:lnSpc>
+                    <a:spcPct val="90000"/>
+                  </a:lnSpc>
+                  <a:spcBef>
+                    <a:spcPts val="500"/>
+                  </a:spcBef>
+                  <a:buFont typeface="Arial" panose="020B0604020202020204" pitchFamily="34" charset="0"/>
+                  <a:buChar char="•"/>
+                  <a:defRPr sz="1800" kern="1200">
+                    <a:solidFill>
+                      <a:schemeClr val="tx1"/>
+                    </a:solidFill>
+                    <a:latin typeface="+mn-lt"/>
+                    <a:ea typeface="+mn-ea"/>
+                    <a:cs typeface="+mn-cs"/>
+                  </a:defRPr>
+                </a:lvl4pPr>
+                <a:lvl5pPr marL="2057400" indent="-228600" algn="l" defTabSz="914400" rtl="0" eaLnBrk="1" latinLnBrk="0" hangingPunct="1">
+                  <a:lnSpc>
+                    <a:spcPct val="90000"/>
+                  </a:lnSpc>
+                  <a:spcBef>
+                    <a:spcPts val="500"/>
+                  </a:spcBef>
+                  <a:buFont typeface="Arial" panose="020B0604020202020204" pitchFamily="34" charset="0"/>
+                  <a:buChar char="•"/>
+                  <a:defRPr sz="1800" kern="1200">
+                    <a:solidFill>
+                      <a:schemeClr val="tx1"/>
+                    </a:solidFill>
+                    <a:latin typeface="+mn-lt"/>
+                    <a:ea typeface="+mn-ea"/>
+                    <a:cs typeface="+mn-cs"/>
+                  </a:defRPr>
+                </a:lvl5pPr>
+                <a:lvl6pPr marL="2514600" indent="-228600" algn="l" defTabSz="914400" rtl="0" eaLnBrk="1" latinLnBrk="0" hangingPunct="1">
+                  <a:lnSpc>
+                    <a:spcPct val="90000"/>
+                  </a:lnSpc>
+                  <a:spcBef>
+                    <a:spcPts val="500"/>
+                  </a:spcBef>
+                  <a:buFont typeface="Arial" panose="020B0604020202020204" pitchFamily="34" charset="0"/>
+                  <a:buChar char="•"/>
+                  <a:defRPr sz="1800" kern="1200">
+                    <a:solidFill>
+                      <a:schemeClr val="tx1"/>
+                    </a:solidFill>
+                    <a:latin typeface="+mn-lt"/>
+                    <a:ea typeface="+mn-ea"/>
+                    <a:cs typeface="+mn-cs"/>
+                  </a:defRPr>
+                </a:lvl6pPr>
+                <a:lvl7pPr marL="2971800" indent="-228600" algn="l" defTabSz="914400" rtl="0" eaLnBrk="1" latinLnBrk="0" hangingPunct="1">
+                  <a:lnSpc>
+                    <a:spcPct val="90000"/>
+                  </a:lnSpc>
+                  <a:spcBef>
+                    <a:spcPts val="500"/>
+                  </a:spcBef>
+                  <a:buFont typeface="Arial" panose="020B0604020202020204" pitchFamily="34" charset="0"/>
+                  <a:buChar char="•"/>
+                  <a:defRPr sz="1800" kern="1200">
+                    <a:solidFill>
+                      <a:schemeClr val="tx1"/>
+                    </a:solidFill>
+                    <a:latin typeface="+mn-lt"/>
+                    <a:ea typeface="+mn-ea"/>
+                    <a:cs typeface="+mn-cs"/>
+                  </a:defRPr>
+                </a:lvl7pPr>
+                <a:lvl8pPr marL="3429000" indent="-228600" algn="l" defTabSz="914400" rtl="0" eaLnBrk="1" latinLnBrk="0" hangingPunct="1">
+                  <a:lnSpc>
+                    <a:spcPct val="90000"/>
+                  </a:lnSpc>
+                  <a:spcBef>
+                    <a:spcPts val="500"/>
+                  </a:spcBef>
+                  <a:buFont typeface="Arial" panose="020B0604020202020204" pitchFamily="34" charset="0"/>
+                  <a:buChar char="•"/>
+                  <a:defRPr sz="1800" kern="1200">
+                    <a:solidFill>
+                      <a:schemeClr val="tx1"/>
+                    </a:solidFill>
+                    <a:latin typeface="+mn-lt"/>
+                    <a:ea typeface="+mn-ea"/>
+                    <a:cs typeface="+mn-cs"/>
+                  </a:defRPr>
+                </a:lvl8pPr>
+                <a:lvl9pPr marL="3886200" indent="-228600" algn="l" defTabSz="914400" rtl="0" eaLnBrk="1" latinLnBrk="0" hangingPunct="1">
+                  <a:lnSpc>
+                    <a:spcPct val="90000"/>
+                  </a:lnSpc>
+                  <a:spcBef>
+                    <a:spcPts val="500"/>
+                  </a:spcBef>
+                  <a:buFont typeface="Arial" panose="020B0604020202020204" pitchFamily="34" charset="0"/>
+                  <a:buChar char="•"/>
+                  <a:defRPr sz="1800" kern="1200">
+                    <a:solidFill>
+                      <a:schemeClr val="tx1"/>
+                    </a:solidFill>
+                    <a:latin typeface="+mn-lt"/>
+                    <a:ea typeface="+mn-ea"/>
+                    <a:cs typeface="+mn-cs"/>
+                  </a:defRPr>
+                </a:lvl9pPr>
+              </a:lstStyle>
+              <a:p>
+                <a:pPr marL="0" indent="0">
+                  <a:buFont typeface="Arial" panose="020B0604020202020204" pitchFamily="34" charset="0"/>
+                  <a:buNone/>
+                </a:pPr>
+                <a:r>
+                  <a:rPr lang="en-US" dirty="0" err="1" smtClean="0"/>
+                  <a:t>yêu</a:t>
+                </a:r>
+                <a:endParaRPr lang="en-US" dirty="0"/>
+              </a:p>
+            </p:txBody>
+          </p:sp>
+          <p:sp>
+            <p:nvSpPr>
+              <p:cNvPr id="9" name="Content Placeholder 2"/>
+              <p:cNvSpPr txBox="1">
+                <a:spLocks/>
+              </p:cNvSpPr>
+              <p:nvPr/>
+            </p:nvSpPr>
+            <p:spPr>
+              <a:xfrm>
+                <a:off x="6702831" y="2568632"/>
+                <a:ext cx="937954" cy="493626"/>
+              </a:xfrm>
+              <a:prstGeom prst="rect">
+                <a:avLst/>
+              </a:prstGeom>
+            </p:spPr>
+            <p:txBody>
+              <a:bodyPr vert="horz" lIns="91440" tIns="45720" rIns="91440" bIns="45720" rtlCol="0">
+                <a:normAutofit/>
+              </a:bodyPr>
+              <a:lstStyle>
+                <a:lvl1pPr marL="228600" indent="-228600" algn="l" defTabSz="914400" rtl="0" eaLnBrk="1" latinLnBrk="0" hangingPunct="1">
+                  <a:lnSpc>
+                    <a:spcPct val="90000"/>
+                  </a:lnSpc>
+                  <a:spcBef>
+                    <a:spcPts val="1000"/>
+                  </a:spcBef>
+                  <a:buFont typeface="Arial" panose="020B0604020202020204" pitchFamily="34" charset="0"/>
+                  <a:buChar char="•"/>
+                  <a:defRPr sz="2800" kern="1200">
+                    <a:solidFill>
+                      <a:schemeClr val="tx1"/>
+                    </a:solidFill>
+                    <a:latin typeface="+mn-lt"/>
+                    <a:ea typeface="+mn-ea"/>
+                    <a:cs typeface="+mn-cs"/>
+                  </a:defRPr>
+                </a:lvl1pPr>
+                <a:lvl2pPr marL="685800" indent="-228600" algn="l" defTabSz="914400" rtl="0" eaLnBrk="1" latinLnBrk="0" hangingPunct="1">
+                  <a:lnSpc>
+                    <a:spcPct val="90000"/>
+                  </a:lnSpc>
+                  <a:spcBef>
+                    <a:spcPts val="500"/>
+                  </a:spcBef>
+                  <a:buFont typeface="Arial" panose="020B0604020202020204" pitchFamily="34" charset="0"/>
+                  <a:buChar char="•"/>
+                  <a:defRPr sz="2400" kern="1200">
+                    <a:solidFill>
+                      <a:schemeClr val="tx1"/>
+                    </a:solidFill>
+                    <a:latin typeface="+mn-lt"/>
+                    <a:ea typeface="+mn-ea"/>
+                    <a:cs typeface="+mn-cs"/>
+                  </a:defRPr>
+                </a:lvl2pPr>
+                <a:lvl3pPr marL="1143000" indent="-228600" algn="l" defTabSz="914400" rtl="0" eaLnBrk="1" latinLnBrk="0" hangingPunct="1">
+                  <a:lnSpc>
+                    <a:spcPct val="90000"/>
+                  </a:lnSpc>
+                  <a:spcBef>
+                    <a:spcPts val="500"/>
+                  </a:spcBef>
+                  <a:buFont typeface="Arial" panose="020B0604020202020204" pitchFamily="34" charset="0"/>
+                  <a:buChar char="•"/>
+                  <a:defRPr sz="2000" kern="1200">
+                    <a:solidFill>
+                      <a:schemeClr val="tx1"/>
+                    </a:solidFill>
+                    <a:latin typeface="+mn-lt"/>
+                    <a:ea typeface="+mn-ea"/>
+                    <a:cs typeface="+mn-cs"/>
+                  </a:defRPr>
+                </a:lvl3pPr>
+                <a:lvl4pPr marL="1600200" indent="-228600" algn="l" defTabSz="914400" rtl="0" eaLnBrk="1" latinLnBrk="0" hangingPunct="1">
+                  <a:lnSpc>
+                    <a:spcPct val="90000"/>
+                  </a:lnSpc>
+                  <a:spcBef>
+                    <a:spcPts val="500"/>
+                  </a:spcBef>
+                  <a:buFont typeface="Arial" panose="020B0604020202020204" pitchFamily="34" charset="0"/>
+                  <a:buChar char="•"/>
+                  <a:defRPr sz="1800" kern="1200">
+                    <a:solidFill>
+                      <a:schemeClr val="tx1"/>
+                    </a:solidFill>
+                    <a:latin typeface="+mn-lt"/>
+                    <a:ea typeface="+mn-ea"/>
+                    <a:cs typeface="+mn-cs"/>
+                  </a:defRPr>
+                </a:lvl4pPr>
+                <a:lvl5pPr marL="2057400" indent="-228600" algn="l" defTabSz="914400" rtl="0" eaLnBrk="1" latinLnBrk="0" hangingPunct="1">
+                  <a:lnSpc>
+                    <a:spcPct val="90000"/>
+                  </a:lnSpc>
+                  <a:spcBef>
+                    <a:spcPts val="500"/>
+                  </a:spcBef>
+                  <a:buFont typeface="Arial" panose="020B0604020202020204" pitchFamily="34" charset="0"/>
+                  <a:buChar char="•"/>
+                  <a:defRPr sz="1800" kern="1200">
+                    <a:solidFill>
+                      <a:schemeClr val="tx1"/>
+                    </a:solidFill>
+                    <a:latin typeface="+mn-lt"/>
+                    <a:ea typeface="+mn-ea"/>
+                    <a:cs typeface="+mn-cs"/>
+                  </a:defRPr>
+                </a:lvl5pPr>
+                <a:lvl6pPr marL="2514600" indent="-228600" algn="l" defTabSz="914400" rtl="0" eaLnBrk="1" latinLnBrk="0" hangingPunct="1">
+                  <a:lnSpc>
+                    <a:spcPct val="90000"/>
+                  </a:lnSpc>
+                  <a:spcBef>
+                    <a:spcPts val="500"/>
+                  </a:spcBef>
+                  <a:buFont typeface="Arial" panose="020B0604020202020204" pitchFamily="34" charset="0"/>
+                  <a:buChar char="•"/>
+                  <a:defRPr sz="1800" kern="1200">
+                    <a:solidFill>
+                      <a:schemeClr val="tx1"/>
+                    </a:solidFill>
+                    <a:latin typeface="+mn-lt"/>
+                    <a:ea typeface="+mn-ea"/>
+                    <a:cs typeface="+mn-cs"/>
+                  </a:defRPr>
+                </a:lvl6pPr>
+                <a:lvl7pPr marL="2971800" indent="-228600" algn="l" defTabSz="914400" rtl="0" eaLnBrk="1" latinLnBrk="0" hangingPunct="1">
+                  <a:lnSpc>
+                    <a:spcPct val="90000"/>
+                  </a:lnSpc>
+                  <a:spcBef>
+                    <a:spcPts val="500"/>
+                  </a:spcBef>
+                  <a:buFont typeface="Arial" panose="020B0604020202020204" pitchFamily="34" charset="0"/>
+                  <a:buChar char="•"/>
+                  <a:defRPr sz="1800" kern="1200">
+                    <a:solidFill>
+                      <a:schemeClr val="tx1"/>
+                    </a:solidFill>
+                    <a:latin typeface="+mn-lt"/>
+                    <a:ea typeface="+mn-ea"/>
+                    <a:cs typeface="+mn-cs"/>
+                  </a:defRPr>
+                </a:lvl7pPr>
+                <a:lvl8pPr marL="3429000" indent="-228600" algn="l" defTabSz="914400" rtl="0" eaLnBrk="1" latinLnBrk="0" hangingPunct="1">
+                  <a:lnSpc>
+                    <a:spcPct val="90000"/>
+                  </a:lnSpc>
+                  <a:spcBef>
+                    <a:spcPts val="500"/>
+                  </a:spcBef>
+                  <a:buFont typeface="Arial" panose="020B0604020202020204" pitchFamily="34" charset="0"/>
+                  <a:buChar char="•"/>
+                  <a:defRPr sz="1800" kern="1200">
+                    <a:solidFill>
+                      <a:schemeClr val="tx1"/>
+                    </a:solidFill>
+                    <a:latin typeface="+mn-lt"/>
+                    <a:ea typeface="+mn-ea"/>
+                    <a:cs typeface="+mn-cs"/>
+                  </a:defRPr>
+                </a:lvl8pPr>
+                <a:lvl9pPr marL="3886200" indent="-228600" algn="l" defTabSz="914400" rtl="0" eaLnBrk="1" latinLnBrk="0" hangingPunct="1">
+                  <a:lnSpc>
+                    <a:spcPct val="90000"/>
+                  </a:lnSpc>
+                  <a:spcBef>
+                    <a:spcPts val="500"/>
+                  </a:spcBef>
+                  <a:buFont typeface="Arial" panose="020B0604020202020204" pitchFamily="34" charset="0"/>
+                  <a:buChar char="•"/>
+                  <a:defRPr sz="1800" kern="1200">
+                    <a:solidFill>
+                      <a:schemeClr val="tx1"/>
+                    </a:solidFill>
+                    <a:latin typeface="+mn-lt"/>
+                    <a:ea typeface="+mn-ea"/>
+                    <a:cs typeface="+mn-cs"/>
+                  </a:defRPr>
+                </a:lvl9pPr>
+              </a:lstStyle>
+              <a:p>
+                <a:pPr marL="0" indent="0">
+                  <a:buFont typeface="Arial" panose="020B0604020202020204" pitchFamily="34" charset="0"/>
+                  <a:buNone/>
+                </a:pPr>
+                <a:r>
+                  <a:rPr lang="en-US" dirty="0" err="1" smtClean="0"/>
+                  <a:t>thích</a:t>
+                </a:r>
+                <a:endParaRPr lang="en-US" dirty="0"/>
+              </a:p>
+            </p:txBody>
+          </p:sp>
+          <p:sp>
+            <p:nvSpPr>
+              <p:cNvPr id="10" name="Content Placeholder 2"/>
+              <p:cNvSpPr txBox="1">
+                <a:spLocks/>
+              </p:cNvSpPr>
+              <p:nvPr/>
+            </p:nvSpPr>
+            <p:spPr>
+              <a:xfrm>
+                <a:off x="4734788" y="2568632"/>
+                <a:ext cx="437805" cy="493626"/>
+              </a:xfrm>
+              <a:prstGeom prst="rect">
+                <a:avLst/>
+              </a:prstGeom>
+            </p:spPr>
+            <p:txBody>
+              <a:bodyPr vert="horz" lIns="91440" tIns="45720" rIns="91440" bIns="45720" rtlCol="0">
+                <a:normAutofit/>
+              </a:bodyPr>
+              <a:lstStyle>
+                <a:lvl1pPr marL="228600" indent="-228600" algn="l" defTabSz="914400" rtl="0" eaLnBrk="1" latinLnBrk="0" hangingPunct="1">
+                  <a:lnSpc>
+                    <a:spcPct val="90000"/>
+                  </a:lnSpc>
+                  <a:spcBef>
+                    <a:spcPts val="1000"/>
+                  </a:spcBef>
+                  <a:buFont typeface="Arial" panose="020B0604020202020204" pitchFamily="34" charset="0"/>
+                  <a:buChar char="•"/>
+                  <a:defRPr sz="2800" kern="1200">
+                    <a:solidFill>
+                      <a:schemeClr val="tx1"/>
+                    </a:solidFill>
+                    <a:latin typeface="+mn-lt"/>
+                    <a:ea typeface="+mn-ea"/>
+                    <a:cs typeface="+mn-cs"/>
+                  </a:defRPr>
+                </a:lvl1pPr>
+                <a:lvl2pPr marL="685800" indent="-228600" algn="l" defTabSz="914400" rtl="0" eaLnBrk="1" latinLnBrk="0" hangingPunct="1">
+                  <a:lnSpc>
+                    <a:spcPct val="90000"/>
+                  </a:lnSpc>
+                  <a:spcBef>
+                    <a:spcPts val="500"/>
+                  </a:spcBef>
+                  <a:buFont typeface="Arial" panose="020B0604020202020204" pitchFamily="34" charset="0"/>
+                  <a:buChar char="•"/>
+                  <a:defRPr sz="2400" kern="1200">
+                    <a:solidFill>
+                      <a:schemeClr val="tx1"/>
+                    </a:solidFill>
+                    <a:latin typeface="+mn-lt"/>
+                    <a:ea typeface="+mn-ea"/>
+                    <a:cs typeface="+mn-cs"/>
+                  </a:defRPr>
+                </a:lvl2pPr>
+                <a:lvl3pPr marL="1143000" indent="-228600" algn="l" defTabSz="914400" rtl="0" eaLnBrk="1" latinLnBrk="0" hangingPunct="1">
+                  <a:lnSpc>
+                    <a:spcPct val="90000"/>
+                  </a:lnSpc>
+                  <a:spcBef>
+                    <a:spcPts val="500"/>
+                  </a:spcBef>
+                  <a:buFont typeface="Arial" panose="020B0604020202020204" pitchFamily="34" charset="0"/>
+                  <a:buChar char="•"/>
+                  <a:defRPr sz="2000" kern="1200">
+                    <a:solidFill>
+                      <a:schemeClr val="tx1"/>
+                    </a:solidFill>
+                    <a:latin typeface="+mn-lt"/>
+                    <a:ea typeface="+mn-ea"/>
+                    <a:cs typeface="+mn-cs"/>
+                  </a:defRPr>
+                </a:lvl3pPr>
+                <a:lvl4pPr marL="1600200" indent="-228600" algn="l" defTabSz="914400" rtl="0" eaLnBrk="1" latinLnBrk="0" hangingPunct="1">
+                  <a:lnSpc>
+                    <a:spcPct val="90000"/>
+                  </a:lnSpc>
+                  <a:spcBef>
+                    <a:spcPts val="500"/>
+                  </a:spcBef>
+                  <a:buFont typeface="Arial" panose="020B0604020202020204" pitchFamily="34" charset="0"/>
+                  <a:buChar char="•"/>
+                  <a:defRPr sz="1800" kern="1200">
+                    <a:solidFill>
+                      <a:schemeClr val="tx1"/>
+                    </a:solidFill>
+                    <a:latin typeface="+mn-lt"/>
+                    <a:ea typeface="+mn-ea"/>
+                    <a:cs typeface="+mn-cs"/>
+                  </a:defRPr>
+                </a:lvl4pPr>
+                <a:lvl5pPr marL="2057400" indent="-228600" algn="l" defTabSz="914400" rtl="0" eaLnBrk="1" latinLnBrk="0" hangingPunct="1">
+                  <a:lnSpc>
+                    <a:spcPct val="90000"/>
+                  </a:lnSpc>
+                  <a:spcBef>
+                    <a:spcPts val="500"/>
+                  </a:spcBef>
+                  <a:buFont typeface="Arial" panose="020B0604020202020204" pitchFamily="34" charset="0"/>
+                  <a:buChar char="•"/>
+                  <a:defRPr sz="1800" kern="1200">
+                    <a:solidFill>
+                      <a:schemeClr val="tx1"/>
+                    </a:solidFill>
+                    <a:latin typeface="+mn-lt"/>
+                    <a:ea typeface="+mn-ea"/>
+                    <a:cs typeface="+mn-cs"/>
+                  </a:defRPr>
+                </a:lvl5pPr>
+                <a:lvl6pPr marL="2514600" indent="-228600" algn="l" defTabSz="914400" rtl="0" eaLnBrk="1" latinLnBrk="0" hangingPunct="1">
+                  <a:lnSpc>
+                    <a:spcPct val="90000"/>
+                  </a:lnSpc>
+                  <a:spcBef>
+                    <a:spcPts val="500"/>
+                  </a:spcBef>
+                  <a:buFont typeface="Arial" panose="020B0604020202020204" pitchFamily="34" charset="0"/>
+                  <a:buChar char="•"/>
+                  <a:defRPr sz="1800" kern="1200">
+                    <a:solidFill>
+                      <a:schemeClr val="tx1"/>
+                    </a:solidFill>
+                    <a:latin typeface="+mn-lt"/>
+                    <a:ea typeface="+mn-ea"/>
+                    <a:cs typeface="+mn-cs"/>
+                  </a:defRPr>
+                </a:lvl6pPr>
+                <a:lvl7pPr marL="2971800" indent="-228600" algn="l" defTabSz="914400" rtl="0" eaLnBrk="1" latinLnBrk="0" hangingPunct="1">
+                  <a:lnSpc>
+                    <a:spcPct val="90000"/>
+                  </a:lnSpc>
+                  <a:spcBef>
+                    <a:spcPts val="500"/>
+                  </a:spcBef>
+                  <a:buFont typeface="Arial" panose="020B0604020202020204" pitchFamily="34" charset="0"/>
+                  <a:buChar char="•"/>
+                  <a:defRPr sz="1800" kern="1200">
+                    <a:solidFill>
+                      <a:schemeClr val="tx1"/>
+                    </a:solidFill>
+                    <a:latin typeface="+mn-lt"/>
+                    <a:ea typeface="+mn-ea"/>
+                    <a:cs typeface="+mn-cs"/>
+                  </a:defRPr>
+                </a:lvl7pPr>
+                <a:lvl8pPr marL="3429000" indent="-228600" algn="l" defTabSz="914400" rtl="0" eaLnBrk="1" latinLnBrk="0" hangingPunct="1">
+                  <a:lnSpc>
+                    <a:spcPct val="90000"/>
+                  </a:lnSpc>
+                  <a:spcBef>
+                    <a:spcPts val="500"/>
+                  </a:spcBef>
+                  <a:buFont typeface="Arial" panose="020B0604020202020204" pitchFamily="34" charset="0"/>
+                  <a:buChar char="•"/>
+                  <a:defRPr sz="1800" kern="1200">
+                    <a:solidFill>
+                      <a:schemeClr val="tx1"/>
+                    </a:solidFill>
+                    <a:latin typeface="+mn-lt"/>
+                    <a:ea typeface="+mn-ea"/>
+                    <a:cs typeface="+mn-cs"/>
+                  </a:defRPr>
+                </a:lvl8pPr>
+                <a:lvl9pPr marL="3886200" indent="-228600" algn="l" defTabSz="914400" rtl="0" eaLnBrk="1" latinLnBrk="0" hangingPunct="1">
+                  <a:lnSpc>
+                    <a:spcPct val="90000"/>
+                  </a:lnSpc>
+                  <a:spcBef>
+                    <a:spcPts val="500"/>
+                  </a:spcBef>
+                  <a:buFont typeface="Arial" panose="020B0604020202020204" pitchFamily="34" charset="0"/>
+                  <a:buChar char="•"/>
+                  <a:defRPr sz="1800" kern="1200">
+                    <a:solidFill>
+                      <a:schemeClr val="tx1"/>
+                    </a:solidFill>
+                    <a:latin typeface="+mn-lt"/>
+                    <a:ea typeface="+mn-ea"/>
+                    <a:cs typeface="+mn-cs"/>
+                  </a:defRPr>
+                </a:lvl9pPr>
+              </a:lstStyle>
+              <a:p>
+                <a:pPr marL="0" indent="0">
+                  <a:buFont typeface="Arial" panose="020B0604020202020204" pitchFamily="34" charset="0"/>
+                  <a:buNone/>
+                </a:pPr>
+                <a:r>
+                  <a:rPr lang="en-US" dirty="0" smtClean="0"/>
+                  <a:t>…</a:t>
+                </a:r>
+                <a:endParaRPr lang="en-US" dirty="0"/>
+              </a:p>
+            </p:txBody>
+          </p:sp>
+          <p:sp>
+            <p:nvSpPr>
+              <p:cNvPr id="11" name="Content Placeholder 2"/>
+              <p:cNvSpPr txBox="1">
+                <a:spLocks/>
+              </p:cNvSpPr>
+              <p:nvPr/>
+            </p:nvSpPr>
+            <p:spPr>
+              <a:xfrm>
+                <a:off x="6142413" y="2568632"/>
+                <a:ext cx="469670" cy="493626"/>
+              </a:xfrm>
+              <a:prstGeom prst="rect">
+                <a:avLst/>
+              </a:prstGeom>
+            </p:spPr>
+            <p:txBody>
+              <a:bodyPr vert="horz" lIns="91440" tIns="45720" rIns="91440" bIns="45720" rtlCol="0">
+                <a:normAutofit/>
+              </a:bodyPr>
+              <a:lstStyle>
+                <a:lvl1pPr marL="228600" indent="-228600" algn="l" defTabSz="914400" rtl="0" eaLnBrk="1" latinLnBrk="0" hangingPunct="1">
+                  <a:lnSpc>
+                    <a:spcPct val="90000"/>
+                  </a:lnSpc>
+                  <a:spcBef>
+                    <a:spcPts val="1000"/>
+                  </a:spcBef>
+                  <a:buFont typeface="Arial" panose="020B0604020202020204" pitchFamily="34" charset="0"/>
+                  <a:buChar char="•"/>
+                  <a:defRPr sz="2800" kern="1200">
+                    <a:solidFill>
+                      <a:schemeClr val="tx1"/>
+                    </a:solidFill>
+                    <a:latin typeface="+mn-lt"/>
+                    <a:ea typeface="+mn-ea"/>
+                    <a:cs typeface="+mn-cs"/>
+                  </a:defRPr>
+                </a:lvl1pPr>
+                <a:lvl2pPr marL="685800" indent="-228600" algn="l" defTabSz="914400" rtl="0" eaLnBrk="1" latinLnBrk="0" hangingPunct="1">
+                  <a:lnSpc>
+                    <a:spcPct val="90000"/>
+                  </a:lnSpc>
+                  <a:spcBef>
+                    <a:spcPts val="500"/>
+                  </a:spcBef>
+                  <a:buFont typeface="Arial" panose="020B0604020202020204" pitchFamily="34" charset="0"/>
+                  <a:buChar char="•"/>
+                  <a:defRPr sz="2400" kern="1200">
+                    <a:solidFill>
+                      <a:schemeClr val="tx1"/>
+                    </a:solidFill>
+                    <a:latin typeface="+mn-lt"/>
+                    <a:ea typeface="+mn-ea"/>
+                    <a:cs typeface="+mn-cs"/>
+                  </a:defRPr>
+                </a:lvl2pPr>
+                <a:lvl3pPr marL="1143000" indent="-228600" algn="l" defTabSz="914400" rtl="0" eaLnBrk="1" latinLnBrk="0" hangingPunct="1">
+                  <a:lnSpc>
+                    <a:spcPct val="90000"/>
+                  </a:lnSpc>
+                  <a:spcBef>
+                    <a:spcPts val="500"/>
+                  </a:spcBef>
+                  <a:buFont typeface="Arial" panose="020B0604020202020204" pitchFamily="34" charset="0"/>
+                  <a:buChar char="•"/>
+                  <a:defRPr sz="2000" kern="1200">
+                    <a:solidFill>
+                      <a:schemeClr val="tx1"/>
+                    </a:solidFill>
+                    <a:latin typeface="+mn-lt"/>
+                    <a:ea typeface="+mn-ea"/>
+                    <a:cs typeface="+mn-cs"/>
+                  </a:defRPr>
+                </a:lvl3pPr>
+                <a:lvl4pPr marL="1600200" indent="-228600" algn="l" defTabSz="914400" rtl="0" eaLnBrk="1" latinLnBrk="0" hangingPunct="1">
+                  <a:lnSpc>
+                    <a:spcPct val="90000"/>
+                  </a:lnSpc>
+                  <a:spcBef>
+                    <a:spcPts val="500"/>
+                  </a:spcBef>
+                  <a:buFont typeface="Arial" panose="020B0604020202020204" pitchFamily="34" charset="0"/>
+                  <a:buChar char="•"/>
+                  <a:defRPr sz="1800" kern="1200">
+                    <a:solidFill>
+                      <a:schemeClr val="tx1"/>
+                    </a:solidFill>
+                    <a:latin typeface="+mn-lt"/>
+                    <a:ea typeface="+mn-ea"/>
+                    <a:cs typeface="+mn-cs"/>
+                  </a:defRPr>
+                </a:lvl4pPr>
+                <a:lvl5pPr marL="2057400" indent="-228600" algn="l" defTabSz="914400" rtl="0" eaLnBrk="1" latinLnBrk="0" hangingPunct="1">
+                  <a:lnSpc>
+                    <a:spcPct val="90000"/>
+                  </a:lnSpc>
+                  <a:spcBef>
+                    <a:spcPts val="500"/>
+                  </a:spcBef>
+                  <a:buFont typeface="Arial" panose="020B0604020202020204" pitchFamily="34" charset="0"/>
+                  <a:buChar char="•"/>
+                  <a:defRPr sz="1800" kern="1200">
+                    <a:solidFill>
+                      <a:schemeClr val="tx1"/>
+                    </a:solidFill>
+                    <a:latin typeface="+mn-lt"/>
+                    <a:ea typeface="+mn-ea"/>
+                    <a:cs typeface="+mn-cs"/>
+                  </a:defRPr>
+                </a:lvl5pPr>
+                <a:lvl6pPr marL="2514600" indent="-228600" algn="l" defTabSz="914400" rtl="0" eaLnBrk="1" latinLnBrk="0" hangingPunct="1">
+                  <a:lnSpc>
+                    <a:spcPct val="90000"/>
+                  </a:lnSpc>
+                  <a:spcBef>
+                    <a:spcPts val="500"/>
+                  </a:spcBef>
+                  <a:buFont typeface="Arial" panose="020B0604020202020204" pitchFamily="34" charset="0"/>
+                  <a:buChar char="•"/>
+                  <a:defRPr sz="1800" kern="1200">
+                    <a:solidFill>
+                      <a:schemeClr val="tx1"/>
+                    </a:solidFill>
+                    <a:latin typeface="+mn-lt"/>
+                    <a:ea typeface="+mn-ea"/>
+                    <a:cs typeface="+mn-cs"/>
+                  </a:defRPr>
+                </a:lvl6pPr>
+                <a:lvl7pPr marL="2971800" indent="-228600" algn="l" defTabSz="914400" rtl="0" eaLnBrk="1" latinLnBrk="0" hangingPunct="1">
+                  <a:lnSpc>
+                    <a:spcPct val="90000"/>
+                  </a:lnSpc>
+                  <a:spcBef>
+                    <a:spcPts val="500"/>
+                  </a:spcBef>
+                  <a:buFont typeface="Arial" panose="020B0604020202020204" pitchFamily="34" charset="0"/>
+                  <a:buChar char="•"/>
+                  <a:defRPr sz="1800" kern="1200">
+                    <a:solidFill>
+                      <a:schemeClr val="tx1"/>
+                    </a:solidFill>
+                    <a:latin typeface="+mn-lt"/>
+                    <a:ea typeface="+mn-ea"/>
+                    <a:cs typeface="+mn-cs"/>
+                  </a:defRPr>
+                </a:lvl7pPr>
+                <a:lvl8pPr marL="3429000" indent="-228600" algn="l" defTabSz="914400" rtl="0" eaLnBrk="1" latinLnBrk="0" hangingPunct="1">
+                  <a:lnSpc>
+                    <a:spcPct val="90000"/>
+                  </a:lnSpc>
+                  <a:spcBef>
+                    <a:spcPts val="500"/>
+                  </a:spcBef>
+                  <a:buFont typeface="Arial" panose="020B0604020202020204" pitchFamily="34" charset="0"/>
+                  <a:buChar char="•"/>
+                  <a:defRPr sz="1800" kern="1200">
+                    <a:solidFill>
+                      <a:schemeClr val="tx1"/>
+                    </a:solidFill>
+                    <a:latin typeface="+mn-lt"/>
+                    <a:ea typeface="+mn-ea"/>
+                    <a:cs typeface="+mn-cs"/>
+                  </a:defRPr>
+                </a:lvl8pPr>
+                <a:lvl9pPr marL="3886200" indent="-228600" algn="l" defTabSz="914400" rtl="0" eaLnBrk="1" latinLnBrk="0" hangingPunct="1">
+                  <a:lnSpc>
+                    <a:spcPct val="90000"/>
+                  </a:lnSpc>
+                  <a:spcBef>
+                    <a:spcPts val="500"/>
+                  </a:spcBef>
+                  <a:buFont typeface="Arial" panose="020B0604020202020204" pitchFamily="34" charset="0"/>
+                  <a:buChar char="•"/>
+                  <a:defRPr sz="1800" kern="1200">
+                    <a:solidFill>
+                      <a:schemeClr val="tx1"/>
+                    </a:solidFill>
+                    <a:latin typeface="+mn-lt"/>
+                    <a:ea typeface="+mn-ea"/>
+                    <a:cs typeface="+mn-cs"/>
+                  </a:defRPr>
+                </a:lvl9pPr>
+              </a:lstStyle>
+              <a:p>
+                <a:pPr marL="0" indent="0">
+                  <a:buFont typeface="Arial" panose="020B0604020202020204" pitchFamily="34" charset="0"/>
+                  <a:buNone/>
+                </a:pPr>
+                <a:r>
+                  <a:rPr lang="en-US" dirty="0" smtClean="0"/>
+                  <a:t>…</a:t>
+                </a:r>
+                <a:endParaRPr lang="en-US" dirty="0"/>
+              </a:p>
+            </p:txBody>
+          </p:sp>
+          <p:sp>
+            <p:nvSpPr>
+              <p:cNvPr id="12" name="Content Placeholder 2"/>
+              <p:cNvSpPr txBox="1">
+                <a:spLocks/>
+              </p:cNvSpPr>
+              <p:nvPr/>
+            </p:nvSpPr>
+            <p:spPr>
+              <a:xfrm>
+                <a:off x="5184370" y="3345526"/>
+                <a:ext cx="946266" cy="493626"/>
+              </a:xfrm>
+              <a:prstGeom prst="rect">
+                <a:avLst/>
+              </a:prstGeom>
+            </p:spPr>
+            <p:txBody>
+              <a:bodyPr vert="horz" lIns="91440" tIns="45720" rIns="91440" bIns="45720" rtlCol="0">
+                <a:normAutofit fontScale="92500"/>
+              </a:bodyPr>
+              <a:lstStyle>
+                <a:lvl1pPr marL="228600" indent="-228600" algn="l" defTabSz="914400" rtl="0" eaLnBrk="1" latinLnBrk="0" hangingPunct="1">
+                  <a:lnSpc>
+                    <a:spcPct val="90000"/>
+                  </a:lnSpc>
+                  <a:spcBef>
+                    <a:spcPts val="1000"/>
+                  </a:spcBef>
+                  <a:buFont typeface="Arial" panose="020B0604020202020204" pitchFamily="34" charset="0"/>
+                  <a:buChar char="•"/>
+                  <a:defRPr sz="2800" kern="1200">
+                    <a:solidFill>
+                      <a:schemeClr val="tx1"/>
+                    </a:solidFill>
+                    <a:latin typeface="+mn-lt"/>
+                    <a:ea typeface="+mn-ea"/>
+                    <a:cs typeface="+mn-cs"/>
+                  </a:defRPr>
+                </a:lvl1pPr>
+                <a:lvl2pPr marL="685800" indent="-228600" algn="l" defTabSz="914400" rtl="0" eaLnBrk="1" latinLnBrk="0" hangingPunct="1">
+                  <a:lnSpc>
+                    <a:spcPct val="90000"/>
+                  </a:lnSpc>
+                  <a:spcBef>
+                    <a:spcPts val="500"/>
+                  </a:spcBef>
+                  <a:buFont typeface="Arial" panose="020B0604020202020204" pitchFamily="34" charset="0"/>
+                  <a:buChar char="•"/>
+                  <a:defRPr sz="2400" kern="1200">
+                    <a:solidFill>
+                      <a:schemeClr val="tx1"/>
+                    </a:solidFill>
+                    <a:latin typeface="+mn-lt"/>
+                    <a:ea typeface="+mn-ea"/>
+                    <a:cs typeface="+mn-cs"/>
+                  </a:defRPr>
+                </a:lvl2pPr>
+                <a:lvl3pPr marL="1143000" indent="-228600" algn="l" defTabSz="914400" rtl="0" eaLnBrk="1" latinLnBrk="0" hangingPunct="1">
+                  <a:lnSpc>
+                    <a:spcPct val="90000"/>
+                  </a:lnSpc>
+                  <a:spcBef>
+                    <a:spcPts val="500"/>
+                  </a:spcBef>
+                  <a:buFont typeface="Arial" panose="020B0604020202020204" pitchFamily="34" charset="0"/>
+                  <a:buChar char="•"/>
+                  <a:defRPr sz="2000" kern="1200">
+                    <a:solidFill>
+                      <a:schemeClr val="tx1"/>
+                    </a:solidFill>
+                    <a:latin typeface="+mn-lt"/>
+                    <a:ea typeface="+mn-ea"/>
+                    <a:cs typeface="+mn-cs"/>
+                  </a:defRPr>
+                </a:lvl3pPr>
+                <a:lvl4pPr marL="1600200" indent="-228600" algn="l" defTabSz="914400" rtl="0" eaLnBrk="1" latinLnBrk="0" hangingPunct="1">
+                  <a:lnSpc>
+                    <a:spcPct val="90000"/>
+                  </a:lnSpc>
+                  <a:spcBef>
+                    <a:spcPts val="500"/>
+                  </a:spcBef>
+                  <a:buFont typeface="Arial" panose="020B0604020202020204" pitchFamily="34" charset="0"/>
+                  <a:buChar char="•"/>
+                  <a:defRPr sz="1800" kern="1200">
+                    <a:solidFill>
+                      <a:schemeClr val="tx1"/>
+                    </a:solidFill>
+                    <a:latin typeface="+mn-lt"/>
+                    <a:ea typeface="+mn-ea"/>
+                    <a:cs typeface="+mn-cs"/>
+                  </a:defRPr>
+                </a:lvl4pPr>
+                <a:lvl5pPr marL="2057400" indent="-228600" algn="l" defTabSz="914400" rtl="0" eaLnBrk="1" latinLnBrk="0" hangingPunct="1">
+                  <a:lnSpc>
+                    <a:spcPct val="90000"/>
+                  </a:lnSpc>
+                  <a:spcBef>
+                    <a:spcPts val="500"/>
+                  </a:spcBef>
+                  <a:buFont typeface="Arial" panose="020B0604020202020204" pitchFamily="34" charset="0"/>
+                  <a:buChar char="•"/>
+                  <a:defRPr sz="1800" kern="1200">
+                    <a:solidFill>
+                      <a:schemeClr val="tx1"/>
+                    </a:solidFill>
+                    <a:latin typeface="+mn-lt"/>
+                    <a:ea typeface="+mn-ea"/>
+                    <a:cs typeface="+mn-cs"/>
+                  </a:defRPr>
+                </a:lvl5pPr>
+                <a:lvl6pPr marL="2514600" indent="-228600" algn="l" defTabSz="914400" rtl="0" eaLnBrk="1" latinLnBrk="0" hangingPunct="1">
+                  <a:lnSpc>
+                    <a:spcPct val="90000"/>
+                  </a:lnSpc>
+                  <a:spcBef>
+                    <a:spcPts val="500"/>
+                  </a:spcBef>
+                  <a:buFont typeface="Arial" panose="020B0604020202020204" pitchFamily="34" charset="0"/>
+                  <a:buChar char="•"/>
+                  <a:defRPr sz="1800" kern="1200">
+                    <a:solidFill>
+                      <a:schemeClr val="tx1"/>
+                    </a:solidFill>
+                    <a:latin typeface="+mn-lt"/>
+                    <a:ea typeface="+mn-ea"/>
+                    <a:cs typeface="+mn-cs"/>
+                  </a:defRPr>
+                </a:lvl6pPr>
+                <a:lvl7pPr marL="2971800" indent="-228600" algn="l" defTabSz="914400" rtl="0" eaLnBrk="1" latinLnBrk="0" hangingPunct="1">
+                  <a:lnSpc>
+                    <a:spcPct val="90000"/>
+                  </a:lnSpc>
+                  <a:spcBef>
+                    <a:spcPts val="500"/>
+                  </a:spcBef>
+                  <a:buFont typeface="Arial" panose="020B0604020202020204" pitchFamily="34" charset="0"/>
+                  <a:buChar char="•"/>
+                  <a:defRPr sz="1800" kern="1200">
+                    <a:solidFill>
+                      <a:schemeClr val="tx1"/>
+                    </a:solidFill>
+                    <a:latin typeface="+mn-lt"/>
+                    <a:ea typeface="+mn-ea"/>
+                    <a:cs typeface="+mn-cs"/>
+                  </a:defRPr>
+                </a:lvl7pPr>
+                <a:lvl8pPr marL="3429000" indent="-228600" algn="l" defTabSz="914400" rtl="0" eaLnBrk="1" latinLnBrk="0" hangingPunct="1">
+                  <a:lnSpc>
+                    <a:spcPct val="90000"/>
+                  </a:lnSpc>
+                  <a:spcBef>
+                    <a:spcPts val="500"/>
+                  </a:spcBef>
+                  <a:buFont typeface="Arial" panose="020B0604020202020204" pitchFamily="34" charset="0"/>
+                  <a:buChar char="•"/>
+                  <a:defRPr sz="1800" kern="1200">
+                    <a:solidFill>
+                      <a:schemeClr val="tx1"/>
+                    </a:solidFill>
+                    <a:latin typeface="+mn-lt"/>
+                    <a:ea typeface="+mn-ea"/>
+                    <a:cs typeface="+mn-cs"/>
+                  </a:defRPr>
+                </a:lvl8pPr>
+                <a:lvl9pPr marL="3886200" indent="-228600" algn="l" defTabSz="914400" rtl="0" eaLnBrk="1" latinLnBrk="0" hangingPunct="1">
+                  <a:lnSpc>
+                    <a:spcPct val="90000"/>
+                  </a:lnSpc>
+                  <a:spcBef>
+                    <a:spcPts val="500"/>
+                  </a:spcBef>
+                  <a:buFont typeface="Arial" panose="020B0604020202020204" pitchFamily="34" charset="0"/>
+                  <a:buChar char="•"/>
+                  <a:defRPr sz="1800" kern="1200">
+                    <a:solidFill>
+                      <a:schemeClr val="tx1"/>
+                    </a:solidFill>
+                    <a:latin typeface="+mn-lt"/>
+                    <a:ea typeface="+mn-ea"/>
+                    <a:cs typeface="+mn-cs"/>
+                  </a:defRPr>
+                </a:lvl9pPr>
+              </a:lstStyle>
+              <a:p>
+                <a:pPr marL="0" indent="0">
+                  <a:buFont typeface="Arial" panose="020B0604020202020204" pitchFamily="34" charset="0"/>
+                  <a:buNone/>
+                </a:pPr>
+                <a:r>
+                  <a:rPr lang="en-US" dirty="0" smtClean="0"/>
+                  <a:t>0.812</a:t>
+                </a:r>
+                <a:endParaRPr lang="en-US" dirty="0"/>
+              </a:p>
+            </p:txBody>
+          </p:sp>
+          <p:sp>
+            <p:nvSpPr>
+              <p:cNvPr id="13" name="Content Placeholder 2"/>
+              <p:cNvSpPr txBox="1">
+                <a:spLocks/>
+              </p:cNvSpPr>
+              <p:nvPr/>
+            </p:nvSpPr>
+            <p:spPr>
+              <a:xfrm>
+                <a:off x="6649492" y="3325408"/>
+                <a:ext cx="1044631" cy="493626"/>
+              </a:xfrm>
+              <a:prstGeom prst="rect">
+                <a:avLst/>
+              </a:prstGeom>
+            </p:spPr>
+            <p:txBody>
+              <a:bodyPr vert="horz" lIns="91440" tIns="45720" rIns="91440" bIns="45720" rtlCol="0">
+                <a:normAutofit/>
+              </a:bodyPr>
+              <a:lstStyle>
+                <a:lvl1pPr marL="228600" indent="-228600" algn="l" defTabSz="914400" rtl="0" eaLnBrk="1" latinLnBrk="0" hangingPunct="1">
+                  <a:lnSpc>
+                    <a:spcPct val="90000"/>
+                  </a:lnSpc>
+                  <a:spcBef>
+                    <a:spcPts val="1000"/>
+                  </a:spcBef>
+                  <a:buFont typeface="Arial" panose="020B0604020202020204" pitchFamily="34" charset="0"/>
+                  <a:buChar char="•"/>
+                  <a:defRPr sz="2800" kern="1200">
+                    <a:solidFill>
+                      <a:schemeClr val="tx1"/>
+                    </a:solidFill>
+                    <a:latin typeface="+mn-lt"/>
+                    <a:ea typeface="+mn-ea"/>
+                    <a:cs typeface="+mn-cs"/>
+                  </a:defRPr>
+                </a:lvl1pPr>
+                <a:lvl2pPr marL="685800" indent="-228600" algn="l" defTabSz="914400" rtl="0" eaLnBrk="1" latinLnBrk="0" hangingPunct="1">
+                  <a:lnSpc>
+                    <a:spcPct val="90000"/>
+                  </a:lnSpc>
+                  <a:spcBef>
+                    <a:spcPts val="500"/>
+                  </a:spcBef>
+                  <a:buFont typeface="Arial" panose="020B0604020202020204" pitchFamily="34" charset="0"/>
+                  <a:buChar char="•"/>
+                  <a:defRPr sz="2400" kern="1200">
+                    <a:solidFill>
+                      <a:schemeClr val="tx1"/>
+                    </a:solidFill>
+                    <a:latin typeface="+mn-lt"/>
+                    <a:ea typeface="+mn-ea"/>
+                    <a:cs typeface="+mn-cs"/>
+                  </a:defRPr>
+                </a:lvl2pPr>
+                <a:lvl3pPr marL="1143000" indent="-228600" algn="l" defTabSz="914400" rtl="0" eaLnBrk="1" latinLnBrk="0" hangingPunct="1">
+                  <a:lnSpc>
+                    <a:spcPct val="90000"/>
+                  </a:lnSpc>
+                  <a:spcBef>
+                    <a:spcPts val="500"/>
+                  </a:spcBef>
+                  <a:buFont typeface="Arial" panose="020B0604020202020204" pitchFamily="34" charset="0"/>
+                  <a:buChar char="•"/>
+                  <a:defRPr sz="2000" kern="1200">
+                    <a:solidFill>
+                      <a:schemeClr val="tx1"/>
+                    </a:solidFill>
+                    <a:latin typeface="+mn-lt"/>
+                    <a:ea typeface="+mn-ea"/>
+                    <a:cs typeface="+mn-cs"/>
+                  </a:defRPr>
+                </a:lvl3pPr>
+                <a:lvl4pPr marL="1600200" indent="-228600" algn="l" defTabSz="914400" rtl="0" eaLnBrk="1" latinLnBrk="0" hangingPunct="1">
+                  <a:lnSpc>
+                    <a:spcPct val="90000"/>
+                  </a:lnSpc>
+                  <a:spcBef>
+                    <a:spcPts val="500"/>
+                  </a:spcBef>
+                  <a:buFont typeface="Arial" panose="020B0604020202020204" pitchFamily="34" charset="0"/>
+                  <a:buChar char="•"/>
+                  <a:defRPr sz="1800" kern="1200">
+                    <a:solidFill>
+                      <a:schemeClr val="tx1"/>
+                    </a:solidFill>
+                    <a:latin typeface="+mn-lt"/>
+                    <a:ea typeface="+mn-ea"/>
+                    <a:cs typeface="+mn-cs"/>
+                  </a:defRPr>
+                </a:lvl4pPr>
+                <a:lvl5pPr marL="2057400" indent="-228600" algn="l" defTabSz="914400" rtl="0" eaLnBrk="1" latinLnBrk="0" hangingPunct="1">
+                  <a:lnSpc>
+                    <a:spcPct val="90000"/>
+                  </a:lnSpc>
+                  <a:spcBef>
+                    <a:spcPts val="500"/>
+                  </a:spcBef>
+                  <a:buFont typeface="Arial" panose="020B0604020202020204" pitchFamily="34" charset="0"/>
+                  <a:buChar char="•"/>
+                  <a:defRPr sz="1800" kern="1200">
+                    <a:solidFill>
+                      <a:schemeClr val="tx1"/>
+                    </a:solidFill>
+                    <a:latin typeface="+mn-lt"/>
+                    <a:ea typeface="+mn-ea"/>
+                    <a:cs typeface="+mn-cs"/>
+                  </a:defRPr>
+                </a:lvl5pPr>
+                <a:lvl6pPr marL="2514600" indent="-228600" algn="l" defTabSz="914400" rtl="0" eaLnBrk="1" latinLnBrk="0" hangingPunct="1">
+                  <a:lnSpc>
+                    <a:spcPct val="90000"/>
+                  </a:lnSpc>
+                  <a:spcBef>
+                    <a:spcPts val="500"/>
+                  </a:spcBef>
+                  <a:buFont typeface="Arial" panose="020B0604020202020204" pitchFamily="34" charset="0"/>
+                  <a:buChar char="•"/>
+                  <a:defRPr sz="1800" kern="1200">
+                    <a:solidFill>
+                      <a:schemeClr val="tx1"/>
+                    </a:solidFill>
+                    <a:latin typeface="+mn-lt"/>
+                    <a:ea typeface="+mn-ea"/>
+                    <a:cs typeface="+mn-cs"/>
+                  </a:defRPr>
+                </a:lvl6pPr>
+                <a:lvl7pPr marL="2971800" indent="-228600" algn="l" defTabSz="914400" rtl="0" eaLnBrk="1" latinLnBrk="0" hangingPunct="1">
+                  <a:lnSpc>
+                    <a:spcPct val="90000"/>
+                  </a:lnSpc>
+                  <a:spcBef>
+                    <a:spcPts val="500"/>
+                  </a:spcBef>
+                  <a:buFont typeface="Arial" panose="020B0604020202020204" pitchFamily="34" charset="0"/>
+                  <a:buChar char="•"/>
+                  <a:defRPr sz="1800" kern="1200">
+                    <a:solidFill>
+                      <a:schemeClr val="tx1"/>
+                    </a:solidFill>
+                    <a:latin typeface="+mn-lt"/>
+                    <a:ea typeface="+mn-ea"/>
+                    <a:cs typeface="+mn-cs"/>
+                  </a:defRPr>
+                </a:lvl7pPr>
+                <a:lvl8pPr marL="3429000" indent="-228600" algn="l" defTabSz="914400" rtl="0" eaLnBrk="1" latinLnBrk="0" hangingPunct="1">
+                  <a:lnSpc>
+                    <a:spcPct val="90000"/>
+                  </a:lnSpc>
+                  <a:spcBef>
+                    <a:spcPts val="500"/>
+                  </a:spcBef>
+                  <a:buFont typeface="Arial" panose="020B0604020202020204" pitchFamily="34" charset="0"/>
+                  <a:buChar char="•"/>
+                  <a:defRPr sz="1800" kern="1200">
+                    <a:solidFill>
+                      <a:schemeClr val="tx1"/>
+                    </a:solidFill>
+                    <a:latin typeface="+mn-lt"/>
+                    <a:ea typeface="+mn-ea"/>
+                    <a:cs typeface="+mn-cs"/>
+                  </a:defRPr>
+                </a:lvl8pPr>
+                <a:lvl9pPr marL="3886200" indent="-228600" algn="l" defTabSz="914400" rtl="0" eaLnBrk="1" latinLnBrk="0" hangingPunct="1">
+                  <a:lnSpc>
+                    <a:spcPct val="90000"/>
+                  </a:lnSpc>
+                  <a:spcBef>
+                    <a:spcPts val="500"/>
+                  </a:spcBef>
+                  <a:buFont typeface="Arial" panose="020B0604020202020204" pitchFamily="34" charset="0"/>
+                  <a:buChar char="•"/>
+                  <a:defRPr sz="1800" kern="1200">
+                    <a:solidFill>
+                      <a:schemeClr val="tx1"/>
+                    </a:solidFill>
+                    <a:latin typeface="+mn-lt"/>
+                    <a:ea typeface="+mn-ea"/>
+                    <a:cs typeface="+mn-cs"/>
+                  </a:defRPr>
+                </a:lvl9pPr>
+              </a:lstStyle>
+              <a:p>
+                <a:pPr marL="0" indent="0">
+                  <a:buFont typeface="Arial" panose="020B0604020202020204" pitchFamily="34" charset="0"/>
+                  <a:buNone/>
+                </a:pPr>
+                <a:r>
+                  <a:rPr lang="en-US" dirty="0" smtClean="0"/>
+                  <a:t>0.723</a:t>
+                </a:r>
+                <a:endParaRPr lang="en-US" dirty="0"/>
+              </a:p>
+            </p:txBody>
+          </p:sp>
+          <p:sp>
+            <p:nvSpPr>
+              <p:cNvPr id="14" name="Rectangle 13"/>
+              <p:cNvSpPr/>
+              <p:nvPr/>
+            </p:nvSpPr>
+            <p:spPr>
+              <a:xfrm>
+                <a:off x="4580313" y="2493818"/>
+                <a:ext cx="3740727" cy="1463040"/>
+              </a:xfrm>
+              <a:prstGeom prst="rect">
+                <a:avLst/>
+              </a:prstGeom>
+              <a:noFill/>
+            </p:spPr>
+            <p:style>
+              <a:lnRef idx="2">
+                <a:schemeClr val="accent1">
+                  <a:shade val="50000"/>
+                </a:schemeClr>
+              </a:lnRef>
+              <a:fillRef idx="1">
+                <a:schemeClr val="accent1"/>
+              </a:fillRef>
+              <a:effectRef idx="0">
+                <a:schemeClr val="accent1"/>
+              </a:effectRef>
+              <a:fontRef idx="minor">
+                <a:schemeClr val="lt1"/>
+              </a:fontRef>
+            </p:style>
+            <p:txBody>
+              <a:bodyPr rtlCol="0" anchor="ctr"/>
+              <a:lstStyle/>
+              <a:p>
+                <a:pPr algn="ctr"/>
+                <a:endParaRPr lang="en-US"/>
+              </a:p>
+            </p:txBody>
+          </p:sp>
+        </p:grpSp>
+        <p:sp>
+          <p:nvSpPr>
+            <p:cNvPr id="21" name="Content Placeholder 2"/>
+            <p:cNvSpPr txBox="1">
+              <a:spLocks/>
+            </p:cNvSpPr>
+            <p:nvPr/>
+          </p:nvSpPr>
+          <p:spPr>
+            <a:xfrm>
+              <a:off x="7727374" y="2916482"/>
+              <a:ext cx="469670" cy="493626"/>
+            </a:xfrm>
+            <a:prstGeom prst="rect">
+              <a:avLst/>
+            </a:prstGeom>
+          </p:spPr>
+          <p:txBody>
+            <a:bodyPr vert="horz" lIns="91440" tIns="45720" rIns="91440" bIns="45720" rtlCol="0">
+              <a:normAutofit/>
+            </a:bodyPr>
+            <a:lstStyle>
+              <a:lvl1pPr marL="228600" indent="-228600" algn="l" defTabSz="914400" rtl="0" eaLnBrk="1" latinLnBrk="0" hangingPunct="1">
+                <a:lnSpc>
+                  <a:spcPct val="90000"/>
+                </a:lnSpc>
+                <a:spcBef>
+                  <a:spcPts val="1000"/>
+                </a:spcBef>
+                <a:buFont typeface="Arial" panose="020B0604020202020204" pitchFamily="34" charset="0"/>
+                <a:buChar char="•"/>
+                <a:defRPr sz="2800" kern="1200">
+                  <a:solidFill>
+                    <a:schemeClr val="tx1"/>
+                  </a:solidFill>
+                  <a:latin typeface="+mn-lt"/>
+                  <a:ea typeface="+mn-ea"/>
+                  <a:cs typeface="+mn-cs"/>
+                </a:defRPr>
+              </a:lvl1pPr>
+              <a:lvl2pPr marL="685800" indent="-228600" algn="l" defTabSz="914400" rtl="0" eaLnBrk="1" latinLnBrk="0" hangingPunct="1">
+                <a:lnSpc>
+                  <a:spcPct val="90000"/>
+                </a:lnSpc>
+                <a:spcBef>
+                  <a:spcPts val="500"/>
+                </a:spcBef>
+                <a:buFont typeface="Arial" panose="020B0604020202020204" pitchFamily="34" charset="0"/>
+                <a:buChar char="•"/>
+                <a:defRPr sz="2400" kern="1200">
+                  <a:solidFill>
+                    <a:schemeClr val="tx1"/>
+                  </a:solidFill>
+                  <a:latin typeface="+mn-lt"/>
+                  <a:ea typeface="+mn-ea"/>
+                  <a:cs typeface="+mn-cs"/>
+                </a:defRPr>
+              </a:lvl2pPr>
+              <a:lvl3pPr marL="1143000" indent="-228600" algn="l" defTabSz="914400" rtl="0" eaLnBrk="1" latinLnBrk="0" hangingPunct="1">
+                <a:lnSpc>
+                  <a:spcPct val="90000"/>
+                </a:lnSpc>
+                <a:spcBef>
+                  <a:spcPts val="500"/>
+                </a:spcBef>
+                <a:buFont typeface="Arial" panose="020B0604020202020204" pitchFamily="34" charset="0"/>
+                <a:buChar char="•"/>
+                <a:defRPr sz="2000" kern="1200">
+                  <a:solidFill>
+                    <a:schemeClr val="tx1"/>
+                  </a:solidFill>
+                  <a:latin typeface="+mn-lt"/>
+                  <a:ea typeface="+mn-ea"/>
+                  <a:cs typeface="+mn-cs"/>
+                </a:defRPr>
+              </a:lvl3pPr>
+              <a:lvl4pPr marL="1600200" indent="-228600" algn="l" defTabSz="914400" rtl="0" eaLnBrk="1" latinLnBrk="0" hangingPunct="1">
+                <a:lnSpc>
+                  <a:spcPct val="90000"/>
+                </a:lnSpc>
+                <a:spcBef>
+                  <a:spcPts val="500"/>
+                </a:spcBef>
+                <a:buFont typeface="Arial" panose="020B0604020202020204" pitchFamily="34" charset="0"/>
+                <a:buChar char="•"/>
+                <a:defRPr sz="1800" kern="1200">
+                  <a:solidFill>
+                    <a:schemeClr val="tx1"/>
+                  </a:solidFill>
+                  <a:latin typeface="+mn-lt"/>
+                  <a:ea typeface="+mn-ea"/>
+                  <a:cs typeface="+mn-cs"/>
+                </a:defRPr>
+              </a:lvl4pPr>
+              <a:lvl5pPr marL="2057400" indent="-228600" algn="l" defTabSz="914400" rtl="0" eaLnBrk="1" latinLnBrk="0" hangingPunct="1">
+                <a:lnSpc>
+                  <a:spcPct val="90000"/>
+                </a:lnSpc>
+                <a:spcBef>
+                  <a:spcPts val="500"/>
+                </a:spcBef>
+                <a:buFont typeface="Arial" panose="020B0604020202020204" pitchFamily="34" charset="0"/>
+                <a:buChar char="•"/>
+                <a:defRPr sz="1800" kern="1200">
+                  <a:solidFill>
+                    <a:schemeClr val="tx1"/>
+                  </a:solidFill>
+                  <a:latin typeface="+mn-lt"/>
+                  <a:ea typeface="+mn-ea"/>
+                  <a:cs typeface="+mn-cs"/>
+                </a:defRPr>
+              </a:lvl5pPr>
+              <a:lvl6pPr marL="2514600" indent="-228600" algn="l" defTabSz="914400" rtl="0" eaLnBrk="1" latinLnBrk="0" hangingPunct="1">
+                <a:lnSpc>
+                  <a:spcPct val="90000"/>
+                </a:lnSpc>
+                <a:spcBef>
+                  <a:spcPts val="500"/>
+                </a:spcBef>
+                <a:buFont typeface="Arial" panose="020B0604020202020204" pitchFamily="34" charset="0"/>
+                <a:buChar char="•"/>
+                <a:defRPr sz="1800" kern="1200">
+                  <a:solidFill>
+                    <a:schemeClr val="tx1"/>
+                  </a:solidFill>
+                  <a:latin typeface="+mn-lt"/>
+                  <a:ea typeface="+mn-ea"/>
+                  <a:cs typeface="+mn-cs"/>
+                </a:defRPr>
+              </a:lvl6pPr>
+              <a:lvl7pPr marL="2971800" indent="-228600" algn="l" defTabSz="914400" rtl="0" eaLnBrk="1" latinLnBrk="0" hangingPunct="1">
+                <a:lnSpc>
+                  <a:spcPct val="90000"/>
+                </a:lnSpc>
+                <a:spcBef>
+                  <a:spcPts val="500"/>
+                </a:spcBef>
+                <a:buFont typeface="Arial" panose="020B0604020202020204" pitchFamily="34" charset="0"/>
+                <a:buChar char="•"/>
+                <a:defRPr sz="1800" kern="1200">
+                  <a:solidFill>
+                    <a:schemeClr val="tx1"/>
+                  </a:solidFill>
+                  <a:latin typeface="+mn-lt"/>
+                  <a:ea typeface="+mn-ea"/>
+                  <a:cs typeface="+mn-cs"/>
+                </a:defRPr>
+              </a:lvl7pPr>
+              <a:lvl8pPr marL="3429000" indent="-228600" algn="l" defTabSz="914400" rtl="0" eaLnBrk="1" latinLnBrk="0" hangingPunct="1">
+                <a:lnSpc>
+                  <a:spcPct val="90000"/>
+                </a:lnSpc>
+                <a:spcBef>
+                  <a:spcPts val="500"/>
+                </a:spcBef>
+                <a:buFont typeface="Arial" panose="020B0604020202020204" pitchFamily="34" charset="0"/>
+                <a:buChar char="•"/>
+                <a:defRPr sz="1800" kern="1200">
+                  <a:solidFill>
+                    <a:schemeClr val="tx1"/>
+                  </a:solidFill>
+                  <a:latin typeface="+mn-lt"/>
+                  <a:ea typeface="+mn-ea"/>
+                  <a:cs typeface="+mn-cs"/>
+                </a:defRPr>
+              </a:lvl8pPr>
+              <a:lvl9pPr marL="3886200" indent="-228600" algn="l" defTabSz="914400" rtl="0" eaLnBrk="1" latinLnBrk="0" hangingPunct="1">
+                <a:lnSpc>
+                  <a:spcPct val="90000"/>
+                </a:lnSpc>
+                <a:spcBef>
+                  <a:spcPts val="500"/>
+                </a:spcBef>
+                <a:buFont typeface="Arial" panose="020B0604020202020204" pitchFamily="34" charset="0"/>
+                <a:buChar char="•"/>
+                <a:defRPr sz="1800" kern="1200">
+                  <a:solidFill>
+                    <a:schemeClr val="tx1"/>
+                  </a:solidFill>
+                  <a:latin typeface="+mn-lt"/>
+                  <a:ea typeface="+mn-ea"/>
+                  <a:cs typeface="+mn-cs"/>
+                </a:defRPr>
+              </a:lvl9pPr>
+            </a:lstStyle>
+            <a:p>
+              <a:pPr marL="0" indent="0">
+                <a:buFont typeface="Arial" panose="020B0604020202020204" pitchFamily="34" charset="0"/>
+                <a:buNone/>
+              </a:pPr>
+              <a:r>
+                <a:rPr lang="en-US" dirty="0" smtClean="0"/>
+                <a:t>…</a:t>
+              </a:r>
+              <a:endParaRPr lang="en-US" dirty="0"/>
+            </a:p>
+          </p:txBody>
+        </p:sp>
+      </p:grpSp>
+      <p:sp>
+        <p:nvSpPr>
+          <p:cNvPr id="23" name="Content Placeholder 2"/>
+          <p:cNvSpPr txBox="1">
+            <a:spLocks/>
+          </p:cNvSpPr>
+          <p:nvPr/>
+        </p:nvSpPr>
+        <p:spPr>
+          <a:xfrm>
+            <a:off x="4651663" y="2377447"/>
+            <a:ext cx="3664527" cy="493626"/>
+          </a:xfrm>
+          <a:prstGeom prst="rect">
+            <a:avLst/>
+          </a:prstGeom>
+        </p:spPr>
+        <p:txBody>
+          <a:bodyPr vert="horz" lIns="91440" tIns="45720" rIns="91440" bIns="45720" rtlCol="0">
+            <a:noAutofit/>
+          </a:bodyPr>
+          <a:lstStyle>
+            <a:lvl1pPr marL="228600" indent="-228600" algn="l" defTabSz="914400" rtl="0" eaLnBrk="1" latinLnBrk="0" hangingPunct="1">
+              <a:lnSpc>
+                <a:spcPct val="90000"/>
+              </a:lnSpc>
+              <a:spcBef>
+                <a:spcPts val="1000"/>
+              </a:spcBef>
+              <a:buFont typeface="Arial" panose="020B0604020202020204" pitchFamily="34" charset="0"/>
+              <a:buChar char="•"/>
+              <a:defRPr sz="2800" kern="1200">
+                <a:solidFill>
+                  <a:schemeClr val="tx1"/>
+                </a:solidFill>
+                <a:latin typeface="+mn-lt"/>
+                <a:ea typeface="+mn-ea"/>
+                <a:cs typeface="+mn-cs"/>
+              </a:defRPr>
+            </a:lvl1pPr>
+            <a:lvl2pPr marL="685800" indent="-228600" algn="l" defTabSz="914400" rtl="0" eaLnBrk="1" latinLnBrk="0" hangingPunct="1">
+              <a:lnSpc>
+                <a:spcPct val="90000"/>
+              </a:lnSpc>
+              <a:spcBef>
+                <a:spcPts val="500"/>
+              </a:spcBef>
+              <a:buFont typeface="Arial" panose="020B0604020202020204" pitchFamily="34" charset="0"/>
+              <a:buChar char="•"/>
+              <a:defRPr sz="2400" kern="1200">
+                <a:solidFill>
+                  <a:schemeClr val="tx1"/>
+                </a:solidFill>
+                <a:latin typeface="+mn-lt"/>
+                <a:ea typeface="+mn-ea"/>
+                <a:cs typeface="+mn-cs"/>
+              </a:defRPr>
+            </a:lvl2pPr>
+            <a:lvl3pPr marL="1143000" indent="-228600" algn="l" defTabSz="914400" rtl="0" eaLnBrk="1" latinLnBrk="0" hangingPunct="1">
+              <a:lnSpc>
+                <a:spcPct val="90000"/>
+              </a:lnSpc>
+              <a:spcBef>
+                <a:spcPts val="500"/>
+              </a:spcBef>
+              <a:buFont typeface="Arial" panose="020B0604020202020204" pitchFamily="34" charset="0"/>
+              <a:buChar char="•"/>
+              <a:defRPr sz="2000" kern="1200">
+                <a:solidFill>
+                  <a:schemeClr val="tx1"/>
+                </a:solidFill>
+                <a:latin typeface="+mn-lt"/>
+                <a:ea typeface="+mn-ea"/>
+                <a:cs typeface="+mn-cs"/>
+              </a:defRPr>
+            </a:lvl3pPr>
+            <a:lvl4pPr marL="1600200" indent="-228600" algn="l" defTabSz="914400" rtl="0" eaLnBrk="1" latinLnBrk="0" hangingPunct="1">
+              <a:lnSpc>
+                <a:spcPct val="90000"/>
+              </a:lnSpc>
+              <a:spcBef>
+                <a:spcPts val="500"/>
+              </a:spcBef>
+              <a:buFont typeface="Arial" panose="020B0604020202020204" pitchFamily="34" charset="0"/>
+              <a:buChar char="•"/>
+              <a:defRPr sz="1800" kern="1200">
+                <a:solidFill>
+                  <a:schemeClr val="tx1"/>
+                </a:solidFill>
+                <a:latin typeface="+mn-lt"/>
+                <a:ea typeface="+mn-ea"/>
+                <a:cs typeface="+mn-cs"/>
+              </a:defRPr>
+            </a:lvl4pPr>
+            <a:lvl5pPr marL="2057400" indent="-228600" algn="l" defTabSz="914400" rtl="0" eaLnBrk="1" latinLnBrk="0" hangingPunct="1">
+              <a:lnSpc>
+                <a:spcPct val="90000"/>
+              </a:lnSpc>
+              <a:spcBef>
+                <a:spcPts val="500"/>
+              </a:spcBef>
+              <a:buFont typeface="Arial" panose="020B0604020202020204" pitchFamily="34" charset="0"/>
+              <a:buChar char="•"/>
+              <a:defRPr sz="1800" kern="1200">
+                <a:solidFill>
+                  <a:schemeClr val="tx1"/>
+                </a:solidFill>
+                <a:latin typeface="+mn-lt"/>
+                <a:ea typeface="+mn-ea"/>
+                <a:cs typeface="+mn-cs"/>
+              </a:defRPr>
+            </a:lvl5pPr>
+            <a:lvl6pPr marL="2514600" indent="-228600" algn="l" defTabSz="914400" rtl="0" eaLnBrk="1" latinLnBrk="0" hangingPunct="1">
+              <a:lnSpc>
+                <a:spcPct val="90000"/>
+              </a:lnSpc>
+              <a:spcBef>
+                <a:spcPts val="500"/>
+              </a:spcBef>
+              <a:buFont typeface="Arial" panose="020B0604020202020204" pitchFamily="34" charset="0"/>
+              <a:buChar char="•"/>
+              <a:defRPr sz="1800" kern="1200">
+                <a:solidFill>
+                  <a:schemeClr val="tx1"/>
+                </a:solidFill>
+                <a:latin typeface="+mn-lt"/>
+                <a:ea typeface="+mn-ea"/>
+                <a:cs typeface="+mn-cs"/>
+              </a:defRPr>
+            </a:lvl6pPr>
+            <a:lvl7pPr marL="2971800" indent="-228600" algn="l" defTabSz="914400" rtl="0" eaLnBrk="1" latinLnBrk="0" hangingPunct="1">
+              <a:lnSpc>
+                <a:spcPct val="90000"/>
+              </a:lnSpc>
+              <a:spcBef>
+                <a:spcPts val="500"/>
+              </a:spcBef>
+              <a:buFont typeface="Arial" panose="020B0604020202020204" pitchFamily="34" charset="0"/>
+              <a:buChar char="•"/>
+              <a:defRPr sz="1800" kern="1200">
+                <a:solidFill>
+                  <a:schemeClr val="tx1"/>
+                </a:solidFill>
+                <a:latin typeface="+mn-lt"/>
+                <a:ea typeface="+mn-ea"/>
+                <a:cs typeface="+mn-cs"/>
+              </a:defRPr>
+            </a:lvl7pPr>
+            <a:lvl8pPr marL="3429000" indent="-228600" algn="l" defTabSz="914400" rtl="0" eaLnBrk="1" latinLnBrk="0" hangingPunct="1">
+              <a:lnSpc>
+                <a:spcPct val="90000"/>
+              </a:lnSpc>
+              <a:spcBef>
+                <a:spcPts val="500"/>
+              </a:spcBef>
+              <a:buFont typeface="Arial" panose="020B0604020202020204" pitchFamily="34" charset="0"/>
+              <a:buChar char="•"/>
+              <a:defRPr sz="1800" kern="1200">
+                <a:solidFill>
+                  <a:schemeClr val="tx1"/>
+                </a:solidFill>
+                <a:latin typeface="+mn-lt"/>
+                <a:ea typeface="+mn-ea"/>
+                <a:cs typeface="+mn-cs"/>
+              </a:defRPr>
+            </a:lvl8pPr>
+            <a:lvl9pPr marL="3886200" indent="-228600" algn="l" defTabSz="914400" rtl="0" eaLnBrk="1" latinLnBrk="0" hangingPunct="1">
+              <a:lnSpc>
+                <a:spcPct val="90000"/>
+              </a:lnSpc>
+              <a:spcBef>
+                <a:spcPts val="500"/>
+              </a:spcBef>
+              <a:buFont typeface="Arial" panose="020B0604020202020204" pitchFamily="34" charset="0"/>
+              <a:buChar char="•"/>
+              <a:defRPr sz="1800" kern="1200">
+                <a:solidFill>
+                  <a:schemeClr val="tx1"/>
+                </a:solidFill>
+                <a:latin typeface="+mn-lt"/>
+                <a:ea typeface="+mn-ea"/>
+                <a:cs typeface="+mn-cs"/>
+              </a:defRPr>
+            </a:lvl9pPr>
+          </a:lstStyle>
+          <a:p>
+            <a:pPr marL="0" indent="0">
+              <a:buFont typeface="Arial" panose="020B0604020202020204" pitchFamily="34" charset="0"/>
+              <a:buNone/>
+            </a:pPr>
+            <a:r>
+              <a:rPr lang="en-US" dirty="0" smtClean="0"/>
+              <a:t>Get the max probability</a:t>
+            </a:r>
+            <a:endParaRPr lang="en-US" dirty="0"/>
+          </a:p>
+        </p:txBody>
+      </p:sp>
+    </p:spTree>
+    <p:extLst>
+      <p:ext uri="{BB962C8B-B14F-4D97-AF65-F5344CB8AC3E}">
+        <p14:creationId xmlns:p14="http://schemas.microsoft.com/office/powerpoint/2010/main" val="308762662"/>
+      </p:ext>
+    </p:extLst>
+  </p:cSld>
+  <p:clrMapOvr>
+    <a:masterClrMapping/>
+  </p:clrMapOvr>
+</p:sld>
+</file>
+
+<file path=ppt/slides/slide15.xml><?xml version="1.0" encoding="utf-8"?>
+<p:sld xmlns:a="http://schemas.openxmlformats.org/drawingml/2006/main" xmlns:r="http://schemas.openxmlformats.org/officeDocument/2006/relationships" xmlns:p="http://schemas.openxmlformats.org/presentationml/2006/main">
+  <p:cSld>
+    <p:spTree>
+      <p:nvGrpSpPr>
+        <p:cNvPr id="1" name=""/>
+        <p:cNvGrpSpPr/>
+        <p:nvPr/>
+      </p:nvGrpSpPr>
+      <p:grpSpPr>
+        <a:xfrm>
+          <a:off x="0" y="0"/>
+          <a:ext cx="0" cy="0"/>
+          <a:chOff x="0" y="0"/>
+          <a:chExt cx="0" cy="0"/>
+        </a:xfrm>
+      </p:grpSpPr>
+      <p:sp>
+        <p:nvSpPr>
+          <p:cNvPr id="2" name="Title 1"/>
+          <p:cNvSpPr>
+            <a:spLocks noGrp="1"/>
+          </p:cNvSpPr>
+          <p:nvPr>
+            <p:ph type="title"/>
+          </p:nvPr>
+        </p:nvSpPr>
+        <p:spPr/>
+        <p:txBody>
+          <a:bodyPr/>
+          <a:lstStyle/>
+          <a:p>
+            <a:r>
+              <a:rPr lang="en-US" dirty="0" smtClean="0"/>
+              <a:t>1.7 Beam search</a:t>
+            </a:r>
+            <a:endParaRPr lang="en-US" dirty="0"/>
+          </a:p>
+        </p:txBody>
+      </p:sp>
+      <p:sp>
+        <p:nvSpPr>
+          <p:cNvPr id="5" name="Rectangle 4"/>
+          <p:cNvSpPr/>
+          <p:nvPr/>
+        </p:nvSpPr>
+        <p:spPr>
+          <a:xfrm>
+            <a:off x="331124" y="3599411"/>
+            <a:ext cx="624840" cy="307571"/>
+          </a:xfrm>
+          <a:prstGeom prst="rect">
+            <a:avLst/>
+          </a:prstGeom>
+          <a:ln>
+            <a:solidFill>
+              <a:srgbClr val="00B0F0"/>
+            </a:solidFill>
+          </a:ln>
+        </p:spPr>
+        <p:style>
+          <a:lnRef idx="1">
+            <a:schemeClr val="accent1"/>
+          </a:lnRef>
+          <a:fillRef idx="2">
+            <a:schemeClr val="accent1"/>
+          </a:fillRef>
+          <a:effectRef idx="1">
+            <a:schemeClr val="accent1"/>
+          </a:effectRef>
+          <a:fontRef idx="minor">
+            <a:schemeClr val="dk1"/>
+          </a:fontRef>
+        </p:style>
+        <p:txBody>
+          <a:bodyPr rtlCol="0" anchor="ctr"/>
+          <a:lstStyle/>
+          <a:p>
+            <a:pPr algn="ctr"/>
+            <a:r>
+              <a:rPr lang="en-US" dirty="0" smtClean="0"/>
+              <a:t>Out</a:t>
+            </a:r>
+            <a:endParaRPr lang="en-US" dirty="0"/>
+          </a:p>
+        </p:txBody>
+      </p:sp>
+      <p:sp>
+        <p:nvSpPr>
+          <p:cNvPr id="6" name="Rectangle 5"/>
+          <p:cNvSpPr/>
+          <p:nvPr/>
+        </p:nvSpPr>
+        <p:spPr>
+          <a:xfrm>
+            <a:off x="8568661" y="484480"/>
+            <a:ext cx="624840" cy="307571"/>
+          </a:xfrm>
+          <a:prstGeom prst="rect">
+            <a:avLst/>
+          </a:prstGeom>
+          <a:ln>
+            <a:solidFill>
+              <a:srgbClr val="00B0F0"/>
+            </a:solidFill>
+          </a:ln>
+        </p:spPr>
+        <p:style>
+          <a:lnRef idx="1">
+            <a:schemeClr val="accent1"/>
+          </a:lnRef>
+          <a:fillRef idx="2">
+            <a:schemeClr val="accent1"/>
+          </a:fillRef>
+          <a:effectRef idx="1">
+            <a:schemeClr val="accent1"/>
+          </a:effectRef>
+          <a:fontRef idx="minor">
+            <a:schemeClr val="dk1"/>
+          </a:fontRef>
+        </p:style>
+        <p:txBody>
+          <a:bodyPr rtlCol="0" anchor="ctr"/>
+          <a:lstStyle/>
+          <a:p>
+            <a:pPr algn="ctr"/>
+            <a:endParaRPr lang="en-US"/>
+          </a:p>
+        </p:txBody>
+      </p:sp>
+      <p:sp>
+        <p:nvSpPr>
+          <p:cNvPr id="7" name="Content Placeholder 2"/>
+          <p:cNvSpPr>
+            <a:spLocks noGrp="1"/>
+          </p:cNvSpPr>
+          <p:nvPr>
+            <p:ph idx="1"/>
+          </p:nvPr>
+        </p:nvSpPr>
+        <p:spPr>
+          <a:xfrm>
+            <a:off x="9302951" y="391452"/>
+            <a:ext cx="2129444" cy="493626"/>
+          </a:xfrm>
+        </p:spPr>
+        <p:txBody>
+          <a:bodyPr/>
+          <a:lstStyle/>
+          <a:p>
+            <a:pPr marL="0" indent="0">
+              <a:buNone/>
+            </a:pPr>
+            <a:r>
+              <a:rPr lang="en-US" dirty="0" smtClean="0"/>
+              <a:t>Encoder</a:t>
+            </a:r>
+            <a:endParaRPr lang="en-US" dirty="0"/>
+          </a:p>
+        </p:txBody>
+      </p:sp>
+      <p:sp>
+        <p:nvSpPr>
+          <p:cNvPr id="9" name="Rectangle 8"/>
+          <p:cNvSpPr/>
+          <p:nvPr/>
+        </p:nvSpPr>
+        <p:spPr>
+          <a:xfrm>
+            <a:off x="8568661" y="972059"/>
+            <a:ext cx="624840" cy="307571"/>
+          </a:xfrm>
+          <a:prstGeom prst="rect">
+            <a:avLst/>
+          </a:prstGeom>
+          <a:ln/>
+        </p:spPr>
+        <p:style>
+          <a:lnRef idx="1">
+            <a:schemeClr val="accent6"/>
+          </a:lnRef>
+          <a:fillRef idx="2">
+            <a:schemeClr val="accent6"/>
+          </a:fillRef>
+          <a:effectRef idx="1">
+            <a:schemeClr val="accent6"/>
+          </a:effectRef>
+          <a:fontRef idx="minor">
+            <a:schemeClr val="dk1"/>
+          </a:fontRef>
+        </p:style>
+        <p:txBody>
+          <a:bodyPr rtlCol="0" anchor="ctr"/>
+          <a:lstStyle/>
+          <a:p>
+            <a:pPr algn="ctr"/>
+            <a:endParaRPr lang="en-US"/>
+          </a:p>
+        </p:txBody>
+      </p:sp>
+      <p:sp>
+        <p:nvSpPr>
+          <p:cNvPr id="10" name="Content Placeholder 2"/>
+          <p:cNvSpPr txBox="1">
+            <a:spLocks/>
+          </p:cNvSpPr>
+          <p:nvPr/>
+        </p:nvSpPr>
+        <p:spPr>
+          <a:xfrm>
+            <a:off x="9302951" y="877717"/>
+            <a:ext cx="2129444" cy="493626"/>
+          </a:xfrm>
+          <a:prstGeom prst="rect">
+            <a:avLst/>
+          </a:prstGeom>
+        </p:spPr>
+        <p:txBody>
+          <a:bodyPr vert="horz" lIns="91440" tIns="45720" rIns="91440" bIns="45720" rtlCol="0">
+            <a:normAutofit/>
+          </a:bodyPr>
+          <a:lstStyle>
+            <a:lvl1pPr marL="228600" indent="-228600" algn="l" defTabSz="914400" rtl="0" eaLnBrk="1" latinLnBrk="0" hangingPunct="1">
+              <a:lnSpc>
+                <a:spcPct val="90000"/>
+              </a:lnSpc>
+              <a:spcBef>
+                <a:spcPts val="1000"/>
+              </a:spcBef>
+              <a:buFont typeface="Arial" panose="020B0604020202020204" pitchFamily="34" charset="0"/>
+              <a:buChar char="•"/>
+              <a:defRPr sz="2800" kern="1200">
+                <a:solidFill>
+                  <a:schemeClr val="tx1"/>
+                </a:solidFill>
+                <a:latin typeface="+mn-lt"/>
+                <a:ea typeface="+mn-ea"/>
+                <a:cs typeface="+mn-cs"/>
+              </a:defRPr>
+            </a:lvl1pPr>
+            <a:lvl2pPr marL="685800" indent="-228600" algn="l" defTabSz="914400" rtl="0" eaLnBrk="1" latinLnBrk="0" hangingPunct="1">
+              <a:lnSpc>
+                <a:spcPct val="90000"/>
+              </a:lnSpc>
+              <a:spcBef>
+                <a:spcPts val="500"/>
+              </a:spcBef>
+              <a:buFont typeface="Arial" panose="020B0604020202020204" pitchFamily="34" charset="0"/>
+              <a:buChar char="•"/>
+              <a:defRPr sz="2400" kern="1200">
+                <a:solidFill>
+                  <a:schemeClr val="tx1"/>
+                </a:solidFill>
+                <a:latin typeface="+mn-lt"/>
+                <a:ea typeface="+mn-ea"/>
+                <a:cs typeface="+mn-cs"/>
+              </a:defRPr>
+            </a:lvl2pPr>
+            <a:lvl3pPr marL="1143000" indent="-228600" algn="l" defTabSz="914400" rtl="0" eaLnBrk="1" latinLnBrk="0" hangingPunct="1">
+              <a:lnSpc>
+                <a:spcPct val="90000"/>
+              </a:lnSpc>
+              <a:spcBef>
+                <a:spcPts val="500"/>
+              </a:spcBef>
+              <a:buFont typeface="Arial" panose="020B0604020202020204" pitchFamily="34" charset="0"/>
+              <a:buChar char="•"/>
+              <a:defRPr sz="2000" kern="1200">
+                <a:solidFill>
+                  <a:schemeClr val="tx1"/>
+                </a:solidFill>
+                <a:latin typeface="+mn-lt"/>
+                <a:ea typeface="+mn-ea"/>
+                <a:cs typeface="+mn-cs"/>
+              </a:defRPr>
+            </a:lvl3pPr>
+            <a:lvl4pPr marL="1600200" indent="-228600" algn="l" defTabSz="914400" rtl="0" eaLnBrk="1" latinLnBrk="0" hangingPunct="1">
+              <a:lnSpc>
+                <a:spcPct val="90000"/>
+              </a:lnSpc>
+              <a:spcBef>
+                <a:spcPts val="500"/>
+              </a:spcBef>
+              <a:buFont typeface="Arial" panose="020B0604020202020204" pitchFamily="34" charset="0"/>
+              <a:buChar char="•"/>
+              <a:defRPr sz="1800" kern="1200">
+                <a:solidFill>
+                  <a:schemeClr val="tx1"/>
+                </a:solidFill>
+                <a:latin typeface="+mn-lt"/>
+                <a:ea typeface="+mn-ea"/>
+                <a:cs typeface="+mn-cs"/>
+              </a:defRPr>
+            </a:lvl4pPr>
+            <a:lvl5pPr marL="2057400" indent="-228600" algn="l" defTabSz="914400" rtl="0" eaLnBrk="1" latinLnBrk="0" hangingPunct="1">
+              <a:lnSpc>
+                <a:spcPct val="90000"/>
+              </a:lnSpc>
+              <a:spcBef>
+                <a:spcPts val="500"/>
+              </a:spcBef>
+              <a:buFont typeface="Arial" panose="020B0604020202020204" pitchFamily="34" charset="0"/>
+              <a:buChar char="•"/>
+              <a:defRPr sz="1800" kern="1200">
+                <a:solidFill>
+                  <a:schemeClr val="tx1"/>
+                </a:solidFill>
+                <a:latin typeface="+mn-lt"/>
+                <a:ea typeface="+mn-ea"/>
+                <a:cs typeface="+mn-cs"/>
+              </a:defRPr>
+            </a:lvl5pPr>
+            <a:lvl6pPr marL="2514600" indent="-228600" algn="l" defTabSz="914400" rtl="0" eaLnBrk="1" latinLnBrk="0" hangingPunct="1">
+              <a:lnSpc>
+                <a:spcPct val="90000"/>
+              </a:lnSpc>
+              <a:spcBef>
+                <a:spcPts val="500"/>
+              </a:spcBef>
+              <a:buFont typeface="Arial" panose="020B0604020202020204" pitchFamily="34" charset="0"/>
+              <a:buChar char="•"/>
+              <a:defRPr sz="1800" kern="1200">
+                <a:solidFill>
+                  <a:schemeClr val="tx1"/>
+                </a:solidFill>
+                <a:latin typeface="+mn-lt"/>
+                <a:ea typeface="+mn-ea"/>
+                <a:cs typeface="+mn-cs"/>
+              </a:defRPr>
+            </a:lvl6pPr>
+            <a:lvl7pPr marL="2971800" indent="-228600" algn="l" defTabSz="914400" rtl="0" eaLnBrk="1" latinLnBrk="0" hangingPunct="1">
+              <a:lnSpc>
+                <a:spcPct val="90000"/>
+              </a:lnSpc>
+              <a:spcBef>
+                <a:spcPts val="500"/>
+              </a:spcBef>
+              <a:buFont typeface="Arial" panose="020B0604020202020204" pitchFamily="34" charset="0"/>
+              <a:buChar char="•"/>
+              <a:defRPr sz="1800" kern="1200">
+                <a:solidFill>
+                  <a:schemeClr val="tx1"/>
+                </a:solidFill>
+                <a:latin typeface="+mn-lt"/>
+                <a:ea typeface="+mn-ea"/>
+                <a:cs typeface="+mn-cs"/>
+              </a:defRPr>
+            </a:lvl7pPr>
+            <a:lvl8pPr marL="3429000" indent="-228600" algn="l" defTabSz="914400" rtl="0" eaLnBrk="1" latinLnBrk="0" hangingPunct="1">
+              <a:lnSpc>
+                <a:spcPct val="90000"/>
+              </a:lnSpc>
+              <a:spcBef>
+                <a:spcPts val="500"/>
+              </a:spcBef>
+              <a:buFont typeface="Arial" panose="020B0604020202020204" pitchFamily="34" charset="0"/>
+              <a:buChar char="•"/>
+              <a:defRPr sz="1800" kern="1200">
+                <a:solidFill>
+                  <a:schemeClr val="tx1"/>
+                </a:solidFill>
+                <a:latin typeface="+mn-lt"/>
+                <a:ea typeface="+mn-ea"/>
+                <a:cs typeface="+mn-cs"/>
+              </a:defRPr>
+            </a:lvl8pPr>
+            <a:lvl9pPr marL="3886200" indent="-228600" algn="l" defTabSz="914400" rtl="0" eaLnBrk="1" latinLnBrk="0" hangingPunct="1">
+              <a:lnSpc>
+                <a:spcPct val="90000"/>
+              </a:lnSpc>
+              <a:spcBef>
+                <a:spcPts val="500"/>
+              </a:spcBef>
+              <a:buFont typeface="Arial" panose="020B0604020202020204" pitchFamily="34" charset="0"/>
+              <a:buChar char="•"/>
+              <a:defRPr sz="1800" kern="1200">
+                <a:solidFill>
+                  <a:schemeClr val="tx1"/>
+                </a:solidFill>
+                <a:latin typeface="+mn-lt"/>
+                <a:ea typeface="+mn-ea"/>
+                <a:cs typeface="+mn-cs"/>
+              </a:defRPr>
+            </a:lvl9pPr>
+          </a:lstStyle>
+          <a:p>
+            <a:pPr marL="0" indent="0">
+              <a:buFont typeface="Arial" panose="020B0604020202020204" pitchFamily="34" charset="0"/>
+              <a:buNone/>
+            </a:pPr>
+            <a:r>
+              <a:rPr lang="en-US" dirty="0" smtClean="0"/>
+              <a:t>Decoder</a:t>
+            </a:r>
+            <a:endParaRPr lang="en-US" dirty="0"/>
+          </a:p>
+        </p:txBody>
+      </p:sp>
+      <p:cxnSp>
+        <p:nvCxnSpPr>
+          <p:cNvPr id="12" name="Straight Arrow Connector 11"/>
+          <p:cNvCxnSpPr>
+            <a:stCxn id="5" idx="3"/>
+            <a:endCxn id="8" idx="1"/>
+          </p:cNvCxnSpPr>
+          <p:nvPr/>
+        </p:nvCxnSpPr>
+        <p:spPr>
+          <a:xfrm flipV="1">
+            <a:off x="955964" y="3753196"/>
+            <a:ext cx="538941" cy="1"/>
+          </a:xfrm>
+          <a:prstGeom prst="straightConnector1">
+            <a:avLst/>
+          </a:prstGeom>
+          <a:ln>
+            <a:tailEnd type="triangle"/>
+          </a:ln>
+        </p:spPr>
+        <p:style>
+          <a:lnRef idx="1">
+            <a:schemeClr val="dk1"/>
+          </a:lnRef>
+          <a:fillRef idx="0">
+            <a:schemeClr val="dk1"/>
+          </a:fillRef>
+          <a:effectRef idx="0">
+            <a:schemeClr val="dk1"/>
+          </a:effectRef>
+          <a:fontRef idx="minor">
+            <a:schemeClr val="tx1"/>
+          </a:fontRef>
+        </p:style>
+      </p:cxnSp>
+      <p:grpSp>
+        <p:nvGrpSpPr>
+          <p:cNvPr id="27" name="Group 26"/>
+          <p:cNvGrpSpPr/>
+          <p:nvPr/>
+        </p:nvGrpSpPr>
+        <p:grpSpPr>
+          <a:xfrm>
+            <a:off x="3504506" y="1644491"/>
+            <a:ext cx="1341813" cy="1388225"/>
+            <a:chOff x="2639983" y="3300153"/>
+            <a:chExt cx="1341813" cy="1388225"/>
+          </a:xfrm>
+        </p:grpSpPr>
+        <p:sp>
+          <p:nvSpPr>
+            <p:cNvPr id="19" name="Rectangle 18"/>
+            <p:cNvSpPr/>
+            <p:nvPr/>
+          </p:nvSpPr>
+          <p:spPr>
+            <a:xfrm>
+              <a:off x="2811087" y="3599410"/>
+              <a:ext cx="973974" cy="307571"/>
+            </a:xfrm>
+            <a:prstGeom prst="rect">
+              <a:avLst/>
+            </a:prstGeom>
+            <a:ln/>
+          </p:spPr>
+          <p:style>
+            <a:lnRef idx="1">
+              <a:schemeClr val="accent6"/>
+            </a:lnRef>
+            <a:fillRef idx="2">
+              <a:schemeClr val="accent6"/>
+            </a:fillRef>
+            <a:effectRef idx="1">
+              <a:schemeClr val="accent6"/>
+            </a:effectRef>
+            <a:fontRef idx="minor">
+              <a:schemeClr val="dk1"/>
+            </a:fontRef>
+          </p:style>
+          <p:txBody>
+            <a:bodyPr rtlCol="0" anchor="ctr"/>
+            <a:lstStyle/>
+            <a:p>
+              <a:pPr algn="ctr"/>
+              <a:r>
+                <a:rPr lang="en-US" dirty="0"/>
+                <a:t>H</a:t>
+              </a:r>
+              <a:r>
+                <a:rPr lang="en-US" dirty="0" smtClean="0"/>
+                <a:t>idden</a:t>
+              </a:r>
+              <a:endParaRPr lang="en-US" dirty="0"/>
+            </a:p>
+          </p:txBody>
+        </p:sp>
+        <p:sp>
+          <p:nvSpPr>
+            <p:cNvPr id="20" name="Rectangle 19"/>
+            <p:cNvSpPr/>
+            <p:nvPr/>
+          </p:nvSpPr>
+          <p:spPr>
+            <a:xfrm>
+              <a:off x="2811087" y="4060766"/>
+              <a:ext cx="973974" cy="307571"/>
+            </a:xfrm>
+            <a:prstGeom prst="rect">
+              <a:avLst/>
+            </a:prstGeom>
+            <a:ln/>
+          </p:spPr>
+          <p:style>
+            <a:lnRef idx="1">
+              <a:schemeClr val="accent6"/>
+            </a:lnRef>
+            <a:fillRef idx="2">
+              <a:schemeClr val="accent6"/>
+            </a:fillRef>
+            <a:effectRef idx="1">
+              <a:schemeClr val="accent6"/>
+            </a:effectRef>
+            <a:fontRef idx="minor">
+              <a:schemeClr val="dk1"/>
+            </a:fontRef>
+          </p:style>
+          <p:txBody>
+            <a:bodyPr rtlCol="0" anchor="ctr"/>
+            <a:lstStyle/>
+            <a:p>
+              <a:pPr algn="ctr"/>
+              <a:r>
+                <a:rPr lang="en-US" dirty="0" smtClean="0"/>
+                <a:t>Output</a:t>
+              </a:r>
+              <a:endParaRPr lang="en-US" dirty="0"/>
+            </a:p>
+          </p:txBody>
+        </p:sp>
+        <p:sp>
+          <p:nvSpPr>
+            <p:cNvPr id="26" name="Rectangle 25"/>
+            <p:cNvSpPr/>
+            <p:nvPr/>
+          </p:nvSpPr>
+          <p:spPr>
+            <a:xfrm>
+              <a:off x="2639983" y="3300153"/>
+              <a:ext cx="1341813" cy="1388225"/>
+            </a:xfrm>
+            <a:prstGeom prst="rect">
+              <a:avLst/>
+            </a:prstGeom>
+            <a:noFill/>
+            <a:ln w="38100">
+              <a:solidFill>
+                <a:srgbClr val="92D050"/>
+              </a:solidFill>
+              <a:prstDash val="sysDash"/>
+            </a:ln>
+          </p:spPr>
+          <p:style>
+            <a:lnRef idx="2">
+              <a:schemeClr val="accent1">
+                <a:shade val="50000"/>
+              </a:schemeClr>
+            </a:lnRef>
+            <a:fillRef idx="1">
+              <a:schemeClr val="accent1"/>
+            </a:fillRef>
+            <a:effectRef idx="0">
+              <a:schemeClr val="accent1"/>
+            </a:effectRef>
+            <a:fontRef idx="minor">
+              <a:schemeClr val="lt1"/>
+            </a:fontRef>
+          </p:style>
+          <p:txBody>
+            <a:bodyPr rtlCol="0" anchor="ctr"/>
+            <a:lstStyle/>
+            <a:p>
+              <a:pPr algn="ctr"/>
+              <a:endParaRPr lang="en-US"/>
+            </a:p>
+          </p:txBody>
+        </p:sp>
+      </p:grpSp>
+      <p:grpSp>
+        <p:nvGrpSpPr>
+          <p:cNvPr id="30" name="Group 29"/>
+          <p:cNvGrpSpPr/>
+          <p:nvPr/>
+        </p:nvGrpSpPr>
+        <p:grpSpPr>
+          <a:xfrm>
+            <a:off x="3504506" y="3186501"/>
+            <a:ext cx="1341813" cy="1388225"/>
+            <a:chOff x="2639983" y="3300153"/>
+            <a:chExt cx="1341813" cy="1388225"/>
+          </a:xfrm>
+        </p:grpSpPr>
+        <p:sp>
+          <p:nvSpPr>
+            <p:cNvPr id="31" name="Rectangle 30"/>
+            <p:cNvSpPr/>
+            <p:nvPr/>
+          </p:nvSpPr>
+          <p:spPr>
+            <a:xfrm>
+              <a:off x="2811087" y="3599410"/>
+              <a:ext cx="973974" cy="307571"/>
+            </a:xfrm>
+            <a:prstGeom prst="rect">
+              <a:avLst/>
+            </a:prstGeom>
+            <a:ln/>
+          </p:spPr>
+          <p:style>
+            <a:lnRef idx="1">
+              <a:schemeClr val="accent6"/>
+            </a:lnRef>
+            <a:fillRef idx="2">
+              <a:schemeClr val="accent6"/>
+            </a:fillRef>
+            <a:effectRef idx="1">
+              <a:schemeClr val="accent6"/>
+            </a:effectRef>
+            <a:fontRef idx="minor">
+              <a:schemeClr val="dk1"/>
+            </a:fontRef>
+          </p:style>
+          <p:txBody>
+            <a:bodyPr rtlCol="0" anchor="ctr"/>
+            <a:lstStyle/>
+            <a:p>
+              <a:pPr algn="ctr"/>
+              <a:r>
+                <a:rPr lang="en-US" dirty="0"/>
+                <a:t>H</a:t>
+              </a:r>
+              <a:r>
+                <a:rPr lang="en-US" dirty="0" smtClean="0"/>
+                <a:t>idden</a:t>
+              </a:r>
+              <a:endParaRPr lang="en-US" dirty="0"/>
+            </a:p>
+          </p:txBody>
+        </p:sp>
+        <p:sp>
+          <p:nvSpPr>
+            <p:cNvPr id="32" name="Rectangle 31"/>
+            <p:cNvSpPr/>
+            <p:nvPr/>
+          </p:nvSpPr>
+          <p:spPr>
+            <a:xfrm>
+              <a:off x="2811087" y="4060766"/>
+              <a:ext cx="973974" cy="307571"/>
+            </a:xfrm>
+            <a:prstGeom prst="rect">
+              <a:avLst/>
+            </a:prstGeom>
+            <a:ln/>
+          </p:spPr>
+          <p:style>
+            <a:lnRef idx="1">
+              <a:schemeClr val="accent6"/>
+            </a:lnRef>
+            <a:fillRef idx="2">
+              <a:schemeClr val="accent6"/>
+            </a:fillRef>
+            <a:effectRef idx="1">
+              <a:schemeClr val="accent6"/>
+            </a:effectRef>
+            <a:fontRef idx="minor">
+              <a:schemeClr val="dk1"/>
+            </a:fontRef>
+          </p:style>
+          <p:txBody>
+            <a:bodyPr rtlCol="0" anchor="ctr"/>
+            <a:lstStyle/>
+            <a:p>
+              <a:pPr algn="ctr"/>
+              <a:r>
+                <a:rPr lang="en-US" dirty="0" smtClean="0"/>
+                <a:t>Output</a:t>
+              </a:r>
+              <a:endParaRPr lang="en-US" dirty="0"/>
+            </a:p>
+          </p:txBody>
+        </p:sp>
+        <p:sp>
+          <p:nvSpPr>
+            <p:cNvPr id="33" name="Rectangle 32"/>
+            <p:cNvSpPr/>
+            <p:nvPr/>
+          </p:nvSpPr>
+          <p:spPr>
+            <a:xfrm>
+              <a:off x="2639983" y="3300153"/>
+              <a:ext cx="1341813" cy="1388225"/>
+            </a:xfrm>
+            <a:prstGeom prst="rect">
+              <a:avLst/>
+            </a:prstGeom>
+            <a:noFill/>
+            <a:ln w="38100">
+              <a:solidFill>
+                <a:srgbClr val="92D050"/>
+              </a:solidFill>
+              <a:prstDash val="sysDash"/>
+            </a:ln>
+          </p:spPr>
+          <p:style>
+            <a:lnRef idx="2">
+              <a:schemeClr val="accent1">
+                <a:shade val="50000"/>
+              </a:schemeClr>
+            </a:lnRef>
+            <a:fillRef idx="1">
+              <a:schemeClr val="accent1"/>
+            </a:fillRef>
+            <a:effectRef idx="0">
+              <a:schemeClr val="accent1"/>
+            </a:effectRef>
+            <a:fontRef idx="minor">
+              <a:schemeClr val="lt1"/>
+            </a:fontRef>
+          </p:style>
+          <p:txBody>
+            <a:bodyPr rtlCol="0" anchor="ctr"/>
+            <a:lstStyle/>
+            <a:p>
+              <a:pPr algn="ctr"/>
+              <a:endParaRPr lang="en-US"/>
+            </a:p>
+          </p:txBody>
+        </p:sp>
+      </p:grpSp>
+      <p:grpSp>
+        <p:nvGrpSpPr>
+          <p:cNvPr id="34" name="Group 33"/>
+          <p:cNvGrpSpPr/>
+          <p:nvPr/>
+        </p:nvGrpSpPr>
+        <p:grpSpPr>
+          <a:xfrm>
+            <a:off x="3504506" y="4728511"/>
+            <a:ext cx="1341813" cy="1388225"/>
+            <a:chOff x="2639983" y="3300153"/>
+            <a:chExt cx="1341813" cy="1388225"/>
+          </a:xfrm>
+        </p:grpSpPr>
+        <p:sp>
+          <p:nvSpPr>
+            <p:cNvPr id="35" name="Rectangle 34"/>
+            <p:cNvSpPr/>
+            <p:nvPr/>
+          </p:nvSpPr>
+          <p:spPr>
+            <a:xfrm>
+              <a:off x="2811087" y="3599410"/>
+              <a:ext cx="973974" cy="307571"/>
+            </a:xfrm>
+            <a:prstGeom prst="rect">
+              <a:avLst/>
+            </a:prstGeom>
+            <a:ln/>
+          </p:spPr>
+          <p:style>
+            <a:lnRef idx="1">
+              <a:schemeClr val="accent6"/>
+            </a:lnRef>
+            <a:fillRef idx="2">
+              <a:schemeClr val="accent6"/>
+            </a:fillRef>
+            <a:effectRef idx="1">
+              <a:schemeClr val="accent6"/>
+            </a:effectRef>
+            <a:fontRef idx="minor">
+              <a:schemeClr val="dk1"/>
+            </a:fontRef>
+          </p:style>
+          <p:txBody>
+            <a:bodyPr rtlCol="0" anchor="ctr"/>
+            <a:lstStyle/>
+            <a:p>
+              <a:pPr algn="ctr"/>
+              <a:r>
+                <a:rPr lang="en-US" dirty="0"/>
+                <a:t>H</a:t>
+              </a:r>
+              <a:r>
+                <a:rPr lang="en-US" dirty="0" smtClean="0"/>
+                <a:t>idden</a:t>
+              </a:r>
+              <a:endParaRPr lang="en-US" dirty="0"/>
+            </a:p>
+          </p:txBody>
+        </p:sp>
+        <p:sp>
+          <p:nvSpPr>
+            <p:cNvPr id="36" name="Rectangle 35"/>
+            <p:cNvSpPr/>
+            <p:nvPr/>
+          </p:nvSpPr>
+          <p:spPr>
+            <a:xfrm>
+              <a:off x="2811087" y="4060766"/>
+              <a:ext cx="973974" cy="307571"/>
+            </a:xfrm>
+            <a:prstGeom prst="rect">
+              <a:avLst/>
+            </a:prstGeom>
+            <a:ln/>
+          </p:spPr>
+          <p:style>
+            <a:lnRef idx="1">
+              <a:schemeClr val="accent6"/>
+            </a:lnRef>
+            <a:fillRef idx="2">
+              <a:schemeClr val="accent6"/>
+            </a:fillRef>
+            <a:effectRef idx="1">
+              <a:schemeClr val="accent6"/>
+            </a:effectRef>
+            <a:fontRef idx="minor">
+              <a:schemeClr val="dk1"/>
+            </a:fontRef>
+          </p:style>
+          <p:txBody>
+            <a:bodyPr rtlCol="0" anchor="ctr"/>
+            <a:lstStyle/>
+            <a:p>
+              <a:pPr algn="ctr"/>
+              <a:r>
+                <a:rPr lang="en-US" dirty="0" smtClean="0"/>
+                <a:t>Output</a:t>
+              </a:r>
+              <a:endParaRPr lang="en-US" dirty="0"/>
+            </a:p>
+          </p:txBody>
+        </p:sp>
+        <p:sp>
+          <p:nvSpPr>
+            <p:cNvPr id="37" name="Rectangle 36"/>
+            <p:cNvSpPr/>
+            <p:nvPr/>
+          </p:nvSpPr>
+          <p:spPr>
+            <a:xfrm>
+              <a:off x="2639983" y="3300153"/>
+              <a:ext cx="1341813" cy="1388225"/>
+            </a:xfrm>
+            <a:prstGeom prst="rect">
+              <a:avLst/>
+            </a:prstGeom>
+            <a:noFill/>
+            <a:ln w="38100">
+              <a:solidFill>
+                <a:srgbClr val="92D050"/>
+              </a:solidFill>
+              <a:prstDash val="sysDash"/>
+            </a:ln>
+          </p:spPr>
+          <p:style>
+            <a:lnRef idx="2">
+              <a:schemeClr val="accent1">
+                <a:shade val="50000"/>
+              </a:schemeClr>
+            </a:lnRef>
+            <a:fillRef idx="1">
+              <a:schemeClr val="accent1"/>
+            </a:fillRef>
+            <a:effectRef idx="0">
+              <a:schemeClr val="accent1"/>
+            </a:effectRef>
+            <a:fontRef idx="minor">
+              <a:schemeClr val="lt1"/>
+            </a:fontRef>
+          </p:style>
+          <p:txBody>
+            <a:bodyPr rtlCol="0" anchor="ctr"/>
+            <a:lstStyle/>
+            <a:p>
+              <a:pPr algn="ctr"/>
+              <a:endParaRPr lang="en-US"/>
+            </a:p>
+          </p:txBody>
+        </p:sp>
+      </p:grpSp>
+      <p:grpSp>
+        <p:nvGrpSpPr>
+          <p:cNvPr id="39" name="Group 38"/>
+          <p:cNvGrpSpPr/>
+          <p:nvPr/>
+        </p:nvGrpSpPr>
+        <p:grpSpPr>
+          <a:xfrm>
+            <a:off x="1310985" y="3334384"/>
+            <a:ext cx="1341813" cy="1388225"/>
+            <a:chOff x="1310985" y="3334384"/>
+            <a:chExt cx="1341813" cy="1388225"/>
+          </a:xfrm>
+        </p:grpSpPr>
+        <p:sp>
+          <p:nvSpPr>
+            <p:cNvPr id="8" name="Rectangle 7"/>
+            <p:cNvSpPr/>
+            <p:nvPr/>
+          </p:nvSpPr>
+          <p:spPr>
+            <a:xfrm>
+              <a:off x="1494905" y="3599410"/>
+              <a:ext cx="973974" cy="307571"/>
+            </a:xfrm>
+            <a:prstGeom prst="rect">
+              <a:avLst/>
+            </a:prstGeom>
+            <a:ln/>
+          </p:spPr>
+          <p:style>
+            <a:lnRef idx="1">
+              <a:schemeClr val="accent6"/>
+            </a:lnRef>
+            <a:fillRef idx="2">
+              <a:schemeClr val="accent6"/>
+            </a:fillRef>
+            <a:effectRef idx="1">
+              <a:schemeClr val="accent6"/>
+            </a:effectRef>
+            <a:fontRef idx="minor">
+              <a:schemeClr val="dk1"/>
+            </a:fontRef>
+          </p:style>
+          <p:txBody>
+            <a:bodyPr rtlCol="0" anchor="ctr"/>
+            <a:lstStyle/>
+            <a:p>
+              <a:pPr algn="ctr"/>
+              <a:r>
+                <a:rPr lang="en-US" dirty="0"/>
+                <a:t>H</a:t>
+              </a:r>
+              <a:r>
+                <a:rPr lang="en-US" dirty="0" smtClean="0"/>
+                <a:t>idden</a:t>
+              </a:r>
+              <a:endParaRPr lang="en-US" dirty="0"/>
+            </a:p>
+          </p:txBody>
+        </p:sp>
+        <p:sp>
+          <p:nvSpPr>
+            <p:cNvPr id="13" name="Rectangle 12"/>
+            <p:cNvSpPr/>
+            <p:nvPr/>
+          </p:nvSpPr>
+          <p:spPr>
+            <a:xfrm>
+              <a:off x="1494905" y="4060766"/>
+              <a:ext cx="973974" cy="307571"/>
+            </a:xfrm>
+            <a:prstGeom prst="rect">
+              <a:avLst/>
+            </a:prstGeom>
+            <a:ln/>
+          </p:spPr>
+          <p:style>
+            <a:lnRef idx="1">
+              <a:schemeClr val="accent6"/>
+            </a:lnRef>
+            <a:fillRef idx="2">
+              <a:schemeClr val="accent6"/>
+            </a:fillRef>
+            <a:effectRef idx="1">
+              <a:schemeClr val="accent6"/>
+            </a:effectRef>
+            <a:fontRef idx="minor">
+              <a:schemeClr val="dk1"/>
+            </a:fontRef>
+          </p:style>
+          <p:txBody>
+            <a:bodyPr rtlCol="0" anchor="ctr"/>
+            <a:lstStyle/>
+            <a:p>
+              <a:pPr algn="ctr"/>
+              <a:r>
+                <a:rPr lang="en-US" dirty="0" smtClean="0"/>
+                <a:t>Input</a:t>
+              </a:r>
+              <a:endParaRPr lang="en-US" dirty="0"/>
+            </a:p>
+          </p:txBody>
+        </p:sp>
+        <p:sp>
+          <p:nvSpPr>
+            <p:cNvPr id="38" name="Rectangle 37"/>
+            <p:cNvSpPr/>
+            <p:nvPr/>
+          </p:nvSpPr>
+          <p:spPr>
+            <a:xfrm>
+              <a:off x="1310985" y="3334384"/>
+              <a:ext cx="1341813" cy="1388225"/>
+            </a:xfrm>
+            <a:prstGeom prst="rect">
+              <a:avLst/>
+            </a:prstGeom>
+            <a:noFill/>
+            <a:ln w="38100">
+              <a:solidFill>
+                <a:srgbClr val="92D050"/>
+              </a:solidFill>
+              <a:prstDash val="sysDash"/>
+            </a:ln>
+          </p:spPr>
+          <p:style>
+            <a:lnRef idx="2">
+              <a:schemeClr val="accent1">
+                <a:shade val="50000"/>
+              </a:schemeClr>
+            </a:lnRef>
+            <a:fillRef idx="1">
+              <a:schemeClr val="accent1"/>
+            </a:fillRef>
+            <a:effectRef idx="0">
+              <a:schemeClr val="accent1"/>
+            </a:effectRef>
+            <a:fontRef idx="minor">
+              <a:schemeClr val="lt1"/>
+            </a:fontRef>
+          </p:style>
+          <p:txBody>
+            <a:bodyPr rtlCol="0" anchor="ctr"/>
+            <a:lstStyle/>
+            <a:p>
+              <a:pPr algn="ctr"/>
+              <a:endParaRPr lang="en-US"/>
+            </a:p>
+          </p:txBody>
+        </p:sp>
+      </p:grpSp>
+      <p:sp>
+        <p:nvSpPr>
+          <p:cNvPr id="40" name="Content Placeholder 2"/>
+          <p:cNvSpPr txBox="1">
+            <a:spLocks/>
+          </p:cNvSpPr>
+          <p:nvPr/>
+        </p:nvSpPr>
+        <p:spPr>
+          <a:xfrm>
+            <a:off x="2928156" y="6270521"/>
+            <a:ext cx="2468881" cy="493626"/>
+          </a:xfrm>
+          <a:prstGeom prst="rect">
+            <a:avLst/>
+          </a:prstGeom>
+        </p:spPr>
+        <p:txBody>
+          <a:bodyPr vert="horz" lIns="91440" tIns="45720" rIns="91440" bIns="45720" rtlCol="0">
+            <a:normAutofit/>
+          </a:bodyPr>
+          <a:lstStyle>
+            <a:lvl1pPr marL="228600" indent="-228600" algn="l" defTabSz="914400" rtl="0" eaLnBrk="1" latinLnBrk="0" hangingPunct="1">
+              <a:lnSpc>
+                <a:spcPct val="90000"/>
+              </a:lnSpc>
+              <a:spcBef>
+                <a:spcPts val="1000"/>
+              </a:spcBef>
+              <a:buFont typeface="Arial" panose="020B0604020202020204" pitchFamily="34" charset="0"/>
+              <a:buChar char="•"/>
+              <a:defRPr sz="2800" kern="1200">
+                <a:solidFill>
+                  <a:schemeClr val="tx1"/>
+                </a:solidFill>
+                <a:latin typeface="+mn-lt"/>
+                <a:ea typeface="+mn-ea"/>
+                <a:cs typeface="+mn-cs"/>
+              </a:defRPr>
+            </a:lvl1pPr>
+            <a:lvl2pPr marL="685800" indent="-228600" algn="l" defTabSz="914400" rtl="0" eaLnBrk="1" latinLnBrk="0" hangingPunct="1">
+              <a:lnSpc>
+                <a:spcPct val="90000"/>
+              </a:lnSpc>
+              <a:spcBef>
+                <a:spcPts val="500"/>
+              </a:spcBef>
+              <a:buFont typeface="Arial" panose="020B0604020202020204" pitchFamily="34" charset="0"/>
+              <a:buChar char="•"/>
+              <a:defRPr sz="2400" kern="1200">
+                <a:solidFill>
+                  <a:schemeClr val="tx1"/>
+                </a:solidFill>
+                <a:latin typeface="+mn-lt"/>
+                <a:ea typeface="+mn-ea"/>
+                <a:cs typeface="+mn-cs"/>
+              </a:defRPr>
+            </a:lvl2pPr>
+            <a:lvl3pPr marL="1143000" indent="-228600" algn="l" defTabSz="914400" rtl="0" eaLnBrk="1" latinLnBrk="0" hangingPunct="1">
+              <a:lnSpc>
+                <a:spcPct val="90000"/>
+              </a:lnSpc>
+              <a:spcBef>
+                <a:spcPts val="500"/>
+              </a:spcBef>
+              <a:buFont typeface="Arial" panose="020B0604020202020204" pitchFamily="34" charset="0"/>
+              <a:buChar char="•"/>
+              <a:defRPr sz="2000" kern="1200">
+                <a:solidFill>
+                  <a:schemeClr val="tx1"/>
+                </a:solidFill>
+                <a:latin typeface="+mn-lt"/>
+                <a:ea typeface="+mn-ea"/>
+                <a:cs typeface="+mn-cs"/>
+              </a:defRPr>
+            </a:lvl3pPr>
+            <a:lvl4pPr marL="1600200" indent="-228600" algn="l" defTabSz="914400" rtl="0" eaLnBrk="1" latinLnBrk="0" hangingPunct="1">
+              <a:lnSpc>
+                <a:spcPct val="90000"/>
+              </a:lnSpc>
+              <a:spcBef>
+                <a:spcPts val="500"/>
+              </a:spcBef>
+              <a:buFont typeface="Arial" panose="020B0604020202020204" pitchFamily="34" charset="0"/>
+              <a:buChar char="•"/>
+              <a:defRPr sz="1800" kern="1200">
+                <a:solidFill>
+                  <a:schemeClr val="tx1"/>
+                </a:solidFill>
+                <a:latin typeface="+mn-lt"/>
+                <a:ea typeface="+mn-ea"/>
+                <a:cs typeface="+mn-cs"/>
+              </a:defRPr>
+            </a:lvl4pPr>
+            <a:lvl5pPr marL="2057400" indent="-228600" algn="l" defTabSz="914400" rtl="0" eaLnBrk="1" latinLnBrk="0" hangingPunct="1">
+              <a:lnSpc>
+                <a:spcPct val="90000"/>
+              </a:lnSpc>
+              <a:spcBef>
+                <a:spcPts val="500"/>
+              </a:spcBef>
+              <a:buFont typeface="Arial" panose="020B0604020202020204" pitchFamily="34" charset="0"/>
+              <a:buChar char="•"/>
+              <a:defRPr sz="1800" kern="1200">
+                <a:solidFill>
+                  <a:schemeClr val="tx1"/>
+                </a:solidFill>
+                <a:latin typeface="+mn-lt"/>
+                <a:ea typeface="+mn-ea"/>
+                <a:cs typeface="+mn-cs"/>
+              </a:defRPr>
+            </a:lvl5pPr>
+            <a:lvl6pPr marL="2514600" indent="-228600" algn="l" defTabSz="914400" rtl="0" eaLnBrk="1" latinLnBrk="0" hangingPunct="1">
+              <a:lnSpc>
+                <a:spcPct val="90000"/>
+              </a:lnSpc>
+              <a:spcBef>
+                <a:spcPts val="500"/>
+              </a:spcBef>
+              <a:buFont typeface="Arial" panose="020B0604020202020204" pitchFamily="34" charset="0"/>
+              <a:buChar char="•"/>
+              <a:defRPr sz="1800" kern="1200">
+                <a:solidFill>
+                  <a:schemeClr val="tx1"/>
+                </a:solidFill>
+                <a:latin typeface="+mn-lt"/>
+                <a:ea typeface="+mn-ea"/>
+                <a:cs typeface="+mn-cs"/>
+              </a:defRPr>
+            </a:lvl6pPr>
+            <a:lvl7pPr marL="2971800" indent="-228600" algn="l" defTabSz="914400" rtl="0" eaLnBrk="1" latinLnBrk="0" hangingPunct="1">
+              <a:lnSpc>
+                <a:spcPct val="90000"/>
+              </a:lnSpc>
+              <a:spcBef>
+                <a:spcPts val="500"/>
+              </a:spcBef>
+              <a:buFont typeface="Arial" panose="020B0604020202020204" pitchFamily="34" charset="0"/>
+              <a:buChar char="•"/>
+              <a:defRPr sz="1800" kern="1200">
+                <a:solidFill>
+                  <a:schemeClr val="tx1"/>
+                </a:solidFill>
+                <a:latin typeface="+mn-lt"/>
+                <a:ea typeface="+mn-ea"/>
+                <a:cs typeface="+mn-cs"/>
+              </a:defRPr>
+            </a:lvl7pPr>
+            <a:lvl8pPr marL="3429000" indent="-228600" algn="l" defTabSz="914400" rtl="0" eaLnBrk="1" latinLnBrk="0" hangingPunct="1">
+              <a:lnSpc>
+                <a:spcPct val="90000"/>
+              </a:lnSpc>
+              <a:spcBef>
+                <a:spcPts val="500"/>
+              </a:spcBef>
+              <a:buFont typeface="Arial" panose="020B0604020202020204" pitchFamily="34" charset="0"/>
+              <a:buChar char="•"/>
+              <a:defRPr sz="1800" kern="1200">
+                <a:solidFill>
+                  <a:schemeClr val="tx1"/>
+                </a:solidFill>
+                <a:latin typeface="+mn-lt"/>
+                <a:ea typeface="+mn-ea"/>
+                <a:cs typeface="+mn-cs"/>
+              </a:defRPr>
+            </a:lvl8pPr>
+            <a:lvl9pPr marL="3886200" indent="-228600" algn="l" defTabSz="914400" rtl="0" eaLnBrk="1" latinLnBrk="0" hangingPunct="1">
+              <a:lnSpc>
+                <a:spcPct val="90000"/>
+              </a:lnSpc>
+              <a:spcBef>
+                <a:spcPts val="500"/>
+              </a:spcBef>
+              <a:buFont typeface="Arial" panose="020B0604020202020204" pitchFamily="34" charset="0"/>
+              <a:buChar char="•"/>
+              <a:defRPr sz="1800" kern="1200">
+                <a:solidFill>
+                  <a:schemeClr val="tx1"/>
+                </a:solidFill>
+                <a:latin typeface="+mn-lt"/>
+                <a:ea typeface="+mn-ea"/>
+                <a:cs typeface="+mn-cs"/>
+              </a:defRPr>
+            </a:lvl9pPr>
+          </a:lstStyle>
+          <a:p>
+            <a:pPr marL="0" indent="0">
+              <a:buFont typeface="Arial" panose="020B0604020202020204" pitchFamily="34" charset="0"/>
+              <a:buNone/>
+            </a:pPr>
+            <a:r>
+              <a:rPr lang="en-US" dirty="0" smtClean="0"/>
+              <a:t>Beam width = 3</a:t>
+            </a:r>
+            <a:endParaRPr lang="en-US" dirty="0"/>
+          </a:p>
+        </p:txBody>
+      </p:sp>
+      <p:cxnSp>
+        <p:nvCxnSpPr>
+          <p:cNvPr id="42" name="Straight Arrow Connector 41"/>
+          <p:cNvCxnSpPr>
+            <a:stCxn id="38" idx="3"/>
+            <a:endCxn id="26" idx="1"/>
+          </p:cNvCxnSpPr>
+          <p:nvPr/>
+        </p:nvCxnSpPr>
+        <p:spPr>
+          <a:xfrm flipV="1">
+            <a:off x="2652798" y="2338604"/>
+            <a:ext cx="851708" cy="1689893"/>
+          </a:xfrm>
+          <a:prstGeom prst="straightConnector1">
+            <a:avLst/>
+          </a:prstGeom>
+          <a:ln>
+            <a:tailEnd type="triangle"/>
+          </a:ln>
+        </p:spPr>
+        <p:style>
+          <a:lnRef idx="1">
+            <a:schemeClr val="dk1"/>
+          </a:lnRef>
+          <a:fillRef idx="0">
+            <a:schemeClr val="dk1"/>
+          </a:fillRef>
+          <a:effectRef idx="0">
+            <a:schemeClr val="dk1"/>
+          </a:effectRef>
+          <a:fontRef idx="minor">
+            <a:schemeClr val="tx1"/>
+          </a:fontRef>
+        </p:style>
+      </p:cxnSp>
+      <p:cxnSp>
+        <p:nvCxnSpPr>
+          <p:cNvPr id="44" name="Straight Arrow Connector 43"/>
+          <p:cNvCxnSpPr>
+            <a:stCxn id="38" idx="3"/>
+            <a:endCxn id="33" idx="1"/>
+          </p:cNvCxnSpPr>
+          <p:nvPr/>
+        </p:nvCxnSpPr>
+        <p:spPr>
+          <a:xfrm flipV="1">
+            <a:off x="2652798" y="3880614"/>
+            <a:ext cx="851708" cy="147883"/>
+          </a:xfrm>
+          <a:prstGeom prst="straightConnector1">
+            <a:avLst/>
+          </a:prstGeom>
+          <a:ln>
+            <a:tailEnd type="triangle"/>
+          </a:ln>
+        </p:spPr>
+        <p:style>
+          <a:lnRef idx="1">
+            <a:schemeClr val="dk1"/>
+          </a:lnRef>
+          <a:fillRef idx="0">
+            <a:schemeClr val="dk1"/>
+          </a:fillRef>
+          <a:effectRef idx="0">
+            <a:schemeClr val="dk1"/>
+          </a:effectRef>
+          <a:fontRef idx="minor">
+            <a:schemeClr val="tx1"/>
+          </a:fontRef>
+        </p:style>
+      </p:cxnSp>
+      <p:cxnSp>
+        <p:nvCxnSpPr>
+          <p:cNvPr id="46" name="Straight Arrow Connector 45"/>
+          <p:cNvCxnSpPr>
+            <a:stCxn id="38" idx="3"/>
+            <a:endCxn id="37" idx="1"/>
+          </p:cNvCxnSpPr>
+          <p:nvPr/>
+        </p:nvCxnSpPr>
+        <p:spPr>
+          <a:xfrm>
+            <a:off x="2652798" y="4028497"/>
+            <a:ext cx="851708" cy="1394127"/>
+          </a:xfrm>
+          <a:prstGeom prst="straightConnector1">
+            <a:avLst/>
+          </a:prstGeom>
+          <a:ln>
+            <a:tailEnd type="triangle"/>
+          </a:ln>
+        </p:spPr>
+        <p:style>
+          <a:lnRef idx="1">
+            <a:schemeClr val="dk1"/>
+          </a:lnRef>
+          <a:fillRef idx="0">
+            <a:schemeClr val="dk1"/>
+          </a:fillRef>
+          <a:effectRef idx="0">
+            <a:schemeClr val="dk1"/>
+          </a:effectRef>
+          <a:fontRef idx="minor">
+            <a:schemeClr val="tx1"/>
+          </a:fontRef>
+        </p:style>
+      </p:cxnSp>
+      <p:grpSp>
+        <p:nvGrpSpPr>
+          <p:cNvPr id="47" name="Group 46"/>
+          <p:cNvGrpSpPr/>
+          <p:nvPr/>
+        </p:nvGrpSpPr>
+        <p:grpSpPr>
+          <a:xfrm>
+            <a:off x="5462869" y="2251319"/>
+            <a:ext cx="938299" cy="900344"/>
+            <a:chOff x="2639983" y="3300153"/>
+            <a:chExt cx="1341813" cy="1388225"/>
+          </a:xfrm>
+        </p:grpSpPr>
+        <p:sp>
+          <p:nvSpPr>
+            <p:cNvPr id="48" name="Rectangle 47"/>
+            <p:cNvSpPr/>
+            <p:nvPr/>
+          </p:nvSpPr>
+          <p:spPr>
+            <a:xfrm>
+              <a:off x="2811087" y="3599410"/>
+              <a:ext cx="973974" cy="307570"/>
+            </a:xfrm>
+            <a:prstGeom prst="rect">
+              <a:avLst/>
+            </a:prstGeom>
+            <a:ln/>
+          </p:spPr>
+          <p:style>
+            <a:lnRef idx="1">
+              <a:schemeClr val="accent6"/>
+            </a:lnRef>
+            <a:fillRef idx="2">
+              <a:schemeClr val="accent6"/>
+            </a:fillRef>
+            <a:effectRef idx="1">
+              <a:schemeClr val="accent6"/>
+            </a:effectRef>
+            <a:fontRef idx="minor">
+              <a:schemeClr val="dk1"/>
+            </a:fontRef>
+          </p:style>
+          <p:txBody>
+            <a:bodyPr rtlCol="0" anchor="ctr"/>
+            <a:lstStyle/>
+            <a:p>
+              <a:pPr algn="ctr"/>
+              <a:r>
+                <a:rPr lang="en-US" sz="1000" dirty="0"/>
+                <a:t>H</a:t>
+              </a:r>
+              <a:r>
+                <a:rPr lang="en-US" sz="1000" dirty="0" smtClean="0"/>
+                <a:t>idden</a:t>
+              </a:r>
+              <a:endParaRPr lang="en-US" sz="1000" dirty="0"/>
+            </a:p>
+          </p:txBody>
+        </p:sp>
+        <p:sp>
+          <p:nvSpPr>
+            <p:cNvPr id="49" name="Rectangle 48"/>
+            <p:cNvSpPr/>
+            <p:nvPr/>
+          </p:nvSpPr>
+          <p:spPr>
+            <a:xfrm>
+              <a:off x="2811087" y="4060766"/>
+              <a:ext cx="973974" cy="307571"/>
+            </a:xfrm>
+            <a:prstGeom prst="rect">
+              <a:avLst/>
+            </a:prstGeom>
+            <a:ln/>
+          </p:spPr>
+          <p:style>
+            <a:lnRef idx="1">
+              <a:schemeClr val="accent6"/>
+            </a:lnRef>
+            <a:fillRef idx="2">
+              <a:schemeClr val="accent6"/>
+            </a:fillRef>
+            <a:effectRef idx="1">
+              <a:schemeClr val="accent6"/>
+            </a:effectRef>
+            <a:fontRef idx="minor">
+              <a:schemeClr val="dk1"/>
+            </a:fontRef>
+          </p:style>
+          <p:txBody>
+            <a:bodyPr rtlCol="0" anchor="ctr"/>
+            <a:lstStyle/>
+            <a:p>
+              <a:pPr algn="ctr"/>
+              <a:r>
+                <a:rPr lang="en-US" sz="1000" dirty="0" smtClean="0"/>
+                <a:t>Output</a:t>
+              </a:r>
+              <a:endParaRPr lang="en-US" sz="1000" dirty="0"/>
+            </a:p>
+          </p:txBody>
+        </p:sp>
+        <p:sp>
+          <p:nvSpPr>
+            <p:cNvPr id="50" name="Rectangle 49"/>
+            <p:cNvSpPr/>
+            <p:nvPr/>
+          </p:nvSpPr>
+          <p:spPr>
+            <a:xfrm>
+              <a:off x="2639983" y="3300153"/>
+              <a:ext cx="1341813" cy="1388225"/>
+            </a:xfrm>
+            <a:prstGeom prst="rect">
+              <a:avLst/>
+            </a:prstGeom>
+            <a:noFill/>
+            <a:ln w="38100">
+              <a:solidFill>
+                <a:srgbClr val="92D050"/>
+              </a:solidFill>
+              <a:prstDash val="sysDash"/>
+            </a:ln>
+          </p:spPr>
+          <p:style>
+            <a:lnRef idx="2">
+              <a:schemeClr val="accent1">
+                <a:shade val="50000"/>
+              </a:schemeClr>
+            </a:lnRef>
+            <a:fillRef idx="1">
+              <a:schemeClr val="accent1"/>
+            </a:fillRef>
+            <a:effectRef idx="0">
+              <a:schemeClr val="accent1"/>
+            </a:effectRef>
+            <a:fontRef idx="minor">
+              <a:schemeClr val="lt1"/>
+            </a:fontRef>
+          </p:style>
+          <p:txBody>
+            <a:bodyPr rtlCol="0" anchor="ctr"/>
+            <a:lstStyle/>
+            <a:p>
+              <a:pPr algn="ctr"/>
+              <a:endParaRPr lang="en-US"/>
+            </a:p>
+          </p:txBody>
+        </p:sp>
+      </p:grpSp>
+      <p:grpSp>
+        <p:nvGrpSpPr>
+          <p:cNvPr id="55" name="Group 54"/>
+          <p:cNvGrpSpPr/>
+          <p:nvPr/>
+        </p:nvGrpSpPr>
+        <p:grpSpPr>
+          <a:xfrm>
+            <a:off x="5462869" y="3307502"/>
+            <a:ext cx="938299" cy="900344"/>
+            <a:chOff x="2639983" y="3300153"/>
+            <a:chExt cx="1341813" cy="1388225"/>
+          </a:xfrm>
+        </p:grpSpPr>
+        <p:sp>
+          <p:nvSpPr>
+            <p:cNvPr id="56" name="Rectangle 55"/>
+            <p:cNvSpPr/>
+            <p:nvPr/>
+          </p:nvSpPr>
+          <p:spPr>
+            <a:xfrm>
+              <a:off x="2811087" y="3599410"/>
+              <a:ext cx="973974" cy="307570"/>
+            </a:xfrm>
+            <a:prstGeom prst="rect">
+              <a:avLst/>
+            </a:prstGeom>
+            <a:ln/>
+          </p:spPr>
+          <p:style>
+            <a:lnRef idx="1">
+              <a:schemeClr val="accent6"/>
+            </a:lnRef>
+            <a:fillRef idx="2">
+              <a:schemeClr val="accent6"/>
+            </a:fillRef>
+            <a:effectRef idx="1">
+              <a:schemeClr val="accent6"/>
+            </a:effectRef>
+            <a:fontRef idx="minor">
+              <a:schemeClr val="dk1"/>
+            </a:fontRef>
+          </p:style>
+          <p:txBody>
+            <a:bodyPr rtlCol="0" anchor="ctr"/>
+            <a:lstStyle/>
+            <a:p>
+              <a:pPr algn="ctr"/>
+              <a:r>
+                <a:rPr lang="en-US" sz="1000" dirty="0"/>
+                <a:t>H</a:t>
+              </a:r>
+              <a:r>
+                <a:rPr lang="en-US" sz="1000" dirty="0" smtClean="0"/>
+                <a:t>idden</a:t>
+              </a:r>
+              <a:endParaRPr lang="en-US" sz="1000" dirty="0"/>
+            </a:p>
+          </p:txBody>
+        </p:sp>
+        <p:sp>
+          <p:nvSpPr>
+            <p:cNvPr id="57" name="Rectangle 56"/>
+            <p:cNvSpPr/>
+            <p:nvPr/>
+          </p:nvSpPr>
+          <p:spPr>
+            <a:xfrm>
+              <a:off x="2811087" y="4060766"/>
+              <a:ext cx="973974" cy="307571"/>
+            </a:xfrm>
+            <a:prstGeom prst="rect">
+              <a:avLst/>
+            </a:prstGeom>
+            <a:ln/>
+          </p:spPr>
+          <p:style>
+            <a:lnRef idx="1">
+              <a:schemeClr val="accent6"/>
+            </a:lnRef>
+            <a:fillRef idx="2">
+              <a:schemeClr val="accent6"/>
+            </a:fillRef>
+            <a:effectRef idx="1">
+              <a:schemeClr val="accent6"/>
+            </a:effectRef>
+            <a:fontRef idx="minor">
+              <a:schemeClr val="dk1"/>
+            </a:fontRef>
+          </p:style>
+          <p:txBody>
+            <a:bodyPr rtlCol="0" anchor="ctr"/>
+            <a:lstStyle/>
+            <a:p>
+              <a:pPr algn="ctr"/>
+              <a:r>
+                <a:rPr lang="en-US" sz="1000" dirty="0" smtClean="0"/>
+                <a:t>Output</a:t>
+              </a:r>
+              <a:endParaRPr lang="en-US" sz="1000" dirty="0"/>
+            </a:p>
+          </p:txBody>
+        </p:sp>
+        <p:sp>
+          <p:nvSpPr>
+            <p:cNvPr id="58" name="Rectangle 57"/>
+            <p:cNvSpPr/>
+            <p:nvPr/>
+          </p:nvSpPr>
+          <p:spPr>
+            <a:xfrm>
+              <a:off x="2639983" y="3300153"/>
+              <a:ext cx="1341813" cy="1388225"/>
+            </a:xfrm>
+            <a:prstGeom prst="rect">
+              <a:avLst/>
+            </a:prstGeom>
+            <a:noFill/>
+            <a:ln w="38100">
+              <a:solidFill>
+                <a:srgbClr val="92D050"/>
+              </a:solidFill>
+              <a:prstDash val="sysDash"/>
+            </a:ln>
+          </p:spPr>
+          <p:style>
+            <a:lnRef idx="2">
+              <a:schemeClr val="accent1">
+                <a:shade val="50000"/>
+              </a:schemeClr>
+            </a:lnRef>
+            <a:fillRef idx="1">
+              <a:schemeClr val="accent1"/>
+            </a:fillRef>
+            <a:effectRef idx="0">
+              <a:schemeClr val="accent1"/>
+            </a:effectRef>
+            <a:fontRef idx="minor">
+              <a:schemeClr val="lt1"/>
+            </a:fontRef>
+          </p:style>
+          <p:txBody>
+            <a:bodyPr rtlCol="0" anchor="ctr"/>
+            <a:lstStyle/>
+            <a:p>
+              <a:pPr algn="ctr"/>
+              <a:endParaRPr lang="en-US"/>
+            </a:p>
+          </p:txBody>
+        </p:sp>
+      </p:grpSp>
+      <p:grpSp>
+        <p:nvGrpSpPr>
+          <p:cNvPr id="59" name="Group 58"/>
+          <p:cNvGrpSpPr/>
+          <p:nvPr/>
+        </p:nvGrpSpPr>
+        <p:grpSpPr>
+          <a:xfrm>
+            <a:off x="5471831" y="4448711"/>
+            <a:ext cx="938299" cy="900344"/>
+            <a:chOff x="2639983" y="3300153"/>
+            <a:chExt cx="1341813" cy="1388225"/>
+          </a:xfrm>
+        </p:grpSpPr>
+        <p:sp>
+          <p:nvSpPr>
+            <p:cNvPr id="60" name="Rectangle 59"/>
+            <p:cNvSpPr/>
+            <p:nvPr/>
+          </p:nvSpPr>
+          <p:spPr>
+            <a:xfrm>
+              <a:off x="2811087" y="3599410"/>
+              <a:ext cx="973974" cy="307570"/>
+            </a:xfrm>
+            <a:prstGeom prst="rect">
+              <a:avLst/>
+            </a:prstGeom>
+            <a:ln/>
+          </p:spPr>
+          <p:style>
+            <a:lnRef idx="1">
+              <a:schemeClr val="accent6"/>
+            </a:lnRef>
+            <a:fillRef idx="2">
+              <a:schemeClr val="accent6"/>
+            </a:fillRef>
+            <a:effectRef idx="1">
+              <a:schemeClr val="accent6"/>
+            </a:effectRef>
+            <a:fontRef idx="minor">
+              <a:schemeClr val="dk1"/>
+            </a:fontRef>
+          </p:style>
+          <p:txBody>
+            <a:bodyPr rtlCol="0" anchor="ctr"/>
+            <a:lstStyle/>
+            <a:p>
+              <a:pPr algn="ctr"/>
+              <a:r>
+                <a:rPr lang="en-US" sz="1000" dirty="0"/>
+                <a:t>H</a:t>
+              </a:r>
+              <a:r>
+                <a:rPr lang="en-US" sz="1000" dirty="0" smtClean="0"/>
+                <a:t>idden</a:t>
+              </a:r>
+              <a:endParaRPr lang="en-US" sz="1000" dirty="0"/>
+            </a:p>
+          </p:txBody>
+        </p:sp>
+        <p:sp>
+          <p:nvSpPr>
+            <p:cNvPr id="61" name="Rectangle 60"/>
+            <p:cNvSpPr/>
+            <p:nvPr/>
+          </p:nvSpPr>
+          <p:spPr>
+            <a:xfrm>
+              <a:off x="2811087" y="4060766"/>
+              <a:ext cx="973974" cy="307571"/>
+            </a:xfrm>
+            <a:prstGeom prst="rect">
+              <a:avLst/>
+            </a:prstGeom>
+            <a:ln/>
+          </p:spPr>
+          <p:style>
+            <a:lnRef idx="1">
+              <a:schemeClr val="accent6"/>
+            </a:lnRef>
+            <a:fillRef idx="2">
+              <a:schemeClr val="accent6"/>
+            </a:fillRef>
+            <a:effectRef idx="1">
+              <a:schemeClr val="accent6"/>
+            </a:effectRef>
+            <a:fontRef idx="minor">
+              <a:schemeClr val="dk1"/>
+            </a:fontRef>
+          </p:style>
+          <p:txBody>
+            <a:bodyPr rtlCol="0" anchor="ctr"/>
+            <a:lstStyle/>
+            <a:p>
+              <a:pPr algn="ctr"/>
+              <a:r>
+                <a:rPr lang="en-US" sz="1000" dirty="0" smtClean="0"/>
+                <a:t>Output</a:t>
+              </a:r>
+              <a:endParaRPr lang="en-US" sz="1000" dirty="0"/>
+            </a:p>
+          </p:txBody>
+        </p:sp>
+        <p:sp>
+          <p:nvSpPr>
+            <p:cNvPr id="62" name="Rectangle 61"/>
+            <p:cNvSpPr/>
+            <p:nvPr/>
+          </p:nvSpPr>
+          <p:spPr>
+            <a:xfrm>
+              <a:off x="2639983" y="3300153"/>
+              <a:ext cx="1341813" cy="1388225"/>
+            </a:xfrm>
+            <a:prstGeom prst="rect">
+              <a:avLst/>
+            </a:prstGeom>
+            <a:noFill/>
+            <a:ln w="38100">
+              <a:solidFill>
+                <a:srgbClr val="92D050"/>
+              </a:solidFill>
+              <a:prstDash val="sysDash"/>
+            </a:ln>
+          </p:spPr>
+          <p:style>
+            <a:lnRef idx="2">
+              <a:schemeClr val="accent1">
+                <a:shade val="50000"/>
+              </a:schemeClr>
+            </a:lnRef>
+            <a:fillRef idx="1">
+              <a:schemeClr val="accent1"/>
+            </a:fillRef>
+            <a:effectRef idx="0">
+              <a:schemeClr val="accent1"/>
+            </a:effectRef>
+            <a:fontRef idx="minor">
+              <a:schemeClr val="lt1"/>
+            </a:fontRef>
+          </p:style>
+          <p:txBody>
+            <a:bodyPr rtlCol="0" anchor="ctr"/>
+            <a:lstStyle/>
+            <a:p>
+              <a:pPr algn="ctr"/>
+              <a:endParaRPr lang="en-US"/>
+            </a:p>
+          </p:txBody>
+        </p:sp>
+      </p:grpSp>
+      <p:cxnSp>
+        <p:nvCxnSpPr>
+          <p:cNvPr id="64" name="Straight Arrow Connector 63"/>
+          <p:cNvCxnSpPr>
+            <a:stCxn id="33" idx="3"/>
+            <a:endCxn id="50" idx="1"/>
+          </p:cNvCxnSpPr>
+          <p:nvPr/>
+        </p:nvCxnSpPr>
+        <p:spPr>
+          <a:xfrm flipV="1">
+            <a:off x="4846319" y="2701491"/>
+            <a:ext cx="616550" cy="1179123"/>
+          </a:xfrm>
+          <a:prstGeom prst="straightConnector1">
+            <a:avLst/>
+          </a:prstGeom>
+          <a:ln>
+            <a:tailEnd type="triangle"/>
+          </a:ln>
+        </p:spPr>
+        <p:style>
+          <a:lnRef idx="1">
+            <a:schemeClr val="dk1"/>
+          </a:lnRef>
+          <a:fillRef idx="0">
+            <a:schemeClr val="dk1"/>
+          </a:fillRef>
+          <a:effectRef idx="0">
+            <a:schemeClr val="dk1"/>
+          </a:effectRef>
+          <a:fontRef idx="minor">
+            <a:schemeClr val="tx1"/>
+          </a:fontRef>
+        </p:style>
+      </p:cxnSp>
+      <p:cxnSp>
+        <p:nvCxnSpPr>
+          <p:cNvPr id="66" name="Straight Arrow Connector 65"/>
+          <p:cNvCxnSpPr>
+            <a:stCxn id="33" idx="3"/>
+            <a:endCxn id="58" idx="1"/>
+          </p:cNvCxnSpPr>
+          <p:nvPr/>
+        </p:nvCxnSpPr>
+        <p:spPr>
+          <a:xfrm flipV="1">
+            <a:off x="4846319" y="3757674"/>
+            <a:ext cx="616550" cy="122940"/>
+          </a:xfrm>
+          <a:prstGeom prst="straightConnector1">
+            <a:avLst/>
+          </a:prstGeom>
+          <a:ln>
+            <a:tailEnd type="triangle"/>
+          </a:ln>
+        </p:spPr>
+        <p:style>
+          <a:lnRef idx="1">
+            <a:schemeClr val="dk1"/>
+          </a:lnRef>
+          <a:fillRef idx="0">
+            <a:schemeClr val="dk1"/>
+          </a:fillRef>
+          <a:effectRef idx="0">
+            <a:schemeClr val="dk1"/>
+          </a:effectRef>
+          <a:fontRef idx="minor">
+            <a:schemeClr val="tx1"/>
+          </a:fontRef>
+        </p:style>
+      </p:cxnSp>
+      <p:cxnSp>
+        <p:nvCxnSpPr>
+          <p:cNvPr id="68" name="Straight Arrow Connector 67"/>
+          <p:cNvCxnSpPr>
+            <a:stCxn id="33" idx="3"/>
+            <a:endCxn id="62" idx="1"/>
+          </p:cNvCxnSpPr>
+          <p:nvPr/>
+        </p:nvCxnSpPr>
+        <p:spPr>
+          <a:xfrm>
+            <a:off x="4846319" y="3880614"/>
+            <a:ext cx="625512" cy="1018269"/>
+          </a:xfrm>
+          <a:prstGeom prst="straightConnector1">
+            <a:avLst/>
+          </a:prstGeom>
+          <a:ln>
+            <a:tailEnd type="triangle"/>
+          </a:ln>
+        </p:spPr>
+        <p:style>
+          <a:lnRef idx="1">
+            <a:schemeClr val="dk1"/>
+          </a:lnRef>
+          <a:fillRef idx="0">
+            <a:schemeClr val="dk1"/>
+          </a:fillRef>
+          <a:effectRef idx="0">
+            <a:schemeClr val="dk1"/>
+          </a:effectRef>
+          <a:fontRef idx="minor">
+            <a:schemeClr val="tx1"/>
+          </a:fontRef>
+        </p:style>
+      </p:cxnSp>
+      <p:grpSp>
+        <p:nvGrpSpPr>
+          <p:cNvPr id="69" name="Group 68"/>
+          <p:cNvGrpSpPr/>
+          <p:nvPr/>
+        </p:nvGrpSpPr>
+        <p:grpSpPr>
+          <a:xfrm>
+            <a:off x="6805812" y="1088296"/>
+            <a:ext cx="820014" cy="664096"/>
+            <a:chOff x="2639983" y="3300153"/>
+            <a:chExt cx="1341813" cy="1388225"/>
+          </a:xfrm>
+        </p:grpSpPr>
+        <p:sp>
+          <p:nvSpPr>
+            <p:cNvPr id="70" name="Rectangle 69"/>
+            <p:cNvSpPr/>
+            <p:nvPr/>
+          </p:nvSpPr>
+          <p:spPr>
+            <a:xfrm>
+              <a:off x="2811087" y="3599410"/>
+              <a:ext cx="973974" cy="307570"/>
+            </a:xfrm>
+            <a:prstGeom prst="rect">
+              <a:avLst/>
+            </a:prstGeom>
+            <a:ln/>
+          </p:spPr>
+          <p:style>
+            <a:lnRef idx="1">
+              <a:schemeClr val="accent6"/>
+            </a:lnRef>
+            <a:fillRef idx="2">
+              <a:schemeClr val="accent6"/>
+            </a:fillRef>
+            <a:effectRef idx="1">
+              <a:schemeClr val="accent6"/>
+            </a:effectRef>
+            <a:fontRef idx="minor">
+              <a:schemeClr val="dk1"/>
+            </a:fontRef>
+          </p:style>
+          <p:txBody>
+            <a:bodyPr rtlCol="0" anchor="ctr"/>
+            <a:lstStyle/>
+            <a:p>
+              <a:pPr algn="ctr"/>
+              <a:r>
+                <a:rPr lang="en-US" sz="1000" dirty="0"/>
+                <a:t>H</a:t>
+              </a:r>
+              <a:r>
+                <a:rPr lang="en-US" sz="1000" dirty="0" smtClean="0"/>
+                <a:t>idden</a:t>
+              </a:r>
+              <a:endParaRPr lang="en-US" sz="1000" dirty="0"/>
+            </a:p>
+          </p:txBody>
+        </p:sp>
+        <p:sp>
+          <p:nvSpPr>
+            <p:cNvPr id="71" name="Rectangle 70"/>
+            <p:cNvSpPr/>
+            <p:nvPr/>
+          </p:nvSpPr>
+          <p:spPr>
+            <a:xfrm>
+              <a:off x="2811087" y="4060766"/>
+              <a:ext cx="973974" cy="307571"/>
+            </a:xfrm>
+            <a:prstGeom prst="rect">
+              <a:avLst/>
+            </a:prstGeom>
+            <a:ln/>
+          </p:spPr>
+          <p:style>
+            <a:lnRef idx="1">
+              <a:schemeClr val="accent6"/>
+            </a:lnRef>
+            <a:fillRef idx="2">
+              <a:schemeClr val="accent6"/>
+            </a:fillRef>
+            <a:effectRef idx="1">
+              <a:schemeClr val="accent6"/>
+            </a:effectRef>
+            <a:fontRef idx="minor">
+              <a:schemeClr val="dk1"/>
+            </a:fontRef>
+          </p:style>
+          <p:txBody>
+            <a:bodyPr rtlCol="0" anchor="ctr"/>
+            <a:lstStyle/>
+            <a:p>
+              <a:pPr algn="ctr"/>
+              <a:r>
+                <a:rPr lang="en-US" sz="1000" dirty="0" smtClean="0"/>
+                <a:t>Output</a:t>
+              </a:r>
+              <a:endParaRPr lang="en-US" sz="1000" dirty="0"/>
+            </a:p>
+          </p:txBody>
+        </p:sp>
+        <p:sp>
+          <p:nvSpPr>
+            <p:cNvPr id="72" name="Rectangle 71"/>
+            <p:cNvSpPr/>
+            <p:nvPr/>
+          </p:nvSpPr>
+          <p:spPr>
+            <a:xfrm>
+              <a:off x="2639983" y="3300153"/>
+              <a:ext cx="1341813" cy="1388225"/>
+            </a:xfrm>
+            <a:prstGeom prst="rect">
+              <a:avLst/>
+            </a:prstGeom>
+            <a:noFill/>
+            <a:ln w="38100">
+              <a:solidFill>
+                <a:srgbClr val="92D050"/>
+              </a:solidFill>
+              <a:prstDash val="sysDash"/>
+            </a:ln>
+          </p:spPr>
+          <p:style>
+            <a:lnRef idx="2">
+              <a:schemeClr val="accent1">
+                <a:shade val="50000"/>
+              </a:schemeClr>
+            </a:lnRef>
+            <a:fillRef idx="1">
+              <a:schemeClr val="accent1"/>
+            </a:fillRef>
+            <a:effectRef idx="0">
+              <a:schemeClr val="accent1"/>
+            </a:effectRef>
+            <a:fontRef idx="minor">
+              <a:schemeClr val="lt1"/>
+            </a:fontRef>
+          </p:style>
+          <p:txBody>
+            <a:bodyPr rtlCol="0" anchor="ctr"/>
+            <a:lstStyle/>
+            <a:p>
+              <a:pPr algn="ctr"/>
+              <a:endParaRPr lang="en-US"/>
+            </a:p>
+          </p:txBody>
+        </p:sp>
+      </p:grpSp>
+      <p:grpSp>
+        <p:nvGrpSpPr>
+          <p:cNvPr id="73" name="Group 72"/>
+          <p:cNvGrpSpPr/>
+          <p:nvPr/>
+        </p:nvGrpSpPr>
+        <p:grpSpPr>
+          <a:xfrm>
+            <a:off x="6813644" y="1833846"/>
+            <a:ext cx="820014" cy="664096"/>
+            <a:chOff x="2639983" y="3300153"/>
+            <a:chExt cx="1341813" cy="1388225"/>
+          </a:xfrm>
+        </p:grpSpPr>
+        <p:sp>
+          <p:nvSpPr>
+            <p:cNvPr id="74" name="Rectangle 73"/>
+            <p:cNvSpPr/>
+            <p:nvPr/>
+          </p:nvSpPr>
+          <p:spPr>
+            <a:xfrm>
+              <a:off x="2811087" y="3599410"/>
+              <a:ext cx="973974" cy="307570"/>
+            </a:xfrm>
+            <a:prstGeom prst="rect">
+              <a:avLst/>
+            </a:prstGeom>
+            <a:ln/>
+          </p:spPr>
+          <p:style>
+            <a:lnRef idx="1">
+              <a:schemeClr val="accent6"/>
+            </a:lnRef>
+            <a:fillRef idx="2">
+              <a:schemeClr val="accent6"/>
+            </a:fillRef>
+            <a:effectRef idx="1">
+              <a:schemeClr val="accent6"/>
+            </a:effectRef>
+            <a:fontRef idx="minor">
+              <a:schemeClr val="dk1"/>
+            </a:fontRef>
+          </p:style>
+          <p:txBody>
+            <a:bodyPr rtlCol="0" anchor="ctr"/>
+            <a:lstStyle/>
+            <a:p>
+              <a:pPr algn="ctr"/>
+              <a:r>
+                <a:rPr lang="en-US" sz="1000" dirty="0"/>
+                <a:t>H</a:t>
+              </a:r>
+              <a:r>
+                <a:rPr lang="en-US" sz="1000" dirty="0" smtClean="0"/>
+                <a:t>idden</a:t>
+              </a:r>
+              <a:endParaRPr lang="en-US" sz="1000" dirty="0"/>
+            </a:p>
+          </p:txBody>
+        </p:sp>
+        <p:sp>
+          <p:nvSpPr>
+            <p:cNvPr id="75" name="Rectangle 74"/>
+            <p:cNvSpPr/>
+            <p:nvPr/>
+          </p:nvSpPr>
+          <p:spPr>
+            <a:xfrm>
+              <a:off x="2811087" y="4060766"/>
+              <a:ext cx="973974" cy="307571"/>
+            </a:xfrm>
+            <a:prstGeom prst="rect">
+              <a:avLst/>
+            </a:prstGeom>
+            <a:ln/>
+          </p:spPr>
+          <p:style>
+            <a:lnRef idx="1">
+              <a:schemeClr val="accent6"/>
+            </a:lnRef>
+            <a:fillRef idx="2">
+              <a:schemeClr val="accent6"/>
+            </a:fillRef>
+            <a:effectRef idx="1">
+              <a:schemeClr val="accent6"/>
+            </a:effectRef>
+            <a:fontRef idx="minor">
+              <a:schemeClr val="dk1"/>
+            </a:fontRef>
+          </p:style>
+          <p:txBody>
+            <a:bodyPr rtlCol="0" anchor="ctr"/>
+            <a:lstStyle/>
+            <a:p>
+              <a:pPr algn="ctr"/>
+              <a:r>
+                <a:rPr lang="en-US" sz="1000" dirty="0" smtClean="0"/>
+                <a:t>Output</a:t>
+              </a:r>
+              <a:endParaRPr lang="en-US" sz="1000" dirty="0"/>
+            </a:p>
+          </p:txBody>
+        </p:sp>
+        <p:sp>
+          <p:nvSpPr>
+            <p:cNvPr id="76" name="Rectangle 75"/>
+            <p:cNvSpPr/>
+            <p:nvPr/>
+          </p:nvSpPr>
+          <p:spPr>
+            <a:xfrm>
+              <a:off x="2639983" y="3300153"/>
+              <a:ext cx="1341813" cy="1388225"/>
+            </a:xfrm>
+            <a:prstGeom prst="rect">
+              <a:avLst/>
+            </a:prstGeom>
+            <a:noFill/>
+            <a:ln w="38100">
+              <a:solidFill>
+                <a:srgbClr val="92D050"/>
+              </a:solidFill>
+              <a:prstDash val="sysDash"/>
+            </a:ln>
+          </p:spPr>
+          <p:style>
+            <a:lnRef idx="2">
+              <a:schemeClr val="accent1">
+                <a:shade val="50000"/>
+              </a:schemeClr>
+            </a:lnRef>
+            <a:fillRef idx="1">
+              <a:schemeClr val="accent1"/>
+            </a:fillRef>
+            <a:effectRef idx="0">
+              <a:schemeClr val="accent1"/>
+            </a:effectRef>
+            <a:fontRef idx="minor">
+              <a:schemeClr val="lt1"/>
+            </a:fontRef>
+          </p:style>
+          <p:txBody>
+            <a:bodyPr rtlCol="0" anchor="ctr"/>
+            <a:lstStyle/>
+            <a:p>
+              <a:pPr algn="ctr"/>
+              <a:endParaRPr lang="en-US"/>
+            </a:p>
+          </p:txBody>
+        </p:sp>
+      </p:grpSp>
+      <p:grpSp>
+        <p:nvGrpSpPr>
+          <p:cNvPr id="77" name="Group 76"/>
+          <p:cNvGrpSpPr/>
+          <p:nvPr/>
+        </p:nvGrpSpPr>
+        <p:grpSpPr>
+          <a:xfrm>
+            <a:off x="6797980" y="2579396"/>
+            <a:ext cx="820014" cy="664096"/>
+            <a:chOff x="2639983" y="3300153"/>
+            <a:chExt cx="1341813" cy="1388225"/>
+          </a:xfrm>
+        </p:grpSpPr>
+        <p:sp>
+          <p:nvSpPr>
+            <p:cNvPr id="78" name="Rectangle 77"/>
+            <p:cNvSpPr/>
+            <p:nvPr/>
+          </p:nvSpPr>
+          <p:spPr>
+            <a:xfrm>
+              <a:off x="2811087" y="3599410"/>
+              <a:ext cx="973974" cy="307570"/>
+            </a:xfrm>
+            <a:prstGeom prst="rect">
+              <a:avLst/>
+            </a:prstGeom>
+            <a:ln/>
+          </p:spPr>
+          <p:style>
+            <a:lnRef idx="1">
+              <a:schemeClr val="accent6"/>
+            </a:lnRef>
+            <a:fillRef idx="2">
+              <a:schemeClr val="accent6"/>
+            </a:fillRef>
+            <a:effectRef idx="1">
+              <a:schemeClr val="accent6"/>
+            </a:effectRef>
+            <a:fontRef idx="minor">
+              <a:schemeClr val="dk1"/>
+            </a:fontRef>
+          </p:style>
+          <p:txBody>
+            <a:bodyPr rtlCol="0" anchor="ctr"/>
+            <a:lstStyle/>
+            <a:p>
+              <a:pPr algn="ctr"/>
+              <a:r>
+                <a:rPr lang="en-US" sz="1000" dirty="0"/>
+                <a:t>H</a:t>
+              </a:r>
+              <a:r>
+                <a:rPr lang="en-US" sz="1000" dirty="0" smtClean="0"/>
+                <a:t>idden</a:t>
+              </a:r>
+              <a:endParaRPr lang="en-US" sz="1000" dirty="0"/>
+            </a:p>
+          </p:txBody>
+        </p:sp>
+        <p:sp>
+          <p:nvSpPr>
+            <p:cNvPr id="79" name="Rectangle 78"/>
+            <p:cNvSpPr/>
+            <p:nvPr/>
+          </p:nvSpPr>
+          <p:spPr>
+            <a:xfrm>
+              <a:off x="2811087" y="4060766"/>
+              <a:ext cx="973974" cy="307571"/>
+            </a:xfrm>
+            <a:prstGeom prst="rect">
+              <a:avLst/>
+            </a:prstGeom>
+            <a:ln/>
+          </p:spPr>
+          <p:style>
+            <a:lnRef idx="1">
+              <a:schemeClr val="accent6"/>
+            </a:lnRef>
+            <a:fillRef idx="2">
+              <a:schemeClr val="accent6"/>
+            </a:fillRef>
+            <a:effectRef idx="1">
+              <a:schemeClr val="accent6"/>
+            </a:effectRef>
+            <a:fontRef idx="minor">
+              <a:schemeClr val="dk1"/>
+            </a:fontRef>
+          </p:style>
+          <p:txBody>
+            <a:bodyPr rtlCol="0" anchor="ctr"/>
+            <a:lstStyle/>
+            <a:p>
+              <a:pPr algn="ctr"/>
+              <a:r>
+                <a:rPr lang="en-US" sz="1000" dirty="0" smtClean="0"/>
+                <a:t>Output</a:t>
+              </a:r>
+              <a:endParaRPr lang="en-US" sz="1000" dirty="0"/>
+            </a:p>
+          </p:txBody>
+        </p:sp>
+        <p:sp>
+          <p:nvSpPr>
+            <p:cNvPr id="80" name="Rectangle 79"/>
+            <p:cNvSpPr/>
+            <p:nvPr/>
+          </p:nvSpPr>
+          <p:spPr>
+            <a:xfrm>
+              <a:off x="2639983" y="3300153"/>
+              <a:ext cx="1341813" cy="1388225"/>
+            </a:xfrm>
+            <a:prstGeom prst="rect">
+              <a:avLst/>
+            </a:prstGeom>
+            <a:noFill/>
+            <a:ln w="38100">
+              <a:solidFill>
+                <a:srgbClr val="92D050"/>
+              </a:solidFill>
+              <a:prstDash val="sysDash"/>
+            </a:ln>
+          </p:spPr>
+          <p:style>
+            <a:lnRef idx="2">
+              <a:schemeClr val="accent1">
+                <a:shade val="50000"/>
+              </a:schemeClr>
+            </a:lnRef>
+            <a:fillRef idx="1">
+              <a:schemeClr val="accent1"/>
+            </a:fillRef>
+            <a:effectRef idx="0">
+              <a:schemeClr val="accent1"/>
+            </a:effectRef>
+            <a:fontRef idx="minor">
+              <a:schemeClr val="lt1"/>
+            </a:fontRef>
+          </p:style>
+          <p:txBody>
+            <a:bodyPr rtlCol="0" anchor="ctr"/>
+            <a:lstStyle/>
+            <a:p>
+              <a:pPr algn="ctr"/>
+              <a:endParaRPr lang="en-US"/>
+            </a:p>
+          </p:txBody>
+        </p:sp>
+      </p:grpSp>
+      <p:grpSp>
+        <p:nvGrpSpPr>
+          <p:cNvPr id="81" name="Group 80"/>
+          <p:cNvGrpSpPr/>
+          <p:nvPr/>
+        </p:nvGrpSpPr>
+        <p:grpSpPr>
+          <a:xfrm>
+            <a:off x="6797980" y="3324946"/>
+            <a:ext cx="820014" cy="664096"/>
+            <a:chOff x="2639983" y="3300153"/>
+            <a:chExt cx="1341813" cy="1388225"/>
+          </a:xfrm>
+        </p:grpSpPr>
+        <p:sp>
+          <p:nvSpPr>
+            <p:cNvPr id="82" name="Rectangle 81"/>
+            <p:cNvSpPr/>
+            <p:nvPr/>
+          </p:nvSpPr>
+          <p:spPr>
+            <a:xfrm>
+              <a:off x="2811087" y="3599410"/>
+              <a:ext cx="973974" cy="307570"/>
+            </a:xfrm>
+            <a:prstGeom prst="rect">
+              <a:avLst/>
+            </a:prstGeom>
+            <a:ln/>
+          </p:spPr>
+          <p:style>
+            <a:lnRef idx="1">
+              <a:schemeClr val="accent6"/>
+            </a:lnRef>
+            <a:fillRef idx="2">
+              <a:schemeClr val="accent6"/>
+            </a:fillRef>
+            <a:effectRef idx="1">
+              <a:schemeClr val="accent6"/>
+            </a:effectRef>
+            <a:fontRef idx="minor">
+              <a:schemeClr val="dk1"/>
+            </a:fontRef>
+          </p:style>
+          <p:txBody>
+            <a:bodyPr rtlCol="0" anchor="ctr"/>
+            <a:lstStyle/>
+            <a:p>
+              <a:pPr algn="ctr"/>
+              <a:r>
+                <a:rPr lang="en-US" sz="1000" dirty="0"/>
+                <a:t>H</a:t>
+              </a:r>
+              <a:r>
+                <a:rPr lang="en-US" sz="1000" dirty="0" smtClean="0"/>
+                <a:t>idden</a:t>
+              </a:r>
+              <a:endParaRPr lang="en-US" sz="1000" dirty="0"/>
+            </a:p>
+          </p:txBody>
+        </p:sp>
+        <p:sp>
+          <p:nvSpPr>
+            <p:cNvPr id="83" name="Rectangle 82"/>
+            <p:cNvSpPr/>
+            <p:nvPr/>
+          </p:nvSpPr>
+          <p:spPr>
+            <a:xfrm>
+              <a:off x="2811087" y="4060766"/>
+              <a:ext cx="973974" cy="307571"/>
+            </a:xfrm>
+            <a:prstGeom prst="rect">
+              <a:avLst/>
+            </a:prstGeom>
+            <a:ln/>
+          </p:spPr>
+          <p:style>
+            <a:lnRef idx="1">
+              <a:schemeClr val="accent6"/>
+            </a:lnRef>
+            <a:fillRef idx="2">
+              <a:schemeClr val="accent6"/>
+            </a:fillRef>
+            <a:effectRef idx="1">
+              <a:schemeClr val="accent6"/>
+            </a:effectRef>
+            <a:fontRef idx="minor">
+              <a:schemeClr val="dk1"/>
+            </a:fontRef>
+          </p:style>
+          <p:txBody>
+            <a:bodyPr rtlCol="0" anchor="ctr"/>
+            <a:lstStyle/>
+            <a:p>
+              <a:pPr algn="ctr"/>
+              <a:r>
+                <a:rPr lang="en-US" sz="1000" dirty="0" smtClean="0"/>
+                <a:t>Output</a:t>
+              </a:r>
+              <a:endParaRPr lang="en-US" sz="1000" dirty="0"/>
+            </a:p>
+          </p:txBody>
+        </p:sp>
+        <p:sp>
+          <p:nvSpPr>
+            <p:cNvPr id="84" name="Rectangle 83"/>
+            <p:cNvSpPr/>
+            <p:nvPr/>
+          </p:nvSpPr>
+          <p:spPr>
+            <a:xfrm>
+              <a:off x="2639983" y="3300153"/>
+              <a:ext cx="1341813" cy="1388225"/>
+            </a:xfrm>
+            <a:prstGeom prst="rect">
+              <a:avLst/>
+            </a:prstGeom>
+            <a:noFill/>
+            <a:ln w="38100">
+              <a:solidFill>
+                <a:srgbClr val="92D050"/>
+              </a:solidFill>
+              <a:prstDash val="sysDash"/>
+            </a:ln>
+          </p:spPr>
+          <p:style>
+            <a:lnRef idx="2">
+              <a:schemeClr val="accent1">
+                <a:shade val="50000"/>
+              </a:schemeClr>
+            </a:lnRef>
+            <a:fillRef idx="1">
+              <a:schemeClr val="accent1"/>
+            </a:fillRef>
+            <a:effectRef idx="0">
+              <a:schemeClr val="accent1"/>
+            </a:effectRef>
+            <a:fontRef idx="minor">
+              <a:schemeClr val="lt1"/>
+            </a:fontRef>
+          </p:style>
+          <p:txBody>
+            <a:bodyPr rtlCol="0" anchor="ctr"/>
+            <a:lstStyle/>
+            <a:p>
+              <a:pPr algn="ctr"/>
+              <a:endParaRPr lang="en-US"/>
+            </a:p>
+          </p:txBody>
+        </p:sp>
+      </p:grpSp>
+      <p:grpSp>
+        <p:nvGrpSpPr>
+          <p:cNvPr id="85" name="Group 84"/>
+          <p:cNvGrpSpPr/>
+          <p:nvPr/>
+        </p:nvGrpSpPr>
+        <p:grpSpPr>
+          <a:xfrm>
+            <a:off x="6816645" y="4083404"/>
+            <a:ext cx="820014" cy="664096"/>
+            <a:chOff x="2639983" y="3300153"/>
+            <a:chExt cx="1341813" cy="1388225"/>
+          </a:xfrm>
+        </p:grpSpPr>
+        <p:sp>
+          <p:nvSpPr>
+            <p:cNvPr id="86" name="Rectangle 85"/>
+            <p:cNvSpPr/>
+            <p:nvPr/>
+          </p:nvSpPr>
+          <p:spPr>
+            <a:xfrm>
+              <a:off x="2811087" y="3599410"/>
+              <a:ext cx="973974" cy="307570"/>
+            </a:xfrm>
+            <a:prstGeom prst="rect">
+              <a:avLst/>
+            </a:prstGeom>
+            <a:ln/>
+          </p:spPr>
+          <p:style>
+            <a:lnRef idx="1">
+              <a:schemeClr val="accent6"/>
+            </a:lnRef>
+            <a:fillRef idx="2">
+              <a:schemeClr val="accent6"/>
+            </a:fillRef>
+            <a:effectRef idx="1">
+              <a:schemeClr val="accent6"/>
+            </a:effectRef>
+            <a:fontRef idx="minor">
+              <a:schemeClr val="dk1"/>
+            </a:fontRef>
+          </p:style>
+          <p:txBody>
+            <a:bodyPr rtlCol="0" anchor="ctr"/>
+            <a:lstStyle/>
+            <a:p>
+              <a:pPr algn="ctr"/>
+              <a:r>
+                <a:rPr lang="en-US" sz="1000" dirty="0"/>
+                <a:t>H</a:t>
+              </a:r>
+              <a:r>
+                <a:rPr lang="en-US" sz="1000" dirty="0" smtClean="0"/>
+                <a:t>idden</a:t>
+              </a:r>
+              <a:endParaRPr lang="en-US" sz="1000" dirty="0"/>
+            </a:p>
+          </p:txBody>
+        </p:sp>
+        <p:sp>
+          <p:nvSpPr>
+            <p:cNvPr id="87" name="Rectangle 86"/>
+            <p:cNvSpPr/>
+            <p:nvPr/>
+          </p:nvSpPr>
+          <p:spPr>
+            <a:xfrm>
+              <a:off x="2811087" y="4060766"/>
+              <a:ext cx="973974" cy="307571"/>
+            </a:xfrm>
+            <a:prstGeom prst="rect">
+              <a:avLst/>
+            </a:prstGeom>
+            <a:ln/>
+          </p:spPr>
+          <p:style>
+            <a:lnRef idx="1">
+              <a:schemeClr val="accent6"/>
+            </a:lnRef>
+            <a:fillRef idx="2">
+              <a:schemeClr val="accent6"/>
+            </a:fillRef>
+            <a:effectRef idx="1">
+              <a:schemeClr val="accent6"/>
+            </a:effectRef>
+            <a:fontRef idx="minor">
+              <a:schemeClr val="dk1"/>
+            </a:fontRef>
+          </p:style>
+          <p:txBody>
+            <a:bodyPr rtlCol="0" anchor="ctr"/>
+            <a:lstStyle/>
+            <a:p>
+              <a:pPr algn="ctr"/>
+              <a:r>
+                <a:rPr lang="en-US" sz="1000" dirty="0" smtClean="0"/>
+                <a:t>Output</a:t>
+              </a:r>
+              <a:endParaRPr lang="en-US" sz="1000" dirty="0"/>
+            </a:p>
+          </p:txBody>
+        </p:sp>
+        <p:sp>
+          <p:nvSpPr>
+            <p:cNvPr id="88" name="Rectangle 87"/>
+            <p:cNvSpPr/>
+            <p:nvPr/>
+          </p:nvSpPr>
+          <p:spPr>
+            <a:xfrm>
+              <a:off x="2639983" y="3300153"/>
+              <a:ext cx="1341813" cy="1388225"/>
+            </a:xfrm>
+            <a:prstGeom prst="rect">
+              <a:avLst/>
+            </a:prstGeom>
+            <a:noFill/>
+            <a:ln w="38100">
+              <a:solidFill>
+                <a:srgbClr val="92D050"/>
+              </a:solidFill>
+              <a:prstDash val="sysDash"/>
+            </a:ln>
+          </p:spPr>
+          <p:style>
+            <a:lnRef idx="2">
+              <a:schemeClr val="accent1">
+                <a:shade val="50000"/>
+              </a:schemeClr>
+            </a:lnRef>
+            <a:fillRef idx="1">
+              <a:schemeClr val="accent1"/>
+            </a:fillRef>
+            <a:effectRef idx="0">
+              <a:schemeClr val="accent1"/>
+            </a:effectRef>
+            <a:fontRef idx="minor">
+              <a:schemeClr val="lt1"/>
+            </a:fontRef>
+          </p:style>
+          <p:txBody>
+            <a:bodyPr rtlCol="0" anchor="ctr"/>
+            <a:lstStyle/>
+            <a:p>
+              <a:pPr algn="ctr"/>
+              <a:endParaRPr lang="en-US"/>
+            </a:p>
+          </p:txBody>
+        </p:sp>
+      </p:grpSp>
+      <p:grpSp>
+        <p:nvGrpSpPr>
+          <p:cNvPr id="89" name="Group 88"/>
+          <p:cNvGrpSpPr/>
+          <p:nvPr/>
+        </p:nvGrpSpPr>
+        <p:grpSpPr>
+          <a:xfrm>
+            <a:off x="6813644" y="4821067"/>
+            <a:ext cx="820014" cy="664096"/>
+            <a:chOff x="2639983" y="3300153"/>
+            <a:chExt cx="1341813" cy="1388225"/>
+          </a:xfrm>
+        </p:grpSpPr>
+        <p:sp>
+          <p:nvSpPr>
+            <p:cNvPr id="90" name="Rectangle 89"/>
+            <p:cNvSpPr/>
+            <p:nvPr/>
+          </p:nvSpPr>
+          <p:spPr>
+            <a:xfrm>
+              <a:off x="2811087" y="3599410"/>
+              <a:ext cx="973974" cy="307570"/>
+            </a:xfrm>
+            <a:prstGeom prst="rect">
+              <a:avLst/>
+            </a:prstGeom>
+            <a:ln/>
+          </p:spPr>
+          <p:style>
+            <a:lnRef idx="1">
+              <a:schemeClr val="accent6"/>
+            </a:lnRef>
+            <a:fillRef idx="2">
+              <a:schemeClr val="accent6"/>
+            </a:fillRef>
+            <a:effectRef idx="1">
+              <a:schemeClr val="accent6"/>
+            </a:effectRef>
+            <a:fontRef idx="minor">
+              <a:schemeClr val="dk1"/>
+            </a:fontRef>
+          </p:style>
+          <p:txBody>
+            <a:bodyPr rtlCol="0" anchor="ctr"/>
+            <a:lstStyle/>
+            <a:p>
+              <a:pPr algn="ctr"/>
+              <a:r>
+                <a:rPr lang="en-US" sz="1000" dirty="0"/>
+                <a:t>H</a:t>
+              </a:r>
+              <a:r>
+                <a:rPr lang="en-US" sz="1000" dirty="0" smtClean="0"/>
+                <a:t>idden</a:t>
+              </a:r>
+              <a:endParaRPr lang="en-US" sz="1000" dirty="0"/>
+            </a:p>
+          </p:txBody>
+        </p:sp>
+        <p:sp>
+          <p:nvSpPr>
+            <p:cNvPr id="91" name="Rectangle 90"/>
+            <p:cNvSpPr/>
+            <p:nvPr/>
+          </p:nvSpPr>
+          <p:spPr>
+            <a:xfrm>
+              <a:off x="2811087" y="4060766"/>
+              <a:ext cx="973974" cy="307571"/>
+            </a:xfrm>
+            <a:prstGeom prst="rect">
+              <a:avLst/>
+            </a:prstGeom>
+            <a:ln/>
+          </p:spPr>
+          <p:style>
+            <a:lnRef idx="1">
+              <a:schemeClr val="accent6"/>
+            </a:lnRef>
+            <a:fillRef idx="2">
+              <a:schemeClr val="accent6"/>
+            </a:fillRef>
+            <a:effectRef idx="1">
+              <a:schemeClr val="accent6"/>
+            </a:effectRef>
+            <a:fontRef idx="minor">
+              <a:schemeClr val="dk1"/>
+            </a:fontRef>
+          </p:style>
+          <p:txBody>
+            <a:bodyPr rtlCol="0" anchor="ctr"/>
+            <a:lstStyle/>
+            <a:p>
+              <a:pPr algn="ctr"/>
+              <a:r>
+                <a:rPr lang="en-US" sz="1000" dirty="0" smtClean="0"/>
+                <a:t>Output</a:t>
+              </a:r>
+              <a:endParaRPr lang="en-US" sz="1000" dirty="0"/>
+            </a:p>
+          </p:txBody>
+        </p:sp>
+        <p:sp>
+          <p:nvSpPr>
+            <p:cNvPr id="92" name="Rectangle 91"/>
+            <p:cNvSpPr/>
+            <p:nvPr/>
+          </p:nvSpPr>
+          <p:spPr>
+            <a:xfrm>
+              <a:off x="2639983" y="3300153"/>
+              <a:ext cx="1341813" cy="1388225"/>
+            </a:xfrm>
+            <a:prstGeom prst="rect">
+              <a:avLst/>
+            </a:prstGeom>
+            <a:noFill/>
+            <a:ln w="38100">
+              <a:solidFill>
+                <a:srgbClr val="92D050"/>
+              </a:solidFill>
+              <a:prstDash val="sysDash"/>
+            </a:ln>
+          </p:spPr>
+          <p:style>
+            <a:lnRef idx="2">
+              <a:schemeClr val="accent1">
+                <a:shade val="50000"/>
+              </a:schemeClr>
+            </a:lnRef>
+            <a:fillRef idx="1">
+              <a:schemeClr val="accent1"/>
+            </a:fillRef>
+            <a:effectRef idx="0">
+              <a:schemeClr val="accent1"/>
+            </a:effectRef>
+            <a:fontRef idx="minor">
+              <a:schemeClr val="lt1"/>
+            </a:fontRef>
+          </p:style>
+          <p:txBody>
+            <a:bodyPr rtlCol="0" anchor="ctr"/>
+            <a:lstStyle/>
+            <a:p>
+              <a:pPr algn="ctr"/>
+              <a:endParaRPr lang="en-US"/>
+            </a:p>
+          </p:txBody>
+        </p:sp>
+      </p:grpSp>
+      <p:cxnSp>
+        <p:nvCxnSpPr>
+          <p:cNvPr id="94" name="Straight Arrow Connector 93"/>
+          <p:cNvCxnSpPr>
+            <a:stCxn id="50" idx="3"/>
+            <a:endCxn id="72" idx="1"/>
+          </p:cNvCxnSpPr>
+          <p:nvPr/>
+        </p:nvCxnSpPr>
+        <p:spPr>
+          <a:xfrm flipV="1">
+            <a:off x="6401168" y="1420344"/>
+            <a:ext cx="404644" cy="1281147"/>
+          </a:xfrm>
+          <a:prstGeom prst="straightConnector1">
+            <a:avLst/>
+          </a:prstGeom>
+          <a:ln>
+            <a:tailEnd type="triangle"/>
+          </a:ln>
+        </p:spPr>
+        <p:style>
+          <a:lnRef idx="1">
+            <a:schemeClr val="dk1"/>
+          </a:lnRef>
+          <a:fillRef idx="0">
+            <a:schemeClr val="dk1"/>
+          </a:fillRef>
+          <a:effectRef idx="0">
+            <a:schemeClr val="dk1"/>
+          </a:effectRef>
+          <a:fontRef idx="minor">
+            <a:schemeClr val="tx1"/>
+          </a:fontRef>
+        </p:style>
+      </p:cxnSp>
+      <p:cxnSp>
+        <p:nvCxnSpPr>
+          <p:cNvPr id="96" name="Straight Arrow Connector 95"/>
+          <p:cNvCxnSpPr>
+            <a:stCxn id="50" idx="3"/>
+            <a:endCxn id="76" idx="1"/>
+          </p:cNvCxnSpPr>
+          <p:nvPr/>
+        </p:nvCxnSpPr>
+        <p:spPr>
+          <a:xfrm flipV="1">
+            <a:off x="6401168" y="2165894"/>
+            <a:ext cx="412476" cy="535597"/>
+          </a:xfrm>
+          <a:prstGeom prst="straightConnector1">
+            <a:avLst/>
+          </a:prstGeom>
+          <a:ln>
+            <a:tailEnd type="triangle"/>
+          </a:ln>
+        </p:spPr>
+        <p:style>
+          <a:lnRef idx="1">
+            <a:schemeClr val="dk1"/>
+          </a:lnRef>
+          <a:fillRef idx="0">
+            <a:schemeClr val="dk1"/>
+          </a:fillRef>
+          <a:effectRef idx="0">
+            <a:schemeClr val="dk1"/>
+          </a:effectRef>
+          <a:fontRef idx="minor">
+            <a:schemeClr val="tx1"/>
+          </a:fontRef>
+        </p:style>
+      </p:cxnSp>
+      <p:cxnSp>
+        <p:nvCxnSpPr>
+          <p:cNvPr id="98" name="Straight Arrow Connector 97"/>
+          <p:cNvCxnSpPr>
+            <a:stCxn id="50" idx="3"/>
+            <a:endCxn id="80" idx="1"/>
+          </p:cNvCxnSpPr>
+          <p:nvPr/>
+        </p:nvCxnSpPr>
+        <p:spPr>
+          <a:xfrm>
+            <a:off x="6401168" y="2701491"/>
+            <a:ext cx="396812" cy="209953"/>
+          </a:xfrm>
+          <a:prstGeom prst="straightConnector1">
+            <a:avLst/>
+          </a:prstGeom>
+          <a:ln>
+            <a:tailEnd type="triangle"/>
+          </a:ln>
+        </p:spPr>
+        <p:style>
+          <a:lnRef idx="1">
+            <a:schemeClr val="dk1"/>
+          </a:lnRef>
+          <a:fillRef idx="0">
+            <a:schemeClr val="dk1"/>
+          </a:fillRef>
+          <a:effectRef idx="0">
+            <a:schemeClr val="dk1"/>
+          </a:effectRef>
+          <a:fontRef idx="minor">
+            <a:schemeClr val="tx1"/>
+          </a:fontRef>
+        </p:style>
+      </p:cxnSp>
+      <p:cxnSp>
+        <p:nvCxnSpPr>
+          <p:cNvPr id="100" name="Straight Arrow Connector 99"/>
+          <p:cNvCxnSpPr>
+            <a:stCxn id="58" idx="3"/>
+            <a:endCxn id="84" idx="1"/>
+          </p:cNvCxnSpPr>
+          <p:nvPr/>
+        </p:nvCxnSpPr>
+        <p:spPr>
+          <a:xfrm flipV="1">
+            <a:off x="6401168" y="3656994"/>
+            <a:ext cx="396812" cy="100680"/>
+          </a:xfrm>
+          <a:prstGeom prst="straightConnector1">
+            <a:avLst/>
+          </a:prstGeom>
+          <a:ln>
+            <a:tailEnd type="triangle"/>
+          </a:ln>
+        </p:spPr>
+        <p:style>
+          <a:lnRef idx="1">
+            <a:schemeClr val="dk1"/>
+          </a:lnRef>
+          <a:fillRef idx="0">
+            <a:schemeClr val="dk1"/>
+          </a:fillRef>
+          <a:effectRef idx="0">
+            <a:schemeClr val="dk1"/>
+          </a:effectRef>
+          <a:fontRef idx="minor">
+            <a:schemeClr val="tx1"/>
+          </a:fontRef>
+        </p:style>
+      </p:cxnSp>
+      <p:cxnSp>
+        <p:nvCxnSpPr>
+          <p:cNvPr id="104" name="Straight Arrow Connector 103"/>
+          <p:cNvCxnSpPr>
+            <a:stCxn id="58" idx="3"/>
+            <a:endCxn id="88" idx="1"/>
+          </p:cNvCxnSpPr>
+          <p:nvPr/>
+        </p:nvCxnSpPr>
+        <p:spPr>
+          <a:xfrm>
+            <a:off x="6401168" y="3757674"/>
+            <a:ext cx="415477" cy="657778"/>
+          </a:xfrm>
+          <a:prstGeom prst="straightConnector1">
+            <a:avLst/>
+          </a:prstGeom>
+          <a:ln>
+            <a:tailEnd type="triangle"/>
+          </a:ln>
+        </p:spPr>
+        <p:style>
+          <a:lnRef idx="1">
+            <a:schemeClr val="dk1"/>
+          </a:lnRef>
+          <a:fillRef idx="0">
+            <a:schemeClr val="dk1"/>
+          </a:fillRef>
+          <a:effectRef idx="0">
+            <a:schemeClr val="dk1"/>
+          </a:effectRef>
+          <a:fontRef idx="minor">
+            <a:schemeClr val="tx1"/>
+          </a:fontRef>
+        </p:style>
+      </p:cxnSp>
+      <p:cxnSp>
+        <p:nvCxnSpPr>
+          <p:cNvPr id="106" name="Straight Arrow Connector 105"/>
+          <p:cNvCxnSpPr>
+            <a:stCxn id="58" idx="3"/>
+            <a:endCxn id="92" idx="1"/>
+          </p:cNvCxnSpPr>
+          <p:nvPr/>
+        </p:nvCxnSpPr>
+        <p:spPr>
+          <a:xfrm>
+            <a:off x="6401168" y="3757674"/>
+            <a:ext cx="412476" cy="1395441"/>
+          </a:xfrm>
+          <a:prstGeom prst="straightConnector1">
+            <a:avLst/>
+          </a:prstGeom>
+          <a:ln>
+            <a:tailEnd type="triangle"/>
+          </a:ln>
+        </p:spPr>
+        <p:style>
+          <a:lnRef idx="1">
+            <a:schemeClr val="dk1"/>
+          </a:lnRef>
+          <a:fillRef idx="0">
+            <a:schemeClr val="dk1"/>
+          </a:fillRef>
+          <a:effectRef idx="0">
+            <a:schemeClr val="dk1"/>
+          </a:effectRef>
+          <a:fontRef idx="minor">
+            <a:schemeClr val="tx1"/>
+          </a:fontRef>
+        </p:style>
+      </p:cxnSp>
+      <p:sp>
+        <p:nvSpPr>
+          <p:cNvPr id="107" name="Content Placeholder 2"/>
+          <p:cNvSpPr txBox="1">
+            <a:spLocks/>
+          </p:cNvSpPr>
+          <p:nvPr/>
+        </p:nvSpPr>
+        <p:spPr>
+          <a:xfrm>
+            <a:off x="5713117" y="1085888"/>
+            <a:ext cx="349938" cy="292701"/>
+          </a:xfrm>
+          <a:prstGeom prst="rect">
+            <a:avLst/>
+          </a:prstGeom>
+        </p:spPr>
+        <p:txBody>
+          <a:bodyPr vert="horz" lIns="91440" tIns="45720" rIns="91440" bIns="45720" rtlCol="0">
+            <a:normAutofit fontScale="62500" lnSpcReduction="20000"/>
+          </a:bodyPr>
+          <a:lstStyle>
+            <a:lvl1pPr marL="228600" indent="-228600" algn="l" defTabSz="914400" rtl="0" eaLnBrk="1" latinLnBrk="0" hangingPunct="1">
+              <a:lnSpc>
+                <a:spcPct val="90000"/>
+              </a:lnSpc>
+              <a:spcBef>
+                <a:spcPts val="1000"/>
+              </a:spcBef>
+              <a:buFont typeface="Arial" panose="020B0604020202020204" pitchFamily="34" charset="0"/>
+              <a:buChar char="•"/>
+              <a:defRPr sz="2800" kern="1200">
+                <a:solidFill>
+                  <a:schemeClr val="tx1"/>
+                </a:solidFill>
+                <a:latin typeface="+mn-lt"/>
+                <a:ea typeface="+mn-ea"/>
+                <a:cs typeface="+mn-cs"/>
+              </a:defRPr>
+            </a:lvl1pPr>
+            <a:lvl2pPr marL="685800" indent="-228600" algn="l" defTabSz="914400" rtl="0" eaLnBrk="1" latinLnBrk="0" hangingPunct="1">
+              <a:lnSpc>
+                <a:spcPct val="90000"/>
+              </a:lnSpc>
+              <a:spcBef>
+                <a:spcPts val="500"/>
+              </a:spcBef>
+              <a:buFont typeface="Arial" panose="020B0604020202020204" pitchFamily="34" charset="0"/>
+              <a:buChar char="•"/>
+              <a:defRPr sz="2400" kern="1200">
+                <a:solidFill>
+                  <a:schemeClr val="tx1"/>
+                </a:solidFill>
+                <a:latin typeface="+mn-lt"/>
+                <a:ea typeface="+mn-ea"/>
+                <a:cs typeface="+mn-cs"/>
+              </a:defRPr>
+            </a:lvl2pPr>
+            <a:lvl3pPr marL="1143000" indent="-228600" algn="l" defTabSz="914400" rtl="0" eaLnBrk="1" latinLnBrk="0" hangingPunct="1">
+              <a:lnSpc>
+                <a:spcPct val="90000"/>
+              </a:lnSpc>
+              <a:spcBef>
+                <a:spcPts val="500"/>
+              </a:spcBef>
+              <a:buFont typeface="Arial" panose="020B0604020202020204" pitchFamily="34" charset="0"/>
+              <a:buChar char="•"/>
+              <a:defRPr sz="2000" kern="1200">
+                <a:solidFill>
+                  <a:schemeClr val="tx1"/>
+                </a:solidFill>
+                <a:latin typeface="+mn-lt"/>
+                <a:ea typeface="+mn-ea"/>
+                <a:cs typeface="+mn-cs"/>
+              </a:defRPr>
+            </a:lvl3pPr>
+            <a:lvl4pPr marL="1600200" indent="-228600" algn="l" defTabSz="914400" rtl="0" eaLnBrk="1" latinLnBrk="0" hangingPunct="1">
+              <a:lnSpc>
+                <a:spcPct val="90000"/>
+              </a:lnSpc>
+              <a:spcBef>
+                <a:spcPts val="500"/>
+              </a:spcBef>
+              <a:buFont typeface="Arial" panose="020B0604020202020204" pitchFamily="34" charset="0"/>
+              <a:buChar char="•"/>
+              <a:defRPr sz="1800" kern="1200">
+                <a:solidFill>
+                  <a:schemeClr val="tx1"/>
+                </a:solidFill>
+                <a:latin typeface="+mn-lt"/>
+                <a:ea typeface="+mn-ea"/>
+                <a:cs typeface="+mn-cs"/>
+              </a:defRPr>
+            </a:lvl4pPr>
+            <a:lvl5pPr marL="2057400" indent="-228600" algn="l" defTabSz="914400" rtl="0" eaLnBrk="1" latinLnBrk="0" hangingPunct="1">
+              <a:lnSpc>
+                <a:spcPct val="90000"/>
+              </a:lnSpc>
+              <a:spcBef>
+                <a:spcPts val="500"/>
+              </a:spcBef>
+              <a:buFont typeface="Arial" panose="020B0604020202020204" pitchFamily="34" charset="0"/>
+              <a:buChar char="•"/>
+              <a:defRPr sz="1800" kern="1200">
+                <a:solidFill>
+                  <a:schemeClr val="tx1"/>
+                </a:solidFill>
+                <a:latin typeface="+mn-lt"/>
+                <a:ea typeface="+mn-ea"/>
+                <a:cs typeface="+mn-cs"/>
+              </a:defRPr>
+            </a:lvl5pPr>
+            <a:lvl6pPr marL="2514600" indent="-228600" algn="l" defTabSz="914400" rtl="0" eaLnBrk="1" latinLnBrk="0" hangingPunct="1">
+              <a:lnSpc>
+                <a:spcPct val="90000"/>
+              </a:lnSpc>
+              <a:spcBef>
+                <a:spcPts val="500"/>
+              </a:spcBef>
+              <a:buFont typeface="Arial" panose="020B0604020202020204" pitchFamily="34" charset="0"/>
+              <a:buChar char="•"/>
+              <a:defRPr sz="1800" kern="1200">
+                <a:solidFill>
+                  <a:schemeClr val="tx1"/>
+                </a:solidFill>
+                <a:latin typeface="+mn-lt"/>
+                <a:ea typeface="+mn-ea"/>
+                <a:cs typeface="+mn-cs"/>
+              </a:defRPr>
+            </a:lvl6pPr>
+            <a:lvl7pPr marL="2971800" indent="-228600" algn="l" defTabSz="914400" rtl="0" eaLnBrk="1" latinLnBrk="0" hangingPunct="1">
+              <a:lnSpc>
+                <a:spcPct val="90000"/>
+              </a:lnSpc>
+              <a:spcBef>
+                <a:spcPts val="500"/>
+              </a:spcBef>
+              <a:buFont typeface="Arial" panose="020B0604020202020204" pitchFamily="34" charset="0"/>
+              <a:buChar char="•"/>
+              <a:defRPr sz="1800" kern="1200">
+                <a:solidFill>
+                  <a:schemeClr val="tx1"/>
+                </a:solidFill>
+                <a:latin typeface="+mn-lt"/>
+                <a:ea typeface="+mn-ea"/>
+                <a:cs typeface="+mn-cs"/>
+              </a:defRPr>
+            </a:lvl7pPr>
+            <a:lvl8pPr marL="3429000" indent="-228600" algn="l" defTabSz="914400" rtl="0" eaLnBrk="1" latinLnBrk="0" hangingPunct="1">
+              <a:lnSpc>
+                <a:spcPct val="90000"/>
+              </a:lnSpc>
+              <a:spcBef>
+                <a:spcPts val="500"/>
+              </a:spcBef>
+              <a:buFont typeface="Arial" panose="020B0604020202020204" pitchFamily="34" charset="0"/>
+              <a:buChar char="•"/>
+              <a:defRPr sz="1800" kern="1200">
+                <a:solidFill>
+                  <a:schemeClr val="tx1"/>
+                </a:solidFill>
+                <a:latin typeface="+mn-lt"/>
+                <a:ea typeface="+mn-ea"/>
+                <a:cs typeface="+mn-cs"/>
+              </a:defRPr>
+            </a:lvl8pPr>
+            <a:lvl9pPr marL="3886200" indent="-228600" algn="l" defTabSz="914400" rtl="0" eaLnBrk="1" latinLnBrk="0" hangingPunct="1">
+              <a:lnSpc>
+                <a:spcPct val="90000"/>
+              </a:lnSpc>
+              <a:spcBef>
+                <a:spcPts val="500"/>
+              </a:spcBef>
+              <a:buFont typeface="Arial" panose="020B0604020202020204" pitchFamily="34" charset="0"/>
+              <a:buChar char="•"/>
+              <a:defRPr sz="1800" kern="1200">
+                <a:solidFill>
+                  <a:schemeClr val="tx1"/>
+                </a:solidFill>
+                <a:latin typeface="+mn-lt"/>
+                <a:ea typeface="+mn-ea"/>
+                <a:cs typeface="+mn-cs"/>
+              </a:defRPr>
+            </a:lvl9pPr>
+          </a:lstStyle>
+          <a:p>
+            <a:pPr marL="0" indent="0">
+              <a:buFont typeface="Arial" panose="020B0604020202020204" pitchFamily="34" charset="0"/>
+              <a:buNone/>
+            </a:pPr>
+            <a:r>
+              <a:rPr lang="en-US" dirty="0" smtClean="0"/>
+              <a:t>…</a:t>
+            </a:r>
+            <a:endParaRPr lang="en-US" dirty="0"/>
+          </a:p>
+        </p:txBody>
+      </p:sp>
+      <p:cxnSp>
+        <p:nvCxnSpPr>
+          <p:cNvPr id="109" name="Straight Arrow Connector 108"/>
+          <p:cNvCxnSpPr>
+            <a:stCxn id="26" idx="3"/>
+            <a:endCxn id="107" idx="1"/>
+          </p:cNvCxnSpPr>
+          <p:nvPr/>
+        </p:nvCxnSpPr>
+        <p:spPr>
+          <a:xfrm flipV="1">
+            <a:off x="4846319" y="1232239"/>
+            <a:ext cx="866798" cy="1106365"/>
+          </a:xfrm>
+          <a:prstGeom prst="straightConnector1">
+            <a:avLst/>
+          </a:prstGeom>
+          <a:ln>
+            <a:tailEnd type="triangle"/>
+          </a:ln>
+        </p:spPr>
+        <p:style>
+          <a:lnRef idx="1">
+            <a:schemeClr val="dk1"/>
+          </a:lnRef>
+          <a:fillRef idx="0">
+            <a:schemeClr val="dk1"/>
+          </a:fillRef>
+          <a:effectRef idx="0">
+            <a:schemeClr val="dk1"/>
+          </a:effectRef>
+          <a:fontRef idx="minor">
+            <a:schemeClr val="tx1"/>
+          </a:fontRef>
+        </p:style>
+      </p:cxnSp>
+      <p:sp>
+        <p:nvSpPr>
+          <p:cNvPr id="112" name="Content Placeholder 2"/>
+          <p:cNvSpPr txBox="1">
+            <a:spLocks/>
+          </p:cNvSpPr>
+          <p:nvPr/>
+        </p:nvSpPr>
+        <p:spPr>
+          <a:xfrm>
+            <a:off x="5706629" y="1486728"/>
+            <a:ext cx="349938" cy="292701"/>
+          </a:xfrm>
+          <a:prstGeom prst="rect">
+            <a:avLst/>
+          </a:prstGeom>
+        </p:spPr>
+        <p:txBody>
+          <a:bodyPr vert="horz" lIns="91440" tIns="45720" rIns="91440" bIns="45720" rtlCol="0">
+            <a:normAutofit fontScale="62500" lnSpcReduction="20000"/>
+          </a:bodyPr>
+          <a:lstStyle>
+            <a:lvl1pPr marL="228600" indent="-228600" algn="l" defTabSz="914400" rtl="0" eaLnBrk="1" latinLnBrk="0" hangingPunct="1">
+              <a:lnSpc>
+                <a:spcPct val="90000"/>
+              </a:lnSpc>
+              <a:spcBef>
+                <a:spcPts val="1000"/>
+              </a:spcBef>
+              <a:buFont typeface="Arial" panose="020B0604020202020204" pitchFamily="34" charset="0"/>
+              <a:buChar char="•"/>
+              <a:defRPr sz="2800" kern="1200">
+                <a:solidFill>
+                  <a:schemeClr val="tx1"/>
+                </a:solidFill>
+                <a:latin typeface="+mn-lt"/>
+                <a:ea typeface="+mn-ea"/>
+                <a:cs typeface="+mn-cs"/>
+              </a:defRPr>
+            </a:lvl1pPr>
+            <a:lvl2pPr marL="685800" indent="-228600" algn="l" defTabSz="914400" rtl="0" eaLnBrk="1" latinLnBrk="0" hangingPunct="1">
+              <a:lnSpc>
+                <a:spcPct val="90000"/>
+              </a:lnSpc>
+              <a:spcBef>
+                <a:spcPts val="500"/>
+              </a:spcBef>
+              <a:buFont typeface="Arial" panose="020B0604020202020204" pitchFamily="34" charset="0"/>
+              <a:buChar char="•"/>
+              <a:defRPr sz="2400" kern="1200">
+                <a:solidFill>
+                  <a:schemeClr val="tx1"/>
+                </a:solidFill>
+                <a:latin typeface="+mn-lt"/>
+                <a:ea typeface="+mn-ea"/>
+                <a:cs typeface="+mn-cs"/>
+              </a:defRPr>
+            </a:lvl2pPr>
+            <a:lvl3pPr marL="1143000" indent="-228600" algn="l" defTabSz="914400" rtl="0" eaLnBrk="1" latinLnBrk="0" hangingPunct="1">
+              <a:lnSpc>
+                <a:spcPct val="90000"/>
+              </a:lnSpc>
+              <a:spcBef>
+                <a:spcPts val="500"/>
+              </a:spcBef>
+              <a:buFont typeface="Arial" panose="020B0604020202020204" pitchFamily="34" charset="0"/>
+              <a:buChar char="•"/>
+              <a:defRPr sz="2000" kern="1200">
+                <a:solidFill>
+                  <a:schemeClr val="tx1"/>
+                </a:solidFill>
+                <a:latin typeface="+mn-lt"/>
+                <a:ea typeface="+mn-ea"/>
+                <a:cs typeface="+mn-cs"/>
+              </a:defRPr>
+            </a:lvl3pPr>
+            <a:lvl4pPr marL="1600200" indent="-228600" algn="l" defTabSz="914400" rtl="0" eaLnBrk="1" latinLnBrk="0" hangingPunct="1">
+              <a:lnSpc>
+                <a:spcPct val="90000"/>
+              </a:lnSpc>
+              <a:spcBef>
+                <a:spcPts val="500"/>
+              </a:spcBef>
+              <a:buFont typeface="Arial" panose="020B0604020202020204" pitchFamily="34" charset="0"/>
+              <a:buChar char="•"/>
+              <a:defRPr sz="1800" kern="1200">
+                <a:solidFill>
+                  <a:schemeClr val="tx1"/>
+                </a:solidFill>
+                <a:latin typeface="+mn-lt"/>
+                <a:ea typeface="+mn-ea"/>
+                <a:cs typeface="+mn-cs"/>
+              </a:defRPr>
+            </a:lvl4pPr>
+            <a:lvl5pPr marL="2057400" indent="-228600" algn="l" defTabSz="914400" rtl="0" eaLnBrk="1" latinLnBrk="0" hangingPunct="1">
+              <a:lnSpc>
+                <a:spcPct val="90000"/>
+              </a:lnSpc>
+              <a:spcBef>
+                <a:spcPts val="500"/>
+              </a:spcBef>
+              <a:buFont typeface="Arial" panose="020B0604020202020204" pitchFamily="34" charset="0"/>
+              <a:buChar char="•"/>
+              <a:defRPr sz="1800" kern="1200">
+                <a:solidFill>
+                  <a:schemeClr val="tx1"/>
+                </a:solidFill>
+                <a:latin typeface="+mn-lt"/>
+                <a:ea typeface="+mn-ea"/>
+                <a:cs typeface="+mn-cs"/>
+              </a:defRPr>
+            </a:lvl5pPr>
+            <a:lvl6pPr marL="2514600" indent="-228600" algn="l" defTabSz="914400" rtl="0" eaLnBrk="1" latinLnBrk="0" hangingPunct="1">
+              <a:lnSpc>
+                <a:spcPct val="90000"/>
+              </a:lnSpc>
+              <a:spcBef>
+                <a:spcPts val="500"/>
+              </a:spcBef>
+              <a:buFont typeface="Arial" panose="020B0604020202020204" pitchFamily="34" charset="0"/>
+              <a:buChar char="•"/>
+              <a:defRPr sz="1800" kern="1200">
+                <a:solidFill>
+                  <a:schemeClr val="tx1"/>
+                </a:solidFill>
+                <a:latin typeface="+mn-lt"/>
+                <a:ea typeface="+mn-ea"/>
+                <a:cs typeface="+mn-cs"/>
+              </a:defRPr>
+            </a:lvl6pPr>
+            <a:lvl7pPr marL="2971800" indent="-228600" algn="l" defTabSz="914400" rtl="0" eaLnBrk="1" latinLnBrk="0" hangingPunct="1">
+              <a:lnSpc>
+                <a:spcPct val="90000"/>
+              </a:lnSpc>
+              <a:spcBef>
+                <a:spcPts val="500"/>
+              </a:spcBef>
+              <a:buFont typeface="Arial" panose="020B0604020202020204" pitchFamily="34" charset="0"/>
+              <a:buChar char="•"/>
+              <a:defRPr sz="1800" kern="1200">
+                <a:solidFill>
+                  <a:schemeClr val="tx1"/>
+                </a:solidFill>
+                <a:latin typeface="+mn-lt"/>
+                <a:ea typeface="+mn-ea"/>
+                <a:cs typeface="+mn-cs"/>
+              </a:defRPr>
+            </a:lvl7pPr>
+            <a:lvl8pPr marL="3429000" indent="-228600" algn="l" defTabSz="914400" rtl="0" eaLnBrk="1" latinLnBrk="0" hangingPunct="1">
+              <a:lnSpc>
+                <a:spcPct val="90000"/>
+              </a:lnSpc>
+              <a:spcBef>
+                <a:spcPts val="500"/>
+              </a:spcBef>
+              <a:buFont typeface="Arial" panose="020B0604020202020204" pitchFamily="34" charset="0"/>
+              <a:buChar char="•"/>
+              <a:defRPr sz="1800" kern="1200">
+                <a:solidFill>
+                  <a:schemeClr val="tx1"/>
+                </a:solidFill>
+                <a:latin typeface="+mn-lt"/>
+                <a:ea typeface="+mn-ea"/>
+                <a:cs typeface="+mn-cs"/>
+              </a:defRPr>
+            </a:lvl8pPr>
+            <a:lvl9pPr marL="3886200" indent="-228600" algn="l" defTabSz="914400" rtl="0" eaLnBrk="1" latinLnBrk="0" hangingPunct="1">
+              <a:lnSpc>
+                <a:spcPct val="90000"/>
+              </a:lnSpc>
+              <a:spcBef>
+                <a:spcPts val="500"/>
+              </a:spcBef>
+              <a:buFont typeface="Arial" panose="020B0604020202020204" pitchFamily="34" charset="0"/>
+              <a:buChar char="•"/>
+              <a:defRPr sz="1800" kern="1200">
+                <a:solidFill>
+                  <a:schemeClr val="tx1"/>
+                </a:solidFill>
+                <a:latin typeface="+mn-lt"/>
+                <a:ea typeface="+mn-ea"/>
+                <a:cs typeface="+mn-cs"/>
+              </a:defRPr>
+            </a:lvl9pPr>
+          </a:lstStyle>
+          <a:p>
+            <a:pPr marL="0" indent="0">
+              <a:buFont typeface="Arial" panose="020B0604020202020204" pitchFamily="34" charset="0"/>
+              <a:buNone/>
+            </a:pPr>
+            <a:r>
+              <a:rPr lang="en-US" dirty="0" smtClean="0"/>
+              <a:t>…</a:t>
+            </a:r>
+            <a:endParaRPr lang="en-US" dirty="0"/>
+          </a:p>
+        </p:txBody>
+      </p:sp>
+      <p:cxnSp>
+        <p:nvCxnSpPr>
+          <p:cNvPr id="114" name="Straight Arrow Connector 113"/>
+          <p:cNvCxnSpPr>
+            <a:stCxn id="26" idx="3"/>
+            <a:endCxn id="112" idx="1"/>
+          </p:cNvCxnSpPr>
+          <p:nvPr/>
+        </p:nvCxnSpPr>
+        <p:spPr>
+          <a:xfrm flipV="1">
+            <a:off x="4846319" y="1633079"/>
+            <a:ext cx="860310" cy="705525"/>
+          </a:xfrm>
+          <a:prstGeom prst="straightConnector1">
+            <a:avLst/>
+          </a:prstGeom>
+          <a:ln>
+            <a:tailEnd type="triangle"/>
+          </a:ln>
+        </p:spPr>
+        <p:style>
+          <a:lnRef idx="1">
+            <a:schemeClr val="dk1"/>
+          </a:lnRef>
+          <a:fillRef idx="0">
+            <a:schemeClr val="dk1"/>
+          </a:fillRef>
+          <a:effectRef idx="0">
+            <a:schemeClr val="dk1"/>
+          </a:effectRef>
+          <a:fontRef idx="minor">
+            <a:schemeClr val="tx1"/>
+          </a:fontRef>
+        </p:style>
+      </p:cxnSp>
+      <p:sp>
+        <p:nvSpPr>
+          <p:cNvPr id="115" name="Content Placeholder 2"/>
+          <p:cNvSpPr txBox="1">
+            <a:spLocks/>
+          </p:cNvSpPr>
+          <p:nvPr/>
+        </p:nvSpPr>
+        <p:spPr>
+          <a:xfrm>
+            <a:off x="5707780" y="1831438"/>
+            <a:ext cx="349938" cy="292701"/>
+          </a:xfrm>
+          <a:prstGeom prst="rect">
+            <a:avLst/>
+          </a:prstGeom>
+        </p:spPr>
+        <p:txBody>
+          <a:bodyPr vert="horz" lIns="91440" tIns="45720" rIns="91440" bIns="45720" rtlCol="0">
+            <a:normAutofit fontScale="62500" lnSpcReduction="20000"/>
+          </a:bodyPr>
+          <a:lstStyle>
+            <a:lvl1pPr marL="228600" indent="-228600" algn="l" defTabSz="914400" rtl="0" eaLnBrk="1" latinLnBrk="0" hangingPunct="1">
+              <a:lnSpc>
+                <a:spcPct val="90000"/>
+              </a:lnSpc>
+              <a:spcBef>
+                <a:spcPts val="1000"/>
+              </a:spcBef>
+              <a:buFont typeface="Arial" panose="020B0604020202020204" pitchFamily="34" charset="0"/>
+              <a:buChar char="•"/>
+              <a:defRPr sz="2800" kern="1200">
+                <a:solidFill>
+                  <a:schemeClr val="tx1"/>
+                </a:solidFill>
+                <a:latin typeface="+mn-lt"/>
+                <a:ea typeface="+mn-ea"/>
+                <a:cs typeface="+mn-cs"/>
+              </a:defRPr>
+            </a:lvl1pPr>
+            <a:lvl2pPr marL="685800" indent="-228600" algn="l" defTabSz="914400" rtl="0" eaLnBrk="1" latinLnBrk="0" hangingPunct="1">
+              <a:lnSpc>
+                <a:spcPct val="90000"/>
+              </a:lnSpc>
+              <a:spcBef>
+                <a:spcPts val="500"/>
+              </a:spcBef>
+              <a:buFont typeface="Arial" panose="020B0604020202020204" pitchFamily="34" charset="0"/>
+              <a:buChar char="•"/>
+              <a:defRPr sz="2400" kern="1200">
+                <a:solidFill>
+                  <a:schemeClr val="tx1"/>
+                </a:solidFill>
+                <a:latin typeface="+mn-lt"/>
+                <a:ea typeface="+mn-ea"/>
+                <a:cs typeface="+mn-cs"/>
+              </a:defRPr>
+            </a:lvl2pPr>
+            <a:lvl3pPr marL="1143000" indent="-228600" algn="l" defTabSz="914400" rtl="0" eaLnBrk="1" latinLnBrk="0" hangingPunct="1">
+              <a:lnSpc>
+                <a:spcPct val="90000"/>
+              </a:lnSpc>
+              <a:spcBef>
+                <a:spcPts val="500"/>
+              </a:spcBef>
+              <a:buFont typeface="Arial" panose="020B0604020202020204" pitchFamily="34" charset="0"/>
+              <a:buChar char="•"/>
+              <a:defRPr sz="2000" kern="1200">
+                <a:solidFill>
+                  <a:schemeClr val="tx1"/>
+                </a:solidFill>
+                <a:latin typeface="+mn-lt"/>
+                <a:ea typeface="+mn-ea"/>
+                <a:cs typeface="+mn-cs"/>
+              </a:defRPr>
+            </a:lvl3pPr>
+            <a:lvl4pPr marL="1600200" indent="-228600" algn="l" defTabSz="914400" rtl="0" eaLnBrk="1" latinLnBrk="0" hangingPunct="1">
+              <a:lnSpc>
+                <a:spcPct val="90000"/>
+              </a:lnSpc>
+              <a:spcBef>
+                <a:spcPts val="500"/>
+              </a:spcBef>
+              <a:buFont typeface="Arial" panose="020B0604020202020204" pitchFamily="34" charset="0"/>
+              <a:buChar char="•"/>
+              <a:defRPr sz="1800" kern="1200">
+                <a:solidFill>
+                  <a:schemeClr val="tx1"/>
+                </a:solidFill>
+                <a:latin typeface="+mn-lt"/>
+                <a:ea typeface="+mn-ea"/>
+                <a:cs typeface="+mn-cs"/>
+              </a:defRPr>
+            </a:lvl4pPr>
+            <a:lvl5pPr marL="2057400" indent="-228600" algn="l" defTabSz="914400" rtl="0" eaLnBrk="1" latinLnBrk="0" hangingPunct="1">
+              <a:lnSpc>
+                <a:spcPct val="90000"/>
+              </a:lnSpc>
+              <a:spcBef>
+                <a:spcPts val="500"/>
+              </a:spcBef>
+              <a:buFont typeface="Arial" panose="020B0604020202020204" pitchFamily="34" charset="0"/>
+              <a:buChar char="•"/>
+              <a:defRPr sz="1800" kern="1200">
+                <a:solidFill>
+                  <a:schemeClr val="tx1"/>
+                </a:solidFill>
+                <a:latin typeface="+mn-lt"/>
+                <a:ea typeface="+mn-ea"/>
+                <a:cs typeface="+mn-cs"/>
+              </a:defRPr>
+            </a:lvl5pPr>
+            <a:lvl6pPr marL="2514600" indent="-228600" algn="l" defTabSz="914400" rtl="0" eaLnBrk="1" latinLnBrk="0" hangingPunct="1">
+              <a:lnSpc>
+                <a:spcPct val="90000"/>
+              </a:lnSpc>
+              <a:spcBef>
+                <a:spcPts val="500"/>
+              </a:spcBef>
+              <a:buFont typeface="Arial" panose="020B0604020202020204" pitchFamily="34" charset="0"/>
+              <a:buChar char="•"/>
+              <a:defRPr sz="1800" kern="1200">
+                <a:solidFill>
+                  <a:schemeClr val="tx1"/>
+                </a:solidFill>
+                <a:latin typeface="+mn-lt"/>
+                <a:ea typeface="+mn-ea"/>
+                <a:cs typeface="+mn-cs"/>
+              </a:defRPr>
+            </a:lvl6pPr>
+            <a:lvl7pPr marL="2971800" indent="-228600" algn="l" defTabSz="914400" rtl="0" eaLnBrk="1" latinLnBrk="0" hangingPunct="1">
+              <a:lnSpc>
+                <a:spcPct val="90000"/>
+              </a:lnSpc>
+              <a:spcBef>
+                <a:spcPts val="500"/>
+              </a:spcBef>
+              <a:buFont typeface="Arial" panose="020B0604020202020204" pitchFamily="34" charset="0"/>
+              <a:buChar char="•"/>
+              <a:defRPr sz="1800" kern="1200">
+                <a:solidFill>
+                  <a:schemeClr val="tx1"/>
+                </a:solidFill>
+                <a:latin typeface="+mn-lt"/>
+                <a:ea typeface="+mn-ea"/>
+                <a:cs typeface="+mn-cs"/>
+              </a:defRPr>
+            </a:lvl7pPr>
+            <a:lvl8pPr marL="3429000" indent="-228600" algn="l" defTabSz="914400" rtl="0" eaLnBrk="1" latinLnBrk="0" hangingPunct="1">
+              <a:lnSpc>
+                <a:spcPct val="90000"/>
+              </a:lnSpc>
+              <a:spcBef>
+                <a:spcPts val="500"/>
+              </a:spcBef>
+              <a:buFont typeface="Arial" panose="020B0604020202020204" pitchFamily="34" charset="0"/>
+              <a:buChar char="•"/>
+              <a:defRPr sz="1800" kern="1200">
+                <a:solidFill>
+                  <a:schemeClr val="tx1"/>
+                </a:solidFill>
+                <a:latin typeface="+mn-lt"/>
+                <a:ea typeface="+mn-ea"/>
+                <a:cs typeface="+mn-cs"/>
+              </a:defRPr>
+            </a:lvl8pPr>
+            <a:lvl9pPr marL="3886200" indent="-228600" algn="l" defTabSz="914400" rtl="0" eaLnBrk="1" latinLnBrk="0" hangingPunct="1">
+              <a:lnSpc>
+                <a:spcPct val="90000"/>
+              </a:lnSpc>
+              <a:spcBef>
+                <a:spcPts val="500"/>
+              </a:spcBef>
+              <a:buFont typeface="Arial" panose="020B0604020202020204" pitchFamily="34" charset="0"/>
+              <a:buChar char="•"/>
+              <a:defRPr sz="1800" kern="1200">
+                <a:solidFill>
+                  <a:schemeClr val="tx1"/>
+                </a:solidFill>
+                <a:latin typeface="+mn-lt"/>
+                <a:ea typeface="+mn-ea"/>
+                <a:cs typeface="+mn-cs"/>
+              </a:defRPr>
+            </a:lvl9pPr>
+          </a:lstStyle>
+          <a:p>
+            <a:pPr marL="0" indent="0">
+              <a:buFont typeface="Arial" panose="020B0604020202020204" pitchFamily="34" charset="0"/>
+              <a:buNone/>
+            </a:pPr>
+            <a:r>
+              <a:rPr lang="en-US" dirty="0" smtClean="0"/>
+              <a:t>…</a:t>
+            </a:r>
+            <a:endParaRPr lang="en-US" dirty="0"/>
+          </a:p>
+        </p:txBody>
+      </p:sp>
+      <p:cxnSp>
+        <p:nvCxnSpPr>
+          <p:cNvPr id="117" name="Straight Arrow Connector 116"/>
+          <p:cNvCxnSpPr>
+            <a:stCxn id="26" idx="3"/>
+            <a:endCxn id="115" idx="1"/>
+          </p:cNvCxnSpPr>
+          <p:nvPr/>
+        </p:nvCxnSpPr>
+        <p:spPr>
+          <a:xfrm flipV="1">
+            <a:off x="4846319" y="1977789"/>
+            <a:ext cx="861461" cy="360815"/>
+          </a:xfrm>
+          <a:prstGeom prst="straightConnector1">
+            <a:avLst/>
+          </a:prstGeom>
+          <a:ln>
+            <a:tailEnd type="triangle"/>
+          </a:ln>
+        </p:spPr>
+        <p:style>
+          <a:lnRef idx="1">
+            <a:schemeClr val="dk1"/>
+          </a:lnRef>
+          <a:fillRef idx="0">
+            <a:schemeClr val="dk1"/>
+          </a:fillRef>
+          <a:effectRef idx="0">
+            <a:schemeClr val="dk1"/>
+          </a:effectRef>
+          <a:fontRef idx="minor">
+            <a:schemeClr val="tx1"/>
+          </a:fontRef>
+        </p:style>
+      </p:cxnSp>
+      <p:sp>
+        <p:nvSpPr>
+          <p:cNvPr id="119" name="Content Placeholder 2"/>
+          <p:cNvSpPr txBox="1">
+            <a:spLocks/>
+          </p:cNvSpPr>
+          <p:nvPr/>
+        </p:nvSpPr>
+        <p:spPr>
+          <a:xfrm>
+            <a:off x="5746062" y="5488561"/>
+            <a:ext cx="349938" cy="292701"/>
+          </a:xfrm>
+          <a:prstGeom prst="rect">
+            <a:avLst/>
+          </a:prstGeom>
+        </p:spPr>
+        <p:txBody>
+          <a:bodyPr vert="horz" lIns="91440" tIns="45720" rIns="91440" bIns="45720" rtlCol="0">
+            <a:normAutofit fontScale="62500" lnSpcReduction="20000"/>
+          </a:bodyPr>
+          <a:lstStyle>
+            <a:lvl1pPr marL="228600" indent="-228600" algn="l" defTabSz="914400" rtl="0" eaLnBrk="1" latinLnBrk="0" hangingPunct="1">
+              <a:lnSpc>
+                <a:spcPct val="90000"/>
+              </a:lnSpc>
+              <a:spcBef>
+                <a:spcPts val="1000"/>
+              </a:spcBef>
+              <a:buFont typeface="Arial" panose="020B0604020202020204" pitchFamily="34" charset="0"/>
+              <a:buChar char="•"/>
+              <a:defRPr sz="2800" kern="1200">
+                <a:solidFill>
+                  <a:schemeClr val="tx1"/>
+                </a:solidFill>
+                <a:latin typeface="+mn-lt"/>
+                <a:ea typeface="+mn-ea"/>
+                <a:cs typeface="+mn-cs"/>
+              </a:defRPr>
+            </a:lvl1pPr>
+            <a:lvl2pPr marL="685800" indent="-228600" algn="l" defTabSz="914400" rtl="0" eaLnBrk="1" latinLnBrk="0" hangingPunct="1">
+              <a:lnSpc>
+                <a:spcPct val="90000"/>
+              </a:lnSpc>
+              <a:spcBef>
+                <a:spcPts val="500"/>
+              </a:spcBef>
+              <a:buFont typeface="Arial" panose="020B0604020202020204" pitchFamily="34" charset="0"/>
+              <a:buChar char="•"/>
+              <a:defRPr sz="2400" kern="1200">
+                <a:solidFill>
+                  <a:schemeClr val="tx1"/>
+                </a:solidFill>
+                <a:latin typeface="+mn-lt"/>
+                <a:ea typeface="+mn-ea"/>
+                <a:cs typeface="+mn-cs"/>
+              </a:defRPr>
+            </a:lvl2pPr>
+            <a:lvl3pPr marL="1143000" indent="-228600" algn="l" defTabSz="914400" rtl="0" eaLnBrk="1" latinLnBrk="0" hangingPunct="1">
+              <a:lnSpc>
+                <a:spcPct val="90000"/>
+              </a:lnSpc>
+              <a:spcBef>
+                <a:spcPts val="500"/>
+              </a:spcBef>
+              <a:buFont typeface="Arial" panose="020B0604020202020204" pitchFamily="34" charset="0"/>
+              <a:buChar char="•"/>
+              <a:defRPr sz="2000" kern="1200">
+                <a:solidFill>
+                  <a:schemeClr val="tx1"/>
+                </a:solidFill>
+                <a:latin typeface="+mn-lt"/>
+                <a:ea typeface="+mn-ea"/>
+                <a:cs typeface="+mn-cs"/>
+              </a:defRPr>
+            </a:lvl3pPr>
+            <a:lvl4pPr marL="1600200" indent="-228600" algn="l" defTabSz="914400" rtl="0" eaLnBrk="1" latinLnBrk="0" hangingPunct="1">
+              <a:lnSpc>
+                <a:spcPct val="90000"/>
+              </a:lnSpc>
+              <a:spcBef>
+                <a:spcPts val="500"/>
+              </a:spcBef>
+              <a:buFont typeface="Arial" panose="020B0604020202020204" pitchFamily="34" charset="0"/>
+              <a:buChar char="•"/>
+              <a:defRPr sz="1800" kern="1200">
+                <a:solidFill>
+                  <a:schemeClr val="tx1"/>
+                </a:solidFill>
+                <a:latin typeface="+mn-lt"/>
+                <a:ea typeface="+mn-ea"/>
+                <a:cs typeface="+mn-cs"/>
+              </a:defRPr>
+            </a:lvl4pPr>
+            <a:lvl5pPr marL="2057400" indent="-228600" algn="l" defTabSz="914400" rtl="0" eaLnBrk="1" latinLnBrk="0" hangingPunct="1">
+              <a:lnSpc>
+                <a:spcPct val="90000"/>
+              </a:lnSpc>
+              <a:spcBef>
+                <a:spcPts val="500"/>
+              </a:spcBef>
+              <a:buFont typeface="Arial" panose="020B0604020202020204" pitchFamily="34" charset="0"/>
+              <a:buChar char="•"/>
+              <a:defRPr sz="1800" kern="1200">
+                <a:solidFill>
+                  <a:schemeClr val="tx1"/>
+                </a:solidFill>
+                <a:latin typeface="+mn-lt"/>
+                <a:ea typeface="+mn-ea"/>
+                <a:cs typeface="+mn-cs"/>
+              </a:defRPr>
+            </a:lvl5pPr>
+            <a:lvl6pPr marL="2514600" indent="-228600" algn="l" defTabSz="914400" rtl="0" eaLnBrk="1" latinLnBrk="0" hangingPunct="1">
+              <a:lnSpc>
+                <a:spcPct val="90000"/>
+              </a:lnSpc>
+              <a:spcBef>
+                <a:spcPts val="500"/>
+              </a:spcBef>
+              <a:buFont typeface="Arial" panose="020B0604020202020204" pitchFamily="34" charset="0"/>
+              <a:buChar char="•"/>
+              <a:defRPr sz="1800" kern="1200">
+                <a:solidFill>
+                  <a:schemeClr val="tx1"/>
+                </a:solidFill>
+                <a:latin typeface="+mn-lt"/>
+                <a:ea typeface="+mn-ea"/>
+                <a:cs typeface="+mn-cs"/>
+              </a:defRPr>
+            </a:lvl6pPr>
+            <a:lvl7pPr marL="2971800" indent="-228600" algn="l" defTabSz="914400" rtl="0" eaLnBrk="1" latinLnBrk="0" hangingPunct="1">
+              <a:lnSpc>
+                <a:spcPct val="90000"/>
+              </a:lnSpc>
+              <a:spcBef>
+                <a:spcPts val="500"/>
+              </a:spcBef>
+              <a:buFont typeface="Arial" panose="020B0604020202020204" pitchFamily="34" charset="0"/>
+              <a:buChar char="•"/>
+              <a:defRPr sz="1800" kern="1200">
+                <a:solidFill>
+                  <a:schemeClr val="tx1"/>
+                </a:solidFill>
+                <a:latin typeface="+mn-lt"/>
+                <a:ea typeface="+mn-ea"/>
+                <a:cs typeface="+mn-cs"/>
+              </a:defRPr>
+            </a:lvl7pPr>
+            <a:lvl8pPr marL="3429000" indent="-228600" algn="l" defTabSz="914400" rtl="0" eaLnBrk="1" latinLnBrk="0" hangingPunct="1">
+              <a:lnSpc>
+                <a:spcPct val="90000"/>
+              </a:lnSpc>
+              <a:spcBef>
+                <a:spcPts val="500"/>
+              </a:spcBef>
+              <a:buFont typeface="Arial" panose="020B0604020202020204" pitchFamily="34" charset="0"/>
+              <a:buChar char="•"/>
+              <a:defRPr sz="1800" kern="1200">
+                <a:solidFill>
+                  <a:schemeClr val="tx1"/>
+                </a:solidFill>
+                <a:latin typeface="+mn-lt"/>
+                <a:ea typeface="+mn-ea"/>
+                <a:cs typeface="+mn-cs"/>
+              </a:defRPr>
+            </a:lvl8pPr>
+            <a:lvl9pPr marL="3886200" indent="-228600" algn="l" defTabSz="914400" rtl="0" eaLnBrk="1" latinLnBrk="0" hangingPunct="1">
+              <a:lnSpc>
+                <a:spcPct val="90000"/>
+              </a:lnSpc>
+              <a:spcBef>
+                <a:spcPts val="500"/>
+              </a:spcBef>
+              <a:buFont typeface="Arial" panose="020B0604020202020204" pitchFamily="34" charset="0"/>
+              <a:buChar char="•"/>
+              <a:defRPr sz="1800" kern="1200">
+                <a:solidFill>
+                  <a:schemeClr val="tx1"/>
+                </a:solidFill>
+                <a:latin typeface="+mn-lt"/>
+                <a:ea typeface="+mn-ea"/>
+                <a:cs typeface="+mn-cs"/>
+              </a:defRPr>
+            </a:lvl9pPr>
+          </a:lstStyle>
+          <a:p>
+            <a:pPr marL="0" indent="0">
+              <a:buFont typeface="Arial" panose="020B0604020202020204" pitchFamily="34" charset="0"/>
+              <a:buNone/>
+            </a:pPr>
+            <a:r>
+              <a:rPr lang="en-US" dirty="0" smtClean="0"/>
+              <a:t>…</a:t>
+            </a:r>
+            <a:endParaRPr lang="en-US" dirty="0"/>
+          </a:p>
+        </p:txBody>
+      </p:sp>
+      <p:sp>
+        <p:nvSpPr>
+          <p:cNvPr id="120" name="Content Placeholder 2"/>
+          <p:cNvSpPr txBox="1">
+            <a:spLocks/>
+          </p:cNvSpPr>
+          <p:nvPr/>
+        </p:nvSpPr>
+        <p:spPr>
+          <a:xfrm>
+            <a:off x="5757049" y="5824035"/>
+            <a:ext cx="349938" cy="292701"/>
+          </a:xfrm>
+          <a:prstGeom prst="rect">
+            <a:avLst/>
+          </a:prstGeom>
+        </p:spPr>
+        <p:txBody>
+          <a:bodyPr vert="horz" lIns="91440" tIns="45720" rIns="91440" bIns="45720" rtlCol="0">
+            <a:normAutofit fontScale="62500" lnSpcReduction="20000"/>
+          </a:bodyPr>
+          <a:lstStyle>
+            <a:lvl1pPr marL="228600" indent="-228600" algn="l" defTabSz="914400" rtl="0" eaLnBrk="1" latinLnBrk="0" hangingPunct="1">
+              <a:lnSpc>
+                <a:spcPct val="90000"/>
+              </a:lnSpc>
+              <a:spcBef>
+                <a:spcPts val="1000"/>
+              </a:spcBef>
+              <a:buFont typeface="Arial" panose="020B0604020202020204" pitchFamily="34" charset="0"/>
+              <a:buChar char="•"/>
+              <a:defRPr sz="2800" kern="1200">
+                <a:solidFill>
+                  <a:schemeClr val="tx1"/>
+                </a:solidFill>
+                <a:latin typeface="+mn-lt"/>
+                <a:ea typeface="+mn-ea"/>
+                <a:cs typeface="+mn-cs"/>
+              </a:defRPr>
+            </a:lvl1pPr>
+            <a:lvl2pPr marL="685800" indent="-228600" algn="l" defTabSz="914400" rtl="0" eaLnBrk="1" latinLnBrk="0" hangingPunct="1">
+              <a:lnSpc>
+                <a:spcPct val="90000"/>
+              </a:lnSpc>
+              <a:spcBef>
+                <a:spcPts val="500"/>
+              </a:spcBef>
+              <a:buFont typeface="Arial" panose="020B0604020202020204" pitchFamily="34" charset="0"/>
+              <a:buChar char="•"/>
+              <a:defRPr sz="2400" kern="1200">
+                <a:solidFill>
+                  <a:schemeClr val="tx1"/>
+                </a:solidFill>
+                <a:latin typeface="+mn-lt"/>
+                <a:ea typeface="+mn-ea"/>
+                <a:cs typeface="+mn-cs"/>
+              </a:defRPr>
+            </a:lvl2pPr>
+            <a:lvl3pPr marL="1143000" indent="-228600" algn="l" defTabSz="914400" rtl="0" eaLnBrk="1" latinLnBrk="0" hangingPunct="1">
+              <a:lnSpc>
+                <a:spcPct val="90000"/>
+              </a:lnSpc>
+              <a:spcBef>
+                <a:spcPts val="500"/>
+              </a:spcBef>
+              <a:buFont typeface="Arial" panose="020B0604020202020204" pitchFamily="34" charset="0"/>
+              <a:buChar char="•"/>
+              <a:defRPr sz="2000" kern="1200">
+                <a:solidFill>
+                  <a:schemeClr val="tx1"/>
+                </a:solidFill>
+                <a:latin typeface="+mn-lt"/>
+                <a:ea typeface="+mn-ea"/>
+                <a:cs typeface="+mn-cs"/>
+              </a:defRPr>
+            </a:lvl3pPr>
+            <a:lvl4pPr marL="1600200" indent="-228600" algn="l" defTabSz="914400" rtl="0" eaLnBrk="1" latinLnBrk="0" hangingPunct="1">
+              <a:lnSpc>
+                <a:spcPct val="90000"/>
+              </a:lnSpc>
+              <a:spcBef>
+                <a:spcPts val="500"/>
+              </a:spcBef>
+              <a:buFont typeface="Arial" panose="020B0604020202020204" pitchFamily="34" charset="0"/>
+              <a:buChar char="•"/>
+              <a:defRPr sz="1800" kern="1200">
+                <a:solidFill>
+                  <a:schemeClr val="tx1"/>
+                </a:solidFill>
+                <a:latin typeface="+mn-lt"/>
+                <a:ea typeface="+mn-ea"/>
+                <a:cs typeface="+mn-cs"/>
+              </a:defRPr>
+            </a:lvl4pPr>
+            <a:lvl5pPr marL="2057400" indent="-228600" algn="l" defTabSz="914400" rtl="0" eaLnBrk="1" latinLnBrk="0" hangingPunct="1">
+              <a:lnSpc>
+                <a:spcPct val="90000"/>
+              </a:lnSpc>
+              <a:spcBef>
+                <a:spcPts val="500"/>
+              </a:spcBef>
+              <a:buFont typeface="Arial" panose="020B0604020202020204" pitchFamily="34" charset="0"/>
+              <a:buChar char="•"/>
+              <a:defRPr sz="1800" kern="1200">
+                <a:solidFill>
+                  <a:schemeClr val="tx1"/>
+                </a:solidFill>
+                <a:latin typeface="+mn-lt"/>
+                <a:ea typeface="+mn-ea"/>
+                <a:cs typeface="+mn-cs"/>
+              </a:defRPr>
+            </a:lvl5pPr>
+            <a:lvl6pPr marL="2514600" indent="-228600" algn="l" defTabSz="914400" rtl="0" eaLnBrk="1" latinLnBrk="0" hangingPunct="1">
+              <a:lnSpc>
+                <a:spcPct val="90000"/>
+              </a:lnSpc>
+              <a:spcBef>
+                <a:spcPts val="500"/>
+              </a:spcBef>
+              <a:buFont typeface="Arial" panose="020B0604020202020204" pitchFamily="34" charset="0"/>
+              <a:buChar char="•"/>
+              <a:defRPr sz="1800" kern="1200">
+                <a:solidFill>
+                  <a:schemeClr val="tx1"/>
+                </a:solidFill>
+                <a:latin typeface="+mn-lt"/>
+                <a:ea typeface="+mn-ea"/>
+                <a:cs typeface="+mn-cs"/>
+              </a:defRPr>
+            </a:lvl6pPr>
+            <a:lvl7pPr marL="2971800" indent="-228600" algn="l" defTabSz="914400" rtl="0" eaLnBrk="1" latinLnBrk="0" hangingPunct="1">
+              <a:lnSpc>
+                <a:spcPct val="90000"/>
+              </a:lnSpc>
+              <a:spcBef>
+                <a:spcPts val="500"/>
+              </a:spcBef>
+              <a:buFont typeface="Arial" panose="020B0604020202020204" pitchFamily="34" charset="0"/>
+              <a:buChar char="•"/>
+              <a:defRPr sz="1800" kern="1200">
+                <a:solidFill>
+                  <a:schemeClr val="tx1"/>
+                </a:solidFill>
+                <a:latin typeface="+mn-lt"/>
+                <a:ea typeface="+mn-ea"/>
+                <a:cs typeface="+mn-cs"/>
+              </a:defRPr>
+            </a:lvl7pPr>
+            <a:lvl8pPr marL="3429000" indent="-228600" algn="l" defTabSz="914400" rtl="0" eaLnBrk="1" latinLnBrk="0" hangingPunct="1">
+              <a:lnSpc>
+                <a:spcPct val="90000"/>
+              </a:lnSpc>
+              <a:spcBef>
+                <a:spcPts val="500"/>
+              </a:spcBef>
+              <a:buFont typeface="Arial" panose="020B0604020202020204" pitchFamily="34" charset="0"/>
+              <a:buChar char="•"/>
+              <a:defRPr sz="1800" kern="1200">
+                <a:solidFill>
+                  <a:schemeClr val="tx1"/>
+                </a:solidFill>
+                <a:latin typeface="+mn-lt"/>
+                <a:ea typeface="+mn-ea"/>
+                <a:cs typeface="+mn-cs"/>
+              </a:defRPr>
+            </a:lvl8pPr>
+            <a:lvl9pPr marL="3886200" indent="-228600" algn="l" defTabSz="914400" rtl="0" eaLnBrk="1" latinLnBrk="0" hangingPunct="1">
+              <a:lnSpc>
+                <a:spcPct val="90000"/>
+              </a:lnSpc>
+              <a:spcBef>
+                <a:spcPts val="500"/>
+              </a:spcBef>
+              <a:buFont typeface="Arial" panose="020B0604020202020204" pitchFamily="34" charset="0"/>
+              <a:buChar char="•"/>
+              <a:defRPr sz="1800" kern="1200">
+                <a:solidFill>
+                  <a:schemeClr val="tx1"/>
+                </a:solidFill>
+                <a:latin typeface="+mn-lt"/>
+                <a:ea typeface="+mn-ea"/>
+                <a:cs typeface="+mn-cs"/>
+              </a:defRPr>
+            </a:lvl9pPr>
+          </a:lstStyle>
+          <a:p>
+            <a:pPr marL="0" indent="0">
+              <a:buFont typeface="Arial" panose="020B0604020202020204" pitchFamily="34" charset="0"/>
+              <a:buNone/>
+            </a:pPr>
+            <a:r>
+              <a:rPr lang="en-US" dirty="0" smtClean="0"/>
+              <a:t>…</a:t>
+            </a:r>
+            <a:endParaRPr lang="en-US" dirty="0"/>
+          </a:p>
+        </p:txBody>
+      </p:sp>
+      <p:sp>
+        <p:nvSpPr>
+          <p:cNvPr id="121" name="Content Placeholder 2"/>
+          <p:cNvSpPr txBox="1">
+            <a:spLocks/>
+          </p:cNvSpPr>
+          <p:nvPr/>
+        </p:nvSpPr>
+        <p:spPr>
+          <a:xfrm>
+            <a:off x="5766011" y="6159509"/>
+            <a:ext cx="349938" cy="288424"/>
+          </a:xfrm>
+          <a:prstGeom prst="rect">
+            <a:avLst/>
+          </a:prstGeom>
+        </p:spPr>
+        <p:txBody>
+          <a:bodyPr vert="horz" lIns="91440" tIns="45720" rIns="91440" bIns="45720" rtlCol="0">
+            <a:normAutofit fontScale="62500" lnSpcReduction="20000"/>
+          </a:bodyPr>
+          <a:lstStyle>
+            <a:lvl1pPr marL="228600" indent="-228600" algn="l" defTabSz="914400" rtl="0" eaLnBrk="1" latinLnBrk="0" hangingPunct="1">
+              <a:lnSpc>
+                <a:spcPct val="90000"/>
+              </a:lnSpc>
+              <a:spcBef>
+                <a:spcPts val="1000"/>
+              </a:spcBef>
+              <a:buFont typeface="Arial" panose="020B0604020202020204" pitchFamily="34" charset="0"/>
+              <a:buChar char="•"/>
+              <a:defRPr sz="2800" kern="1200">
+                <a:solidFill>
+                  <a:schemeClr val="tx1"/>
+                </a:solidFill>
+                <a:latin typeface="+mn-lt"/>
+                <a:ea typeface="+mn-ea"/>
+                <a:cs typeface="+mn-cs"/>
+              </a:defRPr>
+            </a:lvl1pPr>
+            <a:lvl2pPr marL="685800" indent="-228600" algn="l" defTabSz="914400" rtl="0" eaLnBrk="1" latinLnBrk="0" hangingPunct="1">
+              <a:lnSpc>
+                <a:spcPct val="90000"/>
+              </a:lnSpc>
+              <a:spcBef>
+                <a:spcPts val="500"/>
+              </a:spcBef>
+              <a:buFont typeface="Arial" panose="020B0604020202020204" pitchFamily="34" charset="0"/>
+              <a:buChar char="•"/>
+              <a:defRPr sz="2400" kern="1200">
+                <a:solidFill>
+                  <a:schemeClr val="tx1"/>
+                </a:solidFill>
+                <a:latin typeface="+mn-lt"/>
+                <a:ea typeface="+mn-ea"/>
+                <a:cs typeface="+mn-cs"/>
+              </a:defRPr>
+            </a:lvl2pPr>
+            <a:lvl3pPr marL="1143000" indent="-228600" algn="l" defTabSz="914400" rtl="0" eaLnBrk="1" latinLnBrk="0" hangingPunct="1">
+              <a:lnSpc>
+                <a:spcPct val="90000"/>
+              </a:lnSpc>
+              <a:spcBef>
+                <a:spcPts val="500"/>
+              </a:spcBef>
+              <a:buFont typeface="Arial" panose="020B0604020202020204" pitchFamily="34" charset="0"/>
+              <a:buChar char="•"/>
+              <a:defRPr sz="2000" kern="1200">
+                <a:solidFill>
+                  <a:schemeClr val="tx1"/>
+                </a:solidFill>
+                <a:latin typeface="+mn-lt"/>
+                <a:ea typeface="+mn-ea"/>
+                <a:cs typeface="+mn-cs"/>
+              </a:defRPr>
+            </a:lvl3pPr>
+            <a:lvl4pPr marL="1600200" indent="-228600" algn="l" defTabSz="914400" rtl="0" eaLnBrk="1" latinLnBrk="0" hangingPunct="1">
+              <a:lnSpc>
+                <a:spcPct val="90000"/>
+              </a:lnSpc>
+              <a:spcBef>
+                <a:spcPts val="500"/>
+              </a:spcBef>
+              <a:buFont typeface="Arial" panose="020B0604020202020204" pitchFamily="34" charset="0"/>
+              <a:buChar char="•"/>
+              <a:defRPr sz="1800" kern="1200">
+                <a:solidFill>
+                  <a:schemeClr val="tx1"/>
+                </a:solidFill>
+                <a:latin typeface="+mn-lt"/>
+                <a:ea typeface="+mn-ea"/>
+                <a:cs typeface="+mn-cs"/>
+              </a:defRPr>
+            </a:lvl4pPr>
+            <a:lvl5pPr marL="2057400" indent="-228600" algn="l" defTabSz="914400" rtl="0" eaLnBrk="1" latinLnBrk="0" hangingPunct="1">
+              <a:lnSpc>
+                <a:spcPct val="90000"/>
+              </a:lnSpc>
+              <a:spcBef>
+                <a:spcPts val="500"/>
+              </a:spcBef>
+              <a:buFont typeface="Arial" panose="020B0604020202020204" pitchFamily="34" charset="0"/>
+              <a:buChar char="•"/>
+              <a:defRPr sz="1800" kern="1200">
+                <a:solidFill>
+                  <a:schemeClr val="tx1"/>
+                </a:solidFill>
+                <a:latin typeface="+mn-lt"/>
+                <a:ea typeface="+mn-ea"/>
+                <a:cs typeface="+mn-cs"/>
+              </a:defRPr>
+            </a:lvl5pPr>
+            <a:lvl6pPr marL="2514600" indent="-228600" algn="l" defTabSz="914400" rtl="0" eaLnBrk="1" latinLnBrk="0" hangingPunct="1">
+              <a:lnSpc>
+                <a:spcPct val="90000"/>
+              </a:lnSpc>
+              <a:spcBef>
+                <a:spcPts val="500"/>
+              </a:spcBef>
+              <a:buFont typeface="Arial" panose="020B0604020202020204" pitchFamily="34" charset="0"/>
+              <a:buChar char="•"/>
+              <a:defRPr sz="1800" kern="1200">
+                <a:solidFill>
+                  <a:schemeClr val="tx1"/>
+                </a:solidFill>
+                <a:latin typeface="+mn-lt"/>
+                <a:ea typeface="+mn-ea"/>
+                <a:cs typeface="+mn-cs"/>
+              </a:defRPr>
+            </a:lvl6pPr>
+            <a:lvl7pPr marL="2971800" indent="-228600" algn="l" defTabSz="914400" rtl="0" eaLnBrk="1" latinLnBrk="0" hangingPunct="1">
+              <a:lnSpc>
+                <a:spcPct val="90000"/>
+              </a:lnSpc>
+              <a:spcBef>
+                <a:spcPts val="500"/>
+              </a:spcBef>
+              <a:buFont typeface="Arial" panose="020B0604020202020204" pitchFamily="34" charset="0"/>
+              <a:buChar char="•"/>
+              <a:defRPr sz="1800" kern="1200">
+                <a:solidFill>
+                  <a:schemeClr val="tx1"/>
+                </a:solidFill>
+                <a:latin typeface="+mn-lt"/>
+                <a:ea typeface="+mn-ea"/>
+                <a:cs typeface="+mn-cs"/>
+              </a:defRPr>
+            </a:lvl7pPr>
+            <a:lvl8pPr marL="3429000" indent="-228600" algn="l" defTabSz="914400" rtl="0" eaLnBrk="1" latinLnBrk="0" hangingPunct="1">
+              <a:lnSpc>
+                <a:spcPct val="90000"/>
+              </a:lnSpc>
+              <a:spcBef>
+                <a:spcPts val="500"/>
+              </a:spcBef>
+              <a:buFont typeface="Arial" panose="020B0604020202020204" pitchFamily="34" charset="0"/>
+              <a:buChar char="•"/>
+              <a:defRPr sz="1800" kern="1200">
+                <a:solidFill>
+                  <a:schemeClr val="tx1"/>
+                </a:solidFill>
+                <a:latin typeface="+mn-lt"/>
+                <a:ea typeface="+mn-ea"/>
+                <a:cs typeface="+mn-cs"/>
+              </a:defRPr>
+            </a:lvl8pPr>
+            <a:lvl9pPr marL="3886200" indent="-228600" algn="l" defTabSz="914400" rtl="0" eaLnBrk="1" latinLnBrk="0" hangingPunct="1">
+              <a:lnSpc>
+                <a:spcPct val="90000"/>
+              </a:lnSpc>
+              <a:spcBef>
+                <a:spcPts val="500"/>
+              </a:spcBef>
+              <a:buFont typeface="Arial" panose="020B0604020202020204" pitchFamily="34" charset="0"/>
+              <a:buChar char="•"/>
+              <a:defRPr sz="1800" kern="1200">
+                <a:solidFill>
+                  <a:schemeClr val="tx1"/>
+                </a:solidFill>
+                <a:latin typeface="+mn-lt"/>
+                <a:ea typeface="+mn-ea"/>
+                <a:cs typeface="+mn-cs"/>
+              </a:defRPr>
+            </a:lvl9pPr>
+          </a:lstStyle>
+          <a:p>
+            <a:pPr marL="0" indent="0">
+              <a:buFont typeface="Arial" panose="020B0604020202020204" pitchFamily="34" charset="0"/>
+              <a:buNone/>
+            </a:pPr>
+            <a:r>
+              <a:rPr lang="en-US" dirty="0" smtClean="0"/>
+              <a:t>…</a:t>
+            </a:r>
+            <a:endParaRPr lang="en-US" dirty="0"/>
+          </a:p>
+        </p:txBody>
+      </p:sp>
+      <p:cxnSp>
+        <p:nvCxnSpPr>
+          <p:cNvPr id="123" name="Straight Arrow Connector 122"/>
+          <p:cNvCxnSpPr>
+            <a:stCxn id="37" idx="3"/>
+            <a:endCxn id="119" idx="1"/>
+          </p:cNvCxnSpPr>
+          <p:nvPr/>
+        </p:nvCxnSpPr>
+        <p:spPr>
+          <a:xfrm>
+            <a:off x="4846319" y="5422624"/>
+            <a:ext cx="899743" cy="212288"/>
+          </a:xfrm>
+          <a:prstGeom prst="straightConnector1">
+            <a:avLst/>
+          </a:prstGeom>
+          <a:ln>
+            <a:tailEnd type="triangle"/>
+          </a:ln>
+        </p:spPr>
+        <p:style>
+          <a:lnRef idx="1">
+            <a:schemeClr val="dk1"/>
+          </a:lnRef>
+          <a:fillRef idx="0">
+            <a:schemeClr val="dk1"/>
+          </a:fillRef>
+          <a:effectRef idx="0">
+            <a:schemeClr val="dk1"/>
+          </a:effectRef>
+          <a:fontRef idx="minor">
+            <a:schemeClr val="tx1"/>
+          </a:fontRef>
+        </p:style>
+      </p:cxnSp>
+      <p:cxnSp>
+        <p:nvCxnSpPr>
+          <p:cNvPr id="125" name="Straight Arrow Connector 124"/>
+          <p:cNvCxnSpPr>
+            <a:stCxn id="37" idx="3"/>
+            <a:endCxn id="120" idx="1"/>
+          </p:cNvCxnSpPr>
+          <p:nvPr/>
+        </p:nvCxnSpPr>
+        <p:spPr>
+          <a:xfrm>
+            <a:off x="4846319" y="5422624"/>
+            <a:ext cx="910730" cy="547762"/>
+          </a:xfrm>
+          <a:prstGeom prst="straightConnector1">
+            <a:avLst/>
+          </a:prstGeom>
+          <a:ln>
+            <a:tailEnd type="triangle"/>
+          </a:ln>
+        </p:spPr>
+        <p:style>
+          <a:lnRef idx="1">
+            <a:schemeClr val="dk1"/>
+          </a:lnRef>
+          <a:fillRef idx="0">
+            <a:schemeClr val="dk1"/>
+          </a:fillRef>
+          <a:effectRef idx="0">
+            <a:schemeClr val="dk1"/>
+          </a:effectRef>
+          <a:fontRef idx="minor">
+            <a:schemeClr val="tx1"/>
+          </a:fontRef>
+        </p:style>
+      </p:cxnSp>
+      <p:cxnSp>
+        <p:nvCxnSpPr>
+          <p:cNvPr id="130" name="Straight Arrow Connector 129"/>
+          <p:cNvCxnSpPr>
+            <a:stCxn id="37" idx="3"/>
+            <a:endCxn id="121" idx="1"/>
+          </p:cNvCxnSpPr>
+          <p:nvPr/>
+        </p:nvCxnSpPr>
+        <p:spPr>
+          <a:xfrm>
+            <a:off x="4846319" y="5422624"/>
+            <a:ext cx="919692" cy="881097"/>
+          </a:xfrm>
+          <a:prstGeom prst="straightConnector1">
+            <a:avLst/>
+          </a:prstGeom>
+          <a:ln>
+            <a:tailEnd type="triangle"/>
+          </a:ln>
+        </p:spPr>
+        <p:style>
+          <a:lnRef idx="1">
+            <a:schemeClr val="dk1"/>
+          </a:lnRef>
+          <a:fillRef idx="0">
+            <a:schemeClr val="dk1"/>
+          </a:fillRef>
+          <a:effectRef idx="0">
+            <a:schemeClr val="dk1"/>
+          </a:effectRef>
+          <a:fontRef idx="minor">
+            <a:schemeClr val="tx1"/>
+          </a:fontRef>
+        </p:style>
+      </p:cxnSp>
+      <p:sp>
+        <p:nvSpPr>
+          <p:cNvPr id="135" name="Content Placeholder 2"/>
+          <p:cNvSpPr txBox="1">
+            <a:spLocks/>
+          </p:cNvSpPr>
+          <p:nvPr/>
+        </p:nvSpPr>
+        <p:spPr>
+          <a:xfrm>
+            <a:off x="7048186" y="5942706"/>
+            <a:ext cx="349938" cy="292701"/>
+          </a:xfrm>
+          <a:prstGeom prst="rect">
+            <a:avLst/>
+          </a:prstGeom>
+        </p:spPr>
+        <p:txBody>
+          <a:bodyPr vert="horz" lIns="91440" tIns="45720" rIns="91440" bIns="45720" rtlCol="0">
+            <a:normAutofit fontScale="62500" lnSpcReduction="20000"/>
+          </a:bodyPr>
+          <a:lstStyle>
+            <a:lvl1pPr marL="228600" indent="-228600" algn="l" defTabSz="914400" rtl="0" eaLnBrk="1" latinLnBrk="0" hangingPunct="1">
+              <a:lnSpc>
+                <a:spcPct val="90000"/>
+              </a:lnSpc>
+              <a:spcBef>
+                <a:spcPts val="1000"/>
+              </a:spcBef>
+              <a:buFont typeface="Arial" panose="020B0604020202020204" pitchFamily="34" charset="0"/>
+              <a:buChar char="•"/>
+              <a:defRPr sz="2800" kern="1200">
+                <a:solidFill>
+                  <a:schemeClr val="tx1"/>
+                </a:solidFill>
+                <a:latin typeface="+mn-lt"/>
+                <a:ea typeface="+mn-ea"/>
+                <a:cs typeface="+mn-cs"/>
+              </a:defRPr>
+            </a:lvl1pPr>
+            <a:lvl2pPr marL="685800" indent="-228600" algn="l" defTabSz="914400" rtl="0" eaLnBrk="1" latinLnBrk="0" hangingPunct="1">
+              <a:lnSpc>
+                <a:spcPct val="90000"/>
+              </a:lnSpc>
+              <a:spcBef>
+                <a:spcPts val="500"/>
+              </a:spcBef>
+              <a:buFont typeface="Arial" panose="020B0604020202020204" pitchFamily="34" charset="0"/>
+              <a:buChar char="•"/>
+              <a:defRPr sz="2400" kern="1200">
+                <a:solidFill>
+                  <a:schemeClr val="tx1"/>
+                </a:solidFill>
+                <a:latin typeface="+mn-lt"/>
+                <a:ea typeface="+mn-ea"/>
+                <a:cs typeface="+mn-cs"/>
+              </a:defRPr>
+            </a:lvl2pPr>
+            <a:lvl3pPr marL="1143000" indent="-228600" algn="l" defTabSz="914400" rtl="0" eaLnBrk="1" latinLnBrk="0" hangingPunct="1">
+              <a:lnSpc>
+                <a:spcPct val="90000"/>
+              </a:lnSpc>
+              <a:spcBef>
+                <a:spcPts val="500"/>
+              </a:spcBef>
+              <a:buFont typeface="Arial" panose="020B0604020202020204" pitchFamily="34" charset="0"/>
+              <a:buChar char="•"/>
+              <a:defRPr sz="2000" kern="1200">
+                <a:solidFill>
+                  <a:schemeClr val="tx1"/>
+                </a:solidFill>
+                <a:latin typeface="+mn-lt"/>
+                <a:ea typeface="+mn-ea"/>
+                <a:cs typeface="+mn-cs"/>
+              </a:defRPr>
+            </a:lvl3pPr>
+            <a:lvl4pPr marL="1600200" indent="-228600" algn="l" defTabSz="914400" rtl="0" eaLnBrk="1" latinLnBrk="0" hangingPunct="1">
+              <a:lnSpc>
+                <a:spcPct val="90000"/>
+              </a:lnSpc>
+              <a:spcBef>
+                <a:spcPts val="500"/>
+              </a:spcBef>
+              <a:buFont typeface="Arial" panose="020B0604020202020204" pitchFamily="34" charset="0"/>
+              <a:buChar char="•"/>
+              <a:defRPr sz="1800" kern="1200">
+                <a:solidFill>
+                  <a:schemeClr val="tx1"/>
+                </a:solidFill>
+                <a:latin typeface="+mn-lt"/>
+                <a:ea typeface="+mn-ea"/>
+                <a:cs typeface="+mn-cs"/>
+              </a:defRPr>
+            </a:lvl4pPr>
+            <a:lvl5pPr marL="2057400" indent="-228600" algn="l" defTabSz="914400" rtl="0" eaLnBrk="1" latinLnBrk="0" hangingPunct="1">
+              <a:lnSpc>
+                <a:spcPct val="90000"/>
+              </a:lnSpc>
+              <a:spcBef>
+                <a:spcPts val="500"/>
+              </a:spcBef>
+              <a:buFont typeface="Arial" panose="020B0604020202020204" pitchFamily="34" charset="0"/>
+              <a:buChar char="•"/>
+              <a:defRPr sz="1800" kern="1200">
+                <a:solidFill>
+                  <a:schemeClr val="tx1"/>
+                </a:solidFill>
+                <a:latin typeface="+mn-lt"/>
+                <a:ea typeface="+mn-ea"/>
+                <a:cs typeface="+mn-cs"/>
+              </a:defRPr>
+            </a:lvl5pPr>
+            <a:lvl6pPr marL="2514600" indent="-228600" algn="l" defTabSz="914400" rtl="0" eaLnBrk="1" latinLnBrk="0" hangingPunct="1">
+              <a:lnSpc>
+                <a:spcPct val="90000"/>
+              </a:lnSpc>
+              <a:spcBef>
+                <a:spcPts val="500"/>
+              </a:spcBef>
+              <a:buFont typeface="Arial" panose="020B0604020202020204" pitchFamily="34" charset="0"/>
+              <a:buChar char="•"/>
+              <a:defRPr sz="1800" kern="1200">
+                <a:solidFill>
+                  <a:schemeClr val="tx1"/>
+                </a:solidFill>
+                <a:latin typeface="+mn-lt"/>
+                <a:ea typeface="+mn-ea"/>
+                <a:cs typeface="+mn-cs"/>
+              </a:defRPr>
+            </a:lvl6pPr>
+            <a:lvl7pPr marL="2971800" indent="-228600" algn="l" defTabSz="914400" rtl="0" eaLnBrk="1" latinLnBrk="0" hangingPunct="1">
+              <a:lnSpc>
+                <a:spcPct val="90000"/>
+              </a:lnSpc>
+              <a:spcBef>
+                <a:spcPts val="500"/>
+              </a:spcBef>
+              <a:buFont typeface="Arial" panose="020B0604020202020204" pitchFamily="34" charset="0"/>
+              <a:buChar char="•"/>
+              <a:defRPr sz="1800" kern="1200">
+                <a:solidFill>
+                  <a:schemeClr val="tx1"/>
+                </a:solidFill>
+                <a:latin typeface="+mn-lt"/>
+                <a:ea typeface="+mn-ea"/>
+                <a:cs typeface="+mn-cs"/>
+              </a:defRPr>
+            </a:lvl7pPr>
+            <a:lvl8pPr marL="3429000" indent="-228600" algn="l" defTabSz="914400" rtl="0" eaLnBrk="1" latinLnBrk="0" hangingPunct="1">
+              <a:lnSpc>
+                <a:spcPct val="90000"/>
+              </a:lnSpc>
+              <a:spcBef>
+                <a:spcPts val="500"/>
+              </a:spcBef>
+              <a:buFont typeface="Arial" panose="020B0604020202020204" pitchFamily="34" charset="0"/>
+              <a:buChar char="•"/>
+              <a:defRPr sz="1800" kern="1200">
+                <a:solidFill>
+                  <a:schemeClr val="tx1"/>
+                </a:solidFill>
+                <a:latin typeface="+mn-lt"/>
+                <a:ea typeface="+mn-ea"/>
+                <a:cs typeface="+mn-cs"/>
+              </a:defRPr>
+            </a:lvl8pPr>
+            <a:lvl9pPr marL="3886200" indent="-228600" algn="l" defTabSz="914400" rtl="0" eaLnBrk="1" latinLnBrk="0" hangingPunct="1">
+              <a:lnSpc>
+                <a:spcPct val="90000"/>
+              </a:lnSpc>
+              <a:spcBef>
+                <a:spcPts val="500"/>
+              </a:spcBef>
+              <a:buFont typeface="Arial" panose="020B0604020202020204" pitchFamily="34" charset="0"/>
+              <a:buChar char="•"/>
+              <a:defRPr sz="1800" kern="1200">
+                <a:solidFill>
+                  <a:schemeClr val="tx1"/>
+                </a:solidFill>
+                <a:latin typeface="+mn-lt"/>
+                <a:ea typeface="+mn-ea"/>
+                <a:cs typeface="+mn-cs"/>
+              </a:defRPr>
+            </a:lvl9pPr>
+          </a:lstStyle>
+          <a:p>
+            <a:pPr marL="0" indent="0">
+              <a:buFont typeface="Arial" panose="020B0604020202020204" pitchFamily="34" charset="0"/>
+              <a:buNone/>
+            </a:pPr>
+            <a:r>
+              <a:rPr lang="en-US" dirty="0" smtClean="0"/>
+              <a:t>…</a:t>
+            </a:r>
+            <a:endParaRPr lang="en-US" dirty="0"/>
+          </a:p>
+        </p:txBody>
+      </p:sp>
+      <p:sp>
+        <p:nvSpPr>
+          <p:cNvPr id="137" name="Content Placeholder 2"/>
+          <p:cNvSpPr txBox="1">
+            <a:spLocks/>
+          </p:cNvSpPr>
+          <p:nvPr/>
+        </p:nvSpPr>
+        <p:spPr>
+          <a:xfrm>
+            <a:off x="7048186" y="6227250"/>
+            <a:ext cx="349938" cy="292701"/>
+          </a:xfrm>
+          <a:prstGeom prst="rect">
+            <a:avLst/>
+          </a:prstGeom>
+        </p:spPr>
+        <p:txBody>
+          <a:bodyPr vert="horz" lIns="91440" tIns="45720" rIns="91440" bIns="45720" rtlCol="0">
+            <a:normAutofit fontScale="62500" lnSpcReduction="20000"/>
+          </a:bodyPr>
+          <a:lstStyle>
+            <a:lvl1pPr marL="228600" indent="-228600" algn="l" defTabSz="914400" rtl="0" eaLnBrk="1" latinLnBrk="0" hangingPunct="1">
+              <a:lnSpc>
+                <a:spcPct val="90000"/>
+              </a:lnSpc>
+              <a:spcBef>
+                <a:spcPts val="1000"/>
+              </a:spcBef>
+              <a:buFont typeface="Arial" panose="020B0604020202020204" pitchFamily="34" charset="0"/>
+              <a:buChar char="•"/>
+              <a:defRPr sz="2800" kern="1200">
+                <a:solidFill>
+                  <a:schemeClr val="tx1"/>
+                </a:solidFill>
+                <a:latin typeface="+mn-lt"/>
+                <a:ea typeface="+mn-ea"/>
+                <a:cs typeface="+mn-cs"/>
+              </a:defRPr>
+            </a:lvl1pPr>
+            <a:lvl2pPr marL="685800" indent="-228600" algn="l" defTabSz="914400" rtl="0" eaLnBrk="1" latinLnBrk="0" hangingPunct="1">
+              <a:lnSpc>
+                <a:spcPct val="90000"/>
+              </a:lnSpc>
+              <a:spcBef>
+                <a:spcPts val="500"/>
+              </a:spcBef>
+              <a:buFont typeface="Arial" panose="020B0604020202020204" pitchFamily="34" charset="0"/>
+              <a:buChar char="•"/>
+              <a:defRPr sz="2400" kern="1200">
+                <a:solidFill>
+                  <a:schemeClr val="tx1"/>
+                </a:solidFill>
+                <a:latin typeface="+mn-lt"/>
+                <a:ea typeface="+mn-ea"/>
+                <a:cs typeface="+mn-cs"/>
+              </a:defRPr>
+            </a:lvl2pPr>
+            <a:lvl3pPr marL="1143000" indent="-228600" algn="l" defTabSz="914400" rtl="0" eaLnBrk="1" latinLnBrk="0" hangingPunct="1">
+              <a:lnSpc>
+                <a:spcPct val="90000"/>
+              </a:lnSpc>
+              <a:spcBef>
+                <a:spcPts val="500"/>
+              </a:spcBef>
+              <a:buFont typeface="Arial" panose="020B0604020202020204" pitchFamily="34" charset="0"/>
+              <a:buChar char="•"/>
+              <a:defRPr sz="2000" kern="1200">
+                <a:solidFill>
+                  <a:schemeClr val="tx1"/>
+                </a:solidFill>
+                <a:latin typeface="+mn-lt"/>
+                <a:ea typeface="+mn-ea"/>
+                <a:cs typeface="+mn-cs"/>
+              </a:defRPr>
+            </a:lvl3pPr>
+            <a:lvl4pPr marL="1600200" indent="-228600" algn="l" defTabSz="914400" rtl="0" eaLnBrk="1" latinLnBrk="0" hangingPunct="1">
+              <a:lnSpc>
+                <a:spcPct val="90000"/>
+              </a:lnSpc>
+              <a:spcBef>
+                <a:spcPts val="500"/>
+              </a:spcBef>
+              <a:buFont typeface="Arial" panose="020B0604020202020204" pitchFamily="34" charset="0"/>
+              <a:buChar char="•"/>
+              <a:defRPr sz="1800" kern="1200">
+                <a:solidFill>
+                  <a:schemeClr val="tx1"/>
+                </a:solidFill>
+                <a:latin typeface="+mn-lt"/>
+                <a:ea typeface="+mn-ea"/>
+                <a:cs typeface="+mn-cs"/>
+              </a:defRPr>
+            </a:lvl4pPr>
+            <a:lvl5pPr marL="2057400" indent="-228600" algn="l" defTabSz="914400" rtl="0" eaLnBrk="1" latinLnBrk="0" hangingPunct="1">
+              <a:lnSpc>
+                <a:spcPct val="90000"/>
+              </a:lnSpc>
+              <a:spcBef>
+                <a:spcPts val="500"/>
+              </a:spcBef>
+              <a:buFont typeface="Arial" panose="020B0604020202020204" pitchFamily="34" charset="0"/>
+              <a:buChar char="•"/>
+              <a:defRPr sz="1800" kern="1200">
+                <a:solidFill>
+                  <a:schemeClr val="tx1"/>
+                </a:solidFill>
+                <a:latin typeface="+mn-lt"/>
+                <a:ea typeface="+mn-ea"/>
+                <a:cs typeface="+mn-cs"/>
+              </a:defRPr>
+            </a:lvl5pPr>
+            <a:lvl6pPr marL="2514600" indent="-228600" algn="l" defTabSz="914400" rtl="0" eaLnBrk="1" latinLnBrk="0" hangingPunct="1">
+              <a:lnSpc>
+                <a:spcPct val="90000"/>
+              </a:lnSpc>
+              <a:spcBef>
+                <a:spcPts val="500"/>
+              </a:spcBef>
+              <a:buFont typeface="Arial" panose="020B0604020202020204" pitchFamily="34" charset="0"/>
+              <a:buChar char="•"/>
+              <a:defRPr sz="1800" kern="1200">
+                <a:solidFill>
+                  <a:schemeClr val="tx1"/>
+                </a:solidFill>
+                <a:latin typeface="+mn-lt"/>
+                <a:ea typeface="+mn-ea"/>
+                <a:cs typeface="+mn-cs"/>
+              </a:defRPr>
+            </a:lvl6pPr>
+            <a:lvl7pPr marL="2971800" indent="-228600" algn="l" defTabSz="914400" rtl="0" eaLnBrk="1" latinLnBrk="0" hangingPunct="1">
+              <a:lnSpc>
+                <a:spcPct val="90000"/>
+              </a:lnSpc>
+              <a:spcBef>
+                <a:spcPts val="500"/>
+              </a:spcBef>
+              <a:buFont typeface="Arial" panose="020B0604020202020204" pitchFamily="34" charset="0"/>
+              <a:buChar char="•"/>
+              <a:defRPr sz="1800" kern="1200">
+                <a:solidFill>
+                  <a:schemeClr val="tx1"/>
+                </a:solidFill>
+                <a:latin typeface="+mn-lt"/>
+                <a:ea typeface="+mn-ea"/>
+                <a:cs typeface="+mn-cs"/>
+              </a:defRPr>
+            </a:lvl7pPr>
+            <a:lvl8pPr marL="3429000" indent="-228600" algn="l" defTabSz="914400" rtl="0" eaLnBrk="1" latinLnBrk="0" hangingPunct="1">
+              <a:lnSpc>
+                <a:spcPct val="90000"/>
+              </a:lnSpc>
+              <a:spcBef>
+                <a:spcPts val="500"/>
+              </a:spcBef>
+              <a:buFont typeface="Arial" panose="020B0604020202020204" pitchFamily="34" charset="0"/>
+              <a:buChar char="•"/>
+              <a:defRPr sz="1800" kern="1200">
+                <a:solidFill>
+                  <a:schemeClr val="tx1"/>
+                </a:solidFill>
+                <a:latin typeface="+mn-lt"/>
+                <a:ea typeface="+mn-ea"/>
+                <a:cs typeface="+mn-cs"/>
+              </a:defRPr>
+            </a:lvl8pPr>
+            <a:lvl9pPr marL="3886200" indent="-228600" algn="l" defTabSz="914400" rtl="0" eaLnBrk="1" latinLnBrk="0" hangingPunct="1">
+              <a:lnSpc>
+                <a:spcPct val="90000"/>
+              </a:lnSpc>
+              <a:spcBef>
+                <a:spcPts val="500"/>
+              </a:spcBef>
+              <a:buFont typeface="Arial" panose="020B0604020202020204" pitchFamily="34" charset="0"/>
+              <a:buChar char="•"/>
+              <a:defRPr sz="1800" kern="1200">
+                <a:solidFill>
+                  <a:schemeClr val="tx1"/>
+                </a:solidFill>
+                <a:latin typeface="+mn-lt"/>
+                <a:ea typeface="+mn-ea"/>
+                <a:cs typeface="+mn-cs"/>
+              </a:defRPr>
+            </a:lvl9pPr>
+          </a:lstStyle>
+          <a:p>
+            <a:pPr marL="0" indent="0">
+              <a:buFont typeface="Arial" panose="020B0604020202020204" pitchFamily="34" charset="0"/>
+              <a:buNone/>
+            </a:pPr>
+            <a:r>
+              <a:rPr lang="en-US" dirty="0" smtClean="0"/>
+              <a:t>…</a:t>
+            </a:r>
+            <a:endParaRPr lang="en-US" dirty="0"/>
+          </a:p>
+        </p:txBody>
+      </p:sp>
+      <p:cxnSp>
+        <p:nvCxnSpPr>
+          <p:cNvPr id="139" name="Straight Arrow Connector 138"/>
+          <p:cNvCxnSpPr>
+            <a:stCxn id="62" idx="3"/>
+            <a:endCxn id="135" idx="1"/>
+          </p:cNvCxnSpPr>
+          <p:nvPr/>
+        </p:nvCxnSpPr>
+        <p:spPr>
+          <a:xfrm>
+            <a:off x="6410130" y="4898883"/>
+            <a:ext cx="638056" cy="1190174"/>
+          </a:xfrm>
+          <a:prstGeom prst="straightConnector1">
+            <a:avLst/>
+          </a:prstGeom>
+          <a:ln>
+            <a:tailEnd type="triangle"/>
+          </a:ln>
+        </p:spPr>
+        <p:style>
+          <a:lnRef idx="1">
+            <a:schemeClr val="dk1"/>
+          </a:lnRef>
+          <a:fillRef idx="0">
+            <a:schemeClr val="dk1"/>
+          </a:fillRef>
+          <a:effectRef idx="0">
+            <a:schemeClr val="dk1"/>
+          </a:effectRef>
+          <a:fontRef idx="minor">
+            <a:schemeClr val="tx1"/>
+          </a:fontRef>
+        </p:style>
+      </p:cxnSp>
+      <p:cxnSp>
+        <p:nvCxnSpPr>
+          <p:cNvPr id="146" name="Straight Arrow Connector 145"/>
+          <p:cNvCxnSpPr>
+            <a:stCxn id="62" idx="3"/>
+            <a:endCxn id="137" idx="1"/>
+          </p:cNvCxnSpPr>
+          <p:nvPr/>
+        </p:nvCxnSpPr>
+        <p:spPr>
+          <a:xfrm>
+            <a:off x="6410130" y="4898883"/>
+            <a:ext cx="638056" cy="1474718"/>
+          </a:xfrm>
+          <a:prstGeom prst="straightConnector1">
+            <a:avLst/>
+          </a:prstGeom>
+          <a:ln>
+            <a:tailEnd type="triangle"/>
+          </a:ln>
+        </p:spPr>
+        <p:style>
+          <a:lnRef idx="1">
+            <a:schemeClr val="dk1"/>
+          </a:lnRef>
+          <a:fillRef idx="0">
+            <a:schemeClr val="dk1"/>
+          </a:fillRef>
+          <a:effectRef idx="0">
+            <a:schemeClr val="dk1"/>
+          </a:effectRef>
+          <a:fontRef idx="minor">
+            <a:schemeClr val="tx1"/>
+          </a:fontRef>
+        </p:style>
+      </p:cxnSp>
+      <p:sp>
+        <p:nvSpPr>
+          <p:cNvPr id="147" name="Content Placeholder 2"/>
+          <p:cNvSpPr txBox="1">
+            <a:spLocks/>
+          </p:cNvSpPr>
+          <p:nvPr/>
+        </p:nvSpPr>
+        <p:spPr>
+          <a:xfrm>
+            <a:off x="7048186" y="6471446"/>
+            <a:ext cx="349938" cy="292701"/>
+          </a:xfrm>
+          <a:prstGeom prst="rect">
+            <a:avLst/>
+          </a:prstGeom>
+        </p:spPr>
+        <p:txBody>
+          <a:bodyPr vert="horz" lIns="91440" tIns="45720" rIns="91440" bIns="45720" rtlCol="0">
+            <a:normAutofit fontScale="62500" lnSpcReduction="20000"/>
+          </a:bodyPr>
+          <a:lstStyle>
+            <a:lvl1pPr marL="228600" indent="-228600" algn="l" defTabSz="914400" rtl="0" eaLnBrk="1" latinLnBrk="0" hangingPunct="1">
+              <a:lnSpc>
+                <a:spcPct val="90000"/>
+              </a:lnSpc>
+              <a:spcBef>
+                <a:spcPts val="1000"/>
+              </a:spcBef>
+              <a:buFont typeface="Arial" panose="020B0604020202020204" pitchFamily="34" charset="0"/>
+              <a:buChar char="•"/>
+              <a:defRPr sz="2800" kern="1200">
+                <a:solidFill>
+                  <a:schemeClr val="tx1"/>
+                </a:solidFill>
+                <a:latin typeface="+mn-lt"/>
+                <a:ea typeface="+mn-ea"/>
+                <a:cs typeface="+mn-cs"/>
+              </a:defRPr>
+            </a:lvl1pPr>
+            <a:lvl2pPr marL="685800" indent="-228600" algn="l" defTabSz="914400" rtl="0" eaLnBrk="1" latinLnBrk="0" hangingPunct="1">
+              <a:lnSpc>
+                <a:spcPct val="90000"/>
+              </a:lnSpc>
+              <a:spcBef>
+                <a:spcPts val="500"/>
+              </a:spcBef>
+              <a:buFont typeface="Arial" panose="020B0604020202020204" pitchFamily="34" charset="0"/>
+              <a:buChar char="•"/>
+              <a:defRPr sz="2400" kern="1200">
+                <a:solidFill>
+                  <a:schemeClr val="tx1"/>
+                </a:solidFill>
+                <a:latin typeface="+mn-lt"/>
+                <a:ea typeface="+mn-ea"/>
+                <a:cs typeface="+mn-cs"/>
+              </a:defRPr>
+            </a:lvl2pPr>
+            <a:lvl3pPr marL="1143000" indent="-228600" algn="l" defTabSz="914400" rtl="0" eaLnBrk="1" latinLnBrk="0" hangingPunct="1">
+              <a:lnSpc>
+                <a:spcPct val="90000"/>
+              </a:lnSpc>
+              <a:spcBef>
+                <a:spcPts val="500"/>
+              </a:spcBef>
+              <a:buFont typeface="Arial" panose="020B0604020202020204" pitchFamily="34" charset="0"/>
+              <a:buChar char="•"/>
+              <a:defRPr sz="2000" kern="1200">
+                <a:solidFill>
+                  <a:schemeClr val="tx1"/>
+                </a:solidFill>
+                <a:latin typeface="+mn-lt"/>
+                <a:ea typeface="+mn-ea"/>
+                <a:cs typeface="+mn-cs"/>
+              </a:defRPr>
+            </a:lvl3pPr>
+            <a:lvl4pPr marL="1600200" indent="-228600" algn="l" defTabSz="914400" rtl="0" eaLnBrk="1" latinLnBrk="0" hangingPunct="1">
+              <a:lnSpc>
+                <a:spcPct val="90000"/>
+              </a:lnSpc>
+              <a:spcBef>
+                <a:spcPts val="500"/>
+              </a:spcBef>
+              <a:buFont typeface="Arial" panose="020B0604020202020204" pitchFamily="34" charset="0"/>
+              <a:buChar char="•"/>
+              <a:defRPr sz="1800" kern="1200">
+                <a:solidFill>
+                  <a:schemeClr val="tx1"/>
+                </a:solidFill>
+                <a:latin typeface="+mn-lt"/>
+                <a:ea typeface="+mn-ea"/>
+                <a:cs typeface="+mn-cs"/>
+              </a:defRPr>
+            </a:lvl4pPr>
+            <a:lvl5pPr marL="2057400" indent="-228600" algn="l" defTabSz="914400" rtl="0" eaLnBrk="1" latinLnBrk="0" hangingPunct="1">
+              <a:lnSpc>
+                <a:spcPct val="90000"/>
+              </a:lnSpc>
+              <a:spcBef>
+                <a:spcPts val="500"/>
+              </a:spcBef>
+              <a:buFont typeface="Arial" panose="020B0604020202020204" pitchFamily="34" charset="0"/>
+              <a:buChar char="•"/>
+              <a:defRPr sz="1800" kern="1200">
+                <a:solidFill>
+                  <a:schemeClr val="tx1"/>
+                </a:solidFill>
+                <a:latin typeface="+mn-lt"/>
+                <a:ea typeface="+mn-ea"/>
+                <a:cs typeface="+mn-cs"/>
+              </a:defRPr>
+            </a:lvl5pPr>
+            <a:lvl6pPr marL="2514600" indent="-228600" algn="l" defTabSz="914400" rtl="0" eaLnBrk="1" latinLnBrk="0" hangingPunct="1">
+              <a:lnSpc>
+                <a:spcPct val="90000"/>
+              </a:lnSpc>
+              <a:spcBef>
+                <a:spcPts val="500"/>
+              </a:spcBef>
+              <a:buFont typeface="Arial" panose="020B0604020202020204" pitchFamily="34" charset="0"/>
+              <a:buChar char="•"/>
+              <a:defRPr sz="1800" kern="1200">
+                <a:solidFill>
+                  <a:schemeClr val="tx1"/>
+                </a:solidFill>
+                <a:latin typeface="+mn-lt"/>
+                <a:ea typeface="+mn-ea"/>
+                <a:cs typeface="+mn-cs"/>
+              </a:defRPr>
+            </a:lvl6pPr>
+            <a:lvl7pPr marL="2971800" indent="-228600" algn="l" defTabSz="914400" rtl="0" eaLnBrk="1" latinLnBrk="0" hangingPunct="1">
+              <a:lnSpc>
+                <a:spcPct val="90000"/>
+              </a:lnSpc>
+              <a:spcBef>
+                <a:spcPts val="500"/>
+              </a:spcBef>
+              <a:buFont typeface="Arial" panose="020B0604020202020204" pitchFamily="34" charset="0"/>
+              <a:buChar char="•"/>
+              <a:defRPr sz="1800" kern="1200">
+                <a:solidFill>
+                  <a:schemeClr val="tx1"/>
+                </a:solidFill>
+                <a:latin typeface="+mn-lt"/>
+                <a:ea typeface="+mn-ea"/>
+                <a:cs typeface="+mn-cs"/>
+              </a:defRPr>
+            </a:lvl7pPr>
+            <a:lvl8pPr marL="3429000" indent="-228600" algn="l" defTabSz="914400" rtl="0" eaLnBrk="1" latinLnBrk="0" hangingPunct="1">
+              <a:lnSpc>
+                <a:spcPct val="90000"/>
+              </a:lnSpc>
+              <a:spcBef>
+                <a:spcPts val="500"/>
+              </a:spcBef>
+              <a:buFont typeface="Arial" panose="020B0604020202020204" pitchFamily="34" charset="0"/>
+              <a:buChar char="•"/>
+              <a:defRPr sz="1800" kern="1200">
+                <a:solidFill>
+                  <a:schemeClr val="tx1"/>
+                </a:solidFill>
+                <a:latin typeface="+mn-lt"/>
+                <a:ea typeface="+mn-ea"/>
+                <a:cs typeface="+mn-cs"/>
+              </a:defRPr>
+            </a:lvl8pPr>
+            <a:lvl9pPr marL="3886200" indent="-228600" algn="l" defTabSz="914400" rtl="0" eaLnBrk="1" latinLnBrk="0" hangingPunct="1">
+              <a:lnSpc>
+                <a:spcPct val="90000"/>
+              </a:lnSpc>
+              <a:spcBef>
+                <a:spcPts val="500"/>
+              </a:spcBef>
+              <a:buFont typeface="Arial" panose="020B0604020202020204" pitchFamily="34" charset="0"/>
+              <a:buChar char="•"/>
+              <a:defRPr sz="1800" kern="1200">
+                <a:solidFill>
+                  <a:schemeClr val="tx1"/>
+                </a:solidFill>
+                <a:latin typeface="+mn-lt"/>
+                <a:ea typeface="+mn-ea"/>
+                <a:cs typeface="+mn-cs"/>
+              </a:defRPr>
+            </a:lvl9pPr>
+          </a:lstStyle>
+          <a:p>
+            <a:pPr marL="0" indent="0">
+              <a:buFont typeface="Arial" panose="020B0604020202020204" pitchFamily="34" charset="0"/>
+              <a:buNone/>
+            </a:pPr>
+            <a:r>
+              <a:rPr lang="en-US" dirty="0" smtClean="0"/>
+              <a:t>…</a:t>
+            </a:r>
+            <a:endParaRPr lang="en-US" dirty="0"/>
+          </a:p>
+        </p:txBody>
+      </p:sp>
+      <p:cxnSp>
+        <p:nvCxnSpPr>
+          <p:cNvPr id="149" name="Straight Arrow Connector 148"/>
+          <p:cNvCxnSpPr>
+            <a:stCxn id="62" idx="3"/>
+            <a:endCxn id="147" idx="1"/>
+          </p:cNvCxnSpPr>
+          <p:nvPr/>
+        </p:nvCxnSpPr>
+        <p:spPr>
+          <a:xfrm>
+            <a:off x="6410130" y="4898883"/>
+            <a:ext cx="638056" cy="1718914"/>
+          </a:xfrm>
+          <a:prstGeom prst="straightConnector1">
+            <a:avLst/>
+          </a:prstGeom>
+          <a:ln>
+            <a:tailEnd type="triangle"/>
+          </a:ln>
+        </p:spPr>
+        <p:style>
+          <a:lnRef idx="1">
+            <a:schemeClr val="dk1"/>
+          </a:lnRef>
+          <a:fillRef idx="0">
+            <a:schemeClr val="dk1"/>
+          </a:fillRef>
+          <a:effectRef idx="0">
+            <a:schemeClr val="dk1"/>
+          </a:effectRef>
+          <a:fontRef idx="minor">
+            <a:schemeClr val="tx1"/>
+          </a:fontRef>
+        </p:style>
+      </p:cxnSp>
+      <p:cxnSp>
+        <p:nvCxnSpPr>
+          <p:cNvPr id="151" name="Straight Arrow Connector 150"/>
+          <p:cNvCxnSpPr>
+            <a:stCxn id="72" idx="3"/>
+          </p:cNvCxnSpPr>
+          <p:nvPr/>
+        </p:nvCxnSpPr>
+        <p:spPr>
+          <a:xfrm flipV="1">
+            <a:off x="7625826" y="851389"/>
+            <a:ext cx="608599" cy="568955"/>
+          </a:xfrm>
+          <a:prstGeom prst="straightConnector1">
+            <a:avLst/>
+          </a:prstGeom>
+          <a:ln>
+            <a:tailEnd type="triangle"/>
+          </a:ln>
+        </p:spPr>
+        <p:style>
+          <a:lnRef idx="1">
+            <a:schemeClr val="dk1"/>
+          </a:lnRef>
+          <a:fillRef idx="0">
+            <a:schemeClr val="dk1"/>
+          </a:fillRef>
+          <a:effectRef idx="0">
+            <a:schemeClr val="dk1"/>
+          </a:effectRef>
+          <a:fontRef idx="minor">
+            <a:schemeClr val="tx1"/>
+          </a:fontRef>
+        </p:style>
+      </p:cxnSp>
+      <p:cxnSp>
+        <p:nvCxnSpPr>
+          <p:cNvPr id="153" name="Straight Arrow Connector 152"/>
+          <p:cNvCxnSpPr>
+            <a:stCxn id="72" idx="3"/>
+          </p:cNvCxnSpPr>
+          <p:nvPr/>
+        </p:nvCxnSpPr>
+        <p:spPr>
+          <a:xfrm>
+            <a:off x="7625826" y="1420344"/>
+            <a:ext cx="608599" cy="0"/>
+          </a:xfrm>
+          <a:prstGeom prst="straightConnector1">
+            <a:avLst/>
+          </a:prstGeom>
+          <a:ln>
+            <a:tailEnd type="triangle"/>
+          </a:ln>
+        </p:spPr>
+        <p:style>
+          <a:lnRef idx="1">
+            <a:schemeClr val="dk1"/>
+          </a:lnRef>
+          <a:fillRef idx="0">
+            <a:schemeClr val="dk1"/>
+          </a:fillRef>
+          <a:effectRef idx="0">
+            <a:schemeClr val="dk1"/>
+          </a:effectRef>
+          <a:fontRef idx="minor">
+            <a:schemeClr val="tx1"/>
+          </a:fontRef>
+        </p:style>
+      </p:cxnSp>
+      <p:cxnSp>
+        <p:nvCxnSpPr>
+          <p:cNvPr id="155" name="Straight Arrow Connector 154"/>
+          <p:cNvCxnSpPr>
+            <a:stCxn id="72" idx="3"/>
+          </p:cNvCxnSpPr>
+          <p:nvPr/>
+        </p:nvCxnSpPr>
+        <p:spPr>
+          <a:xfrm>
+            <a:off x="7625826" y="1420344"/>
+            <a:ext cx="531236" cy="523404"/>
+          </a:xfrm>
+          <a:prstGeom prst="straightConnector1">
+            <a:avLst/>
+          </a:prstGeom>
+          <a:ln>
+            <a:tailEnd type="triangle"/>
+          </a:ln>
+        </p:spPr>
+        <p:style>
+          <a:lnRef idx="1">
+            <a:schemeClr val="dk1"/>
+          </a:lnRef>
+          <a:fillRef idx="0">
+            <a:schemeClr val="dk1"/>
+          </a:fillRef>
+          <a:effectRef idx="0">
+            <a:schemeClr val="dk1"/>
+          </a:effectRef>
+          <a:fontRef idx="minor">
+            <a:schemeClr val="tx1"/>
+          </a:fontRef>
+        </p:style>
+      </p:cxnSp>
+      <p:cxnSp>
+        <p:nvCxnSpPr>
+          <p:cNvPr id="157" name="Straight Arrow Connector 156"/>
+          <p:cNvCxnSpPr>
+            <a:stCxn id="76" idx="3"/>
+          </p:cNvCxnSpPr>
+          <p:nvPr/>
+        </p:nvCxnSpPr>
+        <p:spPr>
+          <a:xfrm flipV="1">
+            <a:off x="7633658" y="1599291"/>
+            <a:ext cx="543241" cy="566603"/>
+          </a:xfrm>
+          <a:prstGeom prst="straightConnector1">
+            <a:avLst/>
+          </a:prstGeom>
+          <a:ln>
+            <a:tailEnd type="triangle"/>
+          </a:ln>
+        </p:spPr>
+        <p:style>
+          <a:lnRef idx="1">
+            <a:schemeClr val="dk1"/>
+          </a:lnRef>
+          <a:fillRef idx="0">
+            <a:schemeClr val="dk1"/>
+          </a:fillRef>
+          <a:effectRef idx="0">
+            <a:schemeClr val="dk1"/>
+          </a:effectRef>
+          <a:fontRef idx="minor">
+            <a:schemeClr val="tx1"/>
+          </a:fontRef>
+        </p:style>
+      </p:cxnSp>
+      <p:cxnSp>
+        <p:nvCxnSpPr>
+          <p:cNvPr id="159" name="Straight Arrow Connector 158"/>
+          <p:cNvCxnSpPr>
+            <a:stCxn id="76" idx="3"/>
+          </p:cNvCxnSpPr>
+          <p:nvPr/>
+        </p:nvCxnSpPr>
+        <p:spPr>
+          <a:xfrm flipV="1">
+            <a:off x="7633658" y="2158196"/>
+            <a:ext cx="600767" cy="7698"/>
+          </a:xfrm>
+          <a:prstGeom prst="straightConnector1">
+            <a:avLst/>
+          </a:prstGeom>
+          <a:ln>
+            <a:tailEnd type="triangle"/>
+          </a:ln>
+        </p:spPr>
+        <p:style>
+          <a:lnRef idx="1">
+            <a:schemeClr val="dk1"/>
+          </a:lnRef>
+          <a:fillRef idx="0">
+            <a:schemeClr val="dk1"/>
+          </a:fillRef>
+          <a:effectRef idx="0">
+            <a:schemeClr val="dk1"/>
+          </a:effectRef>
+          <a:fontRef idx="minor">
+            <a:schemeClr val="tx1"/>
+          </a:fontRef>
+        </p:style>
+      </p:cxnSp>
+      <p:cxnSp>
+        <p:nvCxnSpPr>
+          <p:cNvPr id="161" name="Straight Arrow Connector 160"/>
+          <p:cNvCxnSpPr>
+            <a:stCxn id="76" idx="3"/>
+          </p:cNvCxnSpPr>
+          <p:nvPr/>
+        </p:nvCxnSpPr>
+        <p:spPr>
+          <a:xfrm>
+            <a:off x="7633658" y="2165894"/>
+            <a:ext cx="538949" cy="546781"/>
+          </a:xfrm>
+          <a:prstGeom prst="straightConnector1">
+            <a:avLst/>
+          </a:prstGeom>
+          <a:ln>
+            <a:tailEnd type="triangle"/>
+          </a:ln>
+        </p:spPr>
+        <p:style>
+          <a:lnRef idx="1">
+            <a:schemeClr val="dk1"/>
+          </a:lnRef>
+          <a:fillRef idx="0">
+            <a:schemeClr val="dk1"/>
+          </a:fillRef>
+          <a:effectRef idx="0">
+            <a:schemeClr val="dk1"/>
+          </a:effectRef>
+          <a:fontRef idx="minor">
+            <a:schemeClr val="tx1"/>
+          </a:fontRef>
+        </p:style>
+      </p:cxnSp>
+      <p:cxnSp>
+        <p:nvCxnSpPr>
+          <p:cNvPr id="163" name="Straight Arrow Connector 162"/>
+          <p:cNvCxnSpPr>
+            <a:stCxn id="80" idx="3"/>
+          </p:cNvCxnSpPr>
+          <p:nvPr/>
+        </p:nvCxnSpPr>
+        <p:spPr>
+          <a:xfrm>
+            <a:off x="7617994" y="2911444"/>
+            <a:ext cx="616431" cy="0"/>
+          </a:xfrm>
+          <a:prstGeom prst="straightConnector1">
+            <a:avLst/>
+          </a:prstGeom>
+          <a:ln>
+            <a:tailEnd type="triangle"/>
+          </a:ln>
+        </p:spPr>
+        <p:style>
+          <a:lnRef idx="1">
+            <a:schemeClr val="dk1"/>
+          </a:lnRef>
+          <a:fillRef idx="0">
+            <a:schemeClr val="dk1"/>
+          </a:fillRef>
+          <a:effectRef idx="0">
+            <a:schemeClr val="dk1"/>
+          </a:effectRef>
+          <a:fontRef idx="minor">
+            <a:schemeClr val="tx1"/>
+          </a:fontRef>
+        </p:style>
+      </p:cxnSp>
+      <p:cxnSp>
+        <p:nvCxnSpPr>
+          <p:cNvPr id="165" name="Straight Arrow Connector 164"/>
+          <p:cNvCxnSpPr>
+            <a:stCxn id="80" idx="3"/>
+          </p:cNvCxnSpPr>
+          <p:nvPr/>
+        </p:nvCxnSpPr>
+        <p:spPr>
+          <a:xfrm flipV="1">
+            <a:off x="7617994" y="2338603"/>
+            <a:ext cx="580673" cy="572841"/>
+          </a:xfrm>
+          <a:prstGeom prst="straightConnector1">
+            <a:avLst/>
+          </a:prstGeom>
+          <a:ln>
+            <a:tailEnd type="triangle"/>
+          </a:ln>
+        </p:spPr>
+        <p:style>
+          <a:lnRef idx="1">
+            <a:schemeClr val="dk1"/>
+          </a:lnRef>
+          <a:fillRef idx="0">
+            <a:schemeClr val="dk1"/>
+          </a:fillRef>
+          <a:effectRef idx="0">
+            <a:schemeClr val="dk1"/>
+          </a:effectRef>
+          <a:fontRef idx="minor">
+            <a:schemeClr val="tx1"/>
+          </a:fontRef>
+        </p:style>
+      </p:cxnSp>
+      <p:cxnSp>
+        <p:nvCxnSpPr>
+          <p:cNvPr id="167" name="Straight Arrow Connector 166"/>
+          <p:cNvCxnSpPr>
+            <a:stCxn id="80" idx="3"/>
+          </p:cNvCxnSpPr>
+          <p:nvPr/>
+        </p:nvCxnSpPr>
+        <p:spPr>
+          <a:xfrm>
+            <a:off x="7617994" y="2911444"/>
+            <a:ext cx="564492" cy="556660"/>
+          </a:xfrm>
+          <a:prstGeom prst="straightConnector1">
+            <a:avLst/>
+          </a:prstGeom>
+          <a:ln>
+            <a:tailEnd type="triangle"/>
+          </a:ln>
+        </p:spPr>
+        <p:style>
+          <a:lnRef idx="1">
+            <a:schemeClr val="dk1"/>
+          </a:lnRef>
+          <a:fillRef idx="0">
+            <a:schemeClr val="dk1"/>
+          </a:fillRef>
+          <a:effectRef idx="0">
+            <a:schemeClr val="dk1"/>
+          </a:effectRef>
+          <a:fontRef idx="minor">
+            <a:schemeClr val="tx1"/>
+          </a:fontRef>
+        </p:style>
+      </p:cxnSp>
+      <p:cxnSp>
+        <p:nvCxnSpPr>
+          <p:cNvPr id="169" name="Straight Arrow Connector 168"/>
+          <p:cNvCxnSpPr>
+            <a:stCxn id="84" idx="3"/>
+          </p:cNvCxnSpPr>
+          <p:nvPr/>
+        </p:nvCxnSpPr>
+        <p:spPr>
+          <a:xfrm flipV="1">
+            <a:off x="7617994" y="3090391"/>
+            <a:ext cx="566603" cy="566603"/>
+          </a:xfrm>
+          <a:prstGeom prst="straightConnector1">
+            <a:avLst/>
+          </a:prstGeom>
+          <a:ln>
+            <a:tailEnd type="triangle"/>
+          </a:ln>
+        </p:spPr>
+        <p:style>
+          <a:lnRef idx="1">
+            <a:schemeClr val="dk1"/>
+          </a:lnRef>
+          <a:fillRef idx="0">
+            <a:schemeClr val="dk1"/>
+          </a:fillRef>
+          <a:effectRef idx="0">
+            <a:schemeClr val="dk1"/>
+          </a:effectRef>
+          <a:fontRef idx="minor">
+            <a:schemeClr val="tx1"/>
+          </a:fontRef>
+        </p:style>
+      </p:cxnSp>
+      <p:cxnSp>
+        <p:nvCxnSpPr>
+          <p:cNvPr id="171" name="Straight Arrow Connector 170"/>
+          <p:cNvCxnSpPr>
+            <a:stCxn id="84" idx="3"/>
+          </p:cNvCxnSpPr>
+          <p:nvPr/>
+        </p:nvCxnSpPr>
+        <p:spPr>
+          <a:xfrm>
+            <a:off x="7617994" y="3656994"/>
+            <a:ext cx="616431" cy="0"/>
+          </a:xfrm>
+          <a:prstGeom prst="straightConnector1">
+            <a:avLst/>
+          </a:prstGeom>
+          <a:ln>
+            <a:tailEnd type="triangle"/>
+          </a:ln>
+        </p:spPr>
+        <p:style>
+          <a:lnRef idx="1">
+            <a:schemeClr val="dk1"/>
+          </a:lnRef>
+          <a:fillRef idx="0">
+            <a:schemeClr val="dk1"/>
+          </a:fillRef>
+          <a:effectRef idx="0">
+            <a:schemeClr val="dk1"/>
+          </a:effectRef>
+          <a:fontRef idx="minor">
+            <a:schemeClr val="tx1"/>
+          </a:fontRef>
+        </p:style>
+      </p:cxnSp>
+      <p:cxnSp>
+        <p:nvCxnSpPr>
+          <p:cNvPr id="173" name="Straight Arrow Connector 172"/>
+          <p:cNvCxnSpPr>
+            <a:stCxn id="84" idx="3"/>
+          </p:cNvCxnSpPr>
+          <p:nvPr/>
+        </p:nvCxnSpPr>
+        <p:spPr>
+          <a:xfrm>
+            <a:off x="7617994" y="3656994"/>
+            <a:ext cx="565389" cy="557557"/>
+          </a:xfrm>
+          <a:prstGeom prst="straightConnector1">
+            <a:avLst/>
+          </a:prstGeom>
+          <a:ln>
+            <a:tailEnd type="triangle"/>
+          </a:ln>
+        </p:spPr>
+        <p:style>
+          <a:lnRef idx="1">
+            <a:schemeClr val="dk1"/>
+          </a:lnRef>
+          <a:fillRef idx="0">
+            <a:schemeClr val="dk1"/>
+          </a:fillRef>
+          <a:effectRef idx="0">
+            <a:schemeClr val="dk1"/>
+          </a:effectRef>
+          <a:fontRef idx="minor">
+            <a:schemeClr val="tx1"/>
+          </a:fontRef>
+        </p:style>
+      </p:cxnSp>
+      <p:cxnSp>
+        <p:nvCxnSpPr>
+          <p:cNvPr id="175" name="Straight Arrow Connector 174"/>
+          <p:cNvCxnSpPr>
+            <a:stCxn id="88" idx="3"/>
+          </p:cNvCxnSpPr>
+          <p:nvPr/>
+        </p:nvCxnSpPr>
+        <p:spPr>
+          <a:xfrm flipV="1">
+            <a:off x="7636659" y="3835941"/>
+            <a:ext cx="550806" cy="579511"/>
+          </a:xfrm>
+          <a:prstGeom prst="straightConnector1">
+            <a:avLst/>
+          </a:prstGeom>
+          <a:ln>
+            <a:tailEnd type="triangle"/>
+          </a:ln>
+        </p:spPr>
+        <p:style>
+          <a:lnRef idx="1">
+            <a:schemeClr val="dk1"/>
+          </a:lnRef>
+          <a:fillRef idx="0">
+            <a:schemeClr val="dk1"/>
+          </a:fillRef>
+          <a:effectRef idx="0">
+            <a:schemeClr val="dk1"/>
+          </a:effectRef>
+          <a:fontRef idx="minor">
+            <a:schemeClr val="tx1"/>
+          </a:fontRef>
+        </p:style>
+      </p:cxnSp>
+      <p:cxnSp>
+        <p:nvCxnSpPr>
+          <p:cNvPr id="177" name="Straight Arrow Connector 176"/>
+          <p:cNvCxnSpPr>
+            <a:stCxn id="88" idx="3"/>
+          </p:cNvCxnSpPr>
+          <p:nvPr/>
+        </p:nvCxnSpPr>
+        <p:spPr>
+          <a:xfrm>
+            <a:off x="7636659" y="4415452"/>
+            <a:ext cx="597766" cy="0"/>
+          </a:xfrm>
+          <a:prstGeom prst="straightConnector1">
+            <a:avLst/>
+          </a:prstGeom>
+          <a:ln>
+            <a:tailEnd type="triangle"/>
+          </a:ln>
+        </p:spPr>
+        <p:style>
+          <a:lnRef idx="1">
+            <a:schemeClr val="dk1"/>
+          </a:lnRef>
+          <a:fillRef idx="0">
+            <a:schemeClr val="dk1"/>
+          </a:fillRef>
+          <a:effectRef idx="0">
+            <a:schemeClr val="dk1"/>
+          </a:effectRef>
+          <a:fontRef idx="minor">
+            <a:schemeClr val="tx1"/>
+          </a:fontRef>
+        </p:style>
+      </p:cxnSp>
+      <p:cxnSp>
+        <p:nvCxnSpPr>
+          <p:cNvPr id="179" name="Straight Arrow Connector 178"/>
+          <p:cNvCxnSpPr>
+            <a:stCxn id="88" idx="3"/>
+          </p:cNvCxnSpPr>
+          <p:nvPr/>
+        </p:nvCxnSpPr>
+        <p:spPr>
+          <a:xfrm>
+            <a:off x="7636659" y="4415452"/>
+            <a:ext cx="545772" cy="548773"/>
+          </a:xfrm>
+          <a:prstGeom prst="straightConnector1">
+            <a:avLst/>
+          </a:prstGeom>
+          <a:ln>
+            <a:tailEnd type="triangle"/>
+          </a:ln>
+        </p:spPr>
+        <p:style>
+          <a:lnRef idx="1">
+            <a:schemeClr val="dk1"/>
+          </a:lnRef>
+          <a:fillRef idx="0">
+            <a:schemeClr val="dk1"/>
+          </a:fillRef>
+          <a:effectRef idx="0">
+            <a:schemeClr val="dk1"/>
+          </a:effectRef>
+          <a:fontRef idx="minor">
+            <a:schemeClr val="tx1"/>
+          </a:fontRef>
+        </p:style>
+      </p:cxnSp>
+      <p:cxnSp>
+        <p:nvCxnSpPr>
+          <p:cNvPr id="181" name="Straight Arrow Connector 180"/>
+          <p:cNvCxnSpPr>
+            <a:stCxn id="92" idx="3"/>
+          </p:cNvCxnSpPr>
+          <p:nvPr/>
+        </p:nvCxnSpPr>
+        <p:spPr>
+          <a:xfrm flipV="1">
+            <a:off x="7633658" y="4594399"/>
+            <a:ext cx="547091" cy="558716"/>
+          </a:xfrm>
+          <a:prstGeom prst="straightConnector1">
+            <a:avLst/>
+          </a:prstGeom>
+          <a:ln>
+            <a:tailEnd type="triangle"/>
+          </a:ln>
+        </p:spPr>
+        <p:style>
+          <a:lnRef idx="1">
+            <a:schemeClr val="dk1"/>
+          </a:lnRef>
+          <a:fillRef idx="0">
+            <a:schemeClr val="dk1"/>
+          </a:fillRef>
+          <a:effectRef idx="0">
+            <a:schemeClr val="dk1"/>
+          </a:effectRef>
+          <a:fontRef idx="minor">
+            <a:schemeClr val="tx1"/>
+          </a:fontRef>
+        </p:style>
+      </p:cxnSp>
+      <p:cxnSp>
+        <p:nvCxnSpPr>
+          <p:cNvPr id="183" name="Straight Arrow Connector 182"/>
+          <p:cNvCxnSpPr>
+            <a:stCxn id="92" idx="3"/>
+          </p:cNvCxnSpPr>
+          <p:nvPr/>
+        </p:nvCxnSpPr>
+        <p:spPr>
+          <a:xfrm>
+            <a:off x="7633658" y="5153115"/>
+            <a:ext cx="600767" cy="0"/>
+          </a:xfrm>
+          <a:prstGeom prst="straightConnector1">
+            <a:avLst/>
+          </a:prstGeom>
+          <a:ln>
+            <a:tailEnd type="triangle"/>
+          </a:ln>
+        </p:spPr>
+        <p:style>
+          <a:lnRef idx="1">
+            <a:schemeClr val="dk1"/>
+          </a:lnRef>
+          <a:fillRef idx="0">
+            <a:schemeClr val="dk1"/>
+          </a:fillRef>
+          <a:effectRef idx="0">
+            <a:schemeClr val="dk1"/>
+          </a:effectRef>
+          <a:fontRef idx="minor">
+            <a:schemeClr val="tx1"/>
+          </a:fontRef>
+        </p:style>
+      </p:cxnSp>
+      <p:cxnSp>
+        <p:nvCxnSpPr>
+          <p:cNvPr id="185" name="Straight Arrow Connector 184"/>
+          <p:cNvCxnSpPr>
+            <a:stCxn id="92" idx="3"/>
+          </p:cNvCxnSpPr>
+          <p:nvPr/>
+        </p:nvCxnSpPr>
+        <p:spPr>
+          <a:xfrm>
+            <a:off x="7633658" y="5153115"/>
+            <a:ext cx="600767" cy="600767"/>
+          </a:xfrm>
+          <a:prstGeom prst="straightConnector1">
+            <a:avLst/>
+          </a:prstGeom>
+          <a:ln>
+            <a:tailEnd type="triangle"/>
+          </a:ln>
+        </p:spPr>
+        <p:style>
+          <a:lnRef idx="1">
+            <a:schemeClr val="dk1"/>
+          </a:lnRef>
+          <a:fillRef idx="0">
+            <a:schemeClr val="dk1"/>
+          </a:fillRef>
+          <a:effectRef idx="0">
+            <a:schemeClr val="dk1"/>
+          </a:effectRef>
+          <a:fontRef idx="minor">
+            <a:schemeClr val="tx1"/>
+          </a:fontRef>
+        </p:style>
+      </p:cxnSp>
+      <p:sp>
+        <p:nvSpPr>
+          <p:cNvPr id="186" name="Content Placeholder 2"/>
+          <p:cNvSpPr txBox="1">
+            <a:spLocks/>
+          </p:cNvSpPr>
+          <p:nvPr/>
+        </p:nvSpPr>
+        <p:spPr>
+          <a:xfrm>
+            <a:off x="8568661" y="2351065"/>
+            <a:ext cx="2570438" cy="493626"/>
+          </a:xfrm>
+          <a:prstGeom prst="rect">
+            <a:avLst/>
+          </a:prstGeom>
+        </p:spPr>
+        <p:txBody>
+          <a:bodyPr vert="horz" lIns="91440" tIns="45720" rIns="91440" bIns="45720" rtlCol="0">
+            <a:normAutofit/>
+          </a:bodyPr>
+          <a:lstStyle>
+            <a:lvl1pPr marL="228600" indent="-228600" algn="l" defTabSz="914400" rtl="0" eaLnBrk="1" latinLnBrk="0" hangingPunct="1">
+              <a:lnSpc>
+                <a:spcPct val="90000"/>
+              </a:lnSpc>
+              <a:spcBef>
+                <a:spcPts val="1000"/>
+              </a:spcBef>
+              <a:buFont typeface="Arial" panose="020B0604020202020204" pitchFamily="34" charset="0"/>
+              <a:buChar char="•"/>
+              <a:defRPr sz="2800" kern="1200">
+                <a:solidFill>
+                  <a:schemeClr val="tx1"/>
+                </a:solidFill>
+                <a:latin typeface="+mn-lt"/>
+                <a:ea typeface="+mn-ea"/>
+                <a:cs typeface="+mn-cs"/>
+              </a:defRPr>
+            </a:lvl1pPr>
+            <a:lvl2pPr marL="685800" indent="-228600" algn="l" defTabSz="914400" rtl="0" eaLnBrk="1" latinLnBrk="0" hangingPunct="1">
+              <a:lnSpc>
+                <a:spcPct val="90000"/>
+              </a:lnSpc>
+              <a:spcBef>
+                <a:spcPts val="500"/>
+              </a:spcBef>
+              <a:buFont typeface="Arial" panose="020B0604020202020204" pitchFamily="34" charset="0"/>
+              <a:buChar char="•"/>
+              <a:defRPr sz="2400" kern="1200">
+                <a:solidFill>
+                  <a:schemeClr val="tx1"/>
+                </a:solidFill>
+                <a:latin typeface="+mn-lt"/>
+                <a:ea typeface="+mn-ea"/>
+                <a:cs typeface="+mn-cs"/>
+              </a:defRPr>
+            </a:lvl2pPr>
+            <a:lvl3pPr marL="1143000" indent="-228600" algn="l" defTabSz="914400" rtl="0" eaLnBrk="1" latinLnBrk="0" hangingPunct="1">
+              <a:lnSpc>
+                <a:spcPct val="90000"/>
+              </a:lnSpc>
+              <a:spcBef>
+                <a:spcPts val="500"/>
+              </a:spcBef>
+              <a:buFont typeface="Arial" panose="020B0604020202020204" pitchFamily="34" charset="0"/>
+              <a:buChar char="•"/>
+              <a:defRPr sz="2000" kern="1200">
+                <a:solidFill>
+                  <a:schemeClr val="tx1"/>
+                </a:solidFill>
+                <a:latin typeface="+mn-lt"/>
+                <a:ea typeface="+mn-ea"/>
+                <a:cs typeface="+mn-cs"/>
+              </a:defRPr>
+            </a:lvl3pPr>
+            <a:lvl4pPr marL="1600200" indent="-228600" algn="l" defTabSz="914400" rtl="0" eaLnBrk="1" latinLnBrk="0" hangingPunct="1">
+              <a:lnSpc>
+                <a:spcPct val="90000"/>
+              </a:lnSpc>
+              <a:spcBef>
+                <a:spcPts val="500"/>
+              </a:spcBef>
+              <a:buFont typeface="Arial" panose="020B0604020202020204" pitchFamily="34" charset="0"/>
+              <a:buChar char="•"/>
+              <a:defRPr sz="1800" kern="1200">
+                <a:solidFill>
+                  <a:schemeClr val="tx1"/>
+                </a:solidFill>
+                <a:latin typeface="+mn-lt"/>
+                <a:ea typeface="+mn-ea"/>
+                <a:cs typeface="+mn-cs"/>
+              </a:defRPr>
+            </a:lvl4pPr>
+            <a:lvl5pPr marL="2057400" indent="-228600" algn="l" defTabSz="914400" rtl="0" eaLnBrk="1" latinLnBrk="0" hangingPunct="1">
+              <a:lnSpc>
+                <a:spcPct val="90000"/>
+              </a:lnSpc>
+              <a:spcBef>
+                <a:spcPts val="500"/>
+              </a:spcBef>
+              <a:buFont typeface="Arial" panose="020B0604020202020204" pitchFamily="34" charset="0"/>
+              <a:buChar char="•"/>
+              <a:defRPr sz="1800" kern="1200">
+                <a:solidFill>
+                  <a:schemeClr val="tx1"/>
+                </a:solidFill>
+                <a:latin typeface="+mn-lt"/>
+                <a:ea typeface="+mn-ea"/>
+                <a:cs typeface="+mn-cs"/>
+              </a:defRPr>
+            </a:lvl5pPr>
+            <a:lvl6pPr marL="2514600" indent="-228600" algn="l" defTabSz="914400" rtl="0" eaLnBrk="1" latinLnBrk="0" hangingPunct="1">
+              <a:lnSpc>
+                <a:spcPct val="90000"/>
+              </a:lnSpc>
+              <a:spcBef>
+                <a:spcPts val="500"/>
+              </a:spcBef>
+              <a:buFont typeface="Arial" panose="020B0604020202020204" pitchFamily="34" charset="0"/>
+              <a:buChar char="•"/>
+              <a:defRPr sz="1800" kern="1200">
+                <a:solidFill>
+                  <a:schemeClr val="tx1"/>
+                </a:solidFill>
+                <a:latin typeface="+mn-lt"/>
+                <a:ea typeface="+mn-ea"/>
+                <a:cs typeface="+mn-cs"/>
+              </a:defRPr>
+            </a:lvl6pPr>
+            <a:lvl7pPr marL="2971800" indent="-228600" algn="l" defTabSz="914400" rtl="0" eaLnBrk="1" latinLnBrk="0" hangingPunct="1">
+              <a:lnSpc>
+                <a:spcPct val="90000"/>
+              </a:lnSpc>
+              <a:spcBef>
+                <a:spcPts val="500"/>
+              </a:spcBef>
+              <a:buFont typeface="Arial" panose="020B0604020202020204" pitchFamily="34" charset="0"/>
+              <a:buChar char="•"/>
+              <a:defRPr sz="1800" kern="1200">
+                <a:solidFill>
+                  <a:schemeClr val="tx1"/>
+                </a:solidFill>
+                <a:latin typeface="+mn-lt"/>
+                <a:ea typeface="+mn-ea"/>
+                <a:cs typeface="+mn-cs"/>
+              </a:defRPr>
+            </a:lvl7pPr>
+            <a:lvl8pPr marL="3429000" indent="-228600" algn="l" defTabSz="914400" rtl="0" eaLnBrk="1" latinLnBrk="0" hangingPunct="1">
+              <a:lnSpc>
+                <a:spcPct val="90000"/>
+              </a:lnSpc>
+              <a:spcBef>
+                <a:spcPts val="500"/>
+              </a:spcBef>
+              <a:buFont typeface="Arial" panose="020B0604020202020204" pitchFamily="34" charset="0"/>
+              <a:buChar char="•"/>
+              <a:defRPr sz="1800" kern="1200">
+                <a:solidFill>
+                  <a:schemeClr val="tx1"/>
+                </a:solidFill>
+                <a:latin typeface="+mn-lt"/>
+                <a:ea typeface="+mn-ea"/>
+                <a:cs typeface="+mn-cs"/>
+              </a:defRPr>
+            </a:lvl8pPr>
+            <a:lvl9pPr marL="3886200" indent="-228600" algn="l" defTabSz="914400" rtl="0" eaLnBrk="1" latinLnBrk="0" hangingPunct="1">
+              <a:lnSpc>
+                <a:spcPct val="90000"/>
+              </a:lnSpc>
+              <a:spcBef>
+                <a:spcPts val="500"/>
+              </a:spcBef>
+              <a:buFont typeface="Arial" panose="020B0604020202020204" pitchFamily="34" charset="0"/>
+              <a:buChar char="•"/>
+              <a:defRPr sz="1800" kern="1200">
+                <a:solidFill>
+                  <a:schemeClr val="tx1"/>
+                </a:solidFill>
+                <a:latin typeface="+mn-lt"/>
+                <a:ea typeface="+mn-ea"/>
+                <a:cs typeface="+mn-cs"/>
+              </a:defRPr>
+            </a:lvl9pPr>
+          </a:lstStyle>
+          <a:p>
+            <a:pPr marL="0" indent="0">
+              <a:buFont typeface="Arial" panose="020B0604020202020204" pitchFamily="34" charset="0"/>
+              <a:buNone/>
+            </a:pPr>
+            <a:r>
+              <a:rPr lang="en-US" dirty="0" smtClean="0"/>
+              <a:t>Stop conditions:</a:t>
+            </a:r>
+            <a:endParaRPr lang="en-US" dirty="0"/>
+          </a:p>
+        </p:txBody>
+      </p:sp>
+      <p:sp>
+        <p:nvSpPr>
+          <p:cNvPr id="187" name="Content Placeholder 2"/>
+          <p:cNvSpPr txBox="1">
+            <a:spLocks/>
+          </p:cNvSpPr>
+          <p:nvPr/>
+        </p:nvSpPr>
+        <p:spPr>
+          <a:xfrm>
+            <a:off x="8853485" y="2813875"/>
+            <a:ext cx="3060693" cy="1673865"/>
+          </a:xfrm>
+          <a:prstGeom prst="rect">
+            <a:avLst/>
+          </a:prstGeom>
+        </p:spPr>
+        <p:txBody>
+          <a:bodyPr vert="horz" lIns="91440" tIns="45720" rIns="91440" bIns="45720" rtlCol="0">
+            <a:normAutofit/>
+          </a:bodyPr>
+          <a:lstStyle>
+            <a:lvl1pPr marL="228600" indent="-228600" algn="l" defTabSz="914400" rtl="0" eaLnBrk="1" latinLnBrk="0" hangingPunct="1">
+              <a:lnSpc>
+                <a:spcPct val="90000"/>
+              </a:lnSpc>
+              <a:spcBef>
+                <a:spcPts val="1000"/>
+              </a:spcBef>
+              <a:buFont typeface="Arial" panose="020B0604020202020204" pitchFamily="34" charset="0"/>
+              <a:buChar char="•"/>
+              <a:defRPr sz="2800" kern="1200">
+                <a:solidFill>
+                  <a:schemeClr val="tx1"/>
+                </a:solidFill>
+                <a:latin typeface="+mn-lt"/>
+                <a:ea typeface="+mn-ea"/>
+                <a:cs typeface="+mn-cs"/>
+              </a:defRPr>
+            </a:lvl1pPr>
+            <a:lvl2pPr marL="685800" indent="-228600" algn="l" defTabSz="914400" rtl="0" eaLnBrk="1" latinLnBrk="0" hangingPunct="1">
+              <a:lnSpc>
+                <a:spcPct val="90000"/>
+              </a:lnSpc>
+              <a:spcBef>
+                <a:spcPts val="500"/>
+              </a:spcBef>
+              <a:buFont typeface="Arial" panose="020B0604020202020204" pitchFamily="34" charset="0"/>
+              <a:buChar char="•"/>
+              <a:defRPr sz="2400" kern="1200">
+                <a:solidFill>
+                  <a:schemeClr val="tx1"/>
+                </a:solidFill>
+                <a:latin typeface="+mn-lt"/>
+                <a:ea typeface="+mn-ea"/>
+                <a:cs typeface="+mn-cs"/>
+              </a:defRPr>
+            </a:lvl2pPr>
+            <a:lvl3pPr marL="1143000" indent="-228600" algn="l" defTabSz="914400" rtl="0" eaLnBrk="1" latinLnBrk="0" hangingPunct="1">
+              <a:lnSpc>
+                <a:spcPct val="90000"/>
+              </a:lnSpc>
+              <a:spcBef>
+                <a:spcPts val="500"/>
+              </a:spcBef>
+              <a:buFont typeface="Arial" panose="020B0604020202020204" pitchFamily="34" charset="0"/>
+              <a:buChar char="•"/>
+              <a:defRPr sz="2000" kern="1200">
+                <a:solidFill>
+                  <a:schemeClr val="tx1"/>
+                </a:solidFill>
+                <a:latin typeface="+mn-lt"/>
+                <a:ea typeface="+mn-ea"/>
+                <a:cs typeface="+mn-cs"/>
+              </a:defRPr>
+            </a:lvl3pPr>
+            <a:lvl4pPr marL="1600200" indent="-228600" algn="l" defTabSz="914400" rtl="0" eaLnBrk="1" latinLnBrk="0" hangingPunct="1">
+              <a:lnSpc>
+                <a:spcPct val="90000"/>
+              </a:lnSpc>
+              <a:spcBef>
+                <a:spcPts val="500"/>
+              </a:spcBef>
+              <a:buFont typeface="Arial" panose="020B0604020202020204" pitchFamily="34" charset="0"/>
+              <a:buChar char="•"/>
+              <a:defRPr sz="1800" kern="1200">
+                <a:solidFill>
+                  <a:schemeClr val="tx1"/>
+                </a:solidFill>
+                <a:latin typeface="+mn-lt"/>
+                <a:ea typeface="+mn-ea"/>
+                <a:cs typeface="+mn-cs"/>
+              </a:defRPr>
+            </a:lvl4pPr>
+            <a:lvl5pPr marL="2057400" indent="-228600" algn="l" defTabSz="914400" rtl="0" eaLnBrk="1" latinLnBrk="0" hangingPunct="1">
+              <a:lnSpc>
+                <a:spcPct val="90000"/>
+              </a:lnSpc>
+              <a:spcBef>
+                <a:spcPts val="500"/>
+              </a:spcBef>
+              <a:buFont typeface="Arial" panose="020B0604020202020204" pitchFamily="34" charset="0"/>
+              <a:buChar char="•"/>
+              <a:defRPr sz="1800" kern="1200">
+                <a:solidFill>
+                  <a:schemeClr val="tx1"/>
+                </a:solidFill>
+                <a:latin typeface="+mn-lt"/>
+                <a:ea typeface="+mn-ea"/>
+                <a:cs typeface="+mn-cs"/>
+              </a:defRPr>
+            </a:lvl5pPr>
+            <a:lvl6pPr marL="2514600" indent="-228600" algn="l" defTabSz="914400" rtl="0" eaLnBrk="1" latinLnBrk="0" hangingPunct="1">
+              <a:lnSpc>
+                <a:spcPct val="90000"/>
+              </a:lnSpc>
+              <a:spcBef>
+                <a:spcPts val="500"/>
+              </a:spcBef>
+              <a:buFont typeface="Arial" panose="020B0604020202020204" pitchFamily="34" charset="0"/>
+              <a:buChar char="•"/>
+              <a:defRPr sz="1800" kern="1200">
+                <a:solidFill>
+                  <a:schemeClr val="tx1"/>
+                </a:solidFill>
+                <a:latin typeface="+mn-lt"/>
+                <a:ea typeface="+mn-ea"/>
+                <a:cs typeface="+mn-cs"/>
+              </a:defRPr>
+            </a:lvl6pPr>
+            <a:lvl7pPr marL="2971800" indent="-228600" algn="l" defTabSz="914400" rtl="0" eaLnBrk="1" latinLnBrk="0" hangingPunct="1">
+              <a:lnSpc>
+                <a:spcPct val="90000"/>
+              </a:lnSpc>
+              <a:spcBef>
+                <a:spcPts val="500"/>
+              </a:spcBef>
+              <a:buFont typeface="Arial" panose="020B0604020202020204" pitchFamily="34" charset="0"/>
+              <a:buChar char="•"/>
+              <a:defRPr sz="1800" kern="1200">
+                <a:solidFill>
+                  <a:schemeClr val="tx1"/>
+                </a:solidFill>
+                <a:latin typeface="+mn-lt"/>
+                <a:ea typeface="+mn-ea"/>
+                <a:cs typeface="+mn-cs"/>
+              </a:defRPr>
+            </a:lvl7pPr>
+            <a:lvl8pPr marL="3429000" indent="-228600" algn="l" defTabSz="914400" rtl="0" eaLnBrk="1" latinLnBrk="0" hangingPunct="1">
+              <a:lnSpc>
+                <a:spcPct val="90000"/>
+              </a:lnSpc>
+              <a:spcBef>
+                <a:spcPts val="500"/>
+              </a:spcBef>
+              <a:buFont typeface="Arial" panose="020B0604020202020204" pitchFamily="34" charset="0"/>
+              <a:buChar char="•"/>
+              <a:defRPr sz="1800" kern="1200">
+                <a:solidFill>
+                  <a:schemeClr val="tx1"/>
+                </a:solidFill>
+                <a:latin typeface="+mn-lt"/>
+                <a:ea typeface="+mn-ea"/>
+                <a:cs typeface="+mn-cs"/>
+              </a:defRPr>
+            </a:lvl8pPr>
+            <a:lvl9pPr marL="3886200" indent="-228600" algn="l" defTabSz="914400" rtl="0" eaLnBrk="1" latinLnBrk="0" hangingPunct="1">
+              <a:lnSpc>
+                <a:spcPct val="90000"/>
+              </a:lnSpc>
+              <a:spcBef>
+                <a:spcPts val="500"/>
+              </a:spcBef>
+              <a:buFont typeface="Arial" panose="020B0604020202020204" pitchFamily="34" charset="0"/>
+              <a:buChar char="•"/>
+              <a:defRPr sz="1800" kern="1200">
+                <a:solidFill>
+                  <a:schemeClr val="tx1"/>
+                </a:solidFill>
+                <a:latin typeface="+mn-lt"/>
+                <a:ea typeface="+mn-ea"/>
+                <a:cs typeface="+mn-cs"/>
+              </a:defRPr>
+            </a:lvl9pPr>
+          </a:lstStyle>
+          <a:p>
+            <a:r>
+              <a:rPr lang="en-US" dirty="0" smtClean="0"/>
+              <a:t>Meet “EOS” token </a:t>
+            </a:r>
+            <a:r>
+              <a:rPr lang="en-US" dirty="0"/>
+              <a:t>and </a:t>
+            </a:r>
+            <a:r>
+              <a:rPr lang="en-US" dirty="0" smtClean="0"/>
+              <a:t>achieve </a:t>
+            </a:r>
+            <a:r>
+              <a:rPr lang="en-US" dirty="0"/>
+              <a:t>the desired number of sentences</a:t>
+            </a:r>
+          </a:p>
+        </p:txBody>
+      </p:sp>
+      <p:sp>
+        <p:nvSpPr>
+          <p:cNvPr id="189" name="Content Placeholder 2"/>
+          <p:cNvSpPr txBox="1">
+            <a:spLocks/>
+          </p:cNvSpPr>
+          <p:nvPr/>
+        </p:nvSpPr>
+        <p:spPr>
+          <a:xfrm>
+            <a:off x="8853485" y="4410038"/>
+            <a:ext cx="3060693" cy="1355454"/>
+          </a:xfrm>
+          <a:prstGeom prst="rect">
+            <a:avLst/>
+          </a:prstGeom>
+        </p:spPr>
+        <p:txBody>
+          <a:bodyPr vert="horz" lIns="91440" tIns="45720" rIns="91440" bIns="45720" rtlCol="0">
+            <a:normAutofit/>
+          </a:bodyPr>
+          <a:lstStyle>
+            <a:lvl1pPr marL="228600" indent="-228600" algn="l" defTabSz="914400" rtl="0" eaLnBrk="1" latinLnBrk="0" hangingPunct="1">
+              <a:lnSpc>
+                <a:spcPct val="90000"/>
+              </a:lnSpc>
+              <a:spcBef>
+                <a:spcPts val="1000"/>
+              </a:spcBef>
+              <a:buFont typeface="Arial" panose="020B0604020202020204" pitchFamily="34" charset="0"/>
+              <a:buChar char="•"/>
+              <a:defRPr sz="2800" kern="1200">
+                <a:solidFill>
+                  <a:schemeClr val="tx1"/>
+                </a:solidFill>
+                <a:latin typeface="+mn-lt"/>
+                <a:ea typeface="+mn-ea"/>
+                <a:cs typeface="+mn-cs"/>
+              </a:defRPr>
+            </a:lvl1pPr>
+            <a:lvl2pPr marL="685800" indent="-228600" algn="l" defTabSz="914400" rtl="0" eaLnBrk="1" latinLnBrk="0" hangingPunct="1">
+              <a:lnSpc>
+                <a:spcPct val="90000"/>
+              </a:lnSpc>
+              <a:spcBef>
+                <a:spcPts val="500"/>
+              </a:spcBef>
+              <a:buFont typeface="Arial" panose="020B0604020202020204" pitchFamily="34" charset="0"/>
+              <a:buChar char="•"/>
+              <a:defRPr sz="2400" kern="1200">
+                <a:solidFill>
+                  <a:schemeClr val="tx1"/>
+                </a:solidFill>
+                <a:latin typeface="+mn-lt"/>
+                <a:ea typeface="+mn-ea"/>
+                <a:cs typeface="+mn-cs"/>
+              </a:defRPr>
+            </a:lvl2pPr>
+            <a:lvl3pPr marL="1143000" indent="-228600" algn="l" defTabSz="914400" rtl="0" eaLnBrk="1" latinLnBrk="0" hangingPunct="1">
+              <a:lnSpc>
+                <a:spcPct val="90000"/>
+              </a:lnSpc>
+              <a:spcBef>
+                <a:spcPts val="500"/>
+              </a:spcBef>
+              <a:buFont typeface="Arial" panose="020B0604020202020204" pitchFamily="34" charset="0"/>
+              <a:buChar char="•"/>
+              <a:defRPr sz="2000" kern="1200">
+                <a:solidFill>
+                  <a:schemeClr val="tx1"/>
+                </a:solidFill>
+                <a:latin typeface="+mn-lt"/>
+                <a:ea typeface="+mn-ea"/>
+                <a:cs typeface="+mn-cs"/>
+              </a:defRPr>
+            </a:lvl3pPr>
+            <a:lvl4pPr marL="1600200" indent="-228600" algn="l" defTabSz="914400" rtl="0" eaLnBrk="1" latinLnBrk="0" hangingPunct="1">
+              <a:lnSpc>
+                <a:spcPct val="90000"/>
+              </a:lnSpc>
+              <a:spcBef>
+                <a:spcPts val="500"/>
+              </a:spcBef>
+              <a:buFont typeface="Arial" panose="020B0604020202020204" pitchFamily="34" charset="0"/>
+              <a:buChar char="•"/>
+              <a:defRPr sz="1800" kern="1200">
+                <a:solidFill>
+                  <a:schemeClr val="tx1"/>
+                </a:solidFill>
+                <a:latin typeface="+mn-lt"/>
+                <a:ea typeface="+mn-ea"/>
+                <a:cs typeface="+mn-cs"/>
+              </a:defRPr>
+            </a:lvl4pPr>
+            <a:lvl5pPr marL="2057400" indent="-228600" algn="l" defTabSz="914400" rtl="0" eaLnBrk="1" latinLnBrk="0" hangingPunct="1">
+              <a:lnSpc>
+                <a:spcPct val="90000"/>
+              </a:lnSpc>
+              <a:spcBef>
+                <a:spcPts val="500"/>
+              </a:spcBef>
+              <a:buFont typeface="Arial" panose="020B0604020202020204" pitchFamily="34" charset="0"/>
+              <a:buChar char="•"/>
+              <a:defRPr sz="1800" kern="1200">
+                <a:solidFill>
+                  <a:schemeClr val="tx1"/>
+                </a:solidFill>
+                <a:latin typeface="+mn-lt"/>
+                <a:ea typeface="+mn-ea"/>
+                <a:cs typeface="+mn-cs"/>
+              </a:defRPr>
+            </a:lvl5pPr>
+            <a:lvl6pPr marL="2514600" indent="-228600" algn="l" defTabSz="914400" rtl="0" eaLnBrk="1" latinLnBrk="0" hangingPunct="1">
+              <a:lnSpc>
+                <a:spcPct val="90000"/>
+              </a:lnSpc>
+              <a:spcBef>
+                <a:spcPts val="500"/>
+              </a:spcBef>
+              <a:buFont typeface="Arial" panose="020B0604020202020204" pitchFamily="34" charset="0"/>
+              <a:buChar char="•"/>
+              <a:defRPr sz="1800" kern="1200">
+                <a:solidFill>
+                  <a:schemeClr val="tx1"/>
+                </a:solidFill>
+                <a:latin typeface="+mn-lt"/>
+                <a:ea typeface="+mn-ea"/>
+                <a:cs typeface="+mn-cs"/>
+              </a:defRPr>
+            </a:lvl6pPr>
+            <a:lvl7pPr marL="2971800" indent="-228600" algn="l" defTabSz="914400" rtl="0" eaLnBrk="1" latinLnBrk="0" hangingPunct="1">
+              <a:lnSpc>
+                <a:spcPct val="90000"/>
+              </a:lnSpc>
+              <a:spcBef>
+                <a:spcPts val="500"/>
+              </a:spcBef>
+              <a:buFont typeface="Arial" panose="020B0604020202020204" pitchFamily="34" charset="0"/>
+              <a:buChar char="•"/>
+              <a:defRPr sz="1800" kern="1200">
+                <a:solidFill>
+                  <a:schemeClr val="tx1"/>
+                </a:solidFill>
+                <a:latin typeface="+mn-lt"/>
+                <a:ea typeface="+mn-ea"/>
+                <a:cs typeface="+mn-cs"/>
+              </a:defRPr>
+            </a:lvl7pPr>
+            <a:lvl8pPr marL="3429000" indent="-228600" algn="l" defTabSz="914400" rtl="0" eaLnBrk="1" latinLnBrk="0" hangingPunct="1">
+              <a:lnSpc>
+                <a:spcPct val="90000"/>
+              </a:lnSpc>
+              <a:spcBef>
+                <a:spcPts val="500"/>
+              </a:spcBef>
+              <a:buFont typeface="Arial" panose="020B0604020202020204" pitchFamily="34" charset="0"/>
+              <a:buChar char="•"/>
+              <a:defRPr sz="1800" kern="1200">
+                <a:solidFill>
+                  <a:schemeClr val="tx1"/>
+                </a:solidFill>
+                <a:latin typeface="+mn-lt"/>
+                <a:ea typeface="+mn-ea"/>
+                <a:cs typeface="+mn-cs"/>
+              </a:defRPr>
+            </a:lvl8pPr>
+            <a:lvl9pPr marL="3886200" indent="-228600" algn="l" defTabSz="914400" rtl="0" eaLnBrk="1" latinLnBrk="0" hangingPunct="1">
+              <a:lnSpc>
+                <a:spcPct val="90000"/>
+              </a:lnSpc>
+              <a:spcBef>
+                <a:spcPts val="500"/>
+              </a:spcBef>
+              <a:buFont typeface="Arial" panose="020B0604020202020204" pitchFamily="34" charset="0"/>
+              <a:buChar char="•"/>
+              <a:defRPr sz="1800" kern="1200">
+                <a:solidFill>
+                  <a:schemeClr val="tx1"/>
+                </a:solidFill>
+                <a:latin typeface="+mn-lt"/>
+                <a:ea typeface="+mn-ea"/>
+                <a:cs typeface="+mn-cs"/>
+              </a:defRPr>
+            </a:lvl9pPr>
+          </a:lstStyle>
+          <a:p>
+            <a:r>
+              <a:rPr lang="en-US" dirty="0" smtClean="0"/>
+              <a:t>Reach </a:t>
+            </a:r>
+            <a:r>
+              <a:rPr lang="en-US" dirty="0"/>
+              <a:t>the limit for the number of nodes allowed</a:t>
+            </a:r>
+          </a:p>
+        </p:txBody>
+      </p:sp>
+      <p:grpSp>
+        <p:nvGrpSpPr>
+          <p:cNvPr id="190" name="Group 189"/>
+          <p:cNvGrpSpPr/>
+          <p:nvPr/>
+        </p:nvGrpSpPr>
+        <p:grpSpPr>
+          <a:xfrm>
+            <a:off x="1306504" y="4847182"/>
+            <a:ext cx="1341813" cy="1388225"/>
+            <a:chOff x="1310985" y="3334384"/>
+            <a:chExt cx="1341813" cy="1388225"/>
+          </a:xfrm>
+        </p:grpSpPr>
+        <p:sp>
+          <p:nvSpPr>
+            <p:cNvPr id="191" name="Rectangle 190"/>
+            <p:cNvSpPr/>
+            <p:nvPr/>
+          </p:nvSpPr>
+          <p:spPr>
+            <a:xfrm>
+              <a:off x="1494905" y="3599410"/>
+              <a:ext cx="973974" cy="307571"/>
+            </a:xfrm>
+            <a:prstGeom prst="rect">
+              <a:avLst/>
+            </a:prstGeom>
+            <a:ln/>
+          </p:spPr>
+          <p:style>
+            <a:lnRef idx="1">
+              <a:schemeClr val="accent6"/>
+            </a:lnRef>
+            <a:fillRef idx="2">
+              <a:schemeClr val="accent6"/>
+            </a:fillRef>
+            <a:effectRef idx="1">
+              <a:schemeClr val="accent6"/>
+            </a:effectRef>
+            <a:fontRef idx="minor">
+              <a:schemeClr val="dk1"/>
+            </a:fontRef>
+          </p:style>
+          <p:txBody>
+            <a:bodyPr rtlCol="0" anchor="ctr"/>
+            <a:lstStyle/>
+            <a:p>
+              <a:pPr algn="ctr"/>
+              <a:r>
+                <a:rPr lang="en-US" dirty="0"/>
+                <a:t>H</a:t>
+              </a:r>
+              <a:r>
+                <a:rPr lang="en-US" dirty="0" smtClean="0"/>
+                <a:t>idden</a:t>
+              </a:r>
+              <a:endParaRPr lang="en-US" dirty="0"/>
+            </a:p>
+          </p:txBody>
+        </p:sp>
+        <p:sp>
+          <p:nvSpPr>
+            <p:cNvPr id="192" name="Rectangle 191"/>
+            <p:cNvSpPr/>
+            <p:nvPr/>
+          </p:nvSpPr>
+          <p:spPr>
+            <a:xfrm>
+              <a:off x="1494905" y="4060766"/>
+              <a:ext cx="973974" cy="307571"/>
+            </a:xfrm>
+            <a:prstGeom prst="rect">
+              <a:avLst/>
+            </a:prstGeom>
+            <a:ln/>
+          </p:spPr>
+          <p:style>
+            <a:lnRef idx="1">
+              <a:schemeClr val="accent6"/>
+            </a:lnRef>
+            <a:fillRef idx="2">
+              <a:schemeClr val="accent6"/>
+            </a:fillRef>
+            <a:effectRef idx="1">
+              <a:schemeClr val="accent6"/>
+            </a:effectRef>
+            <a:fontRef idx="minor">
+              <a:schemeClr val="dk1"/>
+            </a:fontRef>
+          </p:style>
+          <p:txBody>
+            <a:bodyPr rtlCol="0" anchor="ctr"/>
+            <a:lstStyle/>
+            <a:p>
+              <a:pPr algn="ctr"/>
+              <a:r>
+                <a:rPr lang="en-US" dirty="0" smtClean="0"/>
+                <a:t>Input</a:t>
+              </a:r>
+              <a:endParaRPr lang="en-US" dirty="0"/>
+            </a:p>
+          </p:txBody>
+        </p:sp>
+        <p:sp>
+          <p:nvSpPr>
+            <p:cNvPr id="193" name="Rectangle 192"/>
+            <p:cNvSpPr/>
+            <p:nvPr/>
+          </p:nvSpPr>
+          <p:spPr>
+            <a:xfrm>
+              <a:off x="1310985" y="3334384"/>
+              <a:ext cx="1341813" cy="1388225"/>
+            </a:xfrm>
+            <a:prstGeom prst="rect">
+              <a:avLst/>
+            </a:prstGeom>
+            <a:noFill/>
+            <a:ln w="38100">
+              <a:solidFill>
+                <a:srgbClr val="92D050"/>
+              </a:solidFill>
+              <a:prstDash val="sysDash"/>
+            </a:ln>
+          </p:spPr>
+          <p:style>
+            <a:lnRef idx="2">
+              <a:schemeClr val="accent1">
+                <a:shade val="50000"/>
+              </a:schemeClr>
+            </a:lnRef>
+            <a:fillRef idx="1">
+              <a:schemeClr val="accent1"/>
+            </a:fillRef>
+            <a:effectRef idx="0">
+              <a:schemeClr val="accent1"/>
+            </a:effectRef>
+            <a:fontRef idx="minor">
+              <a:schemeClr val="lt1"/>
+            </a:fontRef>
+          </p:style>
+          <p:txBody>
+            <a:bodyPr rtlCol="0" anchor="ctr"/>
+            <a:lstStyle/>
+            <a:p>
+              <a:pPr algn="ctr"/>
+              <a:endParaRPr lang="en-US"/>
+            </a:p>
+          </p:txBody>
+        </p:sp>
+      </p:grpSp>
+      <p:grpSp>
+        <p:nvGrpSpPr>
+          <p:cNvPr id="194" name="Group 193"/>
+          <p:cNvGrpSpPr/>
+          <p:nvPr/>
+        </p:nvGrpSpPr>
+        <p:grpSpPr>
+          <a:xfrm>
+            <a:off x="1314336" y="1801549"/>
+            <a:ext cx="1341813" cy="1388225"/>
+            <a:chOff x="1310985" y="3334384"/>
+            <a:chExt cx="1341813" cy="1388225"/>
+          </a:xfrm>
+        </p:grpSpPr>
+        <p:sp>
+          <p:nvSpPr>
+            <p:cNvPr id="195" name="Rectangle 194"/>
+            <p:cNvSpPr/>
+            <p:nvPr/>
+          </p:nvSpPr>
+          <p:spPr>
+            <a:xfrm>
+              <a:off x="1494905" y="3599410"/>
+              <a:ext cx="973974" cy="307571"/>
+            </a:xfrm>
+            <a:prstGeom prst="rect">
+              <a:avLst/>
+            </a:prstGeom>
+            <a:ln/>
+          </p:spPr>
+          <p:style>
+            <a:lnRef idx="1">
+              <a:schemeClr val="accent6"/>
+            </a:lnRef>
+            <a:fillRef idx="2">
+              <a:schemeClr val="accent6"/>
+            </a:fillRef>
+            <a:effectRef idx="1">
+              <a:schemeClr val="accent6"/>
+            </a:effectRef>
+            <a:fontRef idx="minor">
+              <a:schemeClr val="dk1"/>
+            </a:fontRef>
+          </p:style>
+          <p:txBody>
+            <a:bodyPr rtlCol="0" anchor="ctr"/>
+            <a:lstStyle/>
+            <a:p>
+              <a:pPr algn="ctr"/>
+              <a:r>
+                <a:rPr lang="en-US" dirty="0"/>
+                <a:t>H</a:t>
+              </a:r>
+              <a:r>
+                <a:rPr lang="en-US" dirty="0" smtClean="0"/>
+                <a:t>idden</a:t>
+              </a:r>
+              <a:endParaRPr lang="en-US" dirty="0"/>
+            </a:p>
+          </p:txBody>
+        </p:sp>
+        <p:sp>
+          <p:nvSpPr>
+            <p:cNvPr id="196" name="Rectangle 195"/>
+            <p:cNvSpPr/>
+            <p:nvPr/>
+          </p:nvSpPr>
+          <p:spPr>
+            <a:xfrm>
+              <a:off x="1494905" y="4060766"/>
+              <a:ext cx="973974" cy="307571"/>
+            </a:xfrm>
+            <a:prstGeom prst="rect">
+              <a:avLst/>
+            </a:prstGeom>
+            <a:ln/>
+          </p:spPr>
+          <p:style>
+            <a:lnRef idx="1">
+              <a:schemeClr val="accent6"/>
+            </a:lnRef>
+            <a:fillRef idx="2">
+              <a:schemeClr val="accent6"/>
+            </a:fillRef>
+            <a:effectRef idx="1">
+              <a:schemeClr val="accent6"/>
+            </a:effectRef>
+            <a:fontRef idx="minor">
+              <a:schemeClr val="dk1"/>
+            </a:fontRef>
+          </p:style>
+          <p:txBody>
+            <a:bodyPr rtlCol="0" anchor="ctr"/>
+            <a:lstStyle/>
+            <a:p>
+              <a:pPr algn="ctr"/>
+              <a:r>
+                <a:rPr lang="en-US" dirty="0" smtClean="0"/>
+                <a:t>Input</a:t>
+              </a:r>
+              <a:endParaRPr lang="en-US" dirty="0"/>
+            </a:p>
+          </p:txBody>
+        </p:sp>
+        <p:sp>
+          <p:nvSpPr>
+            <p:cNvPr id="197" name="Rectangle 196"/>
+            <p:cNvSpPr/>
+            <p:nvPr/>
+          </p:nvSpPr>
+          <p:spPr>
+            <a:xfrm>
+              <a:off x="1310985" y="3334384"/>
+              <a:ext cx="1341813" cy="1388225"/>
+            </a:xfrm>
+            <a:prstGeom prst="rect">
+              <a:avLst/>
+            </a:prstGeom>
+            <a:noFill/>
+            <a:ln w="38100">
+              <a:solidFill>
+                <a:srgbClr val="92D050"/>
+              </a:solidFill>
+              <a:prstDash val="sysDash"/>
+            </a:ln>
+          </p:spPr>
+          <p:style>
+            <a:lnRef idx="2">
+              <a:schemeClr val="accent1">
+                <a:shade val="50000"/>
+              </a:schemeClr>
+            </a:lnRef>
+            <a:fillRef idx="1">
+              <a:schemeClr val="accent1"/>
+            </a:fillRef>
+            <a:effectRef idx="0">
+              <a:schemeClr val="accent1"/>
+            </a:effectRef>
+            <a:fontRef idx="minor">
+              <a:schemeClr val="lt1"/>
+            </a:fontRef>
+          </p:style>
+          <p:txBody>
+            <a:bodyPr rtlCol="0" anchor="ctr"/>
+            <a:lstStyle/>
+            <a:p>
+              <a:pPr algn="ctr"/>
+              <a:endParaRPr lang="en-US"/>
+            </a:p>
+          </p:txBody>
+        </p:sp>
+      </p:grpSp>
+      <p:cxnSp>
+        <p:nvCxnSpPr>
+          <p:cNvPr id="199" name="Straight Arrow Connector 198"/>
+          <p:cNvCxnSpPr>
+            <a:stCxn id="5" idx="3"/>
+            <a:endCxn id="195" idx="1"/>
+          </p:cNvCxnSpPr>
+          <p:nvPr/>
+        </p:nvCxnSpPr>
+        <p:spPr>
+          <a:xfrm flipV="1">
+            <a:off x="955964" y="2220361"/>
+            <a:ext cx="542292" cy="1532836"/>
+          </a:xfrm>
+          <a:prstGeom prst="straightConnector1">
+            <a:avLst/>
+          </a:prstGeom>
+          <a:ln>
+            <a:tailEnd type="triangle"/>
+          </a:ln>
+        </p:spPr>
+        <p:style>
+          <a:lnRef idx="1">
+            <a:schemeClr val="dk1"/>
+          </a:lnRef>
+          <a:fillRef idx="0">
+            <a:schemeClr val="dk1"/>
+          </a:fillRef>
+          <a:effectRef idx="0">
+            <a:schemeClr val="dk1"/>
+          </a:effectRef>
+          <a:fontRef idx="minor">
+            <a:schemeClr val="tx1"/>
+          </a:fontRef>
+        </p:style>
+      </p:cxnSp>
+      <p:cxnSp>
+        <p:nvCxnSpPr>
+          <p:cNvPr id="201" name="Straight Arrow Connector 200"/>
+          <p:cNvCxnSpPr>
+            <a:stCxn id="5" idx="3"/>
+            <a:endCxn id="191" idx="1"/>
+          </p:cNvCxnSpPr>
+          <p:nvPr/>
+        </p:nvCxnSpPr>
+        <p:spPr>
+          <a:xfrm>
+            <a:off x="955964" y="3753197"/>
+            <a:ext cx="534460" cy="1512797"/>
+          </a:xfrm>
+          <a:prstGeom prst="straightConnector1">
+            <a:avLst/>
+          </a:prstGeom>
+          <a:ln>
+            <a:tailEnd type="triangle"/>
+          </a:ln>
+        </p:spPr>
+        <p:style>
+          <a:lnRef idx="1">
+            <a:schemeClr val="dk1"/>
+          </a:lnRef>
+          <a:fillRef idx="0">
+            <a:schemeClr val="dk1"/>
+          </a:fillRef>
+          <a:effectRef idx="0">
+            <a:schemeClr val="dk1"/>
+          </a:effectRef>
+          <a:fontRef idx="minor">
+            <a:schemeClr val="tx1"/>
+          </a:fontRef>
+        </p:style>
+      </p:cxnSp>
+    </p:spTree>
+    <p:extLst>
+      <p:ext uri="{BB962C8B-B14F-4D97-AF65-F5344CB8AC3E}">
+        <p14:creationId xmlns:p14="http://schemas.microsoft.com/office/powerpoint/2010/main" val="2904595985"/>
+      </p:ext>
+    </p:extLst>
+  </p:cSld>
+  <p:clrMapOvr>
+    <a:masterClrMapping/>
+  </p:clrMapOvr>
 </p:sld>
 </file>
 

--- a/encoder_decoder.pptx
+++ b/encoder_decoder.pptx
@@ -6,20 +6,23 @@
   </p:sldMasterIdLst>
   <p:sldIdLst>
     <p:sldId id="256" r:id="rId2"/>
-    <p:sldId id="261" r:id="rId3"/>
-    <p:sldId id="257" r:id="rId4"/>
-    <p:sldId id="258" r:id="rId5"/>
-    <p:sldId id="259" r:id="rId6"/>
-    <p:sldId id="262" r:id="rId7"/>
-    <p:sldId id="263" r:id="rId8"/>
-    <p:sldId id="260" r:id="rId9"/>
-    <p:sldId id="265" r:id="rId10"/>
-    <p:sldId id="271" r:id="rId11"/>
-    <p:sldId id="272" r:id="rId12"/>
-    <p:sldId id="264" r:id="rId13"/>
-    <p:sldId id="273" r:id="rId14"/>
-    <p:sldId id="274" r:id="rId15"/>
-    <p:sldId id="275" r:id="rId16"/>
+    <p:sldId id="278" r:id="rId3"/>
+    <p:sldId id="276" r:id="rId4"/>
+    <p:sldId id="277" r:id="rId5"/>
+    <p:sldId id="261" r:id="rId6"/>
+    <p:sldId id="257" r:id="rId7"/>
+    <p:sldId id="258" r:id="rId8"/>
+    <p:sldId id="259" r:id="rId9"/>
+    <p:sldId id="262" r:id="rId10"/>
+    <p:sldId id="263" r:id="rId11"/>
+    <p:sldId id="260" r:id="rId12"/>
+    <p:sldId id="265" r:id="rId13"/>
+    <p:sldId id="271" r:id="rId14"/>
+    <p:sldId id="272" r:id="rId15"/>
+    <p:sldId id="264" r:id="rId16"/>
+    <p:sldId id="273" r:id="rId17"/>
+    <p:sldId id="274" r:id="rId18"/>
+    <p:sldId id="275" r:id="rId19"/>
   </p:sldIdLst>
   <p:sldSz cx="12192000" cy="6858000"/>
   <p:notesSz cx="6858000" cy="9144000"/>
@@ -257,7 +260,7 @@
           <a:p>
             <a:fld id="{EA5C707D-EE12-44EE-970A-C277B1E8CD9B}" type="datetimeFigureOut">
               <a:rPr lang="en-US" smtClean="0"/>
-              <a:t>4/22/2020</a:t>
+              <a:t>5/1/2020</a:t>
             </a:fld>
             <a:endParaRPr lang="en-US"/>
           </a:p>
@@ -427,7 +430,7 @@
           <a:p>
             <a:fld id="{EA5C707D-EE12-44EE-970A-C277B1E8CD9B}" type="datetimeFigureOut">
               <a:rPr lang="en-US" smtClean="0"/>
-              <a:t>4/22/2020</a:t>
+              <a:t>5/1/2020</a:t>
             </a:fld>
             <a:endParaRPr lang="en-US"/>
           </a:p>
@@ -607,7 +610,7 @@
           <a:p>
             <a:fld id="{EA5C707D-EE12-44EE-970A-C277B1E8CD9B}" type="datetimeFigureOut">
               <a:rPr lang="en-US" smtClean="0"/>
-              <a:t>4/22/2020</a:t>
+              <a:t>5/1/2020</a:t>
             </a:fld>
             <a:endParaRPr lang="en-US"/>
           </a:p>
@@ -777,7 +780,7 @@
           <a:p>
             <a:fld id="{EA5C707D-EE12-44EE-970A-C277B1E8CD9B}" type="datetimeFigureOut">
               <a:rPr lang="en-US" smtClean="0"/>
-              <a:t>4/22/2020</a:t>
+              <a:t>5/1/2020</a:t>
             </a:fld>
             <a:endParaRPr lang="en-US"/>
           </a:p>
@@ -1023,7 +1026,7 @@
           <a:p>
             <a:fld id="{EA5C707D-EE12-44EE-970A-C277B1E8CD9B}" type="datetimeFigureOut">
               <a:rPr lang="en-US" smtClean="0"/>
-              <a:t>4/22/2020</a:t>
+              <a:t>5/1/2020</a:t>
             </a:fld>
             <a:endParaRPr lang="en-US"/>
           </a:p>
@@ -1255,7 +1258,7 @@
           <a:p>
             <a:fld id="{EA5C707D-EE12-44EE-970A-C277B1E8CD9B}" type="datetimeFigureOut">
               <a:rPr lang="en-US" smtClean="0"/>
-              <a:t>4/22/2020</a:t>
+              <a:t>5/1/2020</a:t>
             </a:fld>
             <a:endParaRPr lang="en-US"/>
           </a:p>
@@ -1622,7 +1625,7 @@
           <a:p>
             <a:fld id="{EA5C707D-EE12-44EE-970A-C277B1E8CD9B}" type="datetimeFigureOut">
               <a:rPr lang="en-US" smtClean="0"/>
-              <a:t>4/22/2020</a:t>
+              <a:t>5/1/2020</a:t>
             </a:fld>
             <a:endParaRPr lang="en-US"/>
           </a:p>
@@ -1740,7 +1743,7 @@
           <a:p>
             <a:fld id="{EA5C707D-EE12-44EE-970A-C277B1E8CD9B}" type="datetimeFigureOut">
               <a:rPr lang="en-US" smtClean="0"/>
-              <a:t>4/22/2020</a:t>
+              <a:t>5/1/2020</a:t>
             </a:fld>
             <a:endParaRPr lang="en-US"/>
           </a:p>
@@ -1835,7 +1838,7 @@
           <a:p>
             <a:fld id="{EA5C707D-EE12-44EE-970A-C277B1E8CD9B}" type="datetimeFigureOut">
               <a:rPr lang="en-US" smtClean="0"/>
-              <a:t>4/22/2020</a:t>
+              <a:t>5/1/2020</a:t>
             </a:fld>
             <a:endParaRPr lang="en-US"/>
           </a:p>
@@ -2112,7 +2115,7 @@
           <a:p>
             <a:fld id="{EA5C707D-EE12-44EE-970A-C277B1E8CD9B}" type="datetimeFigureOut">
               <a:rPr lang="en-US" smtClean="0"/>
-              <a:t>4/22/2020</a:t>
+              <a:t>5/1/2020</a:t>
             </a:fld>
             <a:endParaRPr lang="en-US"/>
           </a:p>
@@ -2365,7 +2368,7 @@
           <a:p>
             <a:fld id="{EA5C707D-EE12-44EE-970A-C277B1E8CD9B}" type="datetimeFigureOut">
               <a:rPr lang="en-US" smtClean="0"/>
-              <a:t>4/22/2020</a:t>
+              <a:t>5/1/2020</a:t>
             </a:fld>
             <a:endParaRPr lang="en-US"/>
           </a:p>
@@ -2578,7 +2581,7 @@
           <a:p>
             <a:fld id="{EA5C707D-EE12-44EE-970A-C277B1E8CD9B}" type="datetimeFigureOut">
               <a:rPr lang="en-US" smtClean="0"/>
-              <a:t>4/22/2020</a:t>
+              <a:t>5/1/2020</a:t>
             </a:fld>
             <a:endParaRPr lang="en-US"/>
           </a:p>
@@ -3134,64 +3137,1880 @@
             <p:ph type="title"/>
           </p:nvPr>
         </p:nvSpPr>
-        <p:spPr/>
+        <p:spPr>
+          <a:xfrm>
+            <a:off x="663633" y="99118"/>
+            <a:ext cx="10515600" cy="1325563"/>
+          </a:xfrm>
+        </p:spPr>
         <p:txBody>
-          <a:bodyPr/>
+          <a:bodyPr>
+            <a:noAutofit/>
+          </a:bodyPr>
           <a:lstStyle/>
           <a:p>
             <a:r>
-              <a:rPr lang="en-US" dirty="0" smtClean="0"/>
-              <a:t>1.4 Attention</a:t>
+              <a:rPr lang="en-US" sz="3600" dirty="0" smtClean="0">
+                <a:latin typeface="Times New Roman (Headings)"/>
+              </a:rPr>
+              <a:t>1.2b Gated Recursive Convolutional Neural Network</a:t>
             </a:r>
-            <a:endParaRPr lang="en-US" dirty="0"/>
+            <a:endParaRPr lang="en-US" sz="3600" dirty="0"/>
           </a:p>
         </p:txBody>
       </p:sp>
-      <p:pic>
-        <p:nvPicPr>
-          <p:cNvPr id="6146" name="Picture 2" descr="https://miro.medium.com/max/1317/1*wBHsGZ-BdmTKS7b-BtkqFQ.gif"/>
-          <p:cNvPicPr>
-            <a:picLocks noChangeAspect="1" noChangeArrowheads="1" noCrop="1"/>
-          </p:cNvPicPr>
+      <p:grpSp>
+        <p:nvGrpSpPr>
+          <p:cNvPr id="10" name="Group 9"/>
+          <p:cNvGrpSpPr/>
           <p:nvPr/>
-        </p:nvPicPr>
-        <p:blipFill>
-          <a:blip r:embed="rId2">
-            <a:extLst>
-              <a:ext uri="{28A0092B-C50C-407E-A947-70E740481C1C}">
-                <a14:useLocalDpi xmlns:a14="http://schemas.microsoft.com/office/drawing/2010/main" val="0"/>
-              </a:ext>
-            </a:extLst>
-          </a:blip>
-          <a:srcRect/>
-          <a:stretch>
-            <a:fillRect/>
-          </a:stretch>
-        </p:blipFill>
-        <p:spPr bwMode="auto">
+        </p:nvGrpSpPr>
+        <p:grpSpPr>
           <a:xfrm>
-            <a:off x="2730731" y="1419225"/>
-            <a:ext cx="6730537" cy="5105396"/>
+            <a:off x="6024658" y="934894"/>
+            <a:ext cx="4649561" cy="5443922"/>
+            <a:chOff x="6080642" y="850918"/>
+            <a:chExt cx="4649561" cy="5443922"/>
           </a:xfrm>
-          <a:prstGeom prst="rect">
-            <a:avLst/>
-          </a:prstGeom>
-          <a:noFill/>
-          <a:extLst>
-            <a:ext uri="{909E8E84-426E-40DD-AFC4-6F175D3DCCD1}">
-              <a14:hiddenFill xmlns:a14="http://schemas.microsoft.com/office/drawing/2010/main">
-                <a:solidFill>
-                  <a:srgbClr val="FFFFFF"/>
-                </a:solidFill>
-              </a14:hiddenFill>
-            </a:ext>
-          </a:extLst>
-        </p:spPr>
-      </p:pic>
+        </p:grpSpPr>
+        <p:pic>
+          <p:nvPicPr>
+            <p:cNvPr id="5" name="Picture 4"/>
+            <p:cNvPicPr>
+              <a:picLocks noChangeAspect="1"/>
+            </p:cNvPicPr>
+            <p:nvPr/>
+          </p:nvPicPr>
+          <p:blipFill>
+            <a:blip r:embed="rId2"/>
+            <a:stretch>
+              <a:fillRect/>
+            </a:stretch>
+          </p:blipFill>
+          <p:spPr>
+            <a:xfrm>
+              <a:off x="6080642" y="850918"/>
+              <a:ext cx="4649561" cy="5443922"/>
+            </a:xfrm>
+            <a:prstGeom prst="rect">
+              <a:avLst/>
+            </a:prstGeom>
+          </p:spPr>
+        </p:pic>
+        <mc:AlternateContent xmlns:mc="http://schemas.openxmlformats.org/markup-compatibility/2006" xmlns:a14="http://schemas.microsoft.com/office/drawing/2010/main">
+          <mc:Choice Requires="a14">
+            <p:sp>
+              <p:nvSpPr>
+                <p:cNvPr id="17" name="Rectangle 16"/>
+                <p:cNvSpPr/>
+                <p:nvPr/>
+              </p:nvSpPr>
+              <p:spPr>
+                <a:xfrm>
+                  <a:off x="8269478" y="1156996"/>
+                  <a:ext cx="379996" cy="195896"/>
+                </a:xfrm>
+                <a:prstGeom prst="rect">
+                  <a:avLst/>
+                </a:prstGeom>
+                <a:solidFill>
+                  <a:schemeClr val="bg1"/>
+                </a:solidFill>
+                <a:ln>
+                  <a:noFill/>
+                </a:ln>
+              </p:spPr>
+              <p:style>
+                <a:lnRef idx="2">
+                  <a:schemeClr val="accent1">
+                    <a:shade val="50000"/>
+                  </a:schemeClr>
+                </a:lnRef>
+                <a:fillRef idx="1">
+                  <a:schemeClr val="accent1"/>
+                </a:fillRef>
+                <a:effectRef idx="0">
+                  <a:schemeClr val="accent1"/>
+                </a:effectRef>
+                <a:fontRef idx="minor">
+                  <a:schemeClr val="lt1"/>
+                </a:fontRef>
+              </p:style>
+              <p:txBody>
+                <a:bodyPr rtlCol="0" anchor="ctr"/>
+                <a:lstStyle/>
+                <a:p>
+                  <a:pPr algn="ctr"/>
+                  <a14:m>
+                    <m:oMathPara xmlns:m="http://schemas.openxmlformats.org/officeDocument/2006/math">
+                      <m:oMathParaPr>
+                        <m:jc m:val="centerGroup"/>
+                      </m:oMathParaPr>
+                      <m:oMath xmlns:m="http://schemas.openxmlformats.org/officeDocument/2006/math">
+                        <m:sSub>
+                          <m:sSubPr>
+                            <m:ctrlPr>
+                              <a:rPr lang="en-US" sz="1600" i="1" dirty="0" smtClean="0">
+                                <a:solidFill>
+                                  <a:schemeClr val="tx1"/>
+                                </a:solidFill>
+                                <a:latin typeface="Cambria Math" panose="02040503050406030204" pitchFamily="18" charset="0"/>
+                              </a:rPr>
+                            </m:ctrlPr>
+                          </m:sSubPr>
+                          <m:e>
+                            <m:r>
+                              <a:rPr lang="en-US" sz="1600" b="0" i="1" dirty="0" smtClean="0">
+                                <a:solidFill>
+                                  <a:schemeClr val="tx1"/>
+                                </a:solidFill>
+                                <a:latin typeface="Cambria Math" panose="02040503050406030204" pitchFamily="18" charset="0"/>
+                              </a:rPr>
+                              <m:t>h</m:t>
+                            </m:r>
+                          </m:e>
+                          <m:sub>
+                            <m:r>
+                              <a:rPr lang="en-US" sz="1600" b="0" i="1" dirty="0" smtClean="0">
+                                <a:solidFill>
+                                  <a:schemeClr val="tx1"/>
+                                </a:solidFill>
+                                <a:latin typeface="Cambria Math" panose="02040503050406030204" pitchFamily="18" charset="0"/>
+                              </a:rPr>
+                              <m:t>𝑡</m:t>
+                            </m:r>
+                            <m:r>
+                              <a:rPr lang="en-US" sz="1600" b="0" i="1" dirty="0" smtClean="0">
+                                <a:solidFill>
+                                  <a:schemeClr val="tx1"/>
+                                </a:solidFill>
+                                <a:latin typeface="Cambria Math" panose="02040503050406030204" pitchFamily="18" charset="0"/>
+                              </a:rPr>
+                              <m:t>,</m:t>
+                            </m:r>
+                            <m:r>
+                              <a:rPr lang="en-US" sz="1600" b="0" i="1" dirty="0" smtClean="0">
+                                <a:solidFill>
+                                  <a:schemeClr val="tx1"/>
+                                </a:solidFill>
+                                <a:latin typeface="Cambria Math" panose="02040503050406030204" pitchFamily="18" charset="0"/>
+                              </a:rPr>
+                              <m:t>𝑗</m:t>
+                            </m:r>
+                          </m:sub>
+                        </m:sSub>
+                      </m:oMath>
+                    </m:oMathPara>
+                  </a14:m>
+                  <a:endParaRPr lang="en-US" sz="1600" dirty="0">
+                    <a:solidFill>
+                      <a:schemeClr val="tx1"/>
+                    </a:solidFill>
+                  </a:endParaRPr>
+                </a:p>
+              </p:txBody>
+            </p:sp>
+          </mc:Choice>
+          <mc:Fallback xmlns="">
+            <p:sp>
+              <p:nvSpPr>
+                <p:cNvPr id="17" name="Rectangle 16"/>
+                <p:cNvSpPr>
+                  <a:spLocks noRot="1" noChangeAspect="1" noMove="1" noResize="1" noEditPoints="1" noAdjustHandles="1" noChangeArrowheads="1" noChangeShapeType="1" noTextEdit="1"/>
+                </p:cNvSpPr>
+                <p:nvPr/>
+              </p:nvSpPr>
+              <p:spPr>
+                <a:xfrm>
+                  <a:off x="8269478" y="1156996"/>
+                  <a:ext cx="379996" cy="195896"/>
+                </a:xfrm>
+                <a:prstGeom prst="rect">
+                  <a:avLst/>
+                </a:prstGeom>
+                <a:blipFill>
+                  <a:blip r:embed="rId3"/>
+                  <a:stretch>
+                    <a:fillRect l="-12698" t="-9375" b="-56250"/>
+                  </a:stretch>
+                </a:blipFill>
+                <a:ln>
+                  <a:noFill/>
+                </a:ln>
+              </p:spPr>
+              <p:txBody>
+                <a:bodyPr/>
+                <a:lstStyle/>
+                <a:p>
+                  <a:r>
+                    <a:rPr lang="en-US">
+                      <a:noFill/>
+                    </a:rPr>
+                    <a:t> </a:t>
+                  </a:r>
+                </a:p>
+              </p:txBody>
+            </p:sp>
+          </mc:Fallback>
+        </mc:AlternateContent>
+        <mc:AlternateContent xmlns:mc="http://schemas.openxmlformats.org/markup-compatibility/2006" xmlns:a14="http://schemas.microsoft.com/office/drawing/2010/main">
+          <mc:Choice Requires="a14">
+            <p:sp>
+              <p:nvSpPr>
+                <p:cNvPr id="18" name="Rectangle 17"/>
+                <p:cNvSpPr/>
+                <p:nvPr/>
+              </p:nvSpPr>
+              <p:spPr>
+                <a:xfrm>
+                  <a:off x="6770361" y="5732107"/>
+                  <a:ext cx="379996" cy="195896"/>
+                </a:xfrm>
+                <a:prstGeom prst="rect">
+                  <a:avLst/>
+                </a:prstGeom>
+                <a:solidFill>
+                  <a:schemeClr val="bg1"/>
+                </a:solidFill>
+                <a:ln>
+                  <a:noFill/>
+                </a:ln>
+              </p:spPr>
+              <p:style>
+                <a:lnRef idx="2">
+                  <a:schemeClr val="accent1">
+                    <a:shade val="50000"/>
+                  </a:schemeClr>
+                </a:lnRef>
+                <a:fillRef idx="1">
+                  <a:schemeClr val="accent1"/>
+                </a:fillRef>
+                <a:effectRef idx="0">
+                  <a:schemeClr val="accent1"/>
+                </a:effectRef>
+                <a:fontRef idx="minor">
+                  <a:schemeClr val="lt1"/>
+                </a:fontRef>
+              </p:style>
+              <p:txBody>
+                <a:bodyPr rtlCol="0" anchor="ctr"/>
+                <a:lstStyle/>
+                <a:p>
+                  <a:pPr algn="ctr"/>
+                  <a14:m>
+                    <m:oMathPara xmlns:m="http://schemas.openxmlformats.org/officeDocument/2006/math">
+                      <m:oMathParaPr>
+                        <m:jc m:val="centerGroup"/>
+                      </m:oMathParaPr>
+                      <m:oMath xmlns:m="http://schemas.openxmlformats.org/officeDocument/2006/math">
+                        <m:sSubSup>
+                          <m:sSubSupPr>
+                            <m:ctrlPr>
+                              <a:rPr lang="en-US" sz="1600" i="1" dirty="0" smtClean="0">
+                                <a:solidFill>
+                                  <a:schemeClr val="tx1"/>
+                                </a:solidFill>
+                                <a:latin typeface="Cambria Math" panose="02040503050406030204" pitchFamily="18" charset="0"/>
+                              </a:rPr>
+                            </m:ctrlPr>
+                          </m:sSubSupPr>
+                          <m:e>
+                            <m:r>
+                              <a:rPr lang="en-US" sz="1600" b="0" i="1" dirty="0" smtClean="0">
+                                <a:solidFill>
+                                  <a:schemeClr val="tx1"/>
+                                </a:solidFill>
+                                <a:latin typeface="Cambria Math" panose="02040503050406030204" pitchFamily="18" charset="0"/>
+                              </a:rPr>
+                              <m:t>h</m:t>
+                            </m:r>
+                          </m:e>
+                          <m:sub>
+                            <m:r>
+                              <a:rPr lang="en-US" sz="1600" b="0" i="1" dirty="0" smtClean="0">
+                                <a:solidFill>
+                                  <a:schemeClr val="tx1"/>
+                                </a:solidFill>
+                                <a:latin typeface="Cambria Math" panose="02040503050406030204" pitchFamily="18" charset="0"/>
+                              </a:rPr>
+                              <m:t>𝑗</m:t>
+                            </m:r>
+                            <m:r>
+                              <a:rPr lang="en-US" sz="1600" b="0" i="1" dirty="0" smtClean="0">
+                                <a:solidFill>
+                                  <a:schemeClr val="tx1"/>
+                                </a:solidFill>
+                                <a:latin typeface="Cambria Math" panose="02040503050406030204" pitchFamily="18" charset="0"/>
+                              </a:rPr>
+                              <m:t>−1</m:t>
+                            </m:r>
+                          </m:sub>
+                          <m:sup>
+                            <m:r>
+                              <a:rPr lang="en-US" sz="1600" b="0" i="1" dirty="0" smtClean="0">
+                                <a:solidFill>
+                                  <a:schemeClr val="tx1"/>
+                                </a:solidFill>
+                                <a:latin typeface="Cambria Math" panose="02040503050406030204" pitchFamily="18" charset="0"/>
+                              </a:rPr>
+                              <m:t>𝑡</m:t>
+                            </m:r>
+                            <m:r>
+                              <a:rPr lang="en-US" sz="1600" b="0" i="1" dirty="0" smtClean="0">
+                                <a:solidFill>
+                                  <a:schemeClr val="tx1"/>
+                                </a:solidFill>
+                                <a:latin typeface="Cambria Math" panose="02040503050406030204" pitchFamily="18" charset="0"/>
+                              </a:rPr>
+                              <m:t>−1</m:t>
+                            </m:r>
+                          </m:sup>
+                        </m:sSubSup>
+                      </m:oMath>
+                    </m:oMathPara>
+                  </a14:m>
+                  <a:endParaRPr lang="en-US" sz="1600" dirty="0">
+                    <a:solidFill>
+                      <a:schemeClr val="tx1"/>
+                    </a:solidFill>
+                  </a:endParaRPr>
+                </a:p>
+              </p:txBody>
+            </p:sp>
+          </mc:Choice>
+          <mc:Fallback xmlns="">
+            <p:sp>
+              <p:nvSpPr>
+                <p:cNvPr id="18" name="Rectangle 17"/>
+                <p:cNvSpPr>
+                  <a:spLocks noRot="1" noChangeAspect="1" noMove="1" noResize="1" noEditPoints="1" noAdjustHandles="1" noChangeArrowheads="1" noChangeShapeType="1" noTextEdit="1"/>
+                </p:cNvSpPr>
+                <p:nvPr/>
+              </p:nvSpPr>
+              <p:spPr>
+                <a:xfrm>
+                  <a:off x="6770361" y="5732107"/>
+                  <a:ext cx="379996" cy="195896"/>
+                </a:xfrm>
+                <a:prstGeom prst="rect">
+                  <a:avLst/>
+                </a:prstGeom>
+                <a:blipFill>
+                  <a:blip r:embed="rId4"/>
+                  <a:stretch>
+                    <a:fillRect l="-25397" t="-18750" r="-4762" b="-62500"/>
+                  </a:stretch>
+                </a:blipFill>
+                <a:ln>
+                  <a:noFill/>
+                </a:ln>
+              </p:spPr>
+              <p:txBody>
+                <a:bodyPr/>
+                <a:lstStyle/>
+                <a:p>
+                  <a:r>
+                    <a:rPr lang="en-US">
+                      <a:noFill/>
+                    </a:rPr>
+                    <a:t> </a:t>
+                  </a:r>
+                </a:p>
+              </p:txBody>
+            </p:sp>
+          </mc:Fallback>
+        </mc:AlternateContent>
+        <mc:AlternateContent xmlns:mc="http://schemas.openxmlformats.org/markup-compatibility/2006" xmlns:a14="http://schemas.microsoft.com/office/drawing/2010/main">
+          <mc:Choice Requires="a14">
+            <p:sp>
+              <p:nvSpPr>
+                <p:cNvPr id="19" name="Rectangle 18"/>
+                <p:cNvSpPr/>
+                <p:nvPr/>
+              </p:nvSpPr>
+              <p:spPr>
+                <a:xfrm>
+                  <a:off x="9777928" y="5732107"/>
+                  <a:ext cx="379996" cy="195896"/>
+                </a:xfrm>
+                <a:prstGeom prst="rect">
+                  <a:avLst/>
+                </a:prstGeom>
+                <a:solidFill>
+                  <a:schemeClr val="bg1"/>
+                </a:solidFill>
+                <a:ln>
+                  <a:noFill/>
+                </a:ln>
+              </p:spPr>
+              <p:style>
+                <a:lnRef idx="2">
+                  <a:schemeClr val="accent1">
+                    <a:shade val="50000"/>
+                  </a:schemeClr>
+                </a:lnRef>
+                <a:fillRef idx="1">
+                  <a:schemeClr val="accent1"/>
+                </a:fillRef>
+                <a:effectRef idx="0">
+                  <a:schemeClr val="accent1"/>
+                </a:effectRef>
+                <a:fontRef idx="minor">
+                  <a:schemeClr val="lt1"/>
+                </a:fontRef>
+              </p:style>
+              <p:txBody>
+                <a:bodyPr rtlCol="0" anchor="ctr"/>
+                <a:lstStyle/>
+                <a:p>
+                  <a:pPr algn="ctr"/>
+                  <a14:m>
+                    <m:oMathPara xmlns:m="http://schemas.openxmlformats.org/officeDocument/2006/math">
+                      <m:oMathParaPr>
+                        <m:jc m:val="centerGroup"/>
+                      </m:oMathParaPr>
+                      <m:oMath xmlns:m="http://schemas.openxmlformats.org/officeDocument/2006/math">
+                        <m:sSubSup>
+                          <m:sSubSupPr>
+                            <m:ctrlPr>
+                              <a:rPr lang="en-US" sz="1600" i="1" dirty="0" smtClean="0">
+                                <a:solidFill>
+                                  <a:schemeClr val="tx1"/>
+                                </a:solidFill>
+                                <a:latin typeface="Cambria Math" panose="02040503050406030204" pitchFamily="18" charset="0"/>
+                              </a:rPr>
+                            </m:ctrlPr>
+                          </m:sSubSupPr>
+                          <m:e>
+                            <m:r>
+                              <a:rPr lang="en-US" sz="1600" b="0" i="1" dirty="0" smtClean="0">
+                                <a:solidFill>
+                                  <a:schemeClr val="tx1"/>
+                                </a:solidFill>
+                                <a:latin typeface="Cambria Math" panose="02040503050406030204" pitchFamily="18" charset="0"/>
+                              </a:rPr>
+                              <m:t>h</m:t>
+                            </m:r>
+                          </m:e>
+                          <m:sub>
+                            <m:r>
+                              <a:rPr lang="en-US" sz="1600" b="0" i="1" dirty="0" smtClean="0">
+                                <a:solidFill>
+                                  <a:schemeClr val="tx1"/>
+                                </a:solidFill>
+                                <a:latin typeface="Cambria Math" panose="02040503050406030204" pitchFamily="18" charset="0"/>
+                              </a:rPr>
+                              <m:t>𝑗</m:t>
+                            </m:r>
+                          </m:sub>
+                          <m:sup>
+                            <m:r>
+                              <a:rPr lang="en-US" sz="1600" b="0" i="1" dirty="0" smtClean="0">
+                                <a:solidFill>
+                                  <a:schemeClr val="tx1"/>
+                                </a:solidFill>
+                                <a:latin typeface="Cambria Math" panose="02040503050406030204" pitchFamily="18" charset="0"/>
+                              </a:rPr>
+                              <m:t>𝑡</m:t>
+                            </m:r>
+                            <m:r>
+                              <a:rPr lang="en-US" sz="1600" b="0" i="1" dirty="0" smtClean="0">
+                                <a:solidFill>
+                                  <a:schemeClr val="tx1"/>
+                                </a:solidFill>
+                                <a:latin typeface="Cambria Math" panose="02040503050406030204" pitchFamily="18" charset="0"/>
+                              </a:rPr>
+                              <m:t>−1</m:t>
+                            </m:r>
+                          </m:sup>
+                        </m:sSubSup>
+                      </m:oMath>
+                    </m:oMathPara>
+                  </a14:m>
+                  <a:endParaRPr lang="en-US" sz="1600" dirty="0">
+                    <a:solidFill>
+                      <a:schemeClr val="tx1"/>
+                    </a:solidFill>
+                  </a:endParaRPr>
+                </a:p>
+              </p:txBody>
+            </p:sp>
+          </mc:Choice>
+          <mc:Fallback xmlns="">
+            <p:sp>
+              <p:nvSpPr>
+                <p:cNvPr id="19" name="Rectangle 18"/>
+                <p:cNvSpPr>
+                  <a:spLocks noRot="1" noChangeAspect="1" noMove="1" noResize="1" noEditPoints="1" noAdjustHandles="1" noChangeArrowheads="1" noChangeShapeType="1" noTextEdit="1"/>
+                </p:cNvSpPr>
+                <p:nvPr/>
+              </p:nvSpPr>
+              <p:spPr>
+                <a:xfrm>
+                  <a:off x="9777928" y="5732107"/>
+                  <a:ext cx="379996" cy="195896"/>
+                </a:xfrm>
+                <a:prstGeom prst="rect">
+                  <a:avLst/>
+                </a:prstGeom>
+                <a:blipFill>
+                  <a:blip r:embed="rId5"/>
+                  <a:stretch>
+                    <a:fillRect l="-27419" t="-18750" r="-4839" b="-62500"/>
+                  </a:stretch>
+                </a:blipFill>
+                <a:ln>
+                  <a:noFill/>
+                </a:ln>
+              </p:spPr>
+              <p:txBody>
+                <a:bodyPr/>
+                <a:lstStyle/>
+                <a:p>
+                  <a:r>
+                    <a:rPr lang="en-US">
+                      <a:noFill/>
+                    </a:rPr>
+                    <a:t> </a:t>
+                  </a:r>
+                </a:p>
+              </p:txBody>
+            </p:sp>
+          </mc:Fallback>
+        </mc:AlternateContent>
+      </p:grpSp>
+      <mc:AlternateContent xmlns:mc="http://schemas.openxmlformats.org/markup-compatibility/2006">
+        <mc:Choice xmlns:a14="http://schemas.microsoft.com/office/drawing/2010/main" Requires="a14">
+          <p:sp>
+            <p:nvSpPr>
+              <p:cNvPr id="13" name="Rectangle 12"/>
+              <p:cNvSpPr/>
+              <p:nvPr/>
+            </p:nvSpPr>
+            <p:spPr>
+              <a:xfrm>
+                <a:off x="663633" y="1557788"/>
+                <a:ext cx="3578928" cy="411395"/>
+              </a:xfrm>
+              <a:prstGeom prst="rect">
+                <a:avLst/>
+              </a:prstGeom>
+            </p:spPr>
+            <p:txBody>
+              <a:bodyPr wrap="none">
+                <a:spAutoFit/>
+              </a:bodyPr>
+              <a:lstStyle/>
+              <a:p>
+                <a:pPr/>
+                <a14:m>
+                  <m:oMathPara xmlns:m="http://schemas.openxmlformats.org/officeDocument/2006/math">
+                    <m:oMathParaPr>
+                      <m:jc m:val="centerGroup"/>
+                    </m:oMathParaPr>
+                    <m:oMath xmlns:m="http://schemas.openxmlformats.org/officeDocument/2006/math">
+                      <m:sSub>
+                        <m:sSubPr>
+                          <m:ctrlPr>
+                            <a:rPr lang="en-US" i="1" smtClean="0">
+                              <a:latin typeface="Cambria Math" panose="02040503050406030204" pitchFamily="18" charset="0"/>
+                            </a:rPr>
+                          </m:ctrlPr>
+                        </m:sSubPr>
+                        <m:e>
+                          <m:acc>
+                            <m:accPr>
+                              <m:chr m:val="̃"/>
+                              <m:ctrlPr>
+                                <a:rPr lang="en-US" i="1">
+                                  <a:latin typeface="Cambria Math" panose="02040503050406030204" pitchFamily="18" charset="0"/>
+                                </a:rPr>
+                              </m:ctrlPr>
+                            </m:accPr>
+                            <m:e>
+                              <m:r>
+                                <a:rPr lang="en-US" i="1">
+                                  <a:latin typeface="Cambria Math" panose="02040503050406030204" pitchFamily="18" charset="0"/>
+                                </a:rPr>
+                                <m:t>h</m:t>
+                              </m:r>
+                            </m:e>
+                          </m:acc>
+                        </m:e>
+                        <m:sub>
+                          <m:r>
+                            <a:rPr lang="en-US" i="1">
+                              <a:latin typeface="Cambria Math" panose="02040503050406030204" pitchFamily="18" charset="0"/>
+                            </a:rPr>
+                            <m:t>𝑡</m:t>
+                          </m:r>
+                          <m:r>
+                            <a:rPr lang="en-US" b="0" i="1" smtClean="0">
+                              <a:latin typeface="Cambria Math" panose="02040503050406030204" pitchFamily="18" charset="0"/>
+                            </a:rPr>
+                            <m:t>−1</m:t>
+                          </m:r>
+                          <m:r>
+                            <a:rPr lang="en-US" i="0">
+                              <a:latin typeface="Cambria Math" panose="02040503050406030204" pitchFamily="18" charset="0"/>
+                            </a:rPr>
+                            <m:t>,</m:t>
+                          </m:r>
+                          <m:r>
+                            <a:rPr lang="en-US" i="1">
+                              <a:latin typeface="Cambria Math" panose="02040503050406030204" pitchFamily="18" charset="0"/>
+                            </a:rPr>
+                            <m:t>𝑗</m:t>
+                          </m:r>
+                        </m:sub>
+                      </m:sSub>
+                      <m:r>
+                        <a:rPr lang="en-US" i="0">
+                          <a:latin typeface="Cambria Math" panose="02040503050406030204" pitchFamily="18" charset="0"/>
+                        </a:rPr>
+                        <m:t>=</m:t>
+                      </m:r>
+                      <m:r>
+                        <a:rPr lang="en-US" i="1">
+                          <a:latin typeface="Cambria Math" panose="02040503050406030204" pitchFamily="18" charset="0"/>
+                        </a:rPr>
+                        <m:t>𝑓</m:t>
+                      </m:r>
+                      <m:d>
+                        <m:dPr>
+                          <m:ctrlPr>
+                            <a:rPr lang="en-US" i="1">
+                              <a:latin typeface="Cambria Math" panose="02040503050406030204" pitchFamily="18" charset="0"/>
+                            </a:rPr>
+                          </m:ctrlPr>
+                        </m:dPr>
+                        <m:e>
+                          <m:sSub>
+                            <m:sSubPr>
+                              <m:ctrlPr>
+                                <a:rPr lang="en-US" i="1">
+                                  <a:latin typeface="Cambria Math" panose="02040503050406030204" pitchFamily="18" charset="0"/>
+                                </a:rPr>
+                              </m:ctrlPr>
+                            </m:sSubPr>
+                            <m:e>
+                              <m:sSub>
+                                <m:sSubPr>
+                                  <m:ctrlPr>
+                                    <a:rPr lang="en-US" i="1">
+                                      <a:latin typeface="Cambria Math" panose="02040503050406030204" pitchFamily="18" charset="0"/>
+                                    </a:rPr>
+                                  </m:ctrlPr>
+                                </m:sSubPr>
+                                <m:e>
+                                  <m:r>
+                                    <a:rPr lang="en-US" i="1">
+                                      <a:latin typeface="Cambria Math" panose="02040503050406030204" pitchFamily="18" charset="0"/>
+                                    </a:rPr>
+                                    <m:t>𝑊</m:t>
+                                  </m:r>
+                                </m:e>
+                                <m:sub>
+                                  <m:r>
+                                    <a:rPr lang="en-US" i="1">
+                                      <a:latin typeface="Cambria Math" panose="02040503050406030204" pitchFamily="18" charset="0"/>
+                                    </a:rPr>
+                                    <m:t>𝑙</m:t>
+                                  </m:r>
+                                </m:sub>
+                              </m:sSub>
+                              <m:r>
+                                <a:rPr lang="en-US" i="1">
+                                  <a:latin typeface="Cambria Math" panose="02040503050406030204" pitchFamily="18" charset="0"/>
+                                </a:rPr>
+                                <m:t>h</m:t>
+                              </m:r>
+                            </m:e>
+                            <m:sub>
+                              <m:r>
+                                <a:rPr lang="en-US" i="1">
+                                  <a:latin typeface="Cambria Math" panose="02040503050406030204" pitchFamily="18" charset="0"/>
+                                </a:rPr>
+                                <m:t>𝑡</m:t>
+                              </m:r>
+                              <m:r>
+                                <a:rPr lang="en-US" i="0">
+                                  <a:latin typeface="Cambria Math" panose="02040503050406030204" pitchFamily="18" charset="0"/>
+                                </a:rPr>
+                                <m:t>−1,</m:t>
+                              </m:r>
+                              <m:r>
+                                <a:rPr lang="en-US" i="1">
+                                  <a:latin typeface="Cambria Math" panose="02040503050406030204" pitchFamily="18" charset="0"/>
+                                </a:rPr>
+                                <m:t>𝑗</m:t>
+                              </m:r>
+                              <m:r>
+                                <a:rPr lang="en-US" i="0">
+                                  <a:latin typeface="Cambria Math" panose="02040503050406030204" pitchFamily="18" charset="0"/>
+                                </a:rPr>
+                                <m:t>−1</m:t>
+                              </m:r>
+                            </m:sub>
+                          </m:sSub>
+                          <m:r>
+                            <a:rPr lang="en-US" i="0">
+                              <a:latin typeface="Cambria Math" panose="02040503050406030204" pitchFamily="18" charset="0"/>
+                            </a:rPr>
+                            <m:t>+</m:t>
+                          </m:r>
+                          <m:sSub>
+                            <m:sSubPr>
+                              <m:ctrlPr>
+                                <a:rPr lang="en-US" i="1">
+                                  <a:latin typeface="Cambria Math" panose="02040503050406030204" pitchFamily="18" charset="0"/>
+                                </a:rPr>
+                              </m:ctrlPr>
+                            </m:sSubPr>
+                            <m:e>
+                              <m:r>
+                                <a:rPr lang="en-US" i="1">
+                                  <a:latin typeface="Cambria Math" panose="02040503050406030204" pitchFamily="18" charset="0"/>
+                                </a:rPr>
+                                <m:t>𝑊</m:t>
+                              </m:r>
+                            </m:e>
+                            <m:sub>
+                              <m:r>
+                                <a:rPr lang="en-US" i="1">
+                                  <a:latin typeface="Cambria Math" panose="02040503050406030204" pitchFamily="18" charset="0"/>
+                                </a:rPr>
+                                <m:t>𝑟</m:t>
+                              </m:r>
+                            </m:sub>
+                          </m:sSub>
+                          <m:sSub>
+                            <m:sSubPr>
+                              <m:ctrlPr>
+                                <a:rPr lang="en-US" i="1">
+                                  <a:latin typeface="Cambria Math" panose="02040503050406030204" pitchFamily="18" charset="0"/>
+                                </a:rPr>
+                              </m:ctrlPr>
+                            </m:sSubPr>
+                            <m:e>
+                              <m:r>
+                                <a:rPr lang="en-US" i="1">
+                                  <a:latin typeface="Cambria Math" panose="02040503050406030204" pitchFamily="18" charset="0"/>
+                                </a:rPr>
+                                <m:t>h</m:t>
+                              </m:r>
+                            </m:e>
+                            <m:sub>
+                              <m:r>
+                                <a:rPr lang="en-US" i="1">
+                                  <a:latin typeface="Cambria Math" panose="02040503050406030204" pitchFamily="18" charset="0"/>
+                                </a:rPr>
+                                <m:t>𝑡</m:t>
+                              </m:r>
+                              <m:r>
+                                <a:rPr lang="en-US" i="0">
+                                  <a:latin typeface="Cambria Math" panose="02040503050406030204" pitchFamily="18" charset="0"/>
+                                </a:rPr>
+                                <m:t>−1,</m:t>
+                              </m:r>
+                              <m:r>
+                                <a:rPr lang="en-US" i="1">
+                                  <a:latin typeface="Cambria Math" panose="02040503050406030204" pitchFamily="18" charset="0"/>
+                                </a:rPr>
+                                <m:t>𝑗</m:t>
+                              </m:r>
+                            </m:sub>
+                          </m:sSub>
+                        </m:e>
+                      </m:d>
+                    </m:oMath>
+                  </m:oMathPara>
+                </a14:m>
+                <a:endParaRPr lang="en-US" dirty="0"/>
+              </a:p>
+            </p:txBody>
+          </p:sp>
+        </mc:Choice>
+        <mc:Fallback>
+          <p:sp>
+            <p:nvSpPr>
+              <p:cNvPr id="13" name="Rectangle 12"/>
+              <p:cNvSpPr>
+                <a:spLocks noRot="1" noChangeAspect="1" noMove="1" noResize="1" noEditPoints="1" noAdjustHandles="1" noChangeArrowheads="1" noChangeShapeType="1" noTextEdit="1"/>
+              </p:cNvSpPr>
+              <p:nvPr/>
+            </p:nvSpPr>
+            <p:spPr>
+              <a:xfrm>
+                <a:off x="663633" y="1557788"/>
+                <a:ext cx="3578928" cy="411395"/>
+              </a:xfrm>
+              <a:prstGeom prst="rect">
+                <a:avLst/>
+              </a:prstGeom>
+              <a:blipFill>
+                <a:blip r:embed="rId6"/>
+                <a:stretch>
+                  <a:fillRect t="-1493" b="-7463"/>
+                </a:stretch>
+              </a:blipFill>
+            </p:spPr>
+            <p:txBody>
+              <a:bodyPr/>
+              <a:lstStyle/>
+              <a:p>
+                <a:r>
+                  <a:rPr lang="en-US">
+                    <a:noFill/>
+                  </a:rPr>
+                  <a:t> </a:t>
+                </a:r>
+              </a:p>
+            </p:txBody>
+          </p:sp>
+        </mc:Fallback>
+      </mc:AlternateContent>
+      <mc:AlternateContent xmlns:mc="http://schemas.openxmlformats.org/markup-compatibility/2006">
+        <mc:Choice xmlns:a14="http://schemas.microsoft.com/office/drawing/2010/main" Requires="a14">
+          <p:sp>
+            <p:nvSpPr>
+              <p:cNvPr id="3" name="Rectangle 2"/>
+              <p:cNvSpPr/>
+              <p:nvPr/>
+            </p:nvSpPr>
+            <p:spPr>
+              <a:xfrm>
+                <a:off x="663633" y="2102290"/>
+                <a:ext cx="4072397" cy="410305"/>
+              </a:xfrm>
+              <a:prstGeom prst="rect">
+                <a:avLst/>
+              </a:prstGeom>
+            </p:spPr>
+            <p:txBody>
+              <a:bodyPr wrap="none">
+                <a:spAutoFit/>
+              </a:bodyPr>
+              <a:lstStyle/>
+              <a:p>
+                <a:pPr/>
+                <a14:m>
+                  <m:oMathPara xmlns:m="http://schemas.openxmlformats.org/officeDocument/2006/math">
+                    <m:oMathParaPr>
+                      <m:jc m:val="centerGroup"/>
+                    </m:oMathParaPr>
+                    <m:oMath xmlns:m="http://schemas.openxmlformats.org/officeDocument/2006/math">
+                      <m:sSub>
+                        <m:sSubPr>
+                          <m:ctrlPr>
+                            <a:rPr lang="en-US" i="1" smtClean="0">
+                              <a:latin typeface="Cambria Math" panose="02040503050406030204" pitchFamily="18" charset="0"/>
+                            </a:rPr>
+                          </m:ctrlPr>
+                        </m:sSubPr>
+                        <m:e>
+                          <m:r>
+                            <a:rPr lang="en-US" i="1">
+                              <a:latin typeface="Cambria Math" panose="02040503050406030204" pitchFamily="18" charset="0"/>
+                            </a:rPr>
+                            <m:t>h</m:t>
+                          </m:r>
+                        </m:e>
+                        <m:sub>
+                          <m:r>
+                            <a:rPr lang="en-US" i="1">
+                              <a:latin typeface="Cambria Math" panose="02040503050406030204" pitchFamily="18" charset="0"/>
+                            </a:rPr>
+                            <m:t>𝑡</m:t>
+                          </m:r>
+                          <m:r>
+                            <a:rPr lang="en-US" i="0">
+                              <a:latin typeface="Cambria Math" panose="02040503050406030204" pitchFamily="18" charset="0"/>
+                            </a:rPr>
+                            <m:t>,</m:t>
+                          </m:r>
+                          <m:r>
+                            <a:rPr lang="en-US" i="1">
+                              <a:latin typeface="Cambria Math" panose="02040503050406030204" pitchFamily="18" charset="0"/>
+                            </a:rPr>
+                            <m:t>𝑗</m:t>
+                          </m:r>
+                        </m:sub>
+                      </m:sSub>
+                      <m:r>
+                        <a:rPr lang="en-US" i="0">
+                          <a:latin typeface="Cambria Math" panose="02040503050406030204" pitchFamily="18" charset="0"/>
+                        </a:rPr>
+                        <m:t>=</m:t>
+                      </m:r>
+                      <m:sSub>
+                        <m:sSubPr>
+                          <m:ctrlPr>
+                            <a:rPr lang="en-US" i="1">
+                              <a:latin typeface="Cambria Math" panose="02040503050406030204" pitchFamily="18" charset="0"/>
+                            </a:rPr>
+                          </m:ctrlPr>
+                        </m:sSubPr>
+                        <m:e>
+                          <m:r>
+                            <a:rPr lang="en-US" i="1">
+                              <a:latin typeface="Cambria Math" panose="02040503050406030204" pitchFamily="18" charset="0"/>
+                            </a:rPr>
+                            <m:t>𝜔</m:t>
+                          </m:r>
+                        </m:e>
+                        <m:sub>
+                          <m:r>
+                            <a:rPr lang="en-US" i="1">
+                              <a:latin typeface="Cambria Math" panose="02040503050406030204" pitchFamily="18" charset="0"/>
+                            </a:rPr>
+                            <m:t>𝑐</m:t>
+                          </m:r>
+                        </m:sub>
+                      </m:sSub>
+                      <m:sSub>
+                        <m:sSubPr>
+                          <m:ctrlPr>
+                            <a:rPr lang="en-US" i="1">
+                              <a:latin typeface="Cambria Math" panose="02040503050406030204" pitchFamily="18" charset="0"/>
+                            </a:rPr>
+                          </m:ctrlPr>
+                        </m:sSubPr>
+                        <m:e>
+                          <m:acc>
+                            <m:accPr>
+                              <m:chr m:val="̃"/>
+                              <m:ctrlPr>
+                                <a:rPr lang="en-US" i="1">
+                                  <a:latin typeface="Cambria Math" panose="02040503050406030204" pitchFamily="18" charset="0"/>
+                                </a:rPr>
+                              </m:ctrlPr>
+                            </m:accPr>
+                            <m:e>
+                              <m:r>
+                                <a:rPr lang="en-US" i="1">
+                                  <a:latin typeface="Cambria Math" panose="02040503050406030204" pitchFamily="18" charset="0"/>
+                                </a:rPr>
+                                <m:t>h</m:t>
+                              </m:r>
+                            </m:e>
+                          </m:acc>
+                        </m:e>
+                        <m:sub>
+                          <m:r>
+                            <a:rPr lang="en-US" i="1">
+                              <a:latin typeface="Cambria Math" panose="02040503050406030204" pitchFamily="18" charset="0"/>
+                            </a:rPr>
+                            <m:t>𝑡</m:t>
+                          </m:r>
+                          <m:r>
+                            <a:rPr lang="en-US" b="0" i="1" smtClean="0">
+                              <a:latin typeface="Cambria Math" panose="02040503050406030204" pitchFamily="18" charset="0"/>
+                            </a:rPr>
+                            <m:t>−1</m:t>
+                          </m:r>
+                          <m:r>
+                            <a:rPr lang="en-US" i="0">
+                              <a:latin typeface="Cambria Math" panose="02040503050406030204" pitchFamily="18" charset="0"/>
+                            </a:rPr>
+                            <m:t>,</m:t>
+                          </m:r>
+                          <m:r>
+                            <a:rPr lang="en-US" i="1">
+                              <a:latin typeface="Cambria Math" panose="02040503050406030204" pitchFamily="18" charset="0"/>
+                            </a:rPr>
+                            <m:t>𝑗</m:t>
+                          </m:r>
+                        </m:sub>
+                      </m:sSub>
+                      <m:r>
+                        <a:rPr lang="en-US" i="0">
+                          <a:latin typeface="Cambria Math" panose="02040503050406030204" pitchFamily="18" charset="0"/>
+                        </a:rPr>
+                        <m:t>+</m:t>
+                      </m:r>
+                      <m:sSub>
+                        <m:sSubPr>
+                          <m:ctrlPr>
+                            <a:rPr lang="en-US" i="1">
+                              <a:latin typeface="Cambria Math" panose="02040503050406030204" pitchFamily="18" charset="0"/>
+                            </a:rPr>
+                          </m:ctrlPr>
+                        </m:sSubPr>
+                        <m:e>
+                          <m:r>
+                            <a:rPr lang="en-US" i="1">
+                              <a:latin typeface="Cambria Math" panose="02040503050406030204" pitchFamily="18" charset="0"/>
+                            </a:rPr>
+                            <m:t>𝜔</m:t>
+                          </m:r>
+                        </m:e>
+                        <m:sub>
+                          <m:r>
+                            <a:rPr lang="en-US" i="1">
+                              <a:latin typeface="Cambria Math" panose="02040503050406030204" pitchFamily="18" charset="0"/>
+                            </a:rPr>
+                            <m:t>𝑙</m:t>
+                          </m:r>
+                        </m:sub>
+                      </m:sSub>
+                      <m:sSub>
+                        <m:sSubPr>
+                          <m:ctrlPr>
+                            <a:rPr lang="en-US" i="1">
+                              <a:latin typeface="Cambria Math" panose="02040503050406030204" pitchFamily="18" charset="0"/>
+                            </a:rPr>
+                          </m:ctrlPr>
+                        </m:sSubPr>
+                        <m:e>
+                          <m:r>
+                            <a:rPr lang="en-US" i="1">
+                              <a:latin typeface="Cambria Math" panose="02040503050406030204" pitchFamily="18" charset="0"/>
+                            </a:rPr>
+                            <m:t>h</m:t>
+                          </m:r>
+                        </m:e>
+                        <m:sub>
+                          <m:r>
+                            <a:rPr lang="en-US" i="1">
+                              <a:latin typeface="Cambria Math" panose="02040503050406030204" pitchFamily="18" charset="0"/>
+                            </a:rPr>
+                            <m:t>𝑡</m:t>
+                          </m:r>
+                          <m:r>
+                            <a:rPr lang="en-US" i="0">
+                              <a:latin typeface="Cambria Math" panose="02040503050406030204" pitchFamily="18" charset="0"/>
+                            </a:rPr>
+                            <m:t>−1,</m:t>
+                          </m:r>
+                          <m:r>
+                            <a:rPr lang="en-US" i="1">
+                              <a:latin typeface="Cambria Math" panose="02040503050406030204" pitchFamily="18" charset="0"/>
+                            </a:rPr>
+                            <m:t>𝑗</m:t>
+                          </m:r>
+                          <m:r>
+                            <a:rPr lang="en-US" i="0">
+                              <a:latin typeface="Cambria Math" panose="02040503050406030204" pitchFamily="18" charset="0"/>
+                            </a:rPr>
+                            <m:t>−1</m:t>
+                          </m:r>
+                        </m:sub>
+                      </m:sSub>
+                      <m:r>
+                        <a:rPr lang="en-US" i="0">
+                          <a:latin typeface="Cambria Math" panose="02040503050406030204" pitchFamily="18" charset="0"/>
+                        </a:rPr>
+                        <m:t>+</m:t>
+                      </m:r>
+                      <m:sSub>
+                        <m:sSubPr>
+                          <m:ctrlPr>
+                            <a:rPr lang="en-US" i="1">
+                              <a:latin typeface="Cambria Math" panose="02040503050406030204" pitchFamily="18" charset="0"/>
+                            </a:rPr>
+                          </m:ctrlPr>
+                        </m:sSubPr>
+                        <m:e>
+                          <m:r>
+                            <a:rPr lang="en-US" i="1">
+                              <a:latin typeface="Cambria Math" panose="02040503050406030204" pitchFamily="18" charset="0"/>
+                            </a:rPr>
+                            <m:t>𝜔</m:t>
+                          </m:r>
+                        </m:e>
+                        <m:sub>
+                          <m:r>
+                            <a:rPr lang="en-US" i="1">
+                              <a:latin typeface="Cambria Math" panose="02040503050406030204" pitchFamily="18" charset="0"/>
+                            </a:rPr>
+                            <m:t>𝑟</m:t>
+                          </m:r>
+                        </m:sub>
+                      </m:sSub>
+                      <m:sSub>
+                        <m:sSubPr>
+                          <m:ctrlPr>
+                            <a:rPr lang="en-US" i="1">
+                              <a:latin typeface="Cambria Math" panose="02040503050406030204" pitchFamily="18" charset="0"/>
+                            </a:rPr>
+                          </m:ctrlPr>
+                        </m:sSubPr>
+                        <m:e>
+                          <m:r>
+                            <a:rPr lang="en-US" i="1">
+                              <a:latin typeface="Cambria Math" panose="02040503050406030204" pitchFamily="18" charset="0"/>
+                            </a:rPr>
+                            <m:t>h</m:t>
+                          </m:r>
+                        </m:e>
+                        <m:sub>
+                          <m:r>
+                            <a:rPr lang="en-US" i="1">
+                              <a:latin typeface="Cambria Math" panose="02040503050406030204" pitchFamily="18" charset="0"/>
+                            </a:rPr>
+                            <m:t>𝑡</m:t>
+                          </m:r>
+                          <m:r>
+                            <a:rPr lang="en-US" i="0">
+                              <a:latin typeface="Cambria Math" panose="02040503050406030204" pitchFamily="18" charset="0"/>
+                            </a:rPr>
+                            <m:t>−1,</m:t>
+                          </m:r>
+                          <m:r>
+                            <a:rPr lang="en-US" i="1">
+                              <a:latin typeface="Cambria Math" panose="02040503050406030204" pitchFamily="18" charset="0"/>
+                            </a:rPr>
+                            <m:t>𝑗</m:t>
+                          </m:r>
+                        </m:sub>
+                      </m:sSub>
+                    </m:oMath>
+                  </m:oMathPara>
+                </a14:m>
+                <a:endParaRPr lang="en-US" dirty="0"/>
+              </a:p>
+            </p:txBody>
+          </p:sp>
+        </mc:Choice>
+        <mc:Fallback>
+          <p:sp>
+            <p:nvSpPr>
+              <p:cNvPr id="3" name="Rectangle 2"/>
+              <p:cNvSpPr>
+                <a:spLocks noRot="1" noChangeAspect="1" noMove="1" noResize="1" noEditPoints="1" noAdjustHandles="1" noChangeArrowheads="1" noChangeShapeType="1" noTextEdit="1"/>
+              </p:cNvSpPr>
+              <p:nvPr/>
+            </p:nvSpPr>
+            <p:spPr>
+              <a:xfrm>
+                <a:off x="663633" y="2102290"/>
+                <a:ext cx="4072397" cy="410305"/>
+              </a:xfrm>
+              <a:prstGeom prst="rect">
+                <a:avLst/>
+              </a:prstGeom>
+              <a:blipFill>
+                <a:blip r:embed="rId7"/>
+                <a:stretch>
+                  <a:fillRect t="-1493" b="-7463"/>
+                </a:stretch>
+              </a:blipFill>
+            </p:spPr>
+            <p:txBody>
+              <a:bodyPr/>
+              <a:lstStyle/>
+              <a:p>
+                <a:r>
+                  <a:rPr lang="en-US">
+                    <a:noFill/>
+                  </a:rPr>
+                  <a:t> </a:t>
+                </a:r>
+              </a:p>
+            </p:txBody>
+          </p:sp>
+        </mc:Fallback>
+      </mc:AlternateContent>
+      <mc:AlternateContent xmlns:mc="http://schemas.openxmlformats.org/markup-compatibility/2006" xmlns:a14="http://schemas.microsoft.com/office/drawing/2010/main">
+        <mc:Choice Requires="a14">
+          <p:sp>
+            <p:nvSpPr>
+              <p:cNvPr id="4" name="Rectangle 3"/>
+              <p:cNvSpPr/>
+              <p:nvPr/>
+            </p:nvSpPr>
+            <p:spPr>
+              <a:xfrm>
+                <a:off x="663633" y="2645702"/>
+                <a:ext cx="3820790" cy="824200"/>
+              </a:xfrm>
+              <a:prstGeom prst="rect">
+                <a:avLst/>
+              </a:prstGeom>
+            </p:spPr>
+            <p:txBody>
+              <a:bodyPr wrap="none">
+                <a:spAutoFit/>
+              </a:bodyPr>
+              <a:lstStyle/>
+              <a:p>
+                <a:pPr/>
+                <a14:m>
+                  <m:oMathPara xmlns:m="http://schemas.openxmlformats.org/officeDocument/2006/math">
+                    <m:oMathParaPr>
+                      <m:jc m:val="centerGroup"/>
+                    </m:oMathParaPr>
+                    <m:oMath xmlns:m="http://schemas.openxmlformats.org/officeDocument/2006/math">
+                      <m:d>
+                        <m:dPr>
+                          <m:begChr m:val="["/>
+                          <m:endChr m:val="]"/>
+                          <m:ctrlPr>
+                            <a:rPr lang="en-US" i="1">
+                              <a:latin typeface="Cambria Math" panose="02040503050406030204" pitchFamily="18" charset="0"/>
+                            </a:rPr>
+                          </m:ctrlPr>
+                        </m:dPr>
+                        <m:e>
+                          <m:m>
+                            <m:mPr>
+                              <m:mcs>
+                                <m:mc>
+                                  <m:mcPr>
+                                    <m:count m:val="1"/>
+                                    <m:mcJc m:val="center"/>
+                                  </m:mcPr>
+                                </m:mc>
+                              </m:mcs>
+                              <m:ctrlPr>
+                                <a:rPr lang="en-US" i="1">
+                                  <a:latin typeface="Cambria Math" panose="02040503050406030204" pitchFamily="18" charset="0"/>
+                                </a:rPr>
+                              </m:ctrlPr>
+                            </m:mPr>
+                            <m:mr>
+                              <m:e>
+                                <m:sSub>
+                                  <m:sSubPr>
+                                    <m:ctrlPr>
+                                      <a:rPr lang="en-US" i="1">
+                                        <a:latin typeface="Cambria Math" panose="02040503050406030204" pitchFamily="18" charset="0"/>
+                                      </a:rPr>
+                                    </m:ctrlPr>
+                                  </m:sSubPr>
+                                  <m:e>
+                                    <m:r>
+                                      <a:rPr lang="en-US" i="1">
+                                        <a:latin typeface="Cambria Math" panose="02040503050406030204" pitchFamily="18" charset="0"/>
+                                      </a:rPr>
+                                      <m:t>𝜔</m:t>
+                                    </m:r>
+                                  </m:e>
+                                  <m:sub>
+                                    <m:r>
+                                      <a:rPr lang="en-US" i="1">
+                                        <a:latin typeface="Cambria Math" panose="02040503050406030204" pitchFamily="18" charset="0"/>
+                                      </a:rPr>
+                                      <m:t>𝑐</m:t>
+                                    </m:r>
+                                  </m:sub>
+                                </m:sSub>
+                              </m:e>
+                            </m:mr>
+                            <m:mr>
+                              <m:e>
+                                <m:sSub>
+                                  <m:sSubPr>
+                                    <m:ctrlPr>
+                                      <a:rPr lang="en-US" i="1">
+                                        <a:latin typeface="Cambria Math" panose="02040503050406030204" pitchFamily="18" charset="0"/>
+                                      </a:rPr>
+                                    </m:ctrlPr>
+                                  </m:sSubPr>
+                                  <m:e>
+                                    <m:r>
+                                      <a:rPr lang="en-US" i="1">
+                                        <a:latin typeface="Cambria Math" panose="02040503050406030204" pitchFamily="18" charset="0"/>
+                                      </a:rPr>
+                                      <m:t>𝜔</m:t>
+                                    </m:r>
+                                  </m:e>
+                                  <m:sub>
+                                    <m:r>
+                                      <a:rPr lang="en-US" i="1">
+                                        <a:latin typeface="Cambria Math" panose="02040503050406030204" pitchFamily="18" charset="0"/>
+                                      </a:rPr>
+                                      <m:t>𝑙</m:t>
+                                    </m:r>
+                                  </m:sub>
+                                </m:sSub>
+                              </m:e>
+                            </m:mr>
+                            <m:mr>
+                              <m:e>
+                                <m:sSub>
+                                  <m:sSubPr>
+                                    <m:ctrlPr>
+                                      <a:rPr lang="en-US" i="1">
+                                        <a:latin typeface="Cambria Math" panose="02040503050406030204" pitchFamily="18" charset="0"/>
+                                      </a:rPr>
+                                    </m:ctrlPr>
+                                  </m:sSubPr>
+                                  <m:e>
+                                    <m:r>
+                                      <a:rPr lang="en-US" i="1">
+                                        <a:latin typeface="Cambria Math" panose="02040503050406030204" pitchFamily="18" charset="0"/>
+                                      </a:rPr>
+                                      <m:t>𝜔</m:t>
+                                    </m:r>
+                                  </m:e>
+                                  <m:sub>
+                                    <m:r>
+                                      <a:rPr lang="en-US" i="1">
+                                        <a:latin typeface="Cambria Math" panose="02040503050406030204" pitchFamily="18" charset="0"/>
+                                      </a:rPr>
+                                      <m:t>𝑟</m:t>
+                                    </m:r>
+                                  </m:sub>
+                                </m:sSub>
+                              </m:e>
+                            </m:mr>
+                          </m:m>
+                        </m:e>
+                      </m:d>
+                      <m:r>
+                        <a:rPr lang="en-US" i="0">
+                          <a:latin typeface="Cambria Math" panose="02040503050406030204" pitchFamily="18" charset="0"/>
+                        </a:rPr>
+                        <m:t>=</m:t>
+                      </m:r>
+                      <m:f>
+                        <m:fPr>
+                          <m:ctrlPr>
+                            <a:rPr lang="en-US" i="1">
+                              <a:latin typeface="Cambria Math" panose="02040503050406030204" pitchFamily="18" charset="0"/>
+                            </a:rPr>
+                          </m:ctrlPr>
+                        </m:fPr>
+                        <m:num>
+                          <m:r>
+                            <a:rPr lang="en-US" i="0">
+                              <a:latin typeface="Cambria Math" panose="02040503050406030204" pitchFamily="18" charset="0"/>
+                            </a:rPr>
+                            <m:t>1</m:t>
+                          </m:r>
+                        </m:num>
+                        <m:den>
+                          <m:r>
+                            <a:rPr lang="en-US" i="1">
+                              <a:latin typeface="Cambria Math" panose="02040503050406030204" pitchFamily="18" charset="0"/>
+                            </a:rPr>
+                            <m:t>𝑍</m:t>
+                          </m:r>
+                        </m:den>
+                      </m:f>
+                      <m:r>
+                        <m:rPr>
+                          <m:sty m:val="p"/>
+                        </m:rPr>
+                        <a:rPr lang="en-US" i="0">
+                          <a:latin typeface="Cambria Math" panose="02040503050406030204" pitchFamily="18" charset="0"/>
+                        </a:rPr>
+                        <m:t>ex</m:t>
+                      </m:r>
+                      <m:func>
+                        <m:funcPr>
+                          <m:ctrlPr>
+                            <a:rPr lang="en-US" i="1">
+                              <a:latin typeface="Cambria Math" panose="02040503050406030204" pitchFamily="18" charset="0"/>
+                            </a:rPr>
+                          </m:ctrlPr>
+                        </m:funcPr>
+                        <m:fName>
+                          <m:r>
+                            <m:rPr>
+                              <m:sty m:val="p"/>
+                            </m:rPr>
+                            <a:rPr lang="en-US" i="0">
+                              <a:latin typeface="Cambria Math" panose="02040503050406030204" pitchFamily="18" charset="0"/>
+                            </a:rPr>
+                            <m:t>p</m:t>
+                          </m:r>
+                        </m:fName>
+                        <m:e>
+                          <m:d>
+                            <m:dPr>
+                              <m:ctrlPr>
+                                <a:rPr lang="en-US" i="1">
+                                  <a:latin typeface="Cambria Math" panose="02040503050406030204" pitchFamily="18" charset="0"/>
+                                </a:rPr>
+                              </m:ctrlPr>
+                            </m:dPr>
+                            <m:e>
+                              <m:sSub>
+                                <m:sSubPr>
+                                  <m:ctrlPr>
+                                    <a:rPr lang="en-US" i="1">
+                                      <a:latin typeface="Cambria Math" panose="02040503050406030204" pitchFamily="18" charset="0"/>
+                                    </a:rPr>
+                                  </m:ctrlPr>
+                                </m:sSubPr>
+                                <m:e>
+                                  <m:r>
+                                    <a:rPr lang="en-US" i="1">
+                                      <a:latin typeface="Cambria Math" panose="02040503050406030204" pitchFamily="18" charset="0"/>
+                                    </a:rPr>
+                                    <m:t>𝐺</m:t>
+                                  </m:r>
+                                </m:e>
+                                <m:sub>
+                                  <m:r>
+                                    <a:rPr lang="en-US" i="1">
+                                      <a:latin typeface="Cambria Math" panose="02040503050406030204" pitchFamily="18" charset="0"/>
+                                    </a:rPr>
+                                    <m:t>𝑙</m:t>
+                                  </m:r>
+                                </m:sub>
+                              </m:sSub>
+                              <m:sSub>
+                                <m:sSubPr>
+                                  <m:ctrlPr>
+                                    <a:rPr lang="en-US" i="1">
+                                      <a:latin typeface="Cambria Math" panose="02040503050406030204" pitchFamily="18" charset="0"/>
+                                    </a:rPr>
+                                  </m:ctrlPr>
+                                </m:sSubPr>
+                                <m:e>
+                                  <m:r>
+                                    <a:rPr lang="en-US" i="1">
+                                      <a:latin typeface="Cambria Math" panose="02040503050406030204" pitchFamily="18" charset="0"/>
+                                    </a:rPr>
+                                    <m:t>h</m:t>
+                                  </m:r>
+                                </m:e>
+                                <m:sub>
+                                  <m:r>
+                                    <a:rPr lang="en-US" i="1">
+                                      <a:latin typeface="Cambria Math" panose="02040503050406030204" pitchFamily="18" charset="0"/>
+                                    </a:rPr>
+                                    <m:t>𝑡</m:t>
+                                  </m:r>
+                                  <m:r>
+                                    <a:rPr lang="en-US" i="0">
+                                      <a:latin typeface="Cambria Math" panose="02040503050406030204" pitchFamily="18" charset="0"/>
+                                    </a:rPr>
+                                    <m:t>−1,</m:t>
+                                  </m:r>
+                                  <m:r>
+                                    <a:rPr lang="en-US" i="1">
+                                      <a:latin typeface="Cambria Math" panose="02040503050406030204" pitchFamily="18" charset="0"/>
+                                    </a:rPr>
+                                    <m:t>𝑗</m:t>
+                                  </m:r>
+                                  <m:r>
+                                    <a:rPr lang="en-US" i="0">
+                                      <a:latin typeface="Cambria Math" panose="02040503050406030204" pitchFamily="18" charset="0"/>
+                                    </a:rPr>
+                                    <m:t>−1</m:t>
+                                  </m:r>
+                                </m:sub>
+                              </m:sSub>
+                              <m:r>
+                                <a:rPr lang="en-US" i="0">
+                                  <a:latin typeface="Cambria Math" panose="02040503050406030204" pitchFamily="18" charset="0"/>
+                                </a:rPr>
+                                <m:t>+</m:t>
+                              </m:r>
+                              <m:sSub>
+                                <m:sSubPr>
+                                  <m:ctrlPr>
+                                    <a:rPr lang="en-US" i="1">
+                                      <a:latin typeface="Cambria Math" panose="02040503050406030204" pitchFamily="18" charset="0"/>
+                                    </a:rPr>
+                                  </m:ctrlPr>
+                                </m:sSubPr>
+                                <m:e>
+                                  <m:r>
+                                    <a:rPr lang="en-US" i="1">
+                                      <a:latin typeface="Cambria Math" panose="02040503050406030204" pitchFamily="18" charset="0"/>
+                                    </a:rPr>
+                                    <m:t>𝐺</m:t>
+                                  </m:r>
+                                </m:e>
+                                <m:sub>
+                                  <m:r>
+                                    <a:rPr lang="en-US" i="1">
+                                      <a:latin typeface="Cambria Math" panose="02040503050406030204" pitchFamily="18" charset="0"/>
+                                    </a:rPr>
+                                    <m:t>𝑟</m:t>
+                                  </m:r>
+                                </m:sub>
+                              </m:sSub>
+                              <m:sSub>
+                                <m:sSubPr>
+                                  <m:ctrlPr>
+                                    <a:rPr lang="en-US" i="1">
+                                      <a:latin typeface="Cambria Math" panose="02040503050406030204" pitchFamily="18" charset="0"/>
+                                    </a:rPr>
+                                  </m:ctrlPr>
+                                </m:sSubPr>
+                                <m:e>
+                                  <m:r>
+                                    <a:rPr lang="en-US" i="1">
+                                      <a:latin typeface="Cambria Math" panose="02040503050406030204" pitchFamily="18" charset="0"/>
+                                    </a:rPr>
+                                    <m:t>h</m:t>
+                                  </m:r>
+                                </m:e>
+                                <m:sub>
+                                  <m:r>
+                                    <a:rPr lang="en-US" i="1">
+                                      <a:latin typeface="Cambria Math" panose="02040503050406030204" pitchFamily="18" charset="0"/>
+                                    </a:rPr>
+                                    <m:t>𝑡</m:t>
+                                  </m:r>
+                                  <m:r>
+                                    <a:rPr lang="en-US" i="0">
+                                      <a:latin typeface="Cambria Math" panose="02040503050406030204" pitchFamily="18" charset="0"/>
+                                    </a:rPr>
+                                    <m:t>−1,</m:t>
+                                  </m:r>
+                                  <m:r>
+                                    <a:rPr lang="en-US" i="1">
+                                      <a:latin typeface="Cambria Math" panose="02040503050406030204" pitchFamily="18" charset="0"/>
+                                    </a:rPr>
+                                    <m:t>𝑗</m:t>
+                                  </m:r>
+                                </m:sub>
+                              </m:sSub>
+                            </m:e>
+                          </m:d>
+                        </m:e>
+                      </m:func>
+                    </m:oMath>
+                  </m:oMathPara>
+                </a14:m>
+                <a:endParaRPr lang="en-US" dirty="0"/>
+              </a:p>
+            </p:txBody>
+          </p:sp>
+        </mc:Choice>
+        <mc:Fallback xmlns="">
+          <p:sp>
+            <p:nvSpPr>
+              <p:cNvPr id="4" name="Rectangle 3"/>
+              <p:cNvSpPr>
+                <a:spLocks noRot="1" noChangeAspect="1" noMove="1" noResize="1" noEditPoints="1" noAdjustHandles="1" noChangeArrowheads="1" noChangeShapeType="1" noTextEdit="1"/>
+              </p:cNvSpPr>
+              <p:nvPr/>
+            </p:nvSpPr>
+            <p:spPr>
+              <a:xfrm>
+                <a:off x="663633" y="2645702"/>
+                <a:ext cx="3820790" cy="824200"/>
+              </a:xfrm>
+              <a:prstGeom prst="rect">
+                <a:avLst/>
+              </a:prstGeom>
+              <a:blipFill>
+                <a:blip r:embed="rId8"/>
+                <a:stretch>
+                  <a:fillRect/>
+                </a:stretch>
+              </a:blipFill>
+            </p:spPr>
+            <p:txBody>
+              <a:bodyPr/>
+              <a:lstStyle/>
+              <a:p>
+                <a:r>
+                  <a:rPr lang="en-US">
+                    <a:noFill/>
+                  </a:rPr>
+                  <a:t> </a:t>
+                </a:r>
+              </a:p>
+            </p:txBody>
+          </p:sp>
+        </mc:Fallback>
+      </mc:AlternateContent>
+      <mc:AlternateContent xmlns:mc="http://schemas.openxmlformats.org/markup-compatibility/2006" xmlns:a14="http://schemas.microsoft.com/office/drawing/2010/main">
+        <mc:Choice Requires="a14">
+          <p:sp>
+            <p:nvSpPr>
+              <p:cNvPr id="6" name="Rectangle 5"/>
+              <p:cNvSpPr/>
+              <p:nvPr/>
+            </p:nvSpPr>
+            <p:spPr>
+              <a:xfrm>
+                <a:off x="663633" y="3603009"/>
+                <a:ext cx="3345852" cy="871072"/>
+              </a:xfrm>
+              <a:prstGeom prst="rect">
+                <a:avLst/>
+              </a:prstGeom>
+            </p:spPr>
+            <p:txBody>
+              <a:bodyPr wrap="none">
+                <a:spAutoFit/>
+              </a:bodyPr>
+              <a:lstStyle/>
+              <a:p>
+                <a:pPr/>
+                <a14:m>
+                  <m:oMathPara xmlns:m="http://schemas.openxmlformats.org/officeDocument/2006/math">
+                    <m:oMathParaPr>
+                      <m:jc m:val="centerGroup"/>
+                    </m:oMathParaPr>
+                    <m:oMath xmlns:m="http://schemas.openxmlformats.org/officeDocument/2006/math">
+                      <m:r>
+                        <a:rPr lang="en-US" i="1">
+                          <a:latin typeface="Cambria Math" panose="02040503050406030204" pitchFamily="18" charset="0"/>
+                        </a:rPr>
+                        <m:t>𝑍</m:t>
+                      </m:r>
+                      <m:r>
+                        <a:rPr lang="en-US" i="0">
+                          <a:latin typeface="Cambria Math" panose="02040503050406030204" pitchFamily="18" charset="0"/>
+                        </a:rPr>
+                        <m:t>=</m:t>
+                      </m:r>
+                      <m:nary>
+                        <m:naryPr>
+                          <m:chr m:val="∑"/>
+                          <m:limLoc m:val="undOvr"/>
+                          <m:ctrlPr>
+                            <a:rPr lang="en-US" i="1">
+                              <a:latin typeface="Cambria Math" panose="02040503050406030204" pitchFamily="18" charset="0"/>
+                            </a:rPr>
+                          </m:ctrlPr>
+                        </m:naryPr>
+                        <m:sub>
+                          <m:r>
+                            <a:rPr lang="en-US" i="1">
+                              <a:latin typeface="Cambria Math" panose="02040503050406030204" pitchFamily="18" charset="0"/>
+                            </a:rPr>
+                            <m:t>𝑘</m:t>
+                          </m:r>
+                          <m:r>
+                            <a:rPr lang="en-US" i="0">
+                              <a:latin typeface="Cambria Math" panose="02040503050406030204" pitchFamily="18" charset="0"/>
+                            </a:rPr>
+                            <m:t>=1</m:t>
+                          </m:r>
+                        </m:sub>
+                        <m:sup>
+                          <m:r>
+                            <a:rPr lang="en-US" i="0">
+                              <a:latin typeface="Cambria Math" panose="02040503050406030204" pitchFamily="18" charset="0"/>
+                            </a:rPr>
+                            <m:t>3</m:t>
+                          </m:r>
+                        </m:sup>
+                        <m:e>
+                          <m:sSub>
+                            <m:sSubPr>
+                              <m:ctrlPr>
+                                <a:rPr lang="en-US" i="1">
+                                  <a:latin typeface="Cambria Math" panose="02040503050406030204" pitchFamily="18" charset="0"/>
+                                </a:rPr>
+                              </m:ctrlPr>
+                            </m:sSubPr>
+                            <m:e>
+                              <m:d>
+                                <m:dPr>
+                                  <m:begChr m:val="["/>
+                                  <m:endChr m:val="]"/>
+                                  <m:ctrlPr>
+                                    <a:rPr lang="en-US" i="1">
+                                      <a:latin typeface="Cambria Math" panose="02040503050406030204" pitchFamily="18" charset="0"/>
+                                    </a:rPr>
+                                  </m:ctrlPr>
+                                </m:dPr>
+                                <m:e>
+                                  <m:sSub>
+                                    <m:sSubPr>
+                                      <m:ctrlPr>
+                                        <a:rPr lang="en-US" i="1">
+                                          <a:latin typeface="Cambria Math" panose="02040503050406030204" pitchFamily="18" charset="0"/>
+                                        </a:rPr>
+                                      </m:ctrlPr>
+                                    </m:sSubPr>
+                                    <m:e>
+                                      <m:r>
+                                        <a:rPr lang="en-US" i="1">
+                                          <a:latin typeface="Cambria Math" panose="02040503050406030204" pitchFamily="18" charset="0"/>
+                                        </a:rPr>
+                                        <m:t>𝐺</m:t>
+                                      </m:r>
+                                    </m:e>
+                                    <m:sub>
+                                      <m:r>
+                                        <a:rPr lang="en-US" i="1">
+                                          <a:latin typeface="Cambria Math" panose="02040503050406030204" pitchFamily="18" charset="0"/>
+                                        </a:rPr>
+                                        <m:t>𝑙</m:t>
+                                      </m:r>
+                                    </m:sub>
+                                  </m:sSub>
+                                  <m:sSub>
+                                    <m:sSubPr>
+                                      <m:ctrlPr>
+                                        <a:rPr lang="en-US" i="1">
+                                          <a:latin typeface="Cambria Math" panose="02040503050406030204" pitchFamily="18" charset="0"/>
+                                        </a:rPr>
+                                      </m:ctrlPr>
+                                    </m:sSubPr>
+                                    <m:e>
+                                      <m:r>
+                                        <a:rPr lang="en-US" i="1">
+                                          <a:latin typeface="Cambria Math" panose="02040503050406030204" pitchFamily="18" charset="0"/>
+                                        </a:rPr>
+                                        <m:t>h</m:t>
+                                      </m:r>
+                                    </m:e>
+                                    <m:sub>
+                                      <m:r>
+                                        <a:rPr lang="en-US" i="1">
+                                          <a:latin typeface="Cambria Math" panose="02040503050406030204" pitchFamily="18" charset="0"/>
+                                        </a:rPr>
+                                        <m:t>𝑡</m:t>
+                                      </m:r>
+                                      <m:r>
+                                        <a:rPr lang="en-US" i="0">
+                                          <a:latin typeface="Cambria Math" panose="02040503050406030204" pitchFamily="18" charset="0"/>
+                                        </a:rPr>
+                                        <m:t>−1,</m:t>
+                                      </m:r>
+                                      <m:r>
+                                        <a:rPr lang="en-US" i="1">
+                                          <a:latin typeface="Cambria Math" panose="02040503050406030204" pitchFamily="18" charset="0"/>
+                                        </a:rPr>
+                                        <m:t>𝑗</m:t>
+                                      </m:r>
+                                      <m:r>
+                                        <a:rPr lang="en-US" i="0">
+                                          <a:latin typeface="Cambria Math" panose="02040503050406030204" pitchFamily="18" charset="0"/>
+                                        </a:rPr>
+                                        <m:t>−1</m:t>
+                                      </m:r>
+                                    </m:sub>
+                                  </m:sSub>
+                                  <m:r>
+                                    <a:rPr lang="en-US" i="0">
+                                      <a:latin typeface="Cambria Math" panose="02040503050406030204" pitchFamily="18" charset="0"/>
+                                    </a:rPr>
+                                    <m:t>+</m:t>
+                                  </m:r>
+                                  <m:sSub>
+                                    <m:sSubPr>
+                                      <m:ctrlPr>
+                                        <a:rPr lang="en-US" i="1">
+                                          <a:latin typeface="Cambria Math" panose="02040503050406030204" pitchFamily="18" charset="0"/>
+                                        </a:rPr>
+                                      </m:ctrlPr>
+                                    </m:sSubPr>
+                                    <m:e>
+                                      <m:r>
+                                        <a:rPr lang="en-US" i="1">
+                                          <a:latin typeface="Cambria Math" panose="02040503050406030204" pitchFamily="18" charset="0"/>
+                                        </a:rPr>
+                                        <m:t>𝐺</m:t>
+                                      </m:r>
+                                    </m:e>
+                                    <m:sub>
+                                      <m:r>
+                                        <a:rPr lang="en-US" i="1">
+                                          <a:latin typeface="Cambria Math" panose="02040503050406030204" pitchFamily="18" charset="0"/>
+                                        </a:rPr>
+                                        <m:t>𝑟</m:t>
+                                      </m:r>
+                                    </m:sub>
+                                  </m:sSub>
+                                  <m:sSub>
+                                    <m:sSubPr>
+                                      <m:ctrlPr>
+                                        <a:rPr lang="en-US" i="1">
+                                          <a:latin typeface="Cambria Math" panose="02040503050406030204" pitchFamily="18" charset="0"/>
+                                        </a:rPr>
+                                      </m:ctrlPr>
+                                    </m:sSubPr>
+                                    <m:e>
+                                      <m:r>
+                                        <a:rPr lang="en-US" i="1">
+                                          <a:latin typeface="Cambria Math" panose="02040503050406030204" pitchFamily="18" charset="0"/>
+                                        </a:rPr>
+                                        <m:t>h</m:t>
+                                      </m:r>
+                                    </m:e>
+                                    <m:sub>
+                                      <m:r>
+                                        <a:rPr lang="en-US" i="1">
+                                          <a:latin typeface="Cambria Math" panose="02040503050406030204" pitchFamily="18" charset="0"/>
+                                        </a:rPr>
+                                        <m:t>𝑡</m:t>
+                                      </m:r>
+                                      <m:r>
+                                        <a:rPr lang="en-US" i="0">
+                                          <a:latin typeface="Cambria Math" panose="02040503050406030204" pitchFamily="18" charset="0"/>
+                                        </a:rPr>
+                                        <m:t>−1,</m:t>
+                                      </m:r>
+                                      <m:r>
+                                        <a:rPr lang="en-US" i="1">
+                                          <a:latin typeface="Cambria Math" panose="02040503050406030204" pitchFamily="18" charset="0"/>
+                                        </a:rPr>
+                                        <m:t>𝑗</m:t>
+                                      </m:r>
+                                    </m:sub>
+                                  </m:sSub>
+                                </m:e>
+                              </m:d>
+                            </m:e>
+                            <m:sub>
+                              <m:r>
+                                <a:rPr lang="en-US" i="1">
+                                  <a:latin typeface="Cambria Math" panose="02040503050406030204" pitchFamily="18" charset="0"/>
+                                </a:rPr>
+                                <m:t>𝑘</m:t>
+                              </m:r>
+                            </m:sub>
+                          </m:sSub>
+                        </m:e>
+                      </m:nary>
+                    </m:oMath>
+                  </m:oMathPara>
+                </a14:m>
+                <a:endParaRPr lang="en-US" dirty="0"/>
+              </a:p>
+            </p:txBody>
+          </p:sp>
+        </mc:Choice>
+        <mc:Fallback xmlns="">
+          <p:sp>
+            <p:nvSpPr>
+              <p:cNvPr id="6" name="Rectangle 5"/>
+              <p:cNvSpPr>
+                <a:spLocks noRot="1" noChangeAspect="1" noMove="1" noResize="1" noEditPoints="1" noAdjustHandles="1" noChangeArrowheads="1" noChangeShapeType="1" noTextEdit="1"/>
+              </p:cNvSpPr>
+              <p:nvPr/>
+            </p:nvSpPr>
+            <p:spPr>
+              <a:xfrm>
+                <a:off x="663633" y="3603009"/>
+                <a:ext cx="3345852" cy="871072"/>
+              </a:xfrm>
+              <a:prstGeom prst="rect">
+                <a:avLst/>
+              </a:prstGeom>
+              <a:blipFill>
+                <a:blip r:embed="rId9"/>
+                <a:stretch>
+                  <a:fillRect/>
+                </a:stretch>
+              </a:blipFill>
+            </p:spPr>
+            <p:txBody>
+              <a:bodyPr/>
+              <a:lstStyle/>
+              <a:p>
+                <a:r>
+                  <a:rPr lang="en-US">
+                    <a:noFill/>
+                  </a:rPr>
+                  <a:t> </a:t>
+                </a:r>
+              </a:p>
+            </p:txBody>
+          </p:sp>
+        </mc:Fallback>
+      </mc:AlternateContent>
     </p:spTree>
     <p:extLst>
       <p:ext uri="{BB962C8B-B14F-4D97-AF65-F5344CB8AC3E}">
-        <p14:creationId xmlns:p14="http://schemas.microsoft.com/office/powerpoint/2010/main" val="3335161882"/>
+        <p14:creationId xmlns:p14="http://schemas.microsoft.com/office/powerpoint/2010/main" val="3774649875"/>
       </p:ext>
     </p:extLst>
   </p:cSld>
@@ -3242,7 +5061,354 @@
           <a:p>
             <a:r>
               <a:rPr lang="en-US" dirty="0" smtClean="0"/>
-              <a:t>1.5 Linguistic Input Features </a:t>
+              <a:t>1.3 Word embedding</a:t>
+            </a:r>
+            <a:endParaRPr lang="en-US" dirty="0"/>
+          </a:p>
+        </p:txBody>
+      </p:sp>
+      <p:pic>
+        <p:nvPicPr>
+          <p:cNvPr id="5" name="Picture 4"/>
+          <p:cNvPicPr>
+            <a:picLocks noChangeAspect="1"/>
+          </p:cNvPicPr>
+          <p:nvPr/>
+        </p:nvPicPr>
+        <p:blipFill>
+          <a:blip r:embed="rId2"/>
+          <a:stretch>
+            <a:fillRect/>
+          </a:stretch>
+        </p:blipFill>
+        <p:spPr>
+          <a:xfrm>
+            <a:off x="2220831" y="3091153"/>
+            <a:ext cx="2133600" cy="342900"/>
+          </a:xfrm>
+          <a:prstGeom prst="rect">
+            <a:avLst/>
+          </a:prstGeom>
+        </p:spPr>
+      </p:pic>
+      <p:pic>
+        <p:nvPicPr>
+          <p:cNvPr id="6" name="Picture 5"/>
+          <p:cNvPicPr>
+            <a:picLocks noChangeAspect="1"/>
+          </p:cNvPicPr>
+          <p:nvPr/>
+        </p:nvPicPr>
+        <p:blipFill>
+          <a:blip r:embed="rId3"/>
+          <a:stretch>
+            <a:fillRect/>
+          </a:stretch>
+        </p:blipFill>
+        <p:spPr>
+          <a:xfrm>
+            <a:off x="6593778" y="3129253"/>
+            <a:ext cx="1933575" cy="304800"/>
+          </a:xfrm>
+          <a:prstGeom prst="rect">
+            <a:avLst/>
+          </a:prstGeom>
+        </p:spPr>
+      </p:pic>
+      <p:sp>
+        <p:nvSpPr>
+          <p:cNvPr id="7" name="Right Arrow 6"/>
+          <p:cNvSpPr/>
+          <p:nvPr/>
+        </p:nvSpPr>
+        <p:spPr>
+          <a:xfrm>
+            <a:off x="4611023" y="2993375"/>
+            <a:ext cx="1726163" cy="538455"/>
+          </a:xfrm>
+          <a:prstGeom prst="rightArrow">
+            <a:avLst/>
+          </a:prstGeom>
+        </p:spPr>
+        <p:style>
+          <a:lnRef idx="2">
+            <a:schemeClr val="accent1">
+              <a:shade val="50000"/>
+            </a:schemeClr>
+          </a:lnRef>
+          <a:fillRef idx="1">
+            <a:schemeClr val="accent1"/>
+          </a:fillRef>
+          <a:effectRef idx="0">
+            <a:schemeClr val="accent1"/>
+          </a:effectRef>
+          <a:fontRef idx="minor">
+            <a:schemeClr val="lt1"/>
+          </a:fontRef>
+        </p:style>
+        <p:txBody>
+          <a:bodyPr rtlCol="0" anchor="ctr"/>
+          <a:lstStyle/>
+          <a:p>
+            <a:pPr algn="ctr"/>
+            <a:endParaRPr lang="en-US"/>
+          </a:p>
+        </p:txBody>
+      </p:sp>
+    </p:spTree>
+    <p:extLst>
+      <p:ext uri="{BB962C8B-B14F-4D97-AF65-F5344CB8AC3E}">
+        <p14:creationId xmlns:p14="http://schemas.microsoft.com/office/powerpoint/2010/main" val="3044534367"/>
+      </p:ext>
+    </p:extLst>
+  </p:cSld>
+  <p:clrMapOvr>
+    <a:masterClrMapping/>
+  </p:clrMapOvr>
+  <p:timing>
+    <p:tnLst>
+      <p:par>
+        <p:cTn id="1" dur="indefinite" restart="never" nodeType="tmRoot"/>
+      </p:par>
+    </p:tnLst>
+  </p:timing>
+</p:sld>
+</file>
+
+<file path=ppt/slides/slide12.xml><?xml version="1.0" encoding="utf-8"?>
+<p:sld xmlns:a="http://schemas.openxmlformats.org/drawingml/2006/main" xmlns:r="http://schemas.openxmlformats.org/officeDocument/2006/relationships" xmlns:p="http://schemas.openxmlformats.org/presentationml/2006/main">
+  <p:cSld>
+    <p:spTree>
+      <p:nvGrpSpPr>
+        <p:cNvPr id="1" name=""/>
+        <p:cNvGrpSpPr/>
+        <p:nvPr/>
+      </p:nvGrpSpPr>
+      <p:grpSpPr>
+        <a:xfrm>
+          <a:off x="0" y="0"/>
+          <a:ext cx="0" cy="0"/>
+          <a:chOff x="0" y="0"/>
+          <a:chExt cx="0" cy="0"/>
+        </a:xfrm>
+      </p:grpSpPr>
+      <p:sp>
+        <p:nvSpPr>
+          <p:cNvPr id="2" name="Title 1"/>
+          <p:cNvSpPr>
+            <a:spLocks noGrp="1"/>
+          </p:cNvSpPr>
+          <p:nvPr>
+            <p:ph type="title"/>
+          </p:nvPr>
+        </p:nvSpPr>
+        <p:spPr/>
+        <p:txBody>
+          <a:bodyPr/>
+          <a:lstStyle/>
+          <a:p>
+            <a:r>
+              <a:rPr lang="en-US" dirty="0" smtClean="0"/>
+              <a:t>1.4 Attention</a:t>
+            </a:r>
+            <a:endParaRPr lang="en-US" dirty="0"/>
+          </a:p>
+        </p:txBody>
+      </p:sp>
+      <p:pic>
+        <p:nvPicPr>
+          <p:cNvPr id="4" name="Picture 3"/>
+          <p:cNvPicPr/>
+          <p:nvPr/>
+        </p:nvPicPr>
+        <p:blipFill>
+          <a:blip r:embed="rId2"/>
+          <a:stretch>
+            <a:fillRect/>
+          </a:stretch>
+        </p:blipFill>
+        <p:spPr>
+          <a:xfrm>
+            <a:off x="4376737" y="1870450"/>
+            <a:ext cx="3438525" cy="3133725"/>
+          </a:xfrm>
+          <a:prstGeom prst="rect">
+            <a:avLst/>
+          </a:prstGeom>
+        </p:spPr>
+      </p:pic>
+    </p:spTree>
+    <p:extLst>
+      <p:ext uri="{BB962C8B-B14F-4D97-AF65-F5344CB8AC3E}">
+        <p14:creationId xmlns:p14="http://schemas.microsoft.com/office/powerpoint/2010/main" val="3732974792"/>
+      </p:ext>
+    </p:extLst>
+  </p:cSld>
+  <p:clrMapOvr>
+    <a:masterClrMapping/>
+  </p:clrMapOvr>
+  <p:timing>
+    <p:tnLst>
+      <p:par>
+        <p:cTn id="1" dur="indefinite" restart="never" nodeType="tmRoot"/>
+      </p:par>
+    </p:tnLst>
+  </p:timing>
+</p:sld>
+</file>
+
+<file path=ppt/slides/slide13.xml><?xml version="1.0" encoding="utf-8"?>
+<p:sld xmlns:a="http://schemas.openxmlformats.org/drawingml/2006/main" xmlns:r="http://schemas.openxmlformats.org/officeDocument/2006/relationships" xmlns:p="http://schemas.openxmlformats.org/presentationml/2006/main">
+  <p:cSld>
+    <p:spTree>
+      <p:nvGrpSpPr>
+        <p:cNvPr id="1" name=""/>
+        <p:cNvGrpSpPr/>
+        <p:nvPr/>
+      </p:nvGrpSpPr>
+      <p:grpSpPr>
+        <a:xfrm>
+          <a:off x="0" y="0"/>
+          <a:ext cx="0" cy="0"/>
+          <a:chOff x="0" y="0"/>
+          <a:chExt cx="0" cy="0"/>
+        </a:xfrm>
+      </p:grpSpPr>
+      <p:sp>
+        <p:nvSpPr>
+          <p:cNvPr id="2" name="Title 1"/>
+          <p:cNvSpPr>
+            <a:spLocks noGrp="1"/>
+          </p:cNvSpPr>
+          <p:nvPr>
+            <p:ph type="title"/>
+          </p:nvPr>
+        </p:nvSpPr>
+        <p:spPr/>
+        <p:txBody>
+          <a:bodyPr/>
+          <a:lstStyle/>
+          <a:p>
+            <a:r>
+              <a:rPr lang="en-US" dirty="0" smtClean="0"/>
+              <a:t>1.4 Attention</a:t>
+            </a:r>
+            <a:endParaRPr lang="en-US" dirty="0"/>
+          </a:p>
+        </p:txBody>
+      </p:sp>
+      <p:pic>
+        <p:nvPicPr>
+          <p:cNvPr id="6146" name="Picture 2" descr="https://miro.medium.com/max/1317/1*wBHsGZ-BdmTKS7b-BtkqFQ.gif"/>
+          <p:cNvPicPr>
+            <a:picLocks noChangeAspect="1" noChangeArrowheads="1" noCrop="1"/>
+          </p:cNvPicPr>
+          <p:nvPr/>
+        </p:nvPicPr>
+        <p:blipFill>
+          <a:blip r:embed="rId2">
+            <a:extLst>
+              <a:ext uri="{28A0092B-C50C-407E-A947-70E740481C1C}">
+                <a14:useLocalDpi xmlns:a14="http://schemas.microsoft.com/office/drawing/2010/main" val="0"/>
+              </a:ext>
+            </a:extLst>
+          </a:blip>
+          <a:srcRect/>
+          <a:stretch>
+            <a:fillRect/>
+          </a:stretch>
+        </p:blipFill>
+        <p:spPr bwMode="auto">
+          <a:xfrm>
+            <a:off x="2730731" y="1419225"/>
+            <a:ext cx="6730537" cy="5105396"/>
+          </a:xfrm>
+          <a:prstGeom prst="rect">
+            <a:avLst/>
+          </a:prstGeom>
+          <a:noFill/>
+          <a:extLst>
+            <a:ext uri="{909E8E84-426E-40DD-AFC4-6F175D3DCCD1}">
+              <a14:hiddenFill xmlns:a14="http://schemas.microsoft.com/office/drawing/2010/main">
+                <a:solidFill>
+                  <a:srgbClr val="FFFFFF"/>
+                </a:solidFill>
+              </a14:hiddenFill>
+            </a:ext>
+          </a:extLst>
+        </p:spPr>
+      </p:pic>
+    </p:spTree>
+    <p:extLst>
+      <p:ext uri="{BB962C8B-B14F-4D97-AF65-F5344CB8AC3E}">
+        <p14:creationId xmlns:p14="http://schemas.microsoft.com/office/powerpoint/2010/main" val="3335161882"/>
+      </p:ext>
+    </p:extLst>
+  </p:cSld>
+  <p:clrMapOvr>
+    <a:masterClrMapping/>
+  </p:clrMapOvr>
+  <p:timing>
+    <p:tnLst>
+      <p:par>
+        <p:cTn id="1" dur="indefinite" restart="never" nodeType="tmRoot"/>
+      </p:par>
+    </p:tnLst>
+  </p:timing>
+</p:sld>
+</file>
+
+<file path=ppt/slides/slide14.xml><?xml version="1.0" encoding="utf-8"?>
+<p:sld xmlns:a="http://schemas.openxmlformats.org/drawingml/2006/main" xmlns:r="http://schemas.openxmlformats.org/officeDocument/2006/relationships" xmlns:p="http://schemas.openxmlformats.org/presentationml/2006/main">
+  <p:cSld>
+    <p:spTree>
+      <p:nvGrpSpPr>
+        <p:cNvPr id="1" name=""/>
+        <p:cNvGrpSpPr/>
+        <p:nvPr/>
+      </p:nvGrpSpPr>
+      <p:grpSpPr>
+        <a:xfrm>
+          <a:off x="0" y="0"/>
+          <a:ext cx="0" cy="0"/>
+          <a:chOff x="0" y="0"/>
+          <a:chExt cx="0" cy="0"/>
+        </a:xfrm>
+      </p:grpSpPr>
+      <p:sp>
+        <p:nvSpPr>
+          <p:cNvPr id="2" name="Title 1"/>
+          <p:cNvSpPr>
+            <a:spLocks noGrp="1"/>
+          </p:cNvSpPr>
+          <p:nvPr>
+            <p:ph type="title"/>
+          </p:nvPr>
+        </p:nvSpPr>
+        <p:spPr>
+          <a:xfrm>
+            <a:off x="838200" y="572946"/>
+            <a:ext cx="10515600" cy="1325563"/>
+          </a:xfrm>
+        </p:spPr>
+        <p:txBody>
+          <a:bodyPr/>
+          <a:lstStyle/>
+          <a:p>
+            <a:r>
+              <a:rPr lang="en-US" dirty="0" smtClean="0"/>
+              <a:t>1.5 Linguistic Input </a:t>
+            </a:r>
+            <a:r>
+              <a:rPr lang="en-US" dirty="0" smtClean="0"/>
+              <a:t>Features</a:t>
+            </a:r>
+            <a:br>
+              <a:rPr lang="en-US" dirty="0" smtClean="0"/>
+            </a:br>
+            <a:r>
+              <a:rPr lang="en-US" dirty="0" smtClean="0"/>
+              <a:t>(The second problem) </a:t>
             </a:r>
             <a:endParaRPr lang="en-US" dirty="0"/>
           </a:p>
@@ -3583,7 +5749,7 @@
 </p:sld>
 </file>
 
-<file path=ppt/slides/slide12.xml><?xml version="1.0" encoding="utf-8"?>
+<file path=ppt/slides/slide15.xml><?xml version="1.0" encoding="utf-8"?>
 <p:sld xmlns:a="http://schemas.openxmlformats.org/drawingml/2006/main" xmlns:r="http://schemas.openxmlformats.org/officeDocument/2006/relationships" xmlns:p="http://schemas.openxmlformats.org/presentationml/2006/main">
   <p:cSld>
     <p:spTree>
@@ -3694,7 +5860,7 @@
 </p:sld>
 </file>
 
-<file path=ppt/slides/slide13.xml><?xml version="1.0" encoding="utf-8"?>
+<file path=ppt/slides/slide16.xml><?xml version="1.0" encoding="utf-8"?>
 <p:sld xmlns:a="http://schemas.openxmlformats.org/drawingml/2006/main" xmlns:r="http://schemas.openxmlformats.org/officeDocument/2006/relationships" xmlns:p="http://schemas.openxmlformats.org/presentationml/2006/main">
   <p:cSld>
     <p:spTree>
@@ -5566,7 +7732,7 @@
 </p:sld>
 </file>
 
-<file path=ppt/slides/slide14.xml><?xml version="1.0" encoding="utf-8"?>
+<file path=ppt/slides/slide17.xml><?xml version="1.0" encoding="utf-8"?>
 <p:sld xmlns:a="http://schemas.openxmlformats.org/drawingml/2006/main" xmlns:r="http://schemas.openxmlformats.org/officeDocument/2006/relationships" xmlns:p="http://schemas.openxmlformats.org/presentationml/2006/main">
   <p:cSld>
     <p:spTree>
@@ -8165,10 +10331,17 @@
   <p:clrMapOvr>
     <a:masterClrMapping/>
   </p:clrMapOvr>
+  <p:timing>
+    <p:tnLst>
+      <p:par>
+        <p:cTn id="1" dur="indefinite" restart="never" nodeType="tmRoot"/>
+      </p:par>
+    </p:tnLst>
+  </p:timing>
 </p:sld>
 </file>
 
-<file path=ppt/slides/slide15.xml><?xml version="1.0" encoding="utf-8"?>
+<file path=ppt/slides/slide18.xml><?xml version="1.0" encoding="utf-8"?>
 <p:sld xmlns:a="http://schemas.openxmlformats.org/drawingml/2006/main" xmlns:r="http://schemas.openxmlformats.org/officeDocument/2006/relationships" xmlns:p="http://schemas.openxmlformats.org/presentationml/2006/main">
   <p:cSld>
     <p:spTree>
@@ -14930,10 +17103,759 @@
   <p:clrMapOvr>
     <a:masterClrMapping/>
   </p:clrMapOvr>
+  <p:timing>
+    <p:tnLst>
+      <p:par>
+        <p:cTn id="1" dur="indefinite" restart="never" nodeType="tmRoot"/>
+      </p:par>
+    </p:tnLst>
+  </p:timing>
 </p:sld>
 </file>
 
 <file path=ppt/slides/slide2.xml><?xml version="1.0" encoding="utf-8"?>
+<p:sld xmlns:a="http://schemas.openxmlformats.org/drawingml/2006/main" xmlns:r="http://schemas.openxmlformats.org/officeDocument/2006/relationships" xmlns:p="http://schemas.openxmlformats.org/presentationml/2006/main">
+  <p:cSld>
+    <p:spTree>
+      <p:nvGrpSpPr>
+        <p:cNvPr id="1" name=""/>
+        <p:cNvGrpSpPr/>
+        <p:nvPr/>
+      </p:nvGrpSpPr>
+      <p:grpSpPr>
+        <a:xfrm>
+          <a:off x="0" y="0"/>
+          <a:ext cx="0" cy="0"/>
+          <a:chOff x="0" y="0"/>
+          <a:chExt cx="0" cy="0"/>
+        </a:xfrm>
+      </p:grpSpPr>
+      <p:sp>
+        <p:nvSpPr>
+          <p:cNvPr id="2" name="Title 1"/>
+          <p:cNvSpPr>
+            <a:spLocks noGrp="1"/>
+          </p:cNvSpPr>
+          <p:nvPr>
+            <p:ph type="title"/>
+          </p:nvPr>
+        </p:nvSpPr>
+        <p:spPr/>
+        <p:txBody>
+          <a:bodyPr/>
+          <a:lstStyle/>
+          <a:p>
+            <a:r>
+              <a:rPr lang="en-US" dirty="0" smtClean="0"/>
+              <a:t>References</a:t>
+            </a:r>
+            <a:endParaRPr lang="en-US" dirty="0"/>
+          </a:p>
+        </p:txBody>
+      </p:sp>
+      <p:sp>
+        <p:nvSpPr>
+          <p:cNvPr id="3" name="Content Placeholder 2"/>
+          <p:cNvSpPr>
+            <a:spLocks noGrp="1"/>
+          </p:cNvSpPr>
+          <p:nvPr>
+            <p:ph idx="1"/>
+          </p:nvPr>
+        </p:nvSpPr>
+        <p:spPr/>
+        <p:txBody>
+          <a:bodyPr/>
+          <a:lstStyle/>
+          <a:p>
+            <a:r>
+              <a:rPr lang="en-US" dirty="0"/>
+              <a:t>Cho, K., Van </a:t>
+            </a:r>
+            <a:r>
+              <a:rPr lang="en-US" dirty="0" err="1"/>
+              <a:t>Merriënboer</a:t>
+            </a:r>
+            <a:r>
+              <a:rPr lang="en-US" dirty="0"/>
+              <a:t>, B., </a:t>
+            </a:r>
+            <a:r>
+              <a:rPr lang="en-US" dirty="0" err="1"/>
+              <a:t>Bahdanau</a:t>
+            </a:r>
+            <a:r>
+              <a:rPr lang="en-US" dirty="0"/>
+              <a:t>, D., &amp; </a:t>
+            </a:r>
+            <a:r>
+              <a:rPr lang="en-US" dirty="0" err="1"/>
+              <a:t>Bengio</a:t>
+            </a:r>
+            <a:r>
+              <a:rPr lang="en-US" dirty="0"/>
+              <a:t>, Y. (2014). On the properties of neural machine translation: Encoder-decoder approaches. </a:t>
+            </a:r>
+            <a:r>
+              <a:rPr lang="en-US" dirty="0" err="1"/>
+              <a:t>arXiv</a:t>
+            </a:r>
+            <a:r>
+              <a:rPr lang="en-US" dirty="0"/>
+              <a:t> preprint arXiv:1409.1259</a:t>
+            </a:r>
+            <a:r>
+              <a:rPr lang="en-US" dirty="0" smtClean="0"/>
+              <a:t>.</a:t>
+            </a:r>
+          </a:p>
+          <a:p>
+            <a:r>
+              <a:rPr lang="vi-VN" dirty="0"/>
+              <a:t>Rico Sennrich</a:t>
+            </a:r>
+            <a:r>
+              <a:rPr lang="en-US" dirty="0"/>
+              <a:t>, Barry </a:t>
+            </a:r>
+            <a:r>
+              <a:rPr lang="en-US" dirty="0" err="1"/>
+              <a:t>Haddow</a:t>
+            </a:r>
+            <a:r>
+              <a:rPr lang="en-US" dirty="0"/>
+              <a:t>, 2016, </a:t>
+            </a:r>
+            <a:r>
+              <a:rPr lang="vi-VN" dirty="0"/>
+              <a:t>Linguistic Input Features Improve Neural Machine Translation</a:t>
+            </a:r>
+            <a:endParaRPr lang="en-US" dirty="0"/>
+          </a:p>
+        </p:txBody>
+      </p:sp>
+    </p:spTree>
+    <p:extLst>
+      <p:ext uri="{BB962C8B-B14F-4D97-AF65-F5344CB8AC3E}">
+        <p14:creationId xmlns:p14="http://schemas.microsoft.com/office/powerpoint/2010/main" val="3142807577"/>
+      </p:ext>
+    </p:extLst>
+  </p:cSld>
+  <p:clrMapOvr>
+    <a:masterClrMapping/>
+  </p:clrMapOvr>
+  <p:timing>
+    <p:tnLst>
+      <p:par>
+        <p:cTn id="1" dur="indefinite" restart="never" nodeType="tmRoot"/>
+      </p:par>
+    </p:tnLst>
+  </p:timing>
+</p:sld>
+</file>
+
+<file path=ppt/slides/slide3.xml><?xml version="1.0" encoding="utf-8"?>
+<p:sld xmlns:a="http://schemas.openxmlformats.org/drawingml/2006/main" xmlns:r="http://schemas.openxmlformats.org/officeDocument/2006/relationships" xmlns:p="http://schemas.openxmlformats.org/presentationml/2006/main">
+  <p:cSld>
+    <p:spTree>
+      <p:nvGrpSpPr>
+        <p:cNvPr id="1" name=""/>
+        <p:cNvGrpSpPr/>
+        <p:nvPr/>
+      </p:nvGrpSpPr>
+      <p:grpSpPr>
+        <a:xfrm>
+          <a:off x="0" y="0"/>
+          <a:ext cx="0" cy="0"/>
+          <a:chOff x="0" y="0"/>
+          <a:chExt cx="0" cy="0"/>
+        </a:xfrm>
+      </p:grpSpPr>
+      <p:sp>
+        <p:nvSpPr>
+          <p:cNvPr id="2" name="Title 1"/>
+          <p:cNvSpPr>
+            <a:spLocks noGrp="1"/>
+          </p:cNvSpPr>
+          <p:nvPr>
+            <p:ph type="title"/>
+          </p:nvPr>
+        </p:nvSpPr>
+        <p:spPr/>
+        <p:txBody>
+          <a:bodyPr/>
+          <a:lstStyle/>
+          <a:p>
+            <a:r>
+              <a:rPr lang="en-US" dirty="0" smtClean="0"/>
+              <a:t>The first problem</a:t>
+            </a:r>
+            <a:endParaRPr lang="en-US" dirty="0"/>
+          </a:p>
+        </p:txBody>
+      </p:sp>
+      <p:sp>
+        <p:nvSpPr>
+          <p:cNvPr id="4" name="Rectangle 3"/>
+          <p:cNvSpPr/>
+          <p:nvPr/>
+        </p:nvSpPr>
+        <p:spPr>
+          <a:xfrm>
+            <a:off x="3320143" y="1690688"/>
+            <a:ext cx="5551713" cy="523220"/>
+          </a:xfrm>
+          <a:prstGeom prst="rect">
+            <a:avLst/>
+          </a:prstGeom>
+        </p:spPr>
+        <p:txBody>
+          <a:bodyPr wrap="none">
+            <a:spAutoFit/>
+          </a:bodyPr>
+          <a:lstStyle/>
+          <a:p>
+            <a:r>
+              <a:rPr lang="en-US" sz="2800" dirty="0"/>
+              <a:t>I go to see movies with my girlfriend.</a:t>
+            </a:r>
+          </a:p>
+        </p:txBody>
+      </p:sp>
+      <p:sp>
+        <p:nvSpPr>
+          <p:cNvPr id="5" name="Rectangle 4"/>
+          <p:cNvSpPr/>
+          <p:nvPr/>
+        </p:nvSpPr>
+        <p:spPr>
+          <a:xfrm>
+            <a:off x="5034201" y="2213908"/>
+            <a:ext cx="2123595" cy="523220"/>
+          </a:xfrm>
+          <a:prstGeom prst="rect">
+            <a:avLst/>
+          </a:prstGeom>
+        </p:spPr>
+        <p:txBody>
+          <a:bodyPr wrap="none">
+            <a:spAutoFit/>
+          </a:bodyPr>
+          <a:lstStyle/>
+          <a:p>
+            <a:r>
+              <a:rPr lang="en-US" sz="2800" dirty="0" smtClean="0"/>
+              <a:t>(Flexible size)</a:t>
+            </a:r>
+            <a:endParaRPr lang="en-US" sz="2800" dirty="0"/>
+          </a:p>
+        </p:txBody>
+      </p:sp>
+      <p:sp>
+        <p:nvSpPr>
+          <p:cNvPr id="6" name="Rectangle 5"/>
+          <p:cNvSpPr/>
+          <p:nvPr/>
+        </p:nvSpPr>
+        <p:spPr>
+          <a:xfrm>
+            <a:off x="3979937" y="4067294"/>
+            <a:ext cx="4232121" cy="523220"/>
+          </a:xfrm>
+          <a:prstGeom prst="rect">
+            <a:avLst/>
+          </a:prstGeom>
+        </p:spPr>
+        <p:txBody>
+          <a:bodyPr wrap="none">
+            <a:spAutoFit/>
+          </a:bodyPr>
+          <a:lstStyle/>
+          <a:p>
+            <a:r>
+              <a:rPr lang="en-US" sz="2800" dirty="0" err="1"/>
+              <a:t>Tôi</a:t>
+            </a:r>
+            <a:r>
+              <a:rPr lang="en-US" sz="2800" dirty="0"/>
+              <a:t> </a:t>
+            </a:r>
+            <a:r>
+              <a:rPr lang="en-US" sz="2800" dirty="0" err="1"/>
+              <a:t>đi</a:t>
+            </a:r>
+            <a:r>
+              <a:rPr lang="en-US" sz="2800" dirty="0"/>
+              <a:t> </a:t>
+            </a:r>
+            <a:r>
+              <a:rPr lang="en-US" sz="2800" dirty="0" err="1"/>
+              <a:t>xem</a:t>
+            </a:r>
+            <a:r>
+              <a:rPr lang="en-US" sz="2800" dirty="0"/>
+              <a:t> </a:t>
+            </a:r>
+            <a:r>
+              <a:rPr lang="en-US" sz="2800" dirty="0" err="1"/>
+              <a:t>phim</a:t>
+            </a:r>
+            <a:r>
+              <a:rPr lang="en-US" sz="2800" dirty="0"/>
+              <a:t> </a:t>
+            </a:r>
+            <a:r>
+              <a:rPr lang="en-US" sz="2800" dirty="0" err="1"/>
+              <a:t>với</a:t>
+            </a:r>
+            <a:r>
+              <a:rPr lang="en-US" sz="2800" dirty="0"/>
+              <a:t> </a:t>
+            </a:r>
+            <a:r>
+              <a:rPr lang="en-US" sz="2800" dirty="0" err="1"/>
+              <a:t>bạn</a:t>
+            </a:r>
+            <a:r>
+              <a:rPr lang="en-US" sz="2800" dirty="0"/>
+              <a:t> </a:t>
+            </a:r>
+            <a:r>
+              <a:rPr lang="en-US" sz="2800" dirty="0" err="1"/>
+              <a:t>gái</a:t>
+            </a:r>
+            <a:r>
+              <a:rPr lang="en-US" sz="2800" dirty="0"/>
+              <a:t>.</a:t>
+            </a:r>
+          </a:p>
+        </p:txBody>
+      </p:sp>
+      <p:sp>
+        <p:nvSpPr>
+          <p:cNvPr id="7" name="Rectangle 6"/>
+          <p:cNvSpPr/>
+          <p:nvPr/>
+        </p:nvSpPr>
+        <p:spPr>
+          <a:xfrm>
+            <a:off x="5034201" y="4590514"/>
+            <a:ext cx="2123595" cy="523220"/>
+          </a:xfrm>
+          <a:prstGeom prst="rect">
+            <a:avLst/>
+          </a:prstGeom>
+        </p:spPr>
+        <p:txBody>
+          <a:bodyPr wrap="none">
+            <a:spAutoFit/>
+          </a:bodyPr>
+          <a:lstStyle/>
+          <a:p>
+            <a:r>
+              <a:rPr lang="en-US" sz="2800" dirty="0" smtClean="0"/>
+              <a:t>(Flexible size)</a:t>
+            </a:r>
+            <a:endParaRPr lang="en-US" sz="2800" dirty="0"/>
+          </a:p>
+        </p:txBody>
+      </p:sp>
+      <p:sp>
+        <p:nvSpPr>
+          <p:cNvPr id="8" name="Down Arrow 7"/>
+          <p:cNvSpPr/>
+          <p:nvPr/>
+        </p:nvSpPr>
+        <p:spPr>
+          <a:xfrm>
+            <a:off x="5660967" y="2801389"/>
+            <a:ext cx="627037" cy="1265905"/>
+          </a:xfrm>
+          <a:prstGeom prst="downArrow">
+            <a:avLst/>
+          </a:prstGeom>
+        </p:spPr>
+        <p:style>
+          <a:lnRef idx="2">
+            <a:schemeClr val="accent1">
+              <a:shade val="50000"/>
+            </a:schemeClr>
+          </a:lnRef>
+          <a:fillRef idx="1">
+            <a:schemeClr val="accent1"/>
+          </a:fillRef>
+          <a:effectRef idx="0">
+            <a:schemeClr val="accent1"/>
+          </a:effectRef>
+          <a:fontRef idx="minor">
+            <a:schemeClr val="lt1"/>
+          </a:fontRef>
+        </p:style>
+        <p:txBody>
+          <a:bodyPr rtlCol="0" anchor="ctr"/>
+          <a:lstStyle/>
+          <a:p>
+            <a:pPr algn="ctr"/>
+            <a:endParaRPr lang="en-US"/>
+          </a:p>
+        </p:txBody>
+      </p:sp>
+    </p:spTree>
+    <p:extLst>
+      <p:ext uri="{BB962C8B-B14F-4D97-AF65-F5344CB8AC3E}">
+        <p14:creationId xmlns:p14="http://schemas.microsoft.com/office/powerpoint/2010/main" val="125997124"/>
+      </p:ext>
+    </p:extLst>
+  </p:cSld>
+  <p:clrMapOvr>
+    <a:masterClrMapping/>
+  </p:clrMapOvr>
+  <p:timing>
+    <p:tnLst>
+      <p:par>
+        <p:cTn id="1" dur="indefinite" restart="never" nodeType="tmRoot"/>
+      </p:par>
+    </p:tnLst>
+  </p:timing>
+</p:sld>
+</file>
+
+<file path=ppt/slides/slide4.xml><?xml version="1.0" encoding="utf-8"?>
+<p:sld xmlns:a="http://schemas.openxmlformats.org/drawingml/2006/main" xmlns:r="http://schemas.openxmlformats.org/officeDocument/2006/relationships" xmlns:p="http://schemas.openxmlformats.org/presentationml/2006/main">
+  <p:cSld>
+    <p:spTree>
+      <p:nvGrpSpPr>
+        <p:cNvPr id="1" name=""/>
+        <p:cNvGrpSpPr/>
+        <p:nvPr/>
+      </p:nvGrpSpPr>
+      <p:grpSpPr>
+        <a:xfrm>
+          <a:off x="0" y="0"/>
+          <a:ext cx="0" cy="0"/>
+          <a:chOff x="0" y="0"/>
+          <a:chExt cx="0" cy="0"/>
+        </a:xfrm>
+      </p:grpSpPr>
+      <p:sp>
+        <p:nvSpPr>
+          <p:cNvPr id="2" name="Title 1"/>
+          <p:cNvSpPr>
+            <a:spLocks noGrp="1"/>
+          </p:cNvSpPr>
+          <p:nvPr>
+            <p:ph type="title"/>
+          </p:nvPr>
+        </p:nvSpPr>
+        <p:spPr/>
+        <p:txBody>
+          <a:bodyPr/>
+          <a:lstStyle/>
+          <a:p>
+            <a:r>
+              <a:rPr lang="en-US" dirty="0" smtClean="0"/>
+              <a:t>Solution</a:t>
+            </a:r>
+            <a:endParaRPr lang="en-US" dirty="0"/>
+          </a:p>
+        </p:txBody>
+      </p:sp>
+      <p:sp>
+        <p:nvSpPr>
+          <p:cNvPr id="4" name="Rectangle 3"/>
+          <p:cNvSpPr/>
+          <p:nvPr/>
+        </p:nvSpPr>
+        <p:spPr>
+          <a:xfrm>
+            <a:off x="3320143" y="1333240"/>
+            <a:ext cx="5551713" cy="523220"/>
+          </a:xfrm>
+          <a:prstGeom prst="rect">
+            <a:avLst/>
+          </a:prstGeom>
+        </p:spPr>
+        <p:txBody>
+          <a:bodyPr wrap="none">
+            <a:spAutoFit/>
+          </a:bodyPr>
+          <a:lstStyle/>
+          <a:p>
+            <a:r>
+              <a:rPr lang="en-US" sz="2800" dirty="0"/>
+              <a:t>I go to see movies with my girlfriend.</a:t>
+            </a:r>
+          </a:p>
+        </p:txBody>
+      </p:sp>
+      <p:sp>
+        <p:nvSpPr>
+          <p:cNvPr id="5" name="Rectangle 4"/>
+          <p:cNvSpPr/>
+          <p:nvPr/>
+        </p:nvSpPr>
+        <p:spPr>
+          <a:xfrm>
+            <a:off x="4912686" y="1855749"/>
+            <a:ext cx="2123595" cy="523220"/>
+          </a:xfrm>
+          <a:prstGeom prst="rect">
+            <a:avLst/>
+          </a:prstGeom>
+        </p:spPr>
+        <p:txBody>
+          <a:bodyPr wrap="none">
+            <a:spAutoFit/>
+          </a:bodyPr>
+          <a:lstStyle/>
+          <a:p>
+            <a:r>
+              <a:rPr lang="en-US" sz="2800" dirty="0" smtClean="0"/>
+              <a:t>(Flexible size)</a:t>
+            </a:r>
+            <a:endParaRPr lang="en-US" sz="2800" dirty="0"/>
+          </a:p>
+        </p:txBody>
+      </p:sp>
+      <p:sp>
+        <p:nvSpPr>
+          <p:cNvPr id="6" name="Rectangle 5"/>
+          <p:cNvSpPr/>
+          <p:nvPr/>
+        </p:nvSpPr>
+        <p:spPr>
+          <a:xfrm>
+            <a:off x="3896807" y="5305178"/>
+            <a:ext cx="4232121" cy="523220"/>
+          </a:xfrm>
+          <a:prstGeom prst="rect">
+            <a:avLst/>
+          </a:prstGeom>
+        </p:spPr>
+        <p:txBody>
+          <a:bodyPr wrap="none">
+            <a:spAutoFit/>
+          </a:bodyPr>
+          <a:lstStyle/>
+          <a:p>
+            <a:r>
+              <a:rPr lang="en-US" sz="2800" dirty="0" err="1"/>
+              <a:t>Tôi</a:t>
+            </a:r>
+            <a:r>
+              <a:rPr lang="en-US" sz="2800" dirty="0"/>
+              <a:t> </a:t>
+            </a:r>
+            <a:r>
+              <a:rPr lang="en-US" sz="2800" dirty="0" err="1"/>
+              <a:t>đi</a:t>
+            </a:r>
+            <a:r>
+              <a:rPr lang="en-US" sz="2800" dirty="0"/>
+              <a:t> </a:t>
+            </a:r>
+            <a:r>
+              <a:rPr lang="en-US" sz="2800" dirty="0" err="1"/>
+              <a:t>xem</a:t>
+            </a:r>
+            <a:r>
+              <a:rPr lang="en-US" sz="2800" dirty="0"/>
+              <a:t> </a:t>
+            </a:r>
+            <a:r>
+              <a:rPr lang="en-US" sz="2800" dirty="0" err="1"/>
+              <a:t>phim</a:t>
+            </a:r>
+            <a:r>
+              <a:rPr lang="en-US" sz="2800" dirty="0"/>
+              <a:t> </a:t>
+            </a:r>
+            <a:r>
+              <a:rPr lang="en-US" sz="2800" dirty="0" err="1"/>
+              <a:t>với</a:t>
+            </a:r>
+            <a:r>
+              <a:rPr lang="en-US" sz="2800" dirty="0"/>
+              <a:t> </a:t>
+            </a:r>
+            <a:r>
+              <a:rPr lang="en-US" sz="2800" dirty="0" err="1"/>
+              <a:t>bạn</a:t>
+            </a:r>
+            <a:r>
+              <a:rPr lang="en-US" sz="2800" dirty="0"/>
+              <a:t> </a:t>
+            </a:r>
+            <a:r>
+              <a:rPr lang="en-US" sz="2800" dirty="0" err="1"/>
+              <a:t>gái</a:t>
+            </a:r>
+            <a:r>
+              <a:rPr lang="en-US" sz="2800" dirty="0"/>
+              <a:t>.</a:t>
+            </a:r>
+          </a:p>
+        </p:txBody>
+      </p:sp>
+      <p:sp>
+        <p:nvSpPr>
+          <p:cNvPr id="7" name="Rectangle 6"/>
+          <p:cNvSpPr/>
+          <p:nvPr/>
+        </p:nvSpPr>
+        <p:spPr>
+          <a:xfrm>
+            <a:off x="4951071" y="5828398"/>
+            <a:ext cx="2123595" cy="523220"/>
+          </a:xfrm>
+          <a:prstGeom prst="rect">
+            <a:avLst/>
+          </a:prstGeom>
+        </p:spPr>
+        <p:txBody>
+          <a:bodyPr wrap="none">
+            <a:spAutoFit/>
+          </a:bodyPr>
+          <a:lstStyle/>
+          <a:p>
+            <a:r>
+              <a:rPr lang="en-US" sz="2800" dirty="0" smtClean="0"/>
+              <a:t>(Flexible size)</a:t>
+            </a:r>
+            <a:endParaRPr lang="en-US" sz="2800" dirty="0"/>
+          </a:p>
+        </p:txBody>
+      </p:sp>
+      <p:sp>
+        <p:nvSpPr>
+          <p:cNvPr id="9" name="Rectangle 8"/>
+          <p:cNvSpPr/>
+          <p:nvPr/>
+        </p:nvSpPr>
+        <p:spPr>
+          <a:xfrm>
+            <a:off x="5085427" y="3774107"/>
+            <a:ext cx="1778115" cy="523220"/>
+          </a:xfrm>
+          <a:prstGeom prst="rect">
+            <a:avLst/>
+          </a:prstGeom>
+        </p:spPr>
+        <p:txBody>
+          <a:bodyPr wrap="none">
+            <a:spAutoFit/>
+          </a:bodyPr>
+          <a:lstStyle/>
+          <a:p>
+            <a:r>
+              <a:rPr lang="en-US" sz="2800" dirty="0" smtClean="0"/>
+              <a:t>(Fixed size)</a:t>
+            </a:r>
+            <a:endParaRPr lang="en-US" sz="2800" dirty="0"/>
+          </a:p>
+        </p:txBody>
+      </p:sp>
+      <p:sp>
+        <p:nvSpPr>
+          <p:cNvPr id="3" name="Down Arrow 2"/>
+          <p:cNvSpPr/>
+          <p:nvPr/>
+        </p:nvSpPr>
+        <p:spPr>
+          <a:xfrm>
+            <a:off x="5740542" y="4297327"/>
+            <a:ext cx="467881" cy="944590"/>
+          </a:xfrm>
+          <a:prstGeom prst="downArrow">
+            <a:avLst/>
+          </a:prstGeom>
+        </p:spPr>
+        <p:style>
+          <a:lnRef idx="2">
+            <a:schemeClr val="accent1">
+              <a:shade val="50000"/>
+            </a:schemeClr>
+          </a:lnRef>
+          <a:fillRef idx="1">
+            <a:schemeClr val="accent1"/>
+          </a:fillRef>
+          <a:effectRef idx="0">
+            <a:schemeClr val="accent1"/>
+          </a:effectRef>
+          <a:fontRef idx="minor">
+            <a:schemeClr val="lt1"/>
+          </a:fontRef>
+        </p:style>
+        <p:txBody>
+          <a:bodyPr rtlCol="0" anchor="ctr"/>
+          <a:lstStyle/>
+          <a:p>
+            <a:pPr algn="ctr"/>
+            <a:endParaRPr lang="en-US"/>
+          </a:p>
+        </p:txBody>
+      </p:sp>
+      <p:sp>
+        <p:nvSpPr>
+          <p:cNvPr id="10" name="Down Arrow 9"/>
+          <p:cNvSpPr/>
+          <p:nvPr/>
+        </p:nvSpPr>
+        <p:spPr>
+          <a:xfrm>
+            <a:off x="5740542" y="2378969"/>
+            <a:ext cx="467881" cy="1429932"/>
+          </a:xfrm>
+          <a:prstGeom prst="downArrow">
+            <a:avLst/>
+          </a:prstGeom>
+        </p:spPr>
+        <p:style>
+          <a:lnRef idx="2">
+            <a:schemeClr val="accent1">
+              <a:shade val="50000"/>
+            </a:schemeClr>
+          </a:lnRef>
+          <a:fillRef idx="1">
+            <a:schemeClr val="accent1"/>
+          </a:fillRef>
+          <a:effectRef idx="0">
+            <a:schemeClr val="accent1"/>
+          </a:effectRef>
+          <a:fontRef idx="minor">
+            <a:schemeClr val="lt1"/>
+          </a:fontRef>
+        </p:style>
+        <p:txBody>
+          <a:bodyPr rtlCol="0" anchor="ctr"/>
+          <a:lstStyle/>
+          <a:p>
+            <a:pPr algn="ctr"/>
+            <a:endParaRPr lang="en-US"/>
+          </a:p>
+        </p:txBody>
+      </p:sp>
+    </p:spTree>
+    <p:extLst>
+      <p:ext uri="{BB962C8B-B14F-4D97-AF65-F5344CB8AC3E}">
+        <p14:creationId xmlns:p14="http://schemas.microsoft.com/office/powerpoint/2010/main" val="3456930178"/>
+      </p:ext>
+    </p:extLst>
+  </p:cSld>
+  <p:clrMapOvr>
+    <a:masterClrMapping/>
+  </p:clrMapOvr>
+  <p:timing>
+    <p:tnLst>
+      <p:par>
+        <p:cTn id="1" dur="indefinite" restart="never" nodeType="tmRoot"/>
+      </p:par>
+    </p:tnLst>
+  </p:timing>
+</p:sld>
+</file>
+
+<file path=ppt/slides/slide5.xml><?xml version="1.0" encoding="utf-8"?>
 <p:sld xmlns:a="http://schemas.openxmlformats.org/drawingml/2006/main" xmlns:r="http://schemas.openxmlformats.org/officeDocument/2006/relationships" xmlns:p="http://schemas.openxmlformats.org/presentationml/2006/main">
   <p:cSld>
     <p:spTree>
@@ -15016,6 +17938,30 @@
           </a:extLst>
         </p:spPr>
       </p:pic>
+      <p:pic>
+        <p:nvPicPr>
+          <p:cNvPr id="4" name="Picture 3"/>
+          <p:cNvPicPr>
+            <a:picLocks noChangeAspect="1"/>
+          </p:cNvPicPr>
+          <p:nvPr/>
+        </p:nvPicPr>
+        <p:blipFill>
+          <a:blip r:embed="rId3"/>
+          <a:stretch>
+            <a:fillRect/>
+          </a:stretch>
+        </p:blipFill>
+        <p:spPr>
+          <a:xfrm>
+            <a:off x="6096000" y="902970"/>
+            <a:ext cx="3371850" cy="1028700"/>
+          </a:xfrm>
+          <a:prstGeom prst="rect">
+            <a:avLst/>
+          </a:prstGeom>
+        </p:spPr>
+      </p:pic>
     </p:spTree>
     <p:extLst>
       <p:ext uri="{BB962C8B-B14F-4D97-AF65-F5344CB8AC3E}">
@@ -15036,7 +17982,7 @@
 </p:sld>
 </file>
 
-<file path=ppt/slides/slide3.xml><?xml version="1.0" encoding="utf-8"?>
+<file path=ppt/slides/slide6.xml><?xml version="1.0" encoding="utf-8"?>
 <p:sld xmlns:a="http://schemas.openxmlformats.org/drawingml/2006/main" xmlns:r="http://schemas.openxmlformats.org/officeDocument/2006/relationships" xmlns:p="http://schemas.openxmlformats.org/presentationml/2006/main">
   <p:cSld>
     <p:spTree>
@@ -15113,7 +18059,7 @@
         </p:nvGrpSpPr>
         <p:grpSpPr>
           <a:xfrm>
-            <a:off x="2654378" y="1690688"/>
+            <a:off x="2654378" y="2319635"/>
             <a:ext cx="6883243" cy="3314700"/>
             <a:chOff x="2714625" y="1690688"/>
             <a:chExt cx="6883243" cy="3314700"/>
@@ -16826,6 +19772,30 @@
           </p:txBody>
         </p:sp>
       </p:grpSp>
+      <p:pic>
+        <p:nvPicPr>
+          <p:cNvPr id="20" name="Picture 19"/>
+          <p:cNvPicPr>
+            <a:picLocks noChangeAspect="1"/>
+          </p:cNvPicPr>
+          <p:nvPr/>
+        </p:nvPicPr>
+        <p:blipFill>
+          <a:blip r:embed="rId3"/>
+          <a:stretch>
+            <a:fillRect/>
+          </a:stretch>
+        </p:blipFill>
+        <p:spPr>
+          <a:xfrm>
+            <a:off x="5708614" y="1782165"/>
+            <a:ext cx="5010150" cy="781050"/>
+          </a:xfrm>
+          <a:prstGeom prst="rect">
+            <a:avLst/>
+          </a:prstGeom>
+        </p:spPr>
+      </p:pic>
     </p:spTree>
     <p:extLst>
       <p:ext uri="{BB962C8B-B14F-4D97-AF65-F5344CB8AC3E}">
@@ -16846,7 +19816,7 @@
 </p:sld>
 </file>
 
-<file path=ppt/slides/slide4.xml><?xml version="1.0" encoding="utf-8"?>
+<file path=ppt/slides/slide7.xml><?xml version="1.0" encoding="utf-8"?>
 <p:sld xmlns:a="http://schemas.openxmlformats.org/drawingml/2006/main" xmlns:r="http://schemas.openxmlformats.org/officeDocument/2006/relationships" xmlns:p="http://schemas.openxmlformats.org/presentationml/2006/main">
   <p:cSld>
     <p:spTree>
@@ -17994,7 +20964,7 @@
 </p:sld>
 </file>
 
-<file path=ppt/slides/slide5.xml><?xml version="1.0" encoding="utf-8"?>
+<file path=ppt/slides/slide8.xml><?xml version="1.0" encoding="utf-8"?>
 <p:sld xmlns:a="http://schemas.openxmlformats.org/drawingml/2006/main" xmlns:r="http://schemas.openxmlformats.org/officeDocument/2006/relationships" xmlns:p="http://schemas.openxmlformats.org/presentationml/2006/main">
   <p:cSld>
     <p:spTree>
@@ -18745,7 +21715,7 @@
 </p:sld>
 </file>
 
-<file path=ppt/slides/slide6.xml><?xml version="1.0" encoding="utf-8"?>
+<file path=ppt/slides/slide9.xml><?xml version="1.0" encoding="utf-8"?>
 <p:sld xmlns:a="http://schemas.openxmlformats.org/drawingml/2006/main" xmlns:r="http://schemas.openxmlformats.org/officeDocument/2006/relationships" xmlns:p="http://schemas.openxmlformats.org/presentationml/2006/main">
   <p:cSld>
     <p:spTree>
@@ -19347,2135 +22317,24 @@
           </mc:Fallback>
         </mc:AlternateContent>
       </p:grpSp>
-    </p:spTree>
-    <p:extLst>
-      <p:ext uri="{BB962C8B-B14F-4D97-AF65-F5344CB8AC3E}">
-        <p14:creationId xmlns:p14="http://schemas.microsoft.com/office/powerpoint/2010/main" val="1817368114"/>
-      </p:ext>
-    </p:extLst>
-  </p:cSld>
-  <p:clrMapOvr>
-    <a:masterClrMapping/>
-  </p:clrMapOvr>
-  <p:timing>
-    <p:tnLst>
-      <p:par>
-        <p:cTn id="1" dur="indefinite" restart="never" nodeType="tmRoot"/>
-      </p:par>
-    </p:tnLst>
-  </p:timing>
-</p:sld>
-</file>
-
-<file path=ppt/slides/slide7.xml><?xml version="1.0" encoding="utf-8"?>
-<p:sld xmlns:a="http://schemas.openxmlformats.org/drawingml/2006/main" xmlns:r="http://schemas.openxmlformats.org/officeDocument/2006/relationships" xmlns:p="http://schemas.openxmlformats.org/presentationml/2006/main">
-  <p:cSld>
-    <p:spTree>
-      <p:nvGrpSpPr>
-        <p:cNvPr id="1" name=""/>
-        <p:cNvGrpSpPr/>
-        <p:nvPr/>
-      </p:nvGrpSpPr>
-      <p:grpSpPr>
-        <a:xfrm>
-          <a:off x="0" y="0"/>
-          <a:ext cx="0" cy="0"/>
-          <a:chOff x="0" y="0"/>
-          <a:chExt cx="0" cy="0"/>
-        </a:xfrm>
-      </p:grpSpPr>
-      <p:sp>
-        <p:nvSpPr>
-          <p:cNvPr id="2" name="Title 1"/>
-          <p:cNvSpPr>
-            <a:spLocks noGrp="1"/>
-          </p:cNvSpPr>
-          <p:nvPr>
-            <p:ph type="title"/>
-          </p:nvPr>
-        </p:nvSpPr>
-        <p:spPr>
-          <a:xfrm>
-            <a:off x="663633" y="99118"/>
-            <a:ext cx="10515600" cy="1325563"/>
-          </a:xfrm>
-        </p:spPr>
-        <p:txBody>
-          <a:bodyPr>
-            <a:noAutofit/>
-          </a:bodyPr>
-          <a:lstStyle/>
-          <a:p>
-            <a:r>
-              <a:rPr lang="en-US" sz="3600" dirty="0" smtClean="0">
-                <a:latin typeface="Times New Roman (Headings)"/>
-              </a:rPr>
-              <a:t>1.2b Gated Recursive Convolutional Neural Network</a:t>
-            </a:r>
-            <a:endParaRPr lang="en-US" sz="3600" dirty="0"/>
-          </a:p>
-        </p:txBody>
-      </p:sp>
-      <p:grpSp>
-        <p:nvGrpSpPr>
-          <p:cNvPr id="10" name="Group 9"/>
-          <p:cNvGrpSpPr/>
-          <p:nvPr/>
-        </p:nvGrpSpPr>
-        <p:grpSpPr>
-          <a:xfrm>
-            <a:off x="6024658" y="934894"/>
-            <a:ext cx="4649561" cy="5443922"/>
-            <a:chOff x="6080642" y="850918"/>
-            <a:chExt cx="4649561" cy="5443922"/>
-          </a:xfrm>
-        </p:grpSpPr>
-        <p:pic>
-          <p:nvPicPr>
-            <p:cNvPr id="5" name="Picture 4"/>
-            <p:cNvPicPr>
-              <a:picLocks noChangeAspect="1"/>
-            </p:cNvPicPr>
-            <p:nvPr/>
-          </p:nvPicPr>
-          <p:blipFill>
-            <a:blip r:embed="rId2"/>
-            <a:stretch>
-              <a:fillRect/>
-            </a:stretch>
-          </p:blipFill>
-          <p:spPr>
-            <a:xfrm>
-              <a:off x="6080642" y="850918"/>
-              <a:ext cx="4649561" cy="5443922"/>
-            </a:xfrm>
-            <a:prstGeom prst="rect">
-              <a:avLst/>
-            </a:prstGeom>
-          </p:spPr>
-        </p:pic>
-        <mc:AlternateContent xmlns:mc="http://schemas.openxmlformats.org/markup-compatibility/2006" xmlns:a14="http://schemas.microsoft.com/office/drawing/2010/main">
-          <mc:Choice Requires="a14">
-            <p:sp>
-              <p:nvSpPr>
-                <p:cNvPr id="17" name="Rectangle 16"/>
-                <p:cNvSpPr/>
-                <p:nvPr/>
-              </p:nvSpPr>
-              <p:spPr>
-                <a:xfrm>
-                  <a:off x="8269478" y="1156996"/>
-                  <a:ext cx="379996" cy="195896"/>
-                </a:xfrm>
-                <a:prstGeom prst="rect">
-                  <a:avLst/>
-                </a:prstGeom>
-                <a:solidFill>
-                  <a:schemeClr val="bg1"/>
-                </a:solidFill>
-                <a:ln>
-                  <a:noFill/>
-                </a:ln>
-              </p:spPr>
-              <p:style>
-                <a:lnRef idx="2">
-                  <a:schemeClr val="accent1">
-                    <a:shade val="50000"/>
-                  </a:schemeClr>
-                </a:lnRef>
-                <a:fillRef idx="1">
-                  <a:schemeClr val="accent1"/>
-                </a:fillRef>
-                <a:effectRef idx="0">
-                  <a:schemeClr val="accent1"/>
-                </a:effectRef>
-                <a:fontRef idx="minor">
-                  <a:schemeClr val="lt1"/>
-                </a:fontRef>
-              </p:style>
-              <p:txBody>
-                <a:bodyPr rtlCol="0" anchor="ctr"/>
-                <a:lstStyle/>
-                <a:p>
-                  <a:pPr algn="ctr"/>
-                  <a14:m>
-                    <m:oMathPara xmlns:m="http://schemas.openxmlformats.org/officeDocument/2006/math">
-                      <m:oMathParaPr>
-                        <m:jc m:val="centerGroup"/>
-                      </m:oMathParaPr>
-                      <m:oMath xmlns:m="http://schemas.openxmlformats.org/officeDocument/2006/math">
-                        <m:sSub>
-                          <m:sSubPr>
-                            <m:ctrlPr>
-                              <a:rPr lang="en-US" sz="1600" i="1" dirty="0" smtClean="0">
-                                <a:solidFill>
-                                  <a:schemeClr val="tx1"/>
-                                </a:solidFill>
-                                <a:latin typeface="Cambria Math" panose="02040503050406030204" pitchFamily="18" charset="0"/>
-                              </a:rPr>
-                            </m:ctrlPr>
-                          </m:sSubPr>
-                          <m:e>
-                            <m:r>
-                              <a:rPr lang="en-US" sz="1600" b="0" i="1" dirty="0" smtClean="0">
-                                <a:solidFill>
-                                  <a:schemeClr val="tx1"/>
-                                </a:solidFill>
-                                <a:latin typeface="Cambria Math" panose="02040503050406030204" pitchFamily="18" charset="0"/>
-                              </a:rPr>
-                              <m:t>h</m:t>
-                            </m:r>
-                          </m:e>
-                          <m:sub>
-                            <m:r>
-                              <a:rPr lang="en-US" sz="1600" b="0" i="1" dirty="0" smtClean="0">
-                                <a:solidFill>
-                                  <a:schemeClr val="tx1"/>
-                                </a:solidFill>
-                                <a:latin typeface="Cambria Math" panose="02040503050406030204" pitchFamily="18" charset="0"/>
-                              </a:rPr>
-                              <m:t>𝑡</m:t>
-                            </m:r>
-                            <m:r>
-                              <a:rPr lang="en-US" sz="1600" b="0" i="1" dirty="0" smtClean="0">
-                                <a:solidFill>
-                                  <a:schemeClr val="tx1"/>
-                                </a:solidFill>
-                                <a:latin typeface="Cambria Math" panose="02040503050406030204" pitchFamily="18" charset="0"/>
-                              </a:rPr>
-                              <m:t>,</m:t>
-                            </m:r>
-                            <m:r>
-                              <a:rPr lang="en-US" sz="1600" b="0" i="1" dirty="0" smtClean="0">
-                                <a:solidFill>
-                                  <a:schemeClr val="tx1"/>
-                                </a:solidFill>
-                                <a:latin typeface="Cambria Math" panose="02040503050406030204" pitchFamily="18" charset="0"/>
-                              </a:rPr>
-                              <m:t>𝑗</m:t>
-                            </m:r>
-                          </m:sub>
-                        </m:sSub>
-                      </m:oMath>
-                    </m:oMathPara>
-                  </a14:m>
-                  <a:endParaRPr lang="en-US" sz="1600" dirty="0">
-                    <a:solidFill>
-                      <a:schemeClr val="tx1"/>
-                    </a:solidFill>
-                  </a:endParaRPr>
-                </a:p>
-              </p:txBody>
-            </p:sp>
-          </mc:Choice>
-          <mc:Fallback xmlns="">
-            <p:sp>
-              <p:nvSpPr>
-                <p:cNvPr id="17" name="Rectangle 16"/>
-                <p:cNvSpPr>
-                  <a:spLocks noRot="1" noChangeAspect="1" noMove="1" noResize="1" noEditPoints="1" noAdjustHandles="1" noChangeArrowheads="1" noChangeShapeType="1" noTextEdit="1"/>
-                </p:cNvSpPr>
-                <p:nvPr/>
-              </p:nvSpPr>
-              <p:spPr>
-                <a:xfrm>
-                  <a:off x="8269478" y="1156996"/>
-                  <a:ext cx="379996" cy="195896"/>
-                </a:xfrm>
-                <a:prstGeom prst="rect">
-                  <a:avLst/>
-                </a:prstGeom>
-                <a:blipFill>
-                  <a:blip r:embed="rId3"/>
-                  <a:stretch>
-                    <a:fillRect l="-12698" t="-9375" b="-56250"/>
-                  </a:stretch>
-                </a:blipFill>
-                <a:ln>
-                  <a:noFill/>
-                </a:ln>
-              </p:spPr>
-              <p:txBody>
-                <a:bodyPr/>
-                <a:lstStyle/>
-                <a:p>
-                  <a:r>
-                    <a:rPr lang="en-US">
-                      <a:noFill/>
-                    </a:rPr>
-                    <a:t> </a:t>
-                  </a:r>
-                </a:p>
-              </p:txBody>
-            </p:sp>
-          </mc:Fallback>
-        </mc:AlternateContent>
-        <mc:AlternateContent xmlns:mc="http://schemas.openxmlformats.org/markup-compatibility/2006" xmlns:a14="http://schemas.microsoft.com/office/drawing/2010/main">
-          <mc:Choice Requires="a14">
-            <p:sp>
-              <p:nvSpPr>
-                <p:cNvPr id="18" name="Rectangle 17"/>
-                <p:cNvSpPr/>
-                <p:nvPr/>
-              </p:nvSpPr>
-              <p:spPr>
-                <a:xfrm>
-                  <a:off x="6770361" y="5732107"/>
-                  <a:ext cx="379996" cy="195896"/>
-                </a:xfrm>
-                <a:prstGeom prst="rect">
-                  <a:avLst/>
-                </a:prstGeom>
-                <a:solidFill>
-                  <a:schemeClr val="bg1"/>
-                </a:solidFill>
-                <a:ln>
-                  <a:noFill/>
-                </a:ln>
-              </p:spPr>
-              <p:style>
-                <a:lnRef idx="2">
-                  <a:schemeClr val="accent1">
-                    <a:shade val="50000"/>
-                  </a:schemeClr>
-                </a:lnRef>
-                <a:fillRef idx="1">
-                  <a:schemeClr val="accent1"/>
-                </a:fillRef>
-                <a:effectRef idx="0">
-                  <a:schemeClr val="accent1"/>
-                </a:effectRef>
-                <a:fontRef idx="minor">
-                  <a:schemeClr val="lt1"/>
-                </a:fontRef>
-              </p:style>
-              <p:txBody>
-                <a:bodyPr rtlCol="0" anchor="ctr"/>
-                <a:lstStyle/>
-                <a:p>
-                  <a:pPr algn="ctr"/>
-                  <a14:m>
-                    <m:oMathPara xmlns:m="http://schemas.openxmlformats.org/officeDocument/2006/math">
-                      <m:oMathParaPr>
-                        <m:jc m:val="centerGroup"/>
-                      </m:oMathParaPr>
-                      <m:oMath xmlns:m="http://schemas.openxmlformats.org/officeDocument/2006/math">
-                        <m:sSubSup>
-                          <m:sSubSupPr>
-                            <m:ctrlPr>
-                              <a:rPr lang="en-US" sz="1600" i="1" dirty="0" smtClean="0">
-                                <a:solidFill>
-                                  <a:schemeClr val="tx1"/>
-                                </a:solidFill>
-                                <a:latin typeface="Cambria Math" panose="02040503050406030204" pitchFamily="18" charset="0"/>
-                              </a:rPr>
-                            </m:ctrlPr>
-                          </m:sSubSupPr>
-                          <m:e>
-                            <m:r>
-                              <a:rPr lang="en-US" sz="1600" b="0" i="1" dirty="0" smtClean="0">
-                                <a:solidFill>
-                                  <a:schemeClr val="tx1"/>
-                                </a:solidFill>
-                                <a:latin typeface="Cambria Math" panose="02040503050406030204" pitchFamily="18" charset="0"/>
-                              </a:rPr>
-                              <m:t>h</m:t>
-                            </m:r>
-                          </m:e>
-                          <m:sub>
-                            <m:r>
-                              <a:rPr lang="en-US" sz="1600" b="0" i="1" dirty="0" smtClean="0">
-                                <a:solidFill>
-                                  <a:schemeClr val="tx1"/>
-                                </a:solidFill>
-                                <a:latin typeface="Cambria Math" panose="02040503050406030204" pitchFamily="18" charset="0"/>
-                              </a:rPr>
-                              <m:t>𝑗</m:t>
-                            </m:r>
-                            <m:r>
-                              <a:rPr lang="en-US" sz="1600" b="0" i="1" dirty="0" smtClean="0">
-                                <a:solidFill>
-                                  <a:schemeClr val="tx1"/>
-                                </a:solidFill>
-                                <a:latin typeface="Cambria Math" panose="02040503050406030204" pitchFamily="18" charset="0"/>
-                              </a:rPr>
-                              <m:t>−1</m:t>
-                            </m:r>
-                          </m:sub>
-                          <m:sup>
-                            <m:r>
-                              <a:rPr lang="en-US" sz="1600" b="0" i="1" dirty="0" smtClean="0">
-                                <a:solidFill>
-                                  <a:schemeClr val="tx1"/>
-                                </a:solidFill>
-                                <a:latin typeface="Cambria Math" panose="02040503050406030204" pitchFamily="18" charset="0"/>
-                              </a:rPr>
-                              <m:t>𝑡</m:t>
-                            </m:r>
-                            <m:r>
-                              <a:rPr lang="en-US" sz="1600" b="0" i="1" dirty="0" smtClean="0">
-                                <a:solidFill>
-                                  <a:schemeClr val="tx1"/>
-                                </a:solidFill>
-                                <a:latin typeface="Cambria Math" panose="02040503050406030204" pitchFamily="18" charset="0"/>
-                              </a:rPr>
-                              <m:t>−1</m:t>
-                            </m:r>
-                          </m:sup>
-                        </m:sSubSup>
-                      </m:oMath>
-                    </m:oMathPara>
-                  </a14:m>
-                  <a:endParaRPr lang="en-US" sz="1600" dirty="0">
-                    <a:solidFill>
-                      <a:schemeClr val="tx1"/>
-                    </a:solidFill>
-                  </a:endParaRPr>
-                </a:p>
-              </p:txBody>
-            </p:sp>
-          </mc:Choice>
-          <mc:Fallback xmlns="">
-            <p:sp>
-              <p:nvSpPr>
-                <p:cNvPr id="18" name="Rectangle 17"/>
-                <p:cNvSpPr>
-                  <a:spLocks noRot="1" noChangeAspect="1" noMove="1" noResize="1" noEditPoints="1" noAdjustHandles="1" noChangeArrowheads="1" noChangeShapeType="1" noTextEdit="1"/>
-                </p:cNvSpPr>
-                <p:nvPr/>
-              </p:nvSpPr>
-              <p:spPr>
-                <a:xfrm>
-                  <a:off x="6770361" y="5732107"/>
-                  <a:ext cx="379996" cy="195896"/>
-                </a:xfrm>
-                <a:prstGeom prst="rect">
-                  <a:avLst/>
-                </a:prstGeom>
-                <a:blipFill>
-                  <a:blip r:embed="rId4"/>
-                  <a:stretch>
-                    <a:fillRect l="-25397" t="-18750" r="-4762" b="-62500"/>
-                  </a:stretch>
-                </a:blipFill>
-                <a:ln>
-                  <a:noFill/>
-                </a:ln>
-              </p:spPr>
-              <p:txBody>
-                <a:bodyPr/>
-                <a:lstStyle/>
-                <a:p>
-                  <a:r>
-                    <a:rPr lang="en-US">
-                      <a:noFill/>
-                    </a:rPr>
-                    <a:t> </a:t>
-                  </a:r>
-                </a:p>
-              </p:txBody>
-            </p:sp>
-          </mc:Fallback>
-        </mc:AlternateContent>
-        <mc:AlternateContent xmlns:mc="http://schemas.openxmlformats.org/markup-compatibility/2006" xmlns:a14="http://schemas.microsoft.com/office/drawing/2010/main">
-          <mc:Choice Requires="a14">
-            <p:sp>
-              <p:nvSpPr>
-                <p:cNvPr id="19" name="Rectangle 18"/>
-                <p:cNvSpPr/>
-                <p:nvPr/>
-              </p:nvSpPr>
-              <p:spPr>
-                <a:xfrm>
-                  <a:off x="9777928" y="5732107"/>
-                  <a:ext cx="379996" cy="195896"/>
-                </a:xfrm>
-                <a:prstGeom prst="rect">
-                  <a:avLst/>
-                </a:prstGeom>
-                <a:solidFill>
-                  <a:schemeClr val="bg1"/>
-                </a:solidFill>
-                <a:ln>
-                  <a:noFill/>
-                </a:ln>
-              </p:spPr>
-              <p:style>
-                <a:lnRef idx="2">
-                  <a:schemeClr val="accent1">
-                    <a:shade val="50000"/>
-                  </a:schemeClr>
-                </a:lnRef>
-                <a:fillRef idx="1">
-                  <a:schemeClr val="accent1"/>
-                </a:fillRef>
-                <a:effectRef idx="0">
-                  <a:schemeClr val="accent1"/>
-                </a:effectRef>
-                <a:fontRef idx="minor">
-                  <a:schemeClr val="lt1"/>
-                </a:fontRef>
-              </p:style>
-              <p:txBody>
-                <a:bodyPr rtlCol="0" anchor="ctr"/>
-                <a:lstStyle/>
-                <a:p>
-                  <a:pPr algn="ctr"/>
-                  <a14:m>
-                    <m:oMathPara xmlns:m="http://schemas.openxmlformats.org/officeDocument/2006/math">
-                      <m:oMathParaPr>
-                        <m:jc m:val="centerGroup"/>
-                      </m:oMathParaPr>
-                      <m:oMath xmlns:m="http://schemas.openxmlformats.org/officeDocument/2006/math">
-                        <m:sSubSup>
-                          <m:sSubSupPr>
-                            <m:ctrlPr>
-                              <a:rPr lang="en-US" sz="1600" i="1" dirty="0" smtClean="0">
-                                <a:solidFill>
-                                  <a:schemeClr val="tx1"/>
-                                </a:solidFill>
-                                <a:latin typeface="Cambria Math" panose="02040503050406030204" pitchFamily="18" charset="0"/>
-                              </a:rPr>
-                            </m:ctrlPr>
-                          </m:sSubSupPr>
-                          <m:e>
-                            <m:r>
-                              <a:rPr lang="en-US" sz="1600" b="0" i="1" dirty="0" smtClean="0">
-                                <a:solidFill>
-                                  <a:schemeClr val="tx1"/>
-                                </a:solidFill>
-                                <a:latin typeface="Cambria Math" panose="02040503050406030204" pitchFamily="18" charset="0"/>
-                              </a:rPr>
-                              <m:t>h</m:t>
-                            </m:r>
-                          </m:e>
-                          <m:sub>
-                            <m:r>
-                              <a:rPr lang="en-US" sz="1600" b="0" i="1" dirty="0" smtClean="0">
-                                <a:solidFill>
-                                  <a:schemeClr val="tx1"/>
-                                </a:solidFill>
-                                <a:latin typeface="Cambria Math" panose="02040503050406030204" pitchFamily="18" charset="0"/>
-                              </a:rPr>
-                              <m:t>𝑗</m:t>
-                            </m:r>
-                          </m:sub>
-                          <m:sup>
-                            <m:r>
-                              <a:rPr lang="en-US" sz="1600" b="0" i="1" dirty="0" smtClean="0">
-                                <a:solidFill>
-                                  <a:schemeClr val="tx1"/>
-                                </a:solidFill>
-                                <a:latin typeface="Cambria Math" panose="02040503050406030204" pitchFamily="18" charset="0"/>
-                              </a:rPr>
-                              <m:t>𝑡</m:t>
-                            </m:r>
-                            <m:r>
-                              <a:rPr lang="en-US" sz="1600" b="0" i="1" dirty="0" smtClean="0">
-                                <a:solidFill>
-                                  <a:schemeClr val="tx1"/>
-                                </a:solidFill>
-                                <a:latin typeface="Cambria Math" panose="02040503050406030204" pitchFamily="18" charset="0"/>
-                              </a:rPr>
-                              <m:t>−1</m:t>
-                            </m:r>
-                          </m:sup>
-                        </m:sSubSup>
-                      </m:oMath>
-                    </m:oMathPara>
-                  </a14:m>
-                  <a:endParaRPr lang="en-US" sz="1600" dirty="0">
-                    <a:solidFill>
-                      <a:schemeClr val="tx1"/>
-                    </a:solidFill>
-                  </a:endParaRPr>
-                </a:p>
-              </p:txBody>
-            </p:sp>
-          </mc:Choice>
-          <mc:Fallback xmlns="">
-            <p:sp>
-              <p:nvSpPr>
-                <p:cNvPr id="19" name="Rectangle 18"/>
-                <p:cNvSpPr>
-                  <a:spLocks noRot="1" noChangeAspect="1" noMove="1" noResize="1" noEditPoints="1" noAdjustHandles="1" noChangeArrowheads="1" noChangeShapeType="1" noTextEdit="1"/>
-                </p:cNvSpPr>
-                <p:nvPr/>
-              </p:nvSpPr>
-              <p:spPr>
-                <a:xfrm>
-                  <a:off x="9777928" y="5732107"/>
-                  <a:ext cx="379996" cy="195896"/>
-                </a:xfrm>
-                <a:prstGeom prst="rect">
-                  <a:avLst/>
-                </a:prstGeom>
-                <a:blipFill>
-                  <a:blip r:embed="rId5"/>
-                  <a:stretch>
-                    <a:fillRect l="-27419" t="-18750" r="-4839" b="-62500"/>
-                  </a:stretch>
-                </a:blipFill>
-                <a:ln>
-                  <a:noFill/>
-                </a:ln>
-              </p:spPr>
-              <p:txBody>
-                <a:bodyPr/>
-                <a:lstStyle/>
-                <a:p>
-                  <a:r>
-                    <a:rPr lang="en-US">
-                      <a:noFill/>
-                    </a:rPr>
-                    <a:t> </a:t>
-                  </a:r>
-                </a:p>
-              </p:txBody>
-            </p:sp>
-          </mc:Fallback>
-        </mc:AlternateContent>
-      </p:grpSp>
-      <mc:AlternateContent xmlns:mc="http://schemas.openxmlformats.org/markup-compatibility/2006" xmlns:a14="http://schemas.microsoft.com/office/drawing/2010/main">
-        <mc:Choice Requires="a14">
-          <p:sp>
-            <p:nvSpPr>
-              <p:cNvPr id="13" name="Rectangle 12"/>
-              <p:cNvSpPr/>
-              <p:nvPr/>
-            </p:nvSpPr>
-            <p:spPr>
-              <a:xfrm>
-                <a:off x="663633" y="1557788"/>
-                <a:ext cx="3359317" cy="411395"/>
-              </a:xfrm>
-              <a:prstGeom prst="rect">
-                <a:avLst/>
-              </a:prstGeom>
-            </p:spPr>
-            <p:txBody>
-              <a:bodyPr wrap="none">
-                <a:spAutoFit/>
-              </a:bodyPr>
-              <a:lstStyle/>
-              <a:p>
-                <a:pPr/>
-                <a14:m>
-                  <m:oMathPara xmlns:m="http://schemas.openxmlformats.org/officeDocument/2006/math">
-                    <m:oMathParaPr>
-                      <m:jc m:val="centerGroup"/>
-                    </m:oMathParaPr>
-                    <m:oMath xmlns:m="http://schemas.openxmlformats.org/officeDocument/2006/math">
-                      <m:sSub>
-                        <m:sSubPr>
-                          <m:ctrlPr>
-                            <a:rPr lang="en-US" i="1">
-                              <a:latin typeface="Cambria Math" panose="02040503050406030204" pitchFamily="18" charset="0"/>
-                            </a:rPr>
-                          </m:ctrlPr>
-                        </m:sSubPr>
-                        <m:e>
-                          <m:acc>
-                            <m:accPr>
-                              <m:chr m:val="̃"/>
-                              <m:ctrlPr>
-                                <a:rPr lang="en-US" i="1">
-                                  <a:latin typeface="Cambria Math" panose="02040503050406030204" pitchFamily="18" charset="0"/>
-                                </a:rPr>
-                              </m:ctrlPr>
-                            </m:accPr>
-                            <m:e>
-                              <m:r>
-                                <a:rPr lang="en-US" i="1">
-                                  <a:latin typeface="Cambria Math" panose="02040503050406030204" pitchFamily="18" charset="0"/>
-                                </a:rPr>
-                                <m:t>h</m:t>
-                              </m:r>
-                            </m:e>
-                          </m:acc>
-                        </m:e>
-                        <m:sub>
-                          <m:r>
-                            <a:rPr lang="en-US" i="1">
-                              <a:latin typeface="Cambria Math" panose="02040503050406030204" pitchFamily="18" charset="0"/>
-                            </a:rPr>
-                            <m:t>𝑡</m:t>
-                          </m:r>
-                          <m:r>
-                            <a:rPr lang="en-US" i="0">
-                              <a:latin typeface="Cambria Math" panose="02040503050406030204" pitchFamily="18" charset="0"/>
-                            </a:rPr>
-                            <m:t>,</m:t>
-                          </m:r>
-                          <m:r>
-                            <a:rPr lang="en-US" i="1">
-                              <a:latin typeface="Cambria Math" panose="02040503050406030204" pitchFamily="18" charset="0"/>
-                            </a:rPr>
-                            <m:t>𝑗</m:t>
-                          </m:r>
-                        </m:sub>
-                      </m:sSub>
-                      <m:r>
-                        <a:rPr lang="en-US" i="0">
-                          <a:latin typeface="Cambria Math" panose="02040503050406030204" pitchFamily="18" charset="0"/>
-                        </a:rPr>
-                        <m:t>=</m:t>
-                      </m:r>
-                      <m:r>
-                        <a:rPr lang="en-US" i="1">
-                          <a:latin typeface="Cambria Math" panose="02040503050406030204" pitchFamily="18" charset="0"/>
-                        </a:rPr>
-                        <m:t>𝑓</m:t>
-                      </m:r>
-                      <m:d>
-                        <m:dPr>
-                          <m:ctrlPr>
-                            <a:rPr lang="en-US" i="1">
-                              <a:latin typeface="Cambria Math" panose="02040503050406030204" pitchFamily="18" charset="0"/>
-                            </a:rPr>
-                          </m:ctrlPr>
-                        </m:dPr>
-                        <m:e>
-                          <m:sSub>
-                            <m:sSubPr>
-                              <m:ctrlPr>
-                                <a:rPr lang="en-US" i="1">
-                                  <a:latin typeface="Cambria Math" panose="02040503050406030204" pitchFamily="18" charset="0"/>
-                                </a:rPr>
-                              </m:ctrlPr>
-                            </m:sSubPr>
-                            <m:e>
-                              <m:sSub>
-                                <m:sSubPr>
-                                  <m:ctrlPr>
-                                    <a:rPr lang="en-US" i="1">
-                                      <a:latin typeface="Cambria Math" panose="02040503050406030204" pitchFamily="18" charset="0"/>
-                                    </a:rPr>
-                                  </m:ctrlPr>
-                                </m:sSubPr>
-                                <m:e>
-                                  <m:r>
-                                    <a:rPr lang="en-US" i="1">
-                                      <a:latin typeface="Cambria Math" panose="02040503050406030204" pitchFamily="18" charset="0"/>
-                                    </a:rPr>
-                                    <m:t>𝑊</m:t>
-                                  </m:r>
-                                </m:e>
-                                <m:sub>
-                                  <m:r>
-                                    <a:rPr lang="en-US" i="1">
-                                      <a:latin typeface="Cambria Math" panose="02040503050406030204" pitchFamily="18" charset="0"/>
-                                    </a:rPr>
-                                    <m:t>𝑙</m:t>
-                                  </m:r>
-                                </m:sub>
-                              </m:sSub>
-                              <m:r>
-                                <a:rPr lang="en-US" i="1">
-                                  <a:latin typeface="Cambria Math" panose="02040503050406030204" pitchFamily="18" charset="0"/>
-                                </a:rPr>
-                                <m:t>h</m:t>
-                              </m:r>
-                            </m:e>
-                            <m:sub>
-                              <m:r>
-                                <a:rPr lang="en-US" i="1">
-                                  <a:latin typeface="Cambria Math" panose="02040503050406030204" pitchFamily="18" charset="0"/>
-                                </a:rPr>
-                                <m:t>𝑡</m:t>
-                              </m:r>
-                              <m:r>
-                                <a:rPr lang="en-US" i="0">
-                                  <a:latin typeface="Cambria Math" panose="02040503050406030204" pitchFamily="18" charset="0"/>
-                                </a:rPr>
-                                <m:t>−1,</m:t>
-                              </m:r>
-                              <m:r>
-                                <a:rPr lang="en-US" i="1">
-                                  <a:latin typeface="Cambria Math" panose="02040503050406030204" pitchFamily="18" charset="0"/>
-                                </a:rPr>
-                                <m:t>𝑗</m:t>
-                              </m:r>
-                              <m:r>
-                                <a:rPr lang="en-US" i="0">
-                                  <a:latin typeface="Cambria Math" panose="02040503050406030204" pitchFamily="18" charset="0"/>
-                                </a:rPr>
-                                <m:t>−1</m:t>
-                              </m:r>
-                            </m:sub>
-                          </m:sSub>
-                          <m:r>
-                            <a:rPr lang="en-US" i="0">
-                              <a:latin typeface="Cambria Math" panose="02040503050406030204" pitchFamily="18" charset="0"/>
-                            </a:rPr>
-                            <m:t>+</m:t>
-                          </m:r>
-                          <m:sSub>
-                            <m:sSubPr>
-                              <m:ctrlPr>
-                                <a:rPr lang="en-US" i="1">
-                                  <a:latin typeface="Cambria Math" panose="02040503050406030204" pitchFamily="18" charset="0"/>
-                                </a:rPr>
-                              </m:ctrlPr>
-                            </m:sSubPr>
-                            <m:e>
-                              <m:r>
-                                <a:rPr lang="en-US" i="1">
-                                  <a:latin typeface="Cambria Math" panose="02040503050406030204" pitchFamily="18" charset="0"/>
-                                </a:rPr>
-                                <m:t>𝑊</m:t>
-                              </m:r>
-                            </m:e>
-                            <m:sub>
-                              <m:r>
-                                <a:rPr lang="en-US" i="1">
-                                  <a:latin typeface="Cambria Math" panose="02040503050406030204" pitchFamily="18" charset="0"/>
-                                </a:rPr>
-                                <m:t>𝑟</m:t>
-                              </m:r>
-                            </m:sub>
-                          </m:sSub>
-                          <m:sSub>
-                            <m:sSubPr>
-                              <m:ctrlPr>
-                                <a:rPr lang="en-US" i="1">
-                                  <a:latin typeface="Cambria Math" panose="02040503050406030204" pitchFamily="18" charset="0"/>
-                                </a:rPr>
-                              </m:ctrlPr>
-                            </m:sSubPr>
-                            <m:e>
-                              <m:r>
-                                <a:rPr lang="en-US" i="1">
-                                  <a:latin typeface="Cambria Math" panose="02040503050406030204" pitchFamily="18" charset="0"/>
-                                </a:rPr>
-                                <m:t>h</m:t>
-                              </m:r>
-                            </m:e>
-                            <m:sub>
-                              <m:r>
-                                <a:rPr lang="en-US" i="1">
-                                  <a:latin typeface="Cambria Math" panose="02040503050406030204" pitchFamily="18" charset="0"/>
-                                </a:rPr>
-                                <m:t>𝑡</m:t>
-                              </m:r>
-                              <m:r>
-                                <a:rPr lang="en-US" i="0">
-                                  <a:latin typeface="Cambria Math" panose="02040503050406030204" pitchFamily="18" charset="0"/>
-                                </a:rPr>
-                                <m:t>−1,</m:t>
-                              </m:r>
-                              <m:r>
-                                <a:rPr lang="en-US" i="1">
-                                  <a:latin typeface="Cambria Math" panose="02040503050406030204" pitchFamily="18" charset="0"/>
-                                </a:rPr>
-                                <m:t>𝑗</m:t>
-                              </m:r>
-                            </m:sub>
-                          </m:sSub>
-                        </m:e>
-                      </m:d>
-                    </m:oMath>
-                  </m:oMathPara>
-                </a14:m>
-                <a:endParaRPr lang="en-US" dirty="0"/>
-              </a:p>
-            </p:txBody>
-          </p:sp>
-        </mc:Choice>
-        <mc:Fallback xmlns="">
-          <p:sp>
-            <p:nvSpPr>
-              <p:cNvPr id="13" name="Rectangle 12"/>
-              <p:cNvSpPr>
-                <a:spLocks noRot="1" noChangeAspect="1" noMove="1" noResize="1" noEditPoints="1" noAdjustHandles="1" noChangeArrowheads="1" noChangeShapeType="1" noTextEdit="1"/>
-              </p:cNvSpPr>
-              <p:nvPr/>
-            </p:nvSpPr>
-            <p:spPr>
-              <a:xfrm>
-                <a:off x="663633" y="1557788"/>
-                <a:ext cx="3359317" cy="411395"/>
-              </a:xfrm>
-              <a:prstGeom prst="rect">
-                <a:avLst/>
-              </a:prstGeom>
-              <a:blipFill>
-                <a:blip r:embed="rId6"/>
-                <a:stretch>
-                  <a:fillRect t="-1493" b="-7463"/>
-                </a:stretch>
-              </a:blipFill>
-            </p:spPr>
-            <p:txBody>
-              <a:bodyPr/>
-              <a:lstStyle/>
-              <a:p>
-                <a:r>
-                  <a:rPr lang="en-US">
-                    <a:noFill/>
-                  </a:rPr>
-                  <a:t> </a:t>
-                </a:r>
-              </a:p>
-            </p:txBody>
-          </p:sp>
-        </mc:Fallback>
-      </mc:AlternateContent>
-      <mc:AlternateContent xmlns:mc="http://schemas.openxmlformats.org/markup-compatibility/2006" xmlns:a14="http://schemas.microsoft.com/office/drawing/2010/main">
-        <mc:Choice Requires="a14">
-          <p:sp>
-            <p:nvSpPr>
-              <p:cNvPr id="3" name="Rectangle 2"/>
-              <p:cNvSpPr/>
-              <p:nvPr/>
-            </p:nvSpPr>
-            <p:spPr>
-              <a:xfrm>
-                <a:off x="663633" y="2102290"/>
-                <a:ext cx="3852785" cy="410305"/>
-              </a:xfrm>
-              <a:prstGeom prst="rect">
-                <a:avLst/>
-              </a:prstGeom>
-            </p:spPr>
-            <p:txBody>
-              <a:bodyPr wrap="none">
-                <a:spAutoFit/>
-              </a:bodyPr>
-              <a:lstStyle/>
-              <a:p>
-                <a:pPr/>
-                <a14:m>
-                  <m:oMathPara xmlns:m="http://schemas.openxmlformats.org/officeDocument/2006/math">
-                    <m:oMathParaPr>
-                      <m:jc m:val="centerGroup"/>
-                    </m:oMathParaPr>
-                    <m:oMath xmlns:m="http://schemas.openxmlformats.org/officeDocument/2006/math">
-                      <m:sSub>
-                        <m:sSubPr>
-                          <m:ctrlPr>
-                            <a:rPr lang="en-US" i="1">
-                              <a:latin typeface="Cambria Math" panose="02040503050406030204" pitchFamily="18" charset="0"/>
-                            </a:rPr>
-                          </m:ctrlPr>
-                        </m:sSubPr>
-                        <m:e>
-                          <m:r>
-                            <a:rPr lang="en-US" i="1">
-                              <a:latin typeface="Cambria Math" panose="02040503050406030204" pitchFamily="18" charset="0"/>
-                            </a:rPr>
-                            <m:t>h</m:t>
-                          </m:r>
-                        </m:e>
-                        <m:sub>
-                          <m:r>
-                            <a:rPr lang="en-US" i="1">
-                              <a:latin typeface="Cambria Math" panose="02040503050406030204" pitchFamily="18" charset="0"/>
-                            </a:rPr>
-                            <m:t>𝑡</m:t>
-                          </m:r>
-                          <m:r>
-                            <a:rPr lang="en-US" i="0">
-                              <a:latin typeface="Cambria Math" panose="02040503050406030204" pitchFamily="18" charset="0"/>
-                            </a:rPr>
-                            <m:t>,</m:t>
-                          </m:r>
-                          <m:r>
-                            <a:rPr lang="en-US" i="1">
-                              <a:latin typeface="Cambria Math" panose="02040503050406030204" pitchFamily="18" charset="0"/>
-                            </a:rPr>
-                            <m:t>𝑗</m:t>
-                          </m:r>
-                        </m:sub>
-                      </m:sSub>
-                      <m:r>
-                        <a:rPr lang="en-US" i="0">
-                          <a:latin typeface="Cambria Math" panose="02040503050406030204" pitchFamily="18" charset="0"/>
-                        </a:rPr>
-                        <m:t>=</m:t>
-                      </m:r>
-                      <m:sSub>
-                        <m:sSubPr>
-                          <m:ctrlPr>
-                            <a:rPr lang="en-US" i="1">
-                              <a:latin typeface="Cambria Math" panose="02040503050406030204" pitchFamily="18" charset="0"/>
-                            </a:rPr>
-                          </m:ctrlPr>
-                        </m:sSubPr>
-                        <m:e>
-                          <m:r>
-                            <a:rPr lang="en-US" i="1">
-                              <a:latin typeface="Cambria Math" panose="02040503050406030204" pitchFamily="18" charset="0"/>
-                            </a:rPr>
-                            <m:t>𝜔</m:t>
-                          </m:r>
-                        </m:e>
-                        <m:sub>
-                          <m:r>
-                            <a:rPr lang="en-US" i="1">
-                              <a:latin typeface="Cambria Math" panose="02040503050406030204" pitchFamily="18" charset="0"/>
-                            </a:rPr>
-                            <m:t>𝑐</m:t>
-                          </m:r>
-                        </m:sub>
-                      </m:sSub>
-                      <m:sSub>
-                        <m:sSubPr>
-                          <m:ctrlPr>
-                            <a:rPr lang="en-US" i="1">
-                              <a:latin typeface="Cambria Math" panose="02040503050406030204" pitchFamily="18" charset="0"/>
-                            </a:rPr>
-                          </m:ctrlPr>
-                        </m:sSubPr>
-                        <m:e>
-                          <m:acc>
-                            <m:accPr>
-                              <m:chr m:val="̃"/>
-                              <m:ctrlPr>
-                                <a:rPr lang="en-US" i="1">
-                                  <a:latin typeface="Cambria Math" panose="02040503050406030204" pitchFamily="18" charset="0"/>
-                                </a:rPr>
-                              </m:ctrlPr>
-                            </m:accPr>
-                            <m:e>
-                              <m:r>
-                                <a:rPr lang="en-US" i="1">
-                                  <a:latin typeface="Cambria Math" panose="02040503050406030204" pitchFamily="18" charset="0"/>
-                                </a:rPr>
-                                <m:t>h</m:t>
-                              </m:r>
-                            </m:e>
-                          </m:acc>
-                        </m:e>
-                        <m:sub>
-                          <m:r>
-                            <a:rPr lang="en-US" i="1">
-                              <a:latin typeface="Cambria Math" panose="02040503050406030204" pitchFamily="18" charset="0"/>
-                            </a:rPr>
-                            <m:t>𝑡</m:t>
-                          </m:r>
-                          <m:r>
-                            <a:rPr lang="en-US" i="0">
-                              <a:latin typeface="Cambria Math" panose="02040503050406030204" pitchFamily="18" charset="0"/>
-                            </a:rPr>
-                            <m:t>,</m:t>
-                          </m:r>
-                          <m:r>
-                            <a:rPr lang="en-US" i="1">
-                              <a:latin typeface="Cambria Math" panose="02040503050406030204" pitchFamily="18" charset="0"/>
-                            </a:rPr>
-                            <m:t>𝑗</m:t>
-                          </m:r>
-                        </m:sub>
-                      </m:sSub>
-                      <m:r>
-                        <a:rPr lang="en-US" i="0">
-                          <a:latin typeface="Cambria Math" panose="02040503050406030204" pitchFamily="18" charset="0"/>
-                        </a:rPr>
-                        <m:t>+</m:t>
-                      </m:r>
-                      <m:sSub>
-                        <m:sSubPr>
-                          <m:ctrlPr>
-                            <a:rPr lang="en-US" i="1">
-                              <a:latin typeface="Cambria Math" panose="02040503050406030204" pitchFamily="18" charset="0"/>
-                            </a:rPr>
-                          </m:ctrlPr>
-                        </m:sSubPr>
-                        <m:e>
-                          <m:r>
-                            <a:rPr lang="en-US" i="1">
-                              <a:latin typeface="Cambria Math" panose="02040503050406030204" pitchFamily="18" charset="0"/>
-                            </a:rPr>
-                            <m:t>𝜔</m:t>
-                          </m:r>
-                        </m:e>
-                        <m:sub>
-                          <m:r>
-                            <a:rPr lang="en-US" i="1">
-                              <a:latin typeface="Cambria Math" panose="02040503050406030204" pitchFamily="18" charset="0"/>
-                            </a:rPr>
-                            <m:t>𝑙</m:t>
-                          </m:r>
-                        </m:sub>
-                      </m:sSub>
-                      <m:sSub>
-                        <m:sSubPr>
-                          <m:ctrlPr>
-                            <a:rPr lang="en-US" i="1">
-                              <a:latin typeface="Cambria Math" panose="02040503050406030204" pitchFamily="18" charset="0"/>
-                            </a:rPr>
-                          </m:ctrlPr>
-                        </m:sSubPr>
-                        <m:e>
-                          <m:r>
-                            <a:rPr lang="en-US" i="1">
-                              <a:latin typeface="Cambria Math" panose="02040503050406030204" pitchFamily="18" charset="0"/>
-                            </a:rPr>
-                            <m:t>h</m:t>
-                          </m:r>
-                        </m:e>
-                        <m:sub>
-                          <m:r>
-                            <a:rPr lang="en-US" i="1">
-                              <a:latin typeface="Cambria Math" panose="02040503050406030204" pitchFamily="18" charset="0"/>
-                            </a:rPr>
-                            <m:t>𝑡</m:t>
-                          </m:r>
-                          <m:r>
-                            <a:rPr lang="en-US" i="0">
-                              <a:latin typeface="Cambria Math" panose="02040503050406030204" pitchFamily="18" charset="0"/>
-                            </a:rPr>
-                            <m:t>−1,</m:t>
-                          </m:r>
-                          <m:r>
-                            <a:rPr lang="en-US" i="1">
-                              <a:latin typeface="Cambria Math" panose="02040503050406030204" pitchFamily="18" charset="0"/>
-                            </a:rPr>
-                            <m:t>𝑗</m:t>
-                          </m:r>
-                          <m:r>
-                            <a:rPr lang="en-US" i="0">
-                              <a:latin typeface="Cambria Math" panose="02040503050406030204" pitchFamily="18" charset="0"/>
-                            </a:rPr>
-                            <m:t>−1</m:t>
-                          </m:r>
-                        </m:sub>
-                      </m:sSub>
-                      <m:r>
-                        <a:rPr lang="en-US" i="0">
-                          <a:latin typeface="Cambria Math" panose="02040503050406030204" pitchFamily="18" charset="0"/>
-                        </a:rPr>
-                        <m:t>+</m:t>
-                      </m:r>
-                      <m:sSub>
-                        <m:sSubPr>
-                          <m:ctrlPr>
-                            <a:rPr lang="en-US" i="1">
-                              <a:latin typeface="Cambria Math" panose="02040503050406030204" pitchFamily="18" charset="0"/>
-                            </a:rPr>
-                          </m:ctrlPr>
-                        </m:sSubPr>
-                        <m:e>
-                          <m:r>
-                            <a:rPr lang="en-US" i="1">
-                              <a:latin typeface="Cambria Math" panose="02040503050406030204" pitchFamily="18" charset="0"/>
-                            </a:rPr>
-                            <m:t>𝜔</m:t>
-                          </m:r>
-                        </m:e>
-                        <m:sub>
-                          <m:r>
-                            <a:rPr lang="en-US" i="1">
-                              <a:latin typeface="Cambria Math" panose="02040503050406030204" pitchFamily="18" charset="0"/>
-                            </a:rPr>
-                            <m:t>𝑟</m:t>
-                          </m:r>
-                        </m:sub>
-                      </m:sSub>
-                      <m:sSub>
-                        <m:sSubPr>
-                          <m:ctrlPr>
-                            <a:rPr lang="en-US" i="1">
-                              <a:latin typeface="Cambria Math" panose="02040503050406030204" pitchFamily="18" charset="0"/>
-                            </a:rPr>
-                          </m:ctrlPr>
-                        </m:sSubPr>
-                        <m:e>
-                          <m:r>
-                            <a:rPr lang="en-US" i="1">
-                              <a:latin typeface="Cambria Math" panose="02040503050406030204" pitchFamily="18" charset="0"/>
-                            </a:rPr>
-                            <m:t>h</m:t>
-                          </m:r>
-                        </m:e>
-                        <m:sub>
-                          <m:r>
-                            <a:rPr lang="en-US" i="1">
-                              <a:latin typeface="Cambria Math" panose="02040503050406030204" pitchFamily="18" charset="0"/>
-                            </a:rPr>
-                            <m:t>𝑡</m:t>
-                          </m:r>
-                          <m:r>
-                            <a:rPr lang="en-US" i="0">
-                              <a:latin typeface="Cambria Math" panose="02040503050406030204" pitchFamily="18" charset="0"/>
-                            </a:rPr>
-                            <m:t>−1,</m:t>
-                          </m:r>
-                          <m:r>
-                            <a:rPr lang="en-US" i="1">
-                              <a:latin typeface="Cambria Math" panose="02040503050406030204" pitchFamily="18" charset="0"/>
-                            </a:rPr>
-                            <m:t>𝑗</m:t>
-                          </m:r>
-                        </m:sub>
-                      </m:sSub>
-                    </m:oMath>
-                  </m:oMathPara>
-                </a14:m>
-                <a:endParaRPr lang="en-US" dirty="0"/>
-              </a:p>
-            </p:txBody>
-          </p:sp>
-        </mc:Choice>
-        <mc:Fallback xmlns="">
-          <p:sp>
-            <p:nvSpPr>
-              <p:cNvPr id="3" name="Rectangle 2"/>
-              <p:cNvSpPr>
-                <a:spLocks noRot="1" noChangeAspect="1" noMove="1" noResize="1" noEditPoints="1" noAdjustHandles="1" noChangeArrowheads="1" noChangeShapeType="1" noTextEdit="1"/>
-              </p:cNvSpPr>
-              <p:nvPr/>
-            </p:nvSpPr>
-            <p:spPr>
-              <a:xfrm>
-                <a:off x="663633" y="2102290"/>
-                <a:ext cx="3852785" cy="410305"/>
-              </a:xfrm>
-              <a:prstGeom prst="rect">
-                <a:avLst/>
-              </a:prstGeom>
-              <a:blipFill>
-                <a:blip r:embed="rId7"/>
-                <a:stretch>
-                  <a:fillRect t="-1493" b="-7463"/>
-                </a:stretch>
-              </a:blipFill>
-            </p:spPr>
-            <p:txBody>
-              <a:bodyPr/>
-              <a:lstStyle/>
-              <a:p>
-                <a:r>
-                  <a:rPr lang="en-US">
-                    <a:noFill/>
-                  </a:rPr>
-                  <a:t> </a:t>
-                </a:r>
-              </a:p>
-            </p:txBody>
-          </p:sp>
-        </mc:Fallback>
-      </mc:AlternateContent>
-      <mc:AlternateContent xmlns:mc="http://schemas.openxmlformats.org/markup-compatibility/2006" xmlns:a14="http://schemas.microsoft.com/office/drawing/2010/main">
-        <mc:Choice Requires="a14">
-          <p:sp>
-            <p:nvSpPr>
-              <p:cNvPr id="4" name="Rectangle 3"/>
-              <p:cNvSpPr/>
-              <p:nvPr/>
-            </p:nvSpPr>
-            <p:spPr>
-              <a:xfrm>
-                <a:off x="663633" y="2645702"/>
-                <a:ext cx="3820790" cy="824200"/>
-              </a:xfrm>
-              <a:prstGeom prst="rect">
-                <a:avLst/>
-              </a:prstGeom>
-            </p:spPr>
-            <p:txBody>
-              <a:bodyPr wrap="none">
-                <a:spAutoFit/>
-              </a:bodyPr>
-              <a:lstStyle/>
-              <a:p>
-                <a:pPr/>
-                <a14:m>
-                  <m:oMathPara xmlns:m="http://schemas.openxmlformats.org/officeDocument/2006/math">
-                    <m:oMathParaPr>
-                      <m:jc m:val="centerGroup"/>
-                    </m:oMathParaPr>
-                    <m:oMath xmlns:m="http://schemas.openxmlformats.org/officeDocument/2006/math">
-                      <m:d>
-                        <m:dPr>
-                          <m:begChr m:val="["/>
-                          <m:endChr m:val="]"/>
-                          <m:ctrlPr>
-                            <a:rPr lang="en-US" i="1">
-                              <a:latin typeface="Cambria Math" panose="02040503050406030204" pitchFamily="18" charset="0"/>
-                            </a:rPr>
-                          </m:ctrlPr>
-                        </m:dPr>
-                        <m:e>
-                          <m:m>
-                            <m:mPr>
-                              <m:mcs>
-                                <m:mc>
-                                  <m:mcPr>
-                                    <m:count m:val="1"/>
-                                    <m:mcJc m:val="center"/>
-                                  </m:mcPr>
-                                </m:mc>
-                              </m:mcs>
-                              <m:ctrlPr>
-                                <a:rPr lang="en-US" i="1">
-                                  <a:latin typeface="Cambria Math" panose="02040503050406030204" pitchFamily="18" charset="0"/>
-                                </a:rPr>
-                              </m:ctrlPr>
-                            </m:mPr>
-                            <m:mr>
-                              <m:e>
-                                <m:sSub>
-                                  <m:sSubPr>
-                                    <m:ctrlPr>
-                                      <a:rPr lang="en-US" i="1">
-                                        <a:latin typeface="Cambria Math" panose="02040503050406030204" pitchFamily="18" charset="0"/>
-                                      </a:rPr>
-                                    </m:ctrlPr>
-                                  </m:sSubPr>
-                                  <m:e>
-                                    <m:r>
-                                      <a:rPr lang="en-US" i="1">
-                                        <a:latin typeface="Cambria Math" panose="02040503050406030204" pitchFamily="18" charset="0"/>
-                                      </a:rPr>
-                                      <m:t>𝜔</m:t>
-                                    </m:r>
-                                  </m:e>
-                                  <m:sub>
-                                    <m:r>
-                                      <a:rPr lang="en-US" i="1">
-                                        <a:latin typeface="Cambria Math" panose="02040503050406030204" pitchFamily="18" charset="0"/>
-                                      </a:rPr>
-                                      <m:t>𝑐</m:t>
-                                    </m:r>
-                                  </m:sub>
-                                </m:sSub>
-                              </m:e>
-                            </m:mr>
-                            <m:mr>
-                              <m:e>
-                                <m:sSub>
-                                  <m:sSubPr>
-                                    <m:ctrlPr>
-                                      <a:rPr lang="en-US" i="1">
-                                        <a:latin typeface="Cambria Math" panose="02040503050406030204" pitchFamily="18" charset="0"/>
-                                      </a:rPr>
-                                    </m:ctrlPr>
-                                  </m:sSubPr>
-                                  <m:e>
-                                    <m:r>
-                                      <a:rPr lang="en-US" i="1">
-                                        <a:latin typeface="Cambria Math" panose="02040503050406030204" pitchFamily="18" charset="0"/>
-                                      </a:rPr>
-                                      <m:t>𝜔</m:t>
-                                    </m:r>
-                                  </m:e>
-                                  <m:sub>
-                                    <m:r>
-                                      <a:rPr lang="en-US" i="1">
-                                        <a:latin typeface="Cambria Math" panose="02040503050406030204" pitchFamily="18" charset="0"/>
-                                      </a:rPr>
-                                      <m:t>𝑙</m:t>
-                                    </m:r>
-                                  </m:sub>
-                                </m:sSub>
-                              </m:e>
-                            </m:mr>
-                            <m:mr>
-                              <m:e>
-                                <m:sSub>
-                                  <m:sSubPr>
-                                    <m:ctrlPr>
-                                      <a:rPr lang="en-US" i="1">
-                                        <a:latin typeface="Cambria Math" panose="02040503050406030204" pitchFamily="18" charset="0"/>
-                                      </a:rPr>
-                                    </m:ctrlPr>
-                                  </m:sSubPr>
-                                  <m:e>
-                                    <m:r>
-                                      <a:rPr lang="en-US" i="1">
-                                        <a:latin typeface="Cambria Math" panose="02040503050406030204" pitchFamily="18" charset="0"/>
-                                      </a:rPr>
-                                      <m:t>𝜔</m:t>
-                                    </m:r>
-                                  </m:e>
-                                  <m:sub>
-                                    <m:r>
-                                      <a:rPr lang="en-US" i="1">
-                                        <a:latin typeface="Cambria Math" panose="02040503050406030204" pitchFamily="18" charset="0"/>
-                                      </a:rPr>
-                                      <m:t>𝑟</m:t>
-                                    </m:r>
-                                  </m:sub>
-                                </m:sSub>
-                              </m:e>
-                            </m:mr>
-                          </m:m>
-                        </m:e>
-                      </m:d>
-                      <m:r>
-                        <a:rPr lang="en-US" i="0">
-                          <a:latin typeface="Cambria Math" panose="02040503050406030204" pitchFamily="18" charset="0"/>
-                        </a:rPr>
-                        <m:t>=</m:t>
-                      </m:r>
-                      <m:f>
-                        <m:fPr>
-                          <m:ctrlPr>
-                            <a:rPr lang="en-US" i="1">
-                              <a:latin typeface="Cambria Math" panose="02040503050406030204" pitchFamily="18" charset="0"/>
-                            </a:rPr>
-                          </m:ctrlPr>
-                        </m:fPr>
-                        <m:num>
-                          <m:r>
-                            <a:rPr lang="en-US" i="0">
-                              <a:latin typeface="Cambria Math" panose="02040503050406030204" pitchFamily="18" charset="0"/>
-                            </a:rPr>
-                            <m:t>1</m:t>
-                          </m:r>
-                        </m:num>
-                        <m:den>
-                          <m:r>
-                            <a:rPr lang="en-US" i="1">
-                              <a:latin typeface="Cambria Math" panose="02040503050406030204" pitchFamily="18" charset="0"/>
-                            </a:rPr>
-                            <m:t>𝑍</m:t>
-                          </m:r>
-                        </m:den>
-                      </m:f>
-                      <m:r>
-                        <m:rPr>
-                          <m:sty m:val="p"/>
-                        </m:rPr>
-                        <a:rPr lang="en-US" i="0">
-                          <a:latin typeface="Cambria Math" panose="02040503050406030204" pitchFamily="18" charset="0"/>
-                        </a:rPr>
-                        <m:t>ex</m:t>
-                      </m:r>
-                      <m:func>
-                        <m:funcPr>
-                          <m:ctrlPr>
-                            <a:rPr lang="en-US" i="1">
-                              <a:latin typeface="Cambria Math" panose="02040503050406030204" pitchFamily="18" charset="0"/>
-                            </a:rPr>
-                          </m:ctrlPr>
-                        </m:funcPr>
-                        <m:fName>
-                          <m:r>
-                            <m:rPr>
-                              <m:sty m:val="p"/>
-                            </m:rPr>
-                            <a:rPr lang="en-US" i="0">
-                              <a:latin typeface="Cambria Math" panose="02040503050406030204" pitchFamily="18" charset="0"/>
-                            </a:rPr>
-                            <m:t>p</m:t>
-                          </m:r>
-                        </m:fName>
-                        <m:e>
-                          <m:d>
-                            <m:dPr>
-                              <m:ctrlPr>
-                                <a:rPr lang="en-US" i="1">
-                                  <a:latin typeface="Cambria Math" panose="02040503050406030204" pitchFamily="18" charset="0"/>
-                                </a:rPr>
-                              </m:ctrlPr>
-                            </m:dPr>
-                            <m:e>
-                              <m:sSub>
-                                <m:sSubPr>
-                                  <m:ctrlPr>
-                                    <a:rPr lang="en-US" i="1">
-                                      <a:latin typeface="Cambria Math" panose="02040503050406030204" pitchFamily="18" charset="0"/>
-                                    </a:rPr>
-                                  </m:ctrlPr>
-                                </m:sSubPr>
-                                <m:e>
-                                  <m:r>
-                                    <a:rPr lang="en-US" i="1">
-                                      <a:latin typeface="Cambria Math" panose="02040503050406030204" pitchFamily="18" charset="0"/>
-                                    </a:rPr>
-                                    <m:t>𝐺</m:t>
-                                  </m:r>
-                                </m:e>
-                                <m:sub>
-                                  <m:r>
-                                    <a:rPr lang="en-US" i="1">
-                                      <a:latin typeface="Cambria Math" panose="02040503050406030204" pitchFamily="18" charset="0"/>
-                                    </a:rPr>
-                                    <m:t>𝑙</m:t>
-                                  </m:r>
-                                </m:sub>
-                              </m:sSub>
-                              <m:sSub>
-                                <m:sSubPr>
-                                  <m:ctrlPr>
-                                    <a:rPr lang="en-US" i="1">
-                                      <a:latin typeface="Cambria Math" panose="02040503050406030204" pitchFamily="18" charset="0"/>
-                                    </a:rPr>
-                                  </m:ctrlPr>
-                                </m:sSubPr>
-                                <m:e>
-                                  <m:r>
-                                    <a:rPr lang="en-US" i="1">
-                                      <a:latin typeface="Cambria Math" panose="02040503050406030204" pitchFamily="18" charset="0"/>
-                                    </a:rPr>
-                                    <m:t>h</m:t>
-                                  </m:r>
-                                </m:e>
-                                <m:sub>
-                                  <m:r>
-                                    <a:rPr lang="en-US" i="1">
-                                      <a:latin typeface="Cambria Math" panose="02040503050406030204" pitchFamily="18" charset="0"/>
-                                    </a:rPr>
-                                    <m:t>𝑡</m:t>
-                                  </m:r>
-                                  <m:r>
-                                    <a:rPr lang="en-US" i="0">
-                                      <a:latin typeface="Cambria Math" panose="02040503050406030204" pitchFamily="18" charset="0"/>
-                                    </a:rPr>
-                                    <m:t>−1,</m:t>
-                                  </m:r>
-                                  <m:r>
-                                    <a:rPr lang="en-US" i="1">
-                                      <a:latin typeface="Cambria Math" panose="02040503050406030204" pitchFamily="18" charset="0"/>
-                                    </a:rPr>
-                                    <m:t>𝑗</m:t>
-                                  </m:r>
-                                  <m:r>
-                                    <a:rPr lang="en-US" i="0">
-                                      <a:latin typeface="Cambria Math" panose="02040503050406030204" pitchFamily="18" charset="0"/>
-                                    </a:rPr>
-                                    <m:t>−1</m:t>
-                                  </m:r>
-                                </m:sub>
-                              </m:sSub>
-                              <m:r>
-                                <a:rPr lang="en-US" i="0">
-                                  <a:latin typeface="Cambria Math" panose="02040503050406030204" pitchFamily="18" charset="0"/>
-                                </a:rPr>
-                                <m:t>+</m:t>
-                              </m:r>
-                              <m:sSub>
-                                <m:sSubPr>
-                                  <m:ctrlPr>
-                                    <a:rPr lang="en-US" i="1">
-                                      <a:latin typeface="Cambria Math" panose="02040503050406030204" pitchFamily="18" charset="0"/>
-                                    </a:rPr>
-                                  </m:ctrlPr>
-                                </m:sSubPr>
-                                <m:e>
-                                  <m:r>
-                                    <a:rPr lang="en-US" i="1">
-                                      <a:latin typeface="Cambria Math" panose="02040503050406030204" pitchFamily="18" charset="0"/>
-                                    </a:rPr>
-                                    <m:t>𝐺</m:t>
-                                  </m:r>
-                                </m:e>
-                                <m:sub>
-                                  <m:r>
-                                    <a:rPr lang="en-US" i="1">
-                                      <a:latin typeface="Cambria Math" panose="02040503050406030204" pitchFamily="18" charset="0"/>
-                                    </a:rPr>
-                                    <m:t>𝑟</m:t>
-                                  </m:r>
-                                </m:sub>
-                              </m:sSub>
-                              <m:sSub>
-                                <m:sSubPr>
-                                  <m:ctrlPr>
-                                    <a:rPr lang="en-US" i="1">
-                                      <a:latin typeface="Cambria Math" panose="02040503050406030204" pitchFamily="18" charset="0"/>
-                                    </a:rPr>
-                                  </m:ctrlPr>
-                                </m:sSubPr>
-                                <m:e>
-                                  <m:r>
-                                    <a:rPr lang="en-US" i="1">
-                                      <a:latin typeface="Cambria Math" panose="02040503050406030204" pitchFamily="18" charset="0"/>
-                                    </a:rPr>
-                                    <m:t>h</m:t>
-                                  </m:r>
-                                </m:e>
-                                <m:sub>
-                                  <m:r>
-                                    <a:rPr lang="en-US" i="1">
-                                      <a:latin typeface="Cambria Math" panose="02040503050406030204" pitchFamily="18" charset="0"/>
-                                    </a:rPr>
-                                    <m:t>𝑡</m:t>
-                                  </m:r>
-                                  <m:r>
-                                    <a:rPr lang="en-US" i="0">
-                                      <a:latin typeface="Cambria Math" panose="02040503050406030204" pitchFamily="18" charset="0"/>
-                                    </a:rPr>
-                                    <m:t>−1,</m:t>
-                                  </m:r>
-                                  <m:r>
-                                    <a:rPr lang="en-US" i="1">
-                                      <a:latin typeface="Cambria Math" panose="02040503050406030204" pitchFamily="18" charset="0"/>
-                                    </a:rPr>
-                                    <m:t>𝑗</m:t>
-                                  </m:r>
-                                </m:sub>
-                              </m:sSub>
-                            </m:e>
-                          </m:d>
-                        </m:e>
-                      </m:func>
-                    </m:oMath>
-                  </m:oMathPara>
-                </a14:m>
-                <a:endParaRPr lang="en-US" dirty="0"/>
-              </a:p>
-            </p:txBody>
-          </p:sp>
-        </mc:Choice>
-        <mc:Fallback xmlns="">
-          <p:sp>
-            <p:nvSpPr>
-              <p:cNvPr id="4" name="Rectangle 3"/>
-              <p:cNvSpPr>
-                <a:spLocks noRot="1" noChangeAspect="1" noMove="1" noResize="1" noEditPoints="1" noAdjustHandles="1" noChangeArrowheads="1" noChangeShapeType="1" noTextEdit="1"/>
-              </p:cNvSpPr>
-              <p:nvPr/>
-            </p:nvSpPr>
-            <p:spPr>
-              <a:xfrm>
-                <a:off x="663633" y="2645702"/>
-                <a:ext cx="3820790" cy="824200"/>
-              </a:xfrm>
-              <a:prstGeom prst="rect">
-                <a:avLst/>
-              </a:prstGeom>
-              <a:blipFill>
-                <a:blip r:embed="rId8"/>
-                <a:stretch>
-                  <a:fillRect/>
-                </a:stretch>
-              </a:blipFill>
-            </p:spPr>
-            <p:txBody>
-              <a:bodyPr/>
-              <a:lstStyle/>
-              <a:p>
-                <a:r>
-                  <a:rPr lang="en-US">
-                    <a:noFill/>
-                  </a:rPr>
-                  <a:t> </a:t>
-                </a:r>
-              </a:p>
-            </p:txBody>
-          </p:sp>
-        </mc:Fallback>
-      </mc:AlternateContent>
-      <mc:AlternateContent xmlns:mc="http://schemas.openxmlformats.org/markup-compatibility/2006" xmlns:a14="http://schemas.microsoft.com/office/drawing/2010/main">
-        <mc:Choice Requires="a14">
-          <p:sp>
-            <p:nvSpPr>
-              <p:cNvPr id="6" name="Rectangle 5"/>
-              <p:cNvSpPr/>
-              <p:nvPr/>
-            </p:nvSpPr>
-            <p:spPr>
-              <a:xfrm>
-                <a:off x="663633" y="3603009"/>
-                <a:ext cx="3345852" cy="871072"/>
-              </a:xfrm>
-              <a:prstGeom prst="rect">
-                <a:avLst/>
-              </a:prstGeom>
-            </p:spPr>
-            <p:txBody>
-              <a:bodyPr wrap="none">
-                <a:spAutoFit/>
-              </a:bodyPr>
-              <a:lstStyle/>
-              <a:p>
-                <a:pPr/>
-                <a14:m>
-                  <m:oMathPara xmlns:m="http://schemas.openxmlformats.org/officeDocument/2006/math">
-                    <m:oMathParaPr>
-                      <m:jc m:val="centerGroup"/>
-                    </m:oMathParaPr>
-                    <m:oMath xmlns:m="http://schemas.openxmlformats.org/officeDocument/2006/math">
-                      <m:r>
-                        <a:rPr lang="en-US" i="1">
-                          <a:latin typeface="Cambria Math" panose="02040503050406030204" pitchFamily="18" charset="0"/>
-                        </a:rPr>
-                        <m:t>𝑍</m:t>
-                      </m:r>
-                      <m:r>
-                        <a:rPr lang="en-US" i="0">
-                          <a:latin typeface="Cambria Math" panose="02040503050406030204" pitchFamily="18" charset="0"/>
-                        </a:rPr>
-                        <m:t>=</m:t>
-                      </m:r>
-                      <m:nary>
-                        <m:naryPr>
-                          <m:chr m:val="∑"/>
-                          <m:limLoc m:val="undOvr"/>
-                          <m:ctrlPr>
-                            <a:rPr lang="en-US" i="1">
-                              <a:latin typeface="Cambria Math" panose="02040503050406030204" pitchFamily="18" charset="0"/>
-                            </a:rPr>
-                          </m:ctrlPr>
-                        </m:naryPr>
-                        <m:sub>
-                          <m:r>
-                            <a:rPr lang="en-US" i="1">
-                              <a:latin typeface="Cambria Math" panose="02040503050406030204" pitchFamily="18" charset="0"/>
-                            </a:rPr>
-                            <m:t>𝑘</m:t>
-                          </m:r>
-                          <m:r>
-                            <a:rPr lang="en-US" i="0">
-                              <a:latin typeface="Cambria Math" panose="02040503050406030204" pitchFamily="18" charset="0"/>
-                            </a:rPr>
-                            <m:t>=1</m:t>
-                          </m:r>
-                        </m:sub>
-                        <m:sup>
-                          <m:r>
-                            <a:rPr lang="en-US" i="0">
-                              <a:latin typeface="Cambria Math" panose="02040503050406030204" pitchFamily="18" charset="0"/>
-                            </a:rPr>
-                            <m:t>3</m:t>
-                          </m:r>
-                        </m:sup>
-                        <m:e>
-                          <m:sSub>
-                            <m:sSubPr>
-                              <m:ctrlPr>
-                                <a:rPr lang="en-US" i="1">
-                                  <a:latin typeface="Cambria Math" panose="02040503050406030204" pitchFamily="18" charset="0"/>
-                                </a:rPr>
-                              </m:ctrlPr>
-                            </m:sSubPr>
-                            <m:e>
-                              <m:d>
-                                <m:dPr>
-                                  <m:begChr m:val="["/>
-                                  <m:endChr m:val="]"/>
-                                  <m:ctrlPr>
-                                    <a:rPr lang="en-US" i="1">
-                                      <a:latin typeface="Cambria Math" panose="02040503050406030204" pitchFamily="18" charset="0"/>
-                                    </a:rPr>
-                                  </m:ctrlPr>
-                                </m:dPr>
-                                <m:e>
-                                  <m:sSub>
-                                    <m:sSubPr>
-                                      <m:ctrlPr>
-                                        <a:rPr lang="en-US" i="1">
-                                          <a:latin typeface="Cambria Math" panose="02040503050406030204" pitchFamily="18" charset="0"/>
-                                        </a:rPr>
-                                      </m:ctrlPr>
-                                    </m:sSubPr>
-                                    <m:e>
-                                      <m:r>
-                                        <a:rPr lang="en-US" i="1">
-                                          <a:latin typeface="Cambria Math" panose="02040503050406030204" pitchFamily="18" charset="0"/>
-                                        </a:rPr>
-                                        <m:t>𝐺</m:t>
-                                      </m:r>
-                                    </m:e>
-                                    <m:sub>
-                                      <m:r>
-                                        <a:rPr lang="en-US" i="1">
-                                          <a:latin typeface="Cambria Math" panose="02040503050406030204" pitchFamily="18" charset="0"/>
-                                        </a:rPr>
-                                        <m:t>𝑙</m:t>
-                                      </m:r>
-                                    </m:sub>
-                                  </m:sSub>
-                                  <m:sSub>
-                                    <m:sSubPr>
-                                      <m:ctrlPr>
-                                        <a:rPr lang="en-US" i="1">
-                                          <a:latin typeface="Cambria Math" panose="02040503050406030204" pitchFamily="18" charset="0"/>
-                                        </a:rPr>
-                                      </m:ctrlPr>
-                                    </m:sSubPr>
-                                    <m:e>
-                                      <m:r>
-                                        <a:rPr lang="en-US" i="1">
-                                          <a:latin typeface="Cambria Math" panose="02040503050406030204" pitchFamily="18" charset="0"/>
-                                        </a:rPr>
-                                        <m:t>h</m:t>
-                                      </m:r>
-                                    </m:e>
-                                    <m:sub>
-                                      <m:r>
-                                        <a:rPr lang="en-US" i="1">
-                                          <a:latin typeface="Cambria Math" panose="02040503050406030204" pitchFamily="18" charset="0"/>
-                                        </a:rPr>
-                                        <m:t>𝑡</m:t>
-                                      </m:r>
-                                      <m:r>
-                                        <a:rPr lang="en-US" i="0">
-                                          <a:latin typeface="Cambria Math" panose="02040503050406030204" pitchFamily="18" charset="0"/>
-                                        </a:rPr>
-                                        <m:t>−1,</m:t>
-                                      </m:r>
-                                      <m:r>
-                                        <a:rPr lang="en-US" i="1">
-                                          <a:latin typeface="Cambria Math" panose="02040503050406030204" pitchFamily="18" charset="0"/>
-                                        </a:rPr>
-                                        <m:t>𝑗</m:t>
-                                      </m:r>
-                                      <m:r>
-                                        <a:rPr lang="en-US" i="0">
-                                          <a:latin typeface="Cambria Math" panose="02040503050406030204" pitchFamily="18" charset="0"/>
-                                        </a:rPr>
-                                        <m:t>−1</m:t>
-                                      </m:r>
-                                    </m:sub>
-                                  </m:sSub>
-                                  <m:r>
-                                    <a:rPr lang="en-US" i="0">
-                                      <a:latin typeface="Cambria Math" panose="02040503050406030204" pitchFamily="18" charset="0"/>
-                                    </a:rPr>
-                                    <m:t>+</m:t>
-                                  </m:r>
-                                  <m:sSub>
-                                    <m:sSubPr>
-                                      <m:ctrlPr>
-                                        <a:rPr lang="en-US" i="1">
-                                          <a:latin typeface="Cambria Math" panose="02040503050406030204" pitchFamily="18" charset="0"/>
-                                        </a:rPr>
-                                      </m:ctrlPr>
-                                    </m:sSubPr>
-                                    <m:e>
-                                      <m:r>
-                                        <a:rPr lang="en-US" i="1">
-                                          <a:latin typeface="Cambria Math" panose="02040503050406030204" pitchFamily="18" charset="0"/>
-                                        </a:rPr>
-                                        <m:t>𝐺</m:t>
-                                      </m:r>
-                                    </m:e>
-                                    <m:sub>
-                                      <m:r>
-                                        <a:rPr lang="en-US" i="1">
-                                          <a:latin typeface="Cambria Math" panose="02040503050406030204" pitchFamily="18" charset="0"/>
-                                        </a:rPr>
-                                        <m:t>𝑟</m:t>
-                                      </m:r>
-                                    </m:sub>
-                                  </m:sSub>
-                                  <m:sSub>
-                                    <m:sSubPr>
-                                      <m:ctrlPr>
-                                        <a:rPr lang="en-US" i="1">
-                                          <a:latin typeface="Cambria Math" panose="02040503050406030204" pitchFamily="18" charset="0"/>
-                                        </a:rPr>
-                                      </m:ctrlPr>
-                                    </m:sSubPr>
-                                    <m:e>
-                                      <m:r>
-                                        <a:rPr lang="en-US" i="1">
-                                          <a:latin typeface="Cambria Math" panose="02040503050406030204" pitchFamily="18" charset="0"/>
-                                        </a:rPr>
-                                        <m:t>h</m:t>
-                                      </m:r>
-                                    </m:e>
-                                    <m:sub>
-                                      <m:r>
-                                        <a:rPr lang="en-US" i="1">
-                                          <a:latin typeface="Cambria Math" panose="02040503050406030204" pitchFamily="18" charset="0"/>
-                                        </a:rPr>
-                                        <m:t>𝑡</m:t>
-                                      </m:r>
-                                      <m:r>
-                                        <a:rPr lang="en-US" i="0">
-                                          <a:latin typeface="Cambria Math" panose="02040503050406030204" pitchFamily="18" charset="0"/>
-                                        </a:rPr>
-                                        <m:t>−1,</m:t>
-                                      </m:r>
-                                      <m:r>
-                                        <a:rPr lang="en-US" i="1">
-                                          <a:latin typeface="Cambria Math" panose="02040503050406030204" pitchFamily="18" charset="0"/>
-                                        </a:rPr>
-                                        <m:t>𝑗</m:t>
-                                      </m:r>
-                                    </m:sub>
-                                  </m:sSub>
-                                </m:e>
-                              </m:d>
-                            </m:e>
-                            <m:sub>
-                              <m:r>
-                                <a:rPr lang="en-US" i="1">
-                                  <a:latin typeface="Cambria Math" panose="02040503050406030204" pitchFamily="18" charset="0"/>
-                                </a:rPr>
-                                <m:t>𝑘</m:t>
-                              </m:r>
-                            </m:sub>
-                          </m:sSub>
-                        </m:e>
-                      </m:nary>
-                    </m:oMath>
-                  </m:oMathPara>
-                </a14:m>
-                <a:endParaRPr lang="en-US" dirty="0"/>
-              </a:p>
-            </p:txBody>
-          </p:sp>
-        </mc:Choice>
-        <mc:Fallback xmlns="">
-          <p:sp>
-            <p:nvSpPr>
-              <p:cNvPr id="6" name="Rectangle 5"/>
-              <p:cNvSpPr>
-                <a:spLocks noRot="1" noChangeAspect="1" noMove="1" noResize="1" noEditPoints="1" noAdjustHandles="1" noChangeArrowheads="1" noChangeShapeType="1" noTextEdit="1"/>
-              </p:cNvSpPr>
-              <p:nvPr/>
-            </p:nvSpPr>
-            <p:spPr>
-              <a:xfrm>
-                <a:off x="663633" y="3603009"/>
-                <a:ext cx="3345852" cy="871072"/>
-              </a:xfrm>
-              <a:prstGeom prst="rect">
-                <a:avLst/>
-              </a:prstGeom>
-              <a:blipFill>
-                <a:blip r:embed="rId9"/>
-                <a:stretch>
-                  <a:fillRect/>
-                </a:stretch>
-              </a:blipFill>
-            </p:spPr>
-            <p:txBody>
-              <a:bodyPr/>
-              <a:lstStyle/>
-              <a:p>
-                <a:r>
-                  <a:rPr lang="en-US">
-                    <a:noFill/>
-                  </a:rPr>
-                  <a:t> </a:t>
-                </a:r>
-              </a:p>
-            </p:txBody>
-          </p:sp>
-        </mc:Fallback>
-      </mc:AlternateContent>
-    </p:spTree>
-    <p:extLst>
-      <p:ext uri="{BB962C8B-B14F-4D97-AF65-F5344CB8AC3E}">
-        <p14:creationId xmlns:p14="http://schemas.microsoft.com/office/powerpoint/2010/main" val="3774649875"/>
-      </p:ext>
-    </p:extLst>
-  </p:cSld>
-  <p:clrMapOvr>
-    <a:masterClrMapping/>
-  </p:clrMapOvr>
-  <p:timing>
-    <p:tnLst>
-      <p:par>
-        <p:cTn id="1" dur="indefinite" restart="never" nodeType="tmRoot"/>
-      </p:par>
-    </p:tnLst>
-  </p:timing>
-</p:sld>
-</file>
-
-<file path=ppt/slides/slide8.xml><?xml version="1.0" encoding="utf-8"?>
-<p:sld xmlns:a="http://schemas.openxmlformats.org/drawingml/2006/main" xmlns:r="http://schemas.openxmlformats.org/officeDocument/2006/relationships" xmlns:p="http://schemas.openxmlformats.org/presentationml/2006/main">
-  <p:cSld>
-    <p:spTree>
-      <p:nvGrpSpPr>
-        <p:cNvPr id="1" name=""/>
-        <p:cNvGrpSpPr/>
-        <p:nvPr/>
-      </p:nvGrpSpPr>
-      <p:grpSpPr>
-        <a:xfrm>
-          <a:off x="0" y="0"/>
-          <a:ext cx="0" cy="0"/>
-          <a:chOff x="0" y="0"/>
-          <a:chExt cx="0" cy="0"/>
-        </a:xfrm>
-      </p:grpSpPr>
-      <p:sp>
-        <p:nvSpPr>
-          <p:cNvPr id="2" name="Title 1"/>
-          <p:cNvSpPr>
-            <a:spLocks noGrp="1"/>
-          </p:cNvSpPr>
-          <p:nvPr>
-            <p:ph type="title"/>
-          </p:nvPr>
-        </p:nvSpPr>
-        <p:spPr/>
-        <p:txBody>
-          <a:bodyPr/>
-          <a:lstStyle/>
-          <a:p>
-            <a:r>
-              <a:rPr lang="en-US" dirty="0" smtClean="0"/>
-              <a:t>1.3 Word embedding</a:t>
-            </a:r>
-            <a:endParaRPr lang="en-US" dirty="0"/>
-          </a:p>
-        </p:txBody>
-      </p:sp>
       <p:pic>
         <p:nvPicPr>
-          <p:cNvPr id="5" name="Picture 4"/>
+          <p:cNvPr id="3" name="Picture 2"/>
           <p:cNvPicPr>
             <a:picLocks noChangeAspect="1"/>
           </p:cNvPicPr>
           <p:nvPr/>
         </p:nvPicPr>
         <p:blipFill>
-          <a:blip r:embed="rId2"/>
+          <a:blip r:embed="rId7"/>
           <a:stretch>
             <a:fillRect/>
           </a:stretch>
         </p:blipFill>
         <p:spPr>
           <a:xfrm>
-            <a:off x="2220831" y="3091153"/>
-            <a:ext cx="2133600" cy="342900"/>
-          </a:xfrm>
-          <a:prstGeom prst="rect">
-            <a:avLst/>
-          </a:prstGeom>
-        </p:spPr>
-      </p:pic>
-      <p:pic>
-        <p:nvPicPr>
-          <p:cNvPr id="6" name="Picture 5"/>
-          <p:cNvPicPr>
-            <a:picLocks noChangeAspect="1"/>
-          </p:cNvPicPr>
-          <p:nvPr/>
-        </p:nvPicPr>
-        <p:blipFill>
-          <a:blip r:embed="rId3"/>
-          <a:stretch>
-            <a:fillRect/>
-          </a:stretch>
-        </p:blipFill>
-        <p:spPr>
-          <a:xfrm>
-            <a:off x="6593778" y="3129253"/>
-            <a:ext cx="1933575" cy="304800"/>
-          </a:xfrm>
-          <a:prstGeom prst="rect">
-            <a:avLst/>
-          </a:prstGeom>
-        </p:spPr>
-      </p:pic>
-      <p:sp>
-        <p:nvSpPr>
-          <p:cNvPr id="7" name="Right Arrow 6"/>
-          <p:cNvSpPr/>
-          <p:nvPr/>
-        </p:nvSpPr>
-        <p:spPr>
-          <a:xfrm>
-            <a:off x="4611023" y="2993375"/>
-            <a:ext cx="1726163" cy="538455"/>
-          </a:xfrm>
-          <a:prstGeom prst="rightArrow">
-            <a:avLst/>
-          </a:prstGeom>
-        </p:spPr>
-        <p:style>
-          <a:lnRef idx="2">
-            <a:schemeClr val="accent1">
-              <a:shade val="50000"/>
-            </a:schemeClr>
-          </a:lnRef>
-          <a:fillRef idx="1">
-            <a:schemeClr val="accent1"/>
-          </a:fillRef>
-          <a:effectRef idx="0">
-            <a:schemeClr val="accent1"/>
-          </a:effectRef>
-          <a:fontRef idx="minor">
-            <a:schemeClr val="lt1"/>
-          </a:fontRef>
-        </p:style>
-        <p:txBody>
-          <a:bodyPr rtlCol="0" anchor="ctr"/>
-          <a:lstStyle/>
-          <a:p>
-            <a:pPr algn="ctr"/>
-            <a:endParaRPr lang="en-US"/>
-          </a:p>
-        </p:txBody>
-      </p:sp>
-    </p:spTree>
-    <p:extLst>
-      <p:ext uri="{BB962C8B-B14F-4D97-AF65-F5344CB8AC3E}">
-        <p14:creationId xmlns:p14="http://schemas.microsoft.com/office/powerpoint/2010/main" val="3044534367"/>
-      </p:ext>
-    </p:extLst>
-  </p:cSld>
-  <p:clrMapOvr>
-    <a:masterClrMapping/>
-  </p:clrMapOvr>
-  <p:timing>
-    <p:tnLst>
-      <p:par>
-        <p:cTn id="1" dur="indefinite" restart="never" nodeType="tmRoot"/>
-      </p:par>
-    </p:tnLst>
-  </p:timing>
-</p:sld>
-</file>
-
-<file path=ppt/slides/slide9.xml><?xml version="1.0" encoding="utf-8"?>
-<p:sld xmlns:a="http://schemas.openxmlformats.org/drawingml/2006/main" xmlns:r="http://schemas.openxmlformats.org/officeDocument/2006/relationships" xmlns:p="http://schemas.openxmlformats.org/presentationml/2006/main">
-  <p:cSld>
-    <p:spTree>
-      <p:nvGrpSpPr>
-        <p:cNvPr id="1" name=""/>
-        <p:cNvGrpSpPr/>
-        <p:nvPr/>
-      </p:nvGrpSpPr>
-      <p:grpSpPr>
-        <a:xfrm>
-          <a:off x="0" y="0"/>
-          <a:ext cx="0" cy="0"/>
-          <a:chOff x="0" y="0"/>
-          <a:chExt cx="0" cy="0"/>
-        </a:xfrm>
-      </p:grpSpPr>
-      <p:sp>
-        <p:nvSpPr>
-          <p:cNvPr id="2" name="Title 1"/>
-          <p:cNvSpPr>
-            <a:spLocks noGrp="1"/>
-          </p:cNvSpPr>
-          <p:nvPr>
-            <p:ph type="title"/>
-          </p:nvPr>
-        </p:nvSpPr>
-        <p:spPr/>
-        <p:txBody>
-          <a:bodyPr/>
-          <a:lstStyle/>
-          <a:p>
-            <a:r>
-              <a:rPr lang="en-US" dirty="0" smtClean="0"/>
-              <a:t>1.4 Attention</a:t>
-            </a:r>
-            <a:endParaRPr lang="en-US" dirty="0"/>
-          </a:p>
-        </p:txBody>
-      </p:sp>
-      <p:pic>
-        <p:nvPicPr>
-          <p:cNvPr id="4" name="Picture 3"/>
-          <p:cNvPicPr/>
-          <p:nvPr/>
-        </p:nvPicPr>
-        <p:blipFill>
-          <a:blip r:embed="rId2"/>
-          <a:stretch>
-            <a:fillRect/>
-          </a:stretch>
-        </p:blipFill>
-        <p:spPr>
-          <a:xfrm>
-            <a:off x="4376737" y="1870450"/>
-            <a:ext cx="3438525" cy="3133725"/>
+            <a:off x="487939" y="4446098"/>
+            <a:ext cx="1323975" cy="476250"/>
           </a:xfrm>
           <a:prstGeom prst="rect">
             <a:avLst/>
@@ -21485,7 +22344,7 @@
     </p:spTree>
     <p:extLst>
       <p:ext uri="{BB962C8B-B14F-4D97-AF65-F5344CB8AC3E}">
-        <p14:creationId xmlns:p14="http://schemas.microsoft.com/office/powerpoint/2010/main" val="3732974792"/>
+        <p14:creationId xmlns:p14="http://schemas.microsoft.com/office/powerpoint/2010/main" val="1817368114"/>
       </p:ext>
     </p:extLst>
   </p:cSld>

--- a/encoder_decoder.pptx
+++ b/encoder_decoder.pptx
@@ -3167,8 +3167,8 @@
         </p:nvGrpSpPr>
         <p:grpSpPr>
           <a:xfrm>
-            <a:off x="6024658" y="934894"/>
-            <a:ext cx="4649561" cy="5443922"/>
+            <a:off x="6041285" y="1424681"/>
+            <a:ext cx="3551604" cy="4716271"/>
             <a:chOff x="6080642" y="850918"/>
             <a:chExt cx="4649561" cy="5443922"/>
           </a:xfrm>
@@ -10383,1008 +10383,6 @@
       </p:sp>
       <p:sp>
         <p:nvSpPr>
-          <p:cNvPr id="5" name="Rectangle 4"/>
-          <p:cNvSpPr/>
-          <p:nvPr/>
-        </p:nvSpPr>
-        <p:spPr>
-          <a:xfrm>
-            <a:off x="331124" y="3599411"/>
-            <a:ext cx="624840" cy="307571"/>
-          </a:xfrm>
-          <a:prstGeom prst="rect">
-            <a:avLst/>
-          </a:prstGeom>
-          <a:ln>
-            <a:solidFill>
-              <a:srgbClr val="00B0F0"/>
-            </a:solidFill>
-          </a:ln>
-        </p:spPr>
-        <p:style>
-          <a:lnRef idx="1">
-            <a:schemeClr val="accent1"/>
-          </a:lnRef>
-          <a:fillRef idx="2">
-            <a:schemeClr val="accent1"/>
-          </a:fillRef>
-          <a:effectRef idx="1">
-            <a:schemeClr val="accent1"/>
-          </a:effectRef>
-          <a:fontRef idx="minor">
-            <a:schemeClr val="dk1"/>
-          </a:fontRef>
-        </p:style>
-        <p:txBody>
-          <a:bodyPr rtlCol="0" anchor="ctr"/>
-          <a:lstStyle/>
-          <a:p>
-            <a:pPr algn="ctr"/>
-            <a:r>
-              <a:rPr lang="en-US" dirty="0" smtClean="0"/>
-              <a:t>Out</a:t>
-            </a:r>
-            <a:endParaRPr lang="en-US" dirty="0"/>
-          </a:p>
-        </p:txBody>
-      </p:sp>
-      <p:sp>
-        <p:nvSpPr>
-          <p:cNvPr id="6" name="Rectangle 5"/>
-          <p:cNvSpPr/>
-          <p:nvPr/>
-        </p:nvSpPr>
-        <p:spPr>
-          <a:xfrm>
-            <a:off x="8568661" y="484480"/>
-            <a:ext cx="624840" cy="307571"/>
-          </a:xfrm>
-          <a:prstGeom prst="rect">
-            <a:avLst/>
-          </a:prstGeom>
-          <a:ln>
-            <a:solidFill>
-              <a:srgbClr val="00B0F0"/>
-            </a:solidFill>
-          </a:ln>
-        </p:spPr>
-        <p:style>
-          <a:lnRef idx="1">
-            <a:schemeClr val="accent1"/>
-          </a:lnRef>
-          <a:fillRef idx="2">
-            <a:schemeClr val="accent1"/>
-          </a:fillRef>
-          <a:effectRef idx="1">
-            <a:schemeClr val="accent1"/>
-          </a:effectRef>
-          <a:fontRef idx="minor">
-            <a:schemeClr val="dk1"/>
-          </a:fontRef>
-        </p:style>
-        <p:txBody>
-          <a:bodyPr rtlCol="0" anchor="ctr"/>
-          <a:lstStyle/>
-          <a:p>
-            <a:pPr algn="ctr"/>
-            <a:endParaRPr lang="en-US"/>
-          </a:p>
-        </p:txBody>
-      </p:sp>
-      <p:sp>
-        <p:nvSpPr>
-          <p:cNvPr id="7" name="Content Placeholder 2"/>
-          <p:cNvSpPr>
-            <a:spLocks noGrp="1"/>
-          </p:cNvSpPr>
-          <p:nvPr>
-            <p:ph idx="1"/>
-          </p:nvPr>
-        </p:nvSpPr>
-        <p:spPr>
-          <a:xfrm>
-            <a:off x="9302951" y="391452"/>
-            <a:ext cx="2129444" cy="493626"/>
-          </a:xfrm>
-        </p:spPr>
-        <p:txBody>
-          <a:bodyPr/>
-          <a:lstStyle/>
-          <a:p>
-            <a:pPr marL="0" indent="0">
-              <a:buNone/>
-            </a:pPr>
-            <a:r>
-              <a:rPr lang="en-US" dirty="0" smtClean="0"/>
-              <a:t>Encoder</a:t>
-            </a:r>
-            <a:endParaRPr lang="en-US" dirty="0"/>
-          </a:p>
-        </p:txBody>
-      </p:sp>
-      <p:sp>
-        <p:nvSpPr>
-          <p:cNvPr id="9" name="Rectangle 8"/>
-          <p:cNvSpPr/>
-          <p:nvPr/>
-        </p:nvSpPr>
-        <p:spPr>
-          <a:xfrm>
-            <a:off x="8568661" y="972059"/>
-            <a:ext cx="624840" cy="307571"/>
-          </a:xfrm>
-          <a:prstGeom prst="rect">
-            <a:avLst/>
-          </a:prstGeom>
-          <a:ln/>
-        </p:spPr>
-        <p:style>
-          <a:lnRef idx="1">
-            <a:schemeClr val="accent6"/>
-          </a:lnRef>
-          <a:fillRef idx="2">
-            <a:schemeClr val="accent6"/>
-          </a:fillRef>
-          <a:effectRef idx="1">
-            <a:schemeClr val="accent6"/>
-          </a:effectRef>
-          <a:fontRef idx="minor">
-            <a:schemeClr val="dk1"/>
-          </a:fontRef>
-        </p:style>
-        <p:txBody>
-          <a:bodyPr rtlCol="0" anchor="ctr"/>
-          <a:lstStyle/>
-          <a:p>
-            <a:pPr algn="ctr"/>
-            <a:endParaRPr lang="en-US"/>
-          </a:p>
-        </p:txBody>
-      </p:sp>
-      <p:sp>
-        <p:nvSpPr>
-          <p:cNvPr id="10" name="Content Placeholder 2"/>
-          <p:cNvSpPr txBox="1">
-            <a:spLocks/>
-          </p:cNvSpPr>
-          <p:nvPr/>
-        </p:nvSpPr>
-        <p:spPr>
-          <a:xfrm>
-            <a:off x="9302951" y="877717"/>
-            <a:ext cx="2129444" cy="493626"/>
-          </a:xfrm>
-          <a:prstGeom prst="rect">
-            <a:avLst/>
-          </a:prstGeom>
-        </p:spPr>
-        <p:txBody>
-          <a:bodyPr vert="horz" lIns="91440" tIns="45720" rIns="91440" bIns="45720" rtlCol="0">
-            <a:normAutofit/>
-          </a:bodyPr>
-          <a:lstStyle>
-            <a:lvl1pPr marL="228600" indent="-228600" algn="l" defTabSz="914400" rtl="0" eaLnBrk="1" latinLnBrk="0" hangingPunct="1">
-              <a:lnSpc>
-                <a:spcPct val="90000"/>
-              </a:lnSpc>
-              <a:spcBef>
-                <a:spcPts val="1000"/>
-              </a:spcBef>
-              <a:buFont typeface="Arial" panose="020B0604020202020204" pitchFamily="34" charset="0"/>
-              <a:buChar char="•"/>
-              <a:defRPr sz="2800" kern="1200">
-                <a:solidFill>
-                  <a:schemeClr val="tx1"/>
-                </a:solidFill>
-                <a:latin typeface="+mn-lt"/>
-                <a:ea typeface="+mn-ea"/>
-                <a:cs typeface="+mn-cs"/>
-              </a:defRPr>
-            </a:lvl1pPr>
-            <a:lvl2pPr marL="685800" indent="-228600" algn="l" defTabSz="914400" rtl="0" eaLnBrk="1" latinLnBrk="0" hangingPunct="1">
-              <a:lnSpc>
-                <a:spcPct val="90000"/>
-              </a:lnSpc>
-              <a:spcBef>
-                <a:spcPts val="500"/>
-              </a:spcBef>
-              <a:buFont typeface="Arial" panose="020B0604020202020204" pitchFamily="34" charset="0"/>
-              <a:buChar char="•"/>
-              <a:defRPr sz="2400" kern="1200">
-                <a:solidFill>
-                  <a:schemeClr val="tx1"/>
-                </a:solidFill>
-                <a:latin typeface="+mn-lt"/>
-                <a:ea typeface="+mn-ea"/>
-                <a:cs typeface="+mn-cs"/>
-              </a:defRPr>
-            </a:lvl2pPr>
-            <a:lvl3pPr marL="1143000" indent="-228600" algn="l" defTabSz="914400" rtl="0" eaLnBrk="1" latinLnBrk="0" hangingPunct="1">
-              <a:lnSpc>
-                <a:spcPct val="90000"/>
-              </a:lnSpc>
-              <a:spcBef>
-                <a:spcPts val="500"/>
-              </a:spcBef>
-              <a:buFont typeface="Arial" panose="020B0604020202020204" pitchFamily="34" charset="0"/>
-              <a:buChar char="•"/>
-              <a:defRPr sz="2000" kern="1200">
-                <a:solidFill>
-                  <a:schemeClr val="tx1"/>
-                </a:solidFill>
-                <a:latin typeface="+mn-lt"/>
-                <a:ea typeface="+mn-ea"/>
-                <a:cs typeface="+mn-cs"/>
-              </a:defRPr>
-            </a:lvl3pPr>
-            <a:lvl4pPr marL="1600200" indent="-228600" algn="l" defTabSz="914400" rtl="0" eaLnBrk="1" latinLnBrk="0" hangingPunct="1">
-              <a:lnSpc>
-                <a:spcPct val="90000"/>
-              </a:lnSpc>
-              <a:spcBef>
-                <a:spcPts val="500"/>
-              </a:spcBef>
-              <a:buFont typeface="Arial" panose="020B0604020202020204" pitchFamily="34" charset="0"/>
-              <a:buChar char="•"/>
-              <a:defRPr sz="1800" kern="1200">
-                <a:solidFill>
-                  <a:schemeClr val="tx1"/>
-                </a:solidFill>
-                <a:latin typeface="+mn-lt"/>
-                <a:ea typeface="+mn-ea"/>
-                <a:cs typeface="+mn-cs"/>
-              </a:defRPr>
-            </a:lvl4pPr>
-            <a:lvl5pPr marL="2057400" indent="-228600" algn="l" defTabSz="914400" rtl="0" eaLnBrk="1" latinLnBrk="0" hangingPunct="1">
-              <a:lnSpc>
-                <a:spcPct val="90000"/>
-              </a:lnSpc>
-              <a:spcBef>
-                <a:spcPts val="500"/>
-              </a:spcBef>
-              <a:buFont typeface="Arial" panose="020B0604020202020204" pitchFamily="34" charset="0"/>
-              <a:buChar char="•"/>
-              <a:defRPr sz="1800" kern="1200">
-                <a:solidFill>
-                  <a:schemeClr val="tx1"/>
-                </a:solidFill>
-                <a:latin typeface="+mn-lt"/>
-                <a:ea typeface="+mn-ea"/>
-                <a:cs typeface="+mn-cs"/>
-              </a:defRPr>
-            </a:lvl5pPr>
-            <a:lvl6pPr marL="2514600" indent="-228600" algn="l" defTabSz="914400" rtl="0" eaLnBrk="1" latinLnBrk="0" hangingPunct="1">
-              <a:lnSpc>
-                <a:spcPct val="90000"/>
-              </a:lnSpc>
-              <a:spcBef>
-                <a:spcPts val="500"/>
-              </a:spcBef>
-              <a:buFont typeface="Arial" panose="020B0604020202020204" pitchFamily="34" charset="0"/>
-              <a:buChar char="•"/>
-              <a:defRPr sz="1800" kern="1200">
-                <a:solidFill>
-                  <a:schemeClr val="tx1"/>
-                </a:solidFill>
-                <a:latin typeface="+mn-lt"/>
-                <a:ea typeface="+mn-ea"/>
-                <a:cs typeface="+mn-cs"/>
-              </a:defRPr>
-            </a:lvl6pPr>
-            <a:lvl7pPr marL="2971800" indent="-228600" algn="l" defTabSz="914400" rtl="0" eaLnBrk="1" latinLnBrk="0" hangingPunct="1">
-              <a:lnSpc>
-                <a:spcPct val="90000"/>
-              </a:lnSpc>
-              <a:spcBef>
-                <a:spcPts val="500"/>
-              </a:spcBef>
-              <a:buFont typeface="Arial" panose="020B0604020202020204" pitchFamily="34" charset="0"/>
-              <a:buChar char="•"/>
-              <a:defRPr sz="1800" kern="1200">
-                <a:solidFill>
-                  <a:schemeClr val="tx1"/>
-                </a:solidFill>
-                <a:latin typeface="+mn-lt"/>
-                <a:ea typeface="+mn-ea"/>
-                <a:cs typeface="+mn-cs"/>
-              </a:defRPr>
-            </a:lvl7pPr>
-            <a:lvl8pPr marL="3429000" indent="-228600" algn="l" defTabSz="914400" rtl="0" eaLnBrk="1" latinLnBrk="0" hangingPunct="1">
-              <a:lnSpc>
-                <a:spcPct val="90000"/>
-              </a:lnSpc>
-              <a:spcBef>
-                <a:spcPts val="500"/>
-              </a:spcBef>
-              <a:buFont typeface="Arial" panose="020B0604020202020204" pitchFamily="34" charset="0"/>
-              <a:buChar char="•"/>
-              <a:defRPr sz="1800" kern="1200">
-                <a:solidFill>
-                  <a:schemeClr val="tx1"/>
-                </a:solidFill>
-                <a:latin typeface="+mn-lt"/>
-                <a:ea typeface="+mn-ea"/>
-                <a:cs typeface="+mn-cs"/>
-              </a:defRPr>
-            </a:lvl8pPr>
-            <a:lvl9pPr marL="3886200" indent="-228600" algn="l" defTabSz="914400" rtl="0" eaLnBrk="1" latinLnBrk="0" hangingPunct="1">
-              <a:lnSpc>
-                <a:spcPct val="90000"/>
-              </a:lnSpc>
-              <a:spcBef>
-                <a:spcPts val="500"/>
-              </a:spcBef>
-              <a:buFont typeface="Arial" panose="020B0604020202020204" pitchFamily="34" charset="0"/>
-              <a:buChar char="•"/>
-              <a:defRPr sz="1800" kern="1200">
-                <a:solidFill>
-                  <a:schemeClr val="tx1"/>
-                </a:solidFill>
-                <a:latin typeface="+mn-lt"/>
-                <a:ea typeface="+mn-ea"/>
-                <a:cs typeface="+mn-cs"/>
-              </a:defRPr>
-            </a:lvl9pPr>
-          </a:lstStyle>
-          <a:p>
-            <a:pPr marL="0" indent="0">
-              <a:buFont typeface="Arial" panose="020B0604020202020204" pitchFamily="34" charset="0"/>
-              <a:buNone/>
-            </a:pPr>
-            <a:r>
-              <a:rPr lang="en-US" dirty="0" smtClean="0"/>
-              <a:t>Decoder</a:t>
-            </a:r>
-            <a:endParaRPr lang="en-US" dirty="0"/>
-          </a:p>
-        </p:txBody>
-      </p:sp>
-      <p:cxnSp>
-        <p:nvCxnSpPr>
-          <p:cNvPr id="12" name="Straight Arrow Connector 11"/>
-          <p:cNvCxnSpPr>
-            <a:stCxn id="5" idx="3"/>
-            <a:endCxn id="8" idx="1"/>
-          </p:cNvCxnSpPr>
-          <p:nvPr/>
-        </p:nvCxnSpPr>
-        <p:spPr>
-          <a:xfrm flipV="1">
-            <a:off x="955964" y="3753196"/>
-            <a:ext cx="538941" cy="1"/>
-          </a:xfrm>
-          <a:prstGeom prst="straightConnector1">
-            <a:avLst/>
-          </a:prstGeom>
-          <a:ln>
-            <a:tailEnd type="triangle"/>
-          </a:ln>
-        </p:spPr>
-        <p:style>
-          <a:lnRef idx="1">
-            <a:schemeClr val="dk1"/>
-          </a:lnRef>
-          <a:fillRef idx="0">
-            <a:schemeClr val="dk1"/>
-          </a:fillRef>
-          <a:effectRef idx="0">
-            <a:schemeClr val="dk1"/>
-          </a:effectRef>
-          <a:fontRef idx="minor">
-            <a:schemeClr val="tx1"/>
-          </a:fontRef>
-        </p:style>
-      </p:cxnSp>
-      <p:grpSp>
-        <p:nvGrpSpPr>
-          <p:cNvPr id="27" name="Group 26"/>
-          <p:cNvGrpSpPr/>
-          <p:nvPr/>
-        </p:nvGrpSpPr>
-        <p:grpSpPr>
-          <a:xfrm>
-            <a:off x="3504506" y="1644491"/>
-            <a:ext cx="1341813" cy="1388225"/>
-            <a:chOff x="2639983" y="3300153"/>
-            <a:chExt cx="1341813" cy="1388225"/>
-          </a:xfrm>
-        </p:grpSpPr>
-        <p:sp>
-          <p:nvSpPr>
-            <p:cNvPr id="19" name="Rectangle 18"/>
-            <p:cNvSpPr/>
-            <p:nvPr/>
-          </p:nvSpPr>
-          <p:spPr>
-            <a:xfrm>
-              <a:off x="2811087" y="3599410"/>
-              <a:ext cx="973974" cy="307571"/>
-            </a:xfrm>
-            <a:prstGeom prst="rect">
-              <a:avLst/>
-            </a:prstGeom>
-            <a:ln/>
-          </p:spPr>
-          <p:style>
-            <a:lnRef idx="1">
-              <a:schemeClr val="accent6"/>
-            </a:lnRef>
-            <a:fillRef idx="2">
-              <a:schemeClr val="accent6"/>
-            </a:fillRef>
-            <a:effectRef idx="1">
-              <a:schemeClr val="accent6"/>
-            </a:effectRef>
-            <a:fontRef idx="minor">
-              <a:schemeClr val="dk1"/>
-            </a:fontRef>
-          </p:style>
-          <p:txBody>
-            <a:bodyPr rtlCol="0" anchor="ctr"/>
-            <a:lstStyle/>
-            <a:p>
-              <a:pPr algn="ctr"/>
-              <a:r>
-                <a:rPr lang="en-US" dirty="0"/>
-                <a:t>H</a:t>
-              </a:r>
-              <a:r>
-                <a:rPr lang="en-US" dirty="0" smtClean="0"/>
-                <a:t>idden</a:t>
-              </a:r>
-              <a:endParaRPr lang="en-US" dirty="0"/>
-            </a:p>
-          </p:txBody>
-        </p:sp>
-        <p:sp>
-          <p:nvSpPr>
-            <p:cNvPr id="20" name="Rectangle 19"/>
-            <p:cNvSpPr/>
-            <p:nvPr/>
-          </p:nvSpPr>
-          <p:spPr>
-            <a:xfrm>
-              <a:off x="2811087" y="4060766"/>
-              <a:ext cx="973974" cy="307571"/>
-            </a:xfrm>
-            <a:prstGeom prst="rect">
-              <a:avLst/>
-            </a:prstGeom>
-            <a:ln/>
-          </p:spPr>
-          <p:style>
-            <a:lnRef idx="1">
-              <a:schemeClr val="accent6"/>
-            </a:lnRef>
-            <a:fillRef idx="2">
-              <a:schemeClr val="accent6"/>
-            </a:fillRef>
-            <a:effectRef idx="1">
-              <a:schemeClr val="accent6"/>
-            </a:effectRef>
-            <a:fontRef idx="minor">
-              <a:schemeClr val="dk1"/>
-            </a:fontRef>
-          </p:style>
-          <p:txBody>
-            <a:bodyPr rtlCol="0" anchor="ctr"/>
-            <a:lstStyle/>
-            <a:p>
-              <a:pPr algn="ctr"/>
-              <a:r>
-                <a:rPr lang="en-US" dirty="0" smtClean="0"/>
-                <a:t>Output</a:t>
-              </a:r>
-              <a:endParaRPr lang="en-US" dirty="0"/>
-            </a:p>
-          </p:txBody>
-        </p:sp>
-        <p:sp>
-          <p:nvSpPr>
-            <p:cNvPr id="26" name="Rectangle 25"/>
-            <p:cNvSpPr/>
-            <p:nvPr/>
-          </p:nvSpPr>
-          <p:spPr>
-            <a:xfrm>
-              <a:off x="2639983" y="3300153"/>
-              <a:ext cx="1341813" cy="1388225"/>
-            </a:xfrm>
-            <a:prstGeom prst="rect">
-              <a:avLst/>
-            </a:prstGeom>
-            <a:noFill/>
-            <a:ln w="38100">
-              <a:solidFill>
-                <a:srgbClr val="92D050"/>
-              </a:solidFill>
-              <a:prstDash val="sysDash"/>
-            </a:ln>
-          </p:spPr>
-          <p:style>
-            <a:lnRef idx="2">
-              <a:schemeClr val="accent1">
-                <a:shade val="50000"/>
-              </a:schemeClr>
-            </a:lnRef>
-            <a:fillRef idx="1">
-              <a:schemeClr val="accent1"/>
-            </a:fillRef>
-            <a:effectRef idx="0">
-              <a:schemeClr val="accent1"/>
-            </a:effectRef>
-            <a:fontRef idx="minor">
-              <a:schemeClr val="lt1"/>
-            </a:fontRef>
-          </p:style>
-          <p:txBody>
-            <a:bodyPr rtlCol="0" anchor="ctr"/>
-            <a:lstStyle/>
-            <a:p>
-              <a:pPr algn="ctr"/>
-              <a:endParaRPr lang="en-US"/>
-            </a:p>
-          </p:txBody>
-        </p:sp>
-      </p:grpSp>
-      <p:grpSp>
-        <p:nvGrpSpPr>
-          <p:cNvPr id="30" name="Group 29"/>
-          <p:cNvGrpSpPr/>
-          <p:nvPr/>
-        </p:nvGrpSpPr>
-        <p:grpSpPr>
-          <a:xfrm>
-            <a:off x="3504506" y="3186501"/>
-            <a:ext cx="1341813" cy="1388225"/>
-            <a:chOff x="2639983" y="3300153"/>
-            <a:chExt cx="1341813" cy="1388225"/>
-          </a:xfrm>
-        </p:grpSpPr>
-        <p:sp>
-          <p:nvSpPr>
-            <p:cNvPr id="31" name="Rectangle 30"/>
-            <p:cNvSpPr/>
-            <p:nvPr/>
-          </p:nvSpPr>
-          <p:spPr>
-            <a:xfrm>
-              <a:off x="2811087" y="3599410"/>
-              <a:ext cx="973974" cy="307571"/>
-            </a:xfrm>
-            <a:prstGeom prst="rect">
-              <a:avLst/>
-            </a:prstGeom>
-            <a:ln/>
-          </p:spPr>
-          <p:style>
-            <a:lnRef idx="1">
-              <a:schemeClr val="accent6"/>
-            </a:lnRef>
-            <a:fillRef idx="2">
-              <a:schemeClr val="accent6"/>
-            </a:fillRef>
-            <a:effectRef idx="1">
-              <a:schemeClr val="accent6"/>
-            </a:effectRef>
-            <a:fontRef idx="minor">
-              <a:schemeClr val="dk1"/>
-            </a:fontRef>
-          </p:style>
-          <p:txBody>
-            <a:bodyPr rtlCol="0" anchor="ctr"/>
-            <a:lstStyle/>
-            <a:p>
-              <a:pPr algn="ctr"/>
-              <a:r>
-                <a:rPr lang="en-US" dirty="0"/>
-                <a:t>H</a:t>
-              </a:r>
-              <a:r>
-                <a:rPr lang="en-US" dirty="0" smtClean="0"/>
-                <a:t>idden</a:t>
-              </a:r>
-              <a:endParaRPr lang="en-US" dirty="0"/>
-            </a:p>
-          </p:txBody>
-        </p:sp>
-        <p:sp>
-          <p:nvSpPr>
-            <p:cNvPr id="32" name="Rectangle 31"/>
-            <p:cNvSpPr/>
-            <p:nvPr/>
-          </p:nvSpPr>
-          <p:spPr>
-            <a:xfrm>
-              <a:off x="2811087" y="4060766"/>
-              <a:ext cx="973974" cy="307571"/>
-            </a:xfrm>
-            <a:prstGeom prst="rect">
-              <a:avLst/>
-            </a:prstGeom>
-            <a:ln/>
-          </p:spPr>
-          <p:style>
-            <a:lnRef idx="1">
-              <a:schemeClr val="accent6"/>
-            </a:lnRef>
-            <a:fillRef idx="2">
-              <a:schemeClr val="accent6"/>
-            </a:fillRef>
-            <a:effectRef idx="1">
-              <a:schemeClr val="accent6"/>
-            </a:effectRef>
-            <a:fontRef idx="minor">
-              <a:schemeClr val="dk1"/>
-            </a:fontRef>
-          </p:style>
-          <p:txBody>
-            <a:bodyPr rtlCol="0" anchor="ctr"/>
-            <a:lstStyle/>
-            <a:p>
-              <a:pPr algn="ctr"/>
-              <a:r>
-                <a:rPr lang="en-US" dirty="0" smtClean="0"/>
-                <a:t>Output</a:t>
-              </a:r>
-              <a:endParaRPr lang="en-US" dirty="0"/>
-            </a:p>
-          </p:txBody>
-        </p:sp>
-        <p:sp>
-          <p:nvSpPr>
-            <p:cNvPr id="33" name="Rectangle 32"/>
-            <p:cNvSpPr/>
-            <p:nvPr/>
-          </p:nvSpPr>
-          <p:spPr>
-            <a:xfrm>
-              <a:off x="2639983" y="3300153"/>
-              <a:ext cx="1341813" cy="1388225"/>
-            </a:xfrm>
-            <a:prstGeom prst="rect">
-              <a:avLst/>
-            </a:prstGeom>
-            <a:noFill/>
-            <a:ln w="38100">
-              <a:solidFill>
-                <a:srgbClr val="92D050"/>
-              </a:solidFill>
-              <a:prstDash val="sysDash"/>
-            </a:ln>
-          </p:spPr>
-          <p:style>
-            <a:lnRef idx="2">
-              <a:schemeClr val="accent1">
-                <a:shade val="50000"/>
-              </a:schemeClr>
-            </a:lnRef>
-            <a:fillRef idx="1">
-              <a:schemeClr val="accent1"/>
-            </a:fillRef>
-            <a:effectRef idx="0">
-              <a:schemeClr val="accent1"/>
-            </a:effectRef>
-            <a:fontRef idx="minor">
-              <a:schemeClr val="lt1"/>
-            </a:fontRef>
-          </p:style>
-          <p:txBody>
-            <a:bodyPr rtlCol="0" anchor="ctr"/>
-            <a:lstStyle/>
-            <a:p>
-              <a:pPr algn="ctr"/>
-              <a:endParaRPr lang="en-US"/>
-            </a:p>
-          </p:txBody>
-        </p:sp>
-      </p:grpSp>
-      <p:grpSp>
-        <p:nvGrpSpPr>
-          <p:cNvPr id="34" name="Group 33"/>
-          <p:cNvGrpSpPr/>
-          <p:nvPr/>
-        </p:nvGrpSpPr>
-        <p:grpSpPr>
-          <a:xfrm>
-            <a:off x="3504506" y="4728511"/>
-            <a:ext cx="1341813" cy="1388225"/>
-            <a:chOff x="2639983" y="3300153"/>
-            <a:chExt cx="1341813" cy="1388225"/>
-          </a:xfrm>
-        </p:grpSpPr>
-        <p:sp>
-          <p:nvSpPr>
-            <p:cNvPr id="35" name="Rectangle 34"/>
-            <p:cNvSpPr/>
-            <p:nvPr/>
-          </p:nvSpPr>
-          <p:spPr>
-            <a:xfrm>
-              <a:off x="2811087" y="3599410"/>
-              <a:ext cx="973974" cy="307571"/>
-            </a:xfrm>
-            <a:prstGeom prst="rect">
-              <a:avLst/>
-            </a:prstGeom>
-            <a:ln/>
-          </p:spPr>
-          <p:style>
-            <a:lnRef idx="1">
-              <a:schemeClr val="accent6"/>
-            </a:lnRef>
-            <a:fillRef idx="2">
-              <a:schemeClr val="accent6"/>
-            </a:fillRef>
-            <a:effectRef idx="1">
-              <a:schemeClr val="accent6"/>
-            </a:effectRef>
-            <a:fontRef idx="minor">
-              <a:schemeClr val="dk1"/>
-            </a:fontRef>
-          </p:style>
-          <p:txBody>
-            <a:bodyPr rtlCol="0" anchor="ctr"/>
-            <a:lstStyle/>
-            <a:p>
-              <a:pPr algn="ctr"/>
-              <a:r>
-                <a:rPr lang="en-US" dirty="0"/>
-                <a:t>H</a:t>
-              </a:r>
-              <a:r>
-                <a:rPr lang="en-US" dirty="0" smtClean="0"/>
-                <a:t>idden</a:t>
-              </a:r>
-              <a:endParaRPr lang="en-US" dirty="0"/>
-            </a:p>
-          </p:txBody>
-        </p:sp>
-        <p:sp>
-          <p:nvSpPr>
-            <p:cNvPr id="36" name="Rectangle 35"/>
-            <p:cNvSpPr/>
-            <p:nvPr/>
-          </p:nvSpPr>
-          <p:spPr>
-            <a:xfrm>
-              <a:off x="2811087" y="4060766"/>
-              <a:ext cx="973974" cy="307571"/>
-            </a:xfrm>
-            <a:prstGeom prst="rect">
-              <a:avLst/>
-            </a:prstGeom>
-            <a:ln/>
-          </p:spPr>
-          <p:style>
-            <a:lnRef idx="1">
-              <a:schemeClr val="accent6"/>
-            </a:lnRef>
-            <a:fillRef idx="2">
-              <a:schemeClr val="accent6"/>
-            </a:fillRef>
-            <a:effectRef idx="1">
-              <a:schemeClr val="accent6"/>
-            </a:effectRef>
-            <a:fontRef idx="minor">
-              <a:schemeClr val="dk1"/>
-            </a:fontRef>
-          </p:style>
-          <p:txBody>
-            <a:bodyPr rtlCol="0" anchor="ctr"/>
-            <a:lstStyle/>
-            <a:p>
-              <a:pPr algn="ctr"/>
-              <a:r>
-                <a:rPr lang="en-US" dirty="0" smtClean="0"/>
-                <a:t>Output</a:t>
-              </a:r>
-              <a:endParaRPr lang="en-US" dirty="0"/>
-            </a:p>
-          </p:txBody>
-        </p:sp>
-        <p:sp>
-          <p:nvSpPr>
-            <p:cNvPr id="37" name="Rectangle 36"/>
-            <p:cNvSpPr/>
-            <p:nvPr/>
-          </p:nvSpPr>
-          <p:spPr>
-            <a:xfrm>
-              <a:off x="2639983" y="3300153"/>
-              <a:ext cx="1341813" cy="1388225"/>
-            </a:xfrm>
-            <a:prstGeom prst="rect">
-              <a:avLst/>
-            </a:prstGeom>
-            <a:noFill/>
-            <a:ln w="38100">
-              <a:solidFill>
-                <a:srgbClr val="92D050"/>
-              </a:solidFill>
-              <a:prstDash val="sysDash"/>
-            </a:ln>
-          </p:spPr>
-          <p:style>
-            <a:lnRef idx="2">
-              <a:schemeClr val="accent1">
-                <a:shade val="50000"/>
-              </a:schemeClr>
-            </a:lnRef>
-            <a:fillRef idx="1">
-              <a:schemeClr val="accent1"/>
-            </a:fillRef>
-            <a:effectRef idx="0">
-              <a:schemeClr val="accent1"/>
-            </a:effectRef>
-            <a:fontRef idx="minor">
-              <a:schemeClr val="lt1"/>
-            </a:fontRef>
-          </p:style>
-          <p:txBody>
-            <a:bodyPr rtlCol="0" anchor="ctr"/>
-            <a:lstStyle/>
-            <a:p>
-              <a:pPr algn="ctr"/>
-              <a:endParaRPr lang="en-US"/>
-            </a:p>
-          </p:txBody>
-        </p:sp>
-      </p:grpSp>
-      <p:grpSp>
-        <p:nvGrpSpPr>
-          <p:cNvPr id="39" name="Group 38"/>
-          <p:cNvGrpSpPr/>
-          <p:nvPr/>
-        </p:nvGrpSpPr>
-        <p:grpSpPr>
-          <a:xfrm>
-            <a:off x="1310985" y="3334384"/>
-            <a:ext cx="1341813" cy="1388225"/>
-            <a:chOff x="1310985" y="3334384"/>
-            <a:chExt cx="1341813" cy="1388225"/>
-          </a:xfrm>
-        </p:grpSpPr>
-        <p:sp>
-          <p:nvSpPr>
-            <p:cNvPr id="8" name="Rectangle 7"/>
-            <p:cNvSpPr/>
-            <p:nvPr/>
-          </p:nvSpPr>
-          <p:spPr>
-            <a:xfrm>
-              <a:off x="1494905" y="3599410"/>
-              <a:ext cx="973974" cy="307571"/>
-            </a:xfrm>
-            <a:prstGeom prst="rect">
-              <a:avLst/>
-            </a:prstGeom>
-            <a:ln/>
-          </p:spPr>
-          <p:style>
-            <a:lnRef idx="1">
-              <a:schemeClr val="accent6"/>
-            </a:lnRef>
-            <a:fillRef idx="2">
-              <a:schemeClr val="accent6"/>
-            </a:fillRef>
-            <a:effectRef idx="1">
-              <a:schemeClr val="accent6"/>
-            </a:effectRef>
-            <a:fontRef idx="minor">
-              <a:schemeClr val="dk1"/>
-            </a:fontRef>
-          </p:style>
-          <p:txBody>
-            <a:bodyPr rtlCol="0" anchor="ctr"/>
-            <a:lstStyle/>
-            <a:p>
-              <a:pPr algn="ctr"/>
-              <a:r>
-                <a:rPr lang="en-US" dirty="0"/>
-                <a:t>H</a:t>
-              </a:r>
-              <a:r>
-                <a:rPr lang="en-US" dirty="0" smtClean="0"/>
-                <a:t>idden</a:t>
-              </a:r>
-              <a:endParaRPr lang="en-US" dirty="0"/>
-            </a:p>
-          </p:txBody>
-        </p:sp>
-        <p:sp>
-          <p:nvSpPr>
-            <p:cNvPr id="13" name="Rectangle 12"/>
-            <p:cNvSpPr/>
-            <p:nvPr/>
-          </p:nvSpPr>
-          <p:spPr>
-            <a:xfrm>
-              <a:off x="1494905" y="4060766"/>
-              <a:ext cx="973974" cy="307571"/>
-            </a:xfrm>
-            <a:prstGeom prst="rect">
-              <a:avLst/>
-            </a:prstGeom>
-            <a:ln/>
-          </p:spPr>
-          <p:style>
-            <a:lnRef idx="1">
-              <a:schemeClr val="accent6"/>
-            </a:lnRef>
-            <a:fillRef idx="2">
-              <a:schemeClr val="accent6"/>
-            </a:fillRef>
-            <a:effectRef idx="1">
-              <a:schemeClr val="accent6"/>
-            </a:effectRef>
-            <a:fontRef idx="minor">
-              <a:schemeClr val="dk1"/>
-            </a:fontRef>
-          </p:style>
-          <p:txBody>
-            <a:bodyPr rtlCol="0" anchor="ctr"/>
-            <a:lstStyle/>
-            <a:p>
-              <a:pPr algn="ctr"/>
-              <a:r>
-                <a:rPr lang="en-US" dirty="0" smtClean="0"/>
-                <a:t>Input</a:t>
-              </a:r>
-              <a:endParaRPr lang="en-US" dirty="0"/>
-            </a:p>
-          </p:txBody>
-        </p:sp>
-        <p:sp>
-          <p:nvSpPr>
-            <p:cNvPr id="38" name="Rectangle 37"/>
-            <p:cNvSpPr/>
-            <p:nvPr/>
-          </p:nvSpPr>
-          <p:spPr>
-            <a:xfrm>
-              <a:off x="1310985" y="3334384"/>
-              <a:ext cx="1341813" cy="1388225"/>
-            </a:xfrm>
-            <a:prstGeom prst="rect">
-              <a:avLst/>
-            </a:prstGeom>
-            <a:noFill/>
-            <a:ln w="38100">
-              <a:solidFill>
-                <a:srgbClr val="92D050"/>
-              </a:solidFill>
-              <a:prstDash val="sysDash"/>
-            </a:ln>
-          </p:spPr>
-          <p:style>
-            <a:lnRef idx="2">
-              <a:schemeClr val="accent1">
-                <a:shade val="50000"/>
-              </a:schemeClr>
-            </a:lnRef>
-            <a:fillRef idx="1">
-              <a:schemeClr val="accent1"/>
-            </a:fillRef>
-            <a:effectRef idx="0">
-              <a:schemeClr val="accent1"/>
-            </a:effectRef>
-            <a:fontRef idx="minor">
-              <a:schemeClr val="lt1"/>
-            </a:fontRef>
-          </p:style>
-          <p:txBody>
-            <a:bodyPr rtlCol="0" anchor="ctr"/>
-            <a:lstStyle/>
-            <a:p>
-              <a:pPr algn="ctr"/>
-              <a:endParaRPr lang="en-US"/>
-            </a:p>
-          </p:txBody>
-        </p:sp>
-      </p:grpSp>
-      <p:sp>
-        <p:nvSpPr>
           <p:cNvPr id="40" name="Content Placeholder 2"/>
           <p:cNvSpPr txBox="1">
             <a:spLocks/>
@@ -11393,7 +10391,7 @@
         </p:nvSpPr>
         <p:spPr>
           <a:xfrm>
-            <a:off x="2928156" y="6270521"/>
+            <a:off x="2928155" y="5765492"/>
             <a:ext cx="2468881" cy="493626"/>
           </a:xfrm>
           <a:prstGeom prst="rect">
@@ -11575,4548 +10573,16 @@
             </a:pPr>
             <a:r>
               <a:rPr lang="en-US" dirty="0" smtClean="0"/>
-              <a:t>Beam width = 3</a:t>
+              <a:t>Beam width = </a:t>
+            </a:r>
+            <a:r>
+              <a:rPr lang="en-US" dirty="0" smtClean="0"/>
+              <a:t>2</a:t>
             </a:r>
             <a:endParaRPr lang="en-US" dirty="0"/>
           </a:p>
         </p:txBody>
       </p:sp>
-      <p:cxnSp>
-        <p:nvCxnSpPr>
-          <p:cNvPr id="42" name="Straight Arrow Connector 41"/>
-          <p:cNvCxnSpPr>
-            <a:stCxn id="38" idx="3"/>
-            <a:endCxn id="26" idx="1"/>
-          </p:cNvCxnSpPr>
-          <p:nvPr/>
-        </p:nvCxnSpPr>
-        <p:spPr>
-          <a:xfrm flipV="1">
-            <a:off x="2652798" y="2338604"/>
-            <a:ext cx="851708" cy="1689893"/>
-          </a:xfrm>
-          <a:prstGeom prst="straightConnector1">
-            <a:avLst/>
-          </a:prstGeom>
-          <a:ln>
-            <a:tailEnd type="triangle"/>
-          </a:ln>
-        </p:spPr>
-        <p:style>
-          <a:lnRef idx="1">
-            <a:schemeClr val="dk1"/>
-          </a:lnRef>
-          <a:fillRef idx="0">
-            <a:schemeClr val="dk1"/>
-          </a:fillRef>
-          <a:effectRef idx="0">
-            <a:schemeClr val="dk1"/>
-          </a:effectRef>
-          <a:fontRef idx="minor">
-            <a:schemeClr val="tx1"/>
-          </a:fontRef>
-        </p:style>
-      </p:cxnSp>
-      <p:cxnSp>
-        <p:nvCxnSpPr>
-          <p:cNvPr id="44" name="Straight Arrow Connector 43"/>
-          <p:cNvCxnSpPr>
-            <a:stCxn id="38" idx="3"/>
-            <a:endCxn id="33" idx="1"/>
-          </p:cNvCxnSpPr>
-          <p:nvPr/>
-        </p:nvCxnSpPr>
-        <p:spPr>
-          <a:xfrm flipV="1">
-            <a:off x="2652798" y="3880614"/>
-            <a:ext cx="851708" cy="147883"/>
-          </a:xfrm>
-          <a:prstGeom prst="straightConnector1">
-            <a:avLst/>
-          </a:prstGeom>
-          <a:ln>
-            <a:tailEnd type="triangle"/>
-          </a:ln>
-        </p:spPr>
-        <p:style>
-          <a:lnRef idx="1">
-            <a:schemeClr val="dk1"/>
-          </a:lnRef>
-          <a:fillRef idx="0">
-            <a:schemeClr val="dk1"/>
-          </a:fillRef>
-          <a:effectRef idx="0">
-            <a:schemeClr val="dk1"/>
-          </a:effectRef>
-          <a:fontRef idx="minor">
-            <a:schemeClr val="tx1"/>
-          </a:fontRef>
-        </p:style>
-      </p:cxnSp>
-      <p:cxnSp>
-        <p:nvCxnSpPr>
-          <p:cNvPr id="46" name="Straight Arrow Connector 45"/>
-          <p:cNvCxnSpPr>
-            <a:stCxn id="38" idx="3"/>
-            <a:endCxn id="37" idx="1"/>
-          </p:cNvCxnSpPr>
-          <p:nvPr/>
-        </p:nvCxnSpPr>
-        <p:spPr>
-          <a:xfrm>
-            <a:off x="2652798" y="4028497"/>
-            <a:ext cx="851708" cy="1394127"/>
-          </a:xfrm>
-          <a:prstGeom prst="straightConnector1">
-            <a:avLst/>
-          </a:prstGeom>
-          <a:ln>
-            <a:tailEnd type="triangle"/>
-          </a:ln>
-        </p:spPr>
-        <p:style>
-          <a:lnRef idx="1">
-            <a:schemeClr val="dk1"/>
-          </a:lnRef>
-          <a:fillRef idx="0">
-            <a:schemeClr val="dk1"/>
-          </a:fillRef>
-          <a:effectRef idx="0">
-            <a:schemeClr val="dk1"/>
-          </a:effectRef>
-          <a:fontRef idx="minor">
-            <a:schemeClr val="tx1"/>
-          </a:fontRef>
-        </p:style>
-      </p:cxnSp>
-      <p:grpSp>
-        <p:nvGrpSpPr>
-          <p:cNvPr id="47" name="Group 46"/>
-          <p:cNvGrpSpPr/>
-          <p:nvPr/>
-        </p:nvGrpSpPr>
-        <p:grpSpPr>
-          <a:xfrm>
-            <a:off x="5462869" y="2251319"/>
-            <a:ext cx="938299" cy="900344"/>
-            <a:chOff x="2639983" y="3300153"/>
-            <a:chExt cx="1341813" cy="1388225"/>
-          </a:xfrm>
-        </p:grpSpPr>
-        <p:sp>
-          <p:nvSpPr>
-            <p:cNvPr id="48" name="Rectangle 47"/>
-            <p:cNvSpPr/>
-            <p:nvPr/>
-          </p:nvSpPr>
-          <p:spPr>
-            <a:xfrm>
-              <a:off x="2811087" y="3599410"/>
-              <a:ext cx="973974" cy="307570"/>
-            </a:xfrm>
-            <a:prstGeom prst="rect">
-              <a:avLst/>
-            </a:prstGeom>
-            <a:ln/>
-          </p:spPr>
-          <p:style>
-            <a:lnRef idx="1">
-              <a:schemeClr val="accent6"/>
-            </a:lnRef>
-            <a:fillRef idx="2">
-              <a:schemeClr val="accent6"/>
-            </a:fillRef>
-            <a:effectRef idx="1">
-              <a:schemeClr val="accent6"/>
-            </a:effectRef>
-            <a:fontRef idx="minor">
-              <a:schemeClr val="dk1"/>
-            </a:fontRef>
-          </p:style>
-          <p:txBody>
-            <a:bodyPr rtlCol="0" anchor="ctr"/>
-            <a:lstStyle/>
-            <a:p>
-              <a:pPr algn="ctr"/>
-              <a:r>
-                <a:rPr lang="en-US" sz="1000" dirty="0"/>
-                <a:t>H</a:t>
-              </a:r>
-              <a:r>
-                <a:rPr lang="en-US" sz="1000" dirty="0" smtClean="0"/>
-                <a:t>idden</a:t>
-              </a:r>
-              <a:endParaRPr lang="en-US" sz="1000" dirty="0"/>
-            </a:p>
-          </p:txBody>
-        </p:sp>
-        <p:sp>
-          <p:nvSpPr>
-            <p:cNvPr id="49" name="Rectangle 48"/>
-            <p:cNvSpPr/>
-            <p:nvPr/>
-          </p:nvSpPr>
-          <p:spPr>
-            <a:xfrm>
-              <a:off x="2811087" y="4060766"/>
-              <a:ext cx="973974" cy="307571"/>
-            </a:xfrm>
-            <a:prstGeom prst="rect">
-              <a:avLst/>
-            </a:prstGeom>
-            <a:ln/>
-          </p:spPr>
-          <p:style>
-            <a:lnRef idx="1">
-              <a:schemeClr val="accent6"/>
-            </a:lnRef>
-            <a:fillRef idx="2">
-              <a:schemeClr val="accent6"/>
-            </a:fillRef>
-            <a:effectRef idx="1">
-              <a:schemeClr val="accent6"/>
-            </a:effectRef>
-            <a:fontRef idx="minor">
-              <a:schemeClr val="dk1"/>
-            </a:fontRef>
-          </p:style>
-          <p:txBody>
-            <a:bodyPr rtlCol="0" anchor="ctr"/>
-            <a:lstStyle/>
-            <a:p>
-              <a:pPr algn="ctr"/>
-              <a:r>
-                <a:rPr lang="en-US" sz="1000" dirty="0" smtClean="0"/>
-                <a:t>Output</a:t>
-              </a:r>
-              <a:endParaRPr lang="en-US" sz="1000" dirty="0"/>
-            </a:p>
-          </p:txBody>
-        </p:sp>
-        <p:sp>
-          <p:nvSpPr>
-            <p:cNvPr id="50" name="Rectangle 49"/>
-            <p:cNvSpPr/>
-            <p:nvPr/>
-          </p:nvSpPr>
-          <p:spPr>
-            <a:xfrm>
-              <a:off x="2639983" y="3300153"/>
-              <a:ext cx="1341813" cy="1388225"/>
-            </a:xfrm>
-            <a:prstGeom prst="rect">
-              <a:avLst/>
-            </a:prstGeom>
-            <a:noFill/>
-            <a:ln w="38100">
-              <a:solidFill>
-                <a:srgbClr val="92D050"/>
-              </a:solidFill>
-              <a:prstDash val="sysDash"/>
-            </a:ln>
-          </p:spPr>
-          <p:style>
-            <a:lnRef idx="2">
-              <a:schemeClr val="accent1">
-                <a:shade val="50000"/>
-              </a:schemeClr>
-            </a:lnRef>
-            <a:fillRef idx="1">
-              <a:schemeClr val="accent1"/>
-            </a:fillRef>
-            <a:effectRef idx="0">
-              <a:schemeClr val="accent1"/>
-            </a:effectRef>
-            <a:fontRef idx="minor">
-              <a:schemeClr val="lt1"/>
-            </a:fontRef>
-          </p:style>
-          <p:txBody>
-            <a:bodyPr rtlCol="0" anchor="ctr"/>
-            <a:lstStyle/>
-            <a:p>
-              <a:pPr algn="ctr"/>
-              <a:endParaRPr lang="en-US"/>
-            </a:p>
-          </p:txBody>
-        </p:sp>
-      </p:grpSp>
-      <p:grpSp>
-        <p:nvGrpSpPr>
-          <p:cNvPr id="55" name="Group 54"/>
-          <p:cNvGrpSpPr/>
-          <p:nvPr/>
-        </p:nvGrpSpPr>
-        <p:grpSpPr>
-          <a:xfrm>
-            <a:off x="5462869" y="3307502"/>
-            <a:ext cx="938299" cy="900344"/>
-            <a:chOff x="2639983" y="3300153"/>
-            <a:chExt cx="1341813" cy="1388225"/>
-          </a:xfrm>
-        </p:grpSpPr>
-        <p:sp>
-          <p:nvSpPr>
-            <p:cNvPr id="56" name="Rectangle 55"/>
-            <p:cNvSpPr/>
-            <p:nvPr/>
-          </p:nvSpPr>
-          <p:spPr>
-            <a:xfrm>
-              <a:off x="2811087" y="3599410"/>
-              <a:ext cx="973974" cy="307570"/>
-            </a:xfrm>
-            <a:prstGeom prst="rect">
-              <a:avLst/>
-            </a:prstGeom>
-            <a:ln/>
-          </p:spPr>
-          <p:style>
-            <a:lnRef idx="1">
-              <a:schemeClr val="accent6"/>
-            </a:lnRef>
-            <a:fillRef idx="2">
-              <a:schemeClr val="accent6"/>
-            </a:fillRef>
-            <a:effectRef idx="1">
-              <a:schemeClr val="accent6"/>
-            </a:effectRef>
-            <a:fontRef idx="minor">
-              <a:schemeClr val="dk1"/>
-            </a:fontRef>
-          </p:style>
-          <p:txBody>
-            <a:bodyPr rtlCol="0" anchor="ctr"/>
-            <a:lstStyle/>
-            <a:p>
-              <a:pPr algn="ctr"/>
-              <a:r>
-                <a:rPr lang="en-US" sz="1000" dirty="0"/>
-                <a:t>H</a:t>
-              </a:r>
-              <a:r>
-                <a:rPr lang="en-US" sz="1000" dirty="0" smtClean="0"/>
-                <a:t>idden</a:t>
-              </a:r>
-              <a:endParaRPr lang="en-US" sz="1000" dirty="0"/>
-            </a:p>
-          </p:txBody>
-        </p:sp>
-        <p:sp>
-          <p:nvSpPr>
-            <p:cNvPr id="57" name="Rectangle 56"/>
-            <p:cNvSpPr/>
-            <p:nvPr/>
-          </p:nvSpPr>
-          <p:spPr>
-            <a:xfrm>
-              <a:off x="2811087" y="4060766"/>
-              <a:ext cx="973974" cy="307571"/>
-            </a:xfrm>
-            <a:prstGeom prst="rect">
-              <a:avLst/>
-            </a:prstGeom>
-            <a:ln/>
-          </p:spPr>
-          <p:style>
-            <a:lnRef idx="1">
-              <a:schemeClr val="accent6"/>
-            </a:lnRef>
-            <a:fillRef idx="2">
-              <a:schemeClr val="accent6"/>
-            </a:fillRef>
-            <a:effectRef idx="1">
-              <a:schemeClr val="accent6"/>
-            </a:effectRef>
-            <a:fontRef idx="minor">
-              <a:schemeClr val="dk1"/>
-            </a:fontRef>
-          </p:style>
-          <p:txBody>
-            <a:bodyPr rtlCol="0" anchor="ctr"/>
-            <a:lstStyle/>
-            <a:p>
-              <a:pPr algn="ctr"/>
-              <a:r>
-                <a:rPr lang="en-US" sz="1000" dirty="0" smtClean="0"/>
-                <a:t>Output</a:t>
-              </a:r>
-              <a:endParaRPr lang="en-US" sz="1000" dirty="0"/>
-            </a:p>
-          </p:txBody>
-        </p:sp>
-        <p:sp>
-          <p:nvSpPr>
-            <p:cNvPr id="58" name="Rectangle 57"/>
-            <p:cNvSpPr/>
-            <p:nvPr/>
-          </p:nvSpPr>
-          <p:spPr>
-            <a:xfrm>
-              <a:off x="2639983" y="3300153"/>
-              <a:ext cx="1341813" cy="1388225"/>
-            </a:xfrm>
-            <a:prstGeom prst="rect">
-              <a:avLst/>
-            </a:prstGeom>
-            <a:noFill/>
-            <a:ln w="38100">
-              <a:solidFill>
-                <a:srgbClr val="92D050"/>
-              </a:solidFill>
-              <a:prstDash val="sysDash"/>
-            </a:ln>
-          </p:spPr>
-          <p:style>
-            <a:lnRef idx="2">
-              <a:schemeClr val="accent1">
-                <a:shade val="50000"/>
-              </a:schemeClr>
-            </a:lnRef>
-            <a:fillRef idx="1">
-              <a:schemeClr val="accent1"/>
-            </a:fillRef>
-            <a:effectRef idx="0">
-              <a:schemeClr val="accent1"/>
-            </a:effectRef>
-            <a:fontRef idx="minor">
-              <a:schemeClr val="lt1"/>
-            </a:fontRef>
-          </p:style>
-          <p:txBody>
-            <a:bodyPr rtlCol="0" anchor="ctr"/>
-            <a:lstStyle/>
-            <a:p>
-              <a:pPr algn="ctr"/>
-              <a:endParaRPr lang="en-US"/>
-            </a:p>
-          </p:txBody>
-        </p:sp>
-      </p:grpSp>
-      <p:grpSp>
-        <p:nvGrpSpPr>
-          <p:cNvPr id="59" name="Group 58"/>
-          <p:cNvGrpSpPr/>
-          <p:nvPr/>
-        </p:nvGrpSpPr>
-        <p:grpSpPr>
-          <a:xfrm>
-            <a:off x="5471831" y="4448711"/>
-            <a:ext cx="938299" cy="900344"/>
-            <a:chOff x="2639983" y="3300153"/>
-            <a:chExt cx="1341813" cy="1388225"/>
-          </a:xfrm>
-        </p:grpSpPr>
-        <p:sp>
-          <p:nvSpPr>
-            <p:cNvPr id="60" name="Rectangle 59"/>
-            <p:cNvSpPr/>
-            <p:nvPr/>
-          </p:nvSpPr>
-          <p:spPr>
-            <a:xfrm>
-              <a:off x="2811087" y="3599410"/>
-              <a:ext cx="973974" cy="307570"/>
-            </a:xfrm>
-            <a:prstGeom prst="rect">
-              <a:avLst/>
-            </a:prstGeom>
-            <a:ln/>
-          </p:spPr>
-          <p:style>
-            <a:lnRef idx="1">
-              <a:schemeClr val="accent6"/>
-            </a:lnRef>
-            <a:fillRef idx="2">
-              <a:schemeClr val="accent6"/>
-            </a:fillRef>
-            <a:effectRef idx="1">
-              <a:schemeClr val="accent6"/>
-            </a:effectRef>
-            <a:fontRef idx="minor">
-              <a:schemeClr val="dk1"/>
-            </a:fontRef>
-          </p:style>
-          <p:txBody>
-            <a:bodyPr rtlCol="0" anchor="ctr"/>
-            <a:lstStyle/>
-            <a:p>
-              <a:pPr algn="ctr"/>
-              <a:r>
-                <a:rPr lang="en-US" sz="1000" dirty="0"/>
-                <a:t>H</a:t>
-              </a:r>
-              <a:r>
-                <a:rPr lang="en-US" sz="1000" dirty="0" smtClean="0"/>
-                <a:t>idden</a:t>
-              </a:r>
-              <a:endParaRPr lang="en-US" sz="1000" dirty="0"/>
-            </a:p>
-          </p:txBody>
-        </p:sp>
-        <p:sp>
-          <p:nvSpPr>
-            <p:cNvPr id="61" name="Rectangle 60"/>
-            <p:cNvSpPr/>
-            <p:nvPr/>
-          </p:nvSpPr>
-          <p:spPr>
-            <a:xfrm>
-              <a:off x="2811087" y="4060766"/>
-              <a:ext cx="973974" cy="307571"/>
-            </a:xfrm>
-            <a:prstGeom prst="rect">
-              <a:avLst/>
-            </a:prstGeom>
-            <a:ln/>
-          </p:spPr>
-          <p:style>
-            <a:lnRef idx="1">
-              <a:schemeClr val="accent6"/>
-            </a:lnRef>
-            <a:fillRef idx="2">
-              <a:schemeClr val="accent6"/>
-            </a:fillRef>
-            <a:effectRef idx="1">
-              <a:schemeClr val="accent6"/>
-            </a:effectRef>
-            <a:fontRef idx="minor">
-              <a:schemeClr val="dk1"/>
-            </a:fontRef>
-          </p:style>
-          <p:txBody>
-            <a:bodyPr rtlCol="0" anchor="ctr"/>
-            <a:lstStyle/>
-            <a:p>
-              <a:pPr algn="ctr"/>
-              <a:r>
-                <a:rPr lang="en-US" sz="1000" dirty="0" smtClean="0"/>
-                <a:t>Output</a:t>
-              </a:r>
-              <a:endParaRPr lang="en-US" sz="1000" dirty="0"/>
-            </a:p>
-          </p:txBody>
-        </p:sp>
-        <p:sp>
-          <p:nvSpPr>
-            <p:cNvPr id="62" name="Rectangle 61"/>
-            <p:cNvSpPr/>
-            <p:nvPr/>
-          </p:nvSpPr>
-          <p:spPr>
-            <a:xfrm>
-              <a:off x="2639983" y="3300153"/>
-              <a:ext cx="1341813" cy="1388225"/>
-            </a:xfrm>
-            <a:prstGeom prst="rect">
-              <a:avLst/>
-            </a:prstGeom>
-            <a:noFill/>
-            <a:ln w="38100">
-              <a:solidFill>
-                <a:srgbClr val="92D050"/>
-              </a:solidFill>
-              <a:prstDash val="sysDash"/>
-            </a:ln>
-          </p:spPr>
-          <p:style>
-            <a:lnRef idx="2">
-              <a:schemeClr val="accent1">
-                <a:shade val="50000"/>
-              </a:schemeClr>
-            </a:lnRef>
-            <a:fillRef idx="1">
-              <a:schemeClr val="accent1"/>
-            </a:fillRef>
-            <a:effectRef idx="0">
-              <a:schemeClr val="accent1"/>
-            </a:effectRef>
-            <a:fontRef idx="minor">
-              <a:schemeClr val="lt1"/>
-            </a:fontRef>
-          </p:style>
-          <p:txBody>
-            <a:bodyPr rtlCol="0" anchor="ctr"/>
-            <a:lstStyle/>
-            <a:p>
-              <a:pPr algn="ctr"/>
-              <a:endParaRPr lang="en-US"/>
-            </a:p>
-          </p:txBody>
-        </p:sp>
-      </p:grpSp>
-      <p:cxnSp>
-        <p:nvCxnSpPr>
-          <p:cNvPr id="64" name="Straight Arrow Connector 63"/>
-          <p:cNvCxnSpPr>
-            <a:stCxn id="33" idx="3"/>
-            <a:endCxn id="50" idx="1"/>
-          </p:cNvCxnSpPr>
-          <p:nvPr/>
-        </p:nvCxnSpPr>
-        <p:spPr>
-          <a:xfrm flipV="1">
-            <a:off x="4846319" y="2701491"/>
-            <a:ext cx="616550" cy="1179123"/>
-          </a:xfrm>
-          <a:prstGeom prst="straightConnector1">
-            <a:avLst/>
-          </a:prstGeom>
-          <a:ln>
-            <a:tailEnd type="triangle"/>
-          </a:ln>
-        </p:spPr>
-        <p:style>
-          <a:lnRef idx="1">
-            <a:schemeClr val="dk1"/>
-          </a:lnRef>
-          <a:fillRef idx="0">
-            <a:schemeClr val="dk1"/>
-          </a:fillRef>
-          <a:effectRef idx="0">
-            <a:schemeClr val="dk1"/>
-          </a:effectRef>
-          <a:fontRef idx="minor">
-            <a:schemeClr val="tx1"/>
-          </a:fontRef>
-        </p:style>
-      </p:cxnSp>
-      <p:cxnSp>
-        <p:nvCxnSpPr>
-          <p:cNvPr id="66" name="Straight Arrow Connector 65"/>
-          <p:cNvCxnSpPr>
-            <a:stCxn id="33" idx="3"/>
-            <a:endCxn id="58" idx="1"/>
-          </p:cNvCxnSpPr>
-          <p:nvPr/>
-        </p:nvCxnSpPr>
-        <p:spPr>
-          <a:xfrm flipV="1">
-            <a:off x="4846319" y="3757674"/>
-            <a:ext cx="616550" cy="122940"/>
-          </a:xfrm>
-          <a:prstGeom prst="straightConnector1">
-            <a:avLst/>
-          </a:prstGeom>
-          <a:ln>
-            <a:tailEnd type="triangle"/>
-          </a:ln>
-        </p:spPr>
-        <p:style>
-          <a:lnRef idx="1">
-            <a:schemeClr val="dk1"/>
-          </a:lnRef>
-          <a:fillRef idx="0">
-            <a:schemeClr val="dk1"/>
-          </a:fillRef>
-          <a:effectRef idx="0">
-            <a:schemeClr val="dk1"/>
-          </a:effectRef>
-          <a:fontRef idx="minor">
-            <a:schemeClr val="tx1"/>
-          </a:fontRef>
-        </p:style>
-      </p:cxnSp>
-      <p:cxnSp>
-        <p:nvCxnSpPr>
-          <p:cNvPr id="68" name="Straight Arrow Connector 67"/>
-          <p:cNvCxnSpPr>
-            <a:stCxn id="33" idx="3"/>
-            <a:endCxn id="62" idx="1"/>
-          </p:cNvCxnSpPr>
-          <p:nvPr/>
-        </p:nvCxnSpPr>
-        <p:spPr>
-          <a:xfrm>
-            <a:off x="4846319" y="3880614"/>
-            <a:ext cx="625512" cy="1018269"/>
-          </a:xfrm>
-          <a:prstGeom prst="straightConnector1">
-            <a:avLst/>
-          </a:prstGeom>
-          <a:ln>
-            <a:tailEnd type="triangle"/>
-          </a:ln>
-        </p:spPr>
-        <p:style>
-          <a:lnRef idx="1">
-            <a:schemeClr val="dk1"/>
-          </a:lnRef>
-          <a:fillRef idx="0">
-            <a:schemeClr val="dk1"/>
-          </a:fillRef>
-          <a:effectRef idx="0">
-            <a:schemeClr val="dk1"/>
-          </a:effectRef>
-          <a:fontRef idx="minor">
-            <a:schemeClr val="tx1"/>
-          </a:fontRef>
-        </p:style>
-      </p:cxnSp>
-      <p:grpSp>
-        <p:nvGrpSpPr>
-          <p:cNvPr id="69" name="Group 68"/>
-          <p:cNvGrpSpPr/>
-          <p:nvPr/>
-        </p:nvGrpSpPr>
-        <p:grpSpPr>
-          <a:xfrm>
-            <a:off x="6805812" y="1088296"/>
-            <a:ext cx="820014" cy="664096"/>
-            <a:chOff x="2639983" y="3300153"/>
-            <a:chExt cx="1341813" cy="1388225"/>
-          </a:xfrm>
-        </p:grpSpPr>
-        <p:sp>
-          <p:nvSpPr>
-            <p:cNvPr id="70" name="Rectangle 69"/>
-            <p:cNvSpPr/>
-            <p:nvPr/>
-          </p:nvSpPr>
-          <p:spPr>
-            <a:xfrm>
-              <a:off x="2811087" y="3599410"/>
-              <a:ext cx="973974" cy="307570"/>
-            </a:xfrm>
-            <a:prstGeom prst="rect">
-              <a:avLst/>
-            </a:prstGeom>
-            <a:ln/>
-          </p:spPr>
-          <p:style>
-            <a:lnRef idx="1">
-              <a:schemeClr val="accent6"/>
-            </a:lnRef>
-            <a:fillRef idx="2">
-              <a:schemeClr val="accent6"/>
-            </a:fillRef>
-            <a:effectRef idx="1">
-              <a:schemeClr val="accent6"/>
-            </a:effectRef>
-            <a:fontRef idx="minor">
-              <a:schemeClr val="dk1"/>
-            </a:fontRef>
-          </p:style>
-          <p:txBody>
-            <a:bodyPr rtlCol="0" anchor="ctr"/>
-            <a:lstStyle/>
-            <a:p>
-              <a:pPr algn="ctr"/>
-              <a:r>
-                <a:rPr lang="en-US" sz="1000" dirty="0"/>
-                <a:t>H</a:t>
-              </a:r>
-              <a:r>
-                <a:rPr lang="en-US" sz="1000" dirty="0" smtClean="0"/>
-                <a:t>idden</a:t>
-              </a:r>
-              <a:endParaRPr lang="en-US" sz="1000" dirty="0"/>
-            </a:p>
-          </p:txBody>
-        </p:sp>
-        <p:sp>
-          <p:nvSpPr>
-            <p:cNvPr id="71" name="Rectangle 70"/>
-            <p:cNvSpPr/>
-            <p:nvPr/>
-          </p:nvSpPr>
-          <p:spPr>
-            <a:xfrm>
-              <a:off x="2811087" y="4060766"/>
-              <a:ext cx="973974" cy="307571"/>
-            </a:xfrm>
-            <a:prstGeom prst="rect">
-              <a:avLst/>
-            </a:prstGeom>
-            <a:ln/>
-          </p:spPr>
-          <p:style>
-            <a:lnRef idx="1">
-              <a:schemeClr val="accent6"/>
-            </a:lnRef>
-            <a:fillRef idx="2">
-              <a:schemeClr val="accent6"/>
-            </a:fillRef>
-            <a:effectRef idx="1">
-              <a:schemeClr val="accent6"/>
-            </a:effectRef>
-            <a:fontRef idx="minor">
-              <a:schemeClr val="dk1"/>
-            </a:fontRef>
-          </p:style>
-          <p:txBody>
-            <a:bodyPr rtlCol="0" anchor="ctr"/>
-            <a:lstStyle/>
-            <a:p>
-              <a:pPr algn="ctr"/>
-              <a:r>
-                <a:rPr lang="en-US" sz="1000" dirty="0" smtClean="0"/>
-                <a:t>Output</a:t>
-              </a:r>
-              <a:endParaRPr lang="en-US" sz="1000" dirty="0"/>
-            </a:p>
-          </p:txBody>
-        </p:sp>
-        <p:sp>
-          <p:nvSpPr>
-            <p:cNvPr id="72" name="Rectangle 71"/>
-            <p:cNvSpPr/>
-            <p:nvPr/>
-          </p:nvSpPr>
-          <p:spPr>
-            <a:xfrm>
-              <a:off x="2639983" y="3300153"/>
-              <a:ext cx="1341813" cy="1388225"/>
-            </a:xfrm>
-            <a:prstGeom prst="rect">
-              <a:avLst/>
-            </a:prstGeom>
-            <a:noFill/>
-            <a:ln w="38100">
-              <a:solidFill>
-                <a:srgbClr val="92D050"/>
-              </a:solidFill>
-              <a:prstDash val="sysDash"/>
-            </a:ln>
-          </p:spPr>
-          <p:style>
-            <a:lnRef idx="2">
-              <a:schemeClr val="accent1">
-                <a:shade val="50000"/>
-              </a:schemeClr>
-            </a:lnRef>
-            <a:fillRef idx="1">
-              <a:schemeClr val="accent1"/>
-            </a:fillRef>
-            <a:effectRef idx="0">
-              <a:schemeClr val="accent1"/>
-            </a:effectRef>
-            <a:fontRef idx="minor">
-              <a:schemeClr val="lt1"/>
-            </a:fontRef>
-          </p:style>
-          <p:txBody>
-            <a:bodyPr rtlCol="0" anchor="ctr"/>
-            <a:lstStyle/>
-            <a:p>
-              <a:pPr algn="ctr"/>
-              <a:endParaRPr lang="en-US"/>
-            </a:p>
-          </p:txBody>
-        </p:sp>
-      </p:grpSp>
-      <p:grpSp>
-        <p:nvGrpSpPr>
-          <p:cNvPr id="73" name="Group 72"/>
-          <p:cNvGrpSpPr/>
-          <p:nvPr/>
-        </p:nvGrpSpPr>
-        <p:grpSpPr>
-          <a:xfrm>
-            <a:off x="6813644" y="1833846"/>
-            <a:ext cx="820014" cy="664096"/>
-            <a:chOff x="2639983" y="3300153"/>
-            <a:chExt cx="1341813" cy="1388225"/>
-          </a:xfrm>
-        </p:grpSpPr>
-        <p:sp>
-          <p:nvSpPr>
-            <p:cNvPr id="74" name="Rectangle 73"/>
-            <p:cNvSpPr/>
-            <p:nvPr/>
-          </p:nvSpPr>
-          <p:spPr>
-            <a:xfrm>
-              <a:off x="2811087" y="3599410"/>
-              <a:ext cx="973974" cy="307570"/>
-            </a:xfrm>
-            <a:prstGeom prst="rect">
-              <a:avLst/>
-            </a:prstGeom>
-            <a:ln/>
-          </p:spPr>
-          <p:style>
-            <a:lnRef idx="1">
-              <a:schemeClr val="accent6"/>
-            </a:lnRef>
-            <a:fillRef idx="2">
-              <a:schemeClr val="accent6"/>
-            </a:fillRef>
-            <a:effectRef idx="1">
-              <a:schemeClr val="accent6"/>
-            </a:effectRef>
-            <a:fontRef idx="minor">
-              <a:schemeClr val="dk1"/>
-            </a:fontRef>
-          </p:style>
-          <p:txBody>
-            <a:bodyPr rtlCol="0" anchor="ctr"/>
-            <a:lstStyle/>
-            <a:p>
-              <a:pPr algn="ctr"/>
-              <a:r>
-                <a:rPr lang="en-US" sz="1000" dirty="0"/>
-                <a:t>H</a:t>
-              </a:r>
-              <a:r>
-                <a:rPr lang="en-US" sz="1000" dirty="0" smtClean="0"/>
-                <a:t>idden</a:t>
-              </a:r>
-              <a:endParaRPr lang="en-US" sz="1000" dirty="0"/>
-            </a:p>
-          </p:txBody>
-        </p:sp>
-        <p:sp>
-          <p:nvSpPr>
-            <p:cNvPr id="75" name="Rectangle 74"/>
-            <p:cNvSpPr/>
-            <p:nvPr/>
-          </p:nvSpPr>
-          <p:spPr>
-            <a:xfrm>
-              <a:off x="2811087" y="4060766"/>
-              <a:ext cx="973974" cy="307571"/>
-            </a:xfrm>
-            <a:prstGeom prst="rect">
-              <a:avLst/>
-            </a:prstGeom>
-            <a:ln/>
-          </p:spPr>
-          <p:style>
-            <a:lnRef idx="1">
-              <a:schemeClr val="accent6"/>
-            </a:lnRef>
-            <a:fillRef idx="2">
-              <a:schemeClr val="accent6"/>
-            </a:fillRef>
-            <a:effectRef idx="1">
-              <a:schemeClr val="accent6"/>
-            </a:effectRef>
-            <a:fontRef idx="minor">
-              <a:schemeClr val="dk1"/>
-            </a:fontRef>
-          </p:style>
-          <p:txBody>
-            <a:bodyPr rtlCol="0" anchor="ctr"/>
-            <a:lstStyle/>
-            <a:p>
-              <a:pPr algn="ctr"/>
-              <a:r>
-                <a:rPr lang="en-US" sz="1000" dirty="0" smtClean="0"/>
-                <a:t>Output</a:t>
-              </a:r>
-              <a:endParaRPr lang="en-US" sz="1000" dirty="0"/>
-            </a:p>
-          </p:txBody>
-        </p:sp>
-        <p:sp>
-          <p:nvSpPr>
-            <p:cNvPr id="76" name="Rectangle 75"/>
-            <p:cNvSpPr/>
-            <p:nvPr/>
-          </p:nvSpPr>
-          <p:spPr>
-            <a:xfrm>
-              <a:off x="2639983" y="3300153"/>
-              <a:ext cx="1341813" cy="1388225"/>
-            </a:xfrm>
-            <a:prstGeom prst="rect">
-              <a:avLst/>
-            </a:prstGeom>
-            <a:noFill/>
-            <a:ln w="38100">
-              <a:solidFill>
-                <a:srgbClr val="92D050"/>
-              </a:solidFill>
-              <a:prstDash val="sysDash"/>
-            </a:ln>
-          </p:spPr>
-          <p:style>
-            <a:lnRef idx="2">
-              <a:schemeClr val="accent1">
-                <a:shade val="50000"/>
-              </a:schemeClr>
-            </a:lnRef>
-            <a:fillRef idx="1">
-              <a:schemeClr val="accent1"/>
-            </a:fillRef>
-            <a:effectRef idx="0">
-              <a:schemeClr val="accent1"/>
-            </a:effectRef>
-            <a:fontRef idx="minor">
-              <a:schemeClr val="lt1"/>
-            </a:fontRef>
-          </p:style>
-          <p:txBody>
-            <a:bodyPr rtlCol="0" anchor="ctr"/>
-            <a:lstStyle/>
-            <a:p>
-              <a:pPr algn="ctr"/>
-              <a:endParaRPr lang="en-US"/>
-            </a:p>
-          </p:txBody>
-        </p:sp>
-      </p:grpSp>
-      <p:grpSp>
-        <p:nvGrpSpPr>
-          <p:cNvPr id="77" name="Group 76"/>
-          <p:cNvGrpSpPr/>
-          <p:nvPr/>
-        </p:nvGrpSpPr>
-        <p:grpSpPr>
-          <a:xfrm>
-            <a:off x="6797980" y="2579396"/>
-            <a:ext cx="820014" cy="664096"/>
-            <a:chOff x="2639983" y="3300153"/>
-            <a:chExt cx="1341813" cy="1388225"/>
-          </a:xfrm>
-        </p:grpSpPr>
-        <p:sp>
-          <p:nvSpPr>
-            <p:cNvPr id="78" name="Rectangle 77"/>
-            <p:cNvSpPr/>
-            <p:nvPr/>
-          </p:nvSpPr>
-          <p:spPr>
-            <a:xfrm>
-              <a:off x="2811087" y="3599410"/>
-              <a:ext cx="973974" cy="307570"/>
-            </a:xfrm>
-            <a:prstGeom prst="rect">
-              <a:avLst/>
-            </a:prstGeom>
-            <a:ln/>
-          </p:spPr>
-          <p:style>
-            <a:lnRef idx="1">
-              <a:schemeClr val="accent6"/>
-            </a:lnRef>
-            <a:fillRef idx="2">
-              <a:schemeClr val="accent6"/>
-            </a:fillRef>
-            <a:effectRef idx="1">
-              <a:schemeClr val="accent6"/>
-            </a:effectRef>
-            <a:fontRef idx="minor">
-              <a:schemeClr val="dk1"/>
-            </a:fontRef>
-          </p:style>
-          <p:txBody>
-            <a:bodyPr rtlCol="0" anchor="ctr"/>
-            <a:lstStyle/>
-            <a:p>
-              <a:pPr algn="ctr"/>
-              <a:r>
-                <a:rPr lang="en-US" sz="1000" dirty="0"/>
-                <a:t>H</a:t>
-              </a:r>
-              <a:r>
-                <a:rPr lang="en-US" sz="1000" dirty="0" smtClean="0"/>
-                <a:t>idden</a:t>
-              </a:r>
-              <a:endParaRPr lang="en-US" sz="1000" dirty="0"/>
-            </a:p>
-          </p:txBody>
-        </p:sp>
-        <p:sp>
-          <p:nvSpPr>
-            <p:cNvPr id="79" name="Rectangle 78"/>
-            <p:cNvSpPr/>
-            <p:nvPr/>
-          </p:nvSpPr>
-          <p:spPr>
-            <a:xfrm>
-              <a:off x="2811087" y="4060766"/>
-              <a:ext cx="973974" cy="307571"/>
-            </a:xfrm>
-            <a:prstGeom prst="rect">
-              <a:avLst/>
-            </a:prstGeom>
-            <a:ln/>
-          </p:spPr>
-          <p:style>
-            <a:lnRef idx="1">
-              <a:schemeClr val="accent6"/>
-            </a:lnRef>
-            <a:fillRef idx="2">
-              <a:schemeClr val="accent6"/>
-            </a:fillRef>
-            <a:effectRef idx="1">
-              <a:schemeClr val="accent6"/>
-            </a:effectRef>
-            <a:fontRef idx="minor">
-              <a:schemeClr val="dk1"/>
-            </a:fontRef>
-          </p:style>
-          <p:txBody>
-            <a:bodyPr rtlCol="0" anchor="ctr"/>
-            <a:lstStyle/>
-            <a:p>
-              <a:pPr algn="ctr"/>
-              <a:r>
-                <a:rPr lang="en-US" sz="1000" dirty="0" smtClean="0"/>
-                <a:t>Output</a:t>
-              </a:r>
-              <a:endParaRPr lang="en-US" sz="1000" dirty="0"/>
-            </a:p>
-          </p:txBody>
-        </p:sp>
-        <p:sp>
-          <p:nvSpPr>
-            <p:cNvPr id="80" name="Rectangle 79"/>
-            <p:cNvSpPr/>
-            <p:nvPr/>
-          </p:nvSpPr>
-          <p:spPr>
-            <a:xfrm>
-              <a:off x="2639983" y="3300153"/>
-              <a:ext cx="1341813" cy="1388225"/>
-            </a:xfrm>
-            <a:prstGeom prst="rect">
-              <a:avLst/>
-            </a:prstGeom>
-            <a:noFill/>
-            <a:ln w="38100">
-              <a:solidFill>
-                <a:srgbClr val="92D050"/>
-              </a:solidFill>
-              <a:prstDash val="sysDash"/>
-            </a:ln>
-          </p:spPr>
-          <p:style>
-            <a:lnRef idx="2">
-              <a:schemeClr val="accent1">
-                <a:shade val="50000"/>
-              </a:schemeClr>
-            </a:lnRef>
-            <a:fillRef idx="1">
-              <a:schemeClr val="accent1"/>
-            </a:fillRef>
-            <a:effectRef idx="0">
-              <a:schemeClr val="accent1"/>
-            </a:effectRef>
-            <a:fontRef idx="minor">
-              <a:schemeClr val="lt1"/>
-            </a:fontRef>
-          </p:style>
-          <p:txBody>
-            <a:bodyPr rtlCol="0" anchor="ctr"/>
-            <a:lstStyle/>
-            <a:p>
-              <a:pPr algn="ctr"/>
-              <a:endParaRPr lang="en-US"/>
-            </a:p>
-          </p:txBody>
-        </p:sp>
-      </p:grpSp>
-      <p:grpSp>
-        <p:nvGrpSpPr>
-          <p:cNvPr id="81" name="Group 80"/>
-          <p:cNvGrpSpPr/>
-          <p:nvPr/>
-        </p:nvGrpSpPr>
-        <p:grpSpPr>
-          <a:xfrm>
-            <a:off x="6797980" y="3324946"/>
-            <a:ext cx="820014" cy="664096"/>
-            <a:chOff x="2639983" y="3300153"/>
-            <a:chExt cx="1341813" cy="1388225"/>
-          </a:xfrm>
-        </p:grpSpPr>
-        <p:sp>
-          <p:nvSpPr>
-            <p:cNvPr id="82" name="Rectangle 81"/>
-            <p:cNvSpPr/>
-            <p:nvPr/>
-          </p:nvSpPr>
-          <p:spPr>
-            <a:xfrm>
-              <a:off x="2811087" y="3599410"/>
-              <a:ext cx="973974" cy="307570"/>
-            </a:xfrm>
-            <a:prstGeom prst="rect">
-              <a:avLst/>
-            </a:prstGeom>
-            <a:ln/>
-          </p:spPr>
-          <p:style>
-            <a:lnRef idx="1">
-              <a:schemeClr val="accent6"/>
-            </a:lnRef>
-            <a:fillRef idx="2">
-              <a:schemeClr val="accent6"/>
-            </a:fillRef>
-            <a:effectRef idx="1">
-              <a:schemeClr val="accent6"/>
-            </a:effectRef>
-            <a:fontRef idx="minor">
-              <a:schemeClr val="dk1"/>
-            </a:fontRef>
-          </p:style>
-          <p:txBody>
-            <a:bodyPr rtlCol="0" anchor="ctr"/>
-            <a:lstStyle/>
-            <a:p>
-              <a:pPr algn="ctr"/>
-              <a:r>
-                <a:rPr lang="en-US" sz="1000" dirty="0"/>
-                <a:t>H</a:t>
-              </a:r>
-              <a:r>
-                <a:rPr lang="en-US" sz="1000" dirty="0" smtClean="0"/>
-                <a:t>idden</a:t>
-              </a:r>
-              <a:endParaRPr lang="en-US" sz="1000" dirty="0"/>
-            </a:p>
-          </p:txBody>
-        </p:sp>
-        <p:sp>
-          <p:nvSpPr>
-            <p:cNvPr id="83" name="Rectangle 82"/>
-            <p:cNvSpPr/>
-            <p:nvPr/>
-          </p:nvSpPr>
-          <p:spPr>
-            <a:xfrm>
-              <a:off x="2811087" y="4060766"/>
-              <a:ext cx="973974" cy="307571"/>
-            </a:xfrm>
-            <a:prstGeom prst="rect">
-              <a:avLst/>
-            </a:prstGeom>
-            <a:ln/>
-          </p:spPr>
-          <p:style>
-            <a:lnRef idx="1">
-              <a:schemeClr val="accent6"/>
-            </a:lnRef>
-            <a:fillRef idx="2">
-              <a:schemeClr val="accent6"/>
-            </a:fillRef>
-            <a:effectRef idx="1">
-              <a:schemeClr val="accent6"/>
-            </a:effectRef>
-            <a:fontRef idx="minor">
-              <a:schemeClr val="dk1"/>
-            </a:fontRef>
-          </p:style>
-          <p:txBody>
-            <a:bodyPr rtlCol="0" anchor="ctr"/>
-            <a:lstStyle/>
-            <a:p>
-              <a:pPr algn="ctr"/>
-              <a:r>
-                <a:rPr lang="en-US" sz="1000" dirty="0" smtClean="0"/>
-                <a:t>Output</a:t>
-              </a:r>
-              <a:endParaRPr lang="en-US" sz="1000" dirty="0"/>
-            </a:p>
-          </p:txBody>
-        </p:sp>
-        <p:sp>
-          <p:nvSpPr>
-            <p:cNvPr id="84" name="Rectangle 83"/>
-            <p:cNvSpPr/>
-            <p:nvPr/>
-          </p:nvSpPr>
-          <p:spPr>
-            <a:xfrm>
-              <a:off x="2639983" y="3300153"/>
-              <a:ext cx="1341813" cy="1388225"/>
-            </a:xfrm>
-            <a:prstGeom prst="rect">
-              <a:avLst/>
-            </a:prstGeom>
-            <a:noFill/>
-            <a:ln w="38100">
-              <a:solidFill>
-                <a:srgbClr val="92D050"/>
-              </a:solidFill>
-              <a:prstDash val="sysDash"/>
-            </a:ln>
-          </p:spPr>
-          <p:style>
-            <a:lnRef idx="2">
-              <a:schemeClr val="accent1">
-                <a:shade val="50000"/>
-              </a:schemeClr>
-            </a:lnRef>
-            <a:fillRef idx="1">
-              <a:schemeClr val="accent1"/>
-            </a:fillRef>
-            <a:effectRef idx="0">
-              <a:schemeClr val="accent1"/>
-            </a:effectRef>
-            <a:fontRef idx="minor">
-              <a:schemeClr val="lt1"/>
-            </a:fontRef>
-          </p:style>
-          <p:txBody>
-            <a:bodyPr rtlCol="0" anchor="ctr"/>
-            <a:lstStyle/>
-            <a:p>
-              <a:pPr algn="ctr"/>
-              <a:endParaRPr lang="en-US"/>
-            </a:p>
-          </p:txBody>
-        </p:sp>
-      </p:grpSp>
-      <p:grpSp>
-        <p:nvGrpSpPr>
-          <p:cNvPr id="85" name="Group 84"/>
-          <p:cNvGrpSpPr/>
-          <p:nvPr/>
-        </p:nvGrpSpPr>
-        <p:grpSpPr>
-          <a:xfrm>
-            <a:off x="6816645" y="4083404"/>
-            <a:ext cx="820014" cy="664096"/>
-            <a:chOff x="2639983" y="3300153"/>
-            <a:chExt cx="1341813" cy="1388225"/>
-          </a:xfrm>
-        </p:grpSpPr>
-        <p:sp>
-          <p:nvSpPr>
-            <p:cNvPr id="86" name="Rectangle 85"/>
-            <p:cNvSpPr/>
-            <p:nvPr/>
-          </p:nvSpPr>
-          <p:spPr>
-            <a:xfrm>
-              <a:off x="2811087" y="3599410"/>
-              <a:ext cx="973974" cy="307570"/>
-            </a:xfrm>
-            <a:prstGeom prst="rect">
-              <a:avLst/>
-            </a:prstGeom>
-            <a:ln/>
-          </p:spPr>
-          <p:style>
-            <a:lnRef idx="1">
-              <a:schemeClr val="accent6"/>
-            </a:lnRef>
-            <a:fillRef idx="2">
-              <a:schemeClr val="accent6"/>
-            </a:fillRef>
-            <a:effectRef idx="1">
-              <a:schemeClr val="accent6"/>
-            </a:effectRef>
-            <a:fontRef idx="minor">
-              <a:schemeClr val="dk1"/>
-            </a:fontRef>
-          </p:style>
-          <p:txBody>
-            <a:bodyPr rtlCol="0" anchor="ctr"/>
-            <a:lstStyle/>
-            <a:p>
-              <a:pPr algn="ctr"/>
-              <a:r>
-                <a:rPr lang="en-US" sz="1000" dirty="0"/>
-                <a:t>H</a:t>
-              </a:r>
-              <a:r>
-                <a:rPr lang="en-US" sz="1000" dirty="0" smtClean="0"/>
-                <a:t>idden</a:t>
-              </a:r>
-              <a:endParaRPr lang="en-US" sz="1000" dirty="0"/>
-            </a:p>
-          </p:txBody>
-        </p:sp>
-        <p:sp>
-          <p:nvSpPr>
-            <p:cNvPr id="87" name="Rectangle 86"/>
-            <p:cNvSpPr/>
-            <p:nvPr/>
-          </p:nvSpPr>
-          <p:spPr>
-            <a:xfrm>
-              <a:off x="2811087" y="4060766"/>
-              <a:ext cx="973974" cy="307571"/>
-            </a:xfrm>
-            <a:prstGeom prst="rect">
-              <a:avLst/>
-            </a:prstGeom>
-            <a:ln/>
-          </p:spPr>
-          <p:style>
-            <a:lnRef idx="1">
-              <a:schemeClr val="accent6"/>
-            </a:lnRef>
-            <a:fillRef idx="2">
-              <a:schemeClr val="accent6"/>
-            </a:fillRef>
-            <a:effectRef idx="1">
-              <a:schemeClr val="accent6"/>
-            </a:effectRef>
-            <a:fontRef idx="minor">
-              <a:schemeClr val="dk1"/>
-            </a:fontRef>
-          </p:style>
-          <p:txBody>
-            <a:bodyPr rtlCol="0" anchor="ctr"/>
-            <a:lstStyle/>
-            <a:p>
-              <a:pPr algn="ctr"/>
-              <a:r>
-                <a:rPr lang="en-US" sz="1000" dirty="0" smtClean="0"/>
-                <a:t>Output</a:t>
-              </a:r>
-              <a:endParaRPr lang="en-US" sz="1000" dirty="0"/>
-            </a:p>
-          </p:txBody>
-        </p:sp>
-        <p:sp>
-          <p:nvSpPr>
-            <p:cNvPr id="88" name="Rectangle 87"/>
-            <p:cNvSpPr/>
-            <p:nvPr/>
-          </p:nvSpPr>
-          <p:spPr>
-            <a:xfrm>
-              <a:off x="2639983" y="3300153"/>
-              <a:ext cx="1341813" cy="1388225"/>
-            </a:xfrm>
-            <a:prstGeom prst="rect">
-              <a:avLst/>
-            </a:prstGeom>
-            <a:noFill/>
-            <a:ln w="38100">
-              <a:solidFill>
-                <a:srgbClr val="92D050"/>
-              </a:solidFill>
-              <a:prstDash val="sysDash"/>
-            </a:ln>
-          </p:spPr>
-          <p:style>
-            <a:lnRef idx="2">
-              <a:schemeClr val="accent1">
-                <a:shade val="50000"/>
-              </a:schemeClr>
-            </a:lnRef>
-            <a:fillRef idx="1">
-              <a:schemeClr val="accent1"/>
-            </a:fillRef>
-            <a:effectRef idx="0">
-              <a:schemeClr val="accent1"/>
-            </a:effectRef>
-            <a:fontRef idx="minor">
-              <a:schemeClr val="lt1"/>
-            </a:fontRef>
-          </p:style>
-          <p:txBody>
-            <a:bodyPr rtlCol="0" anchor="ctr"/>
-            <a:lstStyle/>
-            <a:p>
-              <a:pPr algn="ctr"/>
-              <a:endParaRPr lang="en-US"/>
-            </a:p>
-          </p:txBody>
-        </p:sp>
-      </p:grpSp>
-      <p:grpSp>
-        <p:nvGrpSpPr>
-          <p:cNvPr id="89" name="Group 88"/>
-          <p:cNvGrpSpPr/>
-          <p:nvPr/>
-        </p:nvGrpSpPr>
-        <p:grpSpPr>
-          <a:xfrm>
-            <a:off x="6813644" y="4821067"/>
-            <a:ext cx="820014" cy="664096"/>
-            <a:chOff x="2639983" y="3300153"/>
-            <a:chExt cx="1341813" cy="1388225"/>
-          </a:xfrm>
-        </p:grpSpPr>
-        <p:sp>
-          <p:nvSpPr>
-            <p:cNvPr id="90" name="Rectangle 89"/>
-            <p:cNvSpPr/>
-            <p:nvPr/>
-          </p:nvSpPr>
-          <p:spPr>
-            <a:xfrm>
-              <a:off x="2811087" y="3599410"/>
-              <a:ext cx="973974" cy="307570"/>
-            </a:xfrm>
-            <a:prstGeom prst="rect">
-              <a:avLst/>
-            </a:prstGeom>
-            <a:ln/>
-          </p:spPr>
-          <p:style>
-            <a:lnRef idx="1">
-              <a:schemeClr val="accent6"/>
-            </a:lnRef>
-            <a:fillRef idx="2">
-              <a:schemeClr val="accent6"/>
-            </a:fillRef>
-            <a:effectRef idx="1">
-              <a:schemeClr val="accent6"/>
-            </a:effectRef>
-            <a:fontRef idx="minor">
-              <a:schemeClr val="dk1"/>
-            </a:fontRef>
-          </p:style>
-          <p:txBody>
-            <a:bodyPr rtlCol="0" anchor="ctr"/>
-            <a:lstStyle/>
-            <a:p>
-              <a:pPr algn="ctr"/>
-              <a:r>
-                <a:rPr lang="en-US" sz="1000" dirty="0"/>
-                <a:t>H</a:t>
-              </a:r>
-              <a:r>
-                <a:rPr lang="en-US" sz="1000" dirty="0" smtClean="0"/>
-                <a:t>idden</a:t>
-              </a:r>
-              <a:endParaRPr lang="en-US" sz="1000" dirty="0"/>
-            </a:p>
-          </p:txBody>
-        </p:sp>
-        <p:sp>
-          <p:nvSpPr>
-            <p:cNvPr id="91" name="Rectangle 90"/>
-            <p:cNvSpPr/>
-            <p:nvPr/>
-          </p:nvSpPr>
-          <p:spPr>
-            <a:xfrm>
-              <a:off x="2811087" y="4060766"/>
-              <a:ext cx="973974" cy="307571"/>
-            </a:xfrm>
-            <a:prstGeom prst="rect">
-              <a:avLst/>
-            </a:prstGeom>
-            <a:ln/>
-          </p:spPr>
-          <p:style>
-            <a:lnRef idx="1">
-              <a:schemeClr val="accent6"/>
-            </a:lnRef>
-            <a:fillRef idx="2">
-              <a:schemeClr val="accent6"/>
-            </a:fillRef>
-            <a:effectRef idx="1">
-              <a:schemeClr val="accent6"/>
-            </a:effectRef>
-            <a:fontRef idx="minor">
-              <a:schemeClr val="dk1"/>
-            </a:fontRef>
-          </p:style>
-          <p:txBody>
-            <a:bodyPr rtlCol="0" anchor="ctr"/>
-            <a:lstStyle/>
-            <a:p>
-              <a:pPr algn="ctr"/>
-              <a:r>
-                <a:rPr lang="en-US" sz="1000" dirty="0" smtClean="0"/>
-                <a:t>Output</a:t>
-              </a:r>
-              <a:endParaRPr lang="en-US" sz="1000" dirty="0"/>
-            </a:p>
-          </p:txBody>
-        </p:sp>
-        <p:sp>
-          <p:nvSpPr>
-            <p:cNvPr id="92" name="Rectangle 91"/>
-            <p:cNvSpPr/>
-            <p:nvPr/>
-          </p:nvSpPr>
-          <p:spPr>
-            <a:xfrm>
-              <a:off x="2639983" y="3300153"/>
-              <a:ext cx="1341813" cy="1388225"/>
-            </a:xfrm>
-            <a:prstGeom prst="rect">
-              <a:avLst/>
-            </a:prstGeom>
-            <a:noFill/>
-            <a:ln w="38100">
-              <a:solidFill>
-                <a:srgbClr val="92D050"/>
-              </a:solidFill>
-              <a:prstDash val="sysDash"/>
-            </a:ln>
-          </p:spPr>
-          <p:style>
-            <a:lnRef idx="2">
-              <a:schemeClr val="accent1">
-                <a:shade val="50000"/>
-              </a:schemeClr>
-            </a:lnRef>
-            <a:fillRef idx="1">
-              <a:schemeClr val="accent1"/>
-            </a:fillRef>
-            <a:effectRef idx="0">
-              <a:schemeClr val="accent1"/>
-            </a:effectRef>
-            <a:fontRef idx="minor">
-              <a:schemeClr val="lt1"/>
-            </a:fontRef>
-          </p:style>
-          <p:txBody>
-            <a:bodyPr rtlCol="0" anchor="ctr"/>
-            <a:lstStyle/>
-            <a:p>
-              <a:pPr algn="ctr"/>
-              <a:endParaRPr lang="en-US"/>
-            </a:p>
-          </p:txBody>
-        </p:sp>
-      </p:grpSp>
-      <p:cxnSp>
-        <p:nvCxnSpPr>
-          <p:cNvPr id="94" name="Straight Arrow Connector 93"/>
-          <p:cNvCxnSpPr>
-            <a:stCxn id="50" idx="3"/>
-            <a:endCxn id="72" idx="1"/>
-          </p:cNvCxnSpPr>
-          <p:nvPr/>
-        </p:nvCxnSpPr>
-        <p:spPr>
-          <a:xfrm flipV="1">
-            <a:off x="6401168" y="1420344"/>
-            <a:ext cx="404644" cy="1281147"/>
-          </a:xfrm>
-          <a:prstGeom prst="straightConnector1">
-            <a:avLst/>
-          </a:prstGeom>
-          <a:ln>
-            <a:tailEnd type="triangle"/>
-          </a:ln>
-        </p:spPr>
-        <p:style>
-          <a:lnRef idx="1">
-            <a:schemeClr val="dk1"/>
-          </a:lnRef>
-          <a:fillRef idx="0">
-            <a:schemeClr val="dk1"/>
-          </a:fillRef>
-          <a:effectRef idx="0">
-            <a:schemeClr val="dk1"/>
-          </a:effectRef>
-          <a:fontRef idx="minor">
-            <a:schemeClr val="tx1"/>
-          </a:fontRef>
-        </p:style>
-      </p:cxnSp>
-      <p:cxnSp>
-        <p:nvCxnSpPr>
-          <p:cNvPr id="96" name="Straight Arrow Connector 95"/>
-          <p:cNvCxnSpPr>
-            <a:stCxn id="50" idx="3"/>
-            <a:endCxn id="76" idx="1"/>
-          </p:cNvCxnSpPr>
-          <p:nvPr/>
-        </p:nvCxnSpPr>
-        <p:spPr>
-          <a:xfrm flipV="1">
-            <a:off x="6401168" y="2165894"/>
-            <a:ext cx="412476" cy="535597"/>
-          </a:xfrm>
-          <a:prstGeom prst="straightConnector1">
-            <a:avLst/>
-          </a:prstGeom>
-          <a:ln>
-            <a:tailEnd type="triangle"/>
-          </a:ln>
-        </p:spPr>
-        <p:style>
-          <a:lnRef idx="1">
-            <a:schemeClr val="dk1"/>
-          </a:lnRef>
-          <a:fillRef idx="0">
-            <a:schemeClr val="dk1"/>
-          </a:fillRef>
-          <a:effectRef idx="0">
-            <a:schemeClr val="dk1"/>
-          </a:effectRef>
-          <a:fontRef idx="minor">
-            <a:schemeClr val="tx1"/>
-          </a:fontRef>
-        </p:style>
-      </p:cxnSp>
-      <p:cxnSp>
-        <p:nvCxnSpPr>
-          <p:cNvPr id="98" name="Straight Arrow Connector 97"/>
-          <p:cNvCxnSpPr>
-            <a:stCxn id="50" idx="3"/>
-            <a:endCxn id="80" idx="1"/>
-          </p:cNvCxnSpPr>
-          <p:nvPr/>
-        </p:nvCxnSpPr>
-        <p:spPr>
-          <a:xfrm>
-            <a:off x="6401168" y="2701491"/>
-            <a:ext cx="396812" cy="209953"/>
-          </a:xfrm>
-          <a:prstGeom prst="straightConnector1">
-            <a:avLst/>
-          </a:prstGeom>
-          <a:ln>
-            <a:tailEnd type="triangle"/>
-          </a:ln>
-        </p:spPr>
-        <p:style>
-          <a:lnRef idx="1">
-            <a:schemeClr val="dk1"/>
-          </a:lnRef>
-          <a:fillRef idx="0">
-            <a:schemeClr val="dk1"/>
-          </a:fillRef>
-          <a:effectRef idx="0">
-            <a:schemeClr val="dk1"/>
-          </a:effectRef>
-          <a:fontRef idx="minor">
-            <a:schemeClr val="tx1"/>
-          </a:fontRef>
-        </p:style>
-      </p:cxnSp>
-      <p:cxnSp>
-        <p:nvCxnSpPr>
-          <p:cNvPr id="100" name="Straight Arrow Connector 99"/>
-          <p:cNvCxnSpPr>
-            <a:stCxn id="58" idx="3"/>
-            <a:endCxn id="84" idx="1"/>
-          </p:cNvCxnSpPr>
-          <p:nvPr/>
-        </p:nvCxnSpPr>
-        <p:spPr>
-          <a:xfrm flipV="1">
-            <a:off x="6401168" y="3656994"/>
-            <a:ext cx="396812" cy="100680"/>
-          </a:xfrm>
-          <a:prstGeom prst="straightConnector1">
-            <a:avLst/>
-          </a:prstGeom>
-          <a:ln>
-            <a:tailEnd type="triangle"/>
-          </a:ln>
-        </p:spPr>
-        <p:style>
-          <a:lnRef idx="1">
-            <a:schemeClr val="dk1"/>
-          </a:lnRef>
-          <a:fillRef idx="0">
-            <a:schemeClr val="dk1"/>
-          </a:fillRef>
-          <a:effectRef idx="0">
-            <a:schemeClr val="dk1"/>
-          </a:effectRef>
-          <a:fontRef idx="minor">
-            <a:schemeClr val="tx1"/>
-          </a:fontRef>
-        </p:style>
-      </p:cxnSp>
-      <p:cxnSp>
-        <p:nvCxnSpPr>
-          <p:cNvPr id="104" name="Straight Arrow Connector 103"/>
-          <p:cNvCxnSpPr>
-            <a:stCxn id="58" idx="3"/>
-            <a:endCxn id="88" idx="1"/>
-          </p:cNvCxnSpPr>
-          <p:nvPr/>
-        </p:nvCxnSpPr>
-        <p:spPr>
-          <a:xfrm>
-            <a:off x="6401168" y="3757674"/>
-            <a:ext cx="415477" cy="657778"/>
-          </a:xfrm>
-          <a:prstGeom prst="straightConnector1">
-            <a:avLst/>
-          </a:prstGeom>
-          <a:ln>
-            <a:tailEnd type="triangle"/>
-          </a:ln>
-        </p:spPr>
-        <p:style>
-          <a:lnRef idx="1">
-            <a:schemeClr val="dk1"/>
-          </a:lnRef>
-          <a:fillRef idx="0">
-            <a:schemeClr val="dk1"/>
-          </a:fillRef>
-          <a:effectRef idx="0">
-            <a:schemeClr val="dk1"/>
-          </a:effectRef>
-          <a:fontRef idx="minor">
-            <a:schemeClr val="tx1"/>
-          </a:fontRef>
-        </p:style>
-      </p:cxnSp>
-      <p:cxnSp>
-        <p:nvCxnSpPr>
-          <p:cNvPr id="106" name="Straight Arrow Connector 105"/>
-          <p:cNvCxnSpPr>
-            <a:stCxn id="58" idx="3"/>
-            <a:endCxn id="92" idx="1"/>
-          </p:cNvCxnSpPr>
-          <p:nvPr/>
-        </p:nvCxnSpPr>
-        <p:spPr>
-          <a:xfrm>
-            <a:off x="6401168" y="3757674"/>
-            <a:ext cx="412476" cy="1395441"/>
-          </a:xfrm>
-          <a:prstGeom prst="straightConnector1">
-            <a:avLst/>
-          </a:prstGeom>
-          <a:ln>
-            <a:tailEnd type="triangle"/>
-          </a:ln>
-        </p:spPr>
-        <p:style>
-          <a:lnRef idx="1">
-            <a:schemeClr val="dk1"/>
-          </a:lnRef>
-          <a:fillRef idx="0">
-            <a:schemeClr val="dk1"/>
-          </a:fillRef>
-          <a:effectRef idx="0">
-            <a:schemeClr val="dk1"/>
-          </a:effectRef>
-          <a:fontRef idx="minor">
-            <a:schemeClr val="tx1"/>
-          </a:fontRef>
-        </p:style>
-      </p:cxnSp>
-      <p:sp>
-        <p:nvSpPr>
-          <p:cNvPr id="107" name="Content Placeholder 2"/>
-          <p:cNvSpPr txBox="1">
-            <a:spLocks/>
-          </p:cNvSpPr>
-          <p:nvPr/>
-        </p:nvSpPr>
-        <p:spPr>
-          <a:xfrm>
-            <a:off x="5713117" y="1085888"/>
-            <a:ext cx="349938" cy="292701"/>
-          </a:xfrm>
-          <a:prstGeom prst="rect">
-            <a:avLst/>
-          </a:prstGeom>
-        </p:spPr>
-        <p:txBody>
-          <a:bodyPr vert="horz" lIns="91440" tIns="45720" rIns="91440" bIns="45720" rtlCol="0">
-            <a:normAutofit fontScale="62500" lnSpcReduction="20000"/>
-          </a:bodyPr>
-          <a:lstStyle>
-            <a:lvl1pPr marL="228600" indent="-228600" algn="l" defTabSz="914400" rtl="0" eaLnBrk="1" latinLnBrk="0" hangingPunct="1">
-              <a:lnSpc>
-                <a:spcPct val="90000"/>
-              </a:lnSpc>
-              <a:spcBef>
-                <a:spcPts val="1000"/>
-              </a:spcBef>
-              <a:buFont typeface="Arial" panose="020B0604020202020204" pitchFamily="34" charset="0"/>
-              <a:buChar char="•"/>
-              <a:defRPr sz="2800" kern="1200">
-                <a:solidFill>
-                  <a:schemeClr val="tx1"/>
-                </a:solidFill>
-                <a:latin typeface="+mn-lt"/>
-                <a:ea typeface="+mn-ea"/>
-                <a:cs typeface="+mn-cs"/>
-              </a:defRPr>
-            </a:lvl1pPr>
-            <a:lvl2pPr marL="685800" indent="-228600" algn="l" defTabSz="914400" rtl="0" eaLnBrk="1" latinLnBrk="0" hangingPunct="1">
-              <a:lnSpc>
-                <a:spcPct val="90000"/>
-              </a:lnSpc>
-              <a:spcBef>
-                <a:spcPts val="500"/>
-              </a:spcBef>
-              <a:buFont typeface="Arial" panose="020B0604020202020204" pitchFamily="34" charset="0"/>
-              <a:buChar char="•"/>
-              <a:defRPr sz="2400" kern="1200">
-                <a:solidFill>
-                  <a:schemeClr val="tx1"/>
-                </a:solidFill>
-                <a:latin typeface="+mn-lt"/>
-                <a:ea typeface="+mn-ea"/>
-                <a:cs typeface="+mn-cs"/>
-              </a:defRPr>
-            </a:lvl2pPr>
-            <a:lvl3pPr marL="1143000" indent="-228600" algn="l" defTabSz="914400" rtl="0" eaLnBrk="1" latinLnBrk="0" hangingPunct="1">
-              <a:lnSpc>
-                <a:spcPct val="90000"/>
-              </a:lnSpc>
-              <a:spcBef>
-                <a:spcPts val="500"/>
-              </a:spcBef>
-              <a:buFont typeface="Arial" panose="020B0604020202020204" pitchFamily="34" charset="0"/>
-              <a:buChar char="•"/>
-              <a:defRPr sz="2000" kern="1200">
-                <a:solidFill>
-                  <a:schemeClr val="tx1"/>
-                </a:solidFill>
-                <a:latin typeface="+mn-lt"/>
-                <a:ea typeface="+mn-ea"/>
-                <a:cs typeface="+mn-cs"/>
-              </a:defRPr>
-            </a:lvl3pPr>
-            <a:lvl4pPr marL="1600200" indent="-228600" algn="l" defTabSz="914400" rtl="0" eaLnBrk="1" latinLnBrk="0" hangingPunct="1">
-              <a:lnSpc>
-                <a:spcPct val="90000"/>
-              </a:lnSpc>
-              <a:spcBef>
-                <a:spcPts val="500"/>
-              </a:spcBef>
-              <a:buFont typeface="Arial" panose="020B0604020202020204" pitchFamily="34" charset="0"/>
-              <a:buChar char="•"/>
-              <a:defRPr sz="1800" kern="1200">
-                <a:solidFill>
-                  <a:schemeClr val="tx1"/>
-                </a:solidFill>
-                <a:latin typeface="+mn-lt"/>
-                <a:ea typeface="+mn-ea"/>
-                <a:cs typeface="+mn-cs"/>
-              </a:defRPr>
-            </a:lvl4pPr>
-            <a:lvl5pPr marL="2057400" indent="-228600" algn="l" defTabSz="914400" rtl="0" eaLnBrk="1" latinLnBrk="0" hangingPunct="1">
-              <a:lnSpc>
-                <a:spcPct val="90000"/>
-              </a:lnSpc>
-              <a:spcBef>
-                <a:spcPts val="500"/>
-              </a:spcBef>
-              <a:buFont typeface="Arial" panose="020B0604020202020204" pitchFamily="34" charset="0"/>
-              <a:buChar char="•"/>
-              <a:defRPr sz="1800" kern="1200">
-                <a:solidFill>
-                  <a:schemeClr val="tx1"/>
-                </a:solidFill>
-                <a:latin typeface="+mn-lt"/>
-                <a:ea typeface="+mn-ea"/>
-                <a:cs typeface="+mn-cs"/>
-              </a:defRPr>
-            </a:lvl5pPr>
-            <a:lvl6pPr marL="2514600" indent="-228600" algn="l" defTabSz="914400" rtl="0" eaLnBrk="1" latinLnBrk="0" hangingPunct="1">
-              <a:lnSpc>
-                <a:spcPct val="90000"/>
-              </a:lnSpc>
-              <a:spcBef>
-                <a:spcPts val="500"/>
-              </a:spcBef>
-              <a:buFont typeface="Arial" panose="020B0604020202020204" pitchFamily="34" charset="0"/>
-              <a:buChar char="•"/>
-              <a:defRPr sz="1800" kern="1200">
-                <a:solidFill>
-                  <a:schemeClr val="tx1"/>
-                </a:solidFill>
-                <a:latin typeface="+mn-lt"/>
-                <a:ea typeface="+mn-ea"/>
-                <a:cs typeface="+mn-cs"/>
-              </a:defRPr>
-            </a:lvl6pPr>
-            <a:lvl7pPr marL="2971800" indent="-228600" algn="l" defTabSz="914400" rtl="0" eaLnBrk="1" latinLnBrk="0" hangingPunct="1">
-              <a:lnSpc>
-                <a:spcPct val="90000"/>
-              </a:lnSpc>
-              <a:spcBef>
-                <a:spcPts val="500"/>
-              </a:spcBef>
-              <a:buFont typeface="Arial" panose="020B0604020202020204" pitchFamily="34" charset="0"/>
-              <a:buChar char="•"/>
-              <a:defRPr sz="1800" kern="1200">
-                <a:solidFill>
-                  <a:schemeClr val="tx1"/>
-                </a:solidFill>
-                <a:latin typeface="+mn-lt"/>
-                <a:ea typeface="+mn-ea"/>
-                <a:cs typeface="+mn-cs"/>
-              </a:defRPr>
-            </a:lvl7pPr>
-            <a:lvl8pPr marL="3429000" indent="-228600" algn="l" defTabSz="914400" rtl="0" eaLnBrk="1" latinLnBrk="0" hangingPunct="1">
-              <a:lnSpc>
-                <a:spcPct val="90000"/>
-              </a:lnSpc>
-              <a:spcBef>
-                <a:spcPts val="500"/>
-              </a:spcBef>
-              <a:buFont typeface="Arial" panose="020B0604020202020204" pitchFamily="34" charset="0"/>
-              <a:buChar char="•"/>
-              <a:defRPr sz="1800" kern="1200">
-                <a:solidFill>
-                  <a:schemeClr val="tx1"/>
-                </a:solidFill>
-                <a:latin typeface="+mn-lt"/>
-                <a:ea typeface="+mn-ea"/>
-                <a:cs typeface="+mn-cs"/>
-              </a:defRPr>
-            </a:lvl8pPr>
-            <a:lvl9pPr marL="3886200" indent="-228600" algn="l" defTabSz="914400" rtl="0" eaLnBrk="1" latinLnBrk="0" hangingPunct="1">
-              <a:lnSpc>
-                <a:spcPct val="90000"/>
-              </a:lnSpc>
-              <a:spcBef>
-                <a:spcPts val="500"/>
-              </a:spcBef>
-              <a:buFont typeface="Arial" panose="020B0604020202020204" pitchFamily="34" charset="0"/>
-              <a:buChar char="•"/>
-              <a:defRPr sz="1800" kern="1200">
-                <a:solidFill>
-                  <a:schemeClr val="tx1"/>
-                </a:solidFill>
-                <a:latin typeface="+mn-lt"/>
-                <a:ea typeface="+mn-ea"/>
-                <a:cs typeface="+mn-cs"/>
-              </a:defRPr>
-            </a:lvl9pPr>
-          </a:lstStyle>
-          <a:p>
-            <a:pPr marL="0" indent="0">
-              <a:buFont typeface="Arial" panose="020B0604020202020204" pitchFamily="34" charset="0"/>
-              <a:buNone/>
-            </a:pPr>
-            <a:r>
-              <a:rPr lang="en-US" dirty="0" smtClean="0"/>
-              <a:t>…</a:t>
-            </a:r>
-            <a:endParaRPr lang="en-US" dirty="0"/>
-          </a:p>
-        </p:txBody>
-      </p:sp>
-      <p:cxnSp>
-        <p:nvCxnSpPr>
-          <p:cNvPr id="109" name="Straight Arrow Connector 108"/>
-          <p:cNvCxnSpPr>
-            <a:stCxn id="26" idx="3"/>
-            <a:endCxn id="107" idx="1"/>
-          </p:cNvCxnSpPr>
-          <p:nvPr/>
-        </p:nvCxnSpPr>
-        <p:spPr>
-          <a:xfrm flipV="1">
-            <a:off x="4846319" y="1232239"/>
-            <a:ext cx="866798" cy="1106365"/>
-          </a:xfrm>
-          <a:prstGeom prst="straightConnector1">
-            <a:avLst/>
-          </a:prstGeom>
-          <a:ln>
-            <a:tailEnd type="triangle"/>
-          </a:ln>
-        </p:spPr>
-        <p:style>
-          <a:lnRef idx="1">
-            <a:schemeClr val="dk1"/>
-          </a:lnRef>
-          <a:fillRef idx="0">
-            <a:schemeClr val="dk1"/>
-          </a:fillRef>
-          <a:effectRef idx="0">
-            <a:schemeClr val="dk1"/>
-          </a:effectRef>
-          <a:fontRef idx="minor">
-            <a:schemeClr val="tx1"/>
-          </a:fontRef>
-        </p:style>
-      </p:cxnSp>
-      <p:sp>
-        <p:nvSpPr>
-          <p:cNvPr id="112" name="Content Placeholder 2"/>
-          <p:cNvSpPr txBox="1">
-            <a:spLocks/>
-          </p:cNvSpPr>
-          <p:nvPr/>
-        </p:nvSpPr>
-        <p:spPr>
-          <a:xfrm>
-            <a:off x="5706629" y="1486728"/>
-            <a:ext cx="349938" cy="292701"/>
-          </a:xfrm>
-          <a:prstGeom prst="rect">
-            <a:avLst/>
-          </a:prstGeom>
-        </p:spPr>
-        <p:txBody>
-          <a:bodyPr vert="horz" lIns="91440" tIns="45720" rIns="91440" bIns="45720" rtlCol="0">
-            <a:normAutofit fontScale="62500" lnSpcReduction="20000"/>
-          </a:bodyPr>
-          <a:lstStyle>
-            <a:lvl1pPr marL="228600" indent="-228600" algn="l" defTabSz="914400" rtl="0" eaLnBrk="1" latinLnBrk="0" hangingPunct="1">
-              <a:lnSpc>
-                <a:spcPct val="90000"/>
-              </a:lnSpc>
-              <a:spcBef>
-                <a:spcPts val="1000"/>
-              </a:spcBef>
-              <a:buFont typeface="Arial" panose="020B0604020202020204" pitchFamily="34" charset="0"/>
-              <a:buChar char="•"/>
-              <a:defRPr sz="2800" kern="1200">
-                <a:solidFill>
-                  <a:schemeClr val="tx1"/>
-                </a:solidFill>
-                <a:latin typeface="+mn-lt"/>
-                <a:ea typeface="+mn-ea"/>
-                <a:cs typeface="+mn-cs"/>
-              </a:defRPr>
-            </a:lvl1pPr>
-            <a:lvl2pPr marL="685800" indent="-228600" algn="l" defTabSz="914400" rtl="0" eaLnBrk="1" latinLnBrk="0" hangingPunct="1">
-              <a:lnSpc>
-                <a:spcPct val="90000"/>
-              </a:lnSpc>
-              <a:spcBef>
-                <a:spcPts val="500"/>
-              </a:spcBef>
-              <a:buFont typeface="Arial" panose="020B0604020202020204" pitchFamily="34" charset="0"/>
-              <a:buChar char="•"/>
-              <a:defRPr sz="2400" kern="1200">
-                <a:solidFill>
-                  <a:schemeClr val="tx1"/>
-                </a:solidFill>
-                <a:latin typeface="+mn-lt"/>
-                <a:ea typeface="+mn-ea"/>
-                <a:cs typeface="+mn-cs"/>
-              </a:defRPr>
-            </a:lvl2pPr>
-            <a:lvl3pPr marL="1143000" indent="-228600" algn="l" defTabSz="914400" rtl="0" eaLnBrk="1" latinLnBrk="0" hangingPunct="1">
-              <a:lnSpc>
-                <a:spcPct val="90000"/>
-              </a:lnSpc>
-              <a:spcBef>
-                <a:spcPts val="500"/>
-              </a:spcBef>
-              <a:buFont typeface="Arial" panose="020B0604020202020204" pitchFamily="34" charset="0"/>
-              <a:buChar char="•"/>
-              <a:defRPr sz="2000" kern="1200">
-                <a:solidFill>
-                  <a:schemeClr val="tx1"/>
-                </a:solidFill>
-                <a:latin typeface="+mn-lt"/>
-                <a:ea typeface="+mn-ea"/>
-                <a:cs typeface="+mn-cs"/>
-              </a:defRPr>
-            </a:lvl3pPr>
-            <a:lvl4pPr marL="1600200" indent="-228600" algn="l" defTabSz="914400" rtl="0" eaLnBrk="1" latinLnBrk="0" hangingPunct="1">
-              <a:lnSpc>
-                <a:spcPct val="90000"/>
-              </a:lnSpc>
-              <a:spcBef>
-                <a:spcPts val="500"/>
-              </a:spcBef>
-              <a:buFont typeface="Arial" panose="020B0604020202020204" pitchFamily="34" charset="0"/>
-              <a:buChar char="•"/>
-              <a:defRPr sz="1800" kern="1200">
-                <a:solidFill>
-                  <a:schemeClr val="tx1"/>
-                </a:solidFill>
-                <a:latin typeface="+mn-lt"/>
-                <a:ea typeface="+mn-ea"/>
-                <a:cs typeface="+mn-cs"/>
-              </a:defRPr>
-            </a:lvl4pPr>
-            <a:lvl5pPr marL="2057400" indent="-228600" algn="l" defTabSz="914400" rtl="0" eaLnBrk="1" latinLnBrk="0" hangingPunct="1">
-              <a:lnSpc>
-                <a:spcPct val="90000"/>
-              </a:lnSpc>
-              <a:spcBef>
-                <a:spcPts val="500"/>
-              </a:spcBef>
-              <a:buFont typeface="Arial" panose="020B0604020202020204" pitchFamily="34" charset="0"/>
-              <a:buChar char="•"/>
-              <a:defRPr sz="1800" kern="1200">
-                <a:solidFill>
-                  <a:schemeClr val="tx1"/>
-                </a:solidFill>
-                <a:latin typeface="+mn-lt"/>
-                <a:ea typeface="+mn-ea"/>
-                <a:cs typeface="+mn-cs"/>
-              </a:defRPr>
-            </a:lvl5pPr>
-            <a:lvl6pPr marL="2514600" indent="-228600" algn="l" defTabSz="914400" rtl="0" eaLnBrk="1" latinLnBrk="0" hangingPunct="1">
-              <a:lnSpc>
-                <a:spcPct val="90000"/>
-              </a:lnSpc>
-              <a:spcBef>
-                <a:spcPts val="500"/>
-              </a:spcBef>
-              <a:buFont typeface="Arial" panose="020B0604020202020204" pitchFamily="34" charset="0"/>
-              <a:buChar char="•"/>
-              <a:defRPr sz="1800" kern="1200">
-                <a:solidFill>
-                  <a:schemeClr val="tx1"/>
-                </a:solidFill>
-                <a:latin typeface="+mn-lt"/>
-                <a:ea typeface="+mn-ea"/>
-                <a:cs typeface="+mn-cs"/>
-              </a:defRPr>
-            </a:lvl6pPr>
-            <a:lvl7pPr marL="2971800" indent="-228600" algn="l" defTabSz="914400" rtl="0" eaLnBrk="1" latinLnBrk="0" hangingPunct="1">
-              <a:lnSpc>
-                <a:spcPct val="90000"/>
-              </a:lnSpc>
-              <a:spcBef>
-                <a:spcPts val="500"/>
-              </a:spcBef>
-              <a:buFont typeface="Arial" panose="020B0604020202020204" pitchFamily="34" charset="0"/>
-              <a:buChar char="•"/>
-              <a:defRPr sz="1800" kern="1200">
-                <a:solidFill>
-                  <a:schemeClr val="tx1"/>
-                </a:solidFill>
-                <a:latin typeface="+mn-lt"/>
-                <a:ea typeface="+mn-ea"/>
-                <a:cs typeface="+mn-cs"/>
-              </a:defRPr>
-            </a:lvl7pPr>
-            <a:lvl8pPr marL="3429000" indent="-228600" algn="l" defTabSz="914400" rtl="0" eaLnBrk="1" latinLnBrk="0" hangingPunct="1">
-              <a:lnSpc>
-                <a:spcPct val="90000"/>
-              </a:lnSpc>
-              <a:spcBef>
-                <a:spcPts val="500"/>
-              </a:spcBef>
-              <a:buFont typeface="Arial" panose="020B0604020202020204" pitchFamily="34" charset="0"/>
-              <a:buChar char="•"/>
-              <a:defRPr sz="1800" kern="1200">
-                <a:solidFill>
-                  <a:schemeClr val="tx1"/>
-                </a:solidFill>
-                <a:latin typeface="+mn-lt"/>
-                <a:ea typeface="+mn-ea"/>
-                <a:cs typeface="+mn-cs"/>
-              </a:defRPr>
-            </a:lvl8pPr>
-            <a:lvl9pPr marL="3886200" indent="-228600" algn="l" defTabSz="914400" rtl="0" eaLnBrk="1" latinLnBrk="0" hangingPunct="1">
-              <a:lnSpc>
-                <a:spcPct val="90000"/>
-              </a:lnSpc>
-              <a:spcBef>
-                <a:spcPts val="500"/>
-              </a:spcBef>
-              <a:buFont typeface="Arial" panose="020B0604020202020204" pitchFamily="34" charset="0"/>
-              <a:buChar char="•"/>
-              <a:defRPr sz="1800" kern="1200">
-                <a:solidFill>
-                  <a:schemeClr val="tx1"/>
-                </a:solidFill>
-                <a:latin typeface="+mn-lt"/>
-                <a:ea typeface="+mn-ea"/>
-                <a:cs typeface="+mn-cs"/>
-              </a:defRPr>
-            </a:lvl9pPr>
-          </a:lstStyle>
-          <a:p>
-            <a:pPr marL="0" indent="0">
-              <a:buFont typeface="Arial" panose="020B0604020202020204" pitchFamily="34" charset="0"/>
-              <a:buNone/>
-            </a:pPr>
-            <a:r>
-              <a:rPr lang="en-US" dirty="0" smtClean="0"/>
-              <a:t>…</a:t>
-            </a:r>
-            <a:endParaRPr lang="en-US" dirty="0"/>
-          </a:p>
-        </p:txBody>
-      </p:sp>
-      <p:cxnSp>
-        <p:nvCxnSpPr>
-          <p:cNvPr id="114" name="Straight Arrow Connector 113"/>
-          <p:cNvCxnSpPr>
-            <a:stCxn id="26" idx="3"/>
-            <a:endCxn id="112" idx="1"/>
-          </p:cNvCxnSpPr>
-          <p:nvPr/>
-        </p:nvCxnSpPr>
-        <p:spPr>
-          <a:xfrm flipV="1">
-            <a:off x="4846319" y="1633079"/>
-            <a:ext cx="860310" cy="705525"/>
-          </a:xfrm>
-          <a:prstGeom prst="straightConnector1">
-            <a:avLst/>
-          </a:prstGeom>
-          <a:ln>
-            <a:tailEnd type="triangle"/>
-          </a:ln>
-        </p:spPr>
-        <p:style>
-          <a:lnRef idx="1">
-            <a:schemeClr val="dk1"/>
-          </a:lnRef>
-          <a:fillRef idx="0">
-            <a:schemeClr val="dk1"/>
-          </a:fillRef>
-          <a:effectRef idx="0">
-            <a:schemeClr val="dk1"/>
-          </a:effectRef>
-          <a:fontRef idx="minor">
-            <a:schemeClr val="tx1"/>
-          </a:fontRef>
-        </p:style>
-      </p:cxnSp>
-      <p:sp>
-        <p:nvSpPr>
-          <p:cNvPr id="115" name="Content Placeholder 2"/>
-          <p:cNvSpPr txBox="1">
-            <a:spLocks/>
-          </p:cNvSpPr>
-          <p:nvPr/>
-        </p:nvSpPr>
-        <p:spPr>
-          <a:xfrm>
-            <a:off x="5707780" y="1831438"/>
-            <a:ext cx="349938" cy="292701"/>
-          </a:xfrm>
-          <a:prstGeom prst="rect">
-            <a:avLst/>
-          </a:prstGeom>
-        </p:spPr>
-        <p:txBody>
-          <a:bodyPr vert="horz" lIns="91440" tIns="45720" rIns="91440" bIns="45720" rtlCol="0">
-            <a:normAutofit fontScale="62500" lnSpcReduction="20000"/>
-          </a:bodyPr>
-          <a:lstStyle>
-            <a:lvl1pPr marL="228600" indent="-228600" algn="l" defTabSz="914400" rtl="0" eaLnBrk="1" latinLnBrk="0" hangingPunct="1">
-              <a:lnSpc>
-                <a:spcPct val="90000"/>
-              </a:lnSpc>
-              <a:spcBef>
-                <a:spcPts val="1000"/>
-              </a:spcBef>
-              <a:buFont typeface="Arial" panose="020B0604020202020204" pitchFamily="34" charset="0"/>
-              <a:buChar char="•"/>
-              <a:defRPr sz="2800" kern="1200">
-                <a:solidFill>
-                  <a:schemeClr val="tx1"/>
-                </a:solidFill>
-                <a:latin typeface="+mn-lt"/>
-                <a:ea typeface="+mn-ea"/>
-                <a:cs typeface="+mn-cs"/>
-              </a:defRPr>
-            </a:lvl1pPr>
-            <a:lvl2pPr marL="685800" indent="-228600" algn="l" defTabSz="914400" rtl="0" eaLnBrk="1" latinLnBrk="0" hangingPunct="1">
-              <a:lnSpc>
-                <a:spcPct val="90000"/>
-              </a:lnSpc>
-              <a:spcBef>
-                <a:spcPts val="500"/>
-              </a:spcBef>
-              <a:buFont typeface="Arial" panose="020B0604020202020204" pitchFamily="34" charset="0"/>
-              <a:buChar char="•"/>
-              <a:defRPr sz="2400" kern="1200">
-                <a:solidFill>
-                  <a:schemeClr val="tx1"/>
-                </a:solidFill>
-                <a:latin typeface="+mn-lt"/>
-                <a:ea typeface="+mn-ea"/>
-                <a:cs typeface="+mn-cs"/>
-              </a:defRPr>
-            </a:lvl2pPr>
-            <a:lvl3pPr marL="1143000" indent="-228600" algn="l" defTabSz="914400" rtl="0" eaLnBrk="1" latinLnBrk="0" hangingPunct="1">
-              <a:lnSpc>
-                <a:spcPct val="90000"/>
-              </a:lnSpc>
-              <a:spcBef>
-                <a:spcPts val="500"/>
-              </a:spcBef>
-              <a:buFont typeface="Arial" panose="020B0604020202020204" pitchFamily="34" charset="0"/>
-              <a:buChar char="•"/>
-              <a:defRPr sz="2000" kern="1200">
-                <a:solidFill>
-                  <a:schemeClr val="tx1"/>
-                </a:solidFill>
-                <a:latin typeface="+mn-lt"/>
-                <a:ea typeface="+mn-ea"/>
-                <a:cs typeface="+mn-cs"/>
-              </a:defRPr>
-            </a:lvl3pPr>
-            <a:lvl4pPr marL="1600200" indent="-228600" algn="l" defTabSz="914400" rtl="0" eaLnBrk="1" latinLnBrk="0" hangingPunct="1">
-              <a:lnSpc>
-                <a:spcPct val="90000"/>
-              </a:lnSpc>
-              <a:spcBef>
-                <a:spcPts val="500"/>
-              </a:spcBef>
-              <a:buFont typeface="Arial" panose="020B0604020202020204" pitchFamily="34" charset="0"/>
-              <a:buChar char="•"/>
-              <a:defRPr sz="1800" kern="1200">
-                <a:solidFill>
-                  <a:schemeClr val="tx1"/>
-                </a:solidFill>
-                <a:latin typeface="+mn-lt"/>
-                <a:ea typeface="+mn-ea"/>
-                <a:cs typeface="+mn-cs"/>
-              </a:defRPr>
-            </a:lvl4pPr>
-            <a:lvl5pPr marL="2057400" indent="-228600" algn="l" defTabSz="914400" rtl="0" eaLnBrk="1" latinLnBrk="0" hangingPunct="1">
-              <a:lnSpc>
-                <a:spcPct val="90000"/>
-              </a:lnSpc>
-              <a:spcBef>
-                <a:spcPts val="500"/>
-              </a:spcBef>
-              <a:buFont typeface="Arial" panose="020B0604020202020204" pitchFamily="34" charset="0"/>
-              <a:buChar char="•"/>
-              <a:defRPr sz="1800" kern="1200">
-                <a:solidFill>
-                  <a:schemeClr val="tx1"/>
-                </a:solidFill>
-                <a:latin typeface="+mn-lt"/>
-                <a:ea typeface="+mn-ea"/>
-                <a:cs typeface="+mn-cs"/>
-              </a:defRPr>
-            </a:lvl5pPr>
-            <a:lvl6pPr marL="2514600" indent="-228600" algn="l" defTabSz="914400" rtl="0" eaLnBrk="1" latinLnBrk="0" hangingPunct="1">
-              <a:lnSpc>
-                <a:spcPct val="90000"/>
-              </a:lnSpc>
-              <a:spcBef>
-                <a:spcPts val="500"/>
-              </a:spcBef>
-              <a:buFont typeface="Arial" panose="020B0604020202020204" pitchFamily="34" charset="0"/>
-              <a:buChar char="•"/>
-              <a:defRPr sz="1800" kern="1200">
-                <a:solidFill>
-                  <a:schemeClr val="tx1"/>
-                </a:solidFill>
-                <a:latin typeface="+mn-lt"/>
-                <a:ea typeface="+mn-ea"/>
-                <a:cs typeface="+mn-cs"/>
-              </a:defRPr>
-            </a:lvl6pPr>
-            <a:lvl7pPr marL="2971800" indent="-228600" algn="l" defTabSz="914400" rtl="0" eaLnBrk="1" latinLnBrk="0" hangingPunct="1">
-              <a:lnSpc>
-                <a:spcPct val="90000"/>
-              </a:lnSpc>
-              <a:spcBef>
-                <a:spcPts val="500"/>
-              </a:spcBef>
-              <a:buFont typeface="Arial" panose="020B0604020202020204" pitchFamily="34" charset="0"/>
-              <a:buChar char="•"/>
-              <a:defRPr sz="1800" kern="1200">
-                <a:solidFill>
-                  <a:schemeClr val="tx1"/>
-                </a:solidFill>
-                <a:latin typeface="+mn-lt"/>
-                <a:ea typeface="+mn-ea"/>
-                <a:cs typeface="+mn-cs"/>
-              </a:defRPr>
-            </a:lvl7pPr>
-            <a:lvl8pPr marL="3429000" indent="-228600" algn="l" defTabSz="914400" rtl="0" eaLnBrk="1" latinLnBrk="0" hangingPunct="1">
-              <a:lnSpc>
-                <a:spcPct val="90000"/>
-              </a:lnSpc>
-              <a:spcBef>
-                <a:spcPts val="500"/>
-              </a:spcBef>
-              <a:buFont typeface="Arial" panose="020B0604020202020204" pitchFamily="34" charset="0"/>
-              <a:buChar char="•"/>
-              <a:defRPr sz="1800" kern="1200">
-                <a:solidFill>
-                  <a:schemeClr val="tx1"/>
-                </a:solidFill>
-                <a:latin typeface="+mn-lt"/>
-                <a:ea typeface="+mn-ea"/>
-                <a:cs typeface="+mn-cs"/>
-              </a:defRPr>
-            </a:lvl8pPr>
-            <a:lvl9pPr marL="3886200" indent="-228600" algn="l" defTabSz="914400" rtl="0" eaLnBrk="1" latinLnBrk="0" hangingPunct="1">
-              <a:lnSpc>
-                <a:spcPct val="90000"/>
-              </a:lnSpc>
-              <a:spcBef>
-                <a:spcPts val="500"/>
-              </a:spcBef>
-              <a:buFont typeface="Arial" panose="020B0604020202020204" pitchFamily="34" charset="0"/>
-              <a:buChar char="•"/>
-              <a:defRPr sz="1800" kern="1200">
-                <a:solidFill>
-                  <a:schemeClr val="tx1"/>
-                </a:solidFill>
-                <a:latin typeface="+mn-lt"/>
-                <a:ea typeface="+mn-ea"/>
-                <a:cs typeface="+mn-cs"/>
-              </a:defRPr>
-            </a:lvl9pPr>
-          </a:lstStyle>
-          <a:p>
-            <a:pPr marL="0" indent="0">
-              <a:buFont typeface="Arial" panose="020B0604020202020204" pitchFamily="34" charset="0"/>
-              <a:buNone/>
-            </a:pPr>
-            <a:r>
-              <a:rPr lang="en-US" dirty="0" smtClean="0"/>
-              <a:t>…</a:t>
-            </a:r>
-            <a:endParaRPr lang="en-US" dirty="0"/>
-          </a:p>
-        </p:txBody>
-      </p:sp>
-      <p:cxnSp>
-        <p:nvCxnSpPr>
-          <p:cNvPr id="117" name="Straight Arrow Connector 116"/>
-          <p:cNvCxnSpPr>
-            <a:stCxn id="26" idx="3"/>
-            <a:endCxn id="115" idx="1"/>
-          </p:cNvCxnSpPr>
-          <p:nvPr/>
-        </p:nvCxnSpPr>
-        <p:spPr>
-          <a:xfrm flipV="1">
-            <a:off x="4846319" y="1977789"/>
-            <a:ext cx="861461" cy="360815"/>
-          </a:xfrm>
-          <a:prstGeom prst="straightConnector1">
-            <a:avLst/>
-          </a:prstGeom>
-          <a:ln>
-            <a:tailEnd type="triangle"/>
-          </a:ln>
-        </p:spPr>
-        <p:style>
-          <a:lnRef idx="1">
-            <a:schemeClr val="dk1"/>
-          </a:lnRef>
-          <a:fillRef idx="0">
-            <a:schemeClr val="dk1"/>
-          </a:fillRef>
-          <a:effectRef idx="0">
-            <a:schemeClr val="dk1"/>
-          </a:effectRef>
-          <a:fontRef idx="minor">
-            <a:schemeClr val="tx1"/>
-          </a:fontRef>
-        </p:style>
-      </p:cxnSp>
-      <p:sp>
-        <p:nvSpPr>
-          <p:cNvPr id="119" name="Content Placeholder 2"/>
-          <p:cNvSpPr txBox="1">
-            <a:spLocks/>
-          </p:cNvSpPr>
-          <p:nvPr/>
-        </p:nvSpPr>
-        <p:spPr>
-          <a:xfrm>
-            <a:off x="5746062" y="5488561"/>
-            <a:ext cx="349938" cy="292701"/>
-          </a:xfrm>
-          <a:prstGeom prst="rect">
-            <a:avLst/>
-          </a:prstGeom>
-        </p:spPr>
-        <p:txBody>
-          <a:bodyPr vert="horz" lIns="91440" tIns="45720" rIns="91440" bIns="45720" rtlCol="0">
-            <a:normAutofit fontScale="62500" lnSpcReduction="20000"/>
-          </a:bodyPr>
-          <a:lstStyle>
-            <a:lvl1pPr marL="228600" indent="-228600" algn="l" defTabSz="914400" rtl="0" eaLnBrk="1" latinLnBrk="0" hangingPunct="1">
-              <a:lnSpc>
-                <a:spcPct val="90000"/>
-              </a:lnSpc>
-              <a:spcBef>
-                <a:spcPts val="1000"/>
-              </a:spcBef>
-              <a:buFont typeface="Arial" panose="020B0604020202020204" pitchFamily="34" charset="0"/>
-              <a:buChar char="•"/>
-              <a:defRPr sz="2800" kern="1200">
-                <a:solidFill>
-                  <a:schemeClr val="tx1"/>
-                </a:solidFill>
-                <a:latin typeface="+mn-lt"/>
-                <a:ea typeface="+mn-ea"/>
-                <a:cs typeface="+mn-cs"/>
-              </a:defRPr>
-            </a:lvl1pPr>
-            <a:lvl2pPr marL="685800" indent="-228600" algn="l" defTabSz="914400" rtl="0" eaLnBrk="1" latinLnBrk="0" hangingPunct="1">
-              <a:lnSpc>
-                <a:spcPct val="90000"/>
-              </a:lnSpc>
-              <a:spcBef>
-                <a:spcPts val="500"/>
-              </a:spcBef>
-              <a:buFont typeface="Arial" panose="020B0604020202020204" pitchFamily="34" charset="0"/>
-              <a:buChar char="•"/>
-              <a:defRPr sz="2400" kern="1200">
-                <a:solidFill>
-                  <a:schemeClr val="tx1"/>
-                </a:solidFill>
-                <a:latin typeface="+mn-lt"/>
-                <a:ea typeface="+mn-ea"/>
-                <a:cs typeface="+mn-cs"/>
-              </a:defRPr>
-            </a:lvl2pPr>
-            <a:lvl3pPr marL="1143000" indent="-228600" algn="l" defTabSz="914400" rtl="0" eaLnBrk="1" latinLnBrk="0" hangingPunct="1">
-              <a:lnSpc>
-                <a:spcPct val="90000"/>
-              </a:lnSpc>
-              <a:spcBef>
-                <a:spcPts val="500"/>
-              </a:spcBef>
-              <a:buFont typeface="Arial" panose="020B0604020202020204" pitchFamily="34" charset="0"/>
-              <a:buChar char="•"/>
-              <a:defRPr sz="2000" kern="1200">
-                <a:solidFill>
-                  <a:schemeClr val="tx1"/>
-                </a:solidFill>
-                <a:latin typeface="+mn-lt"/>
-                <a:ea typeface="+mn-ea"/>
-                <a:cs typeface="+mn-cs"/>
-              </a:defRPr>
-            </a:lvl3pPr>
-            <a:lvl4pPr marL="1600200" indent="-228600" algn="l" defTabSz="914400" rtl="0" eaLnBrk="1" latinLnBrk="0" hangingPunct="1">
-              <a:lnSpc>
-                <a:spcPct val="90000"/>
-              </a:lnSpc>
-              <a:spcBef>
-                <a:spcPts val="500"/>
-              </a:spcBef>
-              <a:buFont typeface="Arial" panose="020B0604020202020204" pitchFamily="34" charset="0"/>
-              <a:buChar char="•"/>
-              <a:defRPr sz="1800" kern="1200">
-                <a:solidFill>
-                  <a:schemeClr val="tx1"/>
-                </a:solidFill>
-                <a:latin typeface="+mn-lt"/>
-                <a:ea typeface="+mn-ea"/>
-                <a:cs typeface="+mn-cs"/>
-              </a:defRPr>
-            </a:lvl4pPr>
-            <a:lvl5pPr marL="2057400" indent="-228600" algn="l" defTabSz="914400" rtl="0" eaLnBrk="1" latinLnBrk="0" hangingPunct="1">
-              <a:lnSpc>
-                <a:spcPct val="90000"/>
-              </a:lnSpc>
-              <a:spcBef>
-                <a:spcPts val="500"/>
-              </a:spcBef>
-              <a:buFont typeface="Arial" panose="020B0604020202020204" pitchFamily="34" charset="0"/>
-              <a:buChar char="•"/>
-              <a:defRPr sz="1800" kern="1200">
-                <a:solidFill>
-                  <a:schemeClr val="tx1"/>
-                </a:solidFill>
-                <a:latin typeface="+mn-lt"/>
-                <a:ea typeface="+mn-ea"/>
-                <a:cs typeface="+mn-cs"/>
-              </a:defRPr>
-            </a:lvl5pPr>
-            <a:lvl6pPr marL="2514600" indent="-228600" algn="l" defTabSz="914400" rtl="0" eaLnBrk="1" latinLnBrk="0" hangingPunct="1">
-              <a:lnSpc>
-                <a:spcPct val="90000"/>
-              </a:lnSpc>
-              <a:spcBef>
-                <a:spcPts val="500"/>
-              </a:spcBef>
-              <a:buFont typeface="Arial" panose="020B0604020202020204" pitchFamily="34" charset="0"/>
-              <a:buChar char="•"/>
-              <a:defRPr sz="1800" kern="1200">
-                <a:solidFill>
-                  <a:schemeClr val="tx1"/>
-                </a:solidFill>
-                <a:latin typeface="+mn-lt"/>
-                <a:ea typeface="+mn-ea"/>
-                <a:cs typeface="+mn-cs"/>
-              </a:defRPr>
-            </a:lvl6pPr>
-            <a:lvl7pPr marL="2971800" indent="-228600" algn="l" defTabSz="914400" rtl="0" eaLnBrk="1" latinLnBrk="0" hangingPunct="1">
-              <a:lnSpc>
-                <a:spcPct val="90000"/>
-              </a:lnSpc>
-              <a:spcBef>
-                <a:spcPts val="500"/>
-              </a:spcBef>
-              <a:buFont typeface="Arial" panose="020B0604020202020204" pitchFamily="34" charset="0"/>
-              <a:buChar char="•"/>
-              <a:defRPr sz="1800" kern="1200">
-                <a:solidFill>
-                  <a:schemeClr val="tx1"/>
-                </a:solidFill>
-                <a:latin typeface="+mn-lt"/>
-                <a:ea typeface="+mn-ea"/>
-                <a:cs typeface="+mn-cs"/>
-              </a:defRPr>
-            </a:lvl7pPr>
-            <a:lvl8pPr marL="3429000" indent="-228600" algn="l" defTabSz="914400" rtl="0" eaLnBrk="1" latinLnBrk="0" hangingPunct="1">
-              <a:lnSpc>
-                <a:spcPct val="90000"/>
-              </a:lnSpc>
-              <a:spcBef>
-                <a:spcPts val="500"/>
-              </a:spcBef>
-              <a:buFont typeface="Arial" panose="020B0604020202020204" pitchFamily="34" charset="0"/>
-              <a:buChar char="•"/>
-              <a:defRPr sz="1800" kern="1200">
-                <a:solidFill>
-                  <a:schemeClr val="tx1"/>
-                </a:solidFill>
-                <a:latin typeface="+mn-lt"/>
-                <a:ea typeface="+mn-ea"/>
-                <a:cs typeface="+mn-cs"/>
-              </a:defRPr>
-            </a:lvl8pPr>
-            <a:lvl9pPr marL="3886200" indent="-228600" algn="l" defTabSz="914400" rtl="0" eaLnBrk="1" latinLnBrk="0" hangingPunct="1">
-              <a:lnSpc>
-                <a:spcPct val="90000"/>
-              </a:lnSpc>
-              <a:spcBef>
-                <a:spcPts val="500"/>
-              </a:spcBef>
-              <a:buFont typeface="Arial" panose="020B0604020202020204" pitchFamily="34" charset="0"/>
-              <a:buChar char="•"/>
-              <a:defRPr sz="1800" kern="1200">
-                <a:solidFill>
-                  <a:schemeClr val="tx1"/>
-                </a:solidFill>
-                <a:latin typeface="+mn-lt"/>
-                <a:ea typeface="+mn-ea"/>
-                <a:cs typeface="+mn-cs"/>
-              </a:defRPr>
-            </a:lvl9pPr>
-          </a:lstStyle>
-          <a:p>
-            <a:pPr marL="0" indent="0">
-              <a:buFont typeface="Arial" panose="020B0604020202020204" pitchFamily="34" charset="0"/>
-              <a:buNone/>
-            </a:pPr>
-            <a:r>
-              <a:rPr lang="en-US" dirty="0" smtClean="0"/>
-              <a:t>…</a:t>
-            </a:r>
-            <a:endParaRPr lang="en-US" dirty="0"/>
-          </a:p>
-        </p:txBody>
-      </p:sp>
-      <p:sp>
-        <p:nvSpPr>
-          <p:cNvPr id="120" name="Content Placeholder 2"/>
-          <p:cNvSpPr txBox="1">
-            <a:spLocks/>
-          </p:cNvSpPr>
-          <p:nvPr/>
-        </p:nvSpPr>
-        <p:spPr>
-          <a:xfrm>
-            <a:off x="5757049" y="5824035"/>
-            <a:ext cx="349938" cy="292701"/>
-          </a:xfrm>
-          <a:prstGeom prst="rect">
-            <a:avLst/>
-          </a:prstGeom>
-        </p:spPr>
-        <p:txBody>
-          <a:bodyPr vert="horz" lIns="91440" tIns="45720" rIns="91440" bIns="45720" rtlCol="0">
-            <a:normAutofit fontScale="62500" lnSpcReduction="20000"/>
-          </a:bodyPr>
-          <a:lstStyle>
-            <a:lvl1pPr marL="228600" indent="-228600" algn="l" defTabSz="914400" rtl="0" eaLnBrk="1" latinLnBrk="0" hangingPunct="1">
-              <a:lnSpc>
-                <a:spcPct val="90000"/>
-              </a:lnSpc>
-              <a:spcBef>
-                <a:spcPts val="1000"/>
-              </a:spcBef>
-              <a:buFont typeface="Arial" panose="020B0604020202020204" pitchFamily="34" charset="0"/>
-              <a:buChar char="•"/>
-              <a:defRPr sz="2800" kern="1200">
-                <a:solidFill>
-                  <a:schemeClr val="tx1"/>
-                </a:solidFill>
-                <a:latin typeface="+mn-lt"/>
-                <a:ea typeface="+mn-ea"/>
-                <a:cs typeface="+mn-cs"/>
-              </a:defRPr>
-            </a:lvl1pPr>
-            <a:lvl2pPr marL="685800" indent="-228600" algn="l" defTabSz="914400" rtl="0" eaLnBrk="1" latinLnBrk="0" hangingPunct="1">
-              <a:lnSpc>
-                <a:spcPct val="90000"/>
-              </a:lnSpc>
-              <a:spcBef>
-                <a:spcPts val="500"/>
-              </a:spcBef>
-              <a:buFont typeface="Arial" panose="020B0604020202020204" pitchFamily="34" charset="0"/>
-              <a:buChar char="•"/>
-              <a:defRPr sz="2400" kern="1200">
-                <a:solidFill>
-                  <a:schemeClr val="tx1"/>
-                </a:solidFill>
-                <a:latin typeface="+mn-lt"/>
-                <a:ea typeface="+mn-ea"/>
-                <a:cs typeface="+mn-cs"/>
-              </a:defRPr>
-            </a:lvl2pPr>
-            <a:lvl3pPr marL="1143000" indent="-228600" algn="l" defTabSz="914400" rtl="0" eaLnBrk="1" latinLnBrk="0" hangingPunct="1">
-              <a:lnSpc>
-                <a:spcPct val="90000"/>
-              </a:lnSpc>
-              <a:spcBef>
-                <a:spcPts val="500"/>
-              </a:spcBef>
-              <a:buFont typeface="Arial" panose="020B0604020202020204" pitchFamily="34" charset="0"/>
-              <a:buChar char="•"/>
-              <a:defRPr sz="2000" kern="1200">
-                <a:solidFill>
-                  <a:schemeClr val="tx1"/>
-                </a:solidFill>
-                <a:latin typeface="+mn-lt"/>
-                <a:ea typeface="+mn-ea"/>
-                <a:cs typeface="+mn-cs"/>
-              </a:defRPr>
-            </a:lvl3pPr>
-            <a:lvl4pPr marL="1600200" indent="-228600" algn="l" defTabSz="914400" rtl="0" eaLnBrk="1" latinLnBrk="0" hangingPunct="1">
-              <a:lnSpc>
-                <a:spcPct val="90000"/>
-              </a:lnSpc>
-              <a:spcBef>
-                <a:spcPts val="500"/>
-              </a:spcBef>
-              <a:buFont typeface="Arial" panose="020B0604020202020204" pitchFamily="34" charset="0"/>
-              <a:buChar char="•"/>
-              <a:defRPr sz="1800" kern="1200">
-                <a:solidFill>
-                  <a:schemeClr val="tx1"/>
-                </a:solidFill>
-                <a:latin typeface="+mn-lt"/>
-                <a:ea typeface="+mn-ea"/>
-                <a:cs typeface="+mn-cs"/>
-              </a:defRPr>
-            </a:lvl4pPr>
-            <a:lvl5pPr marL="2057400" indent="-228600" algn="l" defTabSz="914400" rtl="0" eaLnBrk="1" latinLnBrk="0" hangingPunct="1">
-              <a:lnSpc>
-                <a:spcPct val="90000"/>
-              </a:lnSpc>
-              <a:spcBef>
-                <a:spcPts val="500"/>
-              </a:spcBef>
-              <a:buFont typeface="Arial" panose="020B0604020202020204" pitchFamily="34" charset="0"/>
-              <a:buChar char="•"/>
-              <a:defRPr sz="1800" kern="1200">
-                <a:solidFill>
-                  <a:schemeClr val="tx1"/>
-                </a:solidFill>
-                <a:latin typeface="+mn-lt"/>
-                <a:ea typeface="+mn-ea"/>
-                <a:cs typeface="+mn-cs"/>
-              </a:defRPr>
-            </a:lvl5pPr>
-            <a:lvl6pPr marL="2514600" indent="-228600" algn="l" defTabSz="914400" rtl="0" eaLnBrk="1" latinLnBrk="0" hangingPunct="1">
-              <a:lnSpc>
-                <a:spcPct val="90000"/>
-              </a:lnSpc>
-              <a:spcBef>
-                <a:spcPts val="500"/>
-              </a:spcBef>
-              <a:buFont typeface="Arial" panose="020B0604020202020204" pitchFamily="34" charset="0"/>
-              <a:buChar char="•"/>
-              <a:defRPr sz="1800" kern="1200">
-                <a:solidFill>
-                  <a:schemeClr val="tx1"/>
-                </a:solidFill>
-                <a:latin typeface="+mn-lt"/>
-                <a:ea typeface="+mn-ea"/>
-                <a:cs typeface="+mn-cs"/>
-              </a:defRPr>
-            </a:lvl6pPr>
-            <a:lvl7pPr marL="2971800" indent="-228600" algn="l" defTabSz="914400" rtl="0" eaLnBrk="1" latinLnBrk="0" hangingPunct="1">
-              <a:lnSpc>
-                <a:spcPct val="90000"/>
-              </a:lnSpc>
-              <a:spcBef>
-                <a:spcPts val="500"/>
-              </a:spcBef>
-              <a:buFont typeface="Arial" panose="020B0604020202020204" pitchFamily="34" charset="0"/>
-              <a:buChar char="•"/>
-              <a:defRPr sz="1800" kern="1200">
-                <a:solidFill>
-                  <a:schemeClr val="tx1"/>
-                </a:solidFill>
-                <a:latin typeface="+mn-lt"/>
-                <a:ea typeface="+mn-ea"/>
-                <a:cs typeface="+mn-cs"/>
-              </a:defRPr>
-            </a:lvl7pPr>
-            <a:lvl8pPr marL="3429000" indent="-228600" algn="l" defTabSz="914400" rtl="0" eaLnBrk="1" latinLnBrk="0" hangingPunct="1">
-              <a:lnSpc>
-                <a:spcPct val="90000"/>
-              </a:lnSpc>
-              <a:spcBef>
-                <a:spcPts val="500"/>
-              </a:spcBef>
-              <a:buFont typeface="Arial" panose="020B0604020202020204" pitchFamily="34" charset="0"/>
-              <a:buChar char="•"/>
-              <a:defRPr sz="1800" kern="1200">
-                <a:solidFill>
-                  <a:schemeClr val="tx1"/>
-                </a:solidFill>
-                <a:latin typeface="+mn-lt"/>
-                <a:ea typeface="+mn-ea"/>
-                <a:cs typeface="+mn-cs"/>
-              </a:defRPr>
-            </a:lvl8pPr>
-            <a:lvl9pPr marL="3886200" indent="-228600" algn="l" defTabSz="914400" rtl="0" eaLnBrk="1" latinLnBrk="0" hangingPunct="1">
-              <a:lnSpc>
-                <a:spcPct val="90000"/>
-              </a:lnSpc>
-              <a:spcBef>
-                <a:spcPts val="500"/>
-              </a:spcBef>
-              <a:buFont typeface="Arial" panose="020B0604020202020204" pitchFamily="34" charset="0"/>
-              <a:buChar char="•"/>
-              <a:defRPr sz="1800" kern="1200">
-                <a:solidFill>
-                  <a:schemeClr val="tx1"/>
-                </a:solidFill>
-                <a:latin typeface="+mn-lt"/>
-                <a:ea typeface="+mn-ea"/>
-                <a:cs typeface="+mn-cs"/>
-              </a:defRPr>
-            </a:lvl9pPr>
-          </a:lstStyle>
-          <a:p>
-            <a:pPr marL="0" indent="0">
-              <a:buFont typeface="Arial" panose="020B0604020202020204" pitchFamily="34" charset="0"/>
-              <a:buNone/>
-            </a:pPr>
-            <a:r>
-              <a:rPr lang="en-US" dirty="0" smtClean="0"/>
-              <a:t>…</a:t>
-            </a:r>
-            <a:endParaRPr lang="en-US" dirty="0"/>
-          </a:p>
-        </p:txBody>
-      </p:sp>
-      <p:sp>
-        <p:nvSpPr>
-          <p:cNvPr id="121" name="Content Placeholder 2"/>
-          <p:cNvSpPr txBox="1">
-            <a:spLocks/>
-          </p:cNvSpPr>
-          <p:nvPr/>
-        </p:nvSpPr>
-        <p:spPr>
-          <a:xfrm>
-            <a:off x="5766011" y="6159509"/>
-            <a:ext cx="349938" cy="288424"/>
-          </a:xfrm>
-          <a:prstGeom prst="rect">
-            <a:avLst/>
-          </a:prstGeom>
-        </p:spPr>
-        <p:txBody>
-          <a:bodyPr vert="horz" lIns="91440" tIns="45720" rIns="91440" bIns="45720" rtlCol="0">
-            <a:normAutofit fontScale="62500" lnSpcReduction="20000"/>
-          </a:bodyPr>
-          <a:lstStyle>
-            <a:lvl1pPr marL="228600" indent="-228600" algn="l" defTabSz="914400" rtl="0" eaLnBrk="1" latinLnBrk="0" hangingPunct="1">
-              <a:lnSpc>
-                <a:spcPct val="90000"/>
-              </a:lnSpc>
-              <a:spcBef>
-                <a:spcPts val="1000"/>
-              </a:spcBef>
-              <a:buFont typeface="Arial" panose="020B0604020202020204" pitchFamily="34" charset="0"/>
-              <a:buChar char="•"/>
-              <a:defRPr sz="2800" kern="1200">
-                <a:solidFill>
-                  <a:schemeClr val="tx1"/>
-                </a:solidFill>
-                <a:latin typeface="+mn-lt"/>
-                <a:ea typeface="+mn-ea"/>
-                <a:cs typeface="+mn-cs"/>
-              </a:defRPr>
-            </a:lvl1pPr>
-            <a:lvl2pPr marL="685800" indent="-228600" algn="l" defTabSz="914400" rtl="0" eaLnBrk="1" latinLnBrk="0" hangingPunct="1">
-              <a:lnSpc>
-                <a:spcPct val="90000"/>
-              </a:lnSpc>
-              <a:spcBef>
-                <a:spcPts val="500"/>
-              </a:spcBef>
-              <a:buFont typeface="Arial" panose="020B0604020202020204" pitchFamily="34" charset="0"/>
-              <a:buChar char="•"/>
-              <a:defRPr sz="2400" kern="1200">
-                <a:solidFill>
-                  <a:schemeClr val="tx1"/>
-                </a:solidFill>
-                <a:latin typeface="+mn-lt"/>
-                <a:ea typeface="+mn-ea"/>
-                <a:cs typeface="+mn-cs"/>
-              </a:defRPr>
-            </a:lvl2pPr>
-            <a:lvl3pPr marL="1143000" indent="-228600" algn="l" defTabSz="914400" rtl="0" eaLnBrk="1" latinLnBrk="0" hangingPunct="1">
-              <a:lnSpc>
-                <a:spcPct val="90000"/>
-              </a:lnSpc>
-              <a:spcBef>
-                <a:spcPts val="500"/>
-              </a:spcBef>
-              <a:buFont typeface="Arial" panose="020B0604020202020204" pitchFamily="34" charset="0"/>
-              <a:buChar char="•"/>
-              <a:defRPr sz="2000" kern="1200">
-                <a:solidFill>
-                  <a:schemeClr val="tx1"/>
-                </a:solidFill>
-                <a:latin typeface="+mn-lt"/>
-                <a:ea typeface="+mn-ea"/>
-                <a:cs typeface="+mn-cs"/>
-              </a:defRPr>
-            </a:lvl3pPr>
-            <a:lvl4pPr marL="1600200" indent="-228600" algn="l" defTabSz="914400" rtl="0" eaLnBrk="1" latinLnBrk="0" hangingPunct="1">
-              <a:lnSpc>
-                <a:spcPct val="90000"/>
-              </a:lnSpc>
-              <a:spcBef>
-                <a:spcPts val="500"/>
-              </a:spcBef>
-              <a:buFont typeface="Arial" panose="020B0604020202020204" pitchFamily="34" charset="0"/>
-              <a:buChar char="•"/>
-              <a:defRPr sz="1800" kern="1200">
-                <a:solidFill>
-                  <a:schemeClr val="tx1"/>
-                </a:solidFill>
-                <a:latin typeface="+mn-lt"/>
-                <a:ea typeface="+mn-ea"/>
-                <a:cs typeface="+mn-cs"/>
-              </a:defRPr>
-            </a:lvl4pPr>
-            <a:lvl5pPr marL="2057400" indent="-228600" algn="l" defTabSz="914400" rtl="0" eaLnBrk="1" latinLnBrk="0" hangingPunct="1">
-              <a:lnSpc>
-                <a:spcPct val="90000"/>
-              </a:lnSpc>
-              <a:spcBef>
-                <a:spcPts val="500"/>
-              </a:spcBef>
-              <a:buFont typeface="Arial" panose="020B0604020202020204" pitchFamily="34" charset="0"/>
-              <a:buChar char="•"/>
-              <a:defRPr sz="1800" kern="1200">
-                <a:solidFill>
-                  <a:schemeClr val="tx1"/>
-                </a:solidFill>
-                <a:latin typeface="+mn-lt"/>
-                <a:ea typeface="+mn-ea"/>
-                <a:cs typeface="+mn-cs"/>
-              </a:defRPr>
-            </a:lvl5pPr>
-            <a:lvl6pPr marL="2514600" indent="-228600" algn="l" defTabSz="914400" rtl="0" eaLnBrk="1" latinLnBrk="0" hangingPunct="1">
-              <a:lnSpc>
-                <a:spcPct val="90000"/>
-              </a:lnSpc>
-              <a:spcBef>
-                <a:spcPts val="500"/>
-              </a:spcBef>
-              <a:buFont typeface="Arial" panose="020B0604020202020204" pitchFamily="34" charset="0"/>
-              <a:buChar char="•"/>
-              <a:defRPr sz="1800" kern="1200">
-                <a:solidFill>
-                  <a:schemeClr val="tx1"/>
-                </a:solidFill>
-                <a:latin typeface="+mn-lt"/>
-                <a:ea typeface="+mn-ea"/>
-                <a:cs typeface="+mn-cs"/>
-              </a:defRPr>
-            </a:lvl6pPr>
-            <a:lvl7pPr marL="2971800" indent="-228600" algn="l" defTabSz="914400" rtl="0" eaLnBrk="1" latinLnBrk="0" hangingPunct="1">
-              <a:lnSpc>
-                <a:spcPct val="90000"/>
-              </a:lnSpc>
-              <a:spcBef>
-                <a:spcPts val="500"/>
-              </a:spcBef>
-              <a:buFont typeface="Arial" panose="020B0604020202020204" pitchFamily="34" charset="0"/>
-              <a:buChar char="•"/>
-              <a:defRPr sz="1800" kern="1200">
-                <a:solidFill>
-                  <a:schemeClr val="tx1"/>
-                </a:solidFill>
-                <a:latin typeface="+mn-lt"/>
-                <a:ea typeface="+mn-ea"/>
-                <a:cs typeface="+mn-cs"/>
-              </a:defRPr>
-            </a:lvl7pPr>
-            <a:lvl8pPr marL="3429000" indent="-228600" algn="l" defTabSz="914400" rtl="0" eaLnBrk="1" latinLnBrk="0" hangingPunct="1">
-              <a:lnSpc>
-                <a:spcPct val="90000"/>
-              </a:lnSpc>
-              <a:spcBef>
-                <a:spcPts val="500"/>
-              </a:spcBef>
-              <a:buFont typeface="Arial" panose="020B0604020202020204" pitchFamily="34" charset="0"/>
-              <a:buChar char="•"/>
-              <a:defRPr sz="1800" kern="1200">
-                <a:solidFill>
-                  <a:schemeClr val="tx1"/>
-                </a:solidFill>
-                <a:latin typeface="+mn-lt"/>
-                <a:ea typeface="+mn-ea"/>
-                <a:cs typeface="+mn-cs"/>
-              </a:defRPr>
-            </a:lvl8pPr>
-            <a:lvl9pPr marL="3886200" indent="-228600" algn="l" defTabSz="914400" rtl="0" eaLnBrk="1" latinLnBrk="0" hangingPunct="1">
-              <a:lnSpc>
-                <a:spcPct val="90000"/>
-              </a:lnSpc>
-              <a:spcBef>
-                <a:spcPts val="500"/>
-              </a:spcBef>
-              <a:buFont typeface="Arial" panose="020B0604020202020204" pitchFamily="34" charset="0"/>
-              <a:buChar char="•"/>
-              <a:defRPr sz="1800" kern="1200">
-                <a:solidFill>
-                  <a:schemeClr val="tx1"/>
-                </a:solidFill>
-                <a:latin typeface="+mn-lt"/>
-                <a:ea typeface="+mn-ea"/>
-                <a:cs typeface="+mn-cs"/>
-              </a:defRPr>
-            </a:lvl9pPr>
-          </a:lstStyle>
-          <a:p>
-            <a:pPr marL="0" indent="0">
-              <a:buFont typeface="Arial" panose="020B0604020202020204" pitchFamily="34" charset="0"/>
-              <a:buNone/>
-            </a:pPr>
-            <a:r>
-              <a:rPr lang="en-US" dirty="0" smtClean="0"/>
-              <a:t>…</a:t>
-            </a:r>
-            <a:endParaRPr lang="en-US" dirty="0"/>
-          </a:p>
-        </p:txBody>
-      </p:sp>
-      <p:cxnSp>
-        <p:nvCxnSpPr>
-          <p:cNvPr id="123" name="Straight Arrow Connector 122"/>
-          <p:cNvCxnSpPr>
-            <a:stCxn id="37" idx="3"/>
-            <a:endCxn id="119" idx="1"/>
-          </p:cNvCxnSpPr>
-          <p:nvPr/>
-        </p:nvCxnSpPr>
-        <p:spPr>
-          <a:xfrm>
-            <a:off x="4846319" y="5422624"/>
-            <a:ext cx="899743" cy="212288"/>
-          </a:xfrm>
-          <a:prstGeom prst="straightConnector1">
-            <a:avLst/>
-          </a:prstGeom>
-          <a:ln>
-            <a:tailEnd type="triangle"/>
-          </a:ln>
-        </p:spPr>
-        <p:style>
-          <a:lnRef idx="1">
-            <a:schemeClr val="dk1"/>
-          </a:lnRef>
-          <a:fillRef idx="0">
-            <a:schemeClr val="dk1"/>
-          </a:fillRef>
-          <a:effectRef idx="0">
-            <a:schemeClr val="dk1"/>
-          </a:effectRef>
-          <a:fontRef idx="minor">
-            <a:schemeClr val="tx1"/>
-          </a:fontRef>
-        </p:style>
-      </p:cxnSp>
-      <p:cxnSp>
-        <p:nvCxnSpPr>
-          <p:cNvPr id="125" name="Straight Arrow Connector 124"/>
-          <p:cNvCxnSpPr>
-            <a:stCxn id="37" idx="3"/>
-            <a:endCxn id="120" idx="1"/>
-          </p:cNvCxnSpPr>
-          <p:nvPr/>
-        </p:nvCxnSpPr>
-        <p:spPr>
-          <a:xfrm>
-            <a:off x="4846319" y="5422624"/>
-            <a:ext cx="910730" cy="547762"/>
-          </a:xfrm>
-          <a:prstGeom prst="straightConnector1">
-            <a:avLst/>
-          </a:prstGeom>
-          <a:ln>
-            <a:tailEnd type="triangle"/>
-          </a:ln>
-        </p:spPr>
-        <p:style>
-          <a:lnRef idx="1">
-            <a:schemeClr val="dk1"/>
-          </a:lnRef>
-          <a:fillRef idx="0">
-            <a:schemeClr val="dk1"/>
-          </a:fillRef>
-          <a:effectRef idx="0">
-            <a:schemeClr val="dk1"/>
-          </a:effectRef>
-          <a:fontRef idx="minor">
-            <a:schemeClr val="tx1"/>
-          </a:fontRef>
-        </p:style>
-      </p:cxnSp>
-      <p:cxnSp>
-        <p:nvCxnSpPr>
-          <p:cNvPr id="130" name="Straight Arrow Connector 129"/>
-          <p:cNvCxnSpPr>
-            <a:stCxn id="37" idx="3"/>
-            <a:endCxn id="121" idx="1"/>
-          </p:cNvCxnSpPr>
-          <p:nvPr/>
-        </p:nvCxnSpPr>
-        <p:spPr>
-          <a:xfrm>
-            <a:off x="4846319" y="5422624"/>
-            <a:ext cx="919692" cy="881097"/>
-          </a:xfrm>
-          <a:prstGeom prst="straightConnector1">
-            <a:avLst/>
-          </a:prstGeom>
-          <a:ln>
-            <a:tailEnd type="triangle"/>
-          </a:ln>
-        </p:spPr>
-        <p:style>
-          <a:lnRef idx="1">
-            <a:schemeClr val="dk1"/>
-          </a:lnRef>
-          <a:fillRef idx="0">
-            <a:schemeClr val="dk1"/>
-          </a:fillRef>
-          <a:effectRef idx="0">
-            <a:schemeClr val="dk1"/>
-          </a:effectRef>
-          <a:fontRef idx="minor">
-            <a:schemeClr val="tx1"/>
-          </a:fontRef>
-        </p:style>
-      </p:cxnSp>
-      <p:sp>
-        <p:nvSpPr>
-          <p:cNvPr id="135" name="Content Placeholder 2"/>
-          <p:cNvSpPr txBox="1">
-            <a:spLocks/>
-          </p:cNvSpPr>
-          <p:nvPr/>
-        </p:nvSpPr>
-        <p:spPr>
-          <a:xfrm>
-            <a:off x="7048186" y="5942706"/>
-            <a:ext cx="349938" cy="292701"/>
-          </a:xfrm>
-          <a:prstGeom prst="rect">
-            <a:avLst/>
-          </a:prstGeom>
-        </p:spPr>
-        <p:txBody>
-          <a:bodyPr vert="horz" lIns="91440" tIns="45720" rIns="91440" bIns="45720" rtlCol="0">
-            <a:normAutofit fontScale="62500" lnSpcReduction="20000"/>
-          </a:bodyPr>
-          <a:lstStyle>
-            <a:lvl1pPr marL="228600" indent="-228600" algn="l" defTabSz="914400" rtl="0" eaLnBrk="1" latinLnBrk="0" hangingPunct="1">
-              <a:lnSpc>
-                <a:spcPct val="90000"/>
-              </a:lnSpc>
-              <a:spcBef>
-                <a:spcPts val="1000"/>
-              </a:spcBef>
-              <a:buFont typeface="Arial" panose="020B0604020202020204" pitchFamily="34" charset="0"/>
-              <a:buChar char="•"/>
-              <a:defRPr sz="2800" kern="1200">
-                <a:solidFill>
-                  <a:schemeClr val="tx1"/>
-                </a:solidFill>
-                <a:latin typeface="+mn-lt"/>
-                <a:ea typeface="+mn-ea"/>
-                <a:cs typeface="+mn-cs"/>
-              </a:defRPr>
-            </a:lvl1pPr>
-            <a:lvl2pPr marL="685800" indent="-228600" algn="l" defTabSz="914400" rtl="0" eaLnBrk="1" latinLnBrk="0" hangingPunct="1">
-              <a:lnSpc>
-                <a:spcPct val="90000"/>
-              </a:lnSpc>
-              <a:spcBef>
-                <a:spcPts val="500"/>
-              </a:spcBef>
-              <a:buFont typeface="Arial" panose="020B0604020202020204" pitchFamily="34" charset="0"/>
-              <a:buChar char="•"/>
-              <a:defRPr sz="2400" kern="1200">
-                <a:solidFill>
-                  <a:schemeClr val="tx1"/>
-                </a:solidFill>
-                <a:latin typeface="+mn-lt"/>
-                <a:ea typeface="+mn-ea"/>
-                <a:cs typeface="+mn-cs"/>
-              </a:defRPr>
-            </a:lvl2pPr>
-            <a:lvl3pPr marL="1143000" indent="-228600" algn="l" defTabSz="914400" rtl="0" eaLnBrk="1" latinLnBrk="0" hangingPunct="1">
-              <a:lnSpc>
-                <a:spcPct val="90000"/>
-              </a:lnSpc>
-              <a:spcBef>
-                <a:spcPts val="500"/>
-              </a:spcBef>
-              <a:buFont typeface="Arial" panose="020B0604020202020204" pitchFamily="34" charset="0"/>
-              <a:buChar char="•"/>
-              <a:defRPr sz="2000" kern="1200">
-                <a:solidFill>
-                  <a:schemeClr val="tx1"/>
-                </a:solidFill>
-                <a:latin typeface="+mn-lt"/>
-                <a:ea typeface="+mn-ea"/>
-                <a:cs typeface="+mn-cs"/>
-              </a:defRPr>
-            </a:lvl3pPr>
-            <a:lvl4pPr marL="1600200" indent="-228600" algn="l" defTabSz="914400" rtl="0" eaLnBrk="1" latinLnBrk="0" hangingPunct="1">
-              <a:lnSpc>
-                <a:spcPct val="90000"/>
-              </a:lnSpc>
-              <a:spcBef>
-                <a:spcPts val="500"/>
-              </a:spcBef>
-              <a:buFont typeface="Arial" panose="020B0604020202020204" pitchFamily="34" charset="0"/>
-              <a:buChar char="•"/>
-              <a:defRPr sz="1800" kern="1200">
-                <a:solidFill>
-                  <a:schemeClr val="tx1"/>
-                </a:solidFill>
-                <a:latin typeface="+mn-lt"/>
-                <a:ea typeface="+mn-ea"/>
-                <a:cs typeface="+mn-cs"/>
-              </a:defRPr>
-            </a:lvl4pPr>
-            <a:lvl5pPr marL="2057400" indent="-228600" algn="l" defTabSz="914400" rtl="0" eaLnBrk="1" latinLnBrk="0" hangingPunct="1">
-              <a:lnSpc>
-                <a:spcPct val="90000"/>
-              </a:lnSpc>
-              <a:spcBef>
-                <a:spcPts val="500"/>
-              </a:spcBef>
-              <a:buFont typeface="Arial" panose="020B0604020202020204" pitchFamily="34" charset="0"/>
-              <a:buChar char="•"/>
-              <a:defRPr sz="1800" kern="1200">
-                <a:solidFill>
-                  <a:schemeClr val="tx1"/>
-                </a:solidFill>
-                <a:latin typeface="+mn-lt"/>
-                <a:ea typeface="+mn-ea"/>
-                <a:cs typeface="+mn-cs"/>
-              </a:defRPr>
-            </a:lvl5pPr>
-            <a:lvl6pPr marL="2514600" indent="-228600" algn="l" defTabSz="914400" rtl="0" eaLnBrk="1" latinLnBrk="0" hangingPunct="1">
-              <a:lnSpc>
-                <a:spcPct val="90000"/>
-              </a:lnSpc>
-              <a:spcBef>
-                <a:spcPts val="500"/>
-              </a:spcBef>
-              <a:buFont typeface="Arial" panose="020B0604020202020204" pitchFamily="34" charset="0"/>
-              <a:buChar char="•"/>
-              <a:defRPr sz="1800" kern="1200">
-                <a:solidFill>
-                  <a:schemeClr val="tx1"/>
-                </a:solidFill>
-                <a:latin typeface="+mn-lt"/>
-                <a:ea typeface="+mn-ea"/>
-                <a:cs typeface="+mn-cs"/>
-              </a:defRPr>
-            </a:lvl6pPr>
-            <a:lvl7pPr marL="2971800" indent="-228600" algn="l" defTabSz="914400" rtl="0" eaLnBrk="1" latinLnBrk="0" hangingPunct="1">
-              <a:lnSpc>
-                <a:spcPct val="90000"/>
-              </a:lnSpc>
-              <a:spcBef>
-                <a:spcPts val="500"/>
-              </a:spcBef>
-              <a:buFont typeface="Arial" panose="020B0604020202020204" pitchFamily="34" charset="0"/>
-              <a:buChar char="•"/>
-              <a:defRPr sz="1800" kern="1200">
-                <a:solidFill>
-                  <a:schemeClr val="tx1"/>
-                </a:solidFill>
-                <a:latin typeface="+mn-lt"/>
-                <a:ea typeface="+mn-ea"/>
-                <a:cs typeface="+mn-cs"/>
-              </a:defRPr>
-            </a:lvl7pPr>
-            <a:lvl8pPr marL="3429000" indent="-228600" algn="l" defTabSz="914400" rtl="0" eaLnBrk="1" latinLnBrk="0" hangingPunct="1">
-              <a:lnSpc>
-                <a:spcPct val="90000"/>
-              </a:lnSpc>
-              <a:spcBef>
-                <a:spcPts val="500"/>
-              </a:spcBef>
-              <a:buFont typeface="Arial" panose="020B0604020202020204" pitchFamily="34" charset="0"/>
-              <a:buChar char="•"/>
-              <a:defRPr sz="1800" kern="1200">
-                <a:solidFill>
-                  <a:schemeClr val="tx1"/>
-                </a:solidFill>
-                <a:latin typeface="+mn-lt"/>
-                <a:ea typeface="+mn-ea"/>
-                <a:cs typeface="+mn-cs"/>
-              </a:defRPr>
-            </a:lvl8pPr>
-            <a:lvl9pPr marL="3886200" indent="-228600" algn="l" defTabSz="914400" rtl="0" eaLnBrk="1" latinLnBrk="0" hangingPunct="1">
-              <a:lnSpc>
-                <a:spcPct val="90000"/>
-              </a:lnSpc>
-              <a:spcBef>
-                <a:spcPts val="500"/>
-              </a:spcBef>
-              <a:buFont typeface="Arial" panose="020B0604020202020204" pitchFamily="34" charset="0"/>
-              <a:buChar char="•"/>
-              <a:defRPr sz="1800" kern="1200">
-                <a:solidFill>
-                  <a:schemeClr val="tx1"/>
-                </a:solidFill>
-                <a:latin typeface="+mn-lt"/>
-                <a:ea typeface="+mn-ea"/>
-                <a:cs typeface="+mn-cs"/>
-              </a:defRPr>
-            </a:lvl9pPr>
-          </a:lstStyle>
-          <a:p>
-            <a:pPr marL="0" indent="0">
-              <a:buFont typeface="Arial" panose="020B0604020202020204" pitchFamily="34" charset="0"/>
-              <a:buNone/>
-            </a:pPr>
-            <a:r>
-              <a:rPr lang="en-US" dirty="0" smtClean="0"/>
-              <a:t>…</a:t>
-            </a:r>
-            <a:endParaRPr lang="en-US" dirty="0"/>
-          </a:p>
-        </p:txBody>
-      </p:sp>
-      <p:sp>
-        <p:nvSpPr>
-          <p:cNvPr id="137" name="Content Placeholder 2"/>
-          <p:cNvSpPr txBox="1">
-            <a:spLocks/>
-          </p:cNvSpPr>
-          <p:nvPr/>
-        </p:nvSpPr>
-        <p:spPr>
-          <a:xfrm>
-            <a:off x="7048186" y="6227250"/>
-            <a:ext cx="349938" cy="292701"/>
-          </a:xfrm>
-          <a:prstGeom prst="rect">
-            <a:avLst/>
-          </a:prstGeom>
-        </p:spPr>
-        <p:txBody>
-          <a:bodyPr vert="horz" lIns="91440" tIns="45720" rIns="91440" bIns="45720" rtlCol="0">
-            <a:normAutofit fontScale="62500" lnSpcReduction="20000"/>
-          </a:bodyPr>
-          <a:lstStyle>
-            <a:lvl1pPr marL="228600" indent="-228600" algn="l" defTabSz="914400" rtl="0" eaLnBrk="1" latinLnBrk="0" hangingPunct="1">
-              <a:lnSpc>
-                <a:spcPct val="90000"/>
-              </a:lnSpc>
-              <a:spcBef>
-                <a:spcPts val="1000"/>
-              </a:spcBef>
-              <a:buFont typeface="Arial" panose="020B0604020202020204" pitchFamily="34" charset="0"/>
-              <a:buChar char="•"/>
-              <a:defRPr sz="2800" kern="1200">
-                <a:solidFill>
-                  <a:schemeClr val="tx1"/>
-                </a:solidFill>
-                <a:latin typeface="+mn-lt"/>
-                <a:ea typeface="+mn-ea"/>
-                <a:cs typeface="+mn-cs"/>
-              </a:defRPr>
-            </a:lvl1pPr>
-            <a:lvl2pPr marL="685800" indent="-228600" algn="l" defTabSz="914400" rtl="0" eaLnBrk="1" latinLnBrk="0" hangingPunct="1">
-              <a:lnSpc>
-                <a:spcPct val="90000"/>
-              </a:lnSpc>
-              <a:spcBef>
-                <a:spcPts val="500"/>
-              </a:spcBef>
-              <a:buFont typeface="Arial" panose="020B0604020202020204" pitchFamily="34" charset="0"/>
-              <a:buChar char="•"/>
-              <a:defRPr sz="2400" kern="1200">
-                <a:solidFill>
-                  <a:schemeClr val="tx1"/>
-                </a:solidFill>
-                <a:latin typeface="+mn-lt"/>
-                <a:ea typeface="+mn-ea"/>
-                <a:cs typeface="+mn-cs"/>
-              </a:defRPr>
-            </a:lvl2pPr>
-            <a:lvl3pPr marL="1143000" indent="-228600" algn="l" defTabSz="914400" rtl="0" eaLnBrk="1" latinLnBrk="0" hangingPunct="1">
-              <a:lnSpc>
-                <a:spcPct val="90000"/>
-              </a:lnSpc>
-              <a:spcBef>
-                <a:spcPts val="500"/>
-              </a:spcBef>
-              <a:buFont typeface="Arial" panose="020B0604020202020204" pitchFamily="34" charset="0"/>
-              <a:buChar char="•"/>
-              <a:defRPr sz="2000" kern="1200">
-                <a:solidFill>
-                  <a:schemeClr val="tx1"/>
-                </a:solidFill>
-                <a:latin typeface="+mn-lt"/>
-                <a:ea typeface="+mn-ea"/>
-                <a:cs typeface="+mn-cs"/>
-              </a:defRPr>
-            </a:lvl3pPr>
-            <a:lvl4pPr marL="1600200" indent="-228600" algn="l" defTabSz="914400" rtl="0" eaLnBrk="1" latinLnBrk="0" hangingPunct="1">
-              <a:lnSpc>
-                <a:spcPct val="90000"/>
-              </a:lnSpc>
-              <a:spcBef>
-                <a:spcPts val="500"/>
-              </a:spcBef>
-              <a:buFont typeface="Arial" panose="020B0604020202020204" pitchFamily="34" charset="0"/>
-              <a:buChar char="•"/>
-              <a:defRPr sz="1800" kern="1200">
-                <a:solidFill>
-                  <a:schemeClr val="tx1"/>
-                </a:solidFill>
-                <a:latin typeface="+mn-lt"/>
-                <a:ea typeface="+mn-ea"/>
-                <a:cs typeface="+mn-cs"/>
-              </a:defRPr>
-            </a:lvl4pPr>
-            <a:lvl5pPr marL="2057400" indent="-228600" algn="l" defTabSz="914400" rtl="0" eaLnBrk="1" latinLnBrk="0" hangingPunct="1">
-              <a:lnSpc>
-                <a:spcPct val="90000"/>
-              </a:lnSpc>
-              <a:spcBef>
-                <a:spcPts val="500"/>
-              </a:spcBef>
-              <a:buFont typeface="Arial" panose="020B0604020202020204" pitchFamily="34" charset="0"/>
-              <a:buChar char="•"/>
-              <a:defRPr sz="1800" kern="1200">
-                <a:solidFill>
-                  <a:schemeClr val="tx1"/>
-                </a:solidFill>
-                <a:latin typeface="+mn-lt"/>
-                <a:ea typeface="+mn-ea"/>
-                <a:cs typeface="+mn-cs"/>
-              </a:defRPr>
-            </a:lvl5pPr>
-            <a:lvl6pPr marL="2514600" indent="-228600" algn="l" defTabSz="914400" rtl="0" eaLnBrk="1" latinLnBrk="0" hangingPunct="1">
-              <a:lnSpc>
-                <a:spcPct val="90000"/>
-              </a:lnSpc>
-              <a:spcBef>
-                <a:spcPts val="500"/>
-              </a:spcBef>
-              <a:buFont typeface="Arial" panose="020B0604020202020204" pitchFamily="34" charset="0"/>
-              <a:buChar char="•"/>
-              <a:defRPr sz="1800" kern="1200">
-                <a:solidFill>
-                  <a:schemeClr val="tx1"/>
-                </a:solidFill>
-                <a:latin typeface="+mn-lt"/>
-                <a:ea typeface="+mn-ea"/>
-                <a:cs typeface="+mn-cs"/>
-              </a:defRPr>
-            </a:lvl6pPr>
-            <a:lvl7pPr marL="2971800" indent="-228600" algn="l" defTabSz="914400" rtl="0" eaLnBrk="1" latinLnBrk="0" hangingPunct="1">
-              <a:lnSpc>
-                <a:spcPct val="90000"/>
-              </a:lnSpc>
-              <a:spcBef>
-                <a:spcPts val="500"/>
-              </a:spcBef>
-              <a:buFont typeface="Arial" panose="020B0604020202020204" pitchFamily="34" charset="0"/>
-              <a:buChar char="•"/>
-              <a:defRPr sz="1800" kern="1200">
-                <a:solidFill>
-                  <a:schemeClr val="tx1"/>
-                </a:solidFill>
-                <a:latin typeface="+mn-lt"/>
-                <a:ea typeface="+mn-ea"/>
-                <a:cs typeface="+mn-cs"/>
-              </a:defRPr>
-            </a:lvl7pPr>
-            <a:lvl8pPr marL="3429000" indent="-228600" algn="l" defTabSz="914400" rtl="0" eaLnBrk="1" latinLnBrk="0" hangingPunct="1">
-              <a:lnSpc>
-                <a:spcPct val="90000"/>
-              </a:lnSpc>
-              <a:spcBef>
-                <a:spcPts val="500"/>
-              </a:spcBef>
-              <a:buFont typeface="Arial" panose="020B0604020202020204" pitchFamily="34" charset="0"/>
-              <a:buChar char="•"/>
-              <a:defRPr sz="1800" kern="1200">
-                <a:solidFill>
-                  <a:schemeClr val="tx1"/>
-                </a:solidFill>
-                <a:latin typeface="+mn-lt"/>
-                <a:ea typeface="+mn-ea"/>
-                <a:cs typeface="+mn-cs"/>
-              </a:defRPr>
-            </a:lvl8pPr>
-            <a:lvl9pPr marL="3886200" indent="-228600" algn="l" defTabSz="914400" rtl="0" eaLnBrk="1" latinLnBrk="0" hangingPunct="1">
-              <a:lnSpc>
-                <a:spcPct val="90000"/>
-              </a:lnSpc>
-              <a:spcBef>
-                <a:spcPts val="500"/>
-              </a:spcBef>
-              <a:buFont typeface="Arial" panose="020B0604020202020204" pitchFamily="34" charset="0"/>
-              <a:buChar char="•"/>
-              <a:defRPr sz="1800" kern="1200">
-                <a:solidFill>
-                  <a:schemeClr val="tx1"/>
-                </a:solidFill>
-                <a:latin typeface="+mn-lt"/>
-                <a:ea typeface="+mn-ea"/>
-                <a:cs typeface="+mn-cs"/>
-              </a:defRPr>
-            </a:lvl9pPr>
-          </a:lstStyle>
-          <a:p>
-            <a:pPr marL="0" indent="0">
-              <a:buFont typeface="Arial" panose="020B0604020202020204" pitchFamily="34" charset="0"/>
-              <a:buNone/>
-            </a:pPr>
-            <a:r>
-              <a:rPr lang="en-US" dirty="0" smtClean="0"/>
-              <a:t>…</a:t>
-            </a:r>
-            <a:endParaRPr lang="en-US" dirty="0"/>
-          </a:p>
-        </p:txBody>
-      </p:sp>
-      <p:cxnSp>
-        <p:nvCxnSpPr>
-          <p:cNvPr id="139" name="Straight Arrow Connector 138"/>
-          <p:cNvCxnSpPr>
-            <a:stCxn id="62" idx="3"/>
-            <a:endCxn id="135" idx="1"/>
-          </p:cNvCxnSpPr>
-          <p:nvPr/>
-        </p:nvCxnSpPr>
-        <p:spPr>
-          <a:xfrm>
-            <a:off x="6410130" y="4898883"/>
-            <a:ext cx="638056" cy="1190174"/>
-          </a:xfrm>
-          <a:prstGeom prst="straightConnector1">
-            <a:avLst/>
-          </a:prstGeom>
-          <a:ln>
-            <a:tailEnd type="triangle"/>
-          </a:ln>
-        </p:spPr>
-        <p:style>
-          <a:lnRef idx="1">
-            <a:schemeClr val="dk1"/>
-          </a:lnRef>
-          <a:fillRef idx="0">
-            <a:schemeClr val="dk1"/>
-          </a:fillRef>
-          <a:effectRef idx="0">
-            <a:schemeClr val="dk1"/>
-          </a:effectRef>
-          <a:fontRef idx="minor">
-            <a:schemeClr val="tx1"/>
-          </a:fontRef>
-        </p:style>
-      </p:cxnSp>
-      <p:cxnSp>
-        <p:nvCxnSpPr>
-          <p:cNvPr id="146" name="Straight Arrow Connector 145"/>
-          <p:cNvCxnSpPr>
-            <a:stCxn id="62" idx="3"/>
-            <a:endCxn id="137" idx="1"/>
-          </p:cNvCxnSpPr>
-          <p:nvPr/>
-        </p:nvCxnSpPr>
-        <p:spPr>
-          <a:xfrm>
-            <a:off x="6410130" y="4898883"/>
-            <a:ext cx="638056" cy="1474718"/>
-          </a:xfrm>
-          <a:prstGeom prst="straightConnector1">
-            <a:avLst/>
-          </a:prstGeom>
-          <a:ln>
-            <a:tailEnd type="triangle"/>
-          </a:ln>
-        </p:spPr>
-        <p:style>
-          <a:lnRef idx="1">
-            <a:schemeClr val="dk1"/>
-          </a:lnRef>
-          <a:fillRef idx="0">
-            <a:schemeClr val="dk1"/>
-          </a:fillRef>
-          <a:effectRef idx="0">
-            <a:schemeClr val="dk1"/>
-          </a:effectRef>
-          <a:fontRef idx="minor">
-            <a:schemeClr val="tx1"/>
-          </a:fontRef>
-        </p:style>
-      </p:cxnSp>
-      <p:sp>
-        <p:nvSpPr>
-          <p:cNvPr id="147" name="Content Placeholder 2"/>
-          <p:cNvSpPr txBox="1">
-            <a:spLocks/>
-          </p:cNvSpPr>
-          <p:nvPr/>
-        </p:nvSpPr>
-        <p:spPr>
-          <a:xfrm>
-            <a:off x="7048186" y="6471446"/>
-            <a:ext cx="349938" cy="292701"/>
-          </a:xfrm>
-          <a:prstGeom prst="rect">
-            <a:avLst/>
-          </a:prstGeom>
-        </p:spPr>
-        <p:txBody>
-          <a:bodyPr vert="horz" lIns="91440" tIns="45720" rIns="91440" bIns="45720" rtlCol="0">
-            <a:normAutofit fontScale="62500" lnSpcReduction="20000"/>
-          </a:bodyPr>
-          <a:lstStyle>
-            <a:lvl1pPr marL="228600" indent="-228600" algn="l" defTabSz="914400" rtl="0" eaLnBrk="1" latinLnBrk="0" hangingPunct="1">
-              <a:lnSpc>
-                <a:spcPct val="90000"/>
-              </a:lnSpc>
-              <a:spcBef>
-                <a:spcPts val="1000"/>
-              </a:spcBef>
-              <a:buFont typeface="Arial" panose="020B0604020202020204" pitchFamily="34" charset="0"/>
-              <a:buChar char="•"/>
-              <a:defRPr sz="2800" kern="1200">
-                <a:solidFill>
-                  <a:schemeClr val="tx1"/>
-                </a:solidFill>
-                <a:latin typeface="+mn-lt"/>
-                <a:ea typeface="+mn-ea"/>
-                <a:cs typeface="+mn-cs"/>
-              </a:defRPr>
-            </a:lvl1pPr>
-            <a:lvl2pPr marL="685800" indent="-228600" algn="l" defTabSz="914400" rtl="0" eaLnBrk="1" latinLnBrk="0" hangingPunct="1">
-              <a:lnSpc>
-                <a:spcPct val="90000"/>
-              </a:lnSpc>
-              <a:spcBef>
-                <a:spcPts val="500"/>
-              </a:spcBef>
-              <a:buFont typeface="Arial" panose="020B0604020202020204" pitchFamily="34" charset="0"/>
-              <a:buChar char="•"/>
-              <a:defRPr sz="2400" kern="1200">
-                <a:solidFill>
-                  <a:schemeClr val="tx1"/>
-                </a:solidFill>
-                <a:latin typeface="+mn-lt"/>
-                <a:ea typeface="+mn-ea"/>
-                <a:cs typeface="+mn-cs"/>
-              </a:defRPr>
-            </a:lvl2pPr>
-            <a:lvl3pPr marL="1143000" indent="-228600" algn="l" defTabSz="914400" rtl="0" eaLnBrk="1" latinLnBrk="0" hangingPunct="1">
-              <a:lnSpc>
-                <a:spcPct val="90000"/>
-              </a:lnSpc>
-              <a:spcBef>
-                <a:spcPts val="500"/>
-              </a:spcBef>
-              <a:buFont typeface="Arial" panose="020B0604020202020204" pitchFamily="34" charset="0"/>
-              <a:buChar char="•"/>
-              <a:defRPr sz="2000" kern="1200">
-                <a:solidFill>
-                  <a:schemeClr val="tx1"/>
-                </a:solidFill>
-                <a:latin typeface="+mn-lt"/>
-                <a:ea typeface="+mn-ea"/>
-                <a:cs typeface="+mn-cs"/>
-              </a:defRPr>
-            </a:lvl3pPr>
-            <a:lvl4pPr marL="1600200" indent="-228600" algn="l" defTabSz="914400" rtl="0" eaLnBrk="1" latinLnBrk="0" hangingPunct="1">
-              <a:lnSpc>
-                <a:spcPct val="90000"/>
-              </a:lnSpc>
-              <a:spcBef>
-                <a:spcPts val="500"/>
-              </a:spcBef>
-              <a:buFont typeface="Arial" panose="020B0604020202020204" pitchFamily="34" charset="0"/>
-              <a:buChar char="•"/>
-              <a:defRPr sz="1800" kern="1200">
-                <a:solidFill>
-                  <a:schemeClr val="tx1"/>
-                </a:solidFill>
-                <a:latin typeface="+mn-lt"/>
-                <a:ea typeface="+mn-ea"/>
-                <a:cs typeface="+mn-cs"/>
-              </a:defRPr>
-            </a:lvl4pPr>
-            <a:lvl5pPr marL="2057400" indent="-228600" algn="l" defTabSz="914400" rtl="0" eaLnBrk="1" latinLnBrk="0" hangingPunct="1">
-              <a:lnSpc>
-                <a:spcPct val="90000"/>
-              </a:lnSpc>
-              <a:spcBef>
-                <a:spcPts val="500"/>
-              </a:spcBef>
-              <a:buFont typeface="Arial" panose="020B0604020202020204" pitchFamily="34" charset="0"/>
-              <a:buChar char="•"/>
-              <a:defRPr sz="1800" kern="1200">
-                <a:solidFill>
-                  <a:schemeClr val="tx1"/>
-                </a:solidFill>
-                <a:latin typeface="+mn-lt"/>
-                <a:ea typeface="+mn-ea"/>
-                <a:cs typeface="+mn-cs"/>
-              </a:defRPr>
-            </a:lvl5pPr>
-            <a:lvl6pPr marL="2514600" indent="-228600" algn="l" defTabSz="914400" rtl="0" eaLnBrk="1" latinLnBrk="0" hangingPunct="1">
-              <a:lnSpc>
-                <a:spcPct val="90000"/>
-              </a:lnSpc>
-              <a:spcBef>
-                <a:spcPts val="500"/>
-              </a:spcBef>
-              <a:buFont typeface="Arial" panose="020B0604020202020204" pitchFamily="34" charset="0"/>
-              <a:buChar char="•"/>
-              <a:defRPr sz="1800" kern="1200">
-                <a:solidFill>
-                  <a:schemeClr val="tx1"/>
-                </a:solidFill>
-                <a:latin typeface="+mn-lt"/>
-                <a:ea typeface="+mn-ea"/>
-                <a:cs typeface="+mn-cs"/>
-              </a:defRPr>
-            </a:lvl6pPr>
-            <a:lvl7pPr marL="2971800" indent="-228600" algn="l" defTabSz="914400" rtl="0" eaLnBrk="1" latinLnBrk="0" hangingPunct="1">
-              <a:lnSpc>
-                <a:spcPct val="90000"/>
-              </a:lnSpc>
-              <a:spcBef>
-                <a:spcPts val="500"/>
-              </a:spcBef>
-              <a:buFont typeface="Arial" panose="020B0604020202020204" pitchFamily="34" charset="0"/>
-              <a:buChar char="•"/>
-              <a:defRPr sz="1800" kern="1200">
-                <a:solidFill>
-                  <a:schemeClr val="tx1"/>
-                </a:solidFill>
-                <a:latin typeface="+mn-lt"/>
-                <a:ea typeface="+mn-ea"/>
-                <a:cs typeface="+mn-cs"/>
-              </a:defRPr>
-            </a:lvl7pPr>
-            <a:lvl8pPr marL="3429000" indent="-228600" algn="l" defTabSz="914400" rtl="0" eaLnBrk="1" latinLnBrk="0" hangingPunct="1">
-              <a:lnSpc>
-                <a:spcPct val="90000"/>
-              </a:lnSpc>
-              <a:spcBef>
-                <a:spcPts val="500"/>
-              </a:spcBef>
-              <a:buFont typeface="Arial" panose="020B0604020202020204" pitchFamily="34" charset="0"/>
-              <a:buChar char="•"/>
-              <a:defRPr sz="1800" kern="1200">
-                <a:solidFill>
-                  <a:schemeClr val="tx1"/>
-                </a:solidFill>
-                <a:latin typeface="+mn-lt"/>
-                <a:ea typeface="+mn-ea"/>
-                <a:cs typeface="+mn-cs"/>
-              </a:defRPr>
-            </a:lvl8pPr>
-            <a:lvl9pPr marL="3886200" indent="-228600" algn="l" defTabSz="914400" rtl="0" eaLnBrk="1" latinLnBrk="0" hangingPunct="1">
-              <a:lnSpc>
-                <a:spcPct val="90000"/>
-              </a:lnSpc>
-              <a:spcBef>
-                <a:spcPts val="500"/>
-              </a:spcBef>
-              <a:buFont typeface="Arial" panose="020B0604020202020204" pitchFamily="34" charset="0"/>
-              <a:buChar char="•"/>
-              <a:defRPr sz="1800" kern="1200">
-                <a:solidFill>
-                  <a:schemeClr val="tx1"/>
-                </a:solidFill>
-                <a:latin typeface="+mn-lt"/>
-                <a:ea typeface="+mn-ea"/>
-                <a:cs typeface="+mn-cs"/>
-              </a:defRPr>
-            </a:lvl9pPr>
-          </a:lstStyle>
-          <a:p>
-            <a:pPr marL="0" indent="0">
-              <a:buFont typeface="Arial" panose="020B0604020202020204" pitchFamily="34" charset="0"/>
-              <a:buNone/>
-            </a:pPr>
-            <a:r>
-              <a:rPr lang="en-US" dirty="0" smtClean="0"/>
-              <a:t>…</a:t>
-            </a:r>
-            <a:endParaRPr lang="en-US" dirty="0"/>
-          </a:p>
-        </p:txBody>
-      </p:sp>
-      <p:cxnSp>
-        <p:nvCxnSpPr>
-          <p:cNvPr id="149" name="Straight Arrow Connector 148"/>
-          <p:cNvCxnSpPr>
-            <a:stCxn id="62" idx="3"/>
-            <a:endCxn id="147" idx="1"/>
-          </p:cNvCxnSpPr>
-          <p:nvPr/>
-        </p:nvCxnSpPr>
-        <p:spPr>
-          <a:xfrm>
-            <a:off x="6410130" y="4898883"/>
-            <a:ext cx="638056" cy="1718914"/>
-          </a:xfrm>
-          <a:prstGeom prst="straightConnector1">
-            <a:avLst/>
-          </a:prstGeom>
-          <a:ln>
-            <a:tailEnd type="triangle"/>
-          </a:ln>
-        </p:spPr>
-        <p:style>
-          <a:lnRef idx="1">
-            <a:schemeClr val="dk1"/>
-          </a:lnRef>
-          <a:fillRef idx="0">
-            <a:schemeClr val="dk1"/>
-          </a:fillRef>
-          <a:effectRef idx="0">
-            <a:schemeClr val="dk1"/>
-          </a:effectRef>
-          <a:fontRef idx="minor">
-            <a:schemeClr val="tx1"/>
-          </a:fontRef>
-        </p:style>
-      </p:cxnSp>
-      <p:cxnSp>
-        <p:nvCxnSpPr>
-          <p:cNvPr id="151" name="Straight Arrow Connector 150"/>
-          <p:cNvCxnSpPr>
-            <a:stCxn id="72" idx="3"/>
-          </p:cNvCxnSpPr>
-          <p:nvPr/>
-        </p:nvCxnSpPr>
-        <p:spPr>
-          <a:xfrm flipV="1">
-            <a:off x="7625826" y="851389"/>
-            <a:ext cx="608599" cy="568955"/>
-          </a:xfrm>
-          <a:prstGeom prst="straightConnector1">
-            <a:avLst/>
-          </a:prstGeom>
-          <a:ln>
-            <a:tailEnd type="triangle"/>
-          </a:ln>
-        </p:spPr>
-        <p:style>
-          <a:lnRef idx="1">
-            <a:schemeClr val="dk1"/>
-          </a:lnRef>
-          <a:fillRef idx="0">
-            <a:schemeClr val="dk1"/>
-          </a:fillRef>
-          <a:effectRef idx="0">
-            <a:schemeClr val="dk1"/>
-          </a:effectRef>
-          <a:fontRef idx="minor">
-            <a:schemeClr val="tx1"/>
-          </a:fontRef>
-        </p:style>
-      </p:cxnSp>
-      <p:cxnSp>
-        <p:nvCxnSpPr>
-          <p:cNvPr id="153" name="Straight Arrow Connector 152"/>
-          <p:cNvCxnSpPr>
-            <a:stCxn id="72" idx="3"/>
-          </p:cNvCxnSpPr>
-          <p:nvPr/>
-        </p:nvCxnSpPr>
-        <p:spPr>
-          <a:xfrm>
-            <a:off x="7625826" y="1420344"/>
-            <a:ext cx="608599" cy="0"/>
-          </a:xfrm>
-          <a:prstGeom prst="straightConnector1">
-            <a:avLst/>
-          </a:prstGeom>
-          <a:ln>
-            <a:tailEnd type="triangle"/>
-          </a:ln>
-        </p:spPr>
-        <p:style>
-          <a:lnRef idx="1">
-            <a:schemeClr val="dk1"/>
-          </a:lnRef>
-          <a:fillRef idx="0">
-            <a:schemeClr val="dk1"/>
-          </a:fillRef>
-          <a:effectRef idx="0">
-            <a:schemeClr val="dk1"/>
-          </a:effectRef>
-          <a:fontRef idx="minor">
-            <a:schemeClr val="tx1"/>
-          </a:fontRef>
-        </p:style>
-      </p:cxnSp>
-      <p:cxnSp>
-        <p:nvCxnSpPr>
-          <p:cNvPr id="155" name="Straight Arrow Connector 154"/>
-          <p:cNvCxnSpPr>
-            <a:stCxn id="72" idx="3"/>
-          </p:cNvCxnSpPr>
-          <p:nvPr/>
-        </p:nvCxnSpPr>
-        <p:spPr>
-          <a:xfrm>
-            <a:off x="7625826" y="1420344"/>
-            <a:ext cx="531236" cy="523404"/>
-          </a:xfrm>
-          <a:prstGeom prst="straightConnector1">
-            <a:avLst/>
-          </a:prstGeom>
-          <a:ln>
-            <a:tailEnd type="triangle"/>
-          </a:ln>
-        </p:spPr>
-        <p:style>
-          <a:lnRef idx="1">
-            <a:schemeClr val="dk1"/>
-          </a:lnRef>
-          <a:fillRef idx="0">
-            <a:schemeClr val="dk1"/>
-          </a:fillRef>
-          <a:effectRef idx="0">
-            <a:schemeClr val="dk1"/>
-          </a:effectRef>
-          <a:fontRef idx="minor">
-            <a:schemeClr val="tx1"/>
-          </a:fontRef>
-        </p:style>
-      </p:cxnSp>
-      <p:cxnSp>
-        <p:nvCxnSpPr>
-          <p:cNvPr id="157" name="Straight Arrow Connector 156"/>
-          <p:cNvCxnSpPr>
-            <a:stCxn id="76" idx="3"/>
-          </p:cNvCxnSpPr>
-          <p:nvPr/>
-        </p:nvCxnSpPr>
-        <p:spPr>
-          <a:xfrm flipV="1">
-            <a:off x="7633658" y="1599291"/>
-            <a:ext cx="543241" cy="566603"/>
-          </a:xfrm>
-          <a:prstGeom prst="straightConnector1">
-            <a:avLst/>
-          </a:prstGeom>
-          <a:ln>
-            <a:tailEnd type="triangle"/>
-          </a:ln>
-        </p:spPr>
-        <p:style>
-          <a:lnRef idx="1">
-            <a:schemeClr val="dk1"/>
-          </a:lnRef>
-          <a:fillRef idx="0">
-            <a:schemeClr val="dk1"/>
-          </a:fillRef>
-          <a:effectRef idx="0">
-            <a:schemeClr val="dk1"/>
-          </a:effectRef>
-          <a:fontRef idx="minor">
-            <a:schemeClr val="tx1"/>
-          </a:fontRef>
-        </p:style>
-      </p:cxnSp>
-      <p:cxnSp>
-        <p:nvCxnSpPr>
-          <p:cNvPr id="159" name="Straight Arrow Connector 158"/>
-          <p:cNvCxnSpPr>
-            <a:stCxn id="76" idx="3"/>
-          </p:cNvCxnSpPr>
-          <p:nvPr/>
-        </p:nvCxnSpPr>
-        <p:spPr>
-          <a:xfrm flipV="1">
-            <a:off x="7633658" y="2158196"/>
-            <a:ext cx="600767" cy="7698"/>
-          </a:xfrm>
-          <a:prstGeom prst="straightConnector1">
-            <a:avLst/>
-          </a:prstGeom>
-          <a:ln>
-            <a:tailEnd type="triangle"/>
-          </a:ln>
-        </p:spPr>
-        <p:style>
-          <a:lnRef idx="1">
-            <a:schemeClr val="dk1"/>
-          </a:lnRef>
-          <a:fillRef idx="0">
-            <a:schemeClr val="dk1"/>
-          </a:fillRef>
-          <a:effectRef idx="0">
-            <a:schemeClr val="dk1"/>
-          </a:effectRef>
-          <a:fontRef idx="minor">
-            <a:schemeClr val="tx1"/>
-          </a:fontRef>
-        </p:style>
-      </p:cxnSp>
-      <p:cxnSp>
-        <p:nvCxnSpPr>
-          <p:cNvPr id="161" name="Straight Arrow Connector 160"/>
-          <p:cNvCxnSpPr>
-            <a:stCxn id="76" idx="3"/>
-          </p:cNvCxnSpPr>
-          <p:nvPr/>
-        </p:nvCxnSpPr>
-        <p:spPr>
-          <a:xfrm>
-            <a:off x="7633658" y="2165894"/>
-            <a:ext cx="538949" cy="546781"/>
-          </a:xfrm>
-          <a:prstGeom prst="straightConnector1">
-            <a:avLst/>
-          </a:prstGeom>
-          <a:ln>
-            <a:tailEnd type="triangle"/>
-          </a:ln>
-        </p:spPr>
-        <p:style>
-          <a:lnRef idx="1">
-            <a:schemeClr val="dk1"/>
-          </a:lnRef>
-          <a:fillRef idx="0">
-            <a:schemeClr val="dk1"/>
-          </a:fillRef>
-          <a:effectRef idx="0">
-            <a:schemeClr val="dk1"/>
-          </a:effectRef>
-          <a:fontRef idx="minor">
-            <a:schemeClr val="tx1"/>
-          </a:fontRef>
-        </p:style>
-      </p:cxnSp>
-      <p:cxnSp>
-        <p:nvCxnSpPr>
-          <p:cNvPr id="163" name="Straight Arrow Connector 162"/>
-          <p:cNvCxnSpPr>
-            <a:stCxn id="80" idx="3"/>
-          </p:cNvCxnSpPr>
-          <p:nvPr/>
-        </p:nvCxnSpPr>
-        <p:spPr>
-          <a:xfrm>
-            <a:off x="7617994" y="2911444"/>
-            <a:ext cx="616431" cy="0"/>
-          </a:xfrm>
-          <a:prstGeom prst="straightConnector1">
-            <a:avLst/>
-          </a:prstGeom>
-          <a:ln>
-            <a:tailEnd type="triangle"/>
-          </a:ln>
-        </p:spPr>
-        <p:style>
-          <a:lnRef idx="1">
-            <a:schemeClr val="dk1"/>
-          </a:lnRef>
-          <a:fillRef idx="0">
-            <a:schemeClr val="dk1"/>
-          </a:fillRef>
-          <a:effectRef idx="0">
-            <a:schemeClr val="dk1"/>
-          </a:effectRef>
-          <a:fontRef idx="minor">
-            <a:schemeClr val="tx1"/>
-          </a:fontRef>
-        </p:style>
-      </p:cxnSp>
-      <p:cxnSp>
-        <p:nvCxnSpPr>
-          <p:cNvPr id="165" name="Straight Arrow Connector 164"/>
-          <p:cNvCxnSpPr>
-            <a:stCxn id="80" idx="3"/>
-          </p:cNvCxnSpPr>
-          <p:nvPr/>
-        </p:nvCxnSpPr>
-        <p:spPr>
-          <a:xfrm flipV="1">
-            <a:off x="7617994" y="2338603"/>
-            <a:ext cx="580673" cy="572841"/>
-          </a:xfrm>
-          <a:prstGeom prst="straightConnector1">
-            <a:avLst/>
-          </a:prstGeom>
-          <a:ln>
-            <a:tailEnd type="triangle"/>
-          </a:ln>
-        </p:spPr>
-        <p:style>
-          <a:lnRef idx="1">
-            <a:schemeClr val="dk1"/>
-          </a:lnRef>
-          <a:fillRef idx="0">
-            <a:schemeClr val="dk1"/>
-          </a:fillRef>
-          <a:effectRef idx="0">
-            <a:schemeClr val="dk1"/>
-          </a:effectRef>
-          <a:fontRef idx="minor">
-            <a:schemeClr val="tx1"/>
-          </a:fontRef>
-        </p:style>
-      </p:cxnSp>
-      <p:cxnSp>
-        <p:nvCxnSpPr>
-          <p:cNvPr id="167" name="Straight Arrow Connector 166"/>
-          <p:cNvCxnSpPr>
-            <a:stCxn id="80" idx="3"/>
-          </p:cNvCxnSpPr>
-          <p:nvPr/>
-        </p:nvCxnSpPr>
-        <p:spPr>
-          <a:xfrm>
-            <a:off x="7617994" y="2911444"/>
-            <a:ext cx="564492" cy="556660"/>
-          </a:xfrm>
-          <a:prstGeom prst="straightConnector1">
-            <a:avLst/>
-          </a:prstGeom>
-          <a:ln>
-            <a:tailEnd type="triangle"/>
-          </a:ln>
-        </p:spPr>
-        <p:style>
-          <a:lnRef idx="1">
-            <a:schemeClr val="dk1"/>
-          </a:lnRef>
-          <a:fillRef idx="0">
-            <a:schemeClr val="dk1"/>
-          </a:fillRef>
-          <a:effectRef idx="0">
-            <a:schemeClr val="dk1"/>
-          </a:effectRef>
-          <a:fontRef idx="minor">
-            <a:schemeClr val="tx1"/>
-          </a:fontRef>
-        </p:style>
-      </p:cxnSp>
-      <p:cxnSp>
-        <p:nvCxnSpPr>
-          <p:cNvPr id="169" name="Straight Arrow Connector 168"/>
-          <p:cNvCxnSpPr>
-            <a:stCxn id="84" idx="3"/>
-          </p:cNvCxnSpPr>
-          <p:nvPr/>
-        </p:nvCxnSpPr>
-        <p:spPr>
-          <a:xfrm flipV="1">
-            <a:off x="7617994" y="3090391"/>
-            <a:ext cx="566603" cy="566603"/>
-          </a:xfrm>
-          <a:prstGeom prst="straightConnector1">
-            <a:avLst/>
-          </a:prstGeom>
-          <a:ln>
-            <a:tailEnd type="triangle"/>
-          </a:ln>
-        </p:spPr>
-        <p:style>
-          <a:lnRef idx="1">
-            <a:schemeClr val="dk1"/>
-          </a:lnRef>
-          <a:fillRef idx="0">
-            <a:schemeClr val="dk1"/>
-          </a:fillRef>
-          <a:effectRef idx="0">
-            <a:schemeClr val="dk1"/>
-          </a:effectRef>
-          <a:fontRef idx="minor">
-            <a:schemeClr val="tx1"/>
-          </a:fontRef>
-        </p:style>
-      </p:cxnSp>
-      <p:cxnSp>
-        <p:nvCxnSpPr>
-          <p:cNvPr id="171" name="Straight Arrow Connector 170"/>
-          <p:cNvCxnSpPr>
-            <a:stCxn id="84" idx="3"/>
-          </p:cNvCxnSpPr>
-          <p:nvPr/>
-        </p:nvCxnSpPr>
-        <p:spPr>
-          <a:xfrm>
-            <a:off x="7617994" y="3656994"/>
-            <a:ext cx="616431" cy="0"/>
-          </a:xfrm>
-          <a:prstGeom prst="straightConnector1">
-            <a:avLst/>
-          </a:prstGeom>
-          <a:ln>
-            <a:tailEnd type="triangle"/>
-          </a:ln>
-        </p:spPr>
-        <p:style>
-          <a:lnRef idx="1">
-            <a:schemeClr val="dk1"/>
-          </a:lnRef>
-          <a:fillRef idx="0">
-            <a:schemeClr val="dk1"/>
-          </a:fillRef>
-          <a:effectRef idx="0">
-            <a:schemeClr val="dk1"/>
-          </a:effectRef>
-          <a:fontRef idx="minor">
-            <a:schemeClr val="tx1"/>
-          </a:fontRef>
-        </p:style>
-      </p:cxnSp>
-      <p:cxnSp>
-        <p:nvCxnSpPr>
-          <p:cNvPr id="173" name="Straight Arrow Connector 172"/>
-          <p:cNvCxnSpPr>
-            <a:stCxn id="84" idx="3"/>
-          </p:cNvCxnSpPr>
-          <p:nvPr/>
-        </p:nvCxnSpPr>
-        <p:spPr>
-          <a:xfrm>
-            <a:off x="7617994" y="3656994"/>
-            <a:ext cx="565389" cy="557557"/>
-          </a:xfrm>
-          <a:prstGeom prst="straightConnector1">
-            <a:avLst/>
-          </a:prstGeom>
-          <a:ln>
-            <a:tailEnd type="triangle"/>
-          </a:ln>
-        </p:spPr>
-        <p:style>
-          <a:lnRef idx="1">
-            <a:schemeClr val="dk1"/>
-          </a:lnRef>
-          <a:fillRef idx="0">
-            <a:schemeClr val="dk1"/>
-          </a:fillRef>
-          <a:effectRef idx="0">
-            <a:schemeClr val="dk1"/>
-          </a:effectRef>
-          <a:fontRef idx="minor">
-            <a:schemeClr val="tx1"/>
-          </a:fontRef>
-        </p:style>
-      </p:cxnSp>
-      <p:cxnSp>
-        <p:nvCxnSpPr>
-          <p:cNvPr id="175" name="Straight Arrow Connector 174"/>
-          <p:cNvCxnSpPr>
-            <a:stCxn id="88" idx="3"/>
-          </p:cNvCxnSpPr>
-          <p:nvPr/>
-        </p:nvCxnSpPr>
-        <p:spPr>
-          <a:xfrm flipV="1">
-            <a:off x="7636659" y="3835941"/>
-            <a:ext cx="550806" cy="579511"/>
-          </a:xfrm>
-          <a:prstGeom prst="straightConnector1">
-            <a:avLst/>
-          </a:prstGeom>
-          <a:ln>
-            <a:tailEnd type="triangle"/>
-          </a:ln>
-        </p:spPr>
-        <p:style>
-          <a:lnRef idx="1">
-            <a:schemeClr val="dk1"/>
-          </a:lnRef>
-          <a:fillRef idx="0">
-            <a:schemeClr val="dk1"/>
-          </a:fillRef>
-          <a:effectRef idx="0">
-            <a:schemeClr val="dk1"/>
-          </a:effectRef>
-          <a:fontRef idx="minor">
-            <a:schemeClr val="tx1"/>
-          </a:fontRef>
-        </p:style>
-      </p:cxnSp>
-      <p:cxnSp>
-        <p:nvCxnSpPr>
-          <p:cNvPr id="177" name="Straight Arrow Connector 176"/>
-          <p:cNvCxnSpPr>
-            <a:stCxn id="88" idx="3"/>
-          </p:cNvCxnSpPr>
-          <p:nvPr/>
-        </p:nvCxnSpPr>
-        <p:spPr>
-          <a:xfrm>
-            <a:off x="7636659" y="4415452"/>
-            <a:ext cx="597766" cy="0"/>
-          </a:xfrm>
-          <a:prstGeom prst="straightConnector1">
-            <a:avLst/>
-          </a:prstGeom>
-          <a:ln>
-            <a:tailEnd type="triangle"/>
-          </a:ln>
-        </p:spPr>
-        <p:style>
-          <a:lnRef idx="1">
-            <a:schemeClr val="dk1"/>
-          </a:lnRef>
-          <a:fillRef idx="0">
-            <a:schemeClr val="dk1"/>
-          </a:fillRef>
-          <a:effectRef idx="0">
-            <a:schemeClr val="dk1"/>
-          </a:effectRef>
-          <a:fontRef idx="minor">
-            <a:schemeClr val="tx1"/>
-          </a:fontRef>
-        </p:style>
-      </p:cxnSp>
-      <p:cxnSp>
-        <p:nvCxnSpPr>
-          <p:cNvPr id="179" name="Straight Arrow Connector 178"/>
-          <p:cNvCxnSpPr>
-            <a:stCxn id="88" idx="3"/>
-          </p:cNvCxnSpPr>
-          <p:nvPr/>
-        </p:nvCxnSpPr>
-        <p:spPr>
-          <a:xfrm>
-            <a:off x="7636659" y="4415452"/>
-            <a:ext cx="545772" cy="548773"/>
-          </a:xfrm>
-          <a:prstGeom prst="straightConnector1">
-            <a:avLst/>
-          </a:prstGeom>
-          <a:ln>
-            <a:tailEnd type="triangle"/>
-          </a:ln>
-        </p:spPr>
-        <p:style>
-          <a:lnRef idx="1">
-            <a:schemeClr val="dk1"/>
-          </a:lnRef>
-          <a:fillRef idx="0">
-            <a:schemeClr val="dk1"/>
-          </a:fillRef>
-          <a:effectRef idx="0">
-            <a:schemeClr val="dk1"/>
-          </a:effectRef>
-          <a:fontRef idx="minor">
-            <a:schemeClr val="tx1"/>
-          </a:fontRef>
-        </p:style>
-      </p:cxnSp>
-      <p:cxnSp>
-        <p:nvCxnSpPr>
-          <p:cNvPr id="181" name="Straight Arrow Connector 180"/>
-          <p:cNvCxnSpPr>
-            <a:stCxn id="92" idx="3"/>
-          </p:cNvCxnSpPr>
-          <p:nvPr/>
-        </p:nvCxnSpPr>
-        <p:spPr>
-          <a:xfrm flipV="1">
-            <a:off x="7633658" y="4594399"/>
-            <a:ext cx="547091" cy="558716"/>
-          </a:xfrm>
-          <a:prstGeom prst="straightConnector1">
-            <a:avLst/>
-          </a:prstGeom>
-          <a:ln>
-            <a:tailEnd type="triangle"/>
-          </a:ln>
-        </p:spPr>
-        <p:style>
-          <a:lnRef idx="1">
-            <a:schemeClr val="dk1"/>
-          </a:lnRef>
-          <a:fillRef idx="0">
-            <a:schemeClr val="dk1"/>
-          </a:fillRef>
-          <a:effectRef idx="0">
-            <a:schemeClr val="dk1"/>
-          </a:effectRef>
-          <a:fontRef idx="minor">
-            <a:schemeClr val="tx1"/>
-          </a:fontRef>
-        </p:style>
-      </p:cxnSp>
-      <p:cxnSp>
-        <p:nvCxnSpPr>
-          <p:cNvPr id="183" name="Straight Arrow Connector 182"/>
-          <p:cNvCxnSpPr>
-            <a:stCxn id="92" idx="3"/>
-          </p:cNvCxnSpPr>
-          <p:nvPr/>
-        </p:nvCxnSpPr>
-        <p:spPr>
-          <a:xfrm>
-            <a:off x="7633658" y="5153115"/>
-            <a:ext cx="600767" cy="0"/>
-          </a:xfrm>
-          <a:prstGeom prst="straightConnector1">
-            <a:avLst/>
-          </a:prstGeom>
-          <a:ln>
-            <a:tailEnd type="triangle"/>
-          </a:ln>
-        </p:spPr>
-        <p:style>
-          <a:lnRef idx="1">
-            <a:schemeClr val="dk1"/>
-          </a:lnRef>
-          <a:fillRef idx="0">
-            <a:schemeClr val="dk1"/>
-          </a:fillRef>
-          <a:effectRef idx="0">
-            <a:schemeClr val="dk1"/>
-          </a:effectRef>
-          <a:fontRef idx="minor">
-            <a:schemeClr val="tx1"/>
-          </a:fontRef>
-        </p:style>
-      </p:cxnSp>
-      <p:cxnSp>
-        <p:nvCxnSpPr>
-          <p:cNvPr id="185" name="Straight Arrow Connector 184"/>
-          <p:cNvCxnSpPr>
-            <a:stCxn id="92" idx="3"/>
-          </p:cNvCxnSpPr>
-          <p:nvPr/>
-        </p:nvCxnSpPr>
-        <p:spPr>
-          <a:xfrm>
-            <a:off x="7633658" y="5153115"/>
-            <a:ext cx="600767" cy="600767"/>
-          </a:xfrm>
-          <a:prstGeom prst="straightConnector1">
-            <a:avLst/>
-          </a:prstGeom>
-          <a:ln>
-            <a:tailEnd type="triangle"/>
-          </a:ln>
-        </p:spPr>
-        <p:style>
-          <a:lnRef idx="1">
-            <a:schemeClr val="dk1"/>
-          </a:lnRef>
-          <a:fillRef idx="0">
-            <a:schemeClr val="dk1"/>
-          </a:fillRef>
-          <a:effectRef idx="0">
-            <a:schemeClr val="dk1"/>
-          </a:effectRef>
-          <a:fontRef idx="minor">
-            <a:schemeClr val="tx1"/>
-          </a:fontRef>
-        </p:style>
-      </p:cxnSp>
       <p:sp>
         <p:nvSpPr>
           <p:cNvPr id="186" name="Content Placeholder 2"/>
@@ -16127,7 +10593,7 @@
         </p:nvSpPr>
         <p:spPr>
           <a:xfrm>
-            <a:off x="8568661" y="2351065"/>
+            <a:off x="7486992" y="1819051"/>
             <a:ext cx="2570438" cy="493626"/>
           </a:xfrm>
           <a:prstGeom prst="rect">
@@ -16325,8 +10791,8 @@
         </p:nvSpPr>
         <p:spPr>
           <a:xfrm>
-            <a:off x="8853485" y="2813875"/>
-            <a:ext cx="3060693" cy="1673865"/>
+            <a:off x="7771816" y="2312678"/>
+            <a:ext cx="3060693" cy="838986"/>
           </a:xfrm>
           <a:prstGeom prst="rect">
             <a:avLst/>
@@ -16334,7 +10800,7 @@
         </p:spPr>
         <p:txBody>
           <a:bodyPr vert="horz" lIns="91440" tIns="45720" rIns="91440" bIns="45720" rtlCol="0">
-            <a:normAutofit/>
+            <a:normAutofit lnSpcReduction="10000"/>
           </a:bodyPr>
           <a:lstStyle>
             <a:lvl1pPr marL="228600" indent="-228600" algn="l" defTabSz="914400" rtl="0" eaLnBrk="1" latinLnBrk="0" hangingPunct="1">
@@ -16503,20 +10969,13 @@
           <a:p>
             <a:r>
               <a:rPr lang="en-US" dirty="0" smtClean="0"/>
-              <a:t>Meet “EOS” token </a:t>
-            </a:r>
-            <a:r>
-              <a:rPr lang="en-US" dirty="0"/>
-              <a:t>and </a:t>
+              <a:t>Meet “EOS” </a:t>
             </a:r>
             <a:r>
               <a:rPr lang="en-US" dirty="0" smtClean="0"/>
-              <a:t>achieve </a:t>
-            </a:r>
-            <a:r>
-              <a:rPr lang="en-US" dirty="0"/>
-              <a:t>the desired number of sentences</a:t>
-            </a:r>
+              <a:t>token.</a:t>
+            </a:r>
+            <a:endParaRPr lang="en-US" dirty="0"/>
           </a:p>
         </p:txBody>
       </p:sp>
@@ -16530,7 +10989,7 @@
         </p:nvSpPr>
         <p:spPr>
           <a:xfrm>
-            <a:off x="8853485" y="4410038"/>
+            <a:off x="7771816" y="4410038"/>
             <a:ext cx="3060693" cy="1355454"/>
           </a:xfrm>
           <a:prstGeom prst="rect">
@@ -16712,387 +11171,242 @@
             </a:r>
             <a:r>
               <a:rPr lang="en-US" dirty="0"/>
-              <a:t>the limit for the number of nodes allowed</a:t>
-            </a:r>
+              <a:t>the limit for the number of nodes </a:t>
+            </a:r>
+            <a:r>
+              <a:rPr lang="en-US" dirty="0" smtClean="0"/>
+              <a:t>allowed.</a:t>
+            </a:r>
+            <a:endParaRPr lang="en-US" dirty="0"/>
           </a:p>
         </p:txBody>
       </p:sp>
-      <p:grpSp>
-        <p:nvGrpSpPr>
-          <p:cNvPr id="190" name="Group 189"/>
-          <p:cNvGrpSpPr/>
+      <p:sp>
+        <p:nvSpPr>
+          <p:cNvPr id="124" name="Content Placeholder 2"/>
+          <p:cNvSpPr txBox="1">
+            <a:spLocks/>
+          </p:cNvSpPr>
           <p:nvPr/>
-        </p:nvGrpSpPr>
-        <p:grpSpPr>
+        </p:nvSpPr>
+        <p:spPr>
           <a:xfrm>
-            <a:off x="1306504" y="4847182"/>
-            <a:ext cx="1341813" cy="1388225"/>
-            <a:chOff x="1310985" y="3334384"/>
-            <a:chExt cx="1341813" cy="1388225"/>
+            <a:off x="7773498" y="3183550"/>
+            <a:ext cx="3060693" cy="1355454"/>
           </a:xfrm>
-        </p:grpSpPr>
-        <p:sp>
-          <p:nvSpPr>
-            <p:cNvPr id="191" name="Rectangle 190"/>
-            <p:cNvSpPr/>
-            <p:nvPr/>
-          </p:nvSpPr>
-          <p:spPr>
-            <a:xfrm>
-              <a:off x="1494905" y="3599410"/>
-              <a:ext cx="973974" cy="307571"/>
-            </a:xfrm>
-            <a:prstGeom prst="rect">
-              <a:avLst/>
-            </a:prstGeom>
-            <a:ln/>
-          </p:spPr>
-          <p:style>
-            <a:lnRef idx="1">
-              <a:schemeClr val="accent6"/>
-            </a:lnRef>
-            <a:fillRef idx="2">
-              <a:schemeClr val="accent6"/>
-            </a:fillRef>
-            <a:effectRef idx="1">
-              <a:schemeClr val="accent6"/>
-            </a:effectRef>
-            <a:fontRef idx="minor">
-              <a:schemeClr val="dk1"/>
-            </a:fontRef>
-          </p:style>
-          <p:txBody>
-            <a:bodyPr rtlCol="0" anchor="ctr"/>
-            <a:lstStyle/>
-            <a:p>
-              <a:pPr algn="ctr"/>
-              <a:r>
-                <a:rPr lang="en-US" dirty="0"/>
-                <a:t>H</a:t>
-              </a:r>
-              <a:r>
-                <a:rPr lang="en-US" dirty="0" smtClean="0"/>
-                <a:t>idden</a:t>
-              </a:r>
-              <a:endParaRPr lang="en-US" dirty="0"/>
-            </a:p>
-          </p:txBody>
-        </p:sp>
-        <p:sp>
-          <p:nvSpPr>
-            <p:cNvPr id="192" name="Rectangle 191"/>
-            <p:cNvSpPr/>
-            <p:nvPr/>
-          </p:nvSpPr>
-          <p:spPr>
-            <a:xfrm>
-              <a:off x="1494905" y="4060766"/>
-              <a:ext cx="973974" cy="307571"/>
-            </a:xfrm>
-            <a:prstGeom prst="rect">
-              <a:avLst/>
-            </a:prstGeom>
-            <a:ln/>
-          </p:spPr>
-          <p:style>
-            <a:lnRef idx="1">
-              <a:schemeClr val="accent6"/>
-            </a:lnRef>
-            <a:fillRef idx="2">
-              <a:schemeClr val="accent6"/>
-            </a:fillRef>
-            <a:effectRef idx="1">
-              <a:schemeClr val="accent6"/>
-            </a:effectRef>
-            <a:fontRef idx="minor">
-              <a:schemeClr val="dk1"/>
-            </a:fontRef>
-          </p:style>
-          <p:txBody>
-            <a:bodyPr rtlCol="0" anchor="ctr"/>
-            <a:lstStyle/>
-            <a:p>
-              <a:pPr algn="ctr"/>
-              <a:r>
-                <a:rPr lang="en-US" dirty="0" smtClean="0"/>
-                <a:t>Input</a:t>
-              </a:r>
-              <a:endParaRPr lang="en-US" dirty="0"/>
-            </a:p>
-          </p:txBody>
-        </p:sp>
-        <p:sp>
-          <p:nvSpPr>
-            <p:cNvPr id="193" name="Rectangle 192"/>
-            <p:cNvSpPr/>
-            <p:nvPr/>
-          </p:nvSpPr>
-          <p:spPr>
-            <a:xfrm>
-              <a:off x="1310985" y="3334384"/>
-              <a:ext cx="1341813" cy="1388225"/>
-            </a:xfrm>
-            <a:prstGeom prst="rect">
-              <a:avLst/>
-            </a:prstGeom>
-            <a:noFill/>
-            <a:ln w="38100">
-              <a:solidFill>
-                <a:srgbClr val="92D050"/>
-              </a:solidFill>
-              <a:prstDash val="sysDash"/>
-            </a:ln>
-          </p:spPr>
-          <p:style>
-            <a:lnRef idx="2">
-              <a:schemeClr val="accent1">
-                <a:shade val="50000"/>
-              </a:schemeClr>
-            </a:lnRef>
-            <a:fillRef idx="1">
-              <a:schemeClr val="accent1"/>
-            </a:fillRef>
-            <a:effectRef idx="0">
-              <a:schemeClr val="accent1"/>
-            </a:effectRef>
-            <a:fontRef idx="minor">
-              <a:schemeClr val="lt1"/>
-            </a:fontRef>
-          </p:style>
-          <p:txBody>
-            <a:bodyPr rtlCol="0" anchor="ctr"/>
-            <a:lstStyle/>
-            <a:p>
-              <a:pPr algn="ctr"/>
-              <a:endParaRPr lang="en-US"/>
-            </a:p>
-          </p:txBody>
-        </p:sp>
-      </p:grpSp>
-      <p:grpSp>
-        <p:nvGrpSpPr>
-          <p:cNvPr id="194" name="Group 193"/>
-          <p:cNvGrpSpPr/>
-          <p:nvPr/>
-        </p:nvGrpSpPr>
-        <p:grpSpPr>
-          <a:xfrm>
-            <a:off x="1314336" y="1801549"/>
-            <a:ext cx="1341813" cy="1388225"/>
-            <a:chOff x="1310985" y="3334384"/>
-            <a:chExt cx="1341813" cy="1388225"/>
-          </a:xfrm>
-        </p:grpSpPr>
-        <p:sp>
-          <p:nvSpPr>
-            <p:cNvPr id="195" name="Rectangle 194"/>
-            <p:cNvSpPr/>
-            <p:nvPr/>
-          </p:nvSpPr>
-          <p:spPr>
-            <a:xfrm>
-              <a:off x="1494905" y="3599410"/>
-              <a:ext cx="973974" cy="307571"/>
-            </a:xfrm>
-            <a:prstGeom prst="rect">
-              <a:avLst/>
-            </a:prstGeom>
-            <a:ln/>
-          </p:spPr>
-          <p:style>
-            <a:lnRef idx="1">
-              <a:schemeClr val="accent6"/>
-            </a:lnRef>
-            <a:fillRef idx="2">
-              <a:schemeClr val="accent6"/>
-            </a:fillRef>
-            <a:effectRef idx="1">
-              <a:schemeClr val="accent6"/>
-            </a:effectRef>
-            <a:fontRef idx="minor">
-              <a:schemeClr val="dk1"/>
-            </a:fontRef>
-          </p:style>
-          <p:txBody>
-            <a:bodyPr rtlCol="0" anchor="ctr"/>
-            <a:lstStyle/>
-            <a:p>
-              <a:pPr algn="ctr"/>
-              <a:r>
-                <a:rPr lang="en-US" dirty="0"/>
-                <a:t>H</a:t>
-              </a:r>
-              <a:r>
-                <a:rPr lang="en-US" dirty="0" smtClean="0"/>
-                <a:t>idden</a:t>
-              </a:r>
-              <a:endParaRPr lang="en-US" dirty="0"/>
-            </a:p>
-          </p:txBody>
-        </p:sp>
-        <p:sp>
-          <p:nvSpPr>
-            <p:cNvPr id="196" name="Rectangle 195"/>
-            <p:cNvSpPr/>
-            <p:nvPr/>
-          </p:nvSpPr>
-          <p:spPr>
-            <a:xfrm>
-              <a:off x="1494905" y="4060766"/>
-              <a:ext cx="973974" cy="307571"/>
-            </a:xfrm>
-            <a:prstGeom prst="rect">
-              <a:avLst/>
-            </a:prstGeom>
-            <a:ln/>
-          </p:spPr>
-          <p:style>
-            <a:lnRef idx="1">
-              <a:schemeClr val="accent6"/>
-            </a:lnRef>
-            <a:fillRef idx="2">
-              <a:schemeClr val="accent6"/>
-            </a:fillRef>
-            <a:effectRef idx="1">
-              <a:schemeClr val="accent6"/>
-            </a:effectRef>
-            <a:fontRef idx="minor">
-              <a:schemeClr val="dk1"/>
-            </a:fontRef>
-          </p:style>
-          <p:txBody>
-            <a:bodyPr rtlCol="0" anchor="ctr"/>
-            <a:lstStyle/>
-            <a:p>
-              <a:pPr algn="ctr"/>
-              <a:r>
-                <a:rPr lang="en-US" dirty="0" smtClean="0"/>
-                <a:t>Input</a:t>
-              </a:r>
-              <a:endParaRPr lang="en-US" dirty="0"/>
-            </a:p>
-          </p:txBody>
-        </p:sp>
-        <p:sp>
-          <p:nvSpPr>
-            <p:cNvPr id="197" name="Rectangle 196"/>
-            <p:cNvSpPr/>
-            <p:nvPr/>
-          </p:nvSpPr>
-          <p:spPr>
-            <a:xfrm>
-              <a:off x="1310985" y="3334384"/>
-              <a:ext cx="1341813" cy="1388225"/>
-            </a:xfrm>
-            <a:prstGeom prst="rect">
-              <a:avLst/>
-            </a:prstGeom>
-            <a:noFill/>
-            <a:ln w="38100">
-              <a:solidFill>
-                <a:srgbClr val="92D050"/>
-              </a:solidFill>
-              <a:prstDash val="sysDash"/>
-            </a:ln>
-          </p:spPr>
-          <p:style>
-            <a:lnRef idx="2">
-              <a:schemeClr val="accent1">
-                <a:shade val="50000"/>
-              </a:schemeClr>
-            </a:lnRef>
-            <a:fillRef idx="1">
-              <a:schemeClr val="accent1"/>
-            </a:fillRef>
-            <a:effectRef idx="0">
-              <a:schemeClr val="accent1"/>
-            </a:effectRef>
-            <a:fontRef idx="minor">
-              <a:schemeClr val="lt1"/>
-            </a:fontRef>
-          </p:style>
-          <p:txBody>
-            <a:bodyPr rtlCol="0" anchor="ctr"/>
-            <a:lstStyle/>
-            <a:p>
-              <a:pPr algn="ctr"/>
-              <a:endParaRPr lang="en-US"/>
-            </a:p>
-          </p:txBody>
-        </p:sp>
-      </p:grpSp>
-      <p:cxnSp>
-        <p:nvCxnSpPr>
-          <p:cNvPr id="199" name="Straight Arrow Connector 198"/>
-          <p:cNvCxnSpPr>
-            <a:stCxn id="5" idx="3"/>
-            <a:endCxn id="195" idx="1"/>
-          </p:cNvCxnSpPr>
-          <p:nvPr/>
-        </p:nvCxnSpPr>
-        <p:spPr>
-          <a:xfrm flipV="1">
-            <a:off x="955964" y="2220361"/>
-            <a:ext cx="542292" cy="1532836"/>
-          </a:xfrm>
-          <a:prstGeom prst="straightConnector1">
+          <a:prstGeom prst="rect">
             <a:avLst/>
           </a:prstGeom>
-          <a:ln>
-            <a:tailEnd type="triangle"/>
-          </a:ln>
         </p:spPr>
-        <p:style>
-          <a:lnRef idx="1">
-            <a:schemeClr val="dk1"/>
-          </a:lnRef>
-          <a:fillRef idx="0">
-            <a:schemeClr val="dk1"/>
-          </a:fillRef>
-          <a:effectRef idx="0">
-            <a:schemeClr val="dk1"/>
-          </a:effectRef>
-          <a:fontRef idx="minor">
-            <a:schemeClr val="tx1"/>
-          </a:fontRef>
-        </p:style>
-      </p:cxnSp>
-      <p:cxnSp>
-        <p:nvCxnSpPr>
-          <p:cNvPr id="201" name="Straight Arrow Connector 200"/>
-          <p:cNvCxnSpPr>
-            <a:stCxn id="5" idx="3"/>
-            <a:endCxn id="191" idx="1"/>
-          </p:cNvCxnSpPr>
+        <p:txBody>
+          <a:bodyPr vert="horz" lIns="91440" tIns="45720" rIns="91440" bIns="45720" rtlCol="0">
+            <a:normAutofit fontScale="92500"/>
+          </a:bodyPr>
+          <a:lstStyle>
+            <a:lvl1pPr marL="228600" indent="-228600" algn="l" defTabSz="914400" rtl="0" eaLnBrk="1" latinLnBrk="0" hangingPunct="1">
+              <a:lnSpc>
+                <a:spcPct val="90000"/>
+              </a:lnSpc>
+              <a:spcBef>
+                <a:spcPts val="1000"/>
+              </a:spcBef>
+              <a:buFont typeface="Arial" panose="020B0604020202020204" pitchFamily="34" charset="0"/>
+              <a:buChar char="•"/>
+              <a:defRPr sz="2800" kern="1200">
+                <a:solidFill>
+                  <a:schemeClr val="tx1"/>
+                </a:solidFill>
+                <a:latin typeface="+mn-lt"/>
+                <a:ea typeface="+mn-ea"/>
+                <a:cs typeface="+mn-cs"/>
+              </a:defRPr>
+            </a:lvl1pPr>
+            <a:lvl2pPr marL="685800" indent="-228600" algn="l" defTabSz="914400" rtl="0" eaLnBrk="1" latinLnBrk="0" hangingPunct="1">
+              <a:lnSpc>
+                <a:spcPct val="90000"/>
+              </a:lnSpc>
+              <a:spcBef>
+                <a:spcPts val="500"/>
+              </a:spcBef>
+              <a:buFont typeface="Arial" panose="020B0604020202020204" pitchFamily="34" charset="0"/>
+              <a:buChar char="•"/>
+              <a:defRPr sz="2400" kern="1200">
+                <a:solidFill>
+                  <a:schemeClr val="tx1"/>
+                </a:solidFill>
+                <a:latin typeface="+mn-lt"/>
+                <a:ea typeface="+mn-ea"/>
+                <a:cs typeface="+mn-cs"/>
+              </a:defRPr>
+            </a:lvl2pPr>
+            <a:lvl3pPr marL="1143000" indent="-228600" algn="l" defTabSz="914400" rtl="0" eaLnBrk="1" latinLnBrk="0" hangingPunct="1">
+              <a:lnSpc>
+                <a:spcPct val="90000"/>
+              </a:lnSpc>
+              <a:spcBef>
+                <a:spcPts val="500"/>
+              </a:spcBef>
+              <a:buFont typeface="Arial" panose="020B0604020202020204" pitchFamily="34" charset="0"/>
+              <a:buChar char="•"/>
+              <a:defRPr sz="2000" kern="1200">
+                <a:solidFill>
+                  <a:schemeClr val="tx1"/>
+                </a:solidFill>
+                <a:latin typeface="+mn-lt"/>
+                <a:ea typeface="+mn-ea"/>
+                <a:cs typeface="+mn-cs"/>
+              </a:defRPr>
+            </a:lvl3pPr>
+            <a:lvl4pPr marL="1600200" indent="-228600" algn="l" defTabSz="914400" rtl="0" eaLnBrk="1" latinLnBrk="0" hangingPunct="1">
+              <a:lnSpc>
+                <a:spcPct val="90000"/>
+              </a:lnSpc>
+              <a:spcBef>
+                <a:spcPts val="500"/>
+              </a:spcBef>
+              <a:buFont typeface="Arial" panose="020B0604020202020204" pitchFamily="34" charset="0"/>
+              <a:buChar char="•"/>
+              <a:defRPr sz="1800" kern="1200">
+                <a:solidFill>
+                  <a:schemeClr val="tx1"/>
+                </a:solidFill>
+                <a:latin typeface="+mn-lt"/>
+                <a:ea typeface="+mn-ea"/>
+                <a:cs typeface="+mn-cs"/>
+              </a:defRPr>
+            </a:lvl4pPr>
+            <a:lvl5pPr marL="2057400" indent="-228600" algn="l" defTabSz="914400" rtl="0" eaLnBrk="1" latinLnBrk="0" hangingPunct="1">
+              <a:lnSpc>
+                <a:spcPct val="90000"/>
+              </a:lnSpc>
+              <a:spcBef>
+                <a:spcPts val="500"/>
+              </a:spcBef>
+              <a:buFont typeface="Arial" panose="020B0604020202020204" pitchFamily="34" charset="0"/>
+              <a:buChar char="•"/>
+              <a:defRPr sz="1800" kern="1200">
+                <a:solidFill>
+                  <a:schemeClr val="tx1"/>
+                </a:solidFill>
+                <a:latin typeface="+mn-lt"/>
+                <a:ea typeface="+mn-ea"/>
+                <a:cs typeface="+mn-cs"/>
+              </a:defRPr>
+            </a:lvl5pPr>
+            <a:lvl6pPr marL="2514600" indent="-228600" algn="l" defTabSz="914400" rtl="0" eaLnBrk="1" latinLnBrk="0" hangingPunct="1">
+              <a:lnSpc>
+                <a:spcPct val="90000"/>
+              </a:lnSpc>
+              <a:spcBef>
+                <a:spcPts val="500"/>
+              </a:spcBef>
+              <a:buFont typeface="Arial" panose="020B0604020202020204" pitchFamily="34" charset="0"/>
+              <a:buChar char="•"/>
+              <a:defRPr sz="1800" kern="1200">
+                <a:solidFill>
+                  <a:schemeClr val="tx1"/>
+                </a:solidFill>
+                <a:latin typeface="+mn-lt"/>
+                <a:ea typeface="+mn-ea"/>
+                <a:cs typeface="+mn-cs"/>
+              </a:defRPr>
+            </a:lvl6pPr>
+            <a:lvl7pPr marL="2971800" indent="-228600" algn="l" defTabSz="914400" rtl="0" eaLnBrk="1" latinLnBrk="0" hangingPunct="1">
+              <a:lnSpc>
+                <a:spcPct val="90000"/>
+              </a:lnSpc>
+              <a:spcBef>
+                <a:spcPts val="500"/>
+              </a:spcBef>
+              <a:buFont typeface="Arial" panose="020B0604020202020204" pitchFamily="34" charset="0"/>
+              <a:buChar char="•"/>
+              <a:defRPr sz="1800" kern="1200">
+                <a:solidFill>
+                  <a:schemeClr val="tx1"/>
+                </a:solidFill>
+                <a:latin typeface="+mn-lt"/>
+                <a:ea typeface="+mn-ea"/>
+                <a:cs typeface="+mn-cs"/>
+              </a:defRPr>
+            </a:lvl7pPr>
+            <a:lvl8pPr marL="3429000" indent="-228600" algn="l" defTabSz="914400" rtl="0" eaLnBrk="1" latinLnBrk="0" hangingPunct="1">
+              <a:lnSpc>
+                <a:spcPct val="90000"/>
+              </a:lnSpc>
+              <a:spcBef>
+                <a:spcPts val="500"/>
+              </a:spcBef>
+              <a:buFont typeface="Arial" panose="020B0604020202020204" pitchFamily="34" charset="0"/>
+              <a:buChar char="•"/>
+              <a:defRPr sz="1800" kern="1200">
+                <a:solidFill>
+                  <a:schemeClr val="tx1"/>
+                </a:solidFill>
+                <a:latin typeface="+mn-lt"/>
+                <a:ea typeface="+mn-ea"/>
+                <a:cs typeface="+mn-cs"/>
+              </a:defRPr>
+            </a:lvl8pPr>
+            <a:lvl9pPr marL="3886200" indent="-228600" algn="l" defTabSz="914400" rtl="0" eaLnBrk="1" latinLnBrk="0" hangingPunct="1">
+              <a:lnSpc>
+                <a:spcPct val="90000"/>
+              </a:lnSpc>
+              <a:spcBef>
+                <a:spcPts val="500"/>
+              </a:spcBef>
+              <a:buFont typeface="Arial" panose="020B0604020202020204" pitchFamily="34" charset="0"/>
+              <a:buChar char="•"/>
+              <a:defRPr sz="1800" kern="1200">
+                <a:solidFill>
+                  <a:schemeClr val="tx1"/>
+                </a:solidFill>
+                <a:latin typeface="+mn-lt"/>
+                <a:ea typeface="+mn-ea"/>
+                <a:cs typeface="+mn-cs"/>
+              </a:defRPr>
+            </a:lvl9pPr>
+          </a:lstStyle>
+          <a:p>
+            <a:r>
+              <a:rPr lang="en-US" dirty="0" smtClean="0"/>
+              <a:t>Achieve </a:t>
+            </a:r>
+            <a:r>
+              <a:rPr lang="en-US" dirty="0"/>
+              <a:t>the desired number of words in the </a:t>
+            </a:r>
+            <a:r>
+              <a:rPr lang="en-US" dirty="0" smtClean="0"/>
+              <a:t>sentence.</a:t>
+            </a:r>
+            <a:endParaRPr lang="en-US" dirty="0"/>
+          </a:p>
+        </p:txBody>
+      </p:sp>
+      <p:pic>
+        <p:nvPicPr>
+          <p:cNvPr id="3" name="Picture 2"/>
+          <p:cNvPicPr>
+            <a:picLocks noChangeAspect="1"/>
+          </p:cNvPicPr>
           <p:nvPr/>
-        </p:nvCxnSpPr>
+        </p:nvPicPr>
+        <p:blipFill>
+          <a:blip r:embed="rId2"/>
+          <a:stretch>
+            <a:fillRect/>
+          </a:stretch>
+        </p:blipFill>
         <p:spPr>
           <a:xfrm>
-            <a:off x="955964" y="3753197"/>
-            <a:ext cx="534460" cy="1512797"/>
+            <a:off x="1057446" y="1690688"/>
+            <a:ext cx="6210300" cy="3952875"/>
           </a:xfrm>
-          <a:prstGeom prst="straightConnector1">
+          <a:prstGeom prst="rect">
             <a:avLst/>
           </a:prstGeom>
-          <a:ln>
-            <a:tailEnd type="triangle"/>
-          </a:ln>
         </p:spPr>
-        <p:style>
-          <a:lnRef idx="1">
-            <a:schemeClr val="dk1"/>
-          </a:lnRef>
-          <a:fillRef idx="0">
-            <a:schemeClr val="dk1"/>
-          </a:fillRef>
-          <a:effectRef idx="0">
-            <a:schemeClr val="dk1"/>
-          </a:effectRef>
-          <a:fontRef idx="minor">
-            <a:schemeClr val="tx1"/>
-          </a:fontRef>
-        </p:style>
-      </p:cxnSp>
+      </p:pic>
     </p:spTree>
     <p:extLst>
       <p:ext uri="{BB962C8B-B14F-4D97-AF65-F5344CB8AC3E}">
@@ -20667,8 +14981,8 @@
           </p:sp>
         </mc:Fallback>
       </mc:AlternateContent>
-      <mc:AlternateContent xmlns:mc="http://schemas.openxmlformats.org/markup-compatibility/2006" xmlns:a14="http://schemas.microsoft.com/office/drawing/2010/main">
-        <mc:Choice Requires="a14">
+      <mc:AlternateContent xmlns:mc="http://schemas.openxmlformats.org/markup-compatibility/2006">
+        <mc:Choice xmlns:a14="http://schemas.microsoft.com/office/drawing/2010/main" Requires="a14">
           <p:sp>
             <p:nvSpPr>
               <p:cNvPr id="23" name="Rectangle 22"/>
@@ -20677,8 +14991,8 @@
             </p:nvSpPr>
             <p:spPr>
               <a:xfrm>
-                <a:off x="519110" y="3689613"/>
-                <a:ext cx="3802901" cy="768287"/>
+                <a:off x="838200" y="3385583"/>
+                <a:ext cx="3330207" cy="369332"/>
               </a:xfrm>
               <a:prstGeom prst="rect">
                 <a:avLst/>
@@ -20753,53 +15067,43 @@
                           </m:r>
                         </m:sub>
                       </m:sSub>
-                      <m:nary>
-                        <m:naryPr>
-                          <m:chr m:val="⨀"/>
-                          <m:subHide m:val="on"/>
-                          <m:supHide m:val="on"/>
+                      <m:r>
+                        <a:rPr lang="en-US">
+                          <a:latin typeface="Cambria Math" panose="02040503050406030204" pitchFamily="18" charset="0"/>
+                        </a:rPr>
+                        <m:t>⊙</m:t>
+                      </m:r>
+                      <m:sSub>
+                        <m:sSubPr>
                           <m:ctrlPr>
                             <a:rPr lang="en-US" i="1">
                               <a:latin typeface="Cambria Math" panose="02040503050406030204" pitchFamily="18" charset="0"/>
                             </a:rPr>
                           </m:ctrlPr>
-                        </m:naryPr>
-                        <m:sub/>
-                        <m:sup/>
+                        </m:sSubPr>
                         <m:e>
-                          <m:sSub>
-                            <m:sSubPr>
-                              <m:ctrlPr>
-                                <a:rPr lang="en-US" i="1">
-                                  <a:latin typeface="Cambria Math" panose="02040503050406030204" pitchFamily="18" charset="0"/>
-                                </a:rPr>
-                              </m:ctrlPr>
-                            </m:sSubPr>
-                            <m:e>
-                              <m:r>
-                                <a:rPr lang="en-US" i="1">
-                                  <a:latin typeface="Cambria Math" panose="02040503050406030204" pitchFamily="18" charset="0"/>
-                                </a:rPr>
-                                <m:t>h</m:t>
-                              </m:r>
-                            </m:e>
-                            <m:sub>
-                              <m:r>
-                                <a:rPr lang="en-US" i="1">
-                                  <a:latin typeface="Cambria Math" panose="02040503050406030204" pitchFamily="18" charset="0"/>
-                                </a:rPr>
-                                <m:t>𝑡</m:t>
-                              </m:r>
-                              <m:r>
-                                <a:rPr lang="en-US" i="0">
-                                  <a:latin typeface="Cambria Math" panose="02040503050406030204" pitchFamily="18" charset="0"/>
-                                </a:rPr>
-                                <m:t>−1</m:t>
-                              </m:r>
-                            </m:sub>
-                          </m:sSub>
+                          <m:r>
+                            <a:rPr lang="en-US" i="1">
+                              <a:latin typeface="Cambria Math" panose="02040503050406030204" pitchFamily="18" charset="0"/>
+                            </a:rPr>
+                            <m:t>h</m:t>
+                          </m:r>
                         </m:e>
-                      </m:nary>
+                        <m:sub>
+                          <m:r>
+                            <a:rPr lang="en-US" i="1">
+                              <a:latin typeface="Cambria Math" panose="02040503050406030204" pitchFamily="18" charset="0"/>
+                            </a:rPr>
+                            <m:t>𝑡</m:t>
+                          </m:r>
+                          <m:r>
+                            <a:rPr lang="en-US">
+                              <a:latin typeface="Cambria Math" panose="02040503050406030204" pitchFamily="18" charset="0"/>
+                            </a:rPr>
+                            <m:t>−1</m:t>
+                          </m:r>
+                        </m:sub>
+                      </m:sSub>
                       <m:r>
                         <a:rPr lang="en-US" i="0">
                           <a:latin typeface="Cambria Math" panose="02040503050406030204" pitchFamily="18" charset="0"/>
@@ -20848,55 +15152,45 @@
                           </m:sSub>
                         </m:e>
                       </m:d>
-                      <m:nary>
-                        <m:naryPr>
-                          <m:chr m:val="⨀"/>
-                          <m:subHide m:val="on"/>
-                          <m:supHide m:val="on"/>
+                      <m:r>
+                        <a:rPr lang="en-US">
+                          <a:latin typeface="Cambria Math" panose="02040503050406030204" pitchFamily="18" charset="0"/>
+                        </a:rPr>
+                        <m:t>⊙</m:t>
+                      </m:r>
+                      <m:sSubSup>
+                        <m:sSubSupPr>
                           <m:ctrlPr>
                             <a:rPr lang="en-US" i="1">
                               <a:latin typeface="Cambria Math" panose="02040503050406030204" pitchFamily="18" charset="0"/>
                             </a:rPr>
                           </m:ctrlPr>
-                        </m:naryPr>
-                        <m:sub/>
-                        <m:sup/>
+                        </m:sSubSupPr>
                         <m:e>
-                          <m:sSubSup>
-                            <m:sSubSupPr>
-                              <m:ctrlPr>
-                                <a:rPr lang="en-US" i="1">
-                                  <a:latin typeface="Cambria Math" panose="02040503050406030204" pitchFamily="18" charset="0"/>
-                                </a:rPr>
-                              </m:ctrlPr>
-                            </m:sSubSupPr>
-                            <m:e>
-                              <m:r>
-                                <a:rPr lang="en-US" i="1">
-                                  <a:latin typeface="Cambria Math" panose="02040503050406030204" pitchFamily="18" charset="0"/>
-                                </a:rPr>
-                                <m:t>h</m:t>
-                              </m:r>
-                            </m:e>
-                            <m:sub>
-                              <m:r>
-                                <a:rPr lang="en-US" i="1">
-                                  <a:latin typeface="Cambria Math" panose="02040503050406030204" pitchFamily="18" charset="0"/>
-                                </a:rPr>
-                                <m:t>𝑡</m:t>
-                              </m:r>
-                            </m:sub>
-                            <m:sup>
-                              <m:r>
-                                <a:rPr lang="en-US" i="0">
-                                  <a:latin typeface="Cambria Math" panose="02040503050406030204" pitchFamily="18" charset="0"/>
-                                </a:rPr>
-                                <m:t>′</m:t>
-                              </m:r>
-                            </m:sup>
-                          </m:sSubSup>
+                          <m:r>
+                            <a:rPr lang="en-US" i="1">
+                              <a:latin typeface="Cambria Math" panose="02040503050406030204" pitchFamily="18" charset="0"/>
+                            </a:rPr>
+                            <m:t>h</m:t>
+                          </m:r>
                         </m:e>
-                      </m:nary>
+                        <m:sub>
+                          <m:r>
+                            <a:rPr lang="en-US" i="1">
+                              <a:latin typeface="Cambria Math" panose="02040503050406030204" pitchFamily="18" charset="0"/>
+                            </a:rPr>
+                            <m:t>𝑡</m:t>
+                          </m:r>
+                        </m:sub>
+                        <m:sup>
+                          <m:r>
+                            <a:rPr lang="en-US">
+                              <a:latin typeface="Cambria Math" panose="02040503050406030204" pitchFamily="18" charset="0"/>
+                            </a:rPr>
+                            <m:t>′</m:t>
+                          </m:r>
+                        </m:sup>
+                      </m:sSubSup>
                     </m:oMath>
                   </m:oMathPara>
                 </a14:m>
@@ -20905,7 +15199,7 @@
             </p:txBody>
           </p:sp>
         </mc:Choice>
-        <mc:Fallback xmlns="">
+        <mc:Fallback>
           <p:sp>
             <p:nvSpPr>
               <p:cNvPr id="23" name="Rectangle 22"/>
@@ -20916,8 +15210,8 @@
             </p:nvSpPr>
             <p:spPr>
               <a:xfrm>
-                <a:off x="519110" y="3689613"/>
-                <a:ext cx="3802901" cy="768287"/>
+                <a:off x="838200" y="3385583"/>
+                <a:ext cx="3330207" cy="369332"/>
               </a:xfrm>
               <a:prstGeom prst="rect">
                 <a:avLst/>
@@ -20925,7 +15219,7 @@
               <a:blipFill>
                 <a:blip r:embed="rId6"/>
                 <a:stretch>
-                  <a:fillRect/>
+                  <a:fillRect b="-4918"/>
                 </a:stretch>
               </a:blipFill>
             </p:spPr>
